--- a/intelligenceArtificielle/Intelligence_artificielle_exam.pptx
+++ b/intelligenceArtificielle/Intelligence_artificielle_exam.pptx
@@ -15,8 +15,8 @@
     <p:sldId id="273" r:id="rId6"/>
     <p:sldId id="274" r:id="rId7"/>
     <p:sldId id="275" r:id="rId8"/>
-    <p:sldId id="276" r:id="rId9"/>
-    <p:sldId id="272" r:id="rId10"/>
+    <p:sldId id="272" r:id="rId9"/>
+    <p:sldId id="278" r:id="rId10"/>
     <p:sldId id="260" r:id="rId11"/>
     <p:sldId id="261" r:id="rId12"/>
     <p:sldId id="262" r:id="rId13"/>
@@ -136,7 +136,7 @@
 
 <file path=ppt/commentAuthors.xml><?xml version="1.0" encoding="utf-8"?>
 <p:cmAuthorLst xmlns:a="http://schemas.openxmlformats.org/drawingml/2006/main" xmlns:r="http://schemas.openxmlformats.org/officeDocument/2006/relationships" xmlns:p="http://schemas.openxmlformats.org/presentationml/2006/main">
-  <p:cmAuthor id="1" name="joao quinta" initials="jq" lastIdx="2" clrIdx="0">
+  <p:cmAuthor id="1" name="joao quinta" initials="jq" lastIdx="4" clrIdx="0">
     <p:extLst>
       <p:ext uri="{19B8F6BF-5375-455C-9EA6-DF929625EA0E}">
         <p15:presenceInfo xmlns:p15="http://schemas.microsoft.com/office/powerpoint/2012/main" userId="36a37c0acf72c495" providerId="Windows Live"/>
@@ -228,7 +228,7 @@
           <a:p>
             <a:fld id="{64CBD762-7D85-4C9B-9A27-1200EC1C67A3}" type="datetimeFigureOut">
               <a:rPr lang="fr-CH" smtClean="0"/>
-              <a:t>01.02.2021</a:t>
+              <a:t>02.02.2021</a:t>
             </a:fld>
             <a:endParaRPr lang="fr-CH"/>
           </a:p>
@@ -1049,34 +1049,291 @@
         </p:nvSpPr>
         <p:spPr/>
       </p:sp>
-      <p:sp>
-        <p:nvSpPr>
-          <p:cNvPr id="3" name="Espace réservé des notes 2"/>
-          <p:cNvSpPr>
-            <a:spLocks noGrp="1"/>
-          </p:cNvSpPr>
-          <p:nvPr>
-            <p:ph type="body" idx="1"/>
-          </p:nvPr>
-        </p:nvSpPr>
-        <p:spPr/>
-        <p:txBody>
-          <a:bodyPr/>
-          <a:lstStyle/>
-          <a:p>
-            <a:r>
-              <a:rPr lang="fr-CH" dirty="0"/>
-              <a:t>Stratégie IDA* -&gt; limite la profondeur de recherche</a:t>
-            </a:r>
-          </a:p>
-          <a:p>
-            <a:r>
-              <a:rPr lang="fr-CH" dirty="0"/>
-              <a:t>Stratégie SMA* -&gt; on fixe une limite de nœuds en mémoire -&gt; on supprime les nœuds les plus chères</a:t>
-            </a:r>
-          </a:p>
-        </p:txBody>
-      </p:sp>
+      <mc:AlternateContent xmlns:mc="http://schemas.openxmlformats.org/markup-compatibility/2006">
+        <mc:Choice xmlns:a14="http://schemas.microsoft.com/office/drawing/2010/main" Requires="a14">
+          <p:sp>
+            <p:nvSpPr>
+              <p:cNvPr id="3" name="Espace réservé des notes 2"/>
+              <p:cNvSpPr>
+                <a:spLocks noGrp="1"/>
+              </p:cNvSpPr>
+              <p:nvPr>
+                <p:ph type="body" idx="1"/>
+              </p:nvPr>
+            </p:nvSpPr>
+            <p:spPr/>
+            <p:txBody>
+              <a:bodyPr/>
+              <a:lstStyle/>
+              <a:p>
+                <a14:m>
+                  <m:oMath xmlns:m="http://schemas.openxmlformats.org/officeDocument/2006/math">
+                    <m:sSub>
+                      <m:sSubPr>
+                        <m:ctrlPr>
+                          <a:rPr lang="x-IV_mathan" i="1" smtClean="0">
+                            <a:solidFill>
+                              <a:srgbClr val="FF0000"/>
+                            </a:solidFill>
+                            <a:latin typeface="Cambria Math" panose="02040503050406030204" pitchFamily="18" charset="0"/>
+                          </a:rPr>
+                        </m:ctrlPr>
+                      </m:sSubPr>
+                      <m:e>
+                        <m:r>
+                          <a:rPr lang="fr-CH" b="0" i="1" smtClean="0">
+                            <a:solidFill>
+                              <a:srgbClr val="FF0000"/>
+                            </a:solidFill>
+                            <a:latin typeface="Cambria Math" panose="02040503050406030204" pitchFamily="18" charset="0"/>
+                          </a:rPr>
+                          <m:t>𝐷</m:t>
+                        </m:r>
+                      </m:e>
+                      <m:sub>
+                        <m:r>
+                          <a:rPr lang="fr-CH" i="1">
+                            <a:solidFill>
+                              <a:srgbClr val="FF0000"/>
+                            </a:solidFill>
+                            <a:latin typeface="Cambria Math" panose="02040503050406030204" pitchFamily="18" charset="0"/>
+                          </a:rPr>
+                          <m:t>𝑖</m:t>
+                        </m:r>
+                      </m:sub>
+                    </m:sSub>
+                    <m:r>
+                      <a:rPr lang="fr-CH">
+                        <a:solidFill>
+                          <a:srgbClr val="FF0000"/>
+                        </a:solidFill>
+                        <a:latin typeface="Cambria Math" panose="02040503050406030204" pitchFamily="18" charset="0"/>
+                      </a:rPr>
+                      <m:t> </m:t>
+                    </m:r>
+                  </m:oMath>
+                </a14:m>
+                <a:r>
+                  <a:rPr lang="fr-CH" dirty="0"/>
+                  <a:t>- c est un ensemble</a:t>
+                </a:r>
+                <a:r>
+                  <a:rPr lang="fr-CH" baseline="0" dirty="0"/>
+                  <a:t> qui content toutes les valeurs admissibles pour xi -&gt; discret et fini</a:t>
+                </a:r>
+              </a:p>
+              <a:p>
+                <a:r>
+                  <a:rPr lang="fr-CH" dirty="0">
+                    <a:solidFill>
+                      <a:srgbClr val="FF0000"/>
+                    </a:solidFill>
+                  </a:rPr>
+                  <a:t>C</a:t>
+                </a:r>
+                <a:r>
+                  <a:rPr lang="x-IV_mathan" dirty="0">
+                    <a:solidFill>
+                      <a:srgbClr val="FF0000"/>
+                    </a:solidFill>
+                  </a:rPr>
+                  <a:t>haque contrainte - </a:t>
+                </a:r>
+                <a14:m>
+                  <m:oMath xmlns:m="http://schemas.openxmlformats.org/officeDocument/2006/math">
+                    <m:sSub>
+                      <m:sSubPr>
+                        <m:ctrlPr>
+                          <a:rPr lang="x-IV_mathan" i="1" smtClean="0">
+                            <a:solidFill>
+                              <a:srgbClr val="FF0000"/>
+                            </a:solidFill>
+                            <a:latin typeface="Cambria Math" panose="02040503050406030204" pitchFamily="18" charset="0"/>
+                          </a:rPr>
+                        </m:ctrlPr>
+                      </m:sSubPr>
+                      <m:e>
+                        <m:r>
+                          <a:rPr lang="fr-CH" b="0" i="1" smtClean="0">
+                            <a:solidFill>
+                              <a:srgbClr val="FF0000"/>
+                            </a:solidFill>
+                            <a:latin typeface="Cambria Math" panose="02040503050406030204" pitchFamily="18" charset="0"/>
+                          </a:rPr>
+                          <m:t>𝑐</m:t>
+                        </m:r>
+                      </m:e>
+                      <m:sub>
+                        <m:r>
+                          <a:rPr lang="fr-CH" b="0" i="1" smtClean="0">
+                            <a:solidFill>
+                              <a:srgbClr val="FF0000"/>
+                            </a:solidFill>
+                            <a:latin typeface="Cambria Math" panose="02040503050406030204" pitchFamily="18" charset="0"/>
+                          </a:rPr>
+                          <m:t>𝑗</m:t>
+                        </m:r>
+                      </m:sub>
+                    </m:sSub>
+                  </m:oMath>
+                </a14:m>
+                <a:r>
+                  <a:rPr lang="fr-CH" dirty="0"/>
+                  <a:t> - est une proposition</a:t>
+                </a:r>
+                <a:r>
+                  <a:rPr lang="fr-CH" baseline="0" dirty="0"/>
+                  <a:t> logique qui s’applique sur les variables X</a:t>
+                </a:r>
+              </a:p>
+              <a:p>
+                <a:endParaRPr lang="fr-CH" baseline="0" dirty="0"/>
+              </a:p>
+              <a:p>
+                <a:r>
+                  <a:rPr lang="fr-CH" baseline="0" dirty="0"/>
+                  <a:t>Un état valide est un affectation de certaines variables dans leurs domaines et satisfaisant les contraintes</a:t>
+                </a:r>
+              </a:p>
+              <a:p>
+                <a:r>
+                  <a:rPr lang="fr-CH" baseline="0" dirty="0"/>
+                  <a:t>Une solution est une affectation valide qui affecte tout xi</a:t>
+                </a:r>
+              </a:p>
+              <a:p>
+                <a:endParaRPr lang="fr-CH" dirty="0"/>
+              </a:p>
+            </p:txBody>
+          </p:sp>
+        </mc:Choice>
+        <mc:Fallback>
+          <p:sp>
+            <p:nvSpPr>
+              <p:cNvPr id="3" name="Espace réservé des notes 2"/>
+              <p:cNvSpPr>
+                <a:spLocks noGrp="1"/>
+              </p:cNvSpPr>
+              <p:nvPr>
+                <p:ph type="body" idx="1"/>
+              </p:nvPr>
+            </p:nvSpPr>
+            <p:spPr/>
+            <p:txBody>
+              <a:bodyPr/>
+              <a:lstStyle/>
+              <a:p>
+                <a:r>
+                  <a:rPr lang="fr-CH" b="0" i="0">
+                    <a:solidFill>
+                      <a:srgbClr val="FF0000"/>
+                    </a:solidFill>
+                    <a:latin typeface="Cambria Math" panose="02040503050406030204" pitchFamily="18" charset="0"/>
+                  </a:rPr>
+                  <a:t>𝐷</a:t>
+                </a:r>
+                <a:r>
+                  <a:rPr lang="x-IV_mathan" b="0" i="0">
+                    <a:solidFill>
+                      <a:srgbClr val="FF0000"/>
+                    </a:solidFill>
+                    <a:latin typeface="Cambria Math" panose="02040503050406030204" pitchFamily="18" charset="0"/>
+                  </a:rPr>
+                  <a:t>_</a:t>
+                </a:r>
+                <a:r>
+                  <a:rPr lang="fr-CH" i="0">
+                    <a:solidFill>
+                      <a:srgbClr val="FF0000"/>
+                    </a:solidFill>
+                    <a:latin typeface="Cambria Math" panose="02040503050406030204" pitchFamily="18" charset="0"/>
+                  </a:rPr>
+                  <a:t>𝑖  </a:t>
+                </a:r>
+                <a:r>
+                  <a:rPr lang="fr-CH" dirty="0"/>
+                  <a:t>- c est un ensemble</a:t>
+                </a:r>
+                <a:r>
+                  <a:rPr lang="fr-CH" baseline="0" dirty="0"/>
+                  <a:t> qui content toutes les valeurs admissibles pour xi -&gt; discret et fini</a:t>
+                </a:r>
+              </a:p>
+              <a:p>
+                <a:r>
+                  <a:rPr lang="fr-CH" dirty="0">
+                    <a:solidFill>
+                      <a:srgbClr val="FF0000"/>
+                    </a:solidFill>
+                  </a:rPr>
+                  <a:t>C</a:t>
+                </a:r>
+                <a:r>
+                  <a:rPr lang="x-IV_mathan" dirty="0">
+                    <a:solidFill>
+                      <a:srgbClr val="FF0000"/>
+                    </a:solidFill>
+                  </a:rPr>
+                  <a:t>haque contrainte - </a:t>
+                </a:r>
+                <a:r>
+                  <a:rPr lang="fr-CH" b="0" i="0">
+                    <a:solidFill>
+                      <a:srgbClr val="FF0000"/>
+                    </a:solidFill>
+                    <a:latin typeface="Cambria Math" panose="02040503050406030204" pitchFamily="18" charset="0"/>
+                  </a:rPr>
+                  <a:t>𝑐</a:t>
+                </a:r>
+                <a:r>
+                  <a:rPr lang="x-IV_mathan" b="0" i="0">
+                    <a:solidFill>
+                      <a:srgbClr val="FF0000"/>
+                    </a:solidFill>
+                    <a:latin typeface="Cambria Math" panose="02040503050406030204" pitchFamily="18" charset="0"/>
+                  </a:rPr>
+                  <a:t>_</a:t>
+                </a:r>
+                <a:r>
+                  <a:rPr lang="fr-CH" b="0" i="0">
+                    <a:solidFill>
+                      <a:srgbClr val="FF0000"/>
+                    </a:solidFill>
+                    <a:latin typeface="Cambria Math" panose="02040503050406030204" pitchFamily="18" charset="0"/>
+                  </a:rPr>
+                  <a:t>𝑗</a:t>
+                </a:r>
+                <a:r>
+                  <a:rPr lang="fr-CH" dirty="0"/>
+                  <a:t> - est une proposition</a:t>
+                </a:r>
+                <a:r>
+                  <a:rPr lang="fr-CH" baseline="0" dirty="0"/>
+                  <a:t> logique qui s’applique sur les variables X</a:t>
+                </a:r>
+              </a:p>
+              <a:p>
+                <a:endParaRPr lang="fr-CH" baseline="0" dirty="0"/>
+              </a:p>
+              <a:p>
+                <a:r>
+                  <a:rPr lang="fr-CH" baseline="0" dirty="0"/>
+                  <a:t>Un état valide est un affectation de certaines variables dans leurs domaines et satisfaisant les contraintes</a:t>
+                </a:r>
+              </a:p>
+              <a:p>
+                <a:r>
+                  <a:rPr lang="fr-CH" baseline="0" dirty="0"/>
+                  <a:t>Une solution est une affectation valide qui affecte tout xi</a:t>
+                </a:r>
+              </a:p>
+              <a:p>
+                <a:endParaRPr lang="fr-CH" dirty="0"/>
+              </a:p>
+            </p:txBody>
+          </p:sp>
+        </mc:Fallback>
+      </mc:AlternateContent>
       <p:sp>
         <p:nvSpPr>
           <p:cNvPr id="4" name="Espace réservé du numéro de diapositive 3"/>
@@ -1103,7 +1360,130 @@
     </p:spTree>
     <p:extLst>
       <p:ext uri="{BB962C8B-B14F-4D97-AF65-F5344CB8AC3E}">
-        <p14:creationId xmlns:p14="http://schemas.microsoft.com/office/powerpoint/2010/main" val="3791034607"/>
+        <p14:creationId xmlns:p14="http://schemas.microsoft.com/office/powerpoint/2010/main" val="52836215"/>
+      </p:ext>
+    </p:extLst>
+  </p:cSld>
+  <p:clrMapOvr>
+    <a:masterClrMapping/>
+  </p:clrMapOvr>
+</p:notes>
+</file>
+
+<file path=ppt/notesSlides/notesSlide6.xml><?xml version="1.0" encoding="utf-8"?>
+<p:notes xmlns:a="http://schemas.openxmlformats.org/drawingml/2006/main" xmlns:r="http://schemas.openxmlformats.org/officeDocument/2006/relationships" xmlns:p="http://schemas.openxmlformats.org/presentationml/2006/main">
+  <p:cSld>
+    <p:spTree>
+      <p:nvGrpSpPr>
+        <p:cNvPr id="1" name=""/>
+        <p:cNvGrpSpPr/>
+        <p:nvPr/>
+      </p:nvGrpSpPr>
+      <p:grpSpPr>
+        <a:xfrm>
+          <a:off x="0" y="0"/>
+          <a:ext cx="0" cy="0"/>
+          <a:chOff x="0" y="0"/>
+          <a:chExt cx="0" cy="0"/>
+        </a:xfrm>
+      </p:grpSpPr>
+      <p:sp>
+        <p:nvSpPr>
+          <p:cNvPr id="2" name="Espace réservé de l'image des diapositives 1"/>
+          <p:cNvSpPr>
+            <a:spLocks noGrp="1" noRot="1" noChangeAspect="1"/>
+          </p:cNvSpPr>
+          <p:nvPr>
+            <p:ph type="sldImg"/>
+          </p:nvPr>
+        </p:nvSpPr>
+        <p:spPr/>
+      </p:sp>
+      <p:sp>
+        <p:nvSpPr>
+          <p:cNvPr id="3" name="Espace réservé des notes 2"/>
+          <p:cNvSpPr>
+            <a:spLocks noGrp="1"/>
+          </p:cNvSpPr>
+          <p:nvPr>
+            <p:ph type="body" idx="1"/>
+          </p:nvPr>
+        </p:nvSpPr>
+        <p:spPr/>
+        <p:txBody>
+          <a:bodyPr/>
+          <a:lstStyle/>
+          <a:p>
+            <a:r>
+              <a:rPr lang="fr-CH" dirty="0"/>
+              <a:t>L algorithme consiste à :</a:t>
+            </a:r>
+          </a:p>
+          <a:p>
+            <a:r>
+              <a:rPr lang="fr-CH" dirty="0"/>
+              <a:t>	assigner une valeur du domaine Di à Xi, regarder si ca respecte les contraintes:</a:t>
+            </a:r>
+          </a:p>
+          <a:p>
+            <a:r>
+              <a:rPr lang="fr-CH" dirty="0"/>
+              <a:t>		-&gt; si oui, on refait la même chose pour Xi+1</a:t>
+            </a:r>
+          </a:p>
+          <a:p>
+            <a:r>
+              <a:rPr lang="fr-CH" dirty="0"/>
+              <a:t>		-&gt; si non</a:t>
+            </a:r>
+          </a:p>
+          <a:p>
+            <a:r>
+              <a:rPr lang="fr-CH" dirty="0"/>
+              <a:t>			-&gt; si domaine Di de Xi a plus de valeurs on teste une autre valeur </a:t>
+            </a:r>
+          </a:p>
+          <a:p>
+            <a:r>
+              <a:rPr lang="fr-CH" dirty="0"/>
+              <a:t>			-&gt; si domaine Di n’a plus de valeur -&gt; on backtrack</a:t>
+            </a:r>
+          </a:p>
+          <a:p>
+            <a:endParaRPr lang="fr-CH" dirty="0"/>
+          </a:p>
+          <a:p>
+            <a:endParaRPr lang="fr-CH" dirty="0"/>
+          </a:p>
+        </p:txBody>
+      </p:sp>
+      <p:sp>
+        <p:nvSpPr>
+          <p:cNvPr id="4" name="Espace réservé du numéro de diapositive 3"/>
+          <p:cNvSpPr>
+            <a:spLocks noGrp="1"/>
+          </p:cNvSpPr>
+          <p:nvPr>
+            <p:ph type="sldNum" sz="quarter" idx="5"/>
+          </p:nvPr>
+        </p:nvSpPr>
+        <p:spPr/>
+        <p:txBody>
+          <a:bodyPr/>
+          <a:lstStyle/>
+          <a:p>
+            <a:fld id="{FD6302D7-B1E1-4874-8725-B1250A89F460}" type="slidenum">
+              <a:rPr lang="fr-CH" smtClean="0"/>
+              <a:t>9</a:t>
+            </a:fld>
+            <a:endParaRPr lang="fr-CH"/>
+          </a:p>
+        </p:txBody>
+      </p:sp>
+    </p:spTree>
+    <p:extLst>
+      <p:ext uri="{BB962C8B-B14F-4D97-AF65-F5344CB8AC3E}">
+        <p14:creationId xmlns:p14="http://schemas.microsoft.com/office/powerpoint/2010/main" val="3329098589"/>
       </p:ext>
     </p:extLst>
   </p:cSld>
@@ -1262,7 +1642,7 @@
           <a:p>
             <a:fld id="{46EFA6A2-3031-45FF-BDA0-75ECB34C33B1}" type="datetimeFigureOut">
               <a:rPr lang="en-GB" smtClean="0"/>
-              <a:t>01/02/2021</a:t>
+              <a:t>02/02/2021</a:t>
             </a:fld>
             <a:endParaRPr lang="en-GB"/>
           </a:p>
@@ -1462,7 +1842,7 @@
           <a:p>
             <a:fld id="{46EFA6A2-3031-45FF-BDA0-75ECB34C33B1}" type="datetimeFigureOut">
               <a:rPr lang="en-GB" smtClean="0"/>
-              <a:t>01/02/2021</a:t>
+              <a:t>02/02/2021</a:t>
             </a:fld>
             <a:endParaRPr lang="en-GB"/>
           </a:p>
@@ -1672,7 +2052,7 @@
           <a:p>
             <a:fld id="{46EFA6A2-3031-45FF-BDA0-75ECB34C33B1}" type="datetimeFigureOut">
               <a:rPr lang="en-GB" smtClean="0"/>
-              <a:t>01/02/2021</a:t>
+              <a:t>02/02/2021</a:t>
             </a:fld>
             <a:endParaRPr lang="en-GB"/>
           </a:p>
@@ -1872,7 +2252,7 @@
           <a:p>
             <a:fld id="{46EFA6A2-3031-45FF-BDA0-75ECB34C33B1}" type="datetimeFigureOut">
               <a:rPr lang="en-GB" smtClean="0"/>
-              <a:t>01/02/2021</a:t>
+              <a:t>02/02/2021</a:t>
             </a:fld>
             <a:endParaRPr lang="en-GB"/>
           </a:p>
@@ -2148,7 +2528,7 @@
           <a:p>
             <a:fld id="{46EFA6A2-3031-45FF-BDA0-75ECB34C33B1}" type="datetimeFigureOut">
               <a:rPr lang="en-GB" smtClean="0"/>
-              <a:t>01/02/2021</a:t>
+              <a:t>02/02/2021</a:t>
             </a:fld>
             <a:endParaRPr lang="en-GB"/>
           </a:p>
@@ -2416,7 +2796,7 @@
           <a:p>
             <a:fld id="{46EFA6A2-3031-45FF-BDA0-75ECB34C33B1}" type="datetimeFigureOut">
               <a:rPr lang="en-GB" smtClean="0"/>
-              <a:t>01/02/2021</a:t>
+              <a:t>02/02/2021</a:t>
             </a:fld>
             <a:endParaRPr lang="en-GB"/>
           </a:p>
@@ -2831,7 +3211,7 @@
           <a:p>
             <a:fld id="{46EFA6A2-3031-45FF-BDA0-75ECB34C33B1}" type="datetimeFigureOut">
               <a:rPr lang="en-GB" smtClean="0"/>
-              <a:t>01/02/2021</a:t>
+              <a:t>02/02/2021</a:t>
             </a:fld>
             <a:endParaRPr lang="en-GB"/>
           </a:p>
@@ -2973,7 +3353,7 @@
           <a:p>
             <a:fld id="{46EFA6A2-3031-45FF-BDA0-75ECB34C33B1}" type="datetimeFigureOut">
               <a:rPr lang="en-GB" smtClean="0"/>
-              <a:t>01/02/2021</a:t>
+              <a:t>02/02/2021</a:t>
             </a:fld>
             <a:endParaRPr lang="en-GB"/>
           </a:p>
@@ -3086,7 +3466,7 @@
           <a:p>
             <a:fld id="{46EFA6A2-3031-45FF-BDA0-75ECB34C33B1}" type="datetimeFigureOut">
               <a:rPr lang="en-GB" smtClean="0"/>
-              <a:t>01/02/2021</a:t>
+              <a:t>02/02/2021</a:t>
             </a:fld>
             <a:endParaRPr lang="en-GB"/>
           </a:p>
@@ -3399,7 +3779,7 @@
           <a:p>
             <a:fld id="{46EFA6A2-3031-45FF-BDA0-75ECB34C33B1}" type="datetimeFigureOut">
               <a:rPr lang="en-GB" smtClean="0"/>
-              <a:t>01/02/2021</a:t>
+              <a:t>02/02/2021</a:t>
             </a:fld>
             <a:endParaRPr lang="en-GB"/>
           </a:p>
@@ -3688,7 +4068,7 @@
           <a:p>
             <a:fld id="{46EFA6A2-3031-45FF-BDA0-75ECB34C33B1}" type="datetimeFigureOut">
               <a:rPr lang="en-GB" smtClean="0"/>
-              <a:t>01/02/2021</a:t>
+              <a:t>02/02/2021</a:t>
             </a:fld>
             <a:endParaRPr lang="en-GB"/>
           </a:p>
@@ -3931,7 +4311,7 @@
           <a:p>
             <a:fld id="{46EFA6A2-3031-45FF-BDA0-75ECB34C33B1}" type="datetimeFigureOut">
               <a:rPr lang="en-GB" smtClean="0"/>
-              <a:t>01/02/2021</a:t>
+              <a:t>02/02/2021</a:t>
             </a:fld>
             <a:endParaRPr lang="en-GB"/>
           </a:p>
@@ -7688,221 +8068,64 @@
               <a:buNone/>
             </a:pPr>
             <a:r>
-              <a:rPr lang="en-GB" dirty="0"/>
-              <a:t>A* est algorithme </a:t>
-            </a:r>
-            <a:r>
-              <a:rPr lang="en-GB" dirty="0" err="1"/>
-              <a:t>d’exploration</a:t>
-            </a:r>
-            <a:r>
-              <a:rPr lang="en-GB" dirty="0"/>
-              <a:t> qui utilise une function </a:t>
-            </a:r>
-            <a:r>
-              <a:rPr lang="en-GB" dirty="0" err="1"/>
-              <a:t>d’évaluation</a:t>
-            </a:r>
-            <a:r>
-              <a:rPr lang="en-GB" dirty="0"/>
-              <a:t>.</a:t>
+              <a:rPr lang="fr-CH"/>
+              <a:t>A* est algorithme d’exploration qui utilise une function d’évaluation.</a:t>
             </a:r>
           </a:p>
           <a:p>
             <a:pPr marL="0" indent="0">
               <a:buNone/>
             </a:pPr>
-            <a:endParaRPr lang="en-GB" dirty="0"/>
+            <a:endParaRPr lang="fr-CH"/>
           </a:p>
           <a:p>
             <a:pPr marL="0" indent="0">
               <a:buNone/>
             </a:pPr>
             <a:r>
-              <a:rPr lang="en-GB" dirty="0"/>
-              <a:t>A* explore le </a:t>
-            </a:r>
-            <a:r>
-              <a:rPr lang="en-GB" dirty="0" err="1"/>
-              <a:t>graphe</a:t>
-            </a:r>
-            <a:r>
-              <a:rPr lang="en-GB" dirty="0"/>
-              <a:t> </a:t>
-            </a:r>
-            <a:r>
-              <a:rPr lang="en-GB" dirty="0" err="1"/>
-              <a:t>complètement</a:t>
-            </a:r>
-            <a:r>
-              <a:rPr lang="en-GB" dirty="0"/>
-              <a:t> (au </a:t>
-            </a:r>
-            <a:r>
-              <a:rPr lang="en-GB" dirty="0" err="1"/>
-              <a:t>pire</a:t>
-            </a:r>
-            <a:r>
-              <a:rPr lang="en-GB" dirty="0"/>
-              <a:t> des </a:t>
-            </a:r>
-            <a:r>
-              <a:rPr lang="en-GB" dirty="0" err="1"/>
-              <a:t>cas</a:t>
-            </a:r>
-            <a:r>
-              <a:rPr lang="en-GB" dirty="0"/>
-              <a:t>) -&gt; on est sur de </a:t>
-            </a:r>
-            <a:r>
-              <a:rPr lang="en-GB" dirty="0" err="1"/>
-              <a:t>trouver</a:t>
-            </a:r>
-            <a:r>
-              <a:rPr lang="en-GB" dirty="0"/>
-              <a:t> une solution (</a:t>
-            </a:r>
-            <a:r>
-              <a:rPr lang="en-GB" dirty="0" err="1"/>
-              <a:t>si</a:t>
-            </a:r>
-            <a:r>
-              <a:rPr lang="en-GB" dirty="0"/>
-              <a:t> </a:t>
-            </a:r>
-            <a:r>
-              <a:rPr lang="en-GB" dirty="0" err="1"/>
-              <a:t>elle</a:t>
-            </a:r>
-            <a:r>
-              <a:rPr lang="en-GB" dirty="0"/>
-              <a:t> </a:t>
-            </a:r>
-            <a:r>
-              <a:rPr lang="en-GB" dirty="0" err="1"/>
-              <a:t>existe</a:t>
-            </a:r>
-            <a:r>
-              <a:rPr lang="en-GB" dirty="0"/>
-              <a:t>)</a:t>
+              <a:rPr lang="fr-CH"/>
+              <a:t>A* explore le graphe complètement (au pire des cas) -&gt; on est sur de trouver une solution (si elle existe)</a:t>
             </a:r>
           </a:p>
           <a:p>
             <a:pPr marL="0" indent="0">
               <a:buNone/>
             </a:pPr>
-            <a:endParaRPr lang="en-GB" dirty="0"/>
+            <a:endParaRPr lang="fr-CH"/>
           </a:p>
           <a:p>
             <a:pPr marL="0" indent="0">
               <a:buNone/>
             </a:pPr>
             <a:r>
-              <a:rPr lang="en-GB" dirty="0"/>
-              <a:t>A* </a:t>
-            </a:r>
-            <a:r>
-              <a:rPr lang="en-GB" dirty="0" err="1"/>
-              <a:t>donne</a:t>
-            </a:r>
-            <a:r>
-              <a:rPr lang="en-GB" dirty="0"/>
-              <a:t> des </a:t>
-            </a:r>
-            <a:r>
-              <a:rPr lang="en-GB" dirty="0" err="1"/>
-              <a:t>garanties</a:t>
-            </a:r>
-            <a:r>
-              <a:rPr lang="en-GB" dirty="0"/>
-              <a:t> </a:t>
-            </a:r>
-            <a:r>
-              <a:rPr lang="en-GB" dirty="0" err="1"/>
-              <a:t>d’optimalité</a:t>
-            </a:r>
-            <a:r>
-              <a:rPr lang="en-GB" dirty="0"/>
-              <a:t> et de </a:t>
-            </a:r>
-            <a:r>
-              <a:rPr lang="en-GB" dirty="0" err="1"/>
-              <a:t>complétude</a:t>
-            </a:r>
-            <a:endParaRPr lang="en-GB" dirty="0"/>
+              <a:rPr lang="fr-CH"/>
+              <a:t>A* donne des garanties d’optimalité et de complétude</a:t>
+            </a:r>
           </a:p>
           <a:p>
             <a:pPr marL="0" indent="0">
               <a:buNone/>
             </a:pPr>
             <a:r>
-              <a:rPr lang="en-GB" dirty="0"/>
-              <a:t>On </a:t>
-            </a:r>
-            <a:r>
-              <a:rPr lang="en-GB" dirty="0" err="1"/>
-              <a:t>peut</a:t>
-            </a:r>
-            <a:r>
-              <a:rPr lang="en-GB" dirty="0"/>
-              <a:t> </a:t>
-            </a:r>
-            <a:r>
-              <a:rPr lang="en-GB" dirty="0" err="1"/>
-              <a:t>lui</a:t>
-            </a:r>
-            <a:r>
-              <a:rPr lang="en-GB" dirty="0"/>
-              <a:t> </a:t>
-            </a:r>
-            <a:r>
-              <a:rPr lang="en-GB" dirty="0" err="1"/>
-              <a:t>associer</a:t>
-            </a:r>
-            <a:r>
-              <a:rPr lang="en-GB" dirty="0"/>
-              <a:t> des variants </a:t>
-            </a:r>
-            <a:r>
-              <a:rPr lang="en-GB" dirty="0" err="1"/>
-              <a:t>en</a:t>
-            </a:r>
-            <a:r>
-              <a:rPr lang="en-GB" dirty="0"/>
-              <a:t> function des </a:t>
-            </a:r>
-            <a:r>
-              <a:rPr lang="en-GB" dirty="0" err="1"/>
-              <a:t>contraintes</a:t>
-            </a:r>
-            <a:r>
-              <a:rPr lang="en-GB" dirty="0"/>
-              <a:t> (temps et </a:t>
-            </a:r>
-            <a:r>
-              <a:rPr lang="en-GB" dirty="0" err="1"/>
-              <a:t>mémoire</a:t>
-            </a:r>
-            <a:r>
-              <a:rPr lang="en-GB" dirty="0"/>
-              <a:t>)</a:t>
+              <a:rPr lang="fr-CH"/>
+              <a:t>On peut lui associer des variants en function des contraintes (temps et mémoire)</a:t>
             </a:r>
           </a:p>
           <a:p>
             <a:pPr marL="0" indent="0">
               <a:buNone/>
             </a:pPr>
-            <a:endParaRPr lang="en-GB" dirty="0"/>
+            <a:endParaRPr lang="fr-CH"/>
           </a:p>
           <a:p>
             <a:pPr marL="0" indent="0">
               <a:buNone/>
             </a:pPr>
             <a:r>
-              <a:rPr lang="en-GB" dirty="0"/>
+              <a:rPr lang="fr-CH"/>
               <a:t>	</a:t>
             </a:r>
-            <a:endParaRPr lang="fr-CH" dirty="0">
+            <a:endParaRPr lang="fr-CH">
               <a:latin typeface="Calibri" panose="020F0502020204030204" pitchFamily="34" charset="0"/>
             </a:endParaRPr>
           </a:p>
@@ -7943,7 +8166,7 @@
           <p:cNvPr id="2" name="Titre 1">
             <a:extLst>
               <a:ext uri="{FF2B5EF4-FFF2-40B4-BE49-F238E27FC236}">
-                <a16:creationId xmlns:a16="http://schemas.microsoft.com/office/drawing/2014/main" id="{1DE24D75-C6DE-4394-A51C-5EF310010BA5}"/>
+                <a16:creationId xmlns:a16="http://schemas.microsoft.com/office/drawing/2014/main" id="{21766C66-1FE8-40A6-86E7-67715FC56E02}"/>
               </a:ext>
             </a:extLst>
           </p:cNvPr>
@@ -7954,194 +8177,796 @@
             <p:ph type="title"/>
           </p:nvPr>
         </p:nvSpPr>
-        <p:spPr>
-          <a:xfrm>
-            <a:off x="0" y="-316992"/>
-            <a:ext cx="746760" cy="1325563"/>
-          </a:xfrm>
-        </p:spPr>
-        <p:txBody>
-          <a:bodyPr/>
-          <a:lstStyle/>
-          <a:p>
-            <a:r>
-              <a:rPr lang="fr-CH" dirty="0">
-                <a:solidFill>
-                  <a:schemeClr val="accent1"/>
-                </a:solidFill>
-              </a:rPr>
-              <a:t>2.</a:t>
-            </a:r>
-            <a:endParaRPr lang="en-GB" dirty="0">
-              <a:solidFill>
-                <a:schemeClr val="accent1"/>
-              </a:solidFill>
-            </a:endParaRPr>
-          </a:p>
-        </p:txBody>
-      </p:sp>
-      <p:sp>
-        <p:nvSpPr>
-          <p:cNvPr id="4" name="ZoneTexte 3">
-            <a:extLst>
-              <a:ext uri="{FF2B5EF4-FFF2-40B4-BE49-F238E27FC236}">
-                <a16:creationId xmlns:a16="http://schemas.microsoft.com/office/drawing/2014/main" id="{B4A469F4-C262-4F6E-8D5D-858330AC98E0}"/>
-              </a:ext>
-            </a:extLst>
-          </p:cNvPr>
-          <p:cNvSpPr txBox="1"/>
-          <p:nvPr/>
-        </p:nvSpPr>
-        <p:spPr>
-          <a:xfrm>
-            <a:off x="746760" y="161123"/>
-            <a:ext cx="10515600" cy="369332"/>
-          </a:xfrm>
-          <a:prstGeom prst="rect">
-            <a:avLst/>
-          </a:prstGeom>
-          <a:noFill/>
-        </p:spPr>
-        <p:txBody>
-          <a:bodyPr wrap="square" rtlCol="0">
-            <a:spAutoFit/>
+        <p:spPr/>
+        <p:txBody>
+          <a:bodyPr>
+            <a:normAutofit/>
           </a:bodyPr>
           <a:lstStyle/>
           <a:p>
             <a:r>
-              <a:rPr lang="fr-FR" sz="1800" dirty="0">
+              <a:rPr lang="fr-FR" sz="1400" dirty="0">
                 <a:solidFill>
                   <a:schemeClr val="accent1"/>
                 </a:solidFill>
                 <a:effectLst/>
                 <a:latin typeface="Arial" panose="020B0604020202020204" pitchFamily="34" charset="0"/>
               </a:rPr>
-              <a:t>Citez des exemples d’application.</a:t>
-            </a:r>
-            <a:endParaRPr lang="en-GB" dirty="0">
-              <a:solidFill>
-                <a:schemeClr val="accent1"/>
-              </a:solidFill>
-            </a:endParaRPr>
-          </a:p>
-        </p:txBody>
-      </p:sp>
-      <p:pic>
-        <p:nvPicPr>
-          <p:cNvPr id="8" name="Image 7">
-            <a:extLst>
-              <a:ext uri="{FF2B5EF4-FFF2-40B4-BE49-F238E27FC236}">
-                <a16:creationId xmlns:a16="http://schemas.microsoft.com/office/drawing/2014/main" id="{497C03FC-44AB-42CB-A9A1-3D046112D102}"/>
-              </a:ext>
-            </a:extLst>
-          </p:cNvPr>
-          <p:cNvPicPr>
-            <a:picLocks noChangeAspect="1"/>
-          </p:cNvPicPr>
-          <p:nvPr/>
-        </p:nvPicPr>
-        <p:blipFill>
-          <a:blip r:embed="rId3"/>
-          <a:stretch>
-            <a:fillRect/>
-          </a:stretch>
-        </p:blipFill>
-        <p:spPr>
-          <a:xfrm>
-            <a:off x="1181033" y="1792169"/>
-            <a:ext cx="4796572" cy="3273661"/>
-          </a:xfrm>
-          <a:prstGeom prst="rect">
-            <a:avLst/>
-          </a:prstGeom>
-        </p:spPr>
-      </p:pic>
-      <p:sp>
-        <p:nvSpPr>
-          <p:cNvPr id="9" name="ZoneTexte 8">
-            <a:extLst>
-              <a:ext uri="{FF2B5EF4-FFF2-40B4-BE49-F238E27FC236}">
-                <a16:creationId xmlns:a16="http://schemas.microsoft.com/office/drawing/2014/main" id="{2A274348-54E2-4ACA-86AC-F79D381A5E4F}"/>
-              </a:ext>
-            </a:extLst>
-          </p:cNvPr>
-          <p:cNvSpPr txBox="1"/>
-          <p:nvPr/>
-        </p:nvSpPr>
-        <p:spPr>
-          <a:xfrm>
-            <a:off x="6792184" y="1937610"/>
-            <a:ext cx="6441260" cy="3046988"/>
-          </a:xfrm>
-          <a:prstGeom prst="rect">
-            <a:avLst/>
-          </a:prstGeom>
-          <a:noFill/>
-        </p:spPr>
-        <p:txBody>
-          <a:bodyPr wrap="square" rtlCol="0">
-            <a:spAutoFit/>
-          </a:bodyPr>
-          <a:lstStyle/>
-          <a:p>
-            <a:r>
-              <a:rPr lang="fr-CH" sz="2400" dirty="0"/>
-              <a:t>À l’étape (1) on se trouve à </a:t>
-            </a:r>
-            <a:r>
-              <a:rPr lang="fr-CH" sz="2400" dirty="0">
+              <a:t>3.</a:t>
+            </a:r>
+            <a:r>
+              <a:rPr lang="fr-FR" sz="1400" dirty="0">
+                <a:effectLst/>
+                <a:latin typeface="Arial" panose="020B0604020202020204" pitchFamily="34" charset="0"/>
+              </a:rPr>
+              <a:t>Satisfaction de contraintes: Qu’est-ce qu’un PSC? Quel est son modèle? Comment le résout-on? </a:t>
+            </a:r>
+            <a:r>
+              <a:rPr lang="fr-FR" sz="1400" dirty="0">
                 <a:solidFill>
                   <a:srgbClr val="FF0000"/>
                 </a:solidFill>
+                <a:effectLst/>
+                <a:latin typeface="Arial" panose="020B0604020202020204" pitchFamily="34" charset="0"/>
               </a:rPr>
-              <a:t>S</a:t>
-            </a:r>
-          </a:p>
-          <a:p>
-            <a:r>
-              <a:rPr lang="fr-CH" sz="2400" dirty="0"/>
-              <a:t>On a 4 options de chemin [1,2,3,4]</a:t>
-            </a:r>
-          </a:p>
-          <a:p>
-            <a:r>
-              <a:rPr lang="fr-CH" sz="2400" dirty="0"/>
-              <a:t>	- f(1) = 8</a:t>
-            </a:r>
-          </a:p>
-          <a:p>
-            <a:r>
-              <a:rPr lang="fr-CH" sz="2400" dirty="0"/>
-              <a:t>	- f(2) = 6</a:t>
-            </a:r>
-          </a:p>
-          <a:p>
-            <a:r>
-              <a:rPr lang="fr-CH" sz="2400" dirty="0"/>
-              <a:t>	- f(3) = 8</a:t>
-            </a:r>
-          </a:p>
-          <a:p>
-            <a:r>
-              <a:rPr lang="fr-CH" sz="2400" dirty="0"/>
-              <a:t>	- f(4) = 8</a:t>
-            </a:r>
-          </a:p>
-          <a:p>
-            <a:endParaRPr lang="fr-CH" sz="2400" dirty="0"/>
-          </a:p>
-          <a:p>
-            <a:r>
-              <a:rPr lang="fr-CH" sz="2400" dirty="0"/>
-              <a:t>Naturellement on choisit le nœud 2</a:t>
-            </a:r>
-          </a:p>
-        </p:txBody>
-      </p:sp>
+              <a:t>En quoi consiste le graphe mis en jeu? Décrivez les algorithmes et heuristiques associées. </a:t>
+            </a:r>
+            <a:endParaRPr lang="en-GB" sz="1400" dirty="0">
+              <a:solidFill>
+                <a:srgbClr val="FF0000"/>
+              </a:solidFill>
+            </a:endParaRPr>
+          </a:p>
+        </p:txBody>
+      </p:sp>
+      <mc:AlternateContent xmlns:mc="http://schemas.openxmlformats.org/markup-compatibility/2006">
+        <mc:Choice xmlns:a14="http://schemas.microsoft.com/office/drawing/2010/main" Requires="a14">
+          <p:sp>
+            <p:nvSpPr>
+              <p:cNvPr id="3" name="Espace réservé du contenu 2">
+                <a:extLst>
+                  <a:ext uri="{FF2B5EF4-FFF2-40B4-BE49-F238E27FC236}">
+                    <a16:creationId xmlns:a16="http://schemas.microsoft.com/office/drawing/2014/main" id="{55ECBF04-F52F-4B3F-9304-4E4A2E668DA9}"/>
+                  </a:ext>
+                </a:extLst>
+              </p:cNvPr>
+              <p:cNvSpPr>
+                <a:spLocks noGrp="1"/>
+              </p:cNvSpPr>
+              <p:nvPr>
+                <p:ph idx="1"/>
+              </p:nvPr>
+            </p:nvSpPr>
+            <p:spPr>
+              <a:xfrm>
+                <a:off x="838200" y="1825625"/>
+                <a:ext cx="10515600" cy="3774063"/>
+              </a:xfrm>
+            </p:spPr>
+            <p:txBody>
+              <a:bodyPr>
+                <a:normAutofit fontScale="92500" lnSpcReduction="20000"/>
+              </a:bodyPr>
+              <a:lstStyle/>
+              <a:p>
+                <a:r>
+                  <a:rPr lang="fr-CH" dirty="0"/>
+                  <a:t>Un problème de satisfaction de contraintes (PSC) est représenté par: </a:t>
+                </a:r>
+              </a:p>
+              <a:p>
+                <a:pPr marL="457200" lvl="1" indent="0">
+                  <a:buNone/>
+                </a:pPr>
+                <a:r>
+                  <a:rPr lang="fr-CH" dirty="0"/>
+                  <a:t>Un ensemble de variables:</a:t>
+                </a:r>
+              </a:p>
+              <a:p>
+                <a:pPr marL="457200" lvl="1" indent="0">
+                  <a:buNone/>
+                </a:pPr>
+                <a:r>
+                  <a:rPr lang="fr-CH" dirty="0"/>
+                  <a:t>			</a:t>
+                </a:r>
+                <a:r>
+                  <a:rPr lang="fr-CH" dirty="0">
+                    <a:solidFill>
+                      <a:srgbClr val="FF0000"/>
+                    </a:solidFill>
+                  </a:rPr>
+                  <a:t>X = (</a:t>
+                </a:r>
+                <a14:m>
+                  <m:oMath xmlns:m="http://schemas.openxmlformats.org/officeDocument/2006/math">
+                    <m:sSub>
+                      <m:sSubPr>
+                        <m:ctrlPr>
+                          <a:rPr lang="x-IV_mathan" i="1">
+                            <a:solidFill>
+                              <a:srgbClr val="FF0000"/>
+                            </a:solidFill>
+                          </a:rPr>
+                        </m:ctrlPr>
+                      </m:sSubPr>
+                      <m:e>
+                        <m:r>
+                          <a:rPr lang="fr-CH" b="0" i="1" smtClean="0">
+                            <a:solidFill>
+                              <a:srgbClr val="FF0000"/>
+                            </a:solidFill>
+                            <a:latin typeface="Cambria Math" panose="02040503050406030204" pitchFamily="18" charset="0"/>
+                          </a:rPr>
+                          <m:t>𝑥</m:t>
+                        </m:r>
+                      </m:e>
+                      <m:sub>
+                        <m:r>
+                          <a:rPr lang="fr-CH" b="0" i="1" smtClean="0">
+                            <a:solidFill>
+                              <a:srgbClr val="FF0000"/>
+                            </a:solidFill>
+                            <a:latin typeface="Cambria Math" panose="02040503050406030204" pitchFamily="18" charset="0"/>
+                          </a:rPr>
+                          <m:t>1</m:t>
+                        </m:r>
+                      </m:sub>
+                    </m:sSub>
+                    <m:r>
+                      <a:rPr lang="fr-CH" b="0" i="1" smtClean="0">
+                        <a:solidFill>
+                          <a:srgbClr val="FF0000"/>
+                        </a:solidFill>
+                        <a:latin typeface="Cambria Math" panose="02040503050406030204" pitchFamily="18" charset="0"/>
+                      </a:rPr>
+                      <m:t>,</m:t>
+                    </m:r>
+                    <m:sSub>
+                      <m:sSubPr>
+                        <m:ctrlPr>
+                          <a:rPr lang="x-IV_mathan" i="1">
+                            <a:solidFill>
+                              <a:srgbClr val="FF0000"/>
+                            </a:solidFill>
+                          </a:rPr>
+                        </m:ctrlPr>
+                      </m:sSubPr>
+                      <m:e>
+                        <m:r>
+                          <a:rPr lang="fr-CH" b="0" i="1" smtClean="0">
+                            <a:solidFill>
+                              <a:srgbClr val="FF0000"/>
+                            </a:solidFill>
+                            <a:latin typeface="Cambria Math" panose="02040503050406030204" pitchFamily="18" charset="0"/>
+                          </a:rPr>
+                          <m:t>𝑥</m:t>
+                        </m:r>
+                      </m:e>
+                      <m:sub>
+                        <m:r>
+                          <a:rPr lang="fr-CH" b="0" i="1" smtClean="0">
+                            <a:solidFill>
+                              <a:srgbClr val="FF0000"/>
+                            </a:solidFill>
+                            <a:latin typeface="Cambria Math" panose="02040503050406030204" pitchFamily="18" charset="0"/>
+                          </a:rPr>
+                          <m:t>2</m:t>
+                        </m:r>
+                      </m:sub>
+                    </m:sSub>
+                    <m:r>
+                      <a:rPr lang="fr-CH" b="0" i="1" smtClean="0">
+                        <a:solidFill>
+                          <a:srgbClr val="FF0000"/>
+                        </a:solidFill>
+                        <a:latin typeface="Cambria Math" panose="02040503050406030204" pitchFamily="18" charset="0"/>
+                      </a:rPr>
+                      <m:t>, …,</m:t>
+                    </m:r>
+                    <m:sSub>
+                      <m:sSubPr>
+                        <m:ctrlPr>
+                          <a:rPr lang="x-IV_mathan" i="1">
+                            <a:solidFill>
+                              <a:srgbClr val="FF0000"/>
+                            </a:solidFill>
+                          </a:rPr>
+                        </m:ctrlPr>
+                      </m:sSubPr>
+                      <m:e>
+                        <m:r>
+                          <a:rPr lang="fr-CH" b="0" i="1" smtClean="0">
+                            <a:solidFill>
+                              <a:srgbClr val="FF0000"/>
+                            </a:solidFill>
+                            <a:latin typeface="Cambria Math" panose="02040503050406030204" pitchFamily="18" charset="0"/>
+                          </a:rPr>
+                          <m:t>𝑥</m:t>
+                        </m:r>
+                      </m:e>
+                      <m:sub>
+                        <m:r>
+                          <a:rPr lang="fr-CH" b="0" i="1" smtClean="0">
+                            <a:solidFill>
+                              <a:srgbClr val="FF0000"/>
+                            </a:solidFill>
+                            <a:latin typeface="Cambria Math" panose="02040503050406030204" pitchFamily="18" charset="0"/>
+                          </a:rPr>
+                          <m:t>𝑛</m:t>
+                        </m:r>
+                      </m:sub>
+                    </m:sSub>
+                  </m:oMath>
+                </a14:m>
+                <a:r>
+                  <a:rPr lang="fr-CH" dirty="0">
+                    <a:solidFill>
+                      <a:srgbClr val="FF0000"/>
+                    </a:solidFill>
+                  </a:rPr>
+                  <a:t>)</a:t>
+                </a:r>
+                <a:r>
+                  <a:rPr lang="fr-CH" dirty="0"/>
+                  <a:t> </a:t>
+                </a:r>
+              </a:p>
+              <a:p>
+                <a:pPr marL="457200" lvl="1" indent="0">
+                  <a:buNone/>
+                </a:pPr>
+                <a:r>
+                  <a:rPr lang="fr-CH" dirty="0"/>
+                  <a:t>	Chaque valeur </a:t>
+                </a:r>
+                <a14:m>
+                  <m:oMath xmlns:m="http://schemas.openxmlformats.org/officeDocument/2006/math">
+                    <m:sSub>
+                      <m:sSubPr>
+                        <m:ctrlPr>
+                          <a:rPr lang="x-IV_mathan" i="1" smtClean="0">
+                            <a:solidFill>
+                              <a:srgbClr val="FF0000"/>
+                            </a:solidFill>
+                            <a:latin typeface="Cambria Math" panose="02040503050406030204" pitchFamily="18" charset="0"/>
+                          </a:rPr>
+                        </m:ctrlPr>
+                      </m:sSubPr>
+                      <m:e>
+                        <m:r>
+                          <a:rPr lang="fr-CH" b="0" i="1" smtClean="0">
+                            <a:solidFill>
+                              <a:srgbClr val="FF0000"/>
+                            </a:solidFill>
+                            <a:latin typeface="Cambria Math" panose="02040503050406030204" pitchFamily="18" charset="0"/>
+                          </a:rPr>
+                          <m:t>𝑥</m:t>
+                        </m:r>
+                      </m:e>
+                      <m:sub>
+                        <m:r>
+                          <a:rPr lang="fr-CH" b="0" i="1" smtClean="0">
+                            <a:solidFill>
+                              <a:srgbClr val="FF0000"/>
+                            </a:solidFill>
+                            <a:latin typeface="Cambria Math" panose="02040503050406030204" pitchFamily="18" charset="0"/>
+                          </a:rPr>
+                          <m:t>𝑖</m:t>
+                        </m:r>
+                      </m:sub>
+                    </m:sSub>
+                    <m:r>
+                      <a:rPr lang="fr-CH" b="0" i="0" smtClean="0">
+                        <a:solidFill>
+                          <a:srgbClr val="FF0000"/>
+                        </a:solidFill>
+                        <a:latin typeface="Cambria Math" panose="02040503050406030204" pitchFamily="18" charset="0"/>
+                      </a:rPr>
+                      <m:t> </m:t>
+                    </m:r>
+                  </m:oMath>
+                </a14:m>
+                <a:r>
+                  <a:rPr lang="fr-CH" dirty="0"/>
+                  <a:t>ayant un domaine de valeurs admissibles </a:t>
+                </a:r>
+                <a14:m>
+                  <m:oMath xmlns:m="http://schemas.openxmlformats.org/officeDocument/2006/math">
+                    <m:sSub>
+                      <m:sSubPr>
+                        <m:ctrlPr>
+                          <a:rPr lang="x-IV_mathan" i="1">
+                            <a:solidFill>
+                              <a:srgbClr val="FF0000"/>
+                            </a:solidFill>
+                            <a:latin typeface="Cambria Math" panose="02040503050406030204" pitchFamily="18" charset="0"/>
+                          </a:rPr>
+                        </m:ctrlPr>
+                      </m:sSubPr>
+                      <m:e>
+                        <m:r>
+                          <a:rPr lang="fr-CH" b="0" i="1" smtClean="0">
+                            <a:solidFill>
+                              <a:srgbClr val="FF0000"/>
+                            </a:solidFill>
+                            <a:latin typeface="Cambria Math" panose="02040503050406030204" pitchFamily="18" charset="0"/>
+                          </a:rPr>
+                          <m:t>𝐷</m:t>
+                        </m:r>
+                      </m:e>
+                      <m:sub>
+                        <m:r>
+                          <a:rPr lang="fr-CH" i="1">
+                            <a:solidFill>
+                              <a:srgbClr val="FF0000"/>
+                            </a:solidFill>
+                            <a:latin typeface="Cambria Math" panose="02040503050406030204" pitchFamily="18" charset="0"/>
+                          </a:rPr>
+                          <m:t>𝑖</m:t>
+                        </m:r>
+                      </m:sub>
+                    </m:sSub>
+                  </m:oMath>
+                </a14:m>
+                <a:r>
+                  <a:rPr lang="fr-CH" dirty="0"/>
+                  <a:t>.</a:t>
+                </a:r>
+              </a:p>
+              <a:p>
+                <a:pPr marL="457200" lvl="1" indent="0">
+                  <a:buNone/>
+                </a:pPr>
+                <a:endParaRPr lang="fr-CH" dirty="0"/>
+              </a:p>
+              <a:p>
+                <a:pPr marL="457200" lvl="1" indent="0">
+                  <a:buNone/>
+                </a:pPr>
+                <a:r>
+                  <a:rPr lang="fr-CH" dirty="0"/>
+                  <a:t>Un ensemble de contraintes sur les variables: </a:t>
+                </a:r>
+              </a:p>
+              <a:p>
+                <a:pPr marL="457200" lvl="1" indent="0">
+                  <a:buNone/>
+                </a:pPr>
+                <a:r>
+                  <a:rPr lang="fr-CH" dirty="0"/>
+                  <a:t>			</a:t>
+                </a:r>
+                <a:r>
+                  <a:rPr lang="fr-CH" dirty="0">
+                    <a:solidFill>
+                      <a:srgbClr val="FF0000"/>
+                    </a:solidFill>
+                  </a:rPr>
+                  <a:t> C = (</a:t>
+                </a:r>
+                <a14:m>
+                  <m:oMath xmlns:m="http://schemas.openxmlformats.org/officeDocument/2006/math">
+                    <m:sSub>
+                      <m:sSubPr>
+                        <m:ctrlPr>
+                          <a:rPr lang="x-IV_mathan" i="1">
+                            <a:solidFill>
+                              <a:srgbClr val="FF0000"/>
+                            </a:solidFill>
+                            <a:latin typeface="Cambria Math" panose="02040503050406030204" pitchFamily="18" charset="0"/>
+                          </a:rPr>
+                        </m:ctrlPr>
+                      </m:sSubPr>
+                      <m:e>
+                        <m:r>
+                          <a:rPr lang="fr-CH" b="0" i="1" smtClean="0">
+                            <a:solidFill>
+                              <a:srgbClr val="FF0000"/>
+                            </a:solidFill>
+                            <a:latin typeface="Cambria Math" panose="02040503050406030204" pitchFamily="18" charset="0"/>
+                          </a:rPr>
+                          <m:t>𝑐</m:t>
+                        </m:r>
+                      </m:e>
+                      <m:sub>
+                        <m:r>
+                          <a:rPr lang="fr-CH" b="0" i="1" smtClean="0">
+                            <a:solidFill>
+                              <a:srgbClr val="FF0000"/>
+                            </a:solidFill>
+                            <a:latin typeface="Cambria Math" panose="02040503050406030204" pitchFamily="18" charset="0"/>
+                          </a:rPr>
+                          <m:t>1</m:t>
+                        </m:r>
+                      </m:sub>
+                    </m:sSub>
+                    <m:r>
+                      <a:rPr lang="fr-CH" b="0" i="1" smtClean="0">
+                        <a:solidFill>
+                          <a:srgbClr val="FF0000"/>
+                        </a:solidFill>
+                        <a:latin typeface="Cambria Math" panose="02040503050406030204" pitchFamily="18" charset="0"/>
+                      </a:rPr>
+                      <m:t>,</m:t>
+                    </m:r>
+                    <m:sSub>
+                      <m:sSubPr>
+                        <m:ctrlPr>
+                          <a:rPr lang="x-IV_mathan" i="1">
+                            <a:solidFill>
+                              <a:srgbClr val="FF0000"/>
+                            </a:solidFill>
+                            <a:latin typeface="Cambria Math" panose="02040503050406030204" pitchFamily="18" charset="0"/>
+                          </a:rPr>
+                        </m:ctrlPr>
+                      </m:sSubPr>
+                      <m:e>
+                        <m:r>
+                          <a:rPr lang="fr-CH" b="0" i="1" smtClean="0">
+                            <a:solidFill>
+                              <a:srgbClr val="FF0000"/>
+                            </a:solidFill>
+                            <a:latin typeface="Cambria Math" panose="02040503050406030204" pitchFamily="18" charset="0"/>
+                          </a:rPr>
+                          <m:t>𝑐</m:t>
+                        </m:r>
+                      </m:e>
+                      <m:sub>
+                        <m:r>
+                          <a:rPr lang="fr-CH" b="0" i="1" smtClean="0">
+                            <a:solidFill>
+                              <a:srgbClr val="FF0000"/>
+                            </a:solidFill>
+                            <a:latin typeface="Cambria Math" panose="02040503050406030204" pitchFamily="18" charset="0"/>
+                          </a:rPr>
+                          <m:t>2</m:t>
+                        </m:r>
+                      </m:sub>
+                    </m:sSub>
+                    <m:r>
+                      <a:rPr lang="fr-CH" b="0" i="1" smtClean="0">
+                        <a:solidFill>
+                          <a:srgbClr val="FF0000"/>
+                        </a:solidFill>
+                        <a:latin typeface="Cambria Math" panose="02040503050406030204" pitchFamily="18" charset="0"/>
+                      </a:rPr>
+                      <m:t>, …,</m:t>
+                    </m:r>
+                    <m:sSub>
+                      <m:sSubPr>
+                        <m:ctrlPr>
+                          <a:rPr lang="x-IV_mathan" i="1">
+                            <a:solidFill>
+                              <a:srgbClr val="FF0000"/>
+                            </a:solidFill>
+                            <a:latin typeface="Cambria Math" panose="02040503050406030204" pitchFamily="18" charset="0"/>
+                          </a:rPr>
+                        </m:ctrlPr>
+                      </m:sSubPr>
+                      <m:e>
+                        <m:r>
+                          <a:rPr lang="fr-CH" b="0" i="1" smtClean="0">
+                            <a:solidFill>
+                              <a:srgbClr val="FF0000"/>
+                            </a:solidFill>
+                            <a:latin typeface="Cambria Math" panose="02040503050406030204" pitchFamily="18" charset="0"/>
+                          </a:rPr>
+                          <m:t>𝑐</m:t>
+                        </m:r>
+                      </m:e>
+                      <m:sub>
+                        <m:r>
+                          <a:rPr lang="fr-CH" b="0" i="1" smtClean="0">
+                            <a:solidFill>
+                              <a:srgbClr val="FF0000"/>
+                            </a:solidFill>
+                            <a:latin typeface="Cambria Math" panose="02040503050406030204" pitchFamily="18" charset="0"/>
+                          </a:rPr>
+                          <m:t>𝑛</m:t>
+                        </m:r>
+                      </m:sub>
+                    </m:sSub>
+                  </m:oMath>
+                </a14:m>
+                <a:r>
+                  <a:rPr lang="fr-CH" dirty="0">
+                    <a:solidFill>
+                      <a:srgbClr val="FF0000"/>
+                    </a:solidFill>
+                  </a:rPr>
+                  <a:t>)</a:t>
+                </a:r>
+                <a:r>
+                  <a:rPr lang="fr-CH" dirty="0"/>
+                  <a:t> </a:t>
+                </a:r>
+              </a:p>
+              <a:p>
+                <a:pPr marL="457200" lvl="1" indent="0">
+                  <a:buNone/>
+                </a:pPr>
+                <a:r>
+                  <a:rPr lang="fr-CH" dirty="0"/>
+                  <a:t>	</a:t>
+                </a:r>
+                <a:r>
+                  <a:rPr lang="fr-CH" sz="2200" dirty="0"/>
+                  <a:t>Chaque contrainte devient une proposition logique qui s’applique sur les variables X.</a:t>
+                </a:r>
+              </a:p>
+              <a:p>
+                <a:pPr marL="457200" lvl="1" indent="0">
+                  <a:buNone/>
+                </a:pPr>
+                <a:endParaRPr lang="fr-CH" dirty="0"/>
+              </a:p>
+              <a:p>
+                <a:r>
+                  <a:rPr lang="fr-CH" dirty="0"/>
+                  <a:t>Solution:</a:t>
+                </a:r>
+              </a:p>
+              <a:p>
+                <a:pPr marL="457200" lvl="1" indent="0">
+                  <a:buNone/>
+                </a:pPr>
+                <a:r>
+                  <a:rPr lang="fr-CH" dirty="0"/>
+                  <a:t>On cherche </a:t>
+                </a:r>
+                <a:r>
+                  <a:rPr lang="fr-CH" dirty="0">
+                    <a:solidFill>
+                      <a:srgbClr val="FF0000"/>
+                    </a:solidFill>
+                  </a:rPr>
+                  <a:t>X*</a:t>
+                </a:r>
+                <a:r>
+                  <a:rPr lang="fr-CH" dirty="0"/>
+                  <a:t> tel que</a:t>
+                </a:r>
+                <a:r>
+                  <a:rPr lang="fr-CH" dirty="0">
+                    <a:solidFill>
+                      <a:srgbClr val="FF0000"/>
+                    </a:solidFill>
+                  </a:rPr>
+                  <a:t> </a:t>
+                </a:r>
+                <a14:m>
+                  <m:oMath xmlns:m="http://schemas.openxmlformats.org/officeDocument/2006/math">
+                    <m:sSub>
+                      <m:sSubPr>
+                        <m:ctrlPr>
+                          <a:rPr lang="x-IV_mathan" i="1" smtClean="0">
+                            <a:solidFill>
+                              <a:srgbClr val="FF0000"/>
+                            </a:solidFill>
+                            <a:latin typeface="Cambria Math" panose="02040503050406030204" pitchFamily="18" charset="0"/>
+                          </a:rPr>
+                        </m:ctrlPr>
+                      </m:sSubPr>
+                      <m:e>
+                        <m:r>
+                          <a:rPr lang="fr-CH" b="0" i="1" smtClean="0">
+                            <a:solidFill>
+                              <a:srgbClr val="FF0000"/>
+                            </a:solidFill>
+                            <a:latin typeface="Cambria Math" panose="02040503050406030204" pitchFamily="18" charset="0"/>
+                          </a:rPr>
+                          <m:t>𝑥</m:t>
+                        </m:r>
+                      </m:e>
+                      <m:sub>
+                        <m:r>
+                          <a:rPr lang="fr-CH" b="0" i="1" smtClean="0">
+                            <a:solidFill>
+                              <a:srgbClr val="FF0000"/>
+                            </a:solidFill>
+                            <a:latin typeface="Cambria Math" panose="02040503050406030204" pitchFamily="18" charset="0"/>
+                          </a:rPr>
+                          <m:t>1</m:t>
+                        </m:r>
+                      </m:sub>
+                    </m:sSub>
+                  </m:oMath>
+                </a14:m>
+                <a:r>
+                  <a:rPr lang="fr-CH" dirty="0">
+                    <a:solidFill>
+                      <a:srgbClr val="FF0000"/>
+                    </a:solidFill>
+                  </a:rPr>
+                  <a:t>* </a:t>
+                </a:r>
+                <a14:m>
+                  <m:oMath xmlns:m="http://schemas.openxmlformats.org/officeDocument/2006/math">
+                    <m:r>
+                      <a:rPr lang="fr-CH" dirty="0" smtClean="0">
+                        <a:solidFill>
+                          <a:srgbClr val="FF0000"/>
+                        </a:solidFill>
+                        <a:latin typeface="Cambria Math" panose="02040503050406030204" pitchFamily="18" charset="0"/>
+                      </a:rPr>
+                      <m:t>∈</m:t>
+                    </m:r>
+                    <m:r>
+                      <a:rPr lang="fr-CH" b="0" i="0" dirty="0" smtClean="0">
+                        <a:solidFill>
+                          <a:srgbClr val="FF0000"/>
+                        </a:solidFill>
+                        <a:latin typeface="Cambria Math" panose="02040503050406030204" pitchFamily="18" charset="0"/>
+                      </a:rPr>
+                      <m:t> </m:t>
+                    </m:r>
+                    <m:sSub>
+                      <m:sSubPr>
+                        <m:ctrlPr>
+                          <a:rPr lang="x-IV_mathan" i="1">
+                            <a:solidFill>
+                              <a:srgbClr val="FF0000"/>
+                            </a:solidFill>
+                            <a:latin typeface="Cambria Math" panose="02040503050406030204" pitchFamily="18" charset="0"/>
+                          </a:rPr>
+                        </m:ctrlPr>
+                      </m:sSubPr>
+                      <m:e>
+                        <m:r>
+                          <a:rPr lang="fr-CH" i="1">
+                            <a:solidFill>
+                              <a:srgbClr val="FF0000"/>
+                            </a:solidFill>
+                            <a:latin typeface="Cambria Math" panose="02040503050406030204" pitchFamily="18" charset="0"/>
+                          </a:rPr>
+                          <m:t>𝐷</m:t>
+                        </m:r>
+                      </m:e>
+                      <m:sub>
+                        <m:r>
+                          <a:rPr lang="fr-CH" i="1">
+                            <a:solidFill>
+                              <a:srgbClr val="FF0000"/>
+                            </a:solidFill>
+                            <a:latin typeface="Cambria Math" panose="02040503050406030204" pitchFamily="18" charset="0"/>
+                          </a:rPr>
+                          <m:t>𝑖</m:t>
+                        </m:r>
+                      </m:sub>
+                    </m:sSub>
+                    <m:r>
+                      <a:rPr lang="fr-CH">
+                        <a:solidFill>
+                          <a:srgbClr val="FF0000"/>
+                        </a:solidFill>
+                        <a:latin typeface="Cambria Math" panose="02040503050406030204" pitchFamily="18" charset="0"/>
+                      </a:rPr>
+                      <m:t> </m:t>
+                    </m:r>
+                  </m:oMath>
+                </a14:m>
+                <a:r>
+                  <a:rPr lang="fr-CH" dirty="0"/>
+                  <a:t>et </a:t>
+                </a:r>
+                <a:r>
+                  <a:rPr lang="fr-CH" dirty="0">
+                    <a:solidFill>
+                      <a:srgbClr val="FF0000"/>
+                    </a:solidFill>
+                  </a:rPr>
+                  <a:t>True(</a:t>
+                </a:r>
+                <a14:m>
+                  <m:oMath xmlns:m="http://schemas.openxmlformats.org/officeDocument/2006/math">
+                    <m:sSub>
+                      <m:sSubPr>
+                        <m:ctrlPr>
+                          <a:rPr lang="x-IV_mathan" i="1">
+                            <a:solidFill>
+                              <a:srgbClr val="FF0000"/>
+                            </a:solidFill>
+                            <a:latin typeface="Cambria Math" panose="02040503050406030204" pitchFamily="18" charset="0"/>
+                          </a:rPr>
+                        </m:ctrlPr>
+                      </m:sSubPr>
+                      <m:e>
+                        <m:r>
+                          <a:rPr lang="fr-CH" i="1">
+                            <a:solidFill>
+                              <a:srgbClr val="FF0000"/>
+                            </a:solidFill>
+                            <a:latin typeface="Cambria Math" panose="02040503050406030204" pitchFamily="18" charset="0"/>
+                          </a:rPr>
+                          <m:t>𝑐</m:t>
+                        </m:r>
+                      </m:e>
+                      <m:sub>
+                        <m:r>
+                          <a:rPr lang="fr-CH" b="0" i="1" smtClean="0">
+                            <a:solidFill>
+                              <a:srgbClr val="FF0000"/>
+                            </a:solidFill>
+                            <a:latin typeface="Cambria Math" panose="02040503050406030204" pitchFamily="18" charset="0"/>
+                          </a:rPr>
+                          <m:t>𝑗</m:t>
+                        </m:r>
+                      </m:sub>
+                    </m:sSub>
+                  </m:oMath>
+                </a14:m>
+                <a:r>
+                  <a:rPr lang="fr-CH" dirty="0">
+                    <a:solidFill>
+                      <a:srgbClr val="FF0000"/>
+                    </a:solidFill>
+                  </a:rPr>
+                  <a:t>) </a:t>
+                </a:r>
+                <a:r>
+                  <a:rPr lang="fr-CH" dirty="0"/>
+                  <a:t>pour tout i, j</a:t>
+                </a:r>
+              </a:p>
+              <a:p>
+                <a:pPr marL="457200" lvl="1" indent="0">
+                  <a:buNone/>
+                </a:pPr>
+                <a:endParaRPr lang="fr-CH" dirty="0"/>
+              </a:p>
+            </p:txBody>
+          </p:sp>
+        </mc:Choice>
+        <mc:Fallback>
+          <p:sp>
+            <p:nvSpPr>
+              <p:cNvPr id="3" name="Espace réservé du contenu 2">
+                <a:extLst>
+                  <a:ext uri="{FF2B5EF4-FFF2-40B4-BE49-F238E27FC236}">
+                    <a16:creationId xmlns:a16="http://schemas.microsoft.com/office/drawing/2014/main" id="{55ECBF04-F52F-4B3F-9304-4E4A2E668DA9}"/>
+                  </a:ext>
+                </a:extLst>
+              </p:cNvPr>
+              <p:cNvSpPr>
+                <a:spLocks noGrp="1" noRot="1" noChangeAspect="1" noMove="1" noResize="1" noEditPoints="1" noAdjustHandles="1" noChangeArrowheads="1" noChangeShapeType="1" noTextEdit="1"/>
+              </p:cNvSpPr>
+              <p:nvPr>
+                <p:ph idx="1"/>
+              </p:nvPr>
+            </p:nvSpPr>
+            <p:spPr>
+              <a:xfrm>
+                <a:off x="838200" y="1825625"/>
+                <a:ext cx="10515600" cy="3774063"/>
+              </a:xfrm>
+              <a:blipFill>
+                <a:blip r:embed="rId3"/>
+                <a:stretch>
+                  <a:fillRect l="-928" t="-4032"/>
+                </a:stretch>
+              </a:blipFill>
+            </p:spPr>
+            <p:txBody>
+              <a:bodyPr/>
+              <a:lstStyle/>
+              <a:p>
+                <a:r>
+                  <a:rPr lang="fr-CH">
+                    <a:noFill/>
+                  </a:rPr>
+                  <a:t> </a:t>
+                </a:r>
+              </a:p>
+            </p:txBody>
+          </p:sp>
+        </mc:Fallback>
+      </mc:AlternateContent>
     </p:spTree>
     <p:extLst>
       <p:ext uri="{BB962C8B-B14F-4D97-AF65-F5344CB8AC3E}">
-        <p14:creationId xmlns:p14="http://schemas.microsoft.com/office/powerpoint/2010/main" val="1405571178"/>
+        <p14:creationId xmlns:p14="http://schemas.microsoft.com/office/powerpoint/2010/main" val="718154828"/>
       </p:ext>
     </p:extLst>
   </p:cSld>
@@ -8173,7 +8998,7 @@
           <p:cNvPr id="2" name="Titre 1">
             <a:extLst>
               <a:ext uri="{FF2B5EF4-FFF2-40B4-BE49-F238E27FC236}">
-                <a16:creationId xmlns:a16="http://schemas.microsoft.com/office/drawing/2014/main" id="{21766C66-1FE8-40A6-86E7-67715FC56E02}"/>
+                <a16:creationId xmlns:a16="http://schemas.microsoft.com/office/drawing/2014/main" id="{1DE24D75-C6DE-4394-A51C-5EF310010BA5}"/>
               </a:ext>
             </a:extLst>
           </p:cNvPr>
@@ -8184,63 +9009,266 @@
             <p:ph type="title"/>
           </p:nvPr>
         </p:nvSpPr>
-        <p:spPr/>
-        <p:txBody>
-          <a:bodyPr>
-            <a:normAutofit/>
+        <p:spPr>
+          <a:xfrm>
+            <a:off x="0" y="-316992"/>
+            <a:ext cx="746760" cy="1325563"/>
+          </a:xfrm>
+        </p:spPr>
+        <p:txBody>
+          <a:bodyPr/>
+          <a:lstStyle/>
+          <a:p>
+            <a:r>
+              <a:rPr lang="fr-CH" dirty="0">
+                <a:solidFill>
+                  <a:schemeClr val="accent1"/>
+                </a:solidFill>
+              </a:rPr>
+              <a:t>3.</a:t>
+            </a:r>
+            <a:endParaRPr lang="en-GB" dirty="0">
+              <a:solidFill>
+                <a:schemeClr val="accent1"/>
+              </a:solidFill>
+            </a:endParaRPr>
+          </a:p>
+        </p:txBody>
+      </p:sp>
+      <p:sp>
+        <p:nvSpPr>
+          <p:cNvPr id="4" name="ZoneTexte 3">
+            <a:extLst>
+              <a:ext uri="{FF2B5EF4-FFF2-40B4-BE49-F238E27FC236}">
+                <a16:creationId xmlns:a16="http://schemas.microsoft.com/office/drawing/2014/main" id="{B4A469F4-C262-4F6E-8D5D-858330AC98E0}"/>
+              </a:ext>
+            </a:extLst>
+          </p:cNvPr>
+          <p:cNvSpPr txBox="1"/>
+          <p:nvPr/>
+        </p:nvSpPr>
+        <p:spPr>
+          <a:xfrm>
+            <a:off x="746760" y="161123"/>
+            <a:ext cx="10515600" cy="369332"/>
+          </a:xfrm>
+          <a:prstGeom prst="rect">
+            <a:avLst/>
+          </a:prstGeom>
+          <a:noFill/>
+        </p:spPr>
+        <p:txBody>
+          <a:bodyPr wrap="square" rtlCol="0">
+            <a:spAutoFit/>
           </a:bodyPr>
           <a:lstStyle/>
           <a:p>
             <a:r>
-              <a:rPr lang="fr-FR" sz="1400" dirty="0">
+              <a:rPr lang="fr-FR" sz="1800" dirty="0">
                 <a:solidFill>
-                  <a:srgbClr val="FF0000"/>
+                  <a:schemeClr val="accent1"/>
                 </a:solidFill>
                 <a:effectLst/>
                 <a:latin typeface="Arial" panose="020B0604020202020204" pitchFamily="34" charset="0"/>
               </a:rPr>
-              <a:t>3.</a:t>
-            </a:r>
-            <a:r>
-              <a:rPr lang="fr-FR" sz="1400" dirty="0">
-                <a:effectLst/>
-                <a:latin typeface="Arial" panose="020B0604020202020204" pitchFamily="34" charset="0"/>
+              <a:t>Comment le résout-on?</a:t>
+            </a:r>
+            <a:endParaRPr lang="en-GB" dirty="0">
+              <a:solidFill>
+                <a:schemeClr val="accent1"/>
+              </a:solidFill>
+            </a:endParaRPr>
+          </a:p>
+        </p:txBody>
+      </p:sp>
+      <p:sp>
+        <p:nvSpPr>
+          <p:cNvPr id="6" name="Espace réservé du contenu 5">
+            <a:extLst>
+              <a:ext uri="{FF2B5EF4-FFF2-40B4-BE49-F238E27FC236}">
+                <a16:creationId xmlns:a16="http://schemas.microsoft.com/office/drawing/2014/main" id="{9053FE73-A770-44D5-A882-8956257325B6}"/>
+              </a:ext>
+            </a:extLst>
+          </p:cNvPr>
+          <p:cNvSpPr>
+            <a:spLocks noGrp="1"/>
+          </p:cNvSpPr>
+          <p:nvPr>
+            <p:ph idx="1"/>
+          </p:nvPr>
+        </p:nvSpPr>
+        <p:spPr>
+          <a:xfrm>
+            <a:off x="838200" y="1008570"/>
+            <a:ext cx="10515600" cy="4354276"/>
+          </a:xfrm>
+        </p:spPr>
+        <p:txBody>
+          <a:bodyPr>
+            <a:noAutofit/>
+          </a:bodyPr>
+          <a:lstStyle/>
+          <a:p>
+            <a:pPr marL="0" indent="0">
+              <a:buNone/>
+            </a:pPr>
+            <a:r>
+              <a:rPr lang="fr-CH" dirty="0"/>
+              <a:t>Voici les étapes pour résoudre le problème:</a:t>
+            </a:r>
+          </a:p>
+          <a:p>
+            <a:pPr marL="0" indent="0">
+              <a:buNone/>
+            </a:pPr>
+            <a:r>
+              <a:rPr lang="fr-CH" dirty="0"/>
+              <a:t>	(1) définir les variables du problème </a:t>
+            </a:r>
+            <a:r>
+              <a:rPr lang="fr-CH" dirty="0">
+                <a:solidFill>
+                  <a:srgbClr val="FF0000"/>
+                </a:solidFill>
               </a:rPr>
-              <a:t>Satisfaction de contraintes: Qu’est-ce qu’un PSC? Quel est son modèle? Comment le résout-on? En quoi consiste le graphe mis en jeu? Décrivez les algorithmes et heuristiques associées. </a:t>
-            </a:r>
-            <a:endParaRPr lang="en-GB" sz="1400" dirty="0"/>
-          </a:p>
-        </p:txBody>
-      </p:sp>
-      <p:sp>
-        <p:nvSpPr>
-          <p:cNvPr id="3" name="Espace réservé du contenu 2">
-            <a:extLst>
-              <a:ext uri="{FF2B5EF4-FFF2-40B4-BE49-F238E27FC236}">
-                <a16:creationId xmlns:a16="http://schemas.microsoft.com/office/drawing/2014/main" id="{55ECBF04-F52F-4B3F-9304-4E4A2E668DA9}"/>
-              </a:ext>
-            </a:extLst>
-          </p:cNvPr>
-          <p:cNvSpPr>
-            <a:spLocks noGrp="1"/>
-          </p:cNvSpPr>
-          <p:nvPr>
-            <p:ph idx="1"/>
-          </p:nvPr>
-        </p:nvSpPr>
-        <p:spPr/>
-        <p:txBody>
-          <a:bodyPr/>
-          <a:lstStyle/>
-          <a:p>
-            <a:endParaRPr lang="en-GB" dirty="0"/>
-          </a:p>
-        </p:txBody>
-      </p:sp>
+              <a:t>(X)</a:t>
+            </a:r>
+          </a:p>
+          <a:p>
+            <a:pPr marL="0" indent="0">
+              <a:buNone/>
+            </a:pPr>
+            <a:r>
+              <a:rPr lang="fr-CH" dirty="0">
+                <a:solidFill>
+                  <a:srgbClr val="FF0000"/>
+                </a:solidFill>
+              </a:rPr>
+              <a:t>	</a:t>
+            </a:r>
+            <a:r>
+              <a:rPr lang="fr-CH" dirty="0"/>
+              <a:t>(2) définir le domaine </a:t>
+            </a:r>
+            <a:r>
+              <a:rPr lang="fr-CH" dirty="0">
+                <a:solidFill>
+                  <a:srgbClr val="FF0000"/>
+                </a:solidFill>
+              </a:rPr>
+              <a:t>(D) </a:t>
+            </a:r>
+            <a:r>
+              <a:rPr lang="fr-CH" dirty="0"/>
+              <a:t>de chaque variable de </a:t>
+            </a:r>
+            <a:r>
+              <a:rPr lang="fr-CH" dirty="0">
+                <a:solidFill>
+                  <a:srgbClr val="FF0000"/>
+                </a:solidFill>
+              </a:rPr>
+              <a:t>(X) </a:t>
+            </a:r>
+          </a:p>
+          <a:p>
+            <a:pPr marL="0" indent="0">
+              <a:buNone/>
+            </a:pPr>
+            <a:r>
+              <a:rPr lang="fr-CH" dirty="0">
+                <a:solidFill>
+                  <a:srgbClr val="FF0000"/>
+                </a:solidFill>
+              </a:rPr>
+              <a:t>	</a:t>
+            </a:r>
+            <a:r>
+              <a:rPr lang="fr-CH" dirty="0"/>
+              <a:t>(3) on transforme les contraintes en formules mathématiques </a:t>
+            </a:r>
+            <a:r>
+              <a:rPr lang="fr-CH" dirty="0">
+                <a:solidFill>
+                  <a:srgbClr val="FF0000"/>
+                </a:solidFill>
+              </a:rPr>
+              <a:t>(C)</a:t>
+            </a:r>
+          </a:p>
+          <a:p>
+            <a:pPr marL="0" indent="0">
+              <a:buNone/>
+            </a:pPr>
+            <a:r>
+              <a:rPr lang="fr-CH" dirty="0">
+                <a:solidFill>
+                  <a:srgbClr val="FF0000"/>
+                </a:solidFill>
+              </a:rPr>
+              <a:t>	</a:t>
+            </a:r>
+            <a:r>
+              <a:rPr lang="fr-CH" dirty="0"/>
+              <a:t>(4) on exécute l’algorithme de recherche</a:t>
+            </a:r>
+          </a:p>
+          <a:p>
+            <a:pPr marL="0" indent="0">
+              <a:buNone/>
+            </a:pPr>
+            <a:r>
+              <a:rPr lang="fr-CH" dirty="0">
+                <a:solidFill>
+                  <a:srgbClr val="FF0000"/>
+                </a:solidFill>
+              </a:rPr>
+              <a:t>		 </a:t>
+            </a:r>
+            <a:r>
+              <a:rPr lang="fr-CH" dirty="0"/>
+              <a:t>	</a:t>
+            </a:r>
+            <a:endParaRPr lang="fr-CH" dirty="0">
+              <a:latin typeface="Calibri" panose="020F0502020204030204" pitchFamily="34" charset="0"/>
+            </a:endParaRPr>
+          </a:p>
+        </p:txBody>
+      </p:sp>
+      <p:pic>
+        <p:nvPicPr>
+          <p:cNvPr id="5" name="Image 4">
+            <a:extLst>
+              <a:ext uri="{FF2B5EF4-FFF2-40B4-BE49-F238E27FC236}">
+                <a16:creationId xmlns:a16="http://schemas.microsoft.com/office/drawing/2014/main" id="{251F2CFD-EC0F-4E2B-93D9-8F62DA440BC7}"/>
+              </a:ext>
+            </a:extLst>
+          </p:cNvPr>
+          <p:cNvPicPr>
+            <a:picLocks noChangeAspect="1"/>
+          </p:cNvPicPr>
+          <p:nvPr/>
+        </p:nvPicPr>
+        <p:blipFill>
+          <a:blip r:embed="rId3"/>
+          <a:stretch>
+            <a:fillRect/>
+          </a:stretch>
+        </p:blipFill>
+        <p:spPr>
+          <a:xfrm>
+            <a:off x="3972895" y="3860613"/>
+            <a:ext cx="3795460" cy="2279682"/>
+          </a:xfrm>
+          <a:prstGeom prst="rect">
+            <a:avLst/>
+          </a:prstGeom>
+        </p:spPr>
+      </p:pic>
     </p:spTree>
     <p:extLst>
       <p:ext uri="{BB962C8B-B14F-4D97-AF65-F5344CB8AC3E}">
-        <p14:creationId xmlns:p14="http://schemas.microsoft.com/office/powerpoint/2010/main" val="718154828"/>
+        <p14:creationId xmlns:p14="http://schemas.microsoft.com/office/powerpoint/2010/main" val="1534800021"/>
       </p:ext>
     </p:extLst>
   </p:cSld>

--- a/intelligenceArtificielle/Intelligence_artificielle_exam.pptx
+++ b/intelligenceArtificielle/Intelligence_artificielle_exam.pptx
@@ -228,7 +228,7 @@
           <a:p>
             <a:fld id="{64CBD762-7D85-4C9B-9A27-1200EC1C67A3}" type="datetimeFigureOut">
               <a:rPr lang="fr-CH" smtClean="0"/>
-              <a:t>02.02.2021</a:t>
+              <a:t>05.02.2021</a:t>
             </a:fld>
             <a:endParaRPr lang="fr-CH"/>
           </a:p>
@@ -1049,8 +1049,8 @@
         </p:nvSpPr>
         <p:spPr/>
       </p:sp>
-      <mc:AlternateContent xmlns:mc="http://schemas.openxmlformats.org/markup-compatibility/2006">
-        <mc:Choice xmlns:a14="http://schemas.microsoft.com/office/drawing/2010/main" Requires="a14">
+      <mc:AlternateContent xmlns:mc="http://schemas.openxmlformats.org/markup-compatibility/2006" xmlns:a14="http://schemas.microsoft.com/office/drawing/2010/main">
+        <mc:Choice Requires="a14">
           <p:sp>
             <p:nvSpPr>
               <p:cNvPr id="3" name="Espace réservé des notes 2"/>
@@ -1207,7 +1207,7 @@
             </p:txBody>
           </p:sp>
         </mc:Choice>
-        <mc:Fallback>
+        <mc:Fallback xmlns="">
           <p:sp>
             <p:nvSpPr>
               <p:cNvPr id="3" name="Espace réservé des notes 2"/>
@@ -1642,7 +1642,7 @@
           <a:p>
             <a:fld id="{46EFA6A2-3031-45FF-BDA0-75ECB34C33B1}" type="datetimeFigureOut">
               <a:rPr lang="en-GB" smtClean="0"/>
-              <a:t>02/02/2021</a:t>
+              <a:t>05/02/2021</a:t>
             </a:fld>
             <a:endParaRPr lang="en-GB"/>
           </a:p>
@@ -1842,7 +1842,7 @@
           <a:p>
             <a:fld id="{46EFA6A2-3031-45FF-BDA0-75ECB34C33B1}" type="datetimeFigureOut">
               <a:rPr lang="en-GB" smtClean="0"/>
-              <a:t>02/02/2021</a:t>
+              <a:t>05/02/2021</a:t>
             </a:fld>
             <a:endParaRPr lang="en-GB"/>
           </a:p>
@@ -2052,7 +2052,7 @@
           <a:p>
             <a:fld id="{46EFA6A2-3031-45FF-BDA0-75ECB34C33B1}" type="datetimeFigureOut">
               <a:rPr lang="en-GB" smtClean="0"/>
-              <a:t>02/02/2021</a:t>
+              <a:t>05/02/2021</a:t>
             </a:fld>
             <a:endParaRPr lang="en-GB"/>
           </a:p>
@@ -2252,7 +2252,7 @@
           <a:p>
             <a:fld id="{46EFA6A2-3031-45FF-BDA0-75ECB34C33B1}" type="datetimeFigureOut">
               <a:rPr lang="en-GB" smtClean="0"/>
-              <a:t>02/02/2021</a:t>
+              <a:t>05/02/2021</a:t>
             </a:fld>
             <a:endParaRPr lang="en-GB"/>
           </a:p>
@@ -2528,7 +2528,7 @@
           <a:p>
             <a:fld id="{46EFA6A2-3031-45FF-BDA0-75ECB34C33B1}" type="datetimeFigureOut">
               <a:rPr lang="en-GB" smtClean="0"/>
-              <a:t>02/02/2021</a:t>
+              <a:t>05/02/2021</a:t>
             </a:fld>
             <a:endParaRPr lang="en-GB"/>
           </a:p>
@@ -2796,7 +2796,7 @@
           <a:p>
             <a:fld id="{46EFA6A2-3031-45FF-BDA0-75ECB34C33B1}" type="datetimeFigureOut">
               <a:rPr lang="en-GB" smtClean="0"/>
-              <a:t>02/02/2021</a:t>
+              <a:t>05/02/2021</a:t>
             </a:fld>
             <a:endParaRPr lang="en-GB"/>
           </a:p>
@@ -3211,7 +3211,7 @@
           <a:p>
             <a:fld id="{46EFA6A2-3031-45FF-BDA0-75ECB34C33B1}" type="datetimeFigureOut">
               <a:rPr lang="en-GB" smtClean="0"/>
-              <a:t>02/02/2021</a:t>
+              <a:t>05/02/2021</a:t>
             </a:fld>
             <a:endParaRPr lang="en-GB"/>
           </a:p>
@@ -3353,7 +3353,7 @@
           <a:p>
             <a:fld id="{46EFA6A2-3031-45FF-BDA0-75ECB34C33B1}" type="datetimeFigureOut">
               <a:rPr lang="en-GB" smtClean="0"/>
-              <a:t>02/02/2021</a:t>
+              <a:t>05/02/2021</a:t>
             </a:fld>
             <a:endParaRPr lang="en-GB"/>
           </a:p>
@@ -3466,7 +3466,7 @@
           <a:p>
             <a:fld id="{46EFA6A2-3031-45FF-BDA0-75ECB34C33B1}" type="datetimeFigureOut">
               <a:rPr lang="en-GB" smtClean="0"/>
-              <a:t>02/02/2021</a:t>
+              <a:t>05/02/2021</a:t>
             </a:fld>
             <a:endParaRPr lang="en-GB"/>
           </a:p>
@@ -3779,7 +3779,7 @@
           <a:p>
             <a:fld id="{46EFA6A2-3031-45FF-BDA0-75ECB34C33B1}" type="datetimeFigureOut">
               <a:rPr lang="en-GB" smtClean="0"/>
-              <a:t>02/02/2021</a:t>
+              <a:t>05/02/2021</a:t>
             </a:fld>
             <a:endParaRPr lang="en-GB"/>
           </a:p>
@@ -4068,7 +4068,7 @@
           <a:p>
             <a:fld id="{46EFA6A2-3031-45FF-BDA0-75ECB34C33B1}" type="datetimeFigureOut">
               <a:rPr lang="en-GB" smtClean="0"/>
-              <a:t>02/02/2021</a:t>
+              <a:t>05/02/2021</a:t>
             </a:fld>
             <a:endParaRPr lang="en-GB"/>
           </a:p>
@@ -4311,7 +4311,7 @@
           <a:p>
             <a:fld id="{46EFA6A2-3031-45FF-BDA0-75ECB34C33B1}" type="datetimeFigureOut">
               <a:rPr lang="en-GB" smtClean="0"/>
-              <a:t>02/02/2021</a:t>
+              <a:t>05/02/2021</a:t>
             </a:fld>
             <a:endParaRPr lang="en-GB"/>
           </a:p>
@@ -6952,7 +6952,10 @@
           <a:bodyPr/>
           <a:lstStyle/>
           <a:p>
-            <a:endParaRPr lang="en-GB" dirty="0"/>
+            <a:r>
+              <a:rPr lang="en-GB" dirty="0"/>
+              <a:t>s</a:t>
+            </a:r>
           </a:p>
         </p:txBody>
       </p:sp>
@@ -8219,8 +8222,8 @@
           </a:p>
         </p:txBody>
       </p:sp>
-      <mc:AlternateContent xmlns:mc="http://schemas.openxmlformats.org/markup-compatibility/2006">
-        <mc:Choice xmlns:a14="http://schemas.microsoft.com/office/drawing/2010/main" Requires="a14">
+      <mc:AlternateContent xmlns:mc="http://schemas.openxmlformats.org/markup-compatibility/2006" xmlns:a14="http://schemas.microsoft.com/office/drawing/2010/main">
+        <mc:Choice Requires="a14">
           <p:sp>
             <p:nvSpPr>
               <p:cNvPr id="3" name="Espace réservé du contenu 2">
@@ -8288,6 +8291,7 @@
                             <a:solidFill>
                               <a:srgbClr val="FF0000"/>
                             </a:solidFill>
+                            <a:latin typeface="Cambria Math" panose="02040503050406030204" pitchFamily="18" charset="0"/>
                           </a:rPr>
                         </m:ctrlPr>
                       </m:sSubPr>
@@ -8330,6 +8334,7 @@
                             <a:solidFill>
                               <a:srgbClr val="FF0000"/>
                             </a:solidFill>
+                            <a:latin typeface="Cambria Math" panose="02040503050406030204" pitchFamily="18" charset="0"/>
                           </a:rPr>
                         </m:ctrlPr>
                       </m:sSubPr>
@@ -8372,6 +8377,7 @@
                             <a:solidFill>
                               <a:srgbClr val="FF0000"/>
                             </a:solidFill>
+                            <a:latin typeface="Cambria Math" panose="02040503050406030204" pitchFamily="18" charset="0"/>
                           </a:rPr>
                         </m:ctrlPr>
                       </m:sSubPr>
@@ -8919,7 +8925,7 @@
             </p:txBody>
           </p:sp>
         </mc:Choice>
-        <mc:Fallback>
+        <mc:Fallback xmlns="">
           <p:sp>
             <p:nvSpPr>
               <p:cNvPr id="3" name="Espace réservé du contenu 2">
@@ -9257,7 +9263,7 @@
         </p:blipFill>
         <p:spPr>
           <a:xfrm>
-            <a:off x="3972895" y="3860613"/>
+            <a:off x="4106830" y="3933442"/>
             <a:ext cx="3795460" cy="2279682"/>
           </a:xfrm>
           <a:prstGeom prst="rect">

--- a/intelligenceArtificielle/Intelligence_artificielle_exam.pptx
+++ b/intelligenceArtificielle/Intelligence_artificielle_exam.pptx
@@ -5,7 +5,7 @@
     <p:sldMasterId id="2147483708" r:id="rId1"/>
   </p:sldMasterIdLst>
   <p:notesMasterIdLst>
-    <p:notesMasterId r:id="rId22"/>
+    <p:notesMasterId r:id="rId25"/>
   </p:notesMasterIdLst>
   <p:sldIdLst>
     <p:sldId id="259" r:id="rId2"/>
@@ -15,19 +15,22 @@
     <p:sldId id="273" r:id="rId6"/>
     <p:sldId id="274" r:id="rId7"/>
     <p:sldId id="275" r:id="rId8"/>
-    <p:sldId id="272" r:id="rId9"/>
-    <p:sldId id="278" r:id="rId10"/>
-    <p:sldId id="260" r:id="rId11"/>
-    <p:sldId id="261" r:id="rId12"/>
-    <p:sldId id="262" r:id="rId13"/>
-    <p:sldId id="263" r:id="rId14"/>
-    <p:sldId id="264" r:id="rId15"/>
-    <p:sldId id="265" r:id="rId16"/>
-    <p:sldId id="266" r:id="rId17"/>
-    <p:sldId id="267" r:id="rId18"/>
-    <p:sldId id="268" r:id="rId19"/>
-    <p:sldId id="269" r:id="rId20"/>
-    <p:sldId id="270" r:id="rId21"/>
+    <p:sldId id="279" r:id="rId9"/>
+    <p:sldId id="272" r:id="rId10"/>
+    <p:sldId id="278" r:id="rId11"/>
+    <p:sldId id="280" r:id="rId12"/>
+    <p:sldId id="281" r:id="rId13"/>
+    <p:sldId id="260" r:id="rId14"/>
+    <p:sldId id="261" r:id="rId15"/>
+    <p:sldId id="262" r:id="rId16"/>
+    <p:sldId id="263" r:id="rId17"/>
+    <p:sldId id="264" r:id="rId18"/>
+    <p:sldId id="265" r:id="rId19"/>
+    <p:sldId id="266" r:id="rId20"/>
+    <p:sldId id="267" r:id="rId21"/>
+    <p:sldId id="268" r:id="rId22"/>
+    <p:sldId id="269" r:id="rId23"/>
+    <p:sldId id="270" r:id="rId24"/>
   </p:sldIdLst>
   <p:sldSz cx="12192000" cy="6858000"/>
   <p:notesSz cx="6858000" cy="9144000"/>
@@ -228,7 +231,7 @@
           <a:p>
             <a:fld id="{64CBD762-7D85-4C9B-9A27-1200EC1C67A3}" type="datetimeFigureOut">
               <a:rPr lang="fr-CH" smtClean="0"/>
-              <a:t>05.02.2021</a:t>
+              <a:t>06.02.2021</a:t>
             </a:fld>
             <a:endParaRPr lang="fr-CH"/>
           </a:p>
@@ -1021,6 +1024,102 @@
 </file>
 
 <file path=ppt/notesSlides/notesSlide5.xml><?xml version="1.0" encoding="utf-8"?>
+<p:notes xmlns:a="http://schemas.openxmlformats.org/drawingml/2006/main" xmlns:r="http://schemas.openxmlformats.org/officeDocument/2006/relationships" xmlns:p="http://schemas.openxmlformats.org/presentationml/2006/main">
+  <p:cSld>
+    <p:spTree>
+      <p:nvGrpSpPr>
+        <p:cNvPr id="1" name=""/>
+        <p:cNvGrpSpPr/>
+        <p:nvPr/>
+      </p:nvGrpSpPr>
+      <p:grpSpPr>
+        <a:xfrm>
+          <a:off x="0" y="0"/>
+          <a:ext cx="0" cy="0"/>
+          <a:chOff x="0" y="0"/>
+          <a:chExt cx="0" cy="0"/>
+        </a:xfrm>
+      </p:grpSpPr>
+      <p:sp>
+        <p:nvSpPr>
+          <p:cNvPr id="2" name="Espace réservé de l'image des diapositives 1"/>
+          <p:cNvSpPr>
+            <a:spLocks noGrp="1" noRot="1" noChangeAspect="1"/>
+          </p:cNvSpPr>
+          <p:nvPr>
+            <p:ph type="sldImg"/>
+          </p:nvPr>
+        </p:nvSpPr>
+        <p:spPr/>
+      </p:sp>
+      <p:sp>
+        <p:nvSpPr>
+          <p:cNvPr id="3" name="Espace réservé des notes 2"/>
+          <p:cNvSpPr>
+            <a:spLocks noGrp="1"/>
+          </p:cNvSpPr>
+          <p:nvPr>
+            <p:ph type="body" idx="1"/>
+          </p:nvPr>
+        </p:nvSpPr>
+        <p:spPr/>
+        <p:txBody>
+          <a:bodyPr/>
+          <a:lstStyle/>
+          <a:p>
+            <a:r>
+              <a:rPr lang="fr-CH" dirty="0"/>
+              <a:t>Stratégie IDA* -&gt; parler de ca ici avec le dessin </a:t>
+            </a:r>
+          </a:p>
+          <a:p>
+            <a:endParaRPr lang="fr-CH" dirty="0"/>
+          </a:p>
+          <a:p>
+            <a:r>
+              <a:rPr lang="fr-CH" dirty="0"/>
+              <a:t>Stratégie SMA* -&gt; imaginons un nouveau dessin, type labyrinthe, et la meilleur solution est celle qui paraît moins bonne au début, alors si on fixe un nombre trop petit ici, on pourra la supprimer avant de se rendre compte que c’est la bonne option.</a:t>
+            </a:r>
+          </a:p>
+        </p:txBody>
+      </p:sp>
+      <p:sp>
+        <p:nvSpPr>
+          <p:cNvPr id="4" name="Espace réservé du numéro de diapositive 3"/>
+          <p:cNvSpPr>
+            <a:spLocks noGrp="1"/>
+          </p:cNvSpPr>
+          <p:nvPr>
+            <p:ph type="sldNum" sz="quarter" idx="5"/>
+          </p:nvPr>
+        </p:nvSpPr>
+        <p:spPr/>
+        <p:txBody>
+          <a:bodyPr/>
+          <a:lstStyle/>
+          <a:p>
+            <a:fld id="{FD6302D7-B1E1-4874-8725-B1250A89F460}" type="slidenum">
+              <a:rPr lang="fr-CH" smtClean="0"/>
+              <a:t>8</a:t>
+            </a:fld>
+            <a:endParaRPr lang="fr-CH"/>
+          </a:p>
+        </p:txBody>
+      </p:sp>
+    </p:spTree>
+    <p:extLst>
+      <p:ext uri="{BB962C8B-B14F-4D97-AF65-F5344CB8AC3E}">
+        <p14:creationId xmlns:p14="http://schemas.microsoft.com/office/powerpoint/2010/main" val="135623495"/>
+      </p:ext>
+    </p:extLst>
+  </p:cSld>
+  <p:clrMapOvr>
+    <a:masterClrMapping/>
+  </p:clrMapOvr>
+</p:notes>
+</file>
+
+<file path=ppt/notesSlides/notesSlide6.xml><?xml version="1.0" encoding="utf-8"?>
 <p:notes xmlns:a="http://schemas.openxmlformats.org/drawingml/2006/main" xmlns:r="http://schemas.openxmlformats.org/officeDocument/2006/relationships" xmlns:p="http://schemas.openxmlformats.org/presentationml/2006/main">
   <p:cSld>
     <p:spTree>
@@ -1351,7 +1450,7 @@
           <a:p>
             <a:fld id="{FD6302D7-B1E1-4874-8725-B1250A89F460}" type="slidenum">
               <a:rPr lang="fr-CH" smtClean="0"/>
-              <a:t>8</a:t>
+              <a:t>9</a:t>
             </a:fld>
             <a:endParaRPr lang="fr-CH"/>
           </a:p>
@@ -1370,7 +1469,7 @@
 </p:notes>
 </file>
 
-<file path=ppt/notesSlides/notesSlide6.xml><?xml version="1.0" encoding="utf-8"?>
+<file path=ppt/notesSlides/notesSlide7.xml><?xml version="1.0" encoding="utf-8"?>
 <p:notes xmlns:a="http://schemas.openxmlformats.org/drawingml/2006/main" xmlns:r="http://schemas.openxmlformats.org/officeDocument/2006/relationships" xmlns:p="http://schemas.openxmlformats.org/presentationml/2006/main">
   <p:cSld>
     <p:spTree>
@@ -1474,7 +1573,7 @@
           <a:p>
             <a:fld id="{FD6302D7-B1E1-4874-8725-B1250A89F460}" type="slidenum">
               <a:rPr lang="fr-CH" smtClean="0"/>
-              <a:t>9</a:t>
+              <a:t>10</a:t>
             </a:fld>
             <a:endParaRPr lang="fr-CH"/>
           </a:p>
@@ -1484,6 +1583,265 @@
     <p:extLst>
       <p:ext uri="{BB962C8B-B14F-4D97-AF65-F5344CB8AC3E}">
         <p14:creationId xmlns:p14="http://schemas.microsoft.com/office/powerpoint/2010/main" val="3329098589"/>
+      </p:ext>
+    </p:extLst>
+  </p:cSld>
+  <p:clrMapOvr>
+    <a:masterClrMapping/>
+  </p:clrMapOvr>
+</p:notes>
+</file>
+
+<file path=ppt/notesSlides/notesSlide8.xml><?xml version="1.0" encoding="utf-8"?>
+<p:notes xmlns:a="http://schemas.openxmlformats.org/drawingml/2006/main" xmlns:r="http://schemas.openxmlformats.org/officeDocument/2006/relationships" xmlns:p="http://schemas.openxmlformats.org/presentationml/2006/main">
+  <p:cSld>
+    <p:spTree>
+      <p:nvGrpSpPr>
+        <p:cNvPr id="1" name=""/>
+        <p:cNvGrpSpPr/>
+        <p:nvPr/>
+      </p:nvGrpSpPr>
+      <p:grpSpPr>
+        <a:xfrm>
+          <a:off x="0" y="0"/>
+          <a:ext cx="0" cy="0"/>
+          <a:chOff x="0" y="0"/>
+          <a:chExt cx="0" cy="0"/>
+        </a:xfrm>
+      </p:grpSpPr>
+      <p:sp>
+        <p:nvSpPr>
+          <p:cNvPr id="2" name="Espace réservé de l'image des diapositives 1"/>
+          <p:cNvSpPr>
+            <a:spLocks noGrp="1" noRot="1" noChangeAspect="1"/>
+          </p:cNvSpPr>
+          <p:nvPr>
+            <p:ph type="sldImg"/>
+          </p:nvPr>
+        </p:nvSpPr>
+        <p:spPr/>
+      </p:sp>
+      <p:sp>
+        <p:nvSpPr>
+          <p:cNvPr id="3" name="Espace réservé des notes 2"/>
+          <p:cNvSpPr>
+            <a:spLocks noGrp="1"/>
+          </p:cNvSpPr>
+          <p:nvPr>
+            <p:ph type="body" idx="1"/>
+          </p:nvPr>
+        </p:nvSpPr>
+        <p:spPr/>
+        <p:txBody>
+          <a:bodyPr/>
+          <a:lstStyle/>
+          <a:p>
+            <a:r>
+              <a:rPr lang="fr-CH" dirty="0"/>
+              <a:t>Ici on voit la représentation de la recherche d’une solution en </a:t>
+            </a:r>
+            <a:r>
+              <a:rPr lang="fr-CH" dirty="0" err="1"/>
+              <a:t>backtracking</a:t>
+            </a:r>
+            <a:r>
+              <a:rPr lang="fr-CH" dirty="0"/>
+              <a:t>, avec et sans foward checking</a:t>
+            </a:r>
+          </a:p>
+          <a:p>
+            <a:endParaRPr lang="fr-CH" dirty="0"/>
+          </a:p>
+          <a:p>
+            <a:r>
+              <a:rPr lang="fr-CH" dirty="0"/>
+              <a:t>Dans l’arbre à gauche on a :</a:t>
+            </a:r>
+          </a:p>
+          <a:p>
+            <a:r>
+              <a:rPr lang="fr-CH" dirty="0"/>
+              <a:t>		D2 = [1,2] et on aura bien une mauvaise affectation avec x2 = 1</a:t>
+            </a:r>
+          </a:p>
+          <a:p>
+            <a:endParaRPr lang="fr-CH" dirty="0"/>
+          </a:p>
+          <a:p>
+            <a:r>
+              <a:rPr lang="fr-CH" dirty="0"/>
+              <a:t>Dans l’arbre à droite on a :</a:t>
+            </a:r>
+          </a:p>
+          <a:p>
+            <a:r>
+              <a:rPr lang="fr-CH" dirty="0"/>
+              <a:t>		D2 = [2] -&gt; car avec le foward checking, on voit directement que si x1 = 1 (impair), alors x2 ne peut pas être impair, donc on supprime les valeurs impairs du domaine D2</a:t>
+            </a:r>
+          </a:p>
+          <a:p>
+            <a:endParaRPr lang="fr-CH" dirty="0"/>
+          </a:p>
+          <a:p>
+            <a:endParaRPr lang="fr-CH" dirty="0"/>
+          </a:p>
+        </p:txBody>
+      </p:sp>
+      <p:sp>
+        <p:nvSpPr>
+          <p:cNvPr id="4" name="Espace réservé du numéro de diapositive 3"/>
+          <p:cNvSpPr>
+            <a:spLocks noGrp="1"/>
+          </p:cNvSpPr>
+          <p:nvPr>
+            <p:ph type="sldNum" sz="quarter" idx="5"/>
+          </p:nvPr>
+        </p:nvSpPr>
+        <p:spPr/>
+        <p:txBody>
+          <a:bodyPr/>
+          <a:lstStyle/>
+          <a:p>
+            <a:fld id="{FD6302D7-B1E1-4874-8725-B1250A89F460}" type="slidenum">
+              <a:rPr lang="fr-CH" smtClean="0"/>
+              <a:t>11</a:t>
+            </a:fld>
+            <a:endParaRPr lang="fr-CH"/>
+          </a:p>
+        </p:txBody>
+      </p:sp>
+    </p:spTree>
+    <p:extLst>
+      <p:ext uri="{BB962C8B-B14F-4D97-AF65-F5344CB8AC3E}">
+        <p14:creationId xmlns:p14="http://schemas.microsoft.com/office/powerpoint/2010/main" val="369439381"/>
+      </p:ext>
+    </p:extLst>
+  </p:cSld>
+  <p:clrMapOvr>
+    <a:masterClrMapping/>
+  </p:clrMapOvr>
+</p:notes>
+</file>
+
+<file path=ppt/notesSlides/notesSlide9.xml><?xml version="1.0" encoding="utf-8"?>
+<p:notes xmlns:a="http://schemas.openxmlformats.org/drawingml/2006/main" xmlns:r="http://schemas.openxmlformats.org/officeDocument/2006/relationships" xmlns:p="http://schemas.openxmlformats.org/presentationml/2006/main">
+  <p:cSld>
+    <p:spTree>
+      <p:nvGrpSpPr>
+        <p:cNvPr id="1" name=""/>
+        <p:cNvGrpSpPr/>
+        <p:nvPr/>
+      </p:nvGrpSpPr>
+      <p:grpSpPr>
+        <a:xfrm>
+          <a:off x="0" y="0"/>
+          <a:ext cx="0" cy="0"/>
+          <a:chOff x="0" y="0"/>
+          <a:chExt cx="0" cy="0"/>
+        </a:xfrm>
+      </p:grpSpPr>
+      <p:sp>
+        <p:nvSpPr>
+          <p:cNvPr id="2" name="Espace réservé de l'image des diapositives 1"/>
+          <p:cNvSpPr>
+            <a:spLocks noGrp="1" noRot="1" noChangeAspect="1"/>
+          </p:cNvSpPr>
+          <p:nvPr>
+            <p:ph type="sldImg"/>
+          </p:nvPr>
+        </p:nvSpPr>
+        <p:spPr/>
+      </p:sp>
+      <p:sp>
+        <p:nvSpPr>
+          <p:cNvPr id="3" name="Espace réservé des notes 2"/>
+          <p:cNvSpPr>
+            <a:spLocks noGrp="1"/>
+          </p:cNvSpPr>
+          <p:nvPr>
+            <p:ph type="body" idx="1"/>
+          </p:nvPr>
+        </p:nvSpPr>
+        <p:spPr/>
+        <p:txBody>
+          <a:bodyPr/>
+          <a:lstStyle/>
+          <a:p>
+            <a:r>
+              <a:rPr lang="fr-CH" dirty="0"/>
+              <a:t>Dans la recherche en profondeur, une heuristique avait pour but de réduire le nombre total de nœuds visité, en la guidant la recherche.</a:t>
+            </a:r>
+          </a:p>
+          <a:p>
+            <a:endParaRPr lang="fr-CH" dirty="0"/>
+          </a:p>
+          <a:p>
+            <a:pPr marL="0" marR="0" lvl="0" indent="0" algn="l" defTabSz="914400" rtl="0" eaLnBrk="1" fontAlgn="auto" latinLnBrk="0" hangingPunct="1">
+              <a:lnSpc>
+                <a:spcPct val="100000"/>
+              </a:lnSpc>
+              <a:spcBef>
+                <a:spcPts val="0"/>
+              </a:spcBef>
+              <a:spcAft>
+                <a:spcPts val="0"/>
+              </a:spcAft>
+              <a:buClrTx/>
+              <a:buSzTx/>
+              <a:buFontTx/>
+              <a:buNone/>
+              <a:tabLst/>
+              <a:defRPr/>
+            </a:pPr>
+            <a:r>
+              <a:rPr lang="fr-CH" dirty="0"/>
+              <a:t>C3-&gt; [x1] : c3 est une contrainte qui affecte les variables [x1]</a:t>
+            </a:r>
+          </a:p>
+          <a:p>
+            <a:endParaRPr lang="fr-CH" dirty="0"/>
+          </a:p>
+          <a:p>
+            <a:r>
+              <a:rPr lang="fr-CH" dirty="0"/>
+              <a:t>On a encore une heuristique en plus, ordre </a:t>
+            </a:r>
+          </a:p>
+          <a:p>
+            <a:endParaRPr lang="fr-CH" dirty="0"/>
+          </a:p>
+          <a:p>
+            <a:endParaRPr lang="fr-CH" dirty="0"/>
+          </a:p>
+        </p:txBody>
+      </p:sp>
+      <p:sp>
+        <p:nvSpPr>
+          <p:cNvPr id="4" name="Espace réservé du numéro de diapositive 3"/>
+          <p:cNvSpPr>
+            <a:spLocks noGrp="1"/>
+          </p:cNvSpPr>
+          <p:nvPr>
+            <p:ph type="sldNum" sz="quarter" idx="5"/>
+          </p:nvPr>
+        </p:nvSpPr>
+        <p:spPr/>
+        <p:txBody>
+          <a:bodyPr/>
+          <a:lstStyle/>
+          <a:p>
+            <a:fld id="{FD6302D7-B1E1-4874-8725-B1250A89F460}" type="slidenum">
+              <a:rPr lang="fr-CH" smtClean="0"/>
+              <a:t>12</a:t>
+            </a:fld>
+            <a:endParaRPr lang="fr-CH"/>
+          </a:p>
+        </p:txBody>
+      </p:sp>
+    </p:spTree>
+    <p:extLst>
+      <p:ext uri="{BB962C8B-B14F-4D97-AF65-F5344CB8AC3E}">
+        <p14:creationId xmlns:p14="http://schemas.microsoft.com/office/powerpoint/2010/main" val="3330038481"/>
       </p:ext>
     </p:extLst>
   </p:cSld>
@@ -1642,7 +2000,7 @@
           <a:p>
             <a:fld id="{46EFA6A2-3031-45FF-BDA0-75ECB34C33B1}" type="datetimeFigureOut">
               <a:rPr lang="en-GB" smtClean="0"/>
-              <a:t>05/02/2021</a:t>
+              <a:t>06/02/2021</a:t>
             </a:fld>
             <a:endParaRPr lang="en-GB"/>
           </a:p>
@@ -1842,7 +2200,7 @@
           <a:p>
             <a:fld id="{46EFA6A2-3031-45FF-BDA0-75ECB34C33B1}" type="datetimeFigureOut">
               <a:rPr lang="en-GB" smtClean="0"/>
-              <a:t>05/02/2021</a:t>
+              <a:t>06/02/2021</a:t>
             </a:fld>
             <a:endParaRPr lang="en-GB"/>
           </a:p>
@@ -2052,7 +2410,7 @@
           <a:p>
             <a:fld id="{46EFA6A2-3031-45FF-BDA0-75ECB34C33B1}" type="datetimeFigureOut">
               <a:rPr lang="en-GB" smtClean="0"/>
-              <a:t>05/02/2021</a:t>
+              <a:t>06/02/2021</a:t>
             </a:fld>
             <a:endParaRPr lang="en-GB"/>
           </a:p>
@@ -2252,7 +2610,7 @@
           <a:p>
             <a:fld id="{46EFA6A2-3031-45FF-BDA0-75ECB34C33B1}" type="datetimeFigureOut">
               <a:rPr lang="en-GB" smtClean="0"/>
-              <a:t>05/02/2021</a:t>
+              <a:t>06/02/2021</a:t>
             </a:fld>
             <a:endParaRPr lang="en-GB"/>
           </a:p>
@@ -2528,7 +2886,7 @@
           <a:p>
             <a:fld id="{46EFA6A2-3031-45FF-BDA0-75ECB34C33B1}" type="datetimeFigureOut">
               <a:rPr lang="en-GB" smtClean="0"/>
-              <a:t>05/02/2021</a:t>
+              <a:t>06/02/2021</a:t>
             </a:fld>
             <a:endParaRPr lang="en-GB"/>
           </a:p>
@@ -2796,7 +3154,7 @@
           <a:p>
             <a:fld id="{46EFA6A2-3031-45FF-BDA0-75ECB34C33B1}" type="datetimeFigureOut">
               <a:rPr lang="en-GB" smtClean="0"/>
-              <a:t>05/02/2021</a:t>
+              <a:t>06/02/2021</a:t>
             </a:fld>
             <a:endParaRPr lang="en-GB"/>
           </a:p>
@@ -3211,7 +3569,7 @@
           <a:p>
             <a:fld id="{46EFA6A2-3031-45FF-BDA0-75ECB34C33B1}" type="datetimeFigureOut">
               <a:rPr lang="en-GB" smtClean="0"/>
-              <a:t>05/02/2021</a:t>
+              <a:t>06/02/2021</a:t>
             </a:fld>
             <a:endParaRPr lang="en-GB"/>
           </a:p>
@@ -3353,7 +3711,7 @@
           <a:p>
             <a:fld id="{46EFA6A2-3031-45FF-BDA0-75ECB34C33B1}" type="datetimeFigureOut">
               <a:rPr lang="en-GB" smtClean="0"/>
-              <a:t>05/02/2021</a:t>
+              <a:t>06/02/2021</a:t>
             </a:fld>
             <a:endParaRPr lang="en-GB"/>
           </a:p>
@@ -3466,7 +3824,7 @@
           <a:p>
             <a:fld id="{46EFA6A2-3031-45FF-BDA0-75ECB34C33B1}" type="datetimeFigureOut">
               <a:rPr lang="en-GB" smtClean="0"/>
-              <a:t>05/02/2021</a:t>
+              <a:t>06/02/2021</a:t>
             </a:fld>
             <a:endParaRPr lang="en-GB"/>
           </a:p>
@@ -3779,7 +4137,7 @@
           <a:p>
             <a:fld id="{46EFA6A2-3031-45FF-BDA0-75ECB34C33B1}" type="datetimeFigureOut">
               <a:rPr lang="en-GB" smtClean="0"/>
-              <a:t>05/02/2021</a:t>
+              <a:t>06/02/2021</a:t>
             </a:fld>
             <a:endParaRPr lang="en-GB"/>
           </a:p>
@@ -4068,7 +4426,7 @@
           <a:p>
             <a:fld id="{46EFA6A2-3031-45FF-BDA0-75ECB34C33B1}" type="datetimeFigureOut">
               <a:rPr lang="en-GB" smtClean="0"/>
-              <a:t>05/02/2021</a:t>
+              <a:t>06/02/2021</a:t>
             </a:fld>
             <a:endParaRPr lang="en-GB"/>
           </a:p>
@@ -4311,7 +4669,7 @@
           <a:p>
             <a:fld id="{46EFA6A2-3031-45FF-BDA0-75ECB34C33B1}" type="datetimeFigureOut">
               <a:rPr lang="en-GB" smtClean="0"/>
-              <a:t>05/02/2021</a:t>
+              <a:t>06/02/2021</a:t>
             </a:fld>
             <a:endParaRPr lang="en-GB"/>
           </a:p>
@@ -5607,7 +5965,7 @@
           <p:cNvPr id="2" name="Titre 1">
             <a:extLst>
               <a:ext uri="{FF2B5EF4-FFF2-40B4-BE49-F238E27FC236}">
-                <a16:creationId xmlns:a16="http://schemas.microsoft.com/office/drawing/2014/main" id="{21766C66-1FE8-40A6-86E7-67715FC56E02}"/>
+                <a16:creationId xmlns:a16="http://schemas.microsoft.com/office/drawing/2014/main" id="{1DE24D75-C6DE-4394-A51C-5EF310010BA5}"/>
               </a:ext>
             </a:extLst>
           </p:cNvPr>
@@ -5618,63 +5976,274 @@
             <p:ph type="title"/>
           </p:nvPr>
         </p:nvSpPr>
-        <p:spPr/>
-        <p:txBody>
-          <a:bodyPr>
-            <a:normAutofit/>
+        <p:spPr>
+          <a:xfrm>
+            <a:off x="0" y="-316992"/>
+            <a:ext cx="746760" cy="1325563"/>
+          </a:xfrm>
+        </p:spPr>
+        <p:txBody>
+          <a:bodyPr/>
+          <a:lstStyle/>
+          <a:p>
+            <a:r>
+              <a:rPr lang="fr-CH" dirty="0">
+                <a:solidFill>
+                  <a:schemeClr val="accent1"/>
+                </a:solidFill>
+              </a:rPr>
+              <a:t>3.</a:t>
+            </a:r>
+            <a:endParaRPr lang="en-GB" dirty="0">
+              <a:solidFill>
+                <a:schemeClr val="accent1"/>
+              </a:solidFill>
+            </a:endParaRPr>
+          </a:p>
+        </p:txBody>
+      </p:sp>
+      <p:sp>
+        <p:nvSpPr>
+          <p:cNvPr id="4" name="ZoneTexte 3">
+            <a:extLst>
+              <a:ext uri="{FF2B5EF4-FFF2-40B4-BE49-F238E27FC236}">
+                <a16:creationId xmlns:a16="http://schemas.microsoft.com/office/drawing/2014/main" id="{B4A469F4-C262-4F6E-8D5D-858330AC98E0}"/>
+              </a:ext>
+            </a:extLst>
+          </p:cNvPr>
+          <p:cNvSpPr txBox="1"/>
+          <p:nvPr/>
+        </p:nvSpPr>
+        <p:spPr>
+          <a:xfrm>
+            <a:off x="746760" y="161123"/>
+            <a:ext cx="10515600" cy="369332"/>
+          </a:xfrm>
+          <a:prstGeom prst="rect">
+            <a:avLst/>
+          </a:prstGeom>
+          <a:noFill/>
+        </p:spPr>
+        <p:txBody>
+          <a:bodyPr wrap="square" rtlCol="0">
+            <a:spAutoFit/>
           </a:bodyPr>
           <a:lstStyle/>
           <a:p>
             <a:r>
-              <a:rPr lang="fr-FR" sz="1400" dirty="0">
+              <a:rPr lang="fr-FR" sz="1800" dirty="0">
                 <a:solidFill>
-                  <a:srgbClr val="FF0000"/>
+                  <a:schemeClr val="accent1"/>
                 </a:solidFill>
                 <a:effectLst/>
                 <a:latin typeface="Arial" panose="020B0604020202020204" pitchFamily="34" charset="0"/>
               </a:rPr>
-              <a:t>4.</a:t>
-            </a:r>
-            <a:r>
-              <a:rPr lang="fr-FR" sz="1400" dirty="0">
-                <a:effectLst/>
-                <a:latin typeface="Arial" panose="020B0604020202020204" pitchFamily="34" charset="0"/>
+              <a:t>Comment le résout-on?</a:t>
+            </a:r>
+            <a:endParaRPr lang="en-GB" dirty="0">
+              <a:solidFill>
+                <a:schemeClr val="accent1"/>
+              </a:solidFill>
+            </a:endParaRPr>
+          </a:p>
+        </p:txBody>
+      </p:sp>
+      <p:sp>
+        <p:nvSpPr>
+          <p:cNvPr id="6" name="Espace réservé du contenu 5">
+            <a:extLst>
+              <a:ext uri="{FF2B5EF4-FFF2-40B4-BE49-F238E27FC236}">
+                <a16:creationId xmlns:a16="http://schemas.microsoft.com/office/drawing/2014/main" id="{9053FE73-A770-44D5-A882-8956257325B6}"/>
+              </a:ext>
+            </a:extLst>
+          </p:cNvPr>
+          <p:cNvSpPr>
+            <a:spLocks noGrp="1"/>
+          </p:cNvSpPr>
+          <p:nvPr>
+            <p:ph idx="1"/>
+          </p:nvPr>
+        </p:nvSpPr>
+        <p:spPr>
+          <a:xfrm>
+            <a:off x="838200" y="1008570"/>
+            <a:ext cx="10515600" cy="4354276"/>
+          </a:xfrm>
+        </p:spPr>
+        <p:txBody>
+          <a:bodyPr>
+            <a:noAutofit/>
+          </a:bodyPr>
+          <a:lstStyle/>
+          <a:p>
+            <a:pPr marL="0" indent="0">
+              <a:buNone/>
+            </a:pPr>
+            <a:r>
+              <a:rPr lang="fr-CH" dirty="0"/>
+              <a:t>Voici les étapes pour résoudre le problème (</a:t>
+            </a:r>
+            <a:r>
+              <a:rPr lang="fr-CH" dirty="0" err="1"/>
+              <a:t>backtracking</a:t>
+            </a:r>
+            <a:r>
+              <a:rPr lang="fr-CH" dirty="0"/>
+              <a:t>):</a:t>
+            </a:r>
+          </a:p>
+          <a:p>
+            <a:pPr marL="0" indent="0">
+              <a:buNone/>
+            </a:pPr>
+            <a:r>
+              <a:rPr lang="fr-CH" dirty="0"/>
+              <a:t>	(1) définir les variables du problème </a:t>
+            </a:r>
+            <a:r>
+              <a:rPr lang="fr-CH" dirty="0">
+                <a:solidFill>
+                  <a:srgbClr val="FF0000"/>
+                </a:solidFill>
               </a:rPr>
-              <a:t>Recherche Adverse: En quoi consiste la recherche adverse et en quoi diffère-t-elle de la recherche classique? Quel est son modèle? Qu’est-ce qu’une fonction d’évaluation? Décrivez l’algorithme MINIMAX et ses variantes.</a:t>
-            </a:r>
-            <a:endParaRPr lang="en-GB" sz="1400" dirty="0"/>
-          </a:p>
-        </p:txBody>
-      </p:sp>
-      <p:sp>
-        <p:nvSpPr>
-          <p:cNvPr id="3" name="Espace réservé du contenu 2">
-            <a:extLst>
-              <a:ext uri="{FF2B5EF4-FFF2-40B4-BE49-F238E27FC236}">
-                <a16:creationId xmlns:a16="http://schemas.microsoft.com/office/drawing/2014/main" id="{55ECBF04-F52F-4B3F-9304-4E4A2E668DA9}"/>
-              </a:ext>
-            </a:extLst>
-          </p:cNvPr>
-          <p:cNvSpPr>
-            <a:spLocks noGrp="1"/>
-          </p:cNvSpPr>
-          <p:nvPr>
-            <p:ph idx="1"/>
-          </p:nvPr>
-        </p:nvSpPr>
-        <p:spPr/>
-        <p:txBody>
-          <a:bodyPr/>
-          <a:lstStyle/>
-          <a:p>
-            <a:endParaRPr lang="en-GB" dirty="0"/>
-          </a:p>
-        </p:txBody>
-      </p:sp>
+              <a:t>(X)</a:t>
+            </a:r>
+          </a:p>
+          <a:p>
+            <a:pPr marL="0" indent="0">
+              <a:buNone/>
+            </a:pPr>
+            <a:r>
+              <a:rPr lang="fr-CH" dirty="0">
+                <a:solidFill>
+                  <a:srgbClr val="FF0000"/>
+                </a:solidFill>
+              </a:rPr>
+              <a:t>	</a:t>
+            </a:r>
+            <a:r>
+              <a:rPr lang="fr-CH" dirty="0"/>
+              <a:t>(2) définir le domaine </a:t>
+            </a:r>
+            <a:r>
+              <a:rPr lang="fr-CH" dirty="0">
+                <a:solidFill>
+                  <a:srgbClr val="FF0000"/>
+                </a:solidFill>
+              </a:rPr>
+              <a:t>(D) </a:t>
+            </a:r>
+            <a:r>
+              <a:rPr lang="fr-CH" dirty="0"/>
+              <a:t>de chaque variable de </a:t>
+            </a:r>
+            <a:r>
+              <a:rPr lang="fr-CH" dirty="0">
+                <a:solidFill>
+                  <a:srgbClr val="FF0000"/>
+                </a:solidFill>
+              </a:rPr>
+              <a:t>(X) </a:t>
+            </a:r>
+          </a:p>
+          <a:p>
+            <a:pPr marL="0" indent="0">
+              <a:buNone/>
+            </a:pPr>
+            <a:r>
+              <a:rPr lang="fr-CH" dirty="0">
+                <a:solidFill>
+                  <a:srgbClr val="FF0000"/>
+                </a:solidFill>
+              </a:rPr>
+              <a:t>	</a:t>
+            </a:r>
+            <a:r>
+              <a:rPr lang="fr-CH" dirty="0"/>
+              <a:t>(3) on transforme les contraintes en formules mathématiques </a:t>
+            </a:r>
+            <a:r>
+              <a:rPr lang="fr-CH" dirty="0">
+                <a:solidFill>
+                  <a:srgbClr val="FF0000"/>
+                </a:solidFill>
+              </a:rPr>
+              <a:t>(C)</a:t>
+            </a:r>
+          </a:p>
+          <a:p>
+            <a:pPr marL="0" indent="0">
+              <a:buNone/>
+            </a:pPr>
+            <a:r>
+              <a:rPr lang="fr-CH" dirty="0">
+                <a:solidFill>
+                  <a:srgbClr val="FF0000"/>
+                </a:solidFill>
+              </a:rPr>
+              <a:t>	</a:t>
+            </a:r>
+            <a:r>
+              <a:rPr lang="fr-CH" dirty="0"/>
+              <a:t>(4) on exécute l’algorithme de recherche</a:t>
+            </a:r>
+          </a:p>
+          <a:p>
+            <a:pPr marL="0" indent="0">
+              <a:buNone/>
+            </a:pPr>
+            <a:r>
+              <a:rPr lang="fr-CH" dirty="0">
+                <a:solidFill>
+                  <a:srgbClr val="FF0000"/>
+                </a:solidFill>
+              </a:rPr>
+              <a:t>		 </a:t>
+            </a:r>
+            <a:r>
+              <a:rPr lang="fr-CH" dirty="0"/>
+              <a:t>	</a:t>
+            </a:r>
+            <a:endParaRPr lang="fr-CH" dirty="0">
+              <a:latin typeface="Calibri" panose="020F0502020204030204" pitchFamily="34" charset="0"/>
+            </a:endParaRPr>
+          </a:p>
+        </p:txBody>
+      </p:sp>
+      <p:pic>
+        <p:nvPicPr>
+          <p:cNvPr id="5" name="Image 4">
+            <a:extLst>
+              <a:ext uri="{FF2B5EF4-FFF2-40B4-BE49-F238E27FC236}">
+                <a16:creationId xmlns:a16="http://schemas.microsoft.com/office/drawing/2014/main" id="{251F2CFD-EC0F-4E2B-93D9-8F62DA440BC7}"/>
+              </a:ext>
+            </a:extLst>
+          </p:cNvPr>
+          <p:cNvPicPr>
+            <a:picLocks noChangeAspect="1"/>
+          </p:cNvPicPr>
+          <p:nvPr/>
+        </p:nvPicPr>
+        <p:blipFill>
+          <a:blip r:embed="rId3"/>
+          <a:stretch>
+            <a:fillRect/>
+          </a:stretch>
+        </p:blipFill>
+        <p:spPr>
+          <a:xfrm>
+            <a:off x="4106830" y="3933442"/>
+            <a:ext cx="3795460" cy="2279682"/>
+          </a:xfrm>
+          <a:prstGeom prst="rect">
+            <a:avLst/>
+          </a:prstGeom>
+        </p:spPr>
+      </p:pic>
     </p:spTree>
     <p:extLst>
       <p:ext uri="{BB962C8B-B14F-4D97-AF65-F5344CB8AC3E}">
-        <p14:creationId xmlns:p14="http://schemas.microsoft.com/office/powerpoint/2010/main" val="2681944308"/>
+        <p14:creationId xmlns:p14="http://schemas.microsoft.com/office/powerpoint/2010/main" val="1534800021"/>
       </p:ext>
     </p:extLst>
   </p:cSld>
@@ -5706,7 +6275,7 @@
           <p:cNvPr id="2" name="Titre 1">
             <a:extLst>
               <a:ext uri="{FF2B5EF4-FFF2-40B4-BE49-F238E27FC236}">
-                <a16:creationId xmlns:a16="http://schemas.microsoft.com/office/drawing/2014/main" id="{21766C66-1FE8-40A6-86E7-67715FC56E02}"/>
+                <a16:creationId xmlns:a16="http://schemas.microsoft.com/office/drawing/2014/main" id="{1DE24D75-C6DE-4394-A51C-5EF310010BA5}"/>
               </a:ext>
             </a:extLst>
           </p:cNvPr>
@@ -5717,63 +6286,502 @@
             <p:ph type="title"/>
           </p:nvPr>
         </p:nvSpPr>
-        <p:spPr/>
-        <p:txBody>
-          <a:bodyPr>
-            <a:normAutofit/>
+        <p:spPr>
+          <a:xfrm>
+            <a:off x="0" y="-316992"/>
+            <a:ext cx="746760" cy="1325563"/>
+          </a:xfrm>
+        </p:spPr>
+        <p:txBody>
+          <a:bodyPr/>
+          <a:lstStyle/>
+          <a:p>
+            <a:r>
+              <a:rPr lang="fr-CH" dirty="0">
+                <a:solidFill>
+                  <a:schemeClr val="accent1"/>
+                </a:solidFill>
+              </a:rPr>
+              <a:t>3.</a:t>
+            </a:r>
+            <a:endParaRPr lang="en-GB" dirty="0">
+              <a:solidFill>
+                <a:schemeClr val="accent1"/>
+              </a:solidFill>
+            </a:endParaRPr>
+          </a:p>
+        </p:txBody>
+      </p:sp>
+      <p:sp>
+        <p:nvSpPr>
+          <p:cNvPr id="4" name="ZoneTexte 3">
+            <a:extLst>
+              <a:ext uri="{FF2B5EF4-FFF2-40B4-BE49-F238E27FC236}">
+                <a16:creationId xmlns:a16="http://schemas.microsoft.com/office/drawing/2014/main" id="{B4A469F4-C262-4F6E-8D5D-858330AC98E0}"/>
+              </a:ext>
+            </a:extLst>
+          </p:cNvPr>
+          <p:cNvSpPr txBox="1"/>
+          <p:nvPr/>
+        </p:nvSpPr>
+        <p:spPr>
+          <a:xfrm>
+            <a:off x="746760" y="161123"/>
+            <a:ext cx="10515600" cy="369332"/>
+          </a:xfrm>
+          <a:prstGeom prst="rect">
+            <a:avLst/>
+          </a:prstGeom>
+          <a:noFill/>
+        </p:spPr>
+        <p:txBody>
+          <a:bodyPr wrap="square" rtlCol="0">
+            <a:spAutoFit/>
           </a:bodyPr>
           <a:lstStyle/>
           <a:p>
             <a:r>
-              <a:rPr lang="fr-FR" sz="1400" dirty="0">
+              <a:rPr lang="fr-FR" sz="1800" dirty="0">
                 <a:solidFill>
-                  <a:srgbClr val="FF0000"/>
+                  <a:schemeClr val="accent1"/>
                 </a:solidFill>
                 <a:effectLst/>
                 <a:latin typeface="Arial" panose="020B0604020202020204" pitchFamily="34" charset="0"/>
               </a:rPr>
-              <a:t>5.</a:t>
-            </a:r>
-            <a:r>
-              <a:rPr lang="fr-FR" sz="1400" dirty="0">
-                <a:effectLst/>
-                <a:latin typeface="Arial" panose="020B0604020202020204" pitchFamily="34" charset="0"/>
-              </a:rPr>
-              <a:t>Planification:Qu’est-ceque la planification? Quel est la spécificité de l’approche proposée par rapport aux autres méthodes de recherche? Comment se caractérise un état, une action? Décrivez le chainage et la planification non-linéaire. Développez un exemple.</a:t>
-            </a:r>
-            <a:endParaRPr lang="en-GB" sz="1400" dirty="0"/>
-          </a:p>
-        </p:txBody>
-      </p:sp>
-      <p:sp>
-        <p:nvSpPr>
-          <p:cNvPr id="3" name="Espace réservé du contenu 2">
-            <a:extLst>
-              <a:ext uri="{FF2B5EF4-FFF2-40B4-BE49-F238E27FC236}">
-                <a16:creationId xmlns:a16="http://schemas.microsoft.com/office/drawing/2014/main" id="{55ECBF04-F52F-4B3F-9304-4E4A2E668DA9}"/>
-              </a:ext>
-            </a:extLst>
-          </p:cNvPr>
-          <p:cNvSpPr>
-            <a:spLocks noGrp="1"/>
-          </p:cNvSpPr>
-          <p:nvPr>
-            <p:ph idx="1"/>
-          </p:nvPr>
-        </p:nvSpPr>
-        <p:spPr/>
-        <p:txBody>
-          <a:bodyPr/>
-          <a:lstStyle/>
-          <a:p>
-            <a:endParaRPr lang="en-GB" dirty="0"/>
-          </a:p>
-        </p:txBody>
-      </p:sp>
+              <a:t>En quoi consiste le graphe mis en jeu?</a:t>
+            </a:r>
+            <a:endParaRPr lang="en-GB" dirty="0">
+              <a:solidFill>
+                <a:schemeClr val="accent1"/>
+              </a:solidFill>
+            </a:endParaRPr>
+          </a:p>
+        </p:txBody>
+      </p:sp>
+      <mc:AlternateContent xmlns:mc="http://schemas.openxmlformats.org/markup-compatibility/2006">
+        <mc:Choice xmlns:a14="http://schemas.microsoft.com/office/drawing/2010/main" Requires="a14">
+          <p:sp>
+            <p:nvSpPr>
+              <p:cNvPr id="7" name="Espace réservé du contenu 6">
+                <a:extLst>
+                  <a:ext uri="{FF2B5EF4-FFF2-40B4-BE49-F238E27FC236}">
+                    <a16:creationId xmlns:a16="http://schemas.microsoft.com/office/drawing/2014/main" id="{D375C1E0-C6CE-4C9C-A1B2-E5BB8DF522A5}"/>
+                  </a:ext>
+                </a:extLst>
+              </p:cNvPr>
+              <p:cNvSpPr>
+                <a:spLocks noGrp="1"/>
+              </p:cNvSpPr>
+              <p:nvPr>
+                <p:ph idx="1"/>
+              </p:nvPr>
+            </p:nvSpPr>
+            <p:spPr>
+              <a:xfrm>
+                <a:off x="838200" y="1008570"/>
+                <a:ext cx="10515600" cy="1764998"/>
+              </a:xfrm>
+            </p:spPr>
+            <p:txBody>
+              <a:bodyPr/>
+              <a:lstStyle/>
+              <a:p>
+                <a:r>
+                  <a:rPr lang="fr-CH" dirty="0"/>
+                  <a:t>Imaginons un exemple simple:</a:t>
+                </a:r>
+              </a:p>
+              <a:p>
+                <a:pPr lvl="1"/>
+                <a:r>
+                  <a:rPr lang="fr-CH" dirty="0">
+                    <a:solidFill>
+                      <a:schemeClr val="tx1"/>
+                    </a:solidFill>
+                  </a:rPr>
+                  <a:t>X = (</a:t>
+                </a:r>
+                <a14:m>
+                  <m:oMath xmlns:m="http://schemas.openxmlformats.org/officeDocument/2006/math">
+                    <m:sSub>
+                      <m:sSubPr>
+                        <m:ctrlPr>
+                          <a:rPr lang="x-IV_mathan" i="1">
+                            <a:solidFill>
+                              <a:schemeClr val="tx1"/>
+                            </a:solidFill>
+                            <a:latin typeface="Cambria Math" panose="02040503050406030204" pitchFamily="18" charset="0"/>
+                          </a:rPr>
+                        </m:ctrlPr>
+                      </m:sSubPr>
+                      <m:e>
+                        <m:r>
+                          <a:rPr lang="fr-CH" b="0" i="1" smtClean="0">
+                            <a:solidFill>
+                              <a:schemeClr val="tx1"/>
+                            </a:solidFill>
+                            <a:latin typeface="Cambria Math" panose="02040503050406030204" pitchFamily="18" charset="0"/>
+                          </a:rPr>
+                          <m:t>𝑥</m:t>
+                        </m:r>
+                      </m:e>
+                      <m:sub>
+                        <m:r>
+                          <a:rPr lang="fr-CH" b="0" i="1" smtClean="0">
+                            <a:solidFill>
+                              <a:schemeClr val="tx1"/>
+                            </a:solidFill>
+                            <a:latin typeface="Cambria Math" panose="02040503050406030204" pitchFamily="18" charset="0"/>
+                          </a:rPr>
+                          <m:t>1</m:t>
+                        </m:r>
+                      </m:sub>
+                    </m:sSub>
+                    <m:r>
+                      <a:rPr lang="fr-CH" b="0" i="1" smtClean="0">
+                        <a:solidFill>
+                          <a:schemeClr val="tx1"/>
+                        </a:solidFill>
+                        <a:latin typeface="Cambria Math" panose="02040503050406030204" pitchFamily="18" charset="0"/>
+                      </a:rPr>
+                      <m:t>,</m:t>
+                    </m:r>
+                    <m:sSub>
+                      <m:sSubPr>
+                        <m:ctrlPr>
+                          <a:rPr lang="x-IV_mathan" i="1">
+                            <a:solidFill>
+                              <a:schemeClr val="tx1"/>
+                            </a:solidFill>
+                            <a:latin typeface="Cambria Math" panose="02040503050406030204" pitchFamily="18" charset="0"/>
+                          </a:rPr>
+                        </m:ctrlPr>
+                      </m:sSubPr>
+                      <m:e>
+                        <m:r>
+                          <a:rPr lang="fr-CH" b="0" i="1" smtClean="0">
+                            <a:solidFill>
+                              <a:schemeClr val="tx1"/>
+                            </a:solidFill>
+                            <a:latin typeface="Cambria Math" panose="02040503050406030204" pitchFamily="18" charset="0"/>
+                          </a:rPr>
+                          <m:t>𝑥</m:t>
+                        </m:r>
+                      </m:e>
+                      <m:sub>
+                        <m:r>
+                          <a:rPr lang="fr-CH" b="0" i="1" smtClean="0">
+                            <a:solidFill>
+                              <a:schemeClr val="tx1"/>
+                            </a:solidFill>
+                            <a:latin typeface="Cambria Math" panose="02040503050406030204" pitchFamily="18" charset="0"/>
+                          </a:rPr>
+                          <m:t>2</m:t>
+                        </m:r>
+                      </m:sub>
+                    </m:sSub>
+                  </m:oMath>
+                </a14:m>
+                <a:r>
+                  <a:rPr lang="fr-CH" dirty="0">
+                    <a:solidFill>
+                      <a:schemeClr val="tx1"/>
+                    </a:solidFill>
+                  </a:rPr>
+                  <a:t>)</a:t>
+                </a:r>
+              </a:p>
+              <a:p>
+                <a:pPr lvl="1"/>
+                <a14:m>
+                  <m:oMath xmlns:m="http://schemas.openxmlformats.org/officeDocument/2006/math">
+                    <m:sSub>
+                      <m:sSubPr>
+                        <m:ctrlPr>
+                          <a:rPr lang="x-IV_mathan" i="1">
+                            <a:solidFill>
+                              <a:schemeClr val="tx1"/>
+                            </a:solidFill>
+                            <a:latin typeface="Cambria Math" panose="02040503050406030204" pitchFamily="18" charset="0"/>
+                          </a:rPr>
+                        </m:ctrlPr>
+                      </m:sSubPr>
+                      <m:e>
+                        <m:r>
+                          <a:rPr lang="fr-CH" b="0" i="1" smtClean="0">
+                            <a:solidFill>
+                              <a:schemeClr val="tx1"/>
+                            </a:solidFill>
+                            <a:latin typeface="Cambria Math" panose="02040503050406030204" pitchFamily="18" charset="0"/>
+                          </a:rPr>
+                          <m:t>𝐷</m:t>
+                        </m:r>
+                      </m:e>
+                      <m:sub>
+                        <m:r>
+                          <a:rPr lang="fr-CH" i="1">
+                            <a:solidFill>
+                              <a:schemeClr val="tx1"/>
+                            </a:solidFill>
+                            <a:latin typeface="Cambria Math" panose="02040503050406030204" pitchFamily="18" charset="0"/>
+                          </a:rPr>
+                          <m:t>1</m:t>
+                        </m:r>
+                      </m:sub>
+                    </m:sSub>
+                  </m:oMath>
+                </a14:m>
+                <a:r>
+                  <a:rPr lang="fr-CH" dirty="0">
+                    <a:solidFill>
+                      <a:schemeClr val="tx1"/>
+                    </a:solidFill>
+                  </a:rPr>
+                  <a:t> = [1,2] - </a:t>
+                </a:r>
+                <a14:m>
+                  <m:oMath xmlns:m="http://schemas.openxmlformats.org/officeDocument/2006/math">
+                    <m:sSub>
+                      <m:sSubPr>
+                        <m:ctrlPr>
+                          <a:rPr lang="x-IV_mathan" i="1">
+                            <a:solidFill>
+                              <a:schemeClr val="tx1"/>
+                            </a:solidFill>
+                            <a:latin typeface="Cambria Math" panose="02040503050406030204" pitchFamily="18" charset="0"/>
+                          </a:rPr>
+                        </m:ctrlPr>
+                      </m:sSubPr>
+                      <m:e>
+                        <m:r>
+                          <a:rPr lang="fr-CH" i="1">
+                            <a:solidFill>
+                              <a:schemeClr val="tx1"/>
+                            </a:solidFill>
+                            <a:latin typeface="Cambria Math" panose="02040503050406030204" pitchFamily="18" charset="0"/>
+                          </a:rPr>
+                          <m:t>𝐷</m:t>
+                        </m:r>
+                      </m:e>
+                      <m:sub>
+                        <m:r>
+                          <a:rPr lang="fr-CH" b="0" i="1" smtClean="0">
+                            <a:solidFill>
+                              <a:schemeClr val="tx1"/>
+                            </a:solidFill>
+                            <a:latin typeface="Cambria Math" panose="02040503050406030204" pitchFamily="18" charset="0"/>
+                          </a:rPr>
+                          <m:t>2</m:t>
+                        </m:r>
+                      </m:sub>
+                    </m:sSub>
+                  </m:oMath>
+                </a14:m>
+                <a:r>
+                  <a:rPr lang="fr-CH" dirty="0">
+                    <a:solidFill>
+                      <a:schemeClr val="tx1"/>
+                    </a:solidFill>
+                  </a:rPr>
+                  <a:t> = [1,2] </a:t>
+                </a:r>
+              </a:p>
+              <a:p>
+                <a:pPr lvl="1"/>
+                <a:r>
+                  <a:rPr lang="fr-CH" dirty="0">
+                    <a:solidFill>
+                      <a:schemeClr val="tx1"/>
+                    </a:solidFill>
+                  </a:rPr>
+                  <a:t>C : si </a:t>
+                </a:r>
+                <a14:m>
+                  <m:oMath xmlns:m="http://schemas.openxmlformats.org/officeDocument/2006/math">
+                    <m:sSub>
+                      <m:sSubPr>
+                        <m:ctrlPr>
+                          <a:rPr lang="x-IV_mathan" i="1" smtClean="0">
+                            <a:solidFill>
+                              <a:schemeClr val="tx1"/>
+                            </a:solidFill>
+                            <a:latin typeface="Cambria Math" panose="02040503050406030204" pitchFamily="18" charset="0"/>
+                          </a:rPr>
+                        </m:ctrlPr>
+                      </m:sSubPr>
+                      <m:e>
+                        <m:r>
+                          <a:rPr lang="fr-CH" b="0" i="1" smtClean="0">
+                            <a:solidFill>
+                              <a:schemeClr val="tx1"/>
+                            </a:solidFill>
+                            <a:latin typeface="Cambria Math" panose="02040503050406030204" pitchFamily="18" charset="0"/>
+                          </a:rPr>
+                          <m:t>𝑥</m:t>
+                        </m:r>
+                      </m:e>
+                      <m:sub>
+                        <m:r>
+                          <a:rPr lang="fr-CH" b="0" i="1" smtClean="0">
+                            <a:solidFill>
+                              <a:schemeClr val="tx1"/>
+                            </a:solidFill>
+                            <a:latin typeface="Cambria Math" panose="02040503050406030204" pitchFamily="18" charset="0"/>
+                          </a:rPr>
+                          <m:t>𝑖</m:t>
+                        </m:r>
+                      </m:sub>
+                    </m:sSub>
+                  </m:oMath>
+                </a14:m>
+                <a:r>
+                  <a:rPr lang="fr-CH" dirty="0">
+                    <a:solidFill>
+                      <a:schemeClr val="tx1"/>
+                    </a:solidFill>
+                  </a:rPr>
+                  <a:t> est impair, alors </a:t>
+                </a:r>
+                <a14:m>
+                  <m:oMath xmlns:m="http://schemas.openxmlformats.org/officeDocument/2006/math">
+                    <m:sSub>
+                      <m:sSubPr>
+                        <m:ctrlPr>
+                          <a:rPr lang="x-IV_mathan" i="1">
+                            <a:solidFill>
+                              <a:schemeClr val="tx1"/>
+                            </a:solidFill>
+                            <a:latin typeface="Cambria Math" panose="02040503050406030204" pitchFamily="18" charset="0"/>
+                          </a:rPr>
+                        </m:ctrlPr>
+                      </m:sSubPr>
+                      <m:e>
+                        <m:r>
+                          <a:rPr lang="fr-CH" i="1">
+                            <a:solidFill>
+                              <a:schemeClr val="tx1"/>
+                            </a:solidFill>
+                            <a:latin typeface="Cambria Math" panose="02040503050406030204" pitchFamily="18" charset="0"/>
+                          </a:rPr>
+                          <m:t>𝑥</m:t>
+                        </m:r>
+                      </m:e>
+                      <m:sub>
+                        <m:r>
+                          <a:rPr lang="fr-CH" b="0" i="1" smtClean="0">
+                            <a:solidFill>
+                              <a:schemeClr val="tx1"/>
+                            </a:solidFill>
+                            <a:latin typeface="Cambria Math" panose="02040503050406030204" pitchFamily="18" charset="0"/>
+                          </a:rPr>
+                          <m:t>𝑗</m:t>
+                        </m:r>
+                      </m:sub>
+                    </m:sSub>
+                  </m:oMath>
+                </a14:m>
+                <a:r>
+                  <a:rPr lang="fr-CH" dirty="0">
+                    <a:solidFill>
+                      <a:schemeClr val="tx1"/>
+                    </a:solidFill>
+                  </a:rPr>
+                  <a:t> doit être pair si i diffèrent de j</a:t>
+                </a:r>
+              </a:p>
+              <a:p>
+                <a:pPr lvl="1"/>
+                <a:endParaRPr lang="fr-CH" dirty="0">
+                  <a:solidFill>
+                    <a:srgbClr val="FF0000"/>
+                  </a:solidFill>
+                </a:endParaRPr>
+              </a:p>
+              <a:p>
+                <a:pPr lvl="1"/>
+                <a:endParaRPr lang="fr-CH" dirty="0"/>
+              </a:p>
+            </p:txBody>
+          </p:sp>
+        </mc:Choice>
+        <mc:Fallback>
+          <p:sp>
+            <p:nvSpPr>
+              <p:cNvPr id="7" name="Espace réservé du contenu 6">
+                <a:extLst>
+                  <a:ext uri="{FF2B5EF4-FFF2-40B4-BE49-F238E27FC236}">
+                    <a16:creationId xmlns:a16="http://schemas.microsoft.com/office/drawing/2014/main" id="{D375C1E0-C6CE-4C9C-A1B2-E5BB8DF522A5}"/>
+                  </a:ext>
+                </a:extLst>
+              </p:cNvPr>
+              <p:cNvSpPr>
+                <a:spLocks noGrp="1" noRot="1" noChangeAspect="1" noMove="1" noResize="1" noEditPoints="1" noAdjustHandles="1" noChangeArrowheads="1" noChangeShapeType="1" noTextEdit="1"/>
+              </p:cNvSpPr>
+              <p:nvPr>
+                <p:ph idx="1"/>
+              </p:nvPr>
+            </p:nvSpPr>
+            <p:spPr>
+              <a:xfrm>
+                <a:off x="838200" y="1008570"/>
+                <a:ext cx="10515600" cy="1764998"/>
+              </a:xfrm>
+              <a:blipFill>
+                <a:blip r:embed="rId3"/>
+                <a:stretch>
+                  <a:fillRect l="-1043" t="-5517" b="-2069"/>
+                </a:stretch>
+              </a:blipFill>
+            </p:spPr>
+            <p:txBody>
+              <a:bodyPr/>
+              <a:lstStyle/>
+              <a:p>
+                <a:r>
+                  <a:rPr lang="fr-CH">
+                    <a:noFill/>
+                  </a:rPr>
+                  <a:t> </a:t>
+                </a:r>
+              </a:p>
+            </p:txBody>
+          </p:sp>
+        </mc:Fallback>
+      </mc:AlternateContent>
+      <p:pic>
+        <p:nvPicPr>
+          <p:cNvPr id="9" name="Image 8">
+            <a:extLst>
+              <a:ext uri="{FF2B5EF4-FFF2-40B4-BE49-F238E27FC236}">
+                <a16:creationId xmlns:a16="http://schemas.microsoft.com/office/drawing/2014/main" id="{AE9BE04F-2336-433E-BAF8-FDD80624308B}"/>
+              </a:ext>
+            </a:extLst>
+          </p:cNvPr>
+          <p:cNvPicPr>
+            <a:picLocks noChangeAspect="1"/>
+          </p:cNvPicPr>
+          <p:nvPr/>
+        </p:nvPicPr>
+        <p:blipFill>
+          <a:blip r:embed="rId4"/>
+          <a:stretch>
+            <a:fillRect/>
+          </a:stretch>
+        </p:blipFill>
+        <p:spPr>
+          <a:xfrm>
+            <a:off x="2694268" y="3104940"/>
+            <a:ext cx="5834737" cy="2986896"/>
+          </a:xfrm>
+          <a:prstGeom prst="rect">
+            <a:avLst/>
+          </a:prstGeom>
+        </p:spPr>
+      </p:pic>
     </p:spTree>
     <p:extLst>
       <p:ext uri="{BB962C8B-B14F-4D97-AF65-F5344CB8AC3E}">
-        <p14:creationId xmlns:p14="http://schemas.microsoft.com/office/powerpoint/2010/main" val="2389957516"/>
+        <p14:creationId xmlns:p14="http://schemas.microsoft.com/office/powerpoint/2010/main" val="2058785936"/>
       </p:ext>
     </p:extLst>
   </p:cSld>
@@ -5805,7 +6813,7 @@
           <p:cNvPr id="2" name="Titre 1">
             <a:extLst>
               <a:ext uri="{FF2B5EF4-FFF2-40B4-BE49-F238E27FC236}">
-                <a16:creationId xmlns:a16="http://schemas.microsoft.com/office/drawing/2014/main" id="{21766C66-1FE8-40A6-86E7-67715FC56E02}"/>
+                <a16:creationId xmlns:a16="http://schemas.microsoft.com/office/drawing/2014/main" id="{1DE24D75-C6DE-4394-A51C-5EF310010BA5}"/>
               </a:ext>
             </a:extLst>
           </p:cNvPr>
@@ -5816,40 +6824,84 @@
             <p:ph type="title"/>
           </p:nvPr>
         </p:nvSpPr>
-        <p:spPr/>
-        <p:txBody>
-          <a:bodyPr>
-            <a:normAutofit/>
+        <p:spPr>
+          <a:xfrm>
+            <a:off x="0" y="-316992"/>
+            <a:ext cx="746760" cy="1325563"/>
+          </a:xfrm>
+        </p:spPr>
+        <p:txBody>
+          <a:bodyPr/>
+          <a:lstStyle/>
+          <a:p>
+            <a:r>
+              <a:rPr lang="fr-CH" dirty="0">
+                <a:solidFill>
+                  <a:schemeClr val="accent1"/>
+                </a:solidFill>
+              </a:rPr>
+              <a:t>3.</a:t>
+            </a:r>
+            <a:endParaRPr lang="en-GB" dirty="0">
+              <a:solidFill>
+                <a:schemeClr val="accent1"/>
+              </a:solidFill>
+            </a:endParaRPr>
+          </a:p>
+        </p:txBody>
+      </p:sp>
+      <p:sp>
+        <p:nvSpPr>
+          <p:cNvPr id="4" name="ZoneTexte 3">
+            <a:extLst>
+              <a:ext uri="{FF2B5EF4-FFF2-40B4-BE49-F238E27FC236}">
+                <a16:creationId xmlns:a16="http://schemas.microsoft.com/office/drawing/2014/main" id="{B4A469F4-C262-4F6E-8D5D-858330AC98E0}"/>
+              </a:ext>
+            </a:extLst>
+          </p:cNvPr>
+          <p:cNvSpPr txBox="1"/>
+          <p:nvPr/>
+        </p:nvSpPr>
+        <p:spPr>
+          <a:xfrm>
+            <a:off x="746760" y="161123"/>
+            <a:ext cx="10515600" cy="369332"/>
+          </a:xfrm>
+          <a:prstGeom prst="rect">
+            <a:avLst/>
+          </a:prstGeom>
+          <a:noFill/>
+        </p:spPr>
+        <p:txBody>
+          <a:bodyPr wrap="square" rtlCol="0">
+            <a:spAutoFit/>
           </a:bodyPr>
           <a:lstStyle/>
           <a:p>
             <a:r>
-              <a:rPr lang="fr-FR" sz="1400" dirty="0">
+              <a:rPr lang="fr-FR" sz="1800" dirty="0">
                 <a:solidFill>
-                  <a:srgbClr val="FF0000"/>
+                  <a:schemeClr val="accent1"/>
                 </a:solidFill>
                 <a:effectLst/>
                 <a:latin typeface="Arial" panose="020B0604020202020204" pitchFamily="34" charset="0"/>
               </a:rPr>
-              <a:t>6.</a:t>
-            </a:r>
-            <a:r>
-              <a:rPr lang="fr-FR" sz="1400" dirty="0">
-                <a:effectLst/>
-                <a:latin typeface="Arial" panose="020B0604020202020204" pitchFamily="34" charset="0"/>
-              </a:rPr>
-              <a:t>Modèle de graphes probabilistes: Donnez la définition d’un PGM en relation avec les notions de probabilités. Quelle est l’utilité d’utiliser un PGM ?Donnez un exemple d’utilisation. Quel est l’impact de l’indépendance conditionnelle dans les PGM? On pourra faire le lien avec les outils Bayésiens type Naïve Bayes ou Réseaux Bayésiens.</a:t>
-            </a:r>
-            <a:endParaRPr lang="en-GB" sz="1400" dirty="0"/>
-          </a:p>
-        </p:txBody>
-      </p:sp>
-      <p:sp>
-        <p:nvSpPr>
-          <p:cNvPr id="3" name="Espace réservé du contenu 2">
-            <a:extLst>
-              <a:ext uri="{FF2B5EF4-FFF2-40B4-BE49-F238E27FC236}">
-                <a16:creationId xmlns:a16="http://schemas.microsoft.com/office/drawing/2014/main" id="{55ECBF04-F52F-4B3F-9304-4E4A2E668DA9}"/>
+              <a:t>Décrivez les algorithmes et heuristiques associées.</a:t>
+            </a:r>
+            <a:endParaRPr lang="en-GB" dirty="0">
+              <a:solidFill>
+                <a:schemeClr val="accent1"/>
+              </a:solidFill>
+            </a:endParaRPr>
+          </a:p>
+        </p:txBody>
+      </p:sp>
+      <p:sp>
+        <p:nvSpPr>
+          <p:cNvPr id="7" name="Espace réservé du contenu 6">
+            <a:extLst>
+              <a:ext uri="{FF2B5EF4-FFF2-40B4-BE49-F238E27FC236}">
+                <a16:creationId xmlns:a16="http://schemas.microsoft.com/office/drawing/2014/main" id="{D375C1E0-C6CE-4C9C-A1B2-E5BB8DF522A5}"/>
               </a:ext>
             </a:extLst>
           </p:cNvPr>
@@ -5860,19 +6912,324 @@
             <p:ph idx="1"/>
           </p:nvPr>
         </p:nvSpPr>
-        <p:spPr/>
-        <p:txBody>
-          <a:bodyPr/>
-          <a:lstStyle/>
-          <a:p>
-            <a:endParaRPr lang="en-GB" dirty="0"/>
+        <p:spPr>
+          <a:xfrm>
+            <a:off x="838200" y="1008570"/>
+            <a:ext cx="10515600" cy="1325563"/>
+          </a:xfrm>
+        </p:spPr>
+        <p:txBody>
+          <a:bodyPr>
+            <a:normAutofit lnSpcReduction="10000"/>
+          </a:bodyPr>
+          <a:lstStyle/>
+          <a:p>
+            <a:r>
+              <a:rPr lang="fr-CH" dirty="0"/>
+              <a:t>Pour réduire le nombre d’états visité on va utiliser un heuristique.</a:t>
+            </a:r>
+          </a:p>
+          <a:p>
+            <a:r>
+              <a:rPr lang="fr-CH" dirty="0"/>
+              <a:t>Jusqu’à maintenant on affectait les variables de X dans un ordre aléatoire. L’heuristique va nous donner un ordre précis.</a:t>
+            </a:r>
+            <a:endParaRPr lang="fr-CH" dirty="0">
+              <a:solidFill>
+                <a:schemeClr val="tx1"/>
+              </a:solidFill>
+            </a:endParaRPr>
+          </a:p>
+          <a:p>
+            <a:pPr lvl="1"/>
+            <a:endParaRPr lang="fr-CH" dirty="0">
+              <a:solidFill>
+                <a:srgbClr val="FF0000"/>
+              </a:solidFill>
+            </a:endParaRPr>
+          </a:p>
+          <a:p>
+            <a:pPr lvl="1"/>
+            <a:endParaRPr lang="fr-CH" dirty="0"/>
+          </a:p>
+        </p:txBody>
+      </p:sp>
+      <p:sp>
+        <p:nvSpPr>
+          <p:cNvPr id="3" name="ZoneTexte 2">
+            <a:extLst>
+              <a:ext uri="{FF2B5EF4-FFF2-40B4-BE49-F238E27FC236}">
+                <a16:creationId xmlns:a16="http://schemas.microsoft.com/office/drawing/2014/main" id="{809D78B2-7F28-4DC1-97ED-96FFAE0F519A}"/>
+              </a:ext>
+            </a:extLst>
+          </p:cNvPr>
+          <p:cNvSpPr txBox="1"/>
+          <p:nvPr/>
+        </p:nvSpPr>
+        <p:spPr>
+          <a:xfrm>
+            <a:off x="1041581" y="2676636"/>
+            <a:ext cx="3169785" cy="2308324"/>
+          </a:xfrm>
+          <a:prstGeom prst="rect">
+            <a:avLst/>
+          </a:prstGeom>
+          <a:noFill/>
+        </p:spPr>
+        <p:txBody>
+          <a:bodyPr wrap="square" rtlCol="0">
+            <a:spAutoFit/>
+          </a:bodyPr>
+          <a:lstStyle/>
+          <a:p>
+            <a:r>
+              <a:rPr lang="fr-CH" dirty="0"/>
+              <a:t>Soit l’exemple suivant:</a:t>
+            </a:r>
+          </a:p>
+          <a:p>
+            <a:endParaRPr lang="fr-CH" dirty="0"/>
+          </a:p>
+          <a:p>
+            <a:r>
+              <a:rPr lang="fr-CH" dirty="0"/>
+              <a:t>X = [1,2,3]</a:t>
+            </a:r>
+          </a:p>
+          <a:p>
+            <a:r>
+              <a:rPr lang="fr-CH" dirty="0"/>
+              <a:t>D1 = [1,2,3], D2 = [1,2], D3 = [1]</a:t>
+            </a:r>
+          </a:p>
+          <a:p>
+            <a:r>
+              <a:rPr lang="fr-CH" dirty="0"/>
+              <a:t>C = [C1,C2,C3]</a:t>
+            </a:r>
+          </a:p>
+          <a:p>
+            <a:r>
+              <a:rPr lang="fr-CH" dirty="0"/>
+              <a:t>C1-&gt; [x1,x2,x3]</a:t>
+            </a:r>
+          </a:p>
+          <a:p>
+            <a:r>
+              <a:rPr lang="fr-CH" dirty="0"/>
+              <a:t>C2-&gt; [x1,x2]</a:t>
+            </a:r>
+          </a:p>
+          <a:p>
+            <a:r>
+              <a:rPr lang="fr-CH" dirty="0"/>
+              <a:t>C3-&gt; [x1]</a:t>
+            </a:r>
+          </a:p>
+        </p:txBody>
+      </p:sp>
+      <p:sp>
+        <p:nvSpPr>
+          <p:cNvPr id="5" name="ZoneTexte 4">
+            <a:extLst>
+              <a:ext uri="{FF2B5EF4-FFF2-40B4-BE49-F238E27FC236}">
+                <a16:creationId xmlns:a16="http://schemas.microsoft.com/office/drawing/2014/main" id="{01FDD229-9C20-4105-8165-F25D0356E702}"/>
+              </a:ext>
+            </a:extLst>
+          </p:cNvPr>
+          <p:cNvSpPr txBox="1"/>
+          <p:nvPr/>
+        </p:nvSpPr>
+        <p:spPr>
+          <a:xfrm>
+            <a:off x="6096000" y="2676636"/>
+            <a:ext cx="5702188" cy="3970318"/>
+          </a:xfrm>
+          <a:prstGeom prst="rect">
+            <a:avLst/>
+          </a:prstGeom>
+          <a:noFill/>
+        </p:spPr>
+        <p:txBody>
+          <a:bodyPr wrap="square" rtlCol="0">
+            <a:spAutoFit/>
+          </a:bodyPr>
+          <a:lstStyle/>
+          <a:p>
+            <a:r>
+              <a:rPr lang="fr-CH" dirty="0"/>
+              <a:t>Heuristique (variable): </a:t>
+            </a:r>
+          </a:p>
+          <a:p>
+            <a:pPr marL="800100" lvl="1" indent="-342900">
+              <a:buFont typeface="+mj-lt"/>
+              <a:buAutoNum type="arabicPeriod"/>
+            </a:pPr>
+            <a:r>
+              <a:rPr lang="fr-CH" dirty="0"/>
+              <a:t>Variable la plus contrainte:</a:t>
+            </a:r>
+          </a:p>
+          <a:p>
+            <a:pPr lvl="2"/>
+            <a:r>
+              <a:rPr lang="fr-CH" dirty="0"/>
+              <a:t>On choisi la variable ayant le plus petit domaine </a:t>
+            </a:r>
+          </a:p>
+          <a:p>
+            <a:pPr lvl="2"/>
+            <a:r>
+              <a:rPr lang="fr-CH" dirty="0"/>
+              <a:t>Dans l’exemple cette variable serait la variable X3</a:t>
+            </a:r>
+          </a:p>
+          <a:p>
+            <a:pPr lvl="2"/>
+            <a:endParaRPr lang="fr-CH" dirty="0"/>
+          </a:p>
+          <a:p>
+            <a:pPr marL="800100" lvl="1" indent="-342900">
+              <a:buFont typeface="+mj-lt"/>
+              <a:buAutoNum type="arabicPeriod"/>
+            </a:pPr>
+            <a:r>
+              <a:rPr lang="fr-CH" dirty="0"/>
+              <a:t>Variable la plus contraignante:</a:t>
+            </a:r>
+          </a:p>
+          <a:p>
+            <a:pPr lvl="2"/>
+            <a:r>
+              <a:rPr lang="fr-CH" dirty="0"/>
+              <a:t>On choisit la variable qui apparait dans le plus grand nombre de contraintes</a:t>
+            </a:r>
+          </a:p>
+          <a:p>
+            <a:pPr lvl="2"/>
+            <a:r>
+              <a:rPr lang="fr-CH" dirty="0"/>
+              <a:t>Dans l’exemple cette variable c’est la variable X1</a:t>
+            </a:r>
+          </a:p>
+          <a:p>
+            <a:endParaRPr lang="fr-CH" dirty="0"/>
+          </a:p>
+          <a:p>
+            <a:r>
+              <a:rPr lang="fr-CH" dirty="0"/>
+              <a:t>Heuristique (valeur):</a:t>
+            </a:r>
+          </a:p>
+          <a:p>
+            <a:pPr marL="800100" lvl="1" indent="-342900">
+              <a:buFont typeface="+mj-lt"/>
+              <a:buAutoNum type="arabicPeriod"/>
+            </a:pPr>
+            <a:r>
+              <a:rPr lang="fr-CH" dirty="0"/>
+              <a:t>Plutôt qu’affecter à X1 un valeur aléatoire de D1, on affecte celle qui va le moins changer le domaine des autres variables Xi</a:t>
+            </a:r>
+          </a:p>
+        </p:txBody>
+      </p:sp>
+      <p:sp>
+        <p:nvSpPr>
+          <p:cNvPr id="6" name="Flèche : droite 5">
+            <a:extLst>
+              <a:ext uri="{FF2B5EF4-FFF2-40B4-BE49-F238E27FC236}">
+                <a16:creationId xmlns:a16="http://schemas.microsoft.com/office/drawing/2014/main" id="{08D22DE7-8E27-4110-BAEE-6927FC8BE5F3}"/>
+              </a:ext>
+            </a:extLst>
+          </p:cNvPr>
+          <p:cNvSpPr/>
+          <p:nvPr/>
+        </p:nvSpPr>
+        <p:spPr>
+          <a:xfrm>
+            <a:off x="6673227" y="3597816"/>
+            <a:ext cx="302103" cy="145656"/>
+          </a:xfrm>
+          <a:prstGeom prst="rightArrow">
+            <a:avLst/>
+          </a:prstGeom>
+        </p:spPr>
+        <p:style>
+          <a:lnRef idx="2">
+            <a:schemeClr val="accent1">
+              <a:shade val="50000"/>
+            </a:schemeClr>
+          </a:lnRef>
+          <a:fillRef idx="1">
+            <a:schemeClr val="accent1"/>
+          </a:fillRef>
+          <a:effectRef idx="0">
+            <a:schemeClr val="accent1"/>
+          </a:effectRef>
+          <a:fontRef idx="minor">
+            <a:schemeClr val="lt1"/>
+          </a:fontRef>
+        </p:style>
+        <p:txBody>
+          <a:bodyPr rtlCol="0" anchor="ctr"/>
+          <a:lstStyle/>
+          <a:p>
+            <a:pPr algn="ctr"/>
+            <a:endParaRPr lang="fr-CH"/>
+          </a:p>
+        </p:txBody>
+      </p:sp>
+      <p:sp>
+        <p:nvSpPr>
+          <p:cNvPr id="10" name="Flèche : droite 9">
+            <a:extLst>
+              <a:ext uri="{FF2B5EF4-FFF2-40B4-BE49-F238E27FC236}">
+                <a16:creationId xmlns:a16="http://schemas.microsoft.com/office/drawing/2014/main" id="{F9E6CE1B-6466-403A-83CE-25B227BFAE4F}"/>
+              </a:ext>
+            </a:extLst>
+          </p:cNvPr>
+          <p:cNvSpPr/>
+          <p:nvPr/>
+        </p:nvSpPr>
+        <p:spPr>
+          <a:xfrm>
+            <a:off x="6673226" y="4997826"/>
+            <a:ext cx="302103" cy="145656"/>
+          </a:xfrm>
+          <a:prstGeom prst="rightArrow">
+            <a:avLst/>
+          </a:prstGeom>
+        </p:spPr>
+        <p:style>
+          <a:lnRef idx="2">
+            <a:schemeClr val="accent1">
+              <a:shade val="50000"/>
+            </a:schemeClr>
+          </a:lnRef>
+          <a:fillRef idx="1">
+            <a:schemeClr val="accent1"/>
+          </a:fillRef>
+          <a:effectRef idx="0">
+            <a:schemeClr val="accent1"/>
+          </a:effectRef>
+          <a:fontRef idx="minor">
+            <a:schemeClr val="lt1"/>
+          </a:fontRef>
+        </p:style>
+        <p:txBody>
+          <a:bodyPr rtlCol="0" anchor="ctr"/>
+          <a:lstStyle/>
+          <a:p>
+            <a:pPr algn="ctr"/>
+            <a:endParaRPr lang="fr-CH"/>
           </a:p>
         </p:txBody>
       </p:sp>
     </p:spTree>
     <p:extLst>
       <p:ext uri="{BB962C8B-B14F-4D97-AF65-F5344CB8AC3E}">
-        <p14:creationId xmlns:p14="http://schemas.microsoft.com/office/powerpoint/2010/main" val="3777408176"/>
+        <p14:creationId xmlns:p14="http://schemas.microsoft.com/office/powerpoint/2010/main" val="415743792"/>
       </p:ext>
     </p:extLst>
   </p:cSld>
@@ -5930,14 +7287,14 @@
                 <a:effectLst/>
                 <a:latin typeface="Arial" panose="020B0604020202020204" pitchFamily="34" charset="0"/>
               </a:rPr>
-              <a:t>7.</a:t>
+              <a:t>4.</a:t>
             </a:r>
             <a:r>
               <a:rPr lang="fr-FR" sz="1400" dirty="0">
                 <a:effectLst/>
                 <a:latin typeface="Arial" panose="020B0604020202020204" pitchFamily="34" charset="0"/>
               </a:rPr>
-              <a:t>Réseaux Bayésiens: Que représentent les réseaux Bayésiens? Quel est leur principe? Quel est leur particularité en tant que Modèles de Graphes Probabilistes? Comment les utilise-t-on pour modéliser un phénomène ?Comment les utilise-t-on pour faire de l’inférence?</a:t>
+              <a:t>Recherche Adverse: En quoi consiste la recherche adverse et en quoi diffère-t-elle de la recherche classique? Quel est son modèle? Qu’est-ce qu’une fonction d’évaluation? Décrivez l’algorithme MINIMAX et ses variantes.</a:t>
             </a:r>
             <a:endParaRPr lang="en-GB" sz="1400" dirty="0"/>
           </a:p>
@@ -5965,13 +7322,76 @@
           <a:lstStyle/>
           <a:p>
             <a:endParaRPr lang="en-GB" dirty="0"/>
+          </a:p>
+        </p:txBody>
+      </p:sp>
+      <p:sp>
+        <p:nvSpPr>
+          <p:cNvPr id="4" name="Titre 1">
+            <a:extLst>
+              <a:ext uri="{FF2B5EF4-FFF2-40B4-BE49-F238E27FC236}">
+                <a16:creationId xmlns:a16="http://schemas.microsoft.com/office/drawing/2014/main" id="{1C975818-8081-4275-B5EF-117ED8F6622C}"/>
+              </a:ext>
+            </a:extLst>
+          </p:cNvPr>
+          <p:cNvSpPr txBox="1">
+            <a:spLocks/>
+          </p:cNvSpPr>
+          <p:nvPr/>
+        </p:nvSpPr>
+        <p:spPr>
+          <a:xfrm>
+            <a:off x="0" y="-316992"/>
+            <a:ext cx="746760" cy="1325563"/>
+          </a:xfrm>
+          <a:prstGeom prst="rect">
+            <a:avLst/>
+          </a:prstGeom>
+        </p:spPr>
+        <p:txBody>
+          <a:bodyPr vert="horz" lIns="91440" tIns="45720" rIns="91440" bIns="45720" rtlCol="0" anchor="ctr">
+            <a:normAutofit/>
+          </a:bodyPr>
+          <a:lstStyle>
+            <a:lvl1pPr algn="l" defTabSz="914400" rtl="0" eaLnBrk="1" latinLnBrk="0" hangingPunct="1">
+              <a:lnSpc>
+                <a:spcPct val="90000"/>
+              </a:lnSpc>
+              <a:spcBef>
+                <a:spcPct val="0"/>
+              </a:spcBef>
+              <a:buNone/>
+              <a:defRPr sz="4400" kern="1200">
+                <a:solidFill>
+                  <a:schemeClr val="tx1"/>
+                </a:solidFill>
+                <a:latin typeface="+mj-lt"/>
+                <a:ea typeface="+mj-ea"/>
+                <a:cs typeface="+mj-cs"/>
+              </a:defRPr>
+            </a:lvl1pPr>
+          </a:lstStyle>
+          <a:p>
+            <a:r>
+              <a:rPr lang="fr-CH" dirty="0">
+                <a:solidFill>
+                  <a:schemeClr val="accent1"/>
+                </a:solidFill>
+              </a:rPr>
+              <a:t>4.</a:t>
+            </a:r>
+            <a:endParaRPr lang="en-GB" dirty="0">
+              <a:solidFill>
+                <a:schemeClr val="accent1"/>
+              </a:solidFill>
+            </a:endParaRPr>
           </a:p>
         </p:txBody>
       </p:sp>
     </p:spTree>
     <p:extLst>
       <p:ext uri="{BB962C8B-B14F-4D97-AF65-F5344CB8AC3E}">
-        <p14:creationId xmlns:p14="http://schemas.microsoft.com/office/powerpoint/2010/main" val="3449428969"/>
+        <p14:creationId xmlns:p14="http://schemas.microsoft.com/office/powerpoint/2010/main" val="2681944308"/>
       </p:ext>
     </p:extLst>
   </p:cSld>
@@ -6029,6 +7449,492 @@
                 <a:effectLst/>
                 <a:latin typeface="Arial" panose="020B0604020202020204" pitchFamily="34" charset="0"/>
               </a:rPr>
+              <a:t>5.</a:t>
+            </a:r>
+            <a:r>
+              <a:rPr lang="fr-FR" sz="1400" dirty="0">
+                <a:effectLst/>
+                <a:latin typeface="Arial" panose="020B0604020202020204" pitchFamily="34" charset="0"/>
+              </a:rPr>
+              <a:t>Planification:Qu’est-ceque la planification? Quel est la spécificité de l’approche proposée par rapport aux autres méthodes de recherche? Comment se caractérise un état, une action? Décrivez le chainage et la planification non-linéaire. Développez un exemple.</a:t>
+            </a:r>
+            <a:endParaRPr lang="en-GB" sz="1400" dirty="0"/>
+          </a:p>
+        </p:txBody>
+      </p:sp>
+      <p:sp>
+        <p:nvSpPr>
+          <p:cNvPr id="3" name="Espace réservé du contenu 2">
+            <a:extLst>
+              <a:ext uri="{FF2B5EF4-FFF2-40B4-BE49-F238E27FC236}">
+                <a16:creationId xmlns:a16="http://schemas.microsoft.com/office/drawing/2014/main" id="{55ECBF04-F52F-4B3F-9304-4E4A2E668DA9}"/>
+              </a:ext>
+            </a:extLst>
+          </p:cNvPr>
+          <p:cNvSpPr>
+            <a:spLocks noGrp="1"/>
+          </p:cNvSpPr>
+          <p:nvPr>
+            <p:ph idx="1"/>
+          </p:nvPr>
+        </p:nvSpPr>
+        <p:spPr/>
+        <p:txBody>
+          <a:bodyPr/>
+          <a:lstStyle/>
+          <a:p>
+            <a:endParaRPr lang="en-GB" dirty="0"/>
+          </a:p>
+        </p:txBody>
+      </p:sp>
+      <p:sp>
+        <p:nvSpPr>
+          <p:cNvPr id="4" name="Titre 1">
+            <a:extLst>
+              <a:ext uri="{FF2B5EF4-FFF2-40B4-BE49-F238E27FC236}">
+                <a16:creationId xmlns:a16="http://schemas.microsoft.com/office/drawing/2014/main" id="{0CBF0DA9-AE3A-4D80-8FD5-1E6E2D1A67A5}"/>
+              </a:ext>
+            </a:extLst>
+          </p:cNvPr>
+          <p:cNvSpPr txBox="1">
+            <a:spLocks/>
+          </p:cNvSpPr>
+          <p:nvPr/>
+        </p:nvSpPr>
+        <p:spPr>
+          <a:xfrm>
+            <a:off x="0" y="-316992"/>
+            <a:ext cx="746760" cy="1325563"/>
+          </a:xfrm>
+          <a:prstGeom prst="rect">
+            <a:avLst/>
+          </a:prstGeom>
+        </p:spPr>
+        <p:txBody>
+          <a:bodyPr vert="horz" lIns="91440" tIns="45720" rIns="91440" bIns="45720" rtlCol="0" anchor="ctr">
+            <a:normAutofit/>
+          </a:bodyPr>
+          <a:lstStyle>
+            <a:lvl1pPr algn="l" defTabSz="914400" rtl="0" eaLnBrk="1" latinLnBrk="0" hangingPunct="1">
+              <a:lnSpc>
+                <a:spcPct val="90000"/>
+              </a:lnSpc>
+              <a:spcBef>
+                <a:spcPct val="0"/>
+              </a:spcBef>
+              <a:buNone/>
+              <a:defRPr sz="4400" kern="1200">
+                <a:solidFill>
+                  <a:schemeClr val="tx1"/>
+                </a:solidFill>
+                <a:latin typeface="+mj-lt"/>
+                <a:ea typeface="+mj-ea"/>
+                <a:cs typeface="+mj-cs"/>
+              </a:defRPr>
+            </a:lvl1pPr>
+          </a:lstStyle>
+          <a:p>
+            <a:r>
+              <a:rPr lang="fr-CH" dirty="0">
+                <a:solidFill>
+                  <a:schemeClr val="accent1"/>
+                </a:solidFill>
+              </a:rPr>
+              <a:t>5.</a:t>
+            </a:r>
+            <a:endParaRPr lang="en-GB" dirty="0">
+              <a:solidFill>
+                <a:schemeClr val="accent1"/>
+              </a:solidFill>
+            </a:endParaRPr>
+          </a:p>
+        </p:txBody>
+      </p:sp>
+    </p:spTree>
+    <p:extLst>
+      <p:ext uri="{BB962C8B-B14F-4D97-AF65-F5344CB8AC3E}">
+        <p14:creationId xmlns:p14="http://schemas.microsoft.com/office/powerpoint/2010/main" val="2389957516"/>
+      </p:ext>
+    </p:extLst>
+  </p:cSld>
+  <p:clrMapOvr>
+    <a:masterClrMapping/>
+  </p:clrMapOvr>
+</p:sld>
+</file>
+
+<file path=ppt/slides/slide15.xml><?xml version="1.0" encoding="utf-8"?>
+<p:sld xmlns:a="http://schemas.openxmlformats.org/drawingml/2006/main" xmlns:r="http://schemas.openxmlformats.org/officeDocument/2006/relationships" xmlns:p="http://schemas.openxmlformats.org/presentationml/2006/main">
+  <p:cSld>
+    <p:spTree>
+      <p:nvGrpSpPr>
+        <p:cNvPr id="1" name=""/>
+        <p:cNvGrpSpPr/>
+        <p:nvPr/>
+      </p:nvGrpSpPr>
+      <p:grpSpPr>
+        <a:xfrm>
+          <a:off x="0" y="0"/>
+          <a:ext cx="0" cy="0"/>
+          <a:chOff x="0" y="0"/>
+          <a:chExt cx="0" cy="0"/>
+        </a:xfrm>
+      </p:grpSpPr>
+      <p:sp>
+        <p:nvSpPr>
+          <p:cNvPr id="2" name="Titre 1">
+            <a:extLst>
+              <a:ext uri="{FF2B5EF4-FFF2-40B4-BE49-F238E27FC236}">
+                <a16:creationId xmlns:a16="http://schemas.microsoft.com/office/drawing/2014/main" id="{21766C66-1FE8-40A6-86E7-67715FC56E02}"/>
+              </a:ext>
+            </a:extLst>
+          </p:cNvPr>
+          <p:cNvSpPr>
+            <a:spLocks noGrp="1"/>
+          </p:cNvSpPr>
+          <p:nvPr>
+            <p:ph type="title"/>
+          </p:nvPr>
+        </p:nvSpPr>
+        <p:spPr/>
+        <p:txBody>
+          <a:bodyPr>
+            <a:normAutofit/>
+          </a:bodyPr>
+          <a:lstStyle/>
+          <a:p>
+            <a:r>
+              <a:rPr lang="fr-FR" sz="1400" dirty="0">
+                <a:solidFill>
+                  <a:srgbClr val="FF0000"/>
+                </a:solidFill>
+                <a:effectLst/>
+                <a:latin typeface="Arial" panose="020B0604020202020204" pitchFamily="34" charset="0"/>
+              </a:rPr>
+              <a:t>6.</a:t>
+            </a:r>
+            <a:r>
+              <a:rPr lang="fr-FR" sz="1400" dirty="0">
+                <a:effectLst/>
+                <a:latin typeface="Arial" panose="020B0604020202020204" pitchFamily="34" charset="0"/>
+              </a:rPr>
+              <a:t>Modèle de graphes probabilistes: Donnez la définition d’un PGM en relation avec les notions de probabilités. Quelle est l’utilité d’utiliser un PGM ?Donnez un exemple d’utilisation. Quel est l’impact de l’indépendance conditionnelle dans les PGM? On pourra faire le lien avec les outils Bayésiens type Naïve Bayes ou Réseaux Bayésiens.</a:t>
+            </a:r>
+            <a:endParaRPr lang="en-GB" sz="1400" dirty="0"/>
+          </a:p>
+        </p:txBody>
+      </p:sp>
+      <p:sp>
+        <p:nvSpPr>
+          <p:cNvPr id="3" name="Espace réservé du contenu 2">
+            <a:extLst>
+              <a:ext uri="{FF2B5EF4-FFF2-40B4-BE49-F238E27FC236}">
+                <a16:creationId xmlns:a16="http://schemas.microsoft.com/office/drawing/2014/main" id="{55ECBF04-F52F-4B3F-9304-4E4A2E668DA9}"/>
+              </a:ext>
+            </a:extLst>
+          </p:cNvPr>
+          <p:cNvSpPr>
+            <a:spLocks noGrp="1"/>
+          </p:cNvSpPr>
+          <p:nvPr>
+            <p:ph idx="1"/>
+          </p:nvPr>
+        </p:nvSpPr>
+        <p:spPr/>
+        <p:txBody>
+          <a:bodyPr/>
+          <a:lstStyle/>
+          <a:p>
+            <a:endParaRPr lang="en-GB" dirty="0"/>
+          </a:p>
+        </p:txBody>
+      </p:sp>
+      <p:sp>
+        <p:nvSpPr>
+          <p:cNvPr id="4" name="Titre 1">
+            <a:extLst>
+              <a:ext uri="{FF2B5EF4-FFF2-40B4-BE49-F238E27FC236}">
+                <a16:creationId xmlns:a16="http://schemas.microsoft.com/office/drawing/2014/main" id="{50FEB119-743C-40D1-A98F-42351A7BA003}"/>
+              </a:ext>
+            </a:extLst>
+          </p:cNvPr>
+          <p:cNvSpPr txBox="1">
+            <a:spLocks/>
+          </p:cNvSpPr>
+          <p:nvPr/>
+        </p:nvSpPr>
+        <p:spPr>
+          <a:xfrm>
+            <a:off x="0" y="-316992"/>
+            <a:ext cx="746760" cy="1325563"/>
+          </a:xfrm>
+          <a:prstGeom prst="rect">
+            <a:avLst/>
+          </a:prstGeom>
+        </p:spPr>
+        <p:txBody>
+          <a:bodyPr vert="horz" lIns="91440" tIns="45720" rIns="91440" bIns="45720" rtlCol="0" anchor="ctr">
+            <a:normAutofit/>
+          </a:bodyPr>
+          <a:lstStyle>
+            <a:lvl1pPr algn="l" defTabSz="914400" rtl="0" eaLnBrk="1" latinLnBrk="0" hangingPunct="1">
+              <a:lnSpc>
+                <a:spcPct val="90000"/>
+              </a:lnSpc>
+              <a:spcBef>
+                <a:spcPct val="0"/>
+              </a:spcBef>
+              <a:buNone/>
+              <a:defRPr sz="4400" kern="1200">
+                <a:solidFill>
+                  <a:schemeClr val="tx1"/>
+                </a:solidFill>
+                <a:latin typeface="+mj-lt"/>
+                <a:ea typeface="+mj-ea"/>
+                <a:cs typeface="+mj-cs"/>
+              </a:defRPr>
+            </a:lvl1pPr>
+          </a:lstStyle>
+          <a:p>
+            <a:r>
+              <a:rPr lang="fr-CH" dirty="0">
+                <a:solidFill>
+                  <a:schemeClr val="accent1"/>
+                </a:solidFill>
+              </a:rPr>
+              <a:t>6.</a:t>
+            </a:r>
+            <a:endParaRPr lang="en-GB" dirty="0">
+              <a:solidFill>
+                <a:schemeClr val="accent1"/>
+              </a:solidFill>
+            </a:endParaRPr>
+          </a:p>
+        </p:txBody>
+      </p:sp>
+    </p:spTree>
+    <p:extLst>
+      <p:ext uri="{BB962C8B-B14F-4D97-AF65-F5344CB8AC3E}">
+        <p14:creationId xmlns:p14="http://schemas.microsoft.com/office/powerpoint/2010/main" val="3777408176"/>
+      </p:ext>
+    </p:extLst>
+  </p:cSld>
+  <p:clrMapOvr>
+    <a:masterClrMapping/>
+  </p:clrMapOvr>
+</p:sld>
+</file>
+
+<file path=ppt/slides/slide16.xml><?xml version="1.0" encoding="utf-8"?>
+<p:sld xmlns:a="http://schemas.openxmlformats.org/drawingml/2006/main" xmlns:r="http://schemas.openxmlformats.org/officeDocument/2006/relationships" xmlns:p="http://schemas.openxmlformats.org/presentationml/2006/main">
+  <p:cSld>
+    <p:spTree>
+      <p:nvGrpSpPr>
+        <p:cNvPr id="1" name=""/>
+        <p:cNvGrpSpPr/>
+        <p:nvPr/>
+      </p:nvGrpSpPr>
+      <p:grpSpPr>
+        <a:xfrm>
+          <a:off x="0" y="0"/>
+          <a:ext cx="0" cy="0"/>
+          <a:chOff x="0" y="0"/>
+          <a:chExt cx="0" cy="0"/>
+        </a:xfrm>
+      </p:grpSpPr>
+      <p:sp>
+        <p:nvSpPr>
+          <p:cNvPr id="2" name="Titre 1">
+            <a:extLst>
+              <a:ext uri="{FF2B5EF4-FFF2-40B4-BE49-F238E27FC236}">
+                <a16:creationId xmlns:a16="http://schemas.microsoft.com/office/drawing/2014/main" id="{21766C66-1FE8-40A6-86E7-67715FC56E02}"/>
+              </a:ext>
+            </a:extLst>
+          </p:cNvPr>
+          <p:cNvSpPr>
+            <a:spLocks noGrp="1"/>
+          </p:cNvSpPr>
+          <p:nvPr>
+            <p:ph type="title"/>
+          </p:nvPr>
+        </p:nvSpPr>
+        <p:spPr/>
+        <p:txBody>
+          <a:bodyPr>
+            <a:normAutofit/>
+          </a:bodyPr>
+          <a:lstStyle/>
+          <a:p>
+            <a:r>
+              <a:rPr lang="fr-FR" sz="1400" dirty="0">
+                <a:solidFill>
+                  <a:srgbClr val="FF0000"/>
+                </a:solidFill>
+                <a:effectLst/>
+                <a:latin typeface="Arial" panose="020B0604020202020204" pitchFamily="34" charset="0"/>
+              </a:rPr>
+              <a:t>7.</a:t>
+            </a:r>
+            <a:r>
+              <a:rPr lang="fr-FR" sz="1400" dirty="0">
+                <a:effectLst/>
+                <a:latin typeface="Arial" panose="020B0604020202020204" pitchFamily="34" charset="0"/>
+              </a:rPr>
+              <a:t>Réseaux Bayésiens: Que représentent les réseaux Bayésiens? Quel est leur principe? Quel est leur particularité en tant que Modèles de Graphes Probabilistes? Comment les utilise-t-on pour modéliser un phénomène ?Comment les utilise-t-on pour faire de l’inférence?</a:t>
+            </a:r>
+            <a:endParaRPr lang="en-GB" sz="1400" dirty="0"/>
+          </a:p>
+        </p:txBody>
+      </p:sp>
+      <p:sp>
+        <p:nvSpPr>
+          <p:cNvPr id="3" name="Espace réservé du contenu 2">
+            <a:extLst>
+              <a:ext uri="{FF2B5EF4-FFF2-40B4-BE49-F238E27FC236}">
+                <a16:creationId xmlns:a16="http://schemas.microsoft.com/office/drawing/2014/main" id="{55ECBF04-F52F-4B3F-9304-4E4A2E668DA9}"/>
+              </a:ext>
+            </a:extLst>
+          </p:cNvPr>
+          <p:cNvSpPr>
+            <a:spLocks noGrp="1"/>
+          </p:cNvSpPr>
+          <p:nvPr>
+            <p:ph idx="1"/>
+          </p:nvPr>
+        </p:nvSpPr>
+        <p:spPr/>
+        <p:txBody>
+          <a:bodyPr/>
+          <a:lstStyle/>
+          <a:p>
+            <a:endParaRPr lang="en-GB" dirty="0"/>
+          </a:p>
+        </p:txBody>
+      </p:sp>
+      <p:sp>
+        <p:nvSpPr>
+          <p:cNvPr id="4" name="Titre 1">
+            <a:extLst>
+              <a:ext uri="{FF2B5EF4-FFF2-40B4-BE49-F238E27FC236}">
+                <a16:creationId xmlns:a16="http://schemas.microsoft.com/office/drawing/2014/main" id="{49B86A4B-8034-4D02-B76C-FAAEC82C6AEA}"/>
+              </a:ext>
+            </a:extLst>
+          </p:cNvPr>
+          <p:cNvSpPr txBox="1">
+            <a:spLocks/>
+          </p:cNvSpPr>
+          <p:nvPr/>
+        </p:nvSpPr>
+        <p:spPr>
+          <a:xfrm>
+            <a:off x="0" y="-316992"/>
+            <a:ext cx="746760" cy="1325563"/>
+          </a:xfrm>
+          <a:prstGeom prst="rect">
+            <a:avLst/>
+          </a:prstGeom>
+        </p:spPr>
+        <p:txBody>
+          <a:bodyPr vert="horz" lIns="91440" tIns="45720" rIns="91440" bIns="45720" rtlCol="0" anchor="ctr">
+            <a:normAutofit/>
+          </a:bodyPr>
+          <a:lstStyle>
+            <a:lvl1pPr algn="l" defTabSz="914400" rtl="0" eaLnBrk="1" latinLnBrk="0" hangingPunct="1">
+              <a:lnSpc>
+                <a:spcPct val="90000"/>
+              </a:lnSpc>
+              <a:spcBef>
+                <a:spcPct val="0"/>
+              </a:spcBef>
+              <a:buNone/>
+              <a:defRPr sz="4400" kern="1200">
+                <a:solidFill>
+                  <a:schemeClr val="tx1"/>
+                </a:solidFill>
+                <a:latin typeface="+mj-lt"/>
+                <a:ea typeface="+mj-ea"/>
+                <a:cs typeface="+mj-cs"/>
+              </a:defRPr>
+            </a:lvl1pPr>
+          </a:lstStyle>
+          <a:p>
+            <a:r>
+              <a:rPr lang="fr-CH" dirty="0">
+                <a:solidFill>
+                  <a:schemeClr val="accent1"/>
+                </a:solidFill>
+              </a:rPr>
+              <a:t>7.</a:t>
+            </a:r>
+            <a:endParaRPr lang="en-GB" dirty="0">
+              <a:solidFill>
+                <a:schemeClr val="accent1"/>
+              </a:solidFill>
+            </a:endParaRPr>
+          </a:p>
+        </p:txBody>
+      </p:sp>
+    </p:spTree>
+    <p:extLst>
+      <p:ext uri="{BB962C8B-B14F-4D97-AF65-F5344CB8AC3E}">
+        <p14:creationId xmlns:p14="http://schemas.microsoft.com/office/powerpoint/2010/main" val="3449428969"/>
+      </p:ext>
+    </p:extLst>
+  </p:cSld>
+  <p:clrMapOvr>
+    <a:masterClrMapping/>
+  </p:clrMapOvr>
+</p:sld>
+</file>
+
+<file path=ppt/slides/slide17.xml><?xml version="1.0" encoding="utf-8"?>
+<p:sld xmlns:a="http://schemas.openxmlformats.org/drawingml/2006/main" xmlns:r="http://schemas.openxmlformats.org/officeDocument/2006/relationships" xmlns:p="http://schemas.openxmlformats.org/presentationml/2006/main">
+  <p:cSld>
+    <p:spTree>
+      <p:nvGrpSpPr>
+        <p:cNvPr id="1" name=""/>
+        <p:cNvGrpSpPr/>
+        <p:nvPr/>
+      </p:nvGrpSpPr>
+      <p:grpSpPr>
+        <a:xfrm>
+          <a:off x="0" y="0"/>
+          <a:ext cx="0" cy="0"/>
+          <a:chOff x="0" y="0"/>
+          <a:chExt cx="0" cy="0"/>
+        </a:xfrm>
+      </p:grpSpPr>
+      <p:sp>
+        <p:nvSpPr>
+          <p:cNvPr id="2" name="Titre 1">
+            <a:extLst>
+              <a:ext uri="{FF2B5EF4-FFF2-40B4-BE49-F238E27FC236}">
+                <a16:creationId xmlns:a16="http://schemas.microsoft.com/office/drawing/2014/main" id="{21766C66-1FE8-40A6-86E7-67715FC56E02}"/>
+              </a:ext>
+            </a:extLst>
+          </p:cNvPr>
+          <p:cNvSpPr>
+            <a:spLocks noGrp="1"/>
+          </p:cNvSpPr>
+          <p:nvPr>
+            <p:ph type="title"/>
+          </p:nvPr>
+        </p:nvSpPr>
+        <p:spPr/>
+        <p:txBody>
+          <a:bodyPr>
+            <a:normAutofit/>
+          </a:bodyPr>
+          <a:lstStyle/>
+          <a:p>
+            <a:r>
+              <a:rPr lang="fr-FR" sz="1400" dirty="0">
+                <a:solidFill>
+                  <a:srgbClr val="FF0000"/>
+                </a:solidFill>
+                <a:effectLst/>
+                <a:latin typeface="Arial" panose="020B0604020202020204" pitchFamily="34" charset="0"/>
+              </a:rPr>
               <a:t>8.</a:t>
             </a:r>
             <a:r>
@@ -6080,7 +7986,7 @@
 </p:sld>
 </file>
 
-<file path=ppt/slides/slide15.xml><?xml version="1.0" encoding="utf-8"?>
+<file path=ppt/slides/slide18.xml><?xml version="1.0" encoding="utf-8"?>
 <p:sld xmlns:a="http://schemas.openxmlformats.org/drawingml/2006/main" xmlns:r="http://schemas.openxmlformats.org/officeDocument/2006/relationships" xmlns:p="http://schemas.openxmlformats.org/presentationml/2006/main">
   <p:cSld>
     <p:spTree>
@@ -6240,317 +8146,6 @@
 </p:sld>
 </file>
 
-<file path=ppt/slides/slide16.xml><?xml version="1.0" encoding="utf-8"?>
-<p:sld xmlns:a="http://schemas.openxmlformats.org/drawingml/2006/main" xmlns:r="http://schemas.openxmlformats.org/officeDocument/2006/relationships" xmlns:p="http://schemas.openxmlformats.org/presentationml/2006/main">
-  <p:cSld>
-    <p:spTree>
-      <p:nvGrpSpPr>
-        <p:cNvPr id="1" name=""/>
-        <p:cNvGrpSpPr/>
-        <p:nvPr/>
-      </p:nvGrpSpPr>
-      <p:grpSpPr>
-        <a:xfrm>
-          <a:off x="0" y="0"/>
-          <a:ext cx="0" cy="0"/>
-          <a:chOff x="0" y="0"/>
-          <a:chExt cx="0" cy="0"/>
-        </a:xfrm>
-      </p:grpSpPr>
-      <p:sp>
-        <p:nvSpPr>
-          <p:cNvPr id="2" name="Titre 1">
-            <a:extLst>
-              <a:ext uri="{FF2B5EF4-FFF2-40B4-BE49-F238E27FC236}">
-                <a16:creationId xmlns:a16="http://schemas.microsoft.com/office/drawing/2014/main" id="{21766C66-1FE8-40A6-86E7-67715FC56E02}"/>
-              </a:ext>
-            </a:extLst>
-          </p:cNvPr>
-          <p:cNvSpPr>
-            <a:spLocks noGrp="1"/>
-          </p:cNvSpPr>
-          <p:nvPr>
-            <p:ph type="title"/>
-          </p:nvPr>
-        </p:nvSpPr>
-        <p:spPr/>
-        <p:txBody>
-          <a:bodyPr>
-            <a:normAutofit/>
-          </a:bodyPr>
-          <a:lstStyle/>
-          <a:p>
-            <a:r>
-              <a:rPr lang="fr-FR" sz="1400" dirty="0">
-                <a:solidFill>
-                  <a:srgbClr val="FF0000"/>
-                </a:solidFill>
-                <a:effectLst/>
-                <a:latin typeface="Arial" panose="020B0604020202020204" pitchFamily="34" charset="0"/>
-              </a:rPr>
-              <a:t>10.</a:t>
-            </a:r>
-            <a:r>
-              <a:rPr lang="fr-FR" sz="1400" dirty="0">
-                <a:effectLst/>
-                <a:latin typeface="Arial" panose="020B0604020202020204" pitchFamily="34" charset="0"/>
-              </a:rPr>
-              <a:t>Naive Bayes: Rappelez le principe de l’apprentissage supervisé. Quel est le protocole de gestion des données dans ce contexte ?Qu’est-ce que l’algorithme de Naïve Bayes? Quelles sont les hypothèses sous-jacentes? Quels sont les paramètres? Comment l’exprimer en tant que réseau bayésien? Qu’est-ce que le sur-apprentissage? Discutez sa relation avec Naïve Bayes.</a:t>
-            </a:r>
-            <a:endParaRPr lang="en-GB" sz="1400" dirty="0"/>
-          </a:p>
-        </p:txBody>
-      </p:sp>
-      <p:sp>
-        <p:nvSpPr>
-          <p:cNvPr id="3" name="Espace réservé du contenu 2">
-            <a:extLst>
-              <a:ext uri="{FF2B5EF4-FFF2-40B4-BE49-F238E27FC236}">
-                <a16:creationId xmlns:a16="http://schemas.microsoft.com/office/drawing/2014/main" id="{55ECBF04-F52F-4B3F-9304-4E4A2E668DA9}"/>
-              </a:ext>
-            </a:extLst>
-          </p:cNvPr>
-          <p:cNvSpPr>
-            <a:spLocks noGrp="1"/>
-          </p:cNvSpPr>
-          <p:nvPr>
-            <p:ph idx="1"/>
-          </p:nvPr>
-        </p:nvSpPr>
-        <p:spPr/>
-        <p:txBody>
-          <a:bodyPr/>
-          <a:lstStyle/>
-          <a:p>
-            <a:endParaRPr lang="en-GB" dirty="0"/>
-          </a:p>
-        </p:txBody>
-      </p:sp>
-    </p:spTree>
-    <p:extLst>
-      <p:ext uri="{BB962C8B-B14F-4D97-AF65-F5344CB8AC3E}">
-        <p14:creationId xmlns:p14="http://schemas.microsoft.com/office/powerpoint/2010/main" val="2558671712"/>
-      </p:ext>
-    </p:extLst>
-  </p:cSld>
-  <p:clrMapOvr>
-    <a:masterClrMapping/>
-  </p:clrMapOvr>
-</p:sld>
-</file>
-
-<file path=ppt/slides/slide17.xml><?xml version="1.0" encoding="utf-8"?>
-<p:sld xmlns:a="http://schemas.openxmlformats.org/drawingml/2006/main" xmlns:r="http://schemas.openxmlformats.org/officeDocument/2006/relationships" xmlns:p="http://schemas.openxmlformats.org/presentationml/2006/main">
-  <p:cSld>
-    <p:spTree>
-      <p:nvGrpSpPr>
-        <p:cNvPr id="1" name=""/>
-        <p:cNvGrpSpPr/>
-        <p:nvPr/>
-      </p:nvGrpSpPr>
-      <p:grpSpPr>
-        <a:xfrm>
-          <a:off x="0" y="0"/>
-          <a:ext cx="0" cy="0"/>
-          <a:chOff x="0" y="0"/>
-          <a:chExt cx="0" cy="0"/>
-        </a:xfrm>
-      </p:grpSpPr>
-      <p:sp>
-        <p:nvSpPr>
-          <p:cNvPr id="2" name="Titre 1">
-            <a:extLst>
-              <a:ext uri="{FF2B5EF4-FFF2-40B4-BE49-F238E27FC236}">
-                <a16:creationId xmlns:a16="http://schemas.microsoft.com/office/drawing/2014/main" id="{21766C66-1FE8-40A6-86E7-67715FC56E02}"/>
-              </a:ext>
-            </a:extLst>
-          </p:cNvPr>
-          <p:cNvSpPr>
-            <a:spLocks noGrp="1"/>
-          </p:cNvSpPr>
-          <p:nvPr>
-            <p:ph type="title"/>
-          </p:nvPr>
-        </p:nvSpPr>
-        <p:spPr/>
-        <p:txBody>
-          <a:bodyPr>
-            <a:normAutofit/>
-          </a:bodyPr>
-          <a:lstStyle/>
-          <a:p>
-            <a:r>
-              <a:rPr lang="fr-FR" sz="1400" dirty="0">
-                <a:solidFill>
-                  <a:srgbClr val="FF0000"/>
-                </a:solidFill>
-                <a:effectLst/>
-                <a:latin typeface="Arial" panose="020B0604020202020204" pitchFamily="34" charset="0"/>
-              </a:rPr>
-              <a:t>11.</a:t>
-            </a:r>
-            <a:r>
-              <a:rPr lang="fr-FR" sz="1400" dirty="0">
-                <a:effectLst/>
-                <a:latin typeface="Arial" panose="020B0604020202020204" pitchFamily="34" charset="0"/>
-              </a:rPr>
-              <a:t>Régression logistique: Rappelez le principe de l’apprentissage supervisé. Quel est le protocole de gestion des données dans ce contexte ? Rappelez la relation entre classification et régression? Qu’est-ce que l’algorithme de régression logistique? Quelles sont les hypothèses sous-jacentes? Quels sont les paramètres? Quel est sont les propriétés de la fonction logistique? Qu’est-</a:t>
-            </a:r>
-            <a:r>
-              <a:rPr lang="fr-FR" sz="1400" dirty="0" err="1">
-                <a:effectLst/>
-                <a:latin typeface="Arial" panose="020B0604020202020204" pitchFamily="34" charset="0"/>
-              </a:rPr>
-              <a:t>ceque</a:t>
-            </a:r>
-            <a:r>
-              <a:rPr lang="fr-FR" sz="1400" dirty="0">
-                <a:effectLst/>
-                <a:latin typeface="Arial" panose="020B0604020202020204" pitchFamily="34" charset="0"/>
-              </a:rPr>
-              <a:t> le sur-apprentissage? Discutez sa relation avec la régression logistique.</a:t>
-            </a:r>
-            <a:endParaRPr lang="en-GB" sz="1400" dirty="0"/>
-          </a:p>
-        </p:txBody>
-      </p:sp>
-      <p:sp>
-        <p:nvSpPr>
-          <p:cNvPr id="3" name="Espace réservé du contenu 2">
-            <a:extLst>
-              <a:ext uri="{FF2B5EF4-FFF2-40B4-BE49-F238E27FC236}">
-                <a16:creationId xmlns:a16="http://schemas.microsoft.com/office/drawing/2014/main" id="{55ECBF04-F52F-4B3F-9304-4E4A2E668DA9}"/>
-              </a:ext>
-            </a:extLst>
-          </p:cNvPr>
-          <p:cNvSpPr>
-            <a:spLocks noGrp="1"/>
-          </p:cNvSpPr>
-          <p:nvPr>
-            <p:ph idx="1"/>
-          </p:nvPr>
-        </p:nvSpPr>
-        <p:spPr/>
-        <p:txBody>
-          <a:bodyPr/>
-          <a:lstStyle/>
-          <a:p>
-            <a:endParaRPr lang="en-GB" dirty="0"/>
-          </a:p>
-        </p:txBody>
-      </p:sp>
-    </p:spTree>
-    <p:extLst>
-      <p:ext uri="{BB962C8B-B14F-4D97-AF65-F5344CB8AC3E}">
-        <p14:creationId xmlns:p14="http://schemas.microsoft.com/office/powerpoint/2010/main" val="559109952"/>
-      </p:ext>
-    </p:extLst>
-  </p:cSld>
-  <p:clrMapOvr>
-    <a:masterClrMapping/>
-  </p:clrMapOvr>
-</p:sld>
-</file>
-
-<file path=ppt/slides/slide18.xml><?xml version="1.0" encoding="utf-8"?>
-<p:sld xmlns:a="http://schemas.openxmlformats.org/drawingml/2006/main" xmlns:r="http://schemas.openxmlformats.org/officeDocument/2006/relationships" xmlns:p="http://schemas.openxmlformats.org/presentationml/2006/main">
-  <p:cSld>
-    <p:spTree>
-      <p:nvGrpSpPr>
-        <p:cNvPr id="1" name=""/>
-        <p:cNvGrpSpPr/>
-        <p:nvPr/>
-      </p:nvGrpSpPr>
-      <p:grpSpPr>
-        <a:xfrm>
-          <a:off x="0" y="0"/>
-          <a:ext cx="0" cy="0"/>
-          <a:chOff x="0" y="0"/>
-          <a:chExt cx="0" cy="0"/>
-        </a:xfrm>
-      </p:grpSpPr>
-      <p:sp>
-        <p:nvSpPr>
-          <p:cNvPr id="2" name="Titre 1">
-            <a:extLst>
-              <a:ext uri="{FF2B5EF4-FFF2-40B4-BE49-F238E27FC236}">
-                <a16:creationId xmlns:a16="http://schemas.microsoft.com/office/drawing/2014/main" id="{21766C66-1FE8-40A6-86E7-67715FC56E02}"/>
-              </a:ext>
-            </a:extLst>
-          </p:cNvPr>
-          <p:cNvSpPr>
-            <a:spLocks noGrp="1"/>
-          </p:cNvSpPr>
-          <p:nvPr>
-            <p:ph type="title"/>
-          </p:nvPr>
-        </p:nvSpPr>
-        <p:spPr/>
-        <p:txBody>
-          <a:bodyPr>
-            <a:normAutofit/>
-          </a:bodyPr>
-          <a:lstStyle/>
-          <a:p>
-            <a:r>
-              <a:rPr lang="fr-FR" sz="1400" dirty="0">
-                <a:solidFill>
-                  <a:srgbClr val="FF0000"/>
-                </a:solidFill>
-                <a:effectLst/>
-                <a:latin typeface="Arial" panose="020B0604020202020204" pitchFamily="34" charset="0"/>
-              </a:rPr>
-              <a:t>12.</a:t>
-            </a:r>
-            <a:r>
-              <a:rPr lang="fr-FR" sz="1400" dirty="0">
-                <a:effectLst/>
-                <a:latin typeface="Arial" panose="020B0604020202020204" pitchFamily="34" charset="0"/>
-              </a:rPr>
-              <a:t>Apprentissage neuronal: En quoi est-ce un apprentissage supervisé? Qu’est qu’un classifieur linéaire? Que propose l’algorithme du perceptron? Quelle est sa relation à un neurone artificiel? Comment peut-on entrainer un neurone artificiel? Quels sont ses paramètres? Quels sont les paramètres de l’algorithme d’apprentissage? Quel est le principe de l’algorithme de descente en gradient?</a:t>
-            </a:r>
-            <a:endParaRPr lang="en-GB" sz="1400" dirty="0"/>
-          </a:p>
-        </p:txBody>
-      </p:sp>
-      <p:sp>
-        <p:nvSpPr>
-          <p:cNvPr id="3" name="Espace réservé du contenu 2">
-            <a:extLst>
-              <a:ext uri="{FF2B5EF4-FFF2-40B4-BE49-F238E27FC236}">
-                <a16:creationId xmlns:a16="http://schemas.microsoft.com/office/drawing/2014/main" id="{55ECBF04-F52F-4B3F-9304-4E4A2E668DA9}"/>
-              </a:ext>
-            </a:extLst>
-          </p:cNvPr>
-          <p:cNvSpPr>
-            <a:spLocks noGrp="1"/>
-          </p:cNvSpPr>
-          <p:nvPr>
-            <p:ph idx="1"/>
-          </p:nvPr>
-        </p:nvSpPr>
-        <p:spPr/>
-        <p:txBody>
-          <a:bodyPr/>
-          <a:lstStyle/>
-          <a:p>
-            <a:endParaRPr lang="en-GB" dirty="0"/>
-          </a:p>
-        </p:txBody>
-      </p:sp>
-    </p:spTree>
-    <p:extLst>
-      <p:ext uri="{BB962C8B-B14F-4D97-AF65-F5344CB8AC3E}">
-        <p14:creationId xmlns:p14="http://schemas.microsoft.com/office/powerpoint/2010/main" val="4013026078"/>
-      </p:ext>
-    </p:extLst>
-  </p:cSld>
-  <p:clrMapOvr>
-    <a:masterClrMapping/>
-  </p:clrMapOvr>
-</p:sld>
-</file>
-
 <file path=ppt/slides/slide19.xml><?xml version="1.0" encoding="utf-8"?>
 <p:sld xmlns:a="http://schemas.openxmlformats.org/drawingml/2006/main" xmlns:r="http://schemas.openxmlformats.org/officeDocument/2006/relationships" xmlns:p="http://schemas.openxmlformats.org/presentationml/2006/main">
   <p:cSld>
@@ -6599,14 +8194,14 @@
                 <a:effectLst/>
                 <a:latin typeface="Arial" panose="020B0604020202020204" pitchFamily="34" charset="0"/>
               </a:rPr>
-              <a:t>13.</a:t>
+              <a:t>10.</a:t>
             </a:r>
             <a:r>
               <a:rPr lang="fr-FR" sz="1400" dirty="0">
                 <a:effectLst/>
                 <a:latin typeface="Arial" panose="020B0604020202020204" pitchFamily="34" charset="0"/>
               </a:rPr>
-              <a:t>Réseaux de neurones: Rappelez le principe d’un neurone artificiel. Comment combine-t-on les neurones en réseaux? Comment entraine-t-on un réseau de neurones? Qu’est-ce que la fonction logistique? Comment est-elle utilisée dans un neurone artificiel? Quelles sont ses propriétés? Vous pourrez parler des principes des graphes computationnels et de la différentiation automatique.</a:t>
+              <a:t>Naive Bayes: Rappelez le principe de l’apprentissage supervisé. Quel est le protocole de gestion des données dans ce contexte ?Qu’est-ce que l’algorithme de Naïve Bayes? Quelles sont les hypothèses sous-jacentes? Quels sont les paramètres? Comment l’exprimer en tant que réseau bayésien? Qu’est-ce que le sur-apprentissage? Discutez sa relation avec Naïve Bayes.</a:t>
             </a:r>
             <a:endParaRPr lang="en-GB" sz="1400" dirty="0"/>
           </a:p>
@@ -6640,7 +8235,7 @@
     </p:spTree>
     <p:extLst>
       <p:ext uri="{BB962C8B-B14F-4D97-AF65-F5344CB8AC3E}">
-        <p14:creationId xmlns:p14="http://schemas.microsoft.com/office/powerpoint/2010/main" val="2009642305"/>
+        <p14:creationId xmlns:p14="http://schemas.microsoft.com/office/powerpoint/2010/main" val="2558671712"/>
       </p:ext>
     </p:extLst>
   </p:cSld>
@@ -6738,6 +8333,69 @@
           <a:lstStyle/>
           <a:p>
             <a:endParaRPr lang="en-GB" dirty="0"/>
+          </a:p>
+        </p:txBody>
+      </p:sp>
+      <p:sp>
+        <p:nvSpPr>
+          <p:cNvPr id="4" name="Titre 1">
+            <a:extLst>
+              <a:ext uri="{FF2B5EF4-FFF2-40B4-BE49-F238E27FC236}">
+                <a16:creationId xmlns:a16="http://schemas.microsoft.com/office/drawing/2014/main" id="{9FC1AE4D-6B02-48FA-97B8-EA6FB0DB341B}"/>
+              </a:ext>
+            </a:extLst>
+          </p:cNvPr>
+          <p:cNvSpPr txBox="1">
+            <a:spLocks/>
+          </p:cNvSpPr>
+          <p:nvPr/>
+        </p:nvSpPr>
+        <p:spPr>
+          <a:xfrm>
+            <a:off x="0" y="-316992"/>
+            <a:ext cx="746760" cy="1325563"/>
+          </a:xfrm>
+          <a:prstGeom prst="rect">
+            <a:avLst/>
+          </a:prstGeom>
+        </p:spPr>
+        <p:txBody>
+          <a:bodyPr vert="horz" lIns="91440" tIns="45720" rIns="91440" bIns="45720" rtlCol="0" anchor="ctr">
+            <a:normAutofit/>
+          </a:bodyPr>
+          <a:lstStyle>
+            <a:lvl1pPr algn="l" defTabSz="914400" rtl="0" eaLnBrk="1" latinLnBrk="0" hangingPunct="1">
+              <a:lnSpc>
+                <a:spcPct val="90000"/>
+              </a:lnSpc>
+              <a:spcBef>
+                <a:spcPct val="0"/>
+              </a:spcBef>
+              <a:buNone/>
+              <a:defRPr sz="4400" kern="1200">
+                <a:solidFill>
+                  <a:schemeClr val="tx1"/>
+                </a:solidFill>
+                <a:latin typeface="+mj-lt"/>
+                <a:ea typeface="+mj-ea"/>
+                <a:cs typeface="+mj-cs"/>
+              </a:defRPr>
+            </a:lvl1pPr>
+          </a:lstStyle>
+          <a:p>
+            <a:r>
+              <a:rPr lang="fr-CH" dirty="0">
+                <a:solidFill>
+                  <a:schemeClr val="accent1"/>
+                </a:solidFill>
+              </a:rPr>
+              <a:t>1.</a:t>
+            </a:r>
+            <a:endParaRPr lang="en-GB" dirty="0">
+              <a:solidFill>
+                <a:schemeClr val="accent1"/>
+              </a:solidFill>
+            </a:endParaRPr>
           </a:p>
         </p:txBody>
       </p:sp>
@@ -6802,6 +8460,317 @@
                 <a:effectLst/>
                 <a:latin typeface="Arial" panose="020B0604020202020204" pitchFamily="34" charset="0"/>
               </a:rPr>
+              <a:t>11.</a:t>
+            </a:r>
+            <a:r>
+              <a:rPr lang="fr-FR" sz="1400" dirty="0">
+                <a:effectLst/>
+                <a:latin typeface="Arial" panose="020B0604020202020204" pitchFamily="34" charset="0"/>
+              </a:rPr>
+              <a:t>Régression logistique: Rappelez le principe de l’apprentissage supervisé. Quel est le protocole de gestion des données dans ce contexte ? Rappelez la relation entre classification et régression? Qu’est-ce que l’algorithme de régression logistique? Quelles sont les hypothèses sous-jacentes? Quels sont les paramètres? Quel est sont les propriétés de la fonction logistique? Qu’est-</a:t>
+            </a:r>
+            <a:r>
+              <a:rPr lang="fr-FR" sz="1400" dirty="0" err="1">
+                <a:effectLst/>
+                <a:latin typeface="Arial" panose="020B0604020202020204" pitchFamily="34" charset="0"/>
+              </a:rPr>
+              <a:t>ceque</a:t>
+            </a:r>
+            <a:r>
+              <a:rPr lang="fr-FR" sz="1400" dirty="0">
+                <a:effectLst/>
+                <a:latin typeface="Arial" panose="020B0604020202020204" pitchFamily="34" charset="0"/>
+              </a:rPr>
+              <a:t> le sur-apprentissage? Discutez sa relation avec la régression logistique.</a:t>
+            </a:r>
+            <a:endParaRPr lang="en-GB" sz="1400" dirty="0"/>
+          </a:p>
+        </p:txBody>
+      </p:sp>
+      <p:sp>
+        <p:nvSpPr>
+          <p:cNvPr id="3" name="Espace réservé du contenu 2">
+            <a:extLst>
+              <a:ext uri="{FF2B5EF4-FFF2-40B4-BE49-F238E27FC236}">
+                <a16:creationId xmlns:a16="http://schemas.microsoft.com/office/drawing/2014/main" id="{55ECBF04-F52F-4B3F-9304-4E4A2E668DA9}"/>
+              </a:ext>
+            </a:extLst>
+          </p:cNvPr>
+          <p:cNvSpPr>
+            <a:spLocks noGrp="1"/>
+          </p:cNvSpPr>
+          <p:nvPr>
+            <p:ph idx="1"/>
+          </p:nvPr>
+        </p:nvSpPr>
+        <p:spPr/>
+        <p:txBody>
+          <a:bodyPr/>
+          <a:lstStyle/>
+          <a:p>
+            <a:endParaRPr lang="en-GB" dirty="0"/>
+          </a:p>
+        </p:txBody>
+      </p:sp>
+    </p:spTree>
+    <p:extLst>
+      <p:ext uri="{BB962C8B-B14F-4D97-AF65-F5344CB8AC3E}">
+        <p14:creationId xmlns:p14="http://schemas.microsoft.com/office/powerpoint/2010/main" val="559109952"/>
+      </p:ext>
+    </p:extLst>
+  </p:cSld>
+  <p:clrMapOvr>
+    <a:masterClrMapping/>
+  </p:clrMapOvr>
+</p:sld>
+</file>
+
+<file path=ppt/slides/slide21.xml><?xml version="1.0" encoding="utf-8"?>
+<p:sld xmlns:a="http://schemas.openxmlformats.org/drawingml/2006/main" xmlns:r="http://schemas.openxmlformats.org/officeDocument/2006/relationships" xmlns:p="http://schemas.openxmlformats.org/presentationml/2006/main">
+  <p:cSld>
+    <p:spTree>
+      <p:nvGrpSpPr>
+        <p:cNvPr id="1" name=""/>
+        <p:cNvGrpSpPr/>
+        <p:nvPr/>
+      </p:nvGrpSpPr>
+      <p:grpSpPr>
+        <a:xfrm>
+          <a:off x="0" y="0"/>
+          <a:ext cx="0" cy="0"/>
+          <a:chOff x="0" y="0"/>
+          <a:chExt cx="0" cy="0"/>
+        </a:xfrm>
+      </p:grpSpPr>
+      <p:sp>
+        <p:nvSpPr>
+          <p:cNvPr id="2" name="Titre 1">
+            <a:extLst>
+              <a:ext uri="{FF2B5EF4-FFF2-40B4-BE49-F238E27FC236}">
+                <a16:creationId xmlns:a16="http://schemas.microsoft.com/office/drawing/2014/main" id="{21766C66-1FE8-40A6-86E7-67715FC56E02}"/>
+              </a:ext>
+            </a:extLst>
+          </p:cNvPr>
+          <p:cNvSpPr>
+            <a:spLocks noGrp="1"/>
+          </p:cNvSpPr>
+          <p:nvPr>
+            <p:ph type="title"/>
+          </p:nvPr>
+        </p:nvSpPr>
+        <p:spPr/>
+        <p:txBody>
+          <a:bodyPr>
+            <a:normAutofit/>
+          </a:bodyPr>
+          <a:lstStyle/>
+          <a:p>
+            <a:r>
+              <a:rPr lang="fr-FR" sz="1400" dirty="0">
+                <a:solidFill>
+                  <a:srgbClr val="FF0000"/>
+                </a:solidFill>
+                <a:effectLst/>
+                <a:latin typeface="Arial" panose="020B0604020202020204" pitchFamily="34" charset="0"/>
+              </a:rPr>
+              <a:t>12.</a:t>
+            </a:r>
+            <a:r>
+              <a:rPr lang="fr-FR" sz="1400" dirty="0">
+                <a:effectLst/>
+                <a:latin typeface="Arial" panose="020B0604020202020204" pitchFamily="34" charset="0"/>
+              </a:rPr>
+              <a:t>Apprentissage neuronal: En quoi est-ce un apprentissage supervisé? Qu’est qu’un classifieur linéaire? Que propose l’algorithme du perceptron? Quelle est sa relation à un neurone artificiel? Comment peut-on entrainer un neurone artificiel? Quels sont ses paramètres? Quels sont les paramètres de l’algorithme d’apprentissage? Quel est le principe de l’algorithme de descente en gradient?</a:t>
+            </a:r>
+            <a:endParaRPr lang="en-GB" sz="1400" dirty="0"/>
+          </a:p>
+        </p:txBody>
+      </p:sp>
+      <p:sp>
+        <p:nvSpPr>
+          <p:cNvPr id="3" name="Espace réservé du contenu 2">
+            <a:extLst>
+              <a:ext uri="{FF2B5EF4-FFF2-40B4-BE49-F238E27FC236}">
+                <a16:creationId xmlns:a16="http://schemas.microsoft.com/office/drawing/2014/main" id="{55ECBF04-F52F-4B3F-9304-4E4A2E668DA9}"/>
+              </a:ext>
+            </a:extLst>
+          </p:cNvPr>
+          <p:cNvSpPr>
+            <a:spLocks noGrp="1"/>
+          </p:cNvSpPr>
+          <p:nvPr>
+            <p:ph idx="1"/>
+          </p:nvPr>
+        </p:nvSpPr>
+        <p:spPr/>
+        <p:txBody>
+          <a:bodyPr/>
+          <a:lstStyle/>
+          <a:p>
+            <a:endParaRPr lang="en-GB" dirty="0"/>
+          </a:p>
+        </p:txBody>
+      </p:sp>
+    </p:spTree>
+    <p:extLst>
+      <p:ext uri="{BB962C8B-B14F-4D97-AF65-F5344CB8AC3E}">
+        <p14:creationId xmlns:p14="http://schemas.microsoft.com/office/powerpoint/2010/main" val="4013026078"/>
+      </p:ext>
+    </p:extLst>
+  </p:cSld>
+  <p:clrMapOvr>
+    <a:masterClrMapping/>
+  </p:clrMapOvr>
+</p:sld>
+</file>
+
+<file path=ppt/slides/slide22.xml><?xml version="1.0" encoding="utf-8"?>
+<p:sld xmlns:a="http://schemas.openxmlformats.org/drawingml/2006/main" xmlns:r="http://schemas.openxmlformats.org/officeDocument/2006/relationships" xmlns:p="http://schemas.openxmlformats.org/presentationml/2006/main">
+  <p:cSld>
+    <p:spTree>
+      <p:nvGrpSpPr>
+        <p:cNvPr id="1" name=""/>
+        <p:cNvGrpSpPr/>
+        <p:nvPr/>
+      </p:nvGrpSpPr>
+      <p:grpSpPr>
+        <a:xfrm>
+          <a:off x="0" y="0"/>
+          <a:ext cx="0" cy="0"/>
+          <a:chOff x="0" y="0"/>
+          <a:chExt cx="0" cy="0"/>
+        </a:xfrm>
+      </p:grpSpPr>
+      <p:sp>
+        <p:nvSpPr>
+          <p:cNvPr id="2" name="Titre 1">
+            <a:extLst>
+              <a:ext uri="{FF2B5EF4-FFF2-40B4-BE49-F238E27FC236}">
+                <a16:creationId xmlns:a16="http://schemas.microsoft.com/office/drawing/2014/main" id="{21766C66-1FE8-40A6-86E7-67715FC56E02}"/>
+              </a:ext>
+            </a:extLst>
+          </p:cNvPr>
+          <p:cNvSpPr>
+            <a:spLocks noGrp="1"/>
+          </p:cNvSpPr>
+          <p:nvPr>
+            <p:ph type="title"/>
+          </p:nvPr>
+        </p:nvSpPr>
+        <p:spPr/>
+        <p:txBody>
+          <a:bodyPr>
+            <a:normAutofit/>
+          </a:bodyPr>
+          <a:lstStyle/>
+          <a:p>
+            <a:r>
+              <a:rPr lang="fr-FR" sz="1400" dirty="0">
+                <a:solidFill>
+                  <a:srgbClr val="FF0000"/>
+                </a:solidFill>
+                <a:effectLst/>
+                <a:latin typeface="Arial" panose="020B0604020202020204" pitchFamily="34" charset="0"/>
+              </a:rPr>
+              <a:t>13.</a:t>
+            </a:r>
+            <a:r>
+              <a:rPr lang="fr-FR" sz="1400" dirty="0">
+                <a:effectLst/>
+                <a:latin typeface="Arial" panose="020B0604020202020204" pitchFamily="34" charset="0"/>
+              </a:rPr>
+              <a:t>Réseaux de neurones: Rappelez le principe d’un neurone artificiel. Comment combine-t-on les neurones en réseaux? Comment entraine-t-on un réseau de neurones? Qu’est-ce que la fonction logistique? Comment est-elle utilisée dans un neurone artificiel? Quelles sont ses propriétés? Vous pourrez parler des principes des graphes computationnels et de la différentiation automatique.</a:t>
+            </a:r>
+            <a:endParaRPr lang="en-GB" sz="1400" dirty="0"/>
+          </a:p>
+        </p:txBody>
+      </p:sp>
+      <p:sp>
+        <p:nvSpPr>
+          <p:cNvPr id="3" name="Espace réservé du contenu 2">
+            <a:extLst>
+              <a:ext uri="{FF2B5EF4-FFF2-40B4-BE49-F238E27FC236}">
+                <a16:creationId xmlns:a16="http://schemas.microsoft.com/office/drawing/2014/main" id="{55ECBF04-F52F-4B3F-9304-4E4A2E668DA9}"/>
+              </a:ext>
+            </a:extLst>
+          </p:cNvPr>
+          <p:cNvSpPr>
+            <a:spLocks noGrp="1"/>
+          </p:cNvSpPr>
+          <p:nvPr>
+            <p:ph idx="1"/>
+          </p:nvPr>
+        </p:nvSpPr>
+        <p:spPr/>
+        <p:txBody>
+          <a:bodyPr/>
+          <a:lstStyle/>
+          <a:p>
+            <a:endParaRPr lang="en-GB" dirty="0"/>
+          </a:p>
+        </p:txBody>
+      </p:sp>
+    </p:spTree>
+    <p:extLst>
+      <p:ext uri="{BB962C8B-B14F-4D97-AF65-F5344CB8AC3E}">
+        <p14:creationId xmlns:p14="http://schemas.microsoft.com/office/powerpoint/2010/main" val="2009642305"/>
+      </p:ext>
+    </p:extLst>
+  </p:cSld>
+  <p:clrMapOvr>
+    <a:masterClrMapping/>
+  </p:clrMapOvr>
+</p:sld>
+</file>
+
+<file path=ppt/slides/slide23.xml><?xml version="1.0" encoding="utf-8"?>
+<p:sld xmlns:a="http://schemas.openxmlformats.org/drawingml/2006/main" xmlns:r="http://schemas.openxmlformats.org/officeDocument/2006/relationships" xmlns:p="http://schemas.openxmlformats.org/presentationml/2006/main">
+  <p:cSld>
+    <p:spTree>
+      <p:nvGrpSpPr>
+        <p:cNvPr id="1" name=""/>
+        <p:cNvGrpSpPr/>
+        <p:nvPr/>
+      </p:nvGrpSpPr>
+      <p:grpSpPr>
+        <a:xfrm>
+          <a:off x="0" y="0"/>
+          <a:ext cx="0" cy="0"/>
+          <a:chOff x="0" y="0"/>
+          <a:chExt cx="0" cy="0"/>
+        </a:xfrm>
+      </p:grpSpPr>
+      <p:sp>
+        <p:nvSpPr>
+          <p:cNvPr id="2" name="Titre 1">
+            <a:extLst>
+              <a:ext uri="{FF2B5EF4-FFF2-40B4-BE49-F238E27FC236}">
+                <a16:creationId xmlns:a16="http://schemas.microsoft.com/office/drawing/2014/main" id="{21766C66-1FE8-40A6-86E7-67715FC56E02}"/>
+              </a:ext>
+            </a:extLst>
+          </p:cNvPr>
+          <p:cNvSpPr>
+            <a:spLocks noGrp="1"/>
+          </p:cNvSpPr>
+          <p:nvPr>
+            <p:ph type="title"/>
+          </p:nvPr>
+        </p:nvSpPr>
+        <p:spPr/>
+        <p:txBody>
+          <a:bodyPr>
+            <a:normAutofit/>
+          </a:bodyPr>
+          <a:lstStyle/>
+          <a:p>
+            <a:r>
+              <a:rPr lang="fr-FR" sz="1400" dirty="0">
+                <a:solidFill>
+                  <a:srgbClr val="FF0000"/>
+                </a:solidFill>
+                <a:effectLst/>
+                <a:latin typeface="Arial" panose="020B0604020202020204" pitchFamily="34" charset="0"/>
+              </a:rPr>
               <a:t>14.</a:t>
             </a:r>
             <a:r>
@@ -6959,6 +8928,69 @@
           </a:p>
         </p:txBody>
       </p:sp>
+      <p:sp>
+        <p:nvSpPr>
+          <p:cNvPr id="4" name="Titre 1">
+            <a:extLst>
+              <a:ext uri="{FF2B5EF4-FFF2-40B4-BE49-F238E27FC236}">
+                <a16:creationId xmlns:a16="http://schemas.microsoft.com/office/drawing/2014/main" id="{6F572188-8E9D-461A-9C34-8205FF08D029}"/>
+              </a:ext>
+            </a:extLst>
+          </p:cNvPr>
+          <p:cNvSpPr txBox="1">
+            <a:spLocks/>
+          </p:cNvSpPr>
+          <p:nvPr/>
+        </p:nvSpPr>
+        <p:spPr>
+          <a:xfrm>
+            <a:off x="0" y="-316992"/>
+            <a:ext cx="746760" cy="1325563"/>
+          </a:xfrm>
+          <a:prstGeom prst="rect">
+            <a:avLst/>
+          </a:prstGeom>
+        </p:spPr>
+        <p:txBody>
+          <a:bodyPr vert="horz" lIns="91440" tIns="45720" rIns="91440" bIns="45720" rtlCol="0" anchor="ctr">
+            <a:normAutofit/>
+          </a:bodyPr>
+          <a:lstStyle>
+            <a:lvl1pPr algn="l" defTabSz="914400" rtl="0" eaLnBrk="1" latinLnBrk="0" hangingPunct="1">
+              <a:lnSpc>
+                <a:spcPct val="90000"/>
+              </a:lnSpc>
+              <a:spcBef>
+                <a:spcPct val="0"/>
+              </a:spcBef>
+              <a:buNone/>
+              <a:defRPr sz="4400" kern="1200">
+                <a:solidFill>
+                  <a:schemeClr val="tx1"/>
+                </a:solidFill>
+                <a:latin typeface="+mj-lt"/>
+                <a:ea typeface="+mj-ea"/>
+                <a:cs typeface="+mj-cs"/>
+              </a:defRPr>
+            </a:lvl1pPr>
+          </a:lstStyle>
+          <a:p>
+            <a:r>
+              <a:rPr lang="fr-CH" dirty="0">
+                <a:solidFill>
+                  <a:schemeClr val="accent1"/>
+                </a:solidFill>
+              </a:rPr>
+              <a:t>2.</a:t>
+            </a:r>
+            <a:endParaRPr lang="en-GB" dirty="0">
+              <a:solidFill>
+                <a:schemeClr val="accent1"/>
+              </a:solidFill>
+            </a:endParaRPr>
+          </a:p>
+        </p:txBody>
+      </p:sp>
     </p:spTree>
     <p:extLst>
       <p:ext uri="{BB962C8B-B14F-4D97-AF65-F5344CB8AC3E}">
@@ -8071,22 +10103,30 @@
               <a:buNone/>
             </a:pPr>
             <a:r>
-              <a:rPr lang="fr-CH"/>
-              <a:t>A* est algorithme d’exploration qui utilise une function d’évaluation.</a:t>
+              <a:rPr lang="fr-CH" dirty="0"/>
+              <a:t>A* est algorithme d’exploration qui utilise une </a:t>
+            </a:r>
+            <a:r>
+              <a:rPr lang="fr-CH" dirty="0" err="1"/>
+              <a:t>function</a:t>
+            </a:r>
+            <a:r>
+              <a:rPr lang="fr-CH" dirty="0"/>
+              <a:t> d’évaluation.</a:t>
             </a:r>
           </a:p>
           <a:p>
             <a:pPr marL="0" indent="0">
               <a:buNone/>
             </a:pPr>
-            <a:endParaRPr lang="fr-CH"/>
+            <a:endParaRPr lang="fr-CH" dirty="0"/>
           </a:p>
           <a:p>
             <a:pPr marL="0" indent="0">
               <a:buNone/>
             </a:pPr>
             <a:r>
-              <a:rPr lang="fr-CH"/>
+              <a:rPr lang="fr-CH" dirty="0"/>
               <a:t>A* explore le graphe complètement (au pire des cas) -&gt; on est sur de trouver une solution (si elle existe)</a:t>
             </a:r>
           </a:p>
@@ -8094,14 +10134,14 @@
             <a:pPr marL="0" indent="0">
               <a:buNone/>
             </a:pPr>
-            <a:endParaRPr lang="fr-CH"/>
+            <a:endParaRPr lang="fr-CH" dirty="0"/>
           </a:p>
           <a:p>
             <a:pPr marL="0" indent="0">
               <a:buNone/>
             </a:pPr>
             <a:r>
-              <a:rPr lang="fr-CH"/>
+              <a:rPr lang="fr-CH" dirty="0"/>
               <a:t>A* donne des garanties d’optimalité et de complétude</a:t>
             </a:r>
           </a:p>
@@ -8110,25 +10150,33 @@
               <a:buNone/>
             </a:pPr>
             <a:r>
-              <a:rPr lang="fr-CH"/>
-              <a:t>On peut lui associer des variants en function des contraintes (temps et mémoire)</a:t>
+              <a:rPr lang="fr-CH" dirty="0"/>
+              <a:t>On peut lui associer des variants en </a:t>
+            </a:r>
+            <a:r>
+              <a:rPr lang="fr-CH" dirty="0" err="1"/>
+              <a:t>function</a:t>
+            </a:r>
+            <a:r>
+              <a:rPr lang="fr-CH" dirty="0"/>
+              <a:t> des contraintes (temps et mémoire)</a:t>
             </a:r>
           </a:p>
           <a:p>
             <a:pPr marL="0" indent="0">
               <a:buNone/>
             </a:pPr>
-            <a:endParaRPr lang="fr-CH"/>
+            <a:endParaRPr lang="fr-CH" dirty="0"/>
           </a:p>
           <a:p>
             <a:pPr marL="0" indent="0">
               <a:buNone/>
             </a:pPr>
             <a:r>
-              <a:rPr lang="fr-CH"/>
+              <a:rPr lang="fr-CH" dirty="0"/>
               <a:t>	</a:t>
             </a:r>
-            <a:endParaRPr lang="fr-CH">
+            <a:endParaRPr lang="fr-CH" dirty="0">
               <a:latin typeface="Calibri" panose="020F0502020204030204" pitchFamily="34" charset="0"/>
             </a:endParaRPr>
           </a:p>
@@ -8169,6 +10217,285 @@
           <p:cNvPr id="2" name="Titre 1">
             <a:extLst>
               <a:ext uri="{FF2B5EF4-FFF2-40B4-BE49-F238E27FC236}">
+                <a16:creationId xmlns:a16="http://schemas.microsoft.com/office/drawing/2014/main" id="{1DE24D75-C6DE-4394-A51C-5EF310010BA5}"/>
+              </a:ext>
+            </a:extLst>
+          </p:cNvPr>
+          <p:cNvSpPr>
+            <a:spLocks noGrp="1"/>
+          </p:cNvSpPr>
+          <p:nvPr>
+            <p:ph type="title"/>
+          </p:nvPr>
+        </p:nvSpPr>
+        <p:spPr>
+          <a:xfrm>
+            <a:off x="0" y="-316992"/>
+            <a:ext cx="746760" cy="1325563"/>
+          </a:xfrm>
+        </p:spPr>
+        <p:txBody>
+          <a:bodyPr/>
+          <a:lstStyle/>
+          <a:p>
+            <a:r>
+              <a:rPr lang="fr-CH" dirty="0">
+                <a:solidFill>
+                  <a:schemeClr val="accent1"/>
+                </a:solidFill>
+              </a:rPr>
+              <a:t>2.</a:t>
+            </a:r>
+            <a:endParaRPr lang="en-GB" dirty="0">
+              <a:solidFill>
+                <a:schemeClr val="accent1"/>
+              </a:solidFill>
+            </a:endParaRPr>
+          </a:p>
+        </p:txBody>
+      </p:sp>
+      <p:sp>
+        <p:nvSpPr>
+          <p:cNvPr id="4" name="ZoneTexte 3">
+            <a:extLst>
+              <a:ext uri="{FF2B5EF4-FFF2-40B4-BE49-F238E27FC236}">
+                <a16:creationId xmlns:a16="http://schemas.microsoft.com/office/drawing/2014/main" id="{B4A469F4-C262-4F6E-8D5D-858330AC98E0}"/>
+              </a:ext>
+            </a:extLst>
+          </p:cNvPr>
+          <p:cNvSpPr txBox="1"/>
+          <p:nvPr/>
+        </p:nvSpPr>
+        <p:spPr>
+          <a:xfrm>
+            <a:off x="746760" y="161123"/>
+            <a:ext cx="10515600" cy="369332"/>
+          </a:xfrm>
+          <a:prstGeom prst="rect">
+            <a:avLst/>
+          </a:prstGeom>
+          <a:noFill/>
+        </p:spPr>
+        <p:txBody>
+          <a:bodyPr wrap="square" rtlCol="0">
+            <a:spAutoFit/>
+          </a:bodyPr>
+          <a:lstStyle/>
+          <a:p>
+            <a:r>
+              <a:rPr lang="fr-FR" sz="1800" dirty="0">
+                <a:solidFill>
+                  <a:schemeClr val="accent1"/>
+                </a:solidFill>
+                <a:effectLst/>
+                <a:latin typeface="Arial" panose="020B0604020202020204" pitchFamily="34" charset="0"/>
+              </a:rPr>
+              <a:t>Citez des exemples d’application.</a:t>
+            </a:r>
+            <a:endParaRPr lang="en-GB" dirty="0">
+              <a:solidFill>
+                <a:schemeClr val="accent1"/>
+              </a:solidFill>
+            </a:endParaRPr>
+          </a:p>
+        </p:txBody>
+      </p:sp>
+      <p:pic>
+        <p:nvPicPr>
+          <p:cNvPr id="8" name="Image 7">
+            <a:extLst>
+              <a:ext uri="{FF2B5EF4-FFF2-40B4-BE49-F238E27FC236}">
+                <a16:creationId xmlns:a16="http://schemas.microsoft.com/office/drawing/2014/main" id="{558AB04A-3491-4CBE-92D3-F4C802969219}"/>
+              </a:ext>
+            </a:extLst>
+          </p:cNvPr>
+          <p:cNvPicPr>
+            <a:picLocks noChangeAspect="1"/>
+          </p:cNvPicPr>
+          <p:nvPr/>
+        </p:nvPicPr>
+        <p:blipFill>
+          <a:blip r:embed="rId3"/>
+          <a:stretch>
+            <a:fillRect/>
+          </a:stretch>
+        </p:blipFill>
+        <p:spPr>
+          <a:xfrm>
+            <a:off x="746760" y="1008570"/>
+            <a:ext cx="6174543" cy="3489299"/>
+          </a:xfrm>
+          <a:prstGeom prst="rect">
+            <a:avLst/>
+          </a:prstGeom>
+        </p:spPr>
+      </p:pic>
+      <p:sp>
+        <p:nvSpPr>
+          <p:cNvPr id="10" name="ZoneTexte 9">
+            <a:extLst>
+              <a:ext uri="{FF2B5EF4-FFF2-40B4-BE49-F238E27FC236}">
+                <a16:creationId xmlns:a16="http://schemas.microsoft.com/office/drawing/2014/main" id="{078F7537-C247-46D3-B71C-06AB871D14C5}"/>
+              </a:ext>
+            </a:extLst>
+          </p:cNvPr>
+          <p:cNvSpPr txBox="1"/>
+          <p:nvPr/>
+        </p:nvSpPr>
+        <p:spPr>
+          <a:xfrm>
+            <a:off x="7401026" y="1008570"/>
+            <a:ext cx="3656740" cy="4801314"/>
+          </a:xfrm>
+          <a:prstGeom prst="rect">
+            <a:avLst/>
+          </a:prstGeom>
+          <a:noFill/>
+        </p:spPr>
+        <p:txBody>
+          <a:bodyPr wrap="square">
+            <a:spAutoFit/>
+          </a:bodyPr>
+          <a:lstStyle/>
+          <a:p>
+            <a:r>
+              <a:rPr lang="fr-CH" dirty="0"/>
+              <a:t>Au départ on est à             et on a 4 possibilités de transitions:</a:t>
+            </a:r>
+          </a:p>
+          <a:p>
+            <a:r>
+              <a:rPr lang="fr-CH" dirty="0"/>
+              <a:t>	[1,2,3,4]</a:t>
+            </a:r>
+          </a:p>
+          <a:p>
+            <a:endParaRPr lang="fr-CH" dirty="0"/>
+          </a:p>
+          <a:p>
+            <a:r>
+              <a:rPr lang="fr-CH" dirty="0"/>
+              <a:t>Ces transitions sont évalués à l’aide d’une fonction f(v) = h(v) + g(v):</a:t>
+            </a:r>
+          </a:p>
+          <a:p>
+            <a:endParaRPr lang="fr-CH" dirty="0"/>
+          </a:p>
+          <a:p>
+            <a:r>
+              <a:rPr lang="fr-CH" dirty="0"/>
+              <a:t>	f(départ) = 6</a:t>
+            </a:r>
+          </a:p>
+          <a:p>
+            <a:r>
+              <a:rPr lang="fr-CH" dirty="0"/>
+              <a:t>	f(1) = 7</a:t>
+            </a:r>
+          </a:p>
+          <a:p>
+            <a:r>
+              <a:rPr lang="fr-CH" dirty="0"/>
+              <a:t>	f(2) = 6</a:t>
+            </a:r>
+          </a:p>
+          <a:p>
+            <a:r>
+              <a:rPr lang="fr-CH" dirty="0"/>
+              <a:t>	f(3) = 7</a:t>
+            </a:r>
+          </a:p>
+          <a:p>
+            <a:r>
+              <a:rPr lang="fr-CH" dirty="0"/>
+              <a:t>	f(4) = 8  </a:t>
+            </a:r>
+          </a:p>
+          <a:p>
+            <a:endParaRPr lang="fr-CH" dirty="0"/>
+          </a:p>
+          <a:p>
+            <a:r>
+              <a:rPr lang="fr-CH" dirty="0"/>
+              <a:t>Naturellement on choisit le nœud 2.</a:t>
+            </a:r>
+          </a:p>
+          <a:p>
+            <a:endParaRPr lang="fr-CH" dirty="0"/>
+          </a:p>
+          <a:p>
+            <a:r>
+              <a:rPr lang="fr-CH" dirty="0"/>
+              <a:t>On refait la même chose avec 2 notre position.</a:t>
+            </a:r>
+          </a:p>
+        </p:txBody>
+      </p:sp>
+      <p:pic>
+        <p:nvPicPr>
+          <p:cNvPr id="12" name="Image 11">
+            <a:extLst>
+              <a:ext uri="{FF2B5EF4-FFF2-40B4-BE49-F238E27FC236}">
+                <a16:creationId xmlns:a16="http://schemas.microsoft.com/office/drawing/2014/main" id="{BD44B98E-165B-4F88-B9B9-16CDF0A95E8E}"/>
+              </a:ext>
+            </a:extLst>
+          </p:cNvPr>
+          <p:cNvPicPr>
+            <a:picLocks noChangeAspect="1"/>
+          </p:cNvPicPr>
+          <p:nvPr/>
+        </p:nvPicPr>
+        <p:blipFill>
+          <a:blip r:embed="rId4"/>
+          <a:stretch>
+            <a:fillRect/>
+          </a:stretch>
+        </p:blipFill>
+        <p:spPr>
+          <a:xfrm>
+            <a:off x="9232093" y="920702"/>
+            <a:ext cx="590550" cy="457200"/>
+          </a:xfrm>
+          <a:prstGeom prst="rect">
+            <a:avLst/>
+          </a:prstGeom>
+        </p:spPr>
+      </p:pic>
+    </p:spTree>
+    <p:extLst>
+      <p:ext uri="{BB962C8B-B14F-4D97-AF65-F5344CB8AC3E}">
+        <p14:creationId xmlns:p14="http://schemas.microsoft.com/office/powerpoint/2010/main" val="2263483677"/>
+      </p:ext>
+    </p:extLst>
+  </p:cSld>
+  <p:clrMapOvr>
+    <a:masterClrMapping/>
+  </p:clrMapOvr>
+</p:sld>
+</file>
+
+<file path=ppt/slides/slide9.xml><?xml version="1.0" encoding="utf-8"?>
+<p:sld xmlns:a="http://schemas.openxmlformats.org/drawingml/2006/main" xmlns:r="http://schemas.openxmlformats.org/officeDocument/2006/relationships" xmlns:p="http://schemas.openxmlformats.org/presentationml/2006/main">
+  <p:cSld>
+    <p:spTree>
+      <p:nvGrpSpPr>
+        <p:cNvPr id="1" name=""/>
+        <p:cNvGrpSpPr/>
+        <p:nvPr/>
+      </p:nvGrpSpPr>
+      <p:grpSpPr>
+        <a:xfrm>
+          <a:off x="0" y="0"/>
+          <a:ext cx="0" cy="0"/>
+          <a:chOff x="0" y="0"/>
+          <a:chExt cx="0" cy="0"/>
+        </a:xfrm>
+      </p:grpSpPr>
+      <p:sp>
+        <p:nvSpPr>
+          <p:cNvPr id="2" name="Titre 1">
+            <a:extLst>
+              <a:ext uri="{FF2B5EF4-FFF2-40B4-BE49-F238E27FC236}">
                 <a16:creationId xmlns:a16="http://schemas.microsoft.com/office/drawing/2014/main" id="{21766C66-1FE8-40A6-86E7-67715FC56E02}"/>
               </a:ext>
             </a:extLst>
@@ -8202,23 +10529,9 @@
                 <a:effectLst/>
                 <a:latin typeface="Arial" panose="020B0604020202020204" pitchFamily="34" charset="0"/>
               </a:rPr>
-              <a:t>Satisfaction de contraintes: Qu’est-ce qu’un PSC? Quel est son modèle? Comment le résout-on? </a:t>
-            </a:r>
-            <a:r>
-              <a:rPr lang="fr-FR" sz="1400" dirty="0">
-                <a:solidFill>
-                  <a:srgbClr val="FF0000"/>
-                </a:solidFill>
-                <a:effectLst/>
-                <a:latin typeface="Arial" panose="020B0604020202020204" pitchFamily="34" charset="0"/>
-              </a:rPr>
-              <a:t>En quoi consiste le graphe mis en jeu? Décrivez les algorithmes et heuristiques associées. </a:t>
-            </a:r>
-            <a:endParaRPr lang="en-GB" sz="1400" dirty="0">
-              <a:solidFill>
-                <a:srgbClr val="FF0000"/>
-              </a:solidFill>
-            </a:endParaRPr>
+              <a:t>Satisfaction de contraintes: Qu’est-ce qu’un PSC? Quel est son modèle? Comment le résout-on? En quoi consiste le graphe mis en jeu? Décrivez les algorithmes et heuristiques associées. </a:t>
+            </a:r>
+            <a:endParaRPr lang="en-GB" sz="1400" dirty="0"/>
           </a:p>
         </p:txBody>
       </p:sp>
@@ -8969,64 +11282,55 @@
           </p:sp>
         </mc:Fallback>
       </mc:AlternateContent>
-    </p:spTree>
-    <p:extLst>
-      <p:ext uri="{BB962C8B-B14F-4D97-AF65-F5344CB8AC3E}">
-        <p14:creationId xmlns:p14="http://schemas.microsoft.com/office/powerpoint/2010/main" val="718154828"/>
-      </p:ext>
-    </p:extLst>
-  </p:cSld>
-  <p:clrMapOvr>
-    <a:masterClrMapping/>
-  </p:clrMapOvr>
-</p:sld>
-</file>
-
-<file path=ppt/slides/slide9.xml><?xml version="1.0" encoding="utf-8"?>
-<p:sld xmlns:a="http://schemas.openxmlformats.org/drawingml/2006/main" xmlns:r="http://schemas.openxmlformats.org/officeDocument/2006/relationships" xmlns:p="http://schemas.openxmlformats.org/presentationml/2006/main">
-  <p:cSld>
-    <p:spTree>
-      <p:nvGrpSpPr>
-        <p:cNvPr id="1" name=""/>
-        <p:cNvGrpSpPr/>
-        <p:nvPr/>
-      </p:nvGrpSpPr>
-      <p:grpSpPr>
-        <a:xfrm>
-          <a:off x="0" y="0"/>
-          <a:ext cx="0" cy="0"/>
-          <a:chOff x="0" y="0"/>
-          <a:chExt cx="0" cy="0"/>
-        </a:xfrm>
-      </p:grpSpPr>
-      <p:sp>
-        <p:nvSpPr>
-          <p:cNvPr id="2" name="Titre 1">
-            <a:extLst>
-              <a:ext uri="{FF2B5EF4-FFF2-40B4-BE49-F238E27FC236}">
-                <a16:creationId xmlns:a16="http://schemas.microsoft.com/office/drawing/2014/main" id="{1DE24D75-C6DE-4394-A51C-5EF310010BA5}"/>
-              </a:ext>
-            </a:extLst>
-          </p:cNvPr>
-          <p:cNvSpPr>
-            <a:spLocks noGrp="1"/>
-          </p:cNvSpPr>
-          <p:nvPr>
-            <p:ph type="title"/>
-          </p:nvPr>
+      <p:sp>
+        <p:nvSpPr>
+          <p:cNvPr id="4" name="Titre 1">
+            <a:extLst>
+              <a:ext uri="{FF2B5EF4-FFF2-40B4-BE49-F238E27FC236}">
+                <a16:creationId xmlns:a16="http://schemas.microsoft.com/office/drawing/2014/main" id="{246A0BEF-576E-48E1-A198-7C5CF55B1CCB}"/>
+              </a:ext>
+            </a:extLst>
+          </p:cNvPr>
+          <p:cNvSpPr txBox="1">
+            <a:spLocks/>
+          </p:cNvSpPr>
+          <p:nvPr/>
         </p:nvSpPr>
         <p:spPr>
           <a:xfrm>
             <a:off x="0" y="-316992"/>
             <a:ext cx="746760" cy="1325563"/>
           </a:xfrm>
+          <a:prstGeom prst="rect">
+            <a:avLst/>
+          </a:prstGeom>
         </p:spPr>
         <p:txBody>
-          <a:bodyPr/>
-          <a:lstStyle/>
-          <a:p>
-            <a:r>
-              <a:rPr lang="fr-CH" dirty="0">
+          <a:bodyPr vert="horz" lIns="91440" tIns="45720" rIns="91440" bIns="45720" rtlCol="0" anchor="ctr">
+            <a:normAutofit/>
+          </a:bodyPr>
+          <a:lstStyle>
+            <a:lvl1pPr algn="l" defTabSz="914400" rtl="0" eaLnBrk="1" latinLnBrk="0" hangingPunct="1">
+              <a:lnSpc>
+                <a:spcPct val="90000"/>
+              </a:lnSpc>
+              <a:spcBef>
+                <a:spcPct val="0"/>
+              </a:spcBef>
+              <a:buNone/>
+              <a:defRPr sz="4400" kern="1200">
+                <a:solidFill>
+                  <a:schemeClr val="tx1"/>
+                </a:solidFill>
+                <a:latin typeface="+mj-lt"/>
+                <a:ea typeface="+mj-ea"/>
+                <a:cs typeface="+mj-cs"/>
+              </a:defRPr>
+            </a:lvl1pPr>
+          </a:lstStyle>
+          <a:p>
+            <a:r>
+              <a:rPr lang="fr-CH">
                 <a:solidFill>
                   <a:schemeClr val="accent1"/>
                 </a:solidFill>
@@ -9041,240 +11345,10 @@
           </a:p>
         </p:txBody>
       </p:sp>
-      <p:sp>
-        <p:nvSpPr>
-          <p:cNvPr id="4" name="ZoneTexte 3">
-            <a:extLst>
-              <a:ext uri="{FF2B5EF4-FFF2-40B4-BE49-F238E27FC236}">
-                <a16:creationId xmlns:a16="http://schemas.microsoft.com/office/drawing/2014/main" id="{B4A469F4-C262-4F6E-8D5D-858330AC98E0}"/>
-              </a:ext>
-            </a:extLst>
-          </p:cNvPr>
-          <p:cNvSpPr txBox="1"/>
-          <p:nvPr/>
-        </p:nvSpPr>
-        <p:spPr>
-          <a:xfrm>
-            <a:off x="746760" y="161123"/>
-            <a:ext cx="10515600" cy="369332"/>
-          </a:xfrm>
-          <a:prstGeom prst="rect">
-            <a:avLst/>
-          </a:prstGeom>
-          <a:noFill/>
-        </p:spPr>
-        <p:txBody>
-          <a:bodyPr wrap="square" rtlCol="0">
-            <a:spAutoFit/>
-          </a:bodyPr>
-          <a:lstStyle/>
-          <a:p>
-            <a:r>
-              <a:rPr lang="fr-FR" sz="1800" dirty="0">
-                <a:solidFill>
-                  <a:schemeClr val="accent1"/>
-                </a:solidFill>
-                <a:effectLst/>
-                <a:latin typeface="Arial" panose="020B0604020202020204" pitchFamily="34" charset="0"/>
-              </a:rPr>
-              <a:t>Comment le résout-on?</a:t>
-            </a:r>
-            <a:endParaRPr lang="en-GB" dirty="0">
-              <a:solidFill>
-                <a:schemeClr val="accent1"/>
-              </a:solidFill>
-            </a:endParaRPr>
-          </a:p>
-        </p:txBody>
-      </p:sp>
-      <p:sp>
-        <p:nvSpPr>
-          <p:cNvPr id="6" name="Espace réservé du contenu 5">
-            <a:extLst>
-              <a:ext uri="{FF2B5EF4-FFF2-40B4-BE49-F238E27FC236}">
-                <a16:creationId xmlns:a16="http://schemas.microsoft.com/office/drawing/2014/main" id="{9053FE73-A770-44D5-A882-8956257325B6}"/>
-              </a:ext>
-            </a:extLst>
-          </p:cNvPr>
-          <p:cNvSpPr>
-            <a:spLocks noGrp="1"/>
-          </p:cNvSpPr>
-          <p:nvPr>
-            <p:ph idx="1"/>
-          </p:nvPr>
-        </p:nvSpPr>
-        <p:spPr>
-          <a:xfrm>
-            <a:off x="838200" y="1008570"/>
-            <a:ext cx="10515600" cy="4354276"/>
-          </a:xfrm>
-        </p:spPr>
-        <p:txBody>
-          <a:bodyPr>
-            <a:noAutofit/>
-          </a:bodyPr>
-          <a:lstStyle/>
-          <a:p>
-            <a:pPr marL="0" indent="0">
-              <a:buNone/>
-            </a:pPr>
-            <a:r>
-              <a:rPr lang="fr-CH" dirty="0"/>
-              <a:t>Voici les étapes pour résoudre le problème:</a:t>
-            </a:r>
-          </a:p>
-          <a:p>
-            <a:pPr marL="0" indent="0">
-              <a:buNone/>
-            </a:pPr>
-            <a:r>
-              <a:rPr lang="fr-CH" dirty="0"/>
-              <a:t>	(1) définir les variables du problème </a:t>
-            </a:r>
-            <a:r>
-              <a:rPr lang="fr-CH" dirty="0">
-                <a:solidFill>
-                  <a:srgbClr val="FF0000"/>
-                </a:solidFill>
-              </a:rPr>
-              <a:t>(X)</a:t>
-            </a:r>
-          </a:p>
-          <a:p>
-            <a:pPr marL="0" indent="0">
-              <a:buNone/>
-            </a:pPr>
-            <a:r>
-              <a:rPr lang="fr-CH" dirty="0">
-                <a:solidFill>
-                  <a:srgbClr val="FF0000"/>
-                </a:solidFill>
-              </a:rPr>
-              <a:t>	</a:t>
-            </a:r>
-            <a:r>
-              <a:rPr lang="fr-CH" dirty="0"/>
-              <a:t>(2) définir le domaine </a:t>
-            </a:r>
-            <a:r>
-              <a:rPr lang="fr-CH" dirty="0">
-                <a:solidFill>
-                  <a:srgbClr val="FF0000"/>
-                </a:solidFill>
-              </a:rPr>
-              <a:t>(D) </a:t>
-            </a:r>
-            <a:r>
-              <a:rPr lang="fr-CH" dirty="0"/>
-              <a:t>de chaque variable de </a:t>
-            </a:r>
-            <a:r>
-              <a:rPr lang="fr-CH" dirty="0">
-                <a:solidFill>
-                  <a:srgbClr val="FF0000"/>
-                </a:solidFill>
-              </a:rPr>
-              <a:t>(X) </a:t>
-            </a:r>
-          </a:p>
-          <a:p>
-            <a:pPr marL="0" indent="0">
-              <a:buNone/>
-            </a:pPr>
-            <a:r>
-              <a:rPr lang="fr-CH" dirty="0">
-                <a:solidFill>
-                  <a:srgbClr val="FF0000"/>
-                </a:solidFill>
-              </a:rPr>
-              <a:t>	</a:t>
-            </a:r>
-            <a:r>
-              <a:rPr lang="fr-CH" dirty="0"/>
-              <a:t>(3) on transforme les contraintes en formules mathématiques </a:t>
-            </a:r>
-            <a:r>
-              <a:rPr lang="fr-CH" dirty="0">
-                <a:solidFill>
-                  <a:srgbClr val="FF0000"/>
-                </a:solidFill>
-              </a:rPr>
-              <a:t>(C)</a:t>
-            </a:r>
-          </a:p>
-          <a:p>
-            <a:pPr marL="0" indent="0">
-              <a:buNone/>
-            </a:pPr>
-            <a:r>
-              <a:rPr lang="fr-CH" dirty="0">
-                <a:solidFill>
-                  <a:srgbClr val="FF0000"/>
-                </a:solidFill>
-              </a:rPr>
-              <a:t>	</a:t>
-            </a:r>
-            <a:r>
-              <a:rPr lang="fr-CH" dirty="0"/>
-              <a:t>(4) on exécute l’algorithme de recherche</a:t>
-            </a:r>
-          </a:p>
-          <a:p>
-            <a:pPr marL="0" indent="0">
-              <a:buNone/>
-            </a:pPr>
-            <a:r>
-              <a:rPr lang="fr-CH" dirty="0">
-                <a:solidFill>
-                  <a:srgbClr val="FF0000"/>
-                </a:solidFill>
-              </a:rPr>
-              <a:t>		 </a:t>
-            </a:r>
-            <a:r>
-              <a:rPr lang="fr-CH" dirty="0"/>
-              <a:t>	</a:t>
-            </a:r>
-            <a:endParaRPr lang="fr-CH" dirty="0">
-              <a:latin typeface="Calibri" panose="020F0502020204030204" pitchFamily="34" charset="0"/>
-            </a:endParaRPr>
-          </a:p>
-        </p:txBody>
-      </p:sp>
-      <p:pic>
-        <p:nvPicPr>
-          <p:cNvPr id="5" name="Image 4">
-            <a:extLst>
-              <a:ext uri="{FF2B5EF4-FFF2-40B4-BE49-F238E27FC236}">
-                <a16:creationId xmlns:a16="http://schemas.microsoft.com/office/drawing/2014/main" id="{251F2CFD-EC0F-4E2B-93D9-8F62DA440BC7}"/>
-              </a:ext>
-            </a:extLst>
-          </p:cNvPr>
-          <p:cNvPicPr>
-            <a:picLocks noChangeAspect="1"/>
-          </p:cNvPicPr>
-          <p:nvPr/>
-        </p:nvPicPr>
-        <p:blipFill>
-          <a:blip r:embed="rId3"/>
-          <a:stretch>
-            <a:fillRect/>
-          </a:stretch>
-        </p:blipFill>
-        <p:spPr>
-          <a:xfrm>
-            <a:off x="4106830" y="3933442"/>
-            <a:ext cx="3795460" cy="2279682"/>
-          </a:xfrm>
-          <a:prstGeom prst="rect">
-            <a:avLst/>
-          </a:prstGeom>
-        </p:spPr>
-      </p:pic>
     </p:spTree>
     <p:extLst>
       <p:ext uri="{BB962C8B-B14F-4D97-AF65-F5344CB8AC3E}">
-        <p14:creationId xmlns:p14="http://schemas.microsoft.com/office/powerpoint/2010/main" val="1534800021"/>
+        <p14:creationId xmlns:p14="http://schemas.microsoft.com/office/powerpoint/2010/main" val="718154828"/>
       </p:ext>
     </p:extLst>
   </p:cSld>

--- a/intelligenceArtificielle/Intelligence_artificielle_exam.pptx
+++ b/intelligenceArtificielle/Intelligence_artificielle_exam.pptx
@@ -5,7 +5,7 @@
     <p:sldMasterId id="2147483708" r:id="rId1"/>
   </p:sldMasterIdLst>
   <p:notesMasterIdLst>
-    <p:notesMasterId r:id="rId25"/>
+    <p:notesMasterId r:id="rId27"/>
   </p:notesMasterIdLst>
   <p:sldIdLst>
     <p:sldId id="259" r:id="rId2"/>
@@ -22,15 +22,17 @@
     <p:sldId id="281" r:id="rId13"/>
     <p:sldId id="260" r:id="rId14"/>
     <p:sldId id="261" r:id="rId15"/>
-    <p:sldId id="262" r:id="rId16"/>
-    <p:sldId id="263" r:id="rId17"/>
-    <p:sldId id="264" r:id="rId18"/>
-    <p:sldId id="265" r:id="rId19"/>
-    <p:sldId id="266" r:id="rId20"/>
-    <p:sldId id="267" r:id="rId21"/>
-    <p:sldId id="268" r:id="rId22"/>
-    <p:sldId id="269" r:id="rId23"/>
-    <p:sldId id="270" r:id="rId24"/>
+    <p:sldId id="283" r:id="rId16"/>
+    <p:sldId id="284" r:id="rId17"/>
+    <p:sldId id="262" r:id="rId18"/>
+    <p:sldId id="263" r:id="rId19"/>
+    <p:sldId id="264" r:id="rId20"/>
+    <p:sldId id="265" r:id="rId21"/>
+    <p:sldId id="266" r:id="rId22"/>
+    <p:sldId id="267" r:id="rId23"/>
+    <p:sldId id="268" r:id="rId24"/>
+    <p:sldId id="269" r:id="rId25"/>
+    <p:sldId id="270" r:id="rId26"/>
   </p:sldIdLst>
   <p:sldSz cx="12192000" cy="6858000"/>
   <p:notesSz cx="6858000" cy="9144000"/>
@@ -231,7 +233,7 @@
           <a:p>
             <a:fld id="{64CBD762-7D85-4C9B-9A27-1200EC1C67A3}" type="datetimeFigureOut">
               <a:rPr lang="fr-CH" smtClean="0"/>
-              <a:t>06.02.2021</a:t>
+              <a:t>07.02.2021</a:t>
             </a:fld>
             <a:endParaRPr lang="fr-CH"/>
           </a:p>
@@ -719,6 +721,177 @@
     <p:extLst>
       <p:ext uri="{BB962C8B-B14F-4D97-AF65-F5344CB8AC3E}">
         <p14:creationId xmlns:p14="http://schemas.microsoft.com/office/powerpoint/2010/main" val="1196366293"/>
+      </p:ext>
+    </p:extLst>
+  </p:cSld>
+  <p:clrMapOvr>
+    <a:masterClrMapping/>
+  </p:clrMapOvr>
+</p:notes>
+</file>
+
+<file path=ppt/notesSlides/notesSlide10.xml><?xml version="1.0" encoding="utf-8"?>
+<p:notes xmlns:a="http://schemas.openxmlformats.org/drawingml/2006/main" xmlns:r="http://schemas.openxmlformats.org/officeDocument/2006/relationships" xmlns:p="http://schemas.openxmlformats.org/presentationml/2006/main">
+  <p:cSld>
+    <p:spTree>
+      <p:nvGrpSpPr>
+        <p:cNvPr id="1" name=""/>
+        <p:cNvGrpSpPr/>
+        <p:nvPr/>
+      </p:nvGrpSpPr>
+      <p:grpSpPr>
+        <a:xfrm>
+          <a:off x="0" y="0"/>
+          <a:ext cx="0" cy="0"/>
+          <a:chOff x="0" y="0"/>
+          <a:chExt cx="0" cy="0"/>
+        </a:xfrm>
+      </p:grpSpPr>
+      <p:sp>
+        <p:nvSpPr>
+          <p:cNvPr id="2" name="Espace réservé de l'image des diapositives 1"/>
+          <p:cNvSpPr>
+            <a:spLocks noGrp="1" noRot="1" noChangeAspect="1"/>
+          </p:cNvSpPr>
+          <p:nvPr>
+            <p:ph type="sldImg"/>
+          </p:nvPr>
+        </p:nvSpPr>
+        <p:spPr/>
+      </p:sp>
+      <p:sp>
+        <p:nvSpPr>
+          <p:cNvPr id="3" name="Espace réservé des notes 2"/>
+          <p:cNvSpPr>
+            <a:spLocks noGrp="1"/>
+          </p:cNvSpPr>
+          <p:nvPr>
+            <p:ph type="body" idx="1"/>
+          </p:nvPr>
+        </p:nvSpPr>
+        <p:spPr/>
+        <p:txBody>
+          <a:bodyPr/>
+          <a:lstStyle/>
+          <a:p>
+            <a:r>
+              <a:rPr lang="fr-CH" dirty="0"/>
+              <a:t>Si un fait est non décrit, alors il est faux</a:t>
+            </a:r>
+          </a:p>
+        </p:txBody>
+      </p:sp>
+      <p:sp>
+        <p:nvSpPr>
+          <p:cNvPr id="4" name="Espace réservé du numéro de diapositive 3"/>
+          <p:cNvSpPr>
+            <a:spLocks noGrp="1"/>
+          </p:cNvSpPr>
+          <p:nvPr>
+            <p:ph type="sldNum" sz="quarter" idx="5"/>
+          </p:nvPr>
+        </p:nvSpPr>
+        <p:spPr/>
+        <p:txBody>
+          <a:bodyPr/>
+          <a:lstStyle/>
+          <a:p>
+            <a:fld id="{FD6302D7-B1E1-4874-8725-B1250A89F460}" type="slidenum">
+              <a:rPr lang="fr-CH" smtClean="0"/>
+              <a:t>15</a:t>
+            </a:fld>
+            <a:endParaRPr lang="fr-CH"/>
+          </a:p>
+        </p:txBody>
+      </p:sp>
+    </p:spTree>
+    <p:extLst>
+      <p:ext uri="{BB962C8B-B14F-4D97-AF65-F5344CB8AC3E}">
+        <p14:creationId xmlns:p14="http://schemas.microsoft.com/office/powerpoint/2010/main" val="2895773842"/>
+      </p:ext>
+    </p:extLst>
+  </p:cSld>
+  <p:clrMapOvr>
+    <a:masterClrMapping/>
+  </p:clrMapOvr>
+</p:notes>
+</file>
+
+<file path=ppt/notesSlides/notesSlide11.xml><?xml version="1.0" encoding="utf-8"?>
+<p:notes xmlns:a="http://schemas.openxmlformats.org/drawingml/2006/main" xmlns:r="http://schemas.openxmlformats.org/officeDocument/2006/relationships" xmlns:p="http://schemas.openxmlformats.org/presentationml/2006/main">
+  <p:cSld>
+    <p:spTree>
+      <p:nvGrpSpPr>
+        <p:cNvPr id="1" name=""/>
+        <p:cNvGrpSpPr/>
+        <p:nvPr/>
+      </p:nvGrpSpPr>
+      <p:grpSpPr>
+        <a:xfrm>
+          <a:off x="0" y="0"/>
+          <a:ext cx="0" cy="0"/>
+          <a:chOff x="0" y="0"/>
+          <a:chExt cx="0" cy="0"/>
+        </a:xfrm>
+      </p:grpSpPr>
+      <p:sp>
+        <p:nvSpPr>
+          <p:cNvPr id="2" name="Espace réservé de l'image des diapositives 1"/>
+          <p:cNvSpPr>
+            <a:spLocks noGrp="1" noRot="1" noChangeAspect="1"/>
+          </p:cNvSpPr>
+          <p:nvPr>
+            <p:ph type="sldImg"/>
+          </p:nvPr>
+        </p:nvSpPr>
+        <p:spPr/>
+      </p:sp>
+      <p:sp>
+        <p:nvSpPr>
+          <p:cNvPr id="3" name="Espace réservé des notes 2"/>
+          <p:cNvSpPr>
+            <a:spLocks noGrp="1"/>
+          </p:cNvSpPr>
+          <p:nvPr>
+            <p:ph type="body" idx="1"/>
+          </p:nvPr>
+        </p:nvSpPr>
+        <p:spPr/>
+        <p:txBody>
+          <a:bodyPr/>
+          <a:lstStyle/>
+          <a:p>
+            <a:endParaRPr lang="fr-CH" dirty="0"/>
+          </a:p>
+        </p:txBody>
+      </p:sp>
+      <p:sp>
+        <p:nvSpPr>
+          <p:cNvPr id="4" name="Espace réservé du numéro de diapositive 3"/>
+          <p:cNvSpPr>
+            <a:spLocks noGrp="1"/>
+          </p:cNvSpPr>
+          <p:nvPr>
+            <p:ph type="sldNum" sz="quarter" idx="5"/>
+          </p:nvPr>
+        </p:nvSpPr>
+        <p:spPr/>
+        <p:txBody>
+          <a:bodyPr/>
+          <a:lstStyle/>
+          <a:p>
+            <a:fld id="{FD6302D7-B1E1-4874-8725-B1250A89F460}" type="slidenum">
+              <a:rPr lang="fr-CH" smtClean="0"/>
+              <a:t>16</a:t>
+            </a:fld>
+            <a:endParaRPr lang="fr-CH"/>
+          </a:p>
+        </p:txBody>
+      </p:sp>
+    </p:spTree>
+    <p:extLst>
+      <p:ext uri="{BB962C8B-B14F-4D97-AF65-F5344CB8AC3E}">
+        <p14:creationId xmlns:p14="http://schemas.microsoft.com/office/powerpoint/2010/main" val="2831454439"/>
       </p:ext>
     </p:extLst>
   </p:cSld>
@@ -2000,7 +2173,7 @@
           <a:p>
             <a:fld id="{46EFA6A2-3031-45FF-BDA0-75ECB34C33B1}" type="datetimeFigureOut">
               <a:rPr lang="en-GB" smtClean="0"/>
-              <a:t>06/02/2021</a:t>
+              <a:t>07/02/2021</a:t>
             </a:fld>
             <a:endParaRPr lang="en-GB"/>
           </a:p>
@@ -2200,7 +2373,7 @@
           <a:p>
             <a:fld id="{46EFA6A2-3031-45FF-BDA0-75ECB34C33B1}" type="datetimeFigureOut">
               <a:rPr lang="en-GB" smtClean="0"/>
-              <a:t>06/02/2021</a:t>
+              <a:t>07/02/2021</a:t>
             </a:fld>
             <a:endParaRPr lang="en-GB"/>
           </a:p>
@@ -2410,7 +2583,7 @@
           <a:p>
             <a:fld id="{46EFA6A2-3031-45FF-BDA0-75ECB34C33B1}" type="datetimeFigureOut">
               <a:rPr lang="en-GB" smtClean="0"/>
-              <a:t>06/02/2021</a:t>
+              <a:t>07/02/2021</a:t>
             </a:fld>
             <a:endParaRPr lang="en-GB"/>
           </a:p>
@@ -2610,7 +2783,7 @@
           <a:p>
             <a:fld id="{46EFA6A2-3031-45FF-BDA0-75ECB34C33B1}" type="datetimeFigureOut">
               <a:rPr lang="en-GB" smtClean="0"/>
-              <a:t>06/02/2021</a:t>
+              <a:t>07/02/2021</a:t>
             </a:fld>
             <a:endParaRPr lang="en-GB"/>
           </a:p>
@@ -2886,7 +3059,7 @@
           <a:p>
             <a:fld id="{46EFA6A2-3031-45FF-BDA0-75ECB34C33B1}" type="datetimeFigureOut">
               <a:rPr lang="en-GB" smtClean="0"/>
-              <a:t>06/02/2021</a:t>
+              <a:t>07/02/2021</a:t>
             </a:fld>
             <a:endParaRPr lang="en-GB"/>
           </a:p>
@@ -3154,7 +3327,7 @@
           <a:p>
             <a:fld id="{46EFA6A2-3031-45FF-BDA0-75ECB34C33B1}" type="datetimeFigureOut">
               <a:rPr lang="en-GB" smtClean="0"/>
-              <a:t>06/02/2021</a:t>
+              <a:t>07/02/2021</a:t>
             </a:fld>
             <a:endParaRPr lang="en-GB"/>
           </a:p>
@@ -3569,7 +3742,7 @@
           <a:p>
             <a:fld id="{46EFA6A2-3031-45FF-BDA0-75ECB34C33B1}" type="datetimeFigureOut">
               <a:rPr lang="en-GB" smtClean="0"/>
-              <a:t>06/02/2021</a:t>
+              <a:t>07/02/2021</a:t>
             </a:fld>
             <a:endParaRPr lang="en-GB"/>
           </a:p>
@@ -3711,7 +3884,7 @@
           <a:p>
             <a:fld id="{46EFA6A2-3031-45FF-BDA0-75ECB34C33B1}" type="datetimeFigureOut">
               <a:rPr lang="en-GB" smtClean="0"/>
-              <a:t>06/02/2021</a:t>
+              <a:t>07/02/2021</a:t>
             </a:fld>
             <a:endParaRPr lang="en-GB"/>
           </a:p>
@@ -3824,7 +3997,7 @@
           <a:p>
             <a:fld id="{46EFA6A2-3031-45FF-BDA0-75ECB34C33B1}" type="datetimeFigureOut">
               <a:rPr lang="en-GB" smtClean="0"/>
-              <a:t>06/02/2021</a:t>
+              <a:t>07/02/2021</a:t>
             </a:fld>
             <a:endParaRPr lang="en-GB"/>
           </a:p>
@@ -4137,7 +4310,7 @@
           <a:p>
             <a:fld id="{46EFA6A2-3031-45FF-BDA0-75ECB34C33B1}" type="datetimeFigureOut">
               <a:rPr lang="en-GB" smtClean="0"/>
-              <a:t>06/02/2021</a:t>
+              <a:t>07/02/2021</a:t>
             </a:fld>
             <a:endParaRPr lang="en-GB"/>
           </a:p>
@@ -4426,7 +4599,7 @@
           <a:p>
             <a:fld id="{46EFA6A2-3031-45FF-BDA0-75ECB34C33B1}" type="datetimeFigureOut">
               <a:rPr lang="en-GB" smtClean="0"/>
-              <a:t>06/02/2021</a:t>
+              <a:t>07/02/2021</a:t>
             </a:fld>
             <a:endParaRPr lang="en-GB"/>
           </a:p>
@@ -4669,7 +4842,7 @@
           <a:p>
             <a:fld id="{46EFA6A2-3031-45FF-BDA0-75ECB34C33B1}" type="datetimeFigureOut">
               <a:rPr lang="en-GB" smtClean="0"/>
-              <a:t>06/02/2021</a:t>
+              <a:t>07/02/2021</a:t>
             </a:fld>
             <a:endParaRPr lang="en-GB"/>
           </a:p>
@@ -6358,8 +6531,8 @@
           </a:p>
         </p:txBody>
       </p:sp>
-      <mc:AlternateContent xmlns:mc="http://schemas.openxmlformats.org/markup-compatibility/2006">
-        <mc:Choice xmlns:a14="http://schemas.microsoft.com/office/drawing/2010/main" Requires="a14">
+      <mc:AlternateContent xmlns:mc="http://schemas.openxmlformats.org/markup-compatibility/2006" xmlns:a14="http://schemas.microsoft.com/office/drawing/2010/main">
+        <mc:Choice Requires="a14">
           <p:sp>
             <p:nvSpPr>
               <p:cNvPr id="7" name="Espace réservé du contenu 6">
@@ -6704,7 +6877,7 @@
             </p:txBody>
           </p:sp>
         </mc:Choice>
-        <mc:Fallback>
+        <mc:Fallback xmlns="">
           <p:sp>
             <p:nvSpPr>
               <p:cNvPr id="7" name="Espace réservé du contenu 6">
@@ -7444,46 +7617,35 @@
             <a:r>
               <a:rPr lang="fr-FR" sz="1400" dirty="0">
                 <a:solidFill>
+                  <a:schemeClr val="accent1"/>
+                </a:solidFill>
+                <a:effectLst/>
+                <a:latin typeface="Arial" panose="020B0604020202020204" pitchFamily="34" charset="0"/>
+              </a:rPr>
+              <a:t>5.</a:t>
+            </a:r>
+            <a:r>
+              <a:rPr lang="fr-FR" sz="1400" dirty="0">
+                <a:effectLst/>
+                <a:latin typeface="Arial" panose="020B0604020202020204" pitchFamily="34" charset="0"/>
+              </a:rPr>
+              <a:t>Planification:Qu’est-ceque la planification? Quel est la spécificité de l’approche proposée par rapport aux autres méthodes de recherche? Comment se caractérise un état, </a:t>
+            </a:r>
+            <a:r>
+              <a:rPr lang="fr-FR" sz="1400" dirty="0">
+                <a:solidFill>
                   <a:srgbClr val="FF0000"/>
                 </a:solidFill>
                 <a:effectLst/>
                 <a:latin typeface="Arial" panose="020B0604020202020204" pitchFamily="34" charset="0"/>
               </a:rPr>
-              <a:t>5.</a:t>
-            </a:r>
-            <a:r>
-              <a:rPr lang="fr-FR" sz="1400" dirty="0">
-                <a:effectLst/>
-                <a:latin typeface="Arial" panose="020B0604020202020204" pitchFamily="34" charset="0"/>
-              </a:rPr>
-              <a:t>Planification:Qu’est-ceque la planification? Quel est la spécificité de l’approche proposée par rapport aux autres méthodes de recherche? Comment se caractérise un état, une action? Décrivez le chainage et la planification non-linéaire. Développez un exemple.</a:t>
-            </a:r>
-            <a:endParaRPr lang="en-GB" sz="1400" dirty="0"/>
-          </a:p>
-        </p:txBody>
-      </p:sp>
-      <p:sp>
-        <p:nvSpPr>
-          <p:cNvPr id="3" name="Espace réservé du contenu 2">
-            <a:extLst>
-              <a:ext uri="{FF2B5EF4-FFF2-40B4-BE49-F238E27FC236}">
-                <a16:creationId xmlns:a16="http://schemas.microsoft.com/office/drawing/2014/main" id="{55ECBF04-F52F-4B3F-9304-4E4A2E668DA9}"/>
-              </a:ext>
-            </a:extLst>
-          </p:cNvPr>
-          <p:cNvSpPr>
-            <a:spLocks noGrp="1"/>
-          </p:cNvSpPr>
-          <p:nvPr>
-            <p:ph idx="1"/>
-          </p:nvPr>
-        </p:nvSpPr>
-        <p:spPr/>
-        <p:txBody>
-          <a:bodyPr/>
-          <a:lstStyle/>
-          <a:p>
-            <a:endParaRPr lang="en-GB" dirty="0"/>
+              <a:t>une action? Décrivez le chainage et la planification non-linéaire. Développez un exemple.</a:t>
+            </a:r>
+            <a:endParaRPr lang="en-GB" sz="1400" dirty="0">
+              <a:solidFill>
+                <a:srgbClr val="FF0000"/>
+              </a:solidFill>
+            </a:endParaRPr>
           </a:p>
         </p:txBody>
       </p:sp>
@@ -7547,6 +7709,92 @@
                 <a:schemeClr val="accent1"/>
               </a:solidFill>
             </a:endParaRPr>
+          </a:p>
+        </p:txBody>
+      </p:sp>
+      <p:sp>
+        <p:nvSpPr>
+          <p:cNvPr id="7" name="Espace réservé du contenu 6">
+            <a:extLst>
+              <a:ext uri="{FF2B5EF4-FFF2-40B4-BE49-F238E27FC236}">
+                <a16:creationId xmlns:a16="http://schemas.microsoft.com/office/drawing/2014/main" id="{3D55E672-ECD8-46BD-97C2-AAA56DB9D48A}"/>
+              </a:ext>
+            </a:extLst>
+          </p:cNvPr>
+          <p:cNvSpPr>
+            <a:spLocks noGrp="1"/>
+          </p:cNvSpPr>
+          <p:nvPr>
+            <p:ph idx="1"/>
+          </p:nvPr>
+        </p:nvSpPr>
+        <p:spPr>
+          <a:xfrm>
+            <a:off x="838200" y="1690688"/>
+            <a:ext cx="10515600" cy="3928127"/>
+          </a:xfrm>
+        </p:spPr>
+        <p:txBody>
+          <a:bodyPr>
+            <a:normAutofit/>
+          </a:bodyPr>
+          <a:lstStyle/>
+          <a:p>
+            <a:r>
+              <a:rPr lang="fr-CH" dirty="0">
+                <a:solidFill>
+                  <a:schemeClr val="tx1"/>
+                </a:solidFill>
+              </a:rPr>
+              <a:t>La planification est le problème de produire une séquence d’actions (un plan) menant à un objectif fixé</a:t>
+            </a:r>
+          </a:p>
+          <a:p>
+            <a:pPr marL="0" indent="0">
+              <a:buNone/>
+            </a:pPr>
+            <a:endParaRPr lang="fr-CH" dirty="0">
+              <a:solidFill>
+                <a:schemeClr val="tx1"/>
+              </a:solidFill>
+            </a:endParaRPr>
+          </a:p>
+          <a:p>
+            <a:r>
+              <a:rPr lang="fr-CH" dirty="0"/>
+              <a:t>Les méthodes de recherche vu précédemment sont un cas particulier de la planification ou les outils utilisés sont des structures de données (graphe/arbre) et des algorithmes de recherche dans ces structures</a:t>
+            </a:r>
+          </a:p>
+          <a:p>
+            <a:pPr marL="0" indent="0">
+              <a:buNone/>
+            </a:pPr>
+            <a:endParaRPr lang="fr-CH" dirty="0"/>
+          </a:p>
+          <a:p>
+            <a:r>
+              <a:rPr lang="fr-CH" dirty="0"/>
+              <a:t>Chez la planification on va utiliser des outils de la logique</a:t>
+            </a:r>
+          </a:p>
+          <a:p>
+            <a:endParaRPr lang="fr-CH" dirty="0">
+              <a:solidFill>
+                <a:schemeClr val="tx1"/>
+              </a:solidFill>
+            </a:endParaRPr>
+          </a:p>
+          <a:p>
+            <a:pPr lvl="1"/>
+            <a:endParaRPr lang="fr-CH" dirty="0">
+              <a:solidFill>
+                <a:srgbClr val="FF0000"/>
+              </a:solidFill>
+            </a:endParaRPr>
+          </a:p>
+          <a:p>
+            <a:pPr lvl="1"/>
+            <a:endParaRPr lang="fr-CH" dirty="0"/>
           </a:p>
         </p:txBody>
       </p:sp>
@@ -7585,7 +7833,7 @@
           <p:cNvPr id="2" name="Titre 1">
             <a:extLst>
               <a:ext uri="{FF2B5EF4-FFF2-40B4-BE49-F238E27FC236}">
-                <a16:creationId xmlns:a16="http://schemas.microsoft.com/office/drawing/2014/main" id="{21766C66-1FE8-40A6-86E7-67715FC56E02}"/>
+                <a16:creationId xmlns:a16="http://schemas.microsoft.com/office/drawing/2014/main" id="{1DE24D75-C6DE-4394-A51C-5EF310010BA5}"/>
               </a:ext>
             </a:extLst>
           </p:cNvPr>
@@ -7595,106 +7843,16 @@
           <p:nvPr>
             <p:ph type="title"/>
           </p:nvPr>
-        </p:nvSpPr>
-        <p:spPr/>
-        <p:txBody>
-          <a:bodyPr>
-            <a:normAutofit/>
-          </a:bodyPr>
-          <a:lstStyle/>
-          <a:p>
-            <a:r>
-              <a:rPr lang="fr-FR" sz="1400" dirty="0">
-                <a:solidFill>
-                  <a:srgbClr val="FF0000"/>
-                </a:solidFill>
-                <a:effectLst/>
-                <a:latin typeface="Arial" panose="020B0604020202020204" pitchFamily="34" charset="0"/>
-              </a:rPr>
-              <a:t>6.</a:t>
-            </a:r>
-            <a:r>
-              <a:rPr lang="fr-FR" sz="1400" dirty="0">
-                <a:effectLst/>
-                <a:latin typeface="Arial" panose="020B0604020202020204" pitchFamily="34" charset="0"/>
-              </a:rPr>
-              <a:t>Modèle de graphes probabilistes: Donnez la définition d’un PGM en relation avec les notions de probabilités. Quelle est l’utilité d’utiliser un PGM ?Donnez un exemple d’utilisation. Quel est l’impact de l’indépendance conditionnelle dans les PGM? On pourra faire le lien avec les outils Bayésiens type Naïve Bayes ou Réseaux Bayésiens.</a:t>
-            </a:r>
-            <a:endParaRPr lang="en-GB" sz="1400" dirty="0"/>
-          </a:p>
-        </p:txBody>
-      </p:sp>
-      <p:sp>
-        <p:nvSpPr>
-          <p:cNvPr id="3" name="Espace réservé du contenu 2">
-            <a:extLst>
-              <a:ext uri="{FF2B5EF4-FFF2-40B4-BE49-F238E27FC236}">
-                <a16:creationId xmlns:a16="http://schemas.microsoft.com/office/drawing/2014/main" id="{55ECBF04-F52F-4B3F-9304-4E4A2E668DA9}"/>
-              </a:ext>
-            </a:extLst>
-          </p:cNvPr>
-          <p:cNvSpPr>
-            <a:spLocks noGrp="1"/>
-          </p:cNvSpPr>
-          <p:nvPr>
-            <p:ph idx="1"/>
-          </p:nvPr>
-        </p:nvSpPr>
-        <p:spPr/>
-        <p:txBody>
-          <a:bodyPr/>
-          <a:lstStyle/>
-          <a:p>
-            <a:endParaRPr lang="en-GB" dirty="0"/>
-          </a:p>
-        </p:txBody>
-      </p:sp>
-      <p:sp>
-        <p:nvSpPr>
-          <p:cNvPr id="4" name="Titre 1">
-            <a:extLst>
-              <a:ext uri="{FF2B5EF4-FFF2-40B4-BE49-F238E27FC236}">
-                <a16:creationId xmlns:a16="http://schemas.microsoft.com/office/drawing/2014/main" id="{50FEB119-743C-40D1-A98F-42351A7BA003}"/>
-              </a:ext>
-            </a:extLst>
-          </p:cNvPr>
-          <p:cNvSpPr txBox="1">
-            <a:spLocks/>
-          </p:cNvSpPr>
-          <p:nvPr/>
         </p:nvSpPr>
         <p:spPr>
           <a:xfrm>
             <a:off x="0" y="-316992"/>
             <a:ext cx="746760" cy="1325563"/>
           </a:xfrm>
-          <a:prstGeom prst="rect">
-            <a:avLst/>
-          </a:prstGeom>
         </p:spPr>
         <p:txBody>
-          <a:bodyPr vert="horz" lIns="91440" tIns="45720" rIns="91440" bIns="45720" rtlCol="0" anchor="ctr">
-            <a:normAutofit/>
-          </a:bodyPr>
-          <a:lstStyle>
-            <a:lvl1pPr algn="l" defTabSz="914400" rtl="0" eaLnBrk="1" latinLnBrk="0" hangingPunct="1">
-              <a:lnSpc>
-                <a:spcPct val="90000"/>
-              </a:lnSpc>
-              <a:spcBef>
-                <a:spcPct val="0"/>
-              </a:spcBef>
-              <a:buNone/>
-              <a:defRPr sz="4400" kern="1200">
-                <a:solidFill>
-                  <a:schemeClr val="tx1"/>
-                </a:solidFill>
-                <a:latin typeface="+mj-lt"/>
-                <a:ea typeface="+mj-ea"/>
-                <a:cs typeface="+mj-cs"/>
-              </a:defRPr>
-            </a:lvl1pPr>
-          </a:lstStyle>
+          <a:bodyPr/>
+          <a:lstStyle/>
           <a:p>
             <a:r>
               <a:rPr lang="fr-CH" dirty="0">
@@ -7702,7 +7860,7 @@
                   <a:schemeClr val="accent1"/>
                 </a:solidFill>
               </a:rPr>
-              <a:t>6.</a:t>
+              <a:t>5.</a:t>
             </a:r>
             <a:endParaRPr lang="en-GB" dirty="0">
               <a:solidFill>
@@ -7712,10 +7870,428 @@
           </a:p>
         </p:txBody>
       </p:sp>
+      <p:sp>
+        <p:nvSpPr>
+          <p:cNvPr id="4" name="ZoneTexte 3">
+            <a:extLst>
+              <a:ext uri="{FF2B5EF4-FFF2-40B4-BE49-F238E27FC236}">
+                <a16:creationId xmlns:a16="http://schemas.microsoft.com/office/drawing/2014/main" id="{B4A469F4-C262-4F6E-8D5D-858330AC98E0}"/>
+              </a:ext>
+            </a:extLst>
+          </p:cNvPr>
+          <p:cNvSpPr txBox="1"/>
+          <p:nvPr/>
+        </p:nvSpPr>
+        <p:spPr>
+          <a:xfrm>
+            <a:off x="746760" y="161123"/>
+            <a:ext cx="10515600" cy="369332"/>
+          </a:xfrm>
+          <a:prstGeom prst="rect">
+            <a:avLst/>
+          </a:prstGeom>
+          <a:noFill/>
+        </p:spPr>
+        <p:txBody>
+          <a:bodyPr wrap="square" rtlCol="0">
+            <a:spAutoFit/>
+          </a:bodyPr>
+          <a:lstStyle/>
+          <a:p>
+            <a:r>
+              <a:rPr lang="fr-FR" sz="1800" dirty="0">
+                <a:solidFill>
+                  <a:schemeClr val="accent1"/>
+                </a:solidFill>
+                <a:effectLst/>
+                <a:latin typeface="Arial" panose="020B0604020202020204" pitchFamily="34" charset="0"/>
+              </a:rPr>
+              <a:t>Comment se caractérise un état, une action?</a:t>
+            </a:r>
+            <a:endParaRPr lang="en-GB" dirty="0">
+              <a:solidFill>
+                <a:schemeClr val="accent1"/>
+              </a:solidFill>
+            </a:endParaRPr>
+          </a:p>
+        </p:txBody>
+      </p:sp>
+      <p:sp>
+        <p:nvSpPr>
+          <p:cNvPr id="11" name="Espace réservé du contenu 6">
+            <a:extLst>
+              <a:ext uri="{FF2B5EF4-FFF2-40B4-BE49-F238E27FC236}">
+                <a16:creationId xmlns:a16="http://schemas.microsoft.com/office/drawing/2014/main" id="{F8649F77-2E94-4A5C-BAB8-D53A16EA8923}"/>
+              </a:ext>
+            </a:extLst>
+          </p:cNvPr>
+          <p:cNvSpPr>
+            <a:spLocks noGrp="1"/>
+          </p:cNvSpPr>
+          <p:nvPr>
+            <p:ph idx="1"/>
+          </p:nvPr>
+        </p:nvSpPr>
+        <p:spPr>
+          <a:xfrm>
+            <a:off x="838200" y="1008570"/>
+            <a:ext cx="10515600" cy="1516145"/>
+          </a:xfrm>
+        </p:spPr>
+        <p:txBody>
+          <a:bodyPr>
+            <a:normAutofit/>
+          </a:bodyPr>
+          <a:lstStyle/>
+          <a:p>
+            <a:r>
+              <a:rPr lang="fr-CH" dirty="0">
+                <a:solidFill>
+                  <a:schemeClr val="tx1"/>
+                </a:solidFill>
+              </a:rPr>
+              <a:t>Un état S est décrit par des faits.</a:t>
+            </a:r>
+          </a:p>
+          <a:p>
+            <a:r>
+              <a:rPr lang="fr-CH" dirty="0"/>
+              <a:t>Un fait est une proposition vraie, l’ensemble de </a:t>
+            </a:r>
+            <a:r>
+              <a:rPr lang="fr-CH" b="1" dirty="0"/>
+              <a:t>tous</a:t>
+            </a:r>
+            <a:r>
+              <a:rPr lang="fr-CH" dirty="0"/>
+              <a:t> les faits qui sont vrais décrivent l’état.  </a:t>
+            </a:r>
+          </a:p>
+          <a:p>
+            <a:endParaRPr lang="fr-CH" dirty="0">
+              <a:solidFill>
+                <a:schemeClr val="tx1"/>
+              </a:solidFill>
+            </a:endParaRPr>
+          </a:p>
+          <a:p>
+            <a:pPr lvl="1"/>
+            <a:endParaRPr lang="fr-CH" dirty="0">
+              <a:solidFill>
+                <a:srgbClr val="FF0000"/>
+              </a:solidFill>
+            </a:endParaRPr>
+          </a:p>
+          <a:p>
+            <a:pPr lvl="1"/>
+            <a:endParaRPr lang="fr-CH" dirty="0"/>
+          </a:p>
+        </p:txBody>
+      </p:sp>
+      <p:pic>
+        <p:nvPicPr>
+          <p:cNvPr id="13" name="Image 12">
+            <a:extLst>
+              <a:ext uri="{FF2B5EF4-FFF2-40B4-BE49-F238E27FC236}">
+                <a16:creationId xmlns:a16="http://schemas.microsoft.com/office/drawing/2014/main" id="{EDCCC013-8563-4EFC-A434-5A2E122EC04B}"/>
+              </a:ext>
+            </a:extLst>
+          </p:cNvPr>
+          <p:cNvPicPr>
+            <a:picLocks noChangeAspect="1"/>
+          </p:cNvPicPr>
+          <p:nvPr/>
+        </p:nvPicPr>
+        <p:blipFill>
+          <a:blip r:embed="rId3"/>
+          <a:stretch>
+            <a:fillRect/>
+          </a:stretch>
+        </p:blipFill>
+        <p:spPr>
+          <a:xfrm>
+            <a:off x="838200" y="2821777"/>
+            <a:ext cx="1963624" cy="3023018"/>
+          </a:xfrm>
+          <a:prstGeom prst="rect">
+            <a:avLst/>
+          </a:prstGeom>
+        </p:spPr>
+      </p:pic>
+      <p:sp>
+        <p:nvSpPr>
+          <p:cNvPr id="14" name="Espace réservé du contenu 6">
+            <a:extLst>
+              <a:ext uri="{FF2B5EF4-FFF2-40B4-BE49-F238E27FC236}">
+                <a16:creationId xmlns:a16="http://schemas.microsoft.com/office/drawing/2014/main" id="{FB467FB3-66DE-47F9-89F8-F6D2EC807F5C}"/>
+              </a:ext>
+            </a:extLst>
+          </p:cNvPr>
+          <p:cNvSpPr txBox="1">
+            <a:spLocks/>
+          </p:cNvSpPr>
+          <p:nvPr/>
+        </p:nvSpPr>
+        <p:spPr>
+          <a:xfrm>
+            <a:off x="3908453" y="2918882"/>
+            <a:ext cx="7841182" cy="3651851"/>
+          </a:xfrm>
+          <a:prstGeom prst="rect">
+            <a:avLst/>
+          </a:prstGeom>
+        </p:spPr>
+        <p:txBody>
+          <a:bodyPr vert="horz" lIns="91440" tIns="45720" rIns="91440" bIns="45720" rtlCol="0">
+            <a:normAutofit/>
+          </a:bodyPr>
+          <a:lstStyle>
+            <a:lvl1pPr marL="228600" indent="-228600" algn="l" defTabSz="914400" rtl="0" eaLnBrk="1" latinLnBrk="0" hangingPunct="1">
+              <a:lnSpc>
+                <a:spcPct val="90000"/>
+              </a:lnSpc>
+              <a:spcBef>
+                <a:spcPts val="1000"/>
+              </a:spcBef>
+              <a:buFont typeface="Arial" panose="020B0604020202020204" pitchFamily="34" charset="0"/>
+              <a:buChar char="•"/>
+              <a:defRPr sz="2800" kern="1200">
+                <a:solidFill>
+                  <a:schemeClr val="tx1"/>
+                </a:solidFill>
+                <a:latin typeface="+mn-lt"/>
+                <a:ea typeface="+mn-ea"/>
+                <a:cs typeface="+mn-cs"/>
+              </a:defRPr>
+            </a:lvl1pPr>
+            <a:lvl2pPr marL="685800" indent="-228600" algn="l" defTabSz="914400" rtl="0" eaLnBrk="1" latinLnBrk="0" hangingPunct="1">
+              <a:lnSpc>
+                <a:spcPct val="90000"/>
+              </a:lnSpc>
+              <a:spcBef>
+                <a:spcPts val="500"/>
+              </a:spcBef>
+              <a:buFont typeface="Arial" panose="020B0604020202020204" pitchFamily="34" charset="0"/>
+              <a:buChar char="•"/>
+              <a:defRPr sz="2400" kern="1200">
+                <a:solidFill>
+                  <a:schemeClr val="tx1"/>
+                </a:solidFill>
+                <a:latin typeface="+mn-lt"/>
+                <a:ea typeface="+mn-ea"/>
+                <a:cs typeface="+mn-cs"/>
+              </a:defRPr>
+            </a:lvl2pPr>
+            <a:lvl3pPr marL="1143000" indent="-228600" algn="l" defTabSz="914400" rtl="0" eaLnBrk="1" latinLnBrk="0" hangingPunct="1">
+              <a:lnSpc>
+                <a:spcPct val="90000"/>
+              </a:lnSpc>
+              <a:spcBef>
+                <a:spcPts val="500"/>
+              </a:spcBef>
+              <a:buFont typeface="Arial" panose="020B0604020202020204" pitchFamily="34" charset="0"/>
+              <a:buChar char="•"/>
+              <a:defRPr sz="2000" kern="1200">
+                <a:solidFill>
+                  <a:schemeClr val="tx1"/>
+                </a:solidFill>
+                <a:latin typeface="+mn-lt"/>
+                <a:ea typeface="+mn-ea"/>
+                <a:cs typeface="+mn-cs"/>
+              </a:defRPr>
+            </a:lvl3pPr>
+            <a:lvl4pPr marL="1600200" indent="-228600" algn="l" defTabSz="914400" rtl="0" eaLnBrk="1" latinLnBrk="0" hangingPunct="1">
+              <a:lnSpc>
+                <a:spcPct val="90000"/>
+              </a:lnSpc>
+              <a:spcBef>
+                <a:spcPts val="500"/>
+              </a:spcBef>
+              <a:buFont typeface="Arial" panose="020B0604020202020204" pitchFamily="34" charset="0"/>
+              <a:buChar char="•"/>
+              <a:defRPr sz="1800" kern="1200">
+                <a:solidFill>
+                  <a:schemeClr val="tx1"/>
+                </a:solidFill>
+                <a:latin typeface="+mn-lt"/>
+                <a:ea typeface="+mn-ea"/>
+                <a:cs typeface="+mn-cs"/>
+              </a:defRPr>
+            </a:lvl4pPr>
+            <a:lvl5pPr marL="2057400" indent="-228600" algn="l" defTabSz="914400" rtl="0" eaLnBrk="1" latinLnBrk="0" hangingPunct="1">
+              <a:lnSpc>
+                <a:spcPct val="90000"/>
+              </a:lnSpc>
+              <a:spcBef>
+                <a:spcPts val="500"/>
+              </a:spcBef>
+              <a:buFont typeface="Arial" panose="020B0604020202020204" pitchFamily="34" charset="0"/>
+              <a:buChar char="•"/>
+              <a:defRPr sz="1800" kern="1200">
+                <a:solidFill>
+                  <a:schemeClr val="tx1"/>
+                </a:solidFill>
+                <a:latin typeface="+mn-lt"/>
+                <a:ea typeface="+mn-ea"/>
+                <a:cs typeface="+mn-cs"/>
+              </a:defRPr>
+            </a:lvl5pPr>
+            <a:lvl6pPr marL="2514600" indent="-228600" algn="l" defTabSz="914400" rtl="0" eaLnBrk="1" latinLnBrk="0" hangingPunct="1">
+              <a:lnSpc>
+                <a:spcPct val="90000"/>
+              </a:lnSpc>
+              <a:spcBef>
+                <a:spcPts val="500"/>
+              </a:spcBef>
+              <a:buFont typeface="Arial" panose="020B0604020202020204" pitchFamily="34" charset="0"/>
+              <a:buChar char="•"/>
+              <a:defRPr sz="1800" kern="1200">
+                <a:solidFill>
+                  <a:schemeClr val="tx1"/>
+                </a:solidFill>
+                <a:latin typeface="+mn-lt"/>
+                <a:ea typeface="+mn-ea"/>
+                <a:cs typeface="+mn-cs"/>
+              </a:defRPr>
+            </a:lvl6pPr>
+            <a:lvl7pPr marL="2971800" indent="-228600" algn="l" defTabSz="914400" rtl="0" eaLnBrk="1" latinLnBrk="0" hangingPunct="1">
+              <a:lnSpc>
+                <a:spcPct val="90000"/>
+              </a:lnSpc>
+              <a:spcBef>
+                <a:spcPts val="500"/>
+              </a:spcBef>
+              <a:buFont typeface="Arial" panose="020B0604020202020204" pitchFamily="34" charset="0"/>
+              <a:buChar char="•"/>
+              <a:defRPr sz="1800" kern="1200">
+                <a:solidFill>
+                  <a:schemeClr val="tx1"/>
+                </a:solidFill>
+                <a:latin typeface="+mn-lt"/>
+                <a:ea typeface="+mn-ea"/>
+                <a:cs typeface="+mn-cs"/>
+              </a:defRPr>
+            </a:lvl7pPr>
+            <a:lvl8pPr marL="3429000" indent="-228600" algn="l" defTabSz="914400" rtl="0" eaLnBrk="1" latinLnBrk="0" hangingPunct="1">
+              <a:lnSpc>
+                <a:spcPct val="90000"/>
+              </a:lnSpc>
+              <a:spcBef>
+                <a:spcPts val="500"/>
+              </a:spcBef>
+              <a:buFont typeface="Arial" panose="020B0604020202020204" pitchFamily="34" charset="0"/>
+              <a:buChar char="•"/>
+              <a:defRPr sz="1800" kern="1200">
+                <a:solidFill>
+                  <a:schemeClr val="tx1"/>
+                </a:solidFill>
+                <a:latin typeface="+mn-lt"/>
+                <a:ea typeface="+mn-ea"/>
+                <a:cs typeface="+mn-cs"/>
+              </a:defRPr>
+            </a:lvl8pPr>
+            <a:lvl9pPr marL="3886200" indent="-228600" algn="l" defTabSz="914400" rtl="0" eaLnBrk="1" latinLnBrk="0" hangingPunct="1">
+              <a:lnSpc>
+                <a:spcPct val="90000"/>
+              </a:lnSpc>
+              <a:spcBef>
+                <a:spcPts val="500"/>
+              </a:spcBef>
+              <a:buFont typeface="Arial" panose="020B0604020202020204" pitchFamily="34" charset="0"/>
+              <a:buChar char="•"/>
+              <a:defRPr sz="1800" kern="1200">
+                <a:solidFill>
+                  <a:schemeClr val="tx1"/>
+                </a:solidFill>
+                <a:latin typeface="+mn-lt"/>
+                <a:ea typeface="+mn-ea"/>
+                <a:cs typeface="+mn-cs"/>
+              </a:defRPr>
+            </a:lvl9pPr>
+          </a:lstStyle>
+          <a:p>
+            <a:r>
+              <a:rPr lang="fr-CH" dirty="0"/>
+              <a:t>Voici un exemple simple:</a:t>
+            </a:r>
+          </a:p>
+          <a:p>
+            <a:pPr lvl="1"/>
+            <a:r>
+              <a:rPr lang="fr-CH" dirty="0"/>
+              <a:t>On a 3 cubes [A, B, C]</a:t>
+            </a:r>
+          </a:p>
+          <a:p>
+            <a:pPr lvl="1"/>
+            <a:r>
+              <a:rPr lang="fr-CH" dirty="0"/>
+              <a:t>Et 2 fonctions: </a:t>
+            </a:r>
+          </a:p>
+          <a:p>
+            <a:pPr marL="1371600" lvl="2" indent="-457200">
+              <a:buFont typeface="+mj-lt"/>
+              <a:buAutoNum type="arabicPeriod"/>
+            </a:pPr>
+            <a:r>
+              <a:rPr lang="fr-CH" dirty="0"/>
+              <a:t>sur(x, y) - indique que le bloc x est sur le bloc y</a:t>
+            </a:r>
+          </a:p>
+          <a:p>
+            <a:pPr marL="1371600" lvl="2" indent="-457200">
+              <a:buFont typeface="+mj-lt"/>
+              <a:buAutoNum type="arabicPeriod"/>
+            </a:pPr>
+            <a:r>
+              <a:rPr lang="fr-CH" dirty="0"/>
+              <a:t>libre(x) - indique qu’il n’y a aucun bloc sur le bloc x</a:t>
+            </a:r>
+          </a:p>
+          <a:p>
+            <a:pPr marL="914400" lvl="2" indent="0">
+              <a:buNone/>
+            </a:pPr>
+            <a:endParaRPr lang="fr-CH" dirty="0"/>
+          </a:p>
+          <a:p>
+            <a:pPr marL="0" indent="0">
+              <a:buNone/>
+            </a:pPr>
+            <a:r>
+              <a:rPr lang="fr-CH" dirty="0"/>
+              <a:t>L’état actuel est décrit par les faits suivants:</a:t>
+            </a:r>
+          </a:p>
+          <a:p>
+            <a:pPr marL="0" indent="0">
+              <a:buNone/>
+            </a:pPr>
+            <a:r>
+              <a:rPr lang="fr-CH" dirty="0"/>
+              <a:t>	sur(b, c) + sur(a, b) + libre(a)   </a:t>
+            </a:r>
+            <a:endParaRPr lang="fr-CH" sz="3200" dirty="0"/>
+          </a:p>
+          <a:p>
+            <a:pPr lvl="1"/>
+            <a:endParaRPr lang="fr-CH" dirty="0">
+              <a:solidFill>
+                <a:srgbClr val="FF0000"/>
+              </a:solidFill>
+            </a:endParaRPr>
+          </a:p>
+          <a:p>
+            <a:pPr lvl="1"/>
+            <a:endParaRPr lang="fr-CH" dirty="0"/>
+          </a:p>
+        </p:txBody>
+      </p:sp>
     </p:spTree>
     <p:extLst>
       <p:ext uri="{BB962C8B-B14F-4D97-AF65-F5344CB8AC3E}">
-        <p14:creationId xmlns:p14="http://schemas.microsoft.com/office/powerpoint/2010/main" val="3777408176"/>
+        <p14:creationId xmlns:p14="http://schemas.microsoft.com/office/powerpoint/2010/main" val="460486908"/>
       </p:ext>
     </p:extLst>
   </p:cSld>
@@ -7747,7 +8323,7 @@
           <p:cNvPr id="2" name="Titre 1">
             <a:extLst>
               <a:ext uri="{FF2B5EF4-FFF2-40B4-BE49-F238E27FC236}">
-                <a16:creationId xmlns:a16="http://schemas.microsoft.com/office/drawing/2014/main" id="{21766C66-1FE8-40A6-86E7-67715FC56E02}"/>
+                <a16:creationId xmlns:a16="http://schemas.microsoft.com/office/drawing/2014/main" id="{1DE24D75-C6DE-4394-A51C-5EF310010BA5}"/>
               </a:ext>
             </a:extLst>
           </p:cNvPr>
@@ -7757,106 +8333,16 @@
           <p:nvPr>
             <p:ph type="title"/>
           </p:nvPr>
-        </p:nvSpPr>
-        <p:spPr/>
-        <p:txBody>
-          <a:bodyPr>
-            <a:normAutofit/>
-          </a:bodyPr>
-          <a:lstStyle/>
-          <a:p>
-            <a:r>
-              <a:rPr lang="fr-FR" sz="1400" dirty="0">
-                <a:solidFill>
-                  <a:srgbClr val="FF0000"/>
-                </a:solidFill>
-                <a:effectLst/>
-                <a:latin typeface="Arial" panose="020B0604020202020204" pitchFamily="34" charset="0"/>
-              </a:rPr>
-              <a:t>7.</a:t>
-            </a:r>
-            <a:r>
-              <a:rPr lang="fr-FR" sz="1400" dirty="0">
-                <a:effectLst/>
-                <a:latin typeface="Arial" panose="020B0604020202020204" pitchFamily="34" charset="0"/>
-              </a:rPr>
-              <a:t>Réseaux Bayésiens: Que représentent les réseaux Bayésiens? Quel est leur principe? Quel est leur particularité en tant que Modèles de Graphes Probabilistes? Comment les utilise-t-on pour modéliser un phénomène ?Comment les utilise-t-on pour faire de l’inférence?</a:t>
-            </a:r>
-            <a:endParaRPr lang="en-GB" sz="1400" dirty="0"/>
-          </a:p>
-        </p:txBody>
-      </p:sp>
-      <p:sp>
-        <p:nvSpPr>
-          <p:cNvPr id="3" name="Espace réservé du contenu 2">
-            <a:extLst>
-              <a:ext uri="{FF2B5EF4-FFF2-40B4-BE49-F238E27FC236}">
-                <a16:creationId xmlns:a16="http://schemas.microsoft.com/office/drawing/2014/main" id="{55ECBF04-F52F-4B3F-9304-4E4A2E668DA9}"/>
-              </a:ext>
-            </a:extLst>
-          </p:cNvPr>
-          <p:cNvSpPr>
-            <a:spLocks noGrp="1"/>
-          </p:cNvSpPr>
-          <p:nvPr>
-            <p:ph idx="1"/>
-          </p:nvPr>
-        </p:nvSpPr>
-        <p:spPr/>
-        <p:txBody>
-          <a:bodyPr/>
-          <a:lstStyle/>
-          <a:p>
-            <a:endParaRPr lang="en-GB" dirty="0"/>
-          </a:p>
-        </p:txBody>
-      </p:sp>
-      <p:sp>
-        <p:nvSpPr>
-          <p:cNvPr id="4" name="Titre 1">
-            <a:extLst>
-              <a:ext uri="{FF2B5EF4-FFF2-40B4-BE49-F238E27FC236}">
-                <a16:creationId xmlns:a16="http://schemas.microsoft.com/office/drawing/2014/main" id="{49B86A4B-8034-4D02-B76C-FAAEC82C6AEA}"/>
-              </a:ext>
-            </a:extLst>
-          </p:cNvPr>
-          <p:cNvSpPr txBox="1">
-            <a:spLocks/>
-          </p:cNvSpPr>
-          <p:nvPr/>
         </p:nvSpPr>
         <p:spPr>
           <a:xfrm>
             <a:off x="0" y="-316992"/>
             <a:ext cx="746760" cy="1325563"/>
           </a:xfrm>
-          <a:prstGeom prst="rect">
-            <a:avLst/>
-          </a:prstGeom>
         </p:spPr>
         <p:txBody>
-          <a:bodyPr vert="horz" lIns="91440" tIns="45720" rIns="91440" bIns="45720" rtlCol="0" anchor="ctr">
-            <a:normAutofit/>
-          </a:bodyPr>
-          <a:lstStyle>
-            <a:lvl1pPr algn="l" defTabSz="914400" rtl="0" eaLnBrk="1" latinLnBrk="0" hangingPunct="1">
-              <a:lnSpc>
-                <a:spcPct val="90000"/>
-              </a:lnSpc>
-              <a:spcBef>
-                <a:spcPct val="0"/>
-              </a:spcBef>
-              <a:buNone/>
-              <a:defRPr sz="4400" kern="1200">
-                <a:solidFill>
-                  <a:schemeClr val="tx1"/>
-                </a:solidFill>
-                <a:latin typeface="+mj-lt"/>
-                <a:ea typeface="+mj-ea"/>
-                <a:cs typeface="+mj-cs"/>
-              </a:defRPr>
-            </a:lvl1pPr>
-          </a:lstStyle>
+          <a:bodyPr/>
+          <a:lstStyle/>
           <a:p>
             <a:r>
               <a:rPr lang="fr-CH" dirty="0">
@@ -7864,7 +8350,7 @@
                   <a:schemeClr val="accent1"/>
                 </a:solidFill>
               </a:rPr>
-              <a:t>7.</a:t>
+              <a:t>5.</a:t>
             </a:r>
             <a:endParaRPr lang="en-GB" dirty="0">
               <a:solidFill>
@@ -7874,10 +8360,86 @@
           </a:p>
         </p:txBody>
       </p:sp>
+      <p:sp>
+        <p:nvSpPr>
+          <p:cNvPr id="4" name="ZoneTexte 3">
+            <a:extLst>
+              <a:ext uri="{FF2B5EF4-FFF2-40B4-BE49-F238E27FC236}">
+                <a16:creationId xmlns:a16="http://schemas.microsoft.com/office/drawing/2014/main" id="{B4A469F4-C262-4F6E-8D5D-858330AC98E0}"/>
+              </a:ext>
+            </a:extLst>
+          </p:cNvPr>
+          <p:cNvSpPr txBox="1"/>
+          <p:nvPr/>
+        </p:nvSpPr>
+        <p:spPr>
+          <a:xfrm>
+            <a:off x="746760" y="161123"/>
+            <a:ext cx="10515600" cy="369332"/>
+          </a:xfrm>
+          <a:prstGeom prst="rect">
+            <a:avLst/>
+          </a:prstGeom>
+          <a:noFill/>
+        </p:spPr>
+        <p:txBody>
+          <a:bodyPr wrap="square" rtlCol="0">
+            <a:spAutoFit/>
+          </a:bodyPr>
+          <a:lstStyle/>
+          <a:p>
+            <a:r>
+              <a:rPr lang="fr-FR" sz="1800">
+                <a:solidFill>
+                  <a:schemeClr val="accent1"/>
+                </a:solidFill>
+                <a:effectLst/>
+                <a:latin typeface="Arial" panose="020B0604020202020204" pitchFamily="34" charset="0"/>
+              </a:rPr>
+              <a:t>Comment se caractérise un état, une action?</a:t>
+            </a:r>
+            <a:endParaRPr lang="en-GB" dirty="0">
+              <a:solidFill>
+                <a:schemeClr val="accent1"/>
+              </a:solidFill>
+            </a:endParaRPr>
+          </a:p>
+        </p:txBody>
+      </p:sp>
+      <p:pic>
+        <p:nvPicPr>
+          <p:cNvPr id="13" name="Image 12">
+            <a:extLst>
+              <a:ext uri="{FF2B5EF4-FFF2-40B4-BE49-F238E27FC236}">
+                <a16:creationId xmlns:a16="http://schemas.microsoft.com/office/drawing/2014/main" id="{EDCCC013-8563-4EFC-A434-5A2E122EC04B}"/>
+              </a:ext>
+            </a:extLst>
+          </p:cNvPr>
+          <p:cNvPicPr>
+            <a:picLocks noChangeAspect="1"/>
+          </p:cNvPicPr>
+          <p:nvPr/>
+        </p:nvPicPr>
+        <p:blipFill>
+          <a:blip r:embed="rId3"/>
+          <a:stretch>
+            <a:fillRect/>
+          </a:stretch>
+        </p:blipFill>
+        <p:spPr>
+          <a:xfrm>
+            <a:off x="838200" y="2821777"/>
+            <a:ext cx="1963624" cy="3023018"/>
+          </a:xfrm>
+          <a:prstGeom prst="rect">
+            <a:avLst/>
+          </a:prstGeom>
+        </p:spPr>
+      </p:pic>
     </p:spTree>
     <p:extLst>
       <p:ext uri="{BB962C8B-B14F-4D97-AF65-F5344CB8AC3E}">
-        <p14:creationId xmlns:p14="http://schemas.microsoft.com/office/powerpoint/2010/main" val="3449428969"/>
+        <p14:creationId xmlns:p14="http://schemas.microsoft.com/office/powerpoint/2010/main" val="2389307338"/>
       </p:ext>
     </p:extLst>
   </p:cSld>
@@ -7935,6 +8497,330 @@
                 <a:effectLst/>
                 <a:latin typeface="Arial" panose="020B0604020202020204" pitchFamily="34" charset="0"/>
               </a:rPr>
+              <a:t>6.</a:t>
+            </a:r>
+            <a:r>
+              <a:rPr lang="fr-FR" sz="1400" dirty="0">
+                <a:effectLst/>
+                <a:latin typeface="Arial" panose="020B0604020202020204" pitchFamily="34" charset="0"/>
+              </a:rPr>
+              <a:t>Modèle de graphes probabilistes: Donnez la définition d’un PGM en relation avec les notions de probabilités. Quelle est l’utilité d’utiliser un PGM ?Donnez un exemple d’utilisation. Quel est l’impact de l’indépendance conditionnelle dans les PGM? On pourra faire le lien avec les outils Bayésiens type Naïve Bayes ou Réseaux Bayésiens.</a:t>
+            </a:r>
+            <a:endParaRPr lang="en-GB" sz="1400" dirty="0"/>
+          </a:p>
+        </p:txBody>
+      </p:sp>
+      <p:sp>
+        <p:nvSpPr>
+          <p:cNvPr id="3" name="Espace réservé du contenu 2">
+            <a:extLst>
+              <a:ext uri="{FF2B5EF4-FFF2-40B4-BE49-F238E27FC236}">
+                <a16:creationId xmlns:a16="http://schemas.microsoft.com/office/drawing/2014/main" id="{55ECBF04-F52F-4B3F-9304-4E4A2E668DA9}"/>
+              </a:ext>
+            </a:extLst>
+          </p:cNvPr>
+          <p:cNvSpPr>
+            <a:spLocks noGrp="1"/>
+          </p:cNvSpPr>
+          <p:nvPr>
+            <p:ph idx="1"/>
+          </p:nvPr>
+        </p:nvSpPr>
+        <p:spPr/>
+        <p:txBody>
+          <a:bodyPr/>
+          <a:lstStyle/>
+          <a:p>
+            <a:endParaRPr lang="en-GB" dirty="0"/>
+          </a:p>
+        </p:txBody>
+      </p:sp>
+      <p:sp>
+        <p:nvSpPr>
+          <p:cNvPr id="4" name="Titre 1">
+            <a:extLst>
+              <a:ext uri="{FF2B5EF4-FFF2-40B4-BE49-F238E27FC236}">
+                <a16:creationId xmlns:a16="http://schemas.microsoft.com/office/drawing/2014/main" id="{50FEB119-743C-40D1-A98F-42351A7BA003}"/>
+              </a:ext>
+            </a:extLst>
+          </p:cNvPr>
+          <p:cNvSpPr txBox="1">
+            <a:spLocks/>
+          </p:cNvSpPr>
+          <p:nvPr/>
+        </p:nvSpPr>
+        <p:spPr>
+          <a:xfrm>
+            <a:off x="0" y="-316992"/>
+            <a:ext cx="746760" cy="1325563"/>
+          </a:xfrm>
+          <a:prstGeom prst="rect">
+            <a:avLst/>
+          </a:prstGeom>
+        </p:spPr>
+        <p:txBody>
+          <a:bodyPr vert="horz" lIns="91440" tIns="45720" rIns="91440" bIns="45720" rtlCol="0" anchor="ctr">
+            <a:normAutofit/>
+          </a:bodyPr>
+          <a:lstStyle>
+            <a:lvl1pPr algn="l" defTabSz="914400" rtl="0" eaLnBrk="1" latinLnBrk="0" hangingPunct="1">
+              <a:lnSpc>
+                <a:spcPct val="90000"/>
+              </a:lnSpc>
+              <a:spcBef>
+                <a:spcPct val="0"/>
+              </a:spcBef>
+              <a:buNone/>
+              <a:defRPr sz="4400" kern="1200">
+                <a:solidFill>
+                  <a:schemeClr val="tx1"/>
+                </a:solidFill>
+                <a:latin typeface="+mj-lt"/>
+                <a:ea typeface="+mj-ea"/>
+                <a:cs typeface="+mj-cs"/>
+              </a:defRPr>
+            </a:lvl1pPr>
+          </a:lstStyle>
+          <a:p>
+            <a:r>
+              <a:rPr lang="fr-CH" dirty="0">
+                <a:solidFill>
+                  <a:schemeClr val="accent1"/>
+                </a:solidFill>
+              </a:rPr>
+              <a:t>6.</a:t>
+            </a:r>
+            <a:endParaRPr lang="en-GB" dirty="0">
+              <a:solidFill>
+                <a:schemeClr val="accent1"/>
+              </a:solidFill>
+            </a:endParaRPr>
+          </a:p>
+        </p:txBody>
+      </p:sp>
+    </p:spTree>
+    <p:extLst>
+      <p:ext uri="{BB962C8B-B14F-4D97-AF65-F5344CB8AC3E}">
+        <p14:creationId xmlns:p14="http://schemas.microsoft.com/office/powerpoint/2010/main" val="3777408176"/>
+      </p:ext>
+    </p:extLst>
+  </p:cSld>
+  <p:clrMapOvr>
+    <a:masterClrMapping/>
+  </p:clrMapOvr>
+</p:sld>
+</file>
+
+<file path=ppt/slides/slide18.xml><?xml version="1.0" encoding="utf-8"?>
+<p:sld xmlns:a="http://schemas.openxmlformats.org/drawingml/2006/main" xmlns:r="http://schemas.openxmlformats.org/officeDocument/2006/relationships" xmlns:p="http://schemas.openxmlformats.org/presentationml/2006/main">
+  <p:cSld>
+    <p:spTree>
+      <p:nvGrpSpPr>
+        <p:cNvPr id="1" name=""/>
+        <p:cNvGrpSpPr/>
+        <p:nvPr/>
+      </p:nvGrpSpPr>
+      <p:grpSpPr>
+        <a:xfrm>
+          <a:off x="0" y="0"/>
+          <a:ext cx="0" cy="0"/>
+          <a:chOff x="0" y="0"/>
+          <a:chExt cx="0" cy="0"/>
+        </a:xfrm>
+      </p:grpSpPr>
+      <p:sp>
+        <p:nvSpPr>
+          <p:cNvPr id="2" name="Titre 1">
+            <a:extLst>
+              <a:ext uri="{FF2B5EF4-FFF2-40B4-BE49-F238E27FC236}">
+                <a16:creationId xmlns:a16="http://schemas.microsoft.com/office/drawing/2014/main" id="{21766C66-1FE8-40A6-86E7-67715FC56E02}"/>
+              </a:ext>
+            </a:extLst>
+          </p:cNvPr>
+          <p:cNvSpPr>
+            <a:spLocks noGrp="1"/>
+          </p:cNvSpPr>
+          <p:nvPr>
+            <p:ph type="title"/>
+          </p:nvPr>
+        </p:nvSpPr>
+        <p:spPr/>
+        <p:txBody>
+          <a:bodyPr>
+            <a:normAutofit/>
+          </a:bodyPr>
+          <a:lstStyle/>
+          <a:p>
+            <a:r>
+              <a:rPr lang="fr-FR" sz="1400" dirty="0">
+                <a:solidFill>
+                  <a:srgbClr val="FF0000"/>
+                </a:solidFill>
+                <a:effectLst/>
+                <a:latin typeface="Arial" panose="020B0604020202020204" pitchFamily="34" charset="0"/>
+              </a:rPr>
+              <a:t>7.</a:t>
+            </a:r>
+            <a:r>
+              <a:rPr lang="fr-FR" sz="1400" dirty="0">
+                <a:effectLst/>
+                <a:latin typeface="Arial" panose="020B0604020202020204" pitchFamily="34" charset="0"/>
+              </a:rPr>
+              <a:t>Réseaux Bayésiens: Que représentent les réseaux Bayésiens? Quel est leur principe? Quel est leur particularité en tant que Modèles de Graphes Probabilistes? Comment les utilise-t-on pour modéliser un phénomène ?Comment les utilise-t-on pour faire de l’inférence?</a:t>
+            </a:r>
+            <a:endParaRPr lang="en-GB" sz="1400" dirty="0"/>
+          </a:p>
+        </p:txBody>
+      </p:sp>
+      <p:sp>
+        <p:nvSpPr>
+          <p:cNvPr id="3" name="Espace réservé du contenu 2">
+            <a:extLst>
+              <a:ext uri="{FF2B5EF4-FFF2-40B4-BE49-F238E27FC236}">
+                <a16:creationId xmlns:a16="http://schemas.microsoft.com/office/drawing/2014/main" id="{55ECBF04-F52F-4B3F-9304-4E4A2E668DA9}"/>
+              </a:ext>
+            </a:extLst>
+          </p:cNvPr>
+          <p:cNvSpPr>
+            <a:spLocks noGrp="1"/>
+          </p:cNvSpPr>
+          <p:nvPr>
+            <p:ph idx="1"/>
+          </p:nvPr>
+        </p:nvSpPr>
+        <p:spPr/>
+        <p:txBody>
+          <a:bodyPr/>
+          <a:lstStyle/>
+          <a:p>
+            <a:endParaRPr lang="en-GB" dirty="0"/>
+          </a:p>
+        </p:txBody>
+      </p:sp>
+      <p:sp>
+        <p:nvSpPr>
+          <p:cNvPr id="4" name="Titre 1">
+            <a:extLst>
+              <a:ext uri="{FF2B5EF4-FFF2-40B4-BE49-F238E27FC236}">
+                <a16:creationId xmlns:a16="http://schemas.microsoft.com/office/drawing/2014/main" id="{49B86A4B-8034-4D02-B76C-FAAEC82C6AEA}"/>
+              </a:ext>
+            </a:extLst>
+          </p:cNvPr>
+          <p:cNvSpPr txBox="1">
+            <a:spLocks/>
+          </p:cNvSpPr>
+          <p:nvPr/>
+        </p:nvSpPr>
+        <p:spPr>
+          <a:xfrm>
+            <a:off x="0" y="-316992"/>
+            <a:ext cx="746760" cy="1325563"/>
+          </a:xfrm>
+          <a:prstGeom prst="rect">
+            <a:avLst/>
+          </a:prstGeom>
+        </p:spPr>
+        <p:txBody>
+          <a:bodyPr vert="horz" lIns="91440" tIns="45720" rIns="91440" bIns="45720" rtlCol="0" anchor="ctr">
+            <a:normAutofit/>
+          </a:bodyPr>
+          <a:lstStyle>
+            <a:lvl1pPr algn="l" defTabSz="914400" rtl="0" eaLnBrk="1" latinLnBrk="0" hangingPunct="1">
+              <a:lnSpc>
+                <a:spcPct val="90000"/>
+              </a:lnSpc>
+              <a:spcBef>
+                <a:spcPct val="0"/>
+              </a:spcBef>
+              <a:buNone/>
+              <a:defRPr sz="4400" kern="1200">
+                <a:solidFill>
+                  <a:schemeClr val="tx1"/>
+                </a:solidFill>
+                <a:latin typeface="+mj-lt"/>
+                <a:ea typeface="+mj-ea"/>
+                <a:cs typeface="+mj-cs"/>
+              </a:defRPr>
+            </a:lvl1pPr>
+          </a:lstStyle>
+          <a:p>
+            <a:r>
+              <a:rPr lang="fr-CH" dirty="0">
+                <a:solidFill>
+                  <a:schemeClr val="accent1"/>
+                </a:solidFill>
+              </a:rPr>
+              <a:t>7.</a:t>
+            </a:r>
+            <a:endParaRPr lang="en-GB" dirty="0">
+              <a:solidFill>
+                <a:schemeClr val="accent1"/>
+              </a:solidFill>
+            </a:endParaRPr>
+          </a:p>
+        </p:txBody>
+      </p:sp>
+    </p:spTree>
+    <p:extLst>
+      <p:ext uri="{BB962C8B-B14F-4D97-AF65-F5344CB8AC3E}">
+        <p14:creationId xmlns:p14="http://schemas.microsoft.com/office/powerpoint/2010/main" val="3449428969"/>
+      </p:ext>
+    </p:extLst>
+  </p:cSld>
+  <p:clrMapOvr>
+    <a:masterClrMapping/>
+  </p:clrMapOvr>
+</p:sld>
+</file>
+
+<file path=ppt/slides/slide19.xml><?xml version="1.0" encoding="utf-8"?>
+<p:sld xmlns:a="http://schemas.openxmlformats.org/drawingml/2006/main" xmlns:r="http://schemas.openxmlformats.org/officeDocument/2006/relationships" xmlns:p="http://schemas.openxmlformats.org/presentationml/2006/main">
+  <p:cSld>
+    <p:spTree>
+      <p:nvGrpSpPr>
+        <p:cNvPr id="1" name=""/>
+        <p:cNvGrpSpPr/>
+        <p:nvPr/>
+      </p:nvGrpSpPr>
+      <p:grpSpPr>
+        <a:xfrm>
+          <a:off x="0" y="0"/>
+          <a:ext cx="0" cy="0"/>
+          <a:chOff x="0" y="0"/>
+          <a:chExt cx="0" cy="0"/>
+        </a:xfrm>
+      </p:grpSpPr>
+      <p:sp>
+        <p:nvSpPr>
+          <p:cNvPr id="2" name="Titre 1">
+            <a:extLst>
+              <a:ext uri="{FF2B5EF4-FFF2-40B4-BE49-F238E27FC236}">
+                <a16:creationId xmlns:a16="http://schemas.microsoft.com/office/drawing/2014/main" id="{21766C66-1FE8-40A6-86E7-67715FC56E02}"/>
+              </a:ext>
+            </a:extLst>
+          </p:cNvPr>
+          <p:cNvSpPr>
+            <a:spLocks noGrp="1"/>
+          </p:cNvSpPr>
+          <p:nvPr>
+            <p:ph type="title"/>
+          </p:nvPr>
+        </p:nvSpPr>
+        <p:spPr/>
+        <p:txBody>
+          <a:bodyPr>
+            <a:normAutofit/>
+          </a:bodyPr>
+          <a:lstStyle/>
+          <a:p>
+            <a:r>
+              <a:rPr lang="fr-FR" sz="1400" dirty="0">
+                <a:solidFill>
+                  <a:srgbClr val="FF0000"/>
+                </a:solidFill>
+                <a:effectLst/>
+                <a:latin typeface="Arial" panose="020B0604020202020204" pitchFamily="34" charset="0"/>
+              </a:rPr>
               <a:t>8.</a:t>
             </a:r>
             <a:r>
@@ -7986,7 +8872,174 @@
 </p:sld>
 </file>
 
-<file path=ppt/slides/slide18.xml><?xml version="1.0" encoding="utf-8"?>
+<file path=ppt/slides/slide2.xml><?xml version="1.0" encoding="utf-8"?>
+<p:sld xmlns:a="http://schemas.openxmlformats.org/drawingml/2006/main" xmlns:r="http://schemas.openxmlformats.org/officeDocument/2006/relationships" xmlns:p="http://schemas.openxmlformats.org/presentationml/2006/main">
+  <p:cSld>
+    <p:spTree>
+      <p:nvGrpSpPr>
+        <p:cNvPr id="1" name=""/>
+        <p:cNvGrpSpPr/>
+        <p:nvPr/>
+      </p:nvGrpSpPr>
+      <p:grpSpPr>
+        <a:xfrm>
+          <a:off x="0" y="0"/>
+          <a:ext cx="0" cy="0"/>
+          <a:chOff x="0" y="0"/>
+          <a:chExt cx="0" cy="0"/>
+        </a:xfrm>
+      </p:grpSpPr>
+      <p:sp>
+        <p:nvSpPr>
+          <p:cNvPr id="2" name="Titre 1">
+            <a:extLst>
+              <a:ext uri="{FF2B5EF4-FFF2-40B4-BE49-F238E27FC236}">
+                <a16:creationId xmlns:a16="http://schemas.microsoft.com/office/drawing/2014/main" id="{21766C66-1FE8-40A6-86E7-67715FC56E02}"/>
+              </a:ext>
+            </a:extLst>
+          </p:cNvPr>
+          <p:cNvSpPr>
+            <a:spLocks noGrp="1"/>
+          </p:cNvSpPr>
+          <p:nvPr>
+            <p:ph type="title"/>
+          </p:nvPr>
+        </p:nvSpPr>
+        <p:spPr>
+          <a:xfrm>
+            <a:off x="838200" y="357033"/>
+            <a:ext cx="10515600" cy="1325563"/>
+          </a:xfrm>
+        </p:spPr>
+        <p:txBody>
+          <a:bodyPr>
+            <a:normAutofit/>
+          </a:bodyPr>
+          <a:lstStyle/>
+          <a:p>
+            <a:r>
+              <a:rPr lang="fr-FR" sz="1400" dirty="0">
+                <a:solidFill>
+                  <a:srgbClr val="FF0000"/>
+                </a:solidFill>
+                <a:effectLst/>
+                <a:latin typeface="Arial" panose="020B0604020202020204" pitchFamily="34" charset="0"/>
+              </a:rPr>
+              <a:t>1.</a:t>
+            </a:r>
+            <a:r>
+              <a:rPr lang="fr-FR" sz="1400" dirty="0">
+                <a:effectLst/>
+                <a:latin typeface="Arial" panose="020B0604020202020204" pitchFamily="34" charset="0"/>
+              </a:rPr>
+              <a:t>Méthodesde Recherche: Expliquez en détail le principe et le modèle des méthodes de recherche. A quels problèmes s’applique cette technique? Comment modélise-t-on le problème? Quel est le principe des algorithmes? Comment mesure-t-on leur réussite? Leur complexité? Leur optimalité? Citez des exemples.</a:t>
+            </a:r>
+            <a:endParaRPr lang="en-GB" sz="1400" dirty="0"/>
+          </a:p>
+        </p:txBody>
+      </p:sp>
+      <p:sp>
+        <p:nvSpPr>
+          <p:cNvPr id="3" name="Espace réservé du contenu 2">
+            <a:extLst>
+              <a:ext uri="{FF2B5EF4-FFF2-40B4-BE49-F238E27FC236}">
+                <a16:creationId xmlns:a16="http://schemas.microsoft.com/office/drawing/2014/main" id="{55ECBF04-F52F-4B3F-9304-4E4A2E668DA9}"/>
+              </a:ext>
+            </a:extLst>
+          </p:cNvPr>
+          <p:cNvSpPr>
+            <a:spLocks noGrp="1"/>
+          </p:cNvSpPr>
+          <p:nvPr>
+            <p:ph idx="1"/>
+          </p:nvPr>
+        </p:nvSpPr>
+        <p:spPr/>
+        <p:txBody>
+          <a:bodyPr/>
+          <a:lstStyle/>
+          <a:p>
+            <a:endParaRPr lang="en-GB" dirty="0"/>
+          </a:p>
+        </p:txBody>
+      </p:sp>
+      <p:sp>
+        <p:nvSpPr>
+          <p:cNvPr id="4" name="Titre 1">
+            <a:extLst>
+              <a:ext uri="{FF2B5EF4-FFF2-40B4-BE49-F238E27FC236}">
+                <a16:creationId xmlns:a16="http://schemas.microsoft.com/office/drawing/2014/main" id="{9FC1AE4D-6B02-48FA-97B8-EA6FB0DB341B}"/>
+              </a:ext>
+            </a:extLst>
+          </p:cNvPr>
+          <p:cNvSpPr txBox="1">
+            <a:spLocks/>
+          </p:cNvSpPr>
+          <p:nvPr/>
+        </p:nvSpPr>
+        <p:spPr>
+          <a:xfrm>
+            <a:off x="0" y="-316992"/>
+            <a:ext cx="746760" cy="1325563"/>
+          </a:xfrm>
+          <a:prstGeom prst="rect">
+            <a:avLst/>
+          </a:prstGeom>
+        </p:spPr>
+        <p:txBody>
+          <a:bodyPr vert="horz" lIns="91440" tIns="45720" rIns="91440" bIns="45720" rtlCol="0" anchor="ctr">
+            <a:normAutofit/>
+          </a:bodyPr>
+          <a:lstStyle>
+            <a:lvl1pPr algn="l" defTabSz="914400" rtl="0" eaLnBrk="1" latinLnBrk="0" hangingPunct="1">
+              <a:lnSpc>
+                <a:spcPct val="90000"/>
+              </a:lnSpc>
+              <a:spcBef>
+                <a:spcPct val="0"/>
+              </a:spcBef>
+              <a:buNone/>
+              <a:defRPr sz="4400" kern="1200">
+                <a:solidFill>
+                  <a:schemeClr val="tx1"/>
+                </a:solidFill>
+                <a:latin typeface="+mj-lt"/>
+                <a:ea typeface="+mj-ea"/>
+                <a:cs typeface="+mj-cs"/>
+              </a:defRPr>
+            </a:lvl1pPr>
+          </a:lstStyle>
+          <a:p>
+            <a:r>
+              <a:rPr lang="fr-CH" dirty="0">
+                <a:solidFill>
+                  <a:schemeClr val="accent1"/>
+                </a:solidFill>
+              </a:rPr>
+              <a:t>1.</a:t>
+            </a:r>
+            <a:endParaRPr lang="en-GB" dirty="0">
+              <a:solidFill>
+                <a:schemeClr val="accent1"/>
+              </a:solidFill>
+            </a:endParaRPr>
+          </a:p>
+        </p:txBody>
+      </p:sp>
+    </p:spTree>
+    <p:extLst>
+      <p:ext uri="{BB962C8B-B14F-4D97-AF65-F5344CB8AC3E}">
+        <p14:creationId xmlns:p14="http://schemas.microsoft.com/office/powerpoint/2010/main" val="979055974"/>
+      </p:ext>
+    </p:extLst>
+  </p:cSld>
+  <p:clrMapOvr>
+    <a:masterClrMapping/>
+  </p:clrMapOvr>
+</p:sld>
+</file>
+
+<file path=ppt/slides/slide20.xml><?xml version="1.0" encoding="utf-8"?>
 <p:sld xmlns:a="http://schemas.openxmlformats.org/drawingml/2006/main" xmlns:r="http://schemas.openxmlformats.org/officeDocument/2006/relationships" xmlns:p="http://schemas.openxmlformats.org/presentationml/2006/main">
   <p:cSld>
     <p:spTree>
@@ -8146,385 +9199,6 @@
 </p:sld>
 </file>
 
-<file path=ppt/slides/slide19.xml><?xml version="1.0" encoding="utf-8"?>
-<p:sld xmlns:a="http://schemas.openxmlformats.org/drawingml/2006/main" xmlns:r="http://schemas.openxmlformats.org/officeDocument/2006/relationships" xmlns:p="http://schemas.openxmlformats.org/presentationml/2006/main">
-  <p:cSld>
-    <p:spTree>
-      <p:nvGrpSpPr>
-        <p:cNvPr id="1" name=""/>
-        <p:cNvGrpSpPr/>
-        <p:nvPr/>
-      </p:nvGrpSpPr>
-      <p:grpSpPr>
-        <a:xfrm>
-          <a:off x="0" y="0"/>
-          <a:ext cx="0" cy="0"/>
-          <a:chOff x="0" y="0"/>
-          <a:chExt cx="0" cy="0"/>
-        </a:xfrm>
-      </p:grpSpPr>
-      <p:sp>
-        <p:nvSpPr>
-          <p:cNvPr id="2" name="Titre 1">
-            <a:extLst>
-              <a:ext uri="{FF2B5EF4-FFF2-40B4-BE49-F238E27FC236}">
-                <a16:creationId xmlns:a16="http://schemas.microsoft.com/office/drawing/2014/main" id="{21766C66-1FE8-40A6-86E7-67715FC56E02}"/>
-              </a:ext>
-            </a:extLst>
-          </p:cNvPr>
-          <p:cNvSpPr>
-            <a:spLocks noGrp="1"/>
-          </p:cNvSpPr>
-          <p:nvPr>
-            <p:ph type="title"/>
-          </p:nvPr>
-        </p:nvSpPr>
-        <p:spPr/>
-        <p:txBody>
-          <a:bodyPr>
-            <a:normAutofit/>
-          </a:bodyPr>
-          <a:lstStyle/>
-          <a:p>
-            <a:r>
-              <a:rPr lang="fr-FR" sz="1400" dirty="0">
-                <a:solidFill>
-                  <a:srgbClr val="FF0000"/>
-                </a:solidFill>
-                <a:effectLst/>
-                <a:latin typeface="Arial" panose="020B0604020202020204" pitchFamily="34" charset="0"/>
-              </a:rPr>
-              <a:t>10.</a:t>
-            </a:r>
-            <a:r>
-              <a:rPr lang="fr-FR" sz="1400" dirty="0">
-                <a:effectLst/>
-                <a:latin typeface="Arial" panose="020B0604020202020204" pitchFamily="34" charset="0"/>
-              </a:rPr>
-              <a:t>Naive Bayes: Rappelez le principe de l’apprentissage supervisé. Quel est le protocole de gestion des données dans ce contexte ?Qu’est-ce que l’algorithme de Naïve Bayes? Quelles sont les hypothèses sous-jacentes? Quels sont les paramètres? Comment l’exprimer en tant que réseau bayésien? Qu’est-ce que le sur-apprentissage? Discutez sa relation avec Naïve Bayes.</a:t>
-            </a:r>
-            <a:endParaRPr lang="en-GB" sz="1400" dirty="0"/>
-          </a:p>
-        </p:txBody>
-      </p:sp>
-      <p:sp>
-        <p:nvSpPr>
-          <p:cNvPr id="3" name="Espace réservé du contenu 2">
-            <a:extLst>
-              <a:ext uri="{FF2B5EF4-FFF2-40B4-BE49-F238E27FC236}">
-                <a16:creationId xmlns:a16="http://schemas.microsoft.com/office/drawing/2014/main" id="{55ECBF04-F52F-4B3F-9304-4E4A2E668DA9}"/>
-              </a:ext>
-            </a:extLst>
-          </p:cNvPr>
-          <p:cNvSpPr>
-            <a:spLocks noGrp="1"/>
-          </p:cNvSpPr>
-          <p:nvPr>
-            <p:ph idx="1"/>
-          </p:nvPr>
-        </p:nvSpPr>
-        <p:spPr/>
-        <p:txBody>
-          <a:bodyPr/>
-          <a:lstStyle/>
-          <a:p>
-            <a:endParaRPr lang="en-GB" dirty="0"/>
-          </a:p>
-        </p:txBody>
-      </p:sp>
-    </p:spTree>
-    <p:extLst>
-      <p:ext uri="{BB962C8B-B14F-4D97-AF65-F5344CB8AC3E}">
-        <p14:creationId xmlns:p14="http://schemas.microsoft.com/office/powerpoint/2010/main" val="2558671712"/>
-      </p:ext>
-    </p:extLst>
-  </p:cSld>
-  <p:clrMapOvr>
-    <a:masterClrMapping/>
-  </p:clrMapOvr>
-</p:sld>
-</file>
-
-<file path=ppt/slides/slide2.xml><?xml version="1.0" encoding="utf-8"?>
-<p:sld xmlns:a="http://schemas.openxmlformats.org/drawingml/2006/main" xmlns:r="http://schemas.openxmlformats.org/officeDocument/2006/relationships" xmlns:p="http://schemas.openxmlformats.org/presentationml/2006/main">
-  <p:cSld>
-    <p:spTree>
-      <p:nvGrpSpPr>
-        <p:cNvPr id="1" name=""/>
-        <p:cNvGrpSpPr/>
-        <p:nvPr/>
-      </p:nvGrpSpPr>
-      <p:grpSpPr>
-        <a:xfrm>
-          <a:off x="0" y="0"/>
-          <a:ext cx="0" cy="0"/>
-          <a:chOff x="0" y="0"/>
-          <a:chExt cx="0" cy="0"/>
-        </a:xfrm>
-      </p:grpSpPr>
-      <p:sp>
-        <p:nvSpPr>
-          <p:cNvPr id="2" name="Titre 1">
-            <a:extLst>
-              <a:ext uri="{FF2B5EF4-FFF2-40B4-BE49-F238E27FC236}">
-                <a16:creationId xmlns:a16="http://schemas.microsoft.com/office/drawing/2014/main" id="{21766C66-1FE8-40A6-86E7-67715FC56E02}"/>
-              </a:ext>
-            </a:extLst>
-          </p:cNvPr>
-          <p:cNvSpPr>
-            <a:spLocks noGrp="1"/>
-          </p:cNvSpPr>
-          <p:nvPr>
-            <p:ph type="title"/>
-          </p:nvPr>
-        </p:nvSpPr>
-        <p:spPr>
-          <a:xfrm>
-            <a:off x="838200" y="357033"/>
-            <a:ext cx="10515600" cy="1325563"/>
-          </a:xfrm>
-        </p:spPr>
-        <p:txBody>
-          <a:bodyPr>
-            <a:normAutofit/>
-          </a:bodyPr>
-          <a:lstStyle/>
-          <a:p>
-            <a:r>
-              <a:rPr lang="fr-FR" sz="1400" dirty="0">
-                <a:solidFill>
-                  <a:srgbClr val="FF0000"/>
-                </a:solidFill>
-                <a:effectLst/>
-                <a:latin typeface="Arial" panose="020B0604020202020204" pitchFamily="34" charset="0"/>
-              </a:rPr>
-              <a:t>1.</a:t>
-            </a:r>
-            <a:r>
-              <a:rPr lang="fr-FR" sz="1400" dirty="0">
-                <a:effectLst/>
-                <a:latin typeface="Arial" panose="020B0604020202020204" pitchFamily="34" charset="0"/>
-              </a:rPr>
-              <a:t>Méthodesde Recherche: Expliquez en détail le principe et le modèle des méthodes de recherche. A quels problèmes s’applique cette technique? Comment modélise-t-on le problème? Quel est le principe des algorithmes? Comment mesure-t-on leur réussite? Leur complexité? Leur optimalité? Citez des exemples.</a:t>
-            </a:r>
-            <a:endParaRPr lang="en-GB" sz="1400" dirty="0"/>
-          </a:p>
-        </p:txBody>
-      </p:sp>
-      <p:sp>
-        <p:nvSpPr>
-          <p:cNvPr id="3" name="Espace réservé du contenu 2">
-            <a:extLst>
-              <a:ext uri="{FF2B5EF4-FFF2-40B4-BE49-F238E27FC236}">
-                <a16:creationId xmlns:a16="http://schemas.microsoft.com/office/drawing/2014/main" id="{55ECBF04-F52F-4B3F-9304-4E4A2E668DA9}"/>
-              </a:ext>
-            </a:extLst>
-          </p:cNvPr>
-          <p:cNvSpPr>
-            <a:spLocks noGrp="1"/>
-          </p:cNvSpPr>
-          <p:nvPr>
-            <p:ph idx="1"/>
-          </p:nvPr>
-        </p:nvSpPr>
-        <p:spPr/>
-        <p:txBody>
-          <a:bodyPr/>
-          <a:lstStyle/>
-          <a:p>
-            <a:endParaRPr lang="en-GB" dirty="0"/>
-          </a:p>
-        </p:txBody>
-      </p:sp>
-      <p:sp>
-        <p:nvSpPr>
-          <p:cNvPr id="4" name="Titre 1">
-            <a:extLst>
-              <a:ext uri="{FF2B5EF4-FFF2-40B4-BE49-F238E27FC236}">
-                <a16:creationId xmlns:a16="http://schemas.microsoft.com/office/drawing/2014/main" id="{9FC1AE4D-6B02-48FA-97B8-EA6FB0DB341B}"/>
-              </a:ext>
-            </a:extLst>
-          </p:cNvPr>
-          <p:cNvSpPr txBox="1">
-            <a:spLocks/>
-          </p:cNvSpPr>
-          <p:nvPr/>
-        </p:nvSpPr>
-        <p:spPr>
-          <a:xfrm>
-            <a:off x="0" y="-316992"/>
-            <a:ext cx="746760" cy="1325563"/>
-          </a:xfrm>
-          <a:prstGeom prst="rect">
-            <a:avLst/>
-          </a:prstGeom>
-        </p:spPr>
-        <p:txBody>
-          <a:bodyPr vert="horz" lIns="91440" tIns="45720" rIns="91440" bIns="45720" rtlCol="0" anchor="ctr">
-            <a:normAutofit/>
-          </a:bodyPr>
-          <a:lstStyle>
-            <a:lvl1pPr algn="l" defTabSz="914400" rtl="0" eaLnBrk="1" latinLnBrk="0" hangingPunct="1">
-              <a:lnSpc>
-                <a:spcPct val="90000"/>
-              </a:lnSpc>
-              <a:spcBef>
-                <a:spcPct val="0"/>
-              </a:spcBef>
-              <a:buNone/>
-              <a:defRPr sz="4400" kern="1200">
-                <a:solidFill>
-                  <a:schemeClr val="tx1"/>
-                </a:solidFill>
-                <a:latin typeface="+mj-lt"/>
-                <a:ea typeface="+mj-ea"/>
-                <a:cs typeface="+mj-cs"/>
-              </a:defRPr>
-            </a:lvl1pPr>
-          </a:lstStyle>
-          <a:p>
-            <a:r>
-              <a:rPr lang="fr-CH" dirty="0">
-                <a:solidFill>
-                  <a:schemeClr val="accent1"/>
-                </a:solidFill>
-              </a:rPr>
-              <a:t>1.</a:t>
-            </a:r>
-            <a:endParaRPr lang="en-GB" dirty="0">
-              <a:solidFill>
-                <a:schemeClr val="accent1"/>
-              </a:solidFill>
-            </a:endParaRPr>
-          </a:p>
-        </p:txBody>
-      </p:sp>
-    </p:spTree>
-    <p:extLst>
-      <p:ext uri="{BB962C8B-B14F-4D97-AF65-F5344CB8AC3E}">
-        <p14:creationId xmlns:p14="http://schemas.microsoft.com/office/powerpoint/2010/main" val="979055974"/>
-      </p:ext>
-    </p:extLst>
-  </p:cSld>
-  <p:clrMapOvr>
-    <a:masterClrMapping/>
-  </p:clrMapOvr>
-</p:sld>
-</file>
-
-<file path=ppt/slides/slide20.xml><?xml version="1.0" encoding="utf-8"?>
-<p:sld xmlns:a="http://schemas.openxmlformats.org/drawingml/2006/main" xmlns:r="http://schemas.openxmlformats.org/officeDocument/2006/relationships" xmlns:p="http://schemas.openxmlformats.org/presentationml/2006/main">
-  <p:cSld>
-    <p:spTree>
-      <p:nvGrpSpPr>
-        <p:cNvPr id="1" name=""/>
-        <p:cNvGrpSpPr/>
-        <p:nvPr/>
-      </p:nvGrpSpPr>
-      <p:grpSpPr>
-        <a:xfrm>
-          <a:off x="0" y="0"/>
-          <a:ext cx="0" cy="0"/>
-          <a:chOff x="0" y="0"/>
-          <a:chExt cx="0" cy="0"/>
-        </a:xfrm>
-      </p:grpSpPr>
-      <p:sp>
-        <p:nvSpPr>
-          <p:cNvPr id="2" name="Titre 1">
-            <a:extLst>
-              <a:ext uri="{FF2B5EF4-FFF2-40B4-BE49-F238E27FC236}">
-                <a16:creationId xmlns:a16="http://schemas.microsoft.com/office/drawing/2014/main" id="{21766C66-1FE8-40A6-86E7-67715FC56E02}"/>
-              </a:ext>
-            </a:extLst>
-          </p:cNvPr>
-          <p:cNvSpPr>
-            <a:spLocks noGrp="1"/>
-          </p:cNvSpPr>
-          <p:nvPr>
-            <p:ph type="title"/>
-          </p:nvPr>
-        </p:nvSpPr>
-        <p:spPr/>
-        <p:txBody>
-          <a:bodyPr>
-            <a:normAutofit/>
-          </a:bodyPr>
-          <a:lstStyle/>
-          <a:p>
-            <a:r>
-              <a:rPr lang="fr-FR" sz="1400" dirty="0">
-                <a:solidFill>
-                  <a:srgbClr val="FF0000"/>
-                </a:solidFill>
-                <a:effectLst/>
-                <a:latin typeface="Arial" panose="020B0604020202020204" pitchFamily="34" charset="0"/>
-              </a:rPr>
-              <a:t>11.</a:t>
-            </a:r>
-            <a:r>
-              <a:rPr lang="fr-FR" sz="1400" dirty="0">
-                <a:effectLst/>
-                <a:latin typeface="Arial" panose="020B0604020202020204" pitchFamily="34" charset="0"/>
-              </a:rPr>
-              <a:t>Régression logistique: Rappelez le principe de l’apprentissage supervisé. Quel est le protocole de gestion des données dans ce contexte ? Rappelez la relation entre classification et régression? Qu’est-ce que l’algorithme de régression logistique? Quelles sont les hypothèses sous-jacentes? Quels sont les paramètres? Quel est sont les propriétés de la fonction logistique? Qu’est-</a:t>
-            </a:r>
-            <a:r>
-              <a:rPr lang="fr-FR" sz="1400" dirty="0" err="1">
-                <a:effectLst/>
-                <a:latin typeface="Arial" panose="020B0604020202020204" pitchFamily="34" charset="0"/>
-              </a:rPr>
-              <a:t>ceque</a:t>
-            </a:r>
-            <a:r>
-              <a:rPr lang="fr-FR" sz="1400" dirty="0">
-                <a:effectLst/>
-                <a:latin typeface="Arial" panose="020B0604020202020204" pitchFamily="34" charset="0"/>
-              </a:rPr>
-              <a:t> le sur-apprentissage? Discutez sa relation avec la régression logistique.</a:t>
-            </a:r>
-            <a:endParaRPr lang="en-GB" sz="1400" dirty="0"/>
-          </a:p>
-        </p:txBody>
-      </p:sp>
-      <p:sp>
-        <p:nvSpPr>
-          <p:cNvPr id="3" name="Espace réservé du contenu 2">
-            <a:extLst>
-              <a:ext uri="{FF2B5EF4-FFF2-40B4-BE49-F238E27FC236}">
-                <a16:creationId xmlns:a16="http://schemas.microsoft.com/office/drawing/2014/main" id="{55ECBF04-F52F-4B3F-9304-4E4A2E668DA9}"/>
-              </a:ext>
-            </a:extLst>
-          </p:cNvPr>
-          <p:cNvSpPr>
-            <a:spLocks noGrp="1"/>
-          </p:cNvSpPr>
-          <p:nvPr>
-            <p:ph idx="1"/>
-          </p:nvPr>
-        </p:nvSpPr>
-        <p:spPr/>
-        <p:txBody>
-          <a:bodyPr/>
-          <a:lstStyle/>
-          <a:p>
-            <a:endParaRPr lang="en-GB" dirty="0"/>
-          </a:p>
-        </p:txBody>
-      </p:sp>
-    </p:spTree>
-    <p:extLst>
-      <p:ext uri="{BB962C8B-B14F-4D97-AF65-F5344CB8AC3E}">
-        <p14:creationId xmlns:p14="http://schemas.microsoft.com/office/powerpoint/2010/main" val="559109952"/>
-      </p:ext>
-    </p:extLst>
-  </p:cSld>
-  <p:clrMapOvr>
-    <a:masterClrMapping/>
-  </p:clrMapOvr>
-</p:sld>
-</file>
-
 <file path=ppt/slides/slide21.xml><?xml version="1.0" encoding="utf-8"?>
 <p:sld xmlns:a="http://schemas.openxmlformats.org/drawingml/2006/main" xmlns:r="http://schemas.openxmlformats.org/officeDocument/2006/relationships" xmlns:p="http://schemas.openxmlformats.org/presentationml/2006/main">
   <p:cSld>
@@ -8573,14 +9247,14 @@
                 <a:effectLst/>
                 <a:latin typeface="Arial" panose="020B0604020202020204" pitchFamily="34" charset="0"/>
               </a:rPr>
-              <a:t>12.</a:t>
+              <a:t>10.</a:t>
             </a:r>
             <a:r>
               <a:rPr lang="fr-FR" sz="1400" dirty="0">
                 <a:effectLst/>
                 <a:latin typeface="Arial" panose="020B0604020202020204" pitchFamily="34" charset="0"/>
               </a:rPr>
-              <a:t>Apprentissage neuronal: En quoi est-ce un apprentissage supervisé? Qu’est qu’un classifieur linéaire? Que propose l’algorithme du perceptron? Quelle est sa relation à un neurone artificiel? Comment peut-on entrainer un neurone artificiel? Quels sont ses paramètres? Quels sont les paramètres de l’algorithme d’apprentissage? Quel est le principe de l’algorithme de descente en gradient?</a:t>
+              <a:t>Naive Bayes: Rappelez le principe de l’apprentissage supervisé. Quel est le protocole de gestion des données dans ce contexte ?Qu’est-ce que l’algorithme de Naïve Bayes? Quelles sont les hypothèses sous-jacentes? Quels sont les paramètres? Comment l’exprimer en tant que réseau bayésien? Qu’est-ce que le sur-apprentissage? Discutez sa relation avec Naïve Bayes.</a:t>
             </a:r>
             <a:endParaRPr lang="en-GB" sz="1400" dirty="0"/>
           </a:p>
@@ -8614,7 +9288,7 @@
     </p:spTree>
     <p:extLst>
       <p:ext uri="{BB962C8B-B14F-4D97-AF65-F5344CB8AC3E}">
-        <p14:creationId xmlns:p14="http://schemas.microsoft.com/office/powerpoint/2010/main" val="4013026078"/>
+        <p14:creationId xmlns:p14="http://schemas.microsoft.com/office/powerpoint/2010/main" val="2558671712"/>
       </p:ext>
     </p:extLst>
   </p:cSld>
@@ -8672,6 +9346,218 @@
                 <a:effectLst/>
                 <a:latin typeface="Arial" panose="020B0604020202020204" pitchFamily="34" charset="0"/>
               </a:rPr>
+              <a:t>11.</a:t>
+            </a:r>
+            <a:r>
+              <a:rPr lang="fr-FR" sz="1400" dirty="0">
+                <a:effectLst/>
+                <a:latin typeface="Arial" panose="020B0604020202020204" pitchFamily="34" charset="0"/>
+              </a:rPr>
+              <a:t>Régression logistique: Rappelez le principe de l’apprentissage supervisé. Quel est le protocole de gestion des données dans ce contexte ? Rappelez la relation entre classification et régression? Qu’est-ce que l’algorithme de régression logistique? Quelles sont les hypothèses sous-jacentes? Quels sont les paramètres? Quel est sont les propriétés de la fonction logistique? Qu’est-</a:t>
+            </a:r>
+            <a:r>
+              <a:rPr lang="fr-FR" sz="1400" dirty="0" err="1">
+                <a:effectLst/>
+                <a:latin typeface="Arial" panose="020B0604020202020204" pitchFamily="34" charset="0"/>
+              </a:rPr>
+              <a:t>ceque</a:t>
+            </a:r>
+            <a:r>
+              <a:rPr lang="fr-FR" sz="1400" dirty="0">
+                <a:effectLst/>
+                <a:latin typeface="Arial" panose="020B0604020202020204" pitchFamily="34" charset="0"/>
+              </a:rPr>
+              <a:t> le sur-apprentissage? Discutez sa relation avec la régression logistique.</a:t>
+            </a:r>
+            <a:endParaRPr lang="en-GB" sz="1400" dirty="0"/>
+          </a:p>
+        </p:txBody>
+      </p:sp>
+      <p:sp>
+        <p:nvSpPr>
+          <p:cNvPr id="3" name="Espace réservé du contenu 2">
+            <a:extLst>
+              <a:ext uri="{FF2B5EF4-FFF2-40B4-BE49-F238E27FC236}">
+                <a16:creationId xmlns:a16="http://schemas.microsoft.com/office/drawing/2014/main" id="{55ECBF04-F52F-4B3F-9304-4E4A2E668DA9}"/>
+              </a:ext>
+            </a:extLst>
+          </p:cNvPr>
+          <p:cNvSpPr>
+            <a:spLocks noGrp="1"/>
+          </p:cNvSpPr>
+          <p:nvPr>
+            <p:ph idx="1"/>
+          </p:nvPr>
+        </p:nvSpPr>
+        <p:spPr/>
+        <p:txBody>
+          <a:bodyPr/>
+          <a:lstStyle/>
+          <a:p>
+            <a:endParaRPr lang="en-GB" dirty="0"/>
+          </a:p>
+        </p:txBody>
+      </p:sp>
+    </p:spTree>
+    <p:extLst>
+      <p:ext uri="{BB962C8B-B14F-4D97-AF65-F5344CB8AC3E}">
+        <p14:creationId xmlns:p14="http://schemas.microsoft.com/office/powerpoint/2010/main" val="559109952"/>
+      </p:ext>
+    </p:extLst>
+  </p:cSld>
+  <p:clrMapOvr>
+    <a:masterClrMapping/>
+  </p:clrMapOvr>
+</p:sld>
+</file>
+
+<file path=ppt/slides/slide23.xml><?xml version="1.0" encoding="utf-8"?>
+<p:sld xmlns:a="http://schemas.openxmlformats.org/drawingml/2006/main" xmlns:r="http://schemas.openxmlformats.org/officeDocument/2006/relationships" xmlns:p="http://schemas.openxmlformats.org/presentationml/2006/main">
+  <p:cSld>
+    <p:spTree>
+      <p:nvGrpSpPr>
+        <p:cNvPr id="1" name=""/>
+        <p:cNvGrpSpPr/>
+        <p:nvPr/>
+      </p:nvGrpSpPr>
+      <p:grpSpPr>
+        <a:xfrm>
+          <a:off x="0" y="0"/>
+          <a:ext cx="0" cy="0"/>
+          <a:chOff x="0" y="0"/>
+          <a:chExt cx="0" cy="0"/>
+        </a:xfrm>
+      </p:grpSpPr>
+      <p:sp>
+        <p:nvSpPr>
+          <p:cNvPr id="2" name="Titre 1">
+            <a:extLst>
+              <a:ext uri="{FF2B5EF4-FFF2-40B4-BE49-F238E27FC236}">
+                <a16:creationId xmlns:a16="http://schemas.microsoft.com/office/drawing/2014/main" id="{21766C66-1FE8-40A6-86E7-67715FC56E02}"/>
+              </a:ext>
+            </a:extLst>
+          </p:cNvPr>
+          <p:cNvSpPr>
+            <a:spLocks noGrp="1"/>
+          </p:cNvSpPr>
+          <p:nvPr>
+            <p:ph type="title"/>
+          </p:nvPr>
+        </p:nvSpPr>
+        <p:spPr/>
+        <p:txBody>
+          <a:bodyPr>
+            <a:normAutofit/>
+          </a:bodyPr>
+          <a:lstStyle/>
+          <a:p>
+            <a:r>
+              <a:rPr lang="fr-FR" sz="1400" dirty="0">
+                <a:solidFill>
+                  <a:srgbClr val="FF0000"/>
+                </a:solidFill>
+                <a:effectLst/>
+                <a:latin typeface="Arial" panose="020B0604020202020204" pitchFamily="34" charset="0"/>
+              </a:rPr>
+              <a:t>12.</a:t>
+            </a:r>
+            <a:r>
+              <a:rPr lang="fr-FR" sz="1400" dirty="0">
+                <a:effectLst/>
+                <a:latin typeface="Arial" panose="020B0604020202020204" pitchFamily="34" charset="0"/>
+              </a:rPr>
+              <a:t>Apprentissage neuronal: En quoi est-ce un apprentissage supervisé? Qu’est qu’un classifieur linéaire? Que propose l’algorithme du perceptron? Quelle est sa relation à un neurone artificiel? Comment peut-on entrainer un neurone artificiel? Quels sont ses paramètres? Quels sont les paramètres de l’algorithme d’apprentissage? Quel est le principe de l’algorithme de descente en gradient?</a:t>
+            </a:r>
+            <a:endParaRPr lang="en-GB" sz="1400" dirty="0"/>
+          </a:p>
+        </p:txBody>
+      </p:sp>
+      <p:sp>
+        <p:nvSpPr>
+          <p:cNvPr id="3" name="Espace réservé du contenu 2">
+            <a:extLst>
+              <a:ext uri="{FF2B5EF4-FFF2-40B4-BE49-F238E27FC236}">
+                <a16:creationId xmlns:a16="http://schemas.microsoft.com/office/drawing/2014/main" id="{55ECBF04-F52F-4B3F-9304-4E4A2E668DA9}"/>
+              </a:ext>
+            </a:extLst>
+          </p:cNvPr>
+          <p:cNvSpPr>
+            <a:spLocks noGrp="1"/>
+          </p:cNvSpPr>
+          <p:nvPr>
+            <p:ph idx="1"/>
+          </p:nvPr>
+        </p:nvSpPr>
+        <p:spPr/>
+        <p:txBody>
+          <a:bodyPr/>
+          <a:lstStyle/>
+          <a:p>
+            <a:endParaRPr lang="en-GB" dirty="0"/>
+          </a:p>
+        </p:txBody>
+      </p:sp>
+    </p:spTree>
+    <p:extLst>
+      <p:ext uri="{BB962C8B-B14F-4D97-AF65-F5344CB8AC3E}">
+        <p14:creationId xmlns:p14="http://schemas.microsoft.com/office/powerpoint/2010/main" val="4013026078"/>
+      </p:ext>
+    </p:extLst>
+  </p:cSld>
+  <p:clrMapOvr>
+    <a:masterClrMapping/>
+  </p:clrMapOvr>
+</p:sld>
+</file>
+
+<file path=ppt/slides/slide24.xml><?xml version="1.0" encoding="utf-8"?>
+<p:sld xmlns:a="http://schemas.openxmlformats.org/drawingml/2006/main" xmlns:r="http://schemas.openxmlformats.org/officeDocument/2006/relationships" xmlns:p="http://schemas.openxmlformats.org/presentationml/2006/main">
+  <p:cSld>
+    <p:spTree>
+      <p:nvGrpSpPr>
+        <p:cNvPr id="1" name=""/>
+        <p:cNvGrpSpPr/>
+        <p:nvPr/>
+      </p:nvGrpSpPr>
+      <p:grpSpPr>
+        <a:xfrm>
+          <a:off x="0" y="0"/>
+          <a:ext cx="0" cy="0"/>
+          <a:chOff x="0" y="0"/>
+          <a:chExt cx="0" cy="0"/>
+        </a:xfrm>
+      </p:grpSpPr>
+      <p:sp>
+        <p:nvSpPr>
+          <p:cNvPr id="2" name="Titre 1">
+            <a:extLst>
+              <a:ext uri="{FF2B5EF4-FFF2-40B4-BE49-F238E27FC236}">
+                <a16:creationId xmlns:a16="http://schemas.microsoft.com/office/drawing/2014/main" id="{21766C66-1FE8-40A6-86E7-67715FC56E02}"/>
+              </a:ext>
+            </a:extLst>
+          </p:cNvPr>
+          <p:cNvSpPr>
+            <a:spLocks noGrp="1"/>
+          </p:cNvSpPr>
+          <p:nvPr>
+            <p:ph type="title"/>
+          </p:nvPr>
+        </p:nvSpPr>
+        <p:spPr/>
+        <p:txBody>
+          <a:bodyPr>
+            <a:normAutofit/>
+          </a:bodyPr>
+          <a:lstStyle/>
+          <a:p>
+            <a:r>
+              <a:rPr lang="fr-FR" sz="1400" dirty="0">
+                <a:solidFill>
+                  <a:srgbClr val="FF0000"/>
+                </a:solidFill>
+                <a:effectLst/>
+                <a:latin typeface="Arial" panose="020B0604020202020204" pitchFamily="34" charset="0"/>
+              </a:rPr>
               <a:t>13.</a:t>
             </a:r>
             <a:r>
@@ -8723,7 +9609,7 @@
 </p:sld>
 </file>
 
-<file path=ppt/slides/slide23.xml><?xml version="1.0" encoding="utf-8"?>
+<file path=ppt/slides/slide25.xml><?xml version="1.0" encoding="utf-8"?>
 <p:sld xmlns:a="http://schemas.openxmlformats.org/drawingml/2006/main" xmlns:r="http://schemas.openxmlformats.org/officeDocument/2006/relationships" xmlns:p="http://schemas.openxmlformats.org/presentationml/2006/main">
   <p:cSld>
     <p:spTree>

--- a/intelligenceArtificielle/Intelligence_artificielle_exam.pptx
+++ b/intelligenceArtificielle/Intelligence_artificielle_exam.pptx
@@ -5,7 +5,7 @@
     <p:sldMasterId id="2147483708" r:id="rId1"/>
   </p:sldMasterIdLst>
   <p:notesMasterIdLst>
-    <p:notesMasterId r:id="rId27"/>
+    <p:notesMasterId r:id="rId36"/>
   </p:notesMasterIdLst>
   <p:sldIdLst>
     <p:sldId id="259" r:id="rId2"/>
@@ -24,15 +24,24 @@
     <p:sldId id="261" r:id="rId15"/>
     <p:sldId id="283" r:id="rId16"/>
     <p:sldId id="284" r:id="rId17"/>
-    <p:sldId id="262" r:id="rId18"/>
-    <p:sldId id="263" r:id="rId19"/>
-    <p:sldId id="264" r:id="rId20"/>
-    <p:sldId id="265" r:id="rId21"/>
-    <p:sldId id="266" r:id="rId22"/>
-    <p:sldId id="267" r:id="rId23"/>
-    <p:sldId id="268" r:id="rId24"/>
-    <p:sldId id="269" r:id="rId25"/>
-    <p:sldId id="270" r:id="rId26"/>
+    <p:sldId id="285" r:id="rId18"/>
+    <p:sldId id="287" r:id="rId19"/>
+    <p:sldId id="286" r:id="rId20"/>
+    <p:sldId id="288" r:id="rId21"/>
+    <p:sldId id="262" r:id="rId22"/>
+    <p:sldId id="289" r:id="rId23"/>
+    <p:sldId id="290" r:id="rId24"/>
+    <p:sldId id="291" r:id="rId25"/>
+    <p:sldId id="292" r:id="rId26"/>
+    <p:sldId id="293" r:id="rId27"/>
+    <p:sldId id="263" r:id="rId28"/>
+    <p:sldId id="264" r:id="rId29"/>
+    <p:sldId id="265" r:id="rId30"/>
+    <p:sldId id="266" r:id="rId31"/>
+    <p:sldId id="267" r:id="rId32"/>
+    <p:sldId id="268" r:id="rId33"/>
+    <p:sldId id="269" r:id="rId34"/>
+    <p:sldId id="270" r:id="rId35"/>
   </p:sldIdLst>
   <p:sldSz cx="12192000" cy="6858000"/>
   <p:notesSz cx="6858000" cy="9144000"/>
@@ -233,7 +242,7 @@
           <a:p>
             <a:fld id="{64CBD762-7D85-4C9B-9A27-1200EC1C67A3}" type="datetimeFigureOut">
               <a:rPr lang="fr-CH" smtClean="0"/>
-              <a:t>07.02.2021</a:t>
+              <a:t>08.02.2021</a:t>
             </a:fld>
             <a:endParaRPr lang="fr-CH"/>
           </a:p>
@@ -779,6 +788,21 @@
               <a:t>Si un fait est non décrit, alors il est faux</a:t>
             </a:r>
           </a:p>
+          <a:p>
+            <a:endParaRPr lang="fr-CH" dirty="0"/>
+          </a:p>
+          <a:p>
+            <a:r>
+              <a:rPr lang="fr-CH" dirty="0"/>
+              <a:t>On peut aussi formuler des axiomes qui sont vraies pour tout état du système, comme des règles d’inférence:</a:t>
+            </a:r>
+          </a:p>
+          <a:p>
+            <a:r>
+              <a:rPr lang="fr-CH" dirty="0"/>
+              <a:t>	si on a sur(x, y, s) -&gt; à l’état s, x est sur y, alors on peut inférer que !libre(y) -&gt; y est non libre</a:t>
+            </a:r>
+          </a:p>
         </p:txBody>
       </p:sp>
       <p:sp>
@@ -901,6 +925,1206 @@
 </p:notes>
 </file>
 
+<file path=ppt/notesSlides/notesSlide12.xml><?xml version="1.0" encoding="utf-8"?>
+<p:notes xmlns:a="http://schemas.openxmlformats.org/drawingml/2006/main" xmlns:r="http://schemas.openxmlformats.org/officeDocument/2006/relationships" xmlns:p="http://schemas.openxmlformats.org/presentationml/2006/main">
+  <p:cSld>
+    <p:spTree>
+      <p:nvGrpSpPr>
+        <p:cNvPr id="1" name=""/>
+        <p:cNvGrpSpPr/>
+        <p:nvPr/>
+      </p:nvGrpSpPr>
+      <p:grpSpPr>
+        <a:xfrm>
+          <a:off x="0" y="0"/>
+          <a:ext cx="0" cy="0"/>
+          <a:chOff x="0" y="0"/>
+          <a:chExt cx="0" cy="0"/>
+        </a:xfrm>
+      </p:grpSpPr>
+      <p:sp>
+        <p:nvSpPr>
+          <p:cNvPr id="2" name="Espace réservé de l'image des diapositives 1"/>
+          <p:cNvSpPr>
+            <a:spLocks noGrp="1" noRot="1" noChangeAspect="1"/>
+          </p:cNvSpPr>
+          <p:nvPr>
+            <p:ph type="sldImg"/>
+          </p:nvPr>
+        </p:nvSpPr>
+        <p:spPr/>
+      </p:sp>
+      <p:sp>
+        <p:nvSpPr>
+          <p:cNvPr id="3" name="Espace réservé des notes 2"/>
+          <p:cNvSpPr>
+            <a:spLocks noGrp="1"/>
+          </p:cNvSpPr>
+          <p:nvPr>
+            <p:ph type="body" idx="1"/>
+          </p:nvPr>
+        </p:nvSpPr>
+        <p:spPr/>
+        <p:txBody>
+          <a:bodyPr/>
+          <a:lstStyle/>
+          <a:p>
+            <a:r>
+              <a:rPr lang="fr-CH" dirty="0"/>
+              <a:t>En rouge on voit les préconditions</a:t>
+            </a:r>
+          </a:p>
+          <a:p>
+            <a:r>
+              <a:rPr lang="fr-CH" dirty="0"/>
+              <a:t>En vert les effets de l’action </a:t>
+            </a:r>
+          </a:p>
+        </p:txBody>
+      </p:sp>
+      <p:sp>
+        <p:nvSpPr>
+          <p:cNvPr id="4" name="Espace réservé du numéro de diapositive 3"/>
+          <p:cNvSpPr>
+            <a:spLocks noGrp="1"/>
+          </p:cNvSpPr>
+          <p:nvPr>
+            <p:ph type="sldNum" sz="quarter" idx="5"/>
+          </p:nvPr>
+        </p:nvSpPr>
+        <p:spPr/>
+        <p:txBody>
+          <a:bodyPr/>
+          <a:lstStyle/>
+          <a:p>
+            <a:fld id="{FD6302D7-B1E1-4874-8725-B1250A89F460}" type="slidenum">
+              <a:rPr lang="fr-CH" smtClean="0"/>
+              <a:t>17</a:t>
+            </a:fld>
+            <a:endParaRPr lang="fr-CH"/>
+          </a:p>
+        </p:txBody>
+      </p:sp>
+    </p:spTree>
+    <p:extLst>
+      <p:ext uri="{BB962C8B-B14F-4D97-AF65-F5344CB8AC3E}">
+        <p14:creationId xmlns:p14="http://schemas.microsoft.com/office/powerpoint/2010/main" val="535909477"/>
+      </p:ext>
+    </p:extLst>
+  </p:cSld>
+  <p:clrMapOvr>
+    <a:masterClrMapping/>
+  </p:clrMapOvr>
+</p:notes>
+</file>
+
+<file path=ppt/notesSlides/notesSlide13.xml><?xml version="1.0" encoding="utf-8"?>
+<p:notes xmlns:a="http://schemas.openxmlformats.org/drawingml/2006/main" xmlns:r="http://schemas.openxmlformats.org/officeDocument/2006/relationships" xmlns:p="http://schemas.openxmlformats.org/presentationml/2006/main">
+  <p:cSld>
+    <p:spTree>
+      <p:nvGrpSpPr>
+        <p:cNvPr id="1" name=""/>
+        <p:cNvGrpSpPr/>
+        <p:nvPr/>
+      </p:nvGrpSpPr>
+      <p:grpSpPr>
+        <a:xfrm>
+          <a:off x="0" y="0"/>
+          <a:ext cx="0" cy="0"/>
+          <a:chOff x="0" y="0"/>
+          <a:chExt cx="0" cy="0"/>
+        </a:xfrm>
+      </p:grpSpPr>
+      <p:sp>
+        <p:nvSpPr>
+          <p:cNvPr id="2" name="Espace réservé de l'image des diapositives 1"/>
+          <p:cNvSpPr>
+            <a:spLocks noGrp="1" noRot="1" noChangeAspect="1"/>
+          </p:cNvSpPr>
+          <p:nvPr>
+            <p:ph type="sldImg"/>
+          </p:nvPr>
+        </p:nvSpPr>
+        <p:spPr/>
+      </p:sp>
+      <p:sp>
+        <p:nvSpPr>
+          <p:cNvPr id="3" name="Espace réservé des notes 2"/>
+          <p:cNvSpPr>
+            <a:spLocks noGrp="1"/>
+          </p:cNvSpPr>
+          <p:nvPr>
+            <p:ph type="body" idx="1"/>
+          </p:nvPr>
+        </p:nvSpPr>
+        <p:spPr/>
+        <p:txBody>
+          <a:bodyPr/>
+          <a:lstStyle/>
+          <a:p>
+            <a:r>
+              <a:rPr lang="fr-CH" dirty="0"/>
+              <a:t>Chez le chainage avant on a un niveau de branchement élevé et pas de garantie de complétude</a:t>
+            </a:r>
+          </a:p>
+          <a:p>
+            <a:pPr marL="0" marR="0" lvl="0" indent="0" algn="l" defTabSz="914400" rtl="0" eaLnBrk="1" fontAlgn="auto" latinLnBrk="0" hangingPunct="1">
+              <a:lnSpc>
+                <a:spcPct val="100000"/>
+              </a:lnSpc>
+              <a:spcBef>
+                <a:spcPts val="0"/>
+              </a:spcBef>
+              <a:spcAft>
+                <a:spcPts val="0"/>
+              </a:spcAft>
+              <a:buClrTx/>
+              <a:buSzTx/>
+              <a:buFontTx/>
+              <a:buNone/>
+              <a:tabLst/>
+              <a:defRPr/>
+            </a:pPr>
+            <a:r>
+              <a:rPr lang="fr-CH" dirty="0"/>
+              <a:t>Chez le chainage arrière on a un niveau de branchement réduit vs chainage avant</a:t>
+            </a:r>
+          </a:p>
+        </p:txBody>
+      </p:sp>
+      <p:sp>
+        <p:nvSpPr>
+          <p:cNvPr id="4" name="Espace réservé du numéro de diapositive 3"/>
+          <p:cNvSpPr>
+            <a:spLocks noGrp="1"/>
+          </p:cNvSpPr>
+          <p:nvPr>
+            <p:ph type="sldNum" sz="quarter" idx="5"/>
+          </p:nvPr>
+        </p:nvSpPr>
+        <p:spPr/>
+        <p:txBody>
+          <a:bodyPr/>
+          <a:lstStyle/>
+          <a:p>
+            <a:fld id="{FD6302D7-B1E1-4874-8725-B1250A89F460}" type="slidenum">
+              <a:rPr lang="fr-CH" smtClean="0"/>
+              <a:t>18</a:t>
+            </a:fld>
+            <a:endParaRPr lang="fr-CH"/>
+          </a:p>
+        </p:txBody>
+      </p:sp>
+    </p:spTree>
+    <p:extLst>
+      <p:ext uri="{BB962C8B-B14F-4D97-AF65-F5344CB8AC3E}">
+        <p14:creationId xmlns:p14="http://schemas.microsoft.com/office/powerpoint/2010/main" val="1115892845"/>
+      </p:ext>
+    </p:extLst>
+  </p:cSld>
+  <p:clrMapOvr>
+    <a:masterClrMapping/>
+  </p:clrMapOvr>
+</p:notes>
+</file>
+
+<file path=ppt/notesSlides/notesSlide14.xml><?xml version="1.0" encoding="utf-8"?>
+<p:notes xmlns:a="http://schemas.openxmlformats.org/drawingml/2006/main" xmlns:r="http://schemas.openxmlformats.org/officeDocument/2006/relationships" xmlns:p="http://schemas.openxmlformats.org/presentationml/2006/main">
+  <p:cSld>
+    <p:spTree>
+      <p:nvGrpSpPr>
+        <p:cNvPr id="1" name=""/>
+        <p:cNvGrpSpPr/>
+        <p:nvPr/>
+      </p:nvGrpSpPr>
+      <p:grpSpPr>
+        <a:xfrm>
+          <a:off x="0" y="0"/>
+          <a:ext cx="0" cy="0"/>
+          <a:chOff x="0" y="0"/>
+          <a:chExt cx="0" cy="0"/>
+        </a:xfrm>
+      </p:grpSpPr>
+      <p:sp>
+        <p:nvSpPr>
+          <p:cNvPr id="2" name="Espace réservé de l'image des diapositives 1"/>
+          <p:cNvSpPr>
+            <a:spLocks noGrp="1" noRot="1" noChangeAspect="1"/>
+          </p:cNvSpPr>
+          <p:nvPr>
+            <p:ph type="sldImg"/>
+          </p:nvPr>
+        </p:nvSpPr>
+        <p:spPr/>
+      </p:sp>
+      <p:sp>
+        <p:nvSpPr>
+          <p:cNvPr id="3" name="Espace réservé des notes 2"/>
+          <p:cNvSpPr>
+            <a:spLocks noGrp="1"/>
+          </p:cNvSpPr>
+          <p:nvPr>
+            <p:ph type="body" idx="1"/>
+          </p:nvPr>
+        </p:nvSpPr>
+        <p:spPr/>
+        <p:txBody>
+          <a:bodyPr/>
+          <a:lstStyle/>
+          <a:p>
+            <a:r>
+              <a:rPr lang="fr-CH" dirty="0"/>
+              <a:t>Regardons l’image:</a:t>
+            </a:r>
+          </a:p>
+          <a:p>
+            <a:r>
+              <a:rPr lang="fr-CH" dirty="0"/>
+              <a:t>	l’objectif final est d’avoir la porte ferme à clé, la clé dans la boite courrier, et le robot dehors.</a:t>
+            </a:r>
+          </a:p>
+          <a:p>
+            <a:r>
+              <a:rPr lang="fr-CH" dirty="0"/>
+              <a:t>	ordre objectifs:</a:t>
+            </a:r>
+          </a:p>
+          <a:p>
+            <a:r>
+              <a:rPr lang="fr-CH" dirty="0"/>
+              <a:t>		(1) prendre le clé</a:t>
+            </a:r>
+          </a:p>
+          <a:p>
+            <a:r>
+              <a:rPr lang="fr-CH" dirty="0"/>
+              <a:t>		(2) sortir de la pièce </a:t>
+            </a:r>
+          </a:p>
+          <a:p>
+            <a:r>
+              <a:rPr lang="fr-CH" dirty="0"/>
+              <a:t>		(3) fermer la porte</a:t>
+            </a:r>
+          </a:p>
+          <a:p>
+            <a:r>
+              <a:rPr lang="fr-CH" dirty="0"/>
+              <a:t>		(4) mettre la clé dans courrier</a:t>
+            </a:r>
+          </a:p>
+          <a:p>
+            <a:r>
+              <a:rPr lang="fr-CH" dirty="0"/>
+              <a:t>			</a:t>
+            </a:r>
+          </a:p>
+          <a:p>
+            <a:r>
+              <a:rPr lang="fr-CH" dirty="0"/>
+              <a:t>			si on fait (1) -&gt; (2) -&gt; (4) -&gt; on ne pourra plus faire (3) car la clé ne sera plus accessible</a:t>
+            </a:r>
+          </a:p>
+        </p:txBody>
+      </p:sp>
+      <p:sp>
+        <p:nvSpPr>
+          <p:cNvPr id="4" name="Espace réservé du numéro de diapositive 3"/>
+          <p:cNvSpPr>
+            <a:spLocks noGrp="1"/>
+          </p:cNvSpPr>
+          <p:nvPr>
+            <p:ph type="sldNum" sz="quarter" idx="5"/>
+          </p:nvPr>
+        </p:nvSpPr>
+        <p:spPr/>
+        <p:txBody>
+          <a:bodyPr/>
+          <a:lstStyle/>
+          <a:p>
+            <a:fld id="{FD6302D7-B1E1-4874-8725-B1250A89F460}" type="slidenum">
+              <a:rPr lang="fr-CH" smtClean="0"/>
+              <a:t>19</a:t>
+            </a:fld>
+            <a:endParaRPr lang="fr-CH"/>
+          </a:p>
+        </p:txBody>
+      </p:sp>
+    </p:spTree>
+    <p:extLst>
+      <p:ext uri="{BB962C8B-B14F-4D97-AF65-F5344CB8AC3E}">
+        <p14:creationId xmlns:p14="http://schemas.microsoft.com/office/powerpoint/2010/main" val="2958180090"/>
+      </p:ext>
+    </p:extLst>
+  </p:cSld>
+  <p:clrMapOvr>
+    <a:masterClrMapping/>
+  </p:clrMapOvr>
+</p:notes>
+</file>
+
+<file path=ppt/notesSlides/notesSlide15.xml><?xml version="1.0" encoding="utf-8"?>
+<p:notes xmlns:a="http://schemas.openxmlformats.org/drawingml/2006/main" xmlns:r="http://schemas.openxmlformats.org/officeDocument/2006/relationships" xmlns:p="http://schemas.openxmlformats.org/presentationml/2006/main">
+  <p:cSld>
+    <p:spTree>
+      <p:nvGrpSpPr>
+        <p:cNvPr id="1" name=""/>
+        <p:cNvGrpSpPr/>
+        <p:nvPr/>
+      </p:nvGrpSpPr>
+      <p:grpSpPr>
+        <a:xfrm>
+          <a:off x="0" y="0"/>
+          <a:ext cx="0" cy="0"/>
+          <a:chOff x="0" y="0"/>
+          <a:chExt cx="0" cy="0"/>
+        </a:xfrm>
+      </p:grpSpPr>
+      <p:sp>
+        <p:nvSpPr>
+          <p:cNvPr id="2" name="Espace réservé de l'image des diapositives 1"/>
+          <p:cNvSpPr>
+            <a:spLocks noGrp="1" noRot="1" noChangeAspect="1"/>
+          </p:cNvSpPr>
+          <p:nvPr>
+            <p:ph type="sldImg"/>
+          </p:nvPr>
+        </p:nvSpPr>
+        <p:spPr/>
+      </p:sp>
+      <p:sp>
+        <p:nvSpPr>
+          <p:cNvPr id="3" name="Espace réservé des notes 2"/>
+          <p:cNvSpPr>
+            <a:spLocks noGrp="1"/>
+          </p:cNvSpPr>
+          <p:nvPr>
+            <p:ph type="body" idx="1"/>
+          </p:nvPr>
+        </p:nvSpPr>
+        <p:spPr/>
+        <p:txBody>
+          <a:bodyPr/>
+          <a:lstStyle/>
+          <a:p>
+            <a:endParaRPr lang="fr-CH" dirty="0"/>
+          </a:p>
+        </p:txBody>
+      </p:sp>
+      <p:sp>
+        <p:nvSpPr>
+          <p:cNvPr id="4" name="Espace réservé du numéro de diapositive 3"/>
+          <p:cNvSpPr>
+            <a:spLocks noGrp="1"/>
+          </p:cNvSpPr>
+          <p:nvPr>
+            <p:ph type="sldNum" sz="quarter" idx="5"/>
+          </p:nvPr>
+        </p:nvSpPr>
+        <p:spPr/>
+        <p:txBody>
+          <a:bodyPr/>
+          <a:lstStyle/>
+          <a:p>
+            <a:fld id="{FD6302D7-B1E1-4874-8725-B1250A89F460}" type="slidenum">
+              <a:rPr lang="fr-CH" smtClean="0"/>
+              <a:t>20</a:t>
+            </a:fld>
+            <a:endParaRPr lang="fr-CH"/>
+          </a:p>
+        </p:txBody>
+      </p:sp>
+    </p:spTree>
+    <p:extLst>
+      <p:ext uri="{BB962C8B-B14F-4D97-AF65-F5344CB8AC3E}">
+        <p14:creationId xmlns:p14="http://schemas.microsoft.com/office/powerpoint/2010/main" val="1507703146"/>
+      </p:ext>
+    </p:extLst>
+  </p:cSld>
+  <p:clrMapOvr>
+    <a:masterClrMapping/>
+  </p:clrMapOvr>
+</p:notes>
+</file>
+
+<file path=ppt/notesSlides/notesSlide16.xml><?xml version="1.0" encoding="utf-8"?>
+<p:notes xmlns:a="http://schemas.openxmlformats.org/drawingml/2006/main" xmlns:r="http://schemas.openxmlformats.org/officeDocument/2006/relationships" xmlns:p="http://schemas.openxmlformats.org/presentationml/2006/main">
+  <p:cSld>
+    <p:spTree>
+      <p:nvGrpSpPr>
+        <p:cNvPr id="1" name=""/>
+        <p:cNvGrpSpPr/>
+        <p:nvPr/>
+      </p:nvGrpSpPr>
+      <p:grpSpPr>
+        <a:xfrm>
+          <a:off x="0" y="0"/>
+          <a:ext cx="0" cy="0"/>
+          <a:chOff x="0" y="0"/>
+          <a:chExt cx="0" cy="0"/>
+        </a:xfrm>
+      </p:grpSpPr>
+      <p:sp>
+        <p:nvSpPr>
+          <p:cNvPr id="2" name="Espace réservé de l'image des diapositives 1"/>
+          <p:cNvSpPr>
+            <a:spLocks noGrp="1" noRot="1" noChangeAspect="1"/>
+          </p:cNvSpPr>
+          <p:nvPr>
+            <p:ph type="sldImg"/>
+          </p:nvPr>
+        </p:nvSpPr>
+        <p:spPr/>
+      </p:sp>
+      <mc:AlternateContent xmlns:mc="http://schemas.openxmlformats.org/markup-compatibility/2006">
+        <mc:Choice xmlns:a14="http://schemas.microsoft.com/office/drawing/2010/main" Requires="a14">
+          <p:sp>
+            <p:nvSpPr>
+              <p:cNvPr id="3" name="Espace réservé des notes 2"/>
+              <p:cNvSpPr>
+                <a:spLocks noGrp="1"/>
+              </p:cNvSpPr>
+              <p:nvPr>
+                <p:ph type="body" idx="1"/>
+              </p:nvPr>
+            </p:nvSpPr>
+            <p:spPr/>
+            <p:txBody>
+              <a:bodyPr/>
+              <a:lstStyle/>
+              <a:p>
+                <a14:m>
+                  <m:oMath xmlns:m="http://schemas.openxmlformats.org/officeDocument/2006/math">
+                    <m:r>
+                      <m:rPr>
+                        <m:sty m:val="p"/>
+                      </m:rPr>
+                      <a:rPr lang="fr-CH" smtClean="0">
+                        <a:latin typeface="Cambria Math" panose="02040503050406030204" pitchFamily="18" charset="0"/>
+                      </a:rPr>
+                      <m:t>Γ</m:t>
+                    </m:r>
+                  </m:oMath>
+                </a14:m>
+                <a:r>
+                  <a:rPr lang="fr-CH" dirty="0"/>
+                  <a:t>(</a:t>
+                </a:r>
+                <a14:m>
+                  <m:oMath xmlns:m="http://schemas.openxmlformats.org/officeDocument/2006/math">
+                    <m:sSub>
+                      <m:sSubPr>
+                        <m:ctrlPr>
+                          <a:rPr lang="x-IV_mathan" i="1">
+                            <a:latin typeface="Cambria Math" panose="02040503050406030204" pitchFamily="18" charset="0"/>
+                          </a:rPr>
+                        </m:ctrlPr>
+                      </m:sSubPr>
+                      <m:e>
+                        <m:r>
+                          <a:rPr lang="fr-CH" i="1">
+                            <a:latin typeface="Cambria Math" panose="02040503050406030204" pitchFamily="18" charset="0"/>
+                          </a:rPr>
+                          <m:t>𝑋</m:t>
+                        </m:r>
+                      </m:e>
+                      <m:sub>
+                        <m:r>
+                          <a:rPr lang="fr-CH" b="0" i="1" smtClean="0">
+                            <a:latin typeface="Cambria Math" panose="02040503050406030204" pitchFamily="18" charset="0"/>
+                          </a:rPr>
+                          <m:t>𝑖</m:t>
+                        </m:r>
+                      </m:sub>
+                    </m:sSub>
+                  </m:oMath>
+                </a14:m>
+                <a:r>
+                  <a:rPr lang="fr-CH" dirty="0"/>
+                  <a:t>) – fonction gamma</a:t>
+                </a:r>
+                <a:r>
+                  <a:rPr lang="fr-CH" baseline="0" dirty="0"/>
+                  <a:t> – fonction de voisinage</a:t>
+                </a:r>
+              </a:p>
+              <a:p>
+                <a:endParaRPr lang="fr-CH" baseline="0" dirty="0"/>
+              </a:p>
+              <a:p>
+                <a:r>
+                  <a:rPr lang="fr-CH" baseline="0" dirty="0"/>
+                  <a:t>La formule avec le produit:</a:t>
+                </a:r>
+              </a:p>
+              <a:p>
+                <a:r>
+                  <a:rPr lang="fr-CH" baseline="0" dirty="0"/>
+                  <a:t>	c est la probabilité entre </a:t>
+                </a:r>
+                <a14:m>
+                  <m:oMath xmlns:m="http://schemas.openxmlformats.org/officeDocument/2006/math">
+                    <m:sSub>
+                      <m:sSubPr>
+                        <m:ctrlPr>
+                          <a:rPr lang="en-GB" i="1" smtClean="0">
+                            <a:solidFill>
+                              <a:srgbClr val="000000"/>
+                            </a:solidFill>
+                            <a:effectLst/>
+                            <a:latin typeface="Cambria Math" panose="02040503050406030204" pitchFamily="18" charset="0"/>
+                          </a:rPr>
+                        </m:ctrlPr>
+                      </m:sSubPr>
+                      <m:e>
+                        <m:r>
+                          <a:rPr lang="en-GB">
+                            <a:solidFill>
+                              <a:srgbClr val="000000"/>
+                            </a:solidFill>
+                            <a:effectLst/>
+                            <a:latin typeface="Cambria Math" panose="02040503050406030204" pitchFamily="18" charset="0"/>
+                          </a:rPr>
+                          <m:t>𝑋</m:t>
+                        </m:r>
+                      </m:e>
+                      <m:sub>
+                        <m:r>
+                          <a:rPr lang="en-GB">
+                            <a:solidFill>
+                              <a:srgbClr val="000000"/>
+                            </a:solidFill>
+                            <a:effectLst/>
+                            <a:latin typeface="Cambria Math" panose="02040503050406030204" pitchFamily="18" charset="0"/>
+                          </a:rPr>
+                          <m:t>𝑖</m:t>
+                        </m:r>
+                      </m:sub>
+                    </m:sSub>
+                  </m:oMath>
+                </a14:m>
+                <a:r>
+                  <a:rPr lang="fr-CH" dirty="0"/>
+                  <a:t> et chaque </a:t>
+                </a:r>
+                <a14:m>
+                  <m:oMath xmlns:m="http://schemas.openxmlformats.org/officeDocument/2006/math">
+                    <m:sSub>
+                      <m:sSubPr>
+                        <m:ctrlPr>
+                          <a:rPr lang="en-GB" i="1" smtClean="0">
+                            <a:solidFill>
+                              <a:srgbClr val="000000"/>
+                            </a:solidFill>
+                            <a:effectLst/>
+                            <a:latin typeface="Cambria Math" panose="02040503050406030204" pitchFamily="18" charset="0"/>
+                          </a:rPr>
+                        </m:ctrlPr>
+                      </m:sSubPr>
+                      <m:e>
+                        <m:r>
+                          <a:rPr lang="en-GB">
+                            <a:solidFill>
+                              <a:srgbClr val="000000"/>
+                            </a:solidFill>
+                            <a:effectLst/>
+                            <a:latin typeface="Cambria Math" panose="02040503050406030204" pitchFamily="18" charset="0"/>
+                          </a:rPr>
+                          <m:t>𝑋</m:t>
+                        </m:r>
+                      </m:e>
+                      <m:sub>
+                        <m:r>
+                          <a:rPr lang="fr-CH" b="0" i="1" smtClean="0">
+                            <a:solidFill>
+                              <a:srgbClr val="000000"/>
+                            </a:solidFill>
+                            <a:effectLst/>
+                            <a:latin typeface="Cambria Math" panose="02040503050406030204" pitchFamily="18" charset="0"/>
+                          </a:rPr>
+                          <m:t>𝑗</m:t>
+                        </m:r>
+                      </m:sub>
+                    </m:sSub>
+                  </m:oMath>
+                </a14:m>
+                <a:r>
+                  <a:rPr lang="fr-CH" dirty="0"/>
+                  <a:t> tq</a:t>
+                </a:r>
+                <a:r>
+                  <a:rPr lang="fr-CH" baseline="0" dirty="0"/>
+                  <a:t> </a:t>
+                </a:r>
+                <a14:m>
+                  <m:oMath xmlns:m="http://schemas.openxmlformats.org/officeDocument/2006/math">
+                    <m:sSub>
+                      <m:sSubPr>
+                        <m:ctrlPr>
+                          <a:rPr lang="en-GB" i="1" smtClean="0">
+                            <a:solidFill>
+                              <a:srgbClr val="000000"/>
+                            </a:solidFill>
+                            <a:effectLst/>
+                            <a:latin typeface="Cambria Math" panose="02040503050406030204" pitchFamily="18" charset="0"/>
+                          </a:rPr>
+                        </m:ctrlPr>
+                      </m:sSubPr>
+                      <m:e>
+                        <m:r>
+                          <a:rPr lang="en-GB">
+                            <a:solidFill>
+                              <a:srgbClr val="000000"/>
+                            </a:solidFill>
+                            <a:effectLst/>
+                            <a:latin typeface="Cambria Math" panose="02040503050406030204" pitchFamily="18" charset="0"/>
+                          </a:rPr>
+                          <m:t>𝑋</m:t>
+                        </m:r>
+                      </m:e>
+                      <m:sub>
+                        <m:r>
+                          <a:rPr lang="en-GB">
+                            <a:solidFill>
+                              <a:srgbClr val="000000"/>
+                            </a:solidFill>
+                            <a:effectLst/>
+                            <a:latin typeface="Cambria Math" panose="02040503050406030204" pitchFamily="18" charset="0"/>
+                          </a:rPr>
+                          <m:t>𝑖</m:t>
+                        </m:r>
+                      </m:sub>
+                    </m:sSub>
+                  </m:oMath>
+                </a14:m>
+                <a:r>
+                  <a:rPr lang="fr-CH" dirty="0"/>
+                  <a:t> dépend de </a:t>
+                </a:r>
+                <a14:m>
+                  <m:oMath xmlns:m="http://schemas.openxmlformats.org/officeDocument/2006/math">
+                    <m:sSub>
+                      <m:sSubPr>
+                        <m:ctrlPr>
+                          <a:rPr lang="en-GB" i="1" smtClean="0">
+                            <a:solidFill>
+                              <a:srgbClr val="000000"/>
+                            </a:solidFill>
+                            <a:effectLst/>
+                            <a:latin typeface="Cambria Math" panose="02040503050406030204" pitchFamily="18" charset="0"/>
+                          </a:rPr>
+                        </m:ctrlPr>
+                      </m:sSubPr>
+                      <m:e>
+                        <m:r>
+                          <a:rPr lang="en-GB">
+                            <a:solidFill>
+                              <a:srgbClr val="000000"/>
+                            </a:solidFill>
+                            <a:effectLst/>
+                            <a:latin typeface="Cambria Math" panose="02040503050406030204" pitchFamily="18" charset="0"/>
+                          </a:rPr>
+                          <m:t>𝑋</m:t>
+                        </m:r>
+                      </m:e>
+                      <m:sub>
+                        <m:r>
+                          <a:rPr lang="fr-CH" b="0" i="1" smtClean="0">
+                            <a:solidFill>
+                              <a:srgbClr val="000000"/>
+                            </a:solidFill>
+                            <a:effectLst/>
+                            <a:latin typeface="Cambria Math" panose="02040503050406030204" pitchFamily="18" charset="0"/>
+                          </a:rPr>
+                          <m:t>𝑗</m:t>
+                        </m:r>
+                      </m:sub>
+                    </m:sSub>
+                  </m:oMath>
+                </a14:m>
+                <a:r>
+                  <a:rPr lang="fr-CH" dirty="0"/>
+                  <a:t> </a:t>
+                </a:r>
+              </a:p>
+            </p:txBody>
+          </p:sp>
+        </mc:Choice>
+        <mc:Fallback>
+          <p:sp>
+            <p:nvSpPr>
+              <p:cNvPr id="3" name="Espace réservé des notes 2"/>
+              <p:cNvSpPr>
+                <a:spLocks noGrp="1"/>
+              </p:cNvSpPr>
+              <p:nvPr>
+                <p:ph type="body" idx="1"/>
+              </p:nvPr>
+            </p:nvSpPr>
+            <p:spPr/>
+            <p:txBody>
+              <a:bodyPr/>
+              <a:lstStyle/>
+              <a:p>
+                <a:r>
+                  <a:rPr lang="fr-CH" i="0">
+                    <a:latin typeface="Cambria Math" panose="02040503050406030204" pitchFamily="18" charset="0"/>
+                  </a:rPr>
+                  <a:t>Γ</a:t>
+                </a:r>
+                <a:r>
+                  <a:rPr lang="fr-CH" dirty="0"/>
+                  <a:t>(</a:t>
+                </a:r>
+                <a:r>
+                  <a:rPr lang="fr-CH" i="0">
+                    <a:latin typeface="Cambria Math" panose="02040503050406030204" pitchFamily="18" charset="0"/>
+                  </a:rPr>
+                  <a:t>𝑋</a:t>
+                </a:r>
+                <a:r>
+                  <a:rPr lang="x-IV_mathan" i="0">
+                    <a:latin typeface="Cambria Math" panose="02040503050406030204" pitchFamily="18" charset="0"/>
+                  </a:rPr>
+                  <a:t>_</a:t>
+                </a:r>
+                <a:r>
+                  <a:rPr lang="fr-CH" b="0" i="0">
+                    <a:latin typeface="Cambria Math" panose="02040503050406030204" pitchFamily="18" charset="0"/>
+                  </a:rPr>
+                  <a:t>𝑖</a:t>
+                </a:r>
+                <a:r>
+                  <a:rPr lang="fr-CH" dirty="0"/>
+                  <a:t>) – fonction gamma</a:t>
+                </a:r>
+                <a:r>
+                  <a:rPr lang="fr-CH" baseline="0" dirty="0"/>
+                  <a:t> – fonction de voisinage</a:t>
+                </a:r>
+              </a:p>
+              <a:p>
+                <a:endParaRPr lang="fr-CH" baseline="0" dirty="0"/>
+              </a:p>
+              <a:p>
+                <a:r>
+                  <a:rPr lang="fr-CH" baseline="0" dirty="0"/>
+                  <a:t>La formule avec le produit:</a:t>
+                </a:r>
+              </a:p>
+              <a:p>
+                <a:r>
+                  <a:rPr lang="fr-CH" baseline="0" dirty="0"/>
+                  <a:t>	c est la probabilité entre </a:t>
+                </a:r>
+                <a:r>
+                  <a:rPr lang="en-GB" i="0">
+                    <a:solidFill>
+                      <a:srgbClr val="000000"/>
+                    </a:solidFill>
+                    <a:effectLst/>
+                    <a:latin typeface="Cambria Math" panose="02040503050406030204" pitchFamily="18" charset="0"/>
+                  </a:rPr>
+                  <a:t>𝑋_𝑖</a:t>
+                </a:r>
+                <a:r>
+                  <a:rPr lang="fr-CH" dirty="0"/>
+                  <a:t> et chaque </a:t>
+                </a:r>
+                <a:r>
+                  <a:rPr lang="en-GB" i="0">
+                    <a:solidFill>
+                      <a:srgbClr val="000000"/>
+                    </a:solidFill>
+                    <a:effectLst/>
+                    <a:latin typeface="Cambria Math" panose="02040503050406030204" pitchFamily="18" charset="0"/>
+                  </a:rPr>
+                  <a:t>𝑋_</a:t>
+                </a:r>
+                <a:r>
+                  <a:rPr lang="fr-CH" b="0" i="0">
+                    <a:solidFill>
+                      <a:srgbClr val="000000"/>
+                    </a:solidFill>
+                    <a:effectLst/>
+                    <a:latin typeface="Cambria Math" panose="02040503050406030204" pitchFamily="18" charset="0"/>
+                  </a:rPr>
+                  <a:t>𝑗</a:t>
+                </a:r>
+                <a:r>
+                  <a:rPr lang="fr-CH" dirty="0"/>
+                  <a:t> tq</a:t>
+                </a:r>
+                <a:r>
+                  <a:rPr lang="fr-CH" baseline="0" dirty="0"/>
+                  <a:t> </a:t>
+                </a:r>
+                <a:r>
+                  <a:rPr lang="en-GB" i="0">
+                    <a:solidFill>
+                      <a:srgbClr val="000000"/>
+                    </a:solidFill>
+                    <a:effectLst/>
+                    <a:latin typeface="Cambria Math" panose="02040503050406030204" pitchFamily="18" charset="0"/>
+                  </a:rPr>
+                  <a:t>𝑋_𝑖</a:t>
+                </a:r>
+                <a:r>
+                  <a:rPr lang="fr-CH" dirty="0"/>
+                  <a:t> dépend de </a:t>
+                </a:r>
+                <a:r>
+                  <a:rPr lang="en-GB" i="0">
+                    <a:solidFill>
+                      <a:srgbClr val="000000"/>
+                    </a:solidFill>
+                    <a:effectLst/>
+                    <a:latin typeface="Cambria Math" panose="02040503050406030204" pitchFamily="18" charset="0"/>
+                  </a:rPr>
+                  <a:t>𝑋_</a:t>
+                </a:r>
+                <a:r>
+                  <a:rPr lang="fr-CH" b="0" i="0">
+                    <a:solidFill>
+                      <a:srgbClr val="000000"/>
+                    </a:solidFill>
+                    <a:effectLst/>
+                    <a:latin typeface="Cambria Math" panose="02040503050406030204" pitchFamily="18" charset="0"/>
+                  </a:rPr>
+                  <a:t>𝑗</a:t>
+                </a:r>
+                <a:r>
+                  <a:rPr lang="fr-CH" dirty="0"/>
+                  <a:t> </a:t>
+                </a:r>
+              </a:p>
+            </p:txBody>
+          </p:sp>
+        </mc:Fallback>
+      </mc:AlternateContent>
+      <p:sp>
+        <p:nvSpPr>
+          <p:cNvPr id="4" name="Espace réservé du numéro de diapositive 3"/>
+          <p:cNvSpPr>
+            <a:spLocks noGrp="1"/>
+          </p:cNvSpPr>
+          <p:nvPr>
+            <p:ph type="sldNum" sz="quarter" idx="5"/>
+          </p:nvPr>
+        </p:nvSpPr>
+        <p:spPr/>
+        <p:txBody>
+          <a:bodyPr/>
+          <a:lstStyle/>
+          <a:p>
+            <a:fld id="{FD6302D7-B1E1-4874-8725-B1250A89F460}" type="slidenum">
+              <a:rPr lang="fr-CH" smtClean="0"/>
+              <a:t>22</a:t>
+            </a:fld>
+            <a:endParaRPr lang="fr-CH"/>
+          </a:p>
+        </p:txBody>
+      </p:sp>
+    </p:spTree>
+    <p:extLst>
+      <p:ext uri="{BB962C8B-B14F-4D97-AF65-F5344CB8AC3E}">
+        <p14:creationId xmlns:p14="http://schemas.microsoft.com/office/powerpoint/2010/main" val="1555064405"/>
+      </p:ext>
+    </p:extLst>
+  </p:cSld>
+  <p:clrMapOvr>
+    <a:masterClrMapping/>
+  </p:clrMapOvr>
+</p:notes>
+</file>
+
+<file path=ppt/notesSlides/notesSlide17.xml><?xml version="1.0" encoding="utf-8"?>
+<p:notes xmlns:a="http://schemas.openxmlformats.org/drawingml/2006/main" xmlns:r="http://schemas.openxmlformats.org/officeDocument/2006/relationships" xmlns:p="http://schemas.openxmlformats.org/presentationml/2006/main">
+  <p:cSld>
+    <p:spTree>
+      <p:nvGrpSpPr>
+        <p:cNvPr id="1" name=""/>
+        <p:cNvGrpSpPr/>
+        <p:nvPr/>
+      </p:nvGrpSpPr>
+      <p:grpSpPr>
+        <a:xfrm>
+          <a:off x="0" y="0"/>
+          <a:ext cx="0" cy="0"/>
+          <a:chOff x="0" y="0"/>
+          <a:chExt cx="0" cy="0"/>
+        </a:xfrm>
+      </p:grpSpPr>
+      <p:sp>
+        <p:nvSpPr>
+          <p:cNvPr id="2" name="Espace réservé de l'image des diapositives 1"/>
+          <p:cNvSpPr>
+            <a:spLocks noGrp="1" noRot="1" noChangeAspect="1"/>
+          </p:cNvSpPr>
+          <p:nvPr>
+            <p:ph type="sldImg"/>
+          </p:nvPr>
+        </p:nvSpPr>
+        <p:spPr/>
+      </p:sp>
+      <p:sp>
+        <p:nvSpPr>
+          <p:cNvPr id="3" name="Espace réservé des notes 2"/>
+          <p:cNvSpPr>
+            <a:spLocks noGrp="1"/>
+          </p:cNvSpPr>
+          <p:nvPr>
+            <p:ph type="body" idx="1"/>
+          </p:nvPr>
+        </p:nvSpPr>
+        <p:spPr/>
+        <p:txBody>
+          <a:bodyPr/>
+          <a:lstStyle/>
+          <a:p>
+            <a:r>
+              <a:rPr lang="fr-CH" dirty="0"/>
+              <a:t>L’utilité du PGM est surtout vu quand on pense que l’alternative c’est le graphe complet, où tout le monde dépend de tout le monde</a:t>
+            </a:r>
+          </a:p>
+        </p:txBody>
+      </p:sp>
+      <p:sp>
+        <p:nvSpPr>
+          <p:cNvPr id="4" name="Espace réservé du numéro de diapositive 3"/>
+          <p:cNvSpPr>
+            <a:spLocks noGrp="1"/>
+          </p:cNvSpPr>
+          <p:nvPr>
+            <p:ph type="sldNum" sz="quarter" idx="5"/>
+          </p:nvPr>
+        </p:nvSpPr>
+        <p:spPr/>
+        <p:txBody>
+          <a:bodyPr/>
+          <a:lstStyle/>
+          <a:p>
+            <a:fld id="{FD6302D7-B1E1-4874-8725-B1250A89F460}" type="slidenum">
+              <a:rPr lang="fr-CH" smtClean="0"/>
+              <a:t>23</a:t>
+            </a:fld>
+            <a:endParaRPr lang="fr-CH"/>
+          </a:p>
+        </p:txBody>
+      </p:sp>
+    </p:spTree>
+    <p:extLst>
+      <p:ext uri="{BB962C8B-B14F-4D97-AF65-F5344CB8AC3E}">
+        <p14:creationId xmlns:p14="http://schemas.microsoft.com/office/powerpoint/2010/main" val="227848983"/>
+      </p:ext>
+    </p:extLst>
+  </p:cSld>
+  <p:clrMapOvr>
+    <a:masterClrMapping/>
+  </p:clrMapOvr>
+</p:notes>
+</file>
+
+<file path=ppt/notesSlides/notesSlide18.xml><?xml version="1.0" encoding="utf-8"?>
+<p:notes xmlns:a="http://schemas.openxmlformats.org/drawingml/2006/main" xmlns:r="http://schemas.openxmlformats.org/officeDocument/2006/relationships" xmlns:p="http://schemas.openxmlformats.org/presentationml/2006/main">
+  <p:cSld>
+    <p:spTree>
+      <p:nvGrpSpPr>
+        <p:cNvPr id="1" name=""/>
+        <p:cNvGrpSpPr/>
+        <p:nvPr/>
+      </p:nvGrpSpPr>
+      <p:grpSpPr>
+        <a:xfrm>
+          <a:off x="0" y="0"/>
+          <a:ext cx="0" cy="0"/>
+          <a:chOff x="0" y="0"/>
+          <a:chExt cx="0" cy="0"/>
+        </a:xfrm>
+      </p:grpSpPr>
+      <p:sp>
+        <p:nvSpPr>
+          <p:cNvPr id="2" name="Espace réservé de l'image des diapositives 1"/>
+          <p:cNvSpPr>
+            <a:spLocks noGrp="1" noRot="1" noChangeAspect="1"/>
+          </p:cNvSpPr>
+          <p:nvPr>
+            <p:ph type="sldImg"/>
+          </p:nvPr>
+        </p:nvSpPr>
+        <p:spPr/>
+      </p:sp>
+      <p:sp>
+        <p:nvSpPr>
+          <p:cNvPr id="3" name="Espace réservé des notes 2"/>
+          <p:cNvSpPr>
+            <a:spLocks noGrp="1"/>
+          </p:cNvSpPr>
+          <p:nvPr>
+            <p:ph type="body" idx="1"/>
+          </p:nvPr>
+        </p:nvSpPr>
+        <p:spPr/>
+        <p:txBody>
+          <a:bodyPr/>
+          <a:lstStyle/>
+          <a:p>
+            <a:endParaRPr lang="fr-CH" dirty="0"/>
+          </a:p>
+        </p:txBody>
+      </p:sp>
+      <p:sp>
+        <p:nvSpPr>
+          <p:cNvPr id="4" name="Espace réservé du numéro de diapositive 3"/>
+          <p:cNvSpPr>
+            <a:spLocks noGrp="1"/>
+          </p:cNvSpPr>
+          <p:nvPr>
+            <p:ph type="sldNum" sz="quarter" idx="5"/>
+          </p:nvPr>
+        </p:nvSpPr>
+        <p:spPr/>
+        <p:txBody>
+          <a:bodyPr/>
+          <a:lstStyle/>
+          <a:p>
+            <a:fld id="{FD6302D7-B1E1-4874-8725-B1250A89F460}" type="slidenum">
+              <a:rPr lang="fr-CH" smtClean="0"/>
+              <a:t>24</a:t>
+            </a:fld>
+            <a:endParaRPr lang="fr-CH"/>
+          </a:p>
+        </p:txBody>
+      </p:sp>
+    </p:spTree>
+    <p:extLst>
+      <p:ext uri="{BB962C8B-B14F-4D97-AF65-F5344CB8AC3E}">
+        <p14:creationId xmlns:p14="http://schemas.microsoft.com/office/powerpoint/2010/main" val="3254919995"/>
+      </p:ext>
+    </p:extLst>
+  </p:cSld>
+  <p:clrMapOvr>
+    <a:masterClrMapping/>
+  </p:clrMapOvr>
+</p:notes>
+</file>
+
+<file path=ppt/notesSlides/notesSlide19.xml><?xml version="1.0" encoding="utf-8"?>
+<p:notes xmlns:a="http://schemas.openxmlformats.org/drawingml/2006/main" xmlns:r="http://schemas.openxmlformats.org/officeDocument/2006/relationships" xmlns:p="http://schemas.openxmlformats.org/presentationml/2006/main">
+  <p:cSld>
+    <p:spTree>
+      <p:nvGrpSpPr>
+        <p:cNvPr id="1" name=""/>
+        <p:cNvGrpSpPr/>
+        <p:nvPr/>
+      </p:nvGrpSpPr>
+      <p:grpSpPr>
+        <a:xfrm>
+          <a:off x="0" y="0"/>
+          <a:ext cx="0" cy="0"/>
+          <a:chOff x="0" y="0"/>
+          <a:chExt cx="0" cy="0"/>
+        </a:xfrm>
+      </p:grpSpPr>
+      <p:sp>
+        <p:nvSpPr>
+          <p:cNvPr id="2" name="Espace réservé de l'image des diapositives 1"/>
+          <p:cNvSpPr>
+            <a:spLocks noGrp="1" noRot="1" noChangeAspect="1"/>
+          </p:cNvSpPr>
+          <p:nvPr>
+            <p:ph type="sldImg"/>
+          </p:nvPr>
+        </p:nvSpPr>
+        <p:spPr/>
+      </p:sp>
+      <p:sp>
+        <p:nvSpPr>
+          <p:cNvPr id="3" name="Espace réservé des notes 2"/>
+          <p:cNvSpPr>
+            <a:spLocks noGrp="1"/>
+          </p:cNvSpPr>
+          <p:nvPr>
+            <p:ph type="body" idx="1"/>
+          </p:nvPr>
+        </p:nvSpPr>
+        <p:spPr/>
+        <p:txBody>
+          <a:bodyPr/>
+          <a:lstStyle/>
+          <a:p>
+            <a:pPr marL="0" marR="0" lvl="0" indent="0" algn="l" defTabSz="914400" rtl="0" eaLnBrk="1" fontAlgn="auto" latinLnBrk="0" hangingPunct="1">
+              <a:lnSpc>
+                <a:spcPct val="100000"/>
+              </a:lnSpc>
+              <a:spcBef>
+                <a:spcPts val="0"/>
+              </a:spcBef>
+              <a:spcAft>
+                <a:spcPts val="0"/>
+              </a:spcAft>
+              <a:buClrTx/>
+              <a:buSzTx/>
+              <a:buFontTx/>
+              <a:buNone/>
+              <a:tabLst/>
+              <a:defRPr/>
+            </a:pPr>
+            <a:r>
+              <a:rPr lang="fr-CH" dirty="0"/>
+              <a:t>!!! -&gt; Z est indépendant de X que quand on connait Y, si on connait pas Y, il n’est pas indépendant de X</a:t>
+            </a:r>
+          </a:p>
+          <a:p>
+            <a:endParaRPr lang="fr-CH" dirty="0"/>
+          </a:p>
+          <a:p>
+            <a:r>
+              <a:rPr lang="fr-CH" dirty="0"/>
+              <a:t>Dans ce PGM, Z est aveugle à la valeur de X</a:t>
+            </a:r>
+          </a:p>
+          <a:p>
+            <a:endParaRPr lang="fr-CH" dirty="0"/>
+          </a:p>
+        </p:txBody>
+      </p:sp>
+      <p:sp>
+        <p:nvSpPr>
+          <p:cNvPr id="4" name="Espace réservé du numéro de diapositive 3"/>
+          <p:cNvSpPr>
+            <a:spLocks noGrp="1"/>
+          </p:cNvSpPr>
+          <p:nvPr>
+            <p:ph type="sldNum" sz="quarter" idx="5"/>
+          </p:nvPr>
+        </p:nvSpPr>
+        <p:spPr/>
+        <p:txBody>
+          <a:bodyPr/>
+          <a:lstStyle/>
+          <a:p>
+            <a:fld id="{FD6302D7-B1E1-4874-8725-B1250A89F460}" type="slidenum">
+              <a:rPr lang="fr-CH" smtClean="0"/>
+              <a:t>25</a:t>
+            </a:fld>
+            <a:endParaRPr lang="fr-CH"/>
+          </a:p>
+        </p:txBody>
+      </p:sp>
+    </p:spTree>
+    <p:extLst>
+      <p:ext uri="{BB962C8B-B14F-4D97-AF65-F5344CB8AC3E}">
+        <p14:creationId xmlns:p14="http://schemas.microsoft.com/office/powerpoint/2010/main" val="3310436973"/>
+      </p:ext>
+    </p:extLst>
+  </p:cSld>
+  <p:clrMapOvr>
+    <a:masterClrMapping/>
+  </p:clrMapOvr>
+</p:notes>
+</file>
+
 <file path=ppt/notesSlides/notesSlide2.xml><?xml version="1.0" encoding="utf-8"?>
 <p:notes xmlns:a="http://schemas.openxmlformats.org/drawingml/2006/main" xmlns:r="http://schemas.openxmlformats.org/officeDocument/2006/relationships" xmlns:p="http://schemas.openxmlformats.org/presentationml/2006/main">
   <p:cSld>
@@ -1004,6 +2228,90 @@
     <p:extLst>
       <p:ext uri="{BB962C8B-B14F-4D97-AF65-F5344CB8AC3E}">
         <p14:creationId xmlns:p14="http://schemas.microsoft.com/office/powerpoint/2010/main" val="4085906023"/>
+      </p:ext>
+    </p:extLst>
+  </p:cSld>
+  <p:clrMapOvr>
+    <a:masterClrMapping/>
+  </p:clrMapOvr>
+</p:notes>
+</file>
+
+<file path=ppt/notesSlides/notesSlide20.xml><?xml version="1.0" encoding="utf-8"?>
+<p:notes xmlns:a="http://schemas.openxmlformats.org/drawingml/2006/main" xmlns:r="http://schemas.openxmlformats.org/officeDocument/2006/relationships" xmlns:p="http://schemas.openxmlformats.org/presentationml/2006/main">
+  <p:cSld>
+    <p:spTree>
+      <p:nvGrpSpPr>
+        <p:cNvPr id="1" name=""/>
+        <p:cNvGrpSpPr/>
+        <p:nvPr/>
+      </p:nvGrpSpPr>
+      <p:grpSpPr>
+        <a:xfrm>
+          <a:off x="0" y="0"/>
+          <a:ext cx="0" cy="0"/>
+          <a:chOff x="0" y="0"/>
+          <a:chExt cx="0" cy="0"/>
+        </a:xfrm>
+      </p:grpSpPr>
+      <p:sp>
+        <p:nvSpPr>
+          <p:cNvPr id="2" name="Espace réservé de l'image des diapositives 1"/>
+          <p:cNvSpPr>
+            <a:spLocks noGrp="1" noRot="1" noChangeAspect="1"/>
+          </p:cNvSpPr>
+          <p:nvPr>
+            <p:ph type="sldImg"/>
+          </p:nvPr>
+        </p:nvSpPr>
+        <p:spPr/>
+      </p:sp>
+      <p:sp>
+        <p:nvSpPr>
+          <p:cNvPr id="3" name="Espace réservé des notes 2"/>
+          <p:cNvSpPr>
+            <a:spLocks noGrp="1"/>
+          </p:cNvSpPr>
+          <p:nvPr>
+            <p:ph type="body" idx="1"/>
+          </p:nvPr>
+        </p:nvSpPr>
+        <p:spPr/>
+        <p:txBody>
+          <a:bodyPr/>
+          <a:lstStyle/>
+          <a:p>
+            <a:endParaRPr lang="fr-CH" dirty="0"/>
+          </a:p>
+        </p:txBody>
+      </p:sp>
+      <p:sp>
+        <p:nvSpPr>
+          <p:cNvPr id="4" name="Espace réservé du numéro de diapositive 3"/>
+          <p:cNvSpPr>
+            <a:spLocks noGrp="1"/>
+          </p:cNvSpPr>
+          <p:nvPr>
+            <p:ph type="sldNum" sz="quarter" idx="5"/>
+          </p:nvPr>
+        </p:nvSpPr>
+        <p:spPr/>
+        <p:txBody>
+          <a:bodyPr/>
+          <a:lstStyle/>
+          <a:p>
+            <a:fld id="{FD6302D7-B1E1-4874-8725-B1250A89F460}" type="slidenum">
+              <a:rPr lang="fr-CH" smtClean="0"/>
+              <a:t>26</a:t>
+            </a:fld>
+            <a:endParaRPr lang="fr-CH"/>
+          </a:p>
+        </p:txBody>
+      </p:sp>
+    </p:spTree>
+    <p:extLst>
+      <p:ext uri="{BB962C8B-B14F-4D97-AF65-F5344CB8AC3E}">
+        <p14:creationId xmlns:p14="http://schemas.microsoft.com/office/powerpoint/2010/main" val="1623360270"/>
       </p:ext>
     </p:extLst>
   </p:cSld>
@@ -2173,7 +3481,7 @@
           <a:p>
             <a:fld id="{46EFA6A2-3031-45FF-BDA0-75ECB34C33B1}" type="datetimeFigureOut">
               <a:rPr lang="en-GB" smtClean="0"/>
-              <a:t>07/02/2021</a:t>
+              <a:t>08/02/2021</a:t>
             </a:fld>
             <a:endParaRPr lang="en-GB"/>
           </a:p>
@@ -2373,7 +3681,7 @@
           <a:p>
             <a:fld id="{46EFA6A2-3031-45FF-BDA0-75ECB34C33B1}" type="datetimeFigureOut">
               <a:rPr lang="en-GB" smtClean="0"/>
-              <a:t>07/02/2021</a:t>
+              <a:t>08/02/2021</a:t>
             </a:fld>
             <a:endParaRPr lang="en-GB"/>
           </a:p>
@@ -2583,7 +3891,7 @@
           <a:p>
             <a:fld id="{46EFA6A2-3031-45FF-BDA0-75ECB34C33B1}" type="datetimeFigureOut">
               <a:rPr lang="en-GB" smtClean="0"/>
-              <a:t>07/02/2021</a:t>
+              <a:t>08/02/2021</a:t>
             </a:fld>
             <a:endParaRPr lang="en-GB"/>
           </a:p>
@@ -2783,7 +4091,7 @@
           <a:p>
             <a:fld id="{46EFA6A2-3031-45FF-BDA0-75ECB34C33B1}" type="datetimeFigureOut">
               <a:rPr lang="en-GB" smtClean="0"/>
-              <a:t>07/02/2021</a:t>
+              <a:t>08/02/2021</a:t>
             </a:fld>
             <a:endParaRPr lang="en-GB"/>
           </a:p>
@@ -3059,7 +4367,7 @@
           <a:p>
             <a:fld id="{46EFA6A2-3031-45FF-BDA0-75ECB34C33B1}" type="datetimeFigureOut">
               <a:rPr lang="en-GB" smtClean="0"/>
-              <a:t>07/02/2021</a:t>
+              <a:t>08/02/2021</a:t>
             </a:fld>
             <a:endParaRPr lang="en-GB"/>
           </a:p>
@@ -3327,7 +4635,7 @@
           <a:p>
             <a:fld id="{46EFA6A2-3031-45FF-BDA0-75ECB34C33B1}" type="datetimeFigureOut">
               <a:rPr lang="en-GB" smtClean="0"/>
-              <a:t>07/02/2021</a:t>
+              <a:t>08/02/2021</a:t>
             </a:fld>
             <a:endParaRPr lang="en-GB"/>
           </a:p>
@@ -3742,7 +5050,7 @@
           <a:p>
             <a:fld id="{46EFA6A2-3031-45FF-BDA0-75ECB34C33B1}" type="datetimeFigureOut">
               <a:rPr lang="en-GB" smtClean="0"/>
-              <a:t>07/02/2021</a:t>
+              <a:t>08/02/2021</a:t>
             </a:fld>
             <a:endParaRPr lang="en-GB"/>
           </a:p>
@@ -3884,7 +5192,7 @@
           <a:p>
             <a:fld id="{46EFA6A2-3031-45FF-BDA0-75ECB34C33B1}" type="datetimeFigureOut">
               <a:rPr lang="en-GB" smtClean="0"/>
-              <a:t>07/02/2021</a:t>
+              <a:t>08/02/2021</a:t>
             </a:fld>
             <a:endParaRPr lang="en-GB"/>
           </a:p>
@@ -3997,7 +5305,7 @@
           <a:p>
             <a:fld id="{46EFA6A2-3031-45FF-BDA0-75ECB34C33B1}" type="datetimeFigureOut">
               <a:rPr lang="en-GB" smtClean="0"/>
-              <a:t>07/02/2021</a:t>
+              <a:t>08/02/2021</a:t>
             </a:fld>
             <a:endParaRPr lang="en-GB"/>
           </a:p>
@@ -4310,7 +5618,7 @@
           <a:p>
             <a:fld id="{46EFA6A2-3031-45FF-BDA0-75ECB34C33B1}" type="datetimeFigureOut">
               <a:rPr lang="en-GB" smtClean="0"/>
-              <a:t>07/02/2021</a:t>
+              <a:t>08/02/2021</a:t>
             </a:fld>
             <a:endParaRPr lang="en-GB"/>
           </a:p>
@@ -4599,7 +5907,7 @@
           <a:p>
             <a:fld id="{46EFA6A2-3031-45FF-BDA0-75ECB34C33B1}" type="datetimeFigureOut">
               <a:rPr lang="en-GB" smtClean="0"/>
-              <a:t>07/02/2021</a:t>
+              <a:t>08/02/2021</a:t>
             </a:fld>
             <a:endParaRPr lang="en-GB"/>
           </a:p>
@@ -4842,7 +6150,7 @@
           <a:p>
             <a:fld id="{46EFA6A2-3031-45FF-BDA0-75ECB34C33B1}" type="datetimeFigureOut">
               <a:rPr lang="en-GB" smtClean="0"/>
-              <a:t>07/02/2021</a:t>
+              <a:t>08/02/2021</a:t>
             </a:fld>
             <a:endParaRPr lang="en-GB"/>
           </a:p>
@@ -7629,7 +8937,7 @@
                 <a:effectLst/>
                 <a:latin typeface="Arial" panose="020B0604020202020204" pitchFamily="34" charset="0"/>
               </a:rPr>
-              <a:t>Planification:Qu’est-ceque la planification? Quel est la spécificité de l’approche proposée par rapport aux autres méthodes de recherche? Comment se caractérise un état, </a:t>
+              <a:t>Planification:Qu’est-ceque la planification? Quel est la spécificité de l’approche proposée par rapport aux autres méthodes de recherche? Comment se caractérise un état, une action? Décrivez le chainage et la planification non-linéaire. </a:t>
             </a:r>
             <a:r>
               <a:rPr lang="fr-FR" sz="1400" dirty="0">
@@ -7639,7 +8947,7 @@
                 <a:effectLst/>
                 <a:latin typeface="Arial" panose="020B0604020202020204" pitchFamily="34" charset="0"/>
               </a:rPr>
-              <a:t>une action? Décrivez le chainage et la planification non-linéaire. Développez un exemple.</a:t>
+              <a:t>Développez un exemple.</a:t>
             </a:r>
             <a:endParaRPr lang="en-GB" sz="1400" dirty="0">
               <a:solidFill>
@@ -7988,62 +9296,32 @@
           </a:p>
         </p:txBody>
       </p:sp>
-      <p:pic>
-        <p:nvPicPr>
-          <p:cNvPr id="13" name="Image 12">
-            <a:extLst>
-              <a:ext uri="{FF2B5EF4-FFF2-40B4-BE49-F238E27FC236}">
-                <a16:creationId xmlns:a16="http://schemas.microsoft.com/office/drawing/2014/main" id="{EDCCC013-8563-4EFC-A434-5A2E122EC04B}"/>
-              </a:ext>
-            </a:extLst>
-          </p:cNvPr>
-          <p:cNvPicPr>
-            <a:picLocks noChangeAspect="1"/>
-          </p:cNvPicPr>
+      <p:sp>
+        <p:nvSpPr>
+          <p:cNvPr id="14" name="Espace réservé du contenu 6">
+            <a:extLst>
+              <a:ext uri="{FF2B5EF4-FFF2-40B4-BE49-F238E27FC236}">
+                <a16:creationId xmlns:a16="http://schemas.microsoft.com/office/drawing/2014/main" id="{FB467FB3-66DE-47F9-89F8-F6D2EC807F5C}"/>
+              </a:ext>
+            </a:extLst>
+          </p:cNvPr>
+          <p:cNvSpPr txBox="1">
+            <a:spLocks/>
+          </p:cNvSpPr>
           <p:nvPr/>
-        </p:nvPicPr>
-        <p:blipFill>
-          <a:blip r:embed="rId3"/>
-          <a:stretch>
-            <a:fillRect/>
-          </a:stretch>
-        </p:blipFill>
+        </p:nvSpPr>
         <p:spPr>
           <a:xfrm>
-            <a:off x="838200" y="2821777"/>
-            <a:ext cx="1963624" cy="3023018"/>
+            <a:off x="3957005" y="2674947"/>
+            <a:ext cx="7614606" cy="3798682"/>
           </a:xfrm>
           <a:prstGeom prst="rect">
             <a:avLst/>
           </a:prstGeom>
         </p:spPr>
-      </p:pic>
-      <p:sp>
-        <p:nvSpPr>
-          <p:cNvPr id="14" name="Espace réservé du contenu 6">
-            <a:extLst>
-              <a:ext uri="{FF2B5EF4-FFF2-40B4-BE49-F238E27FC236}">
-                <a16:creationId xmlns:a16="http://schemas.microsoft.com/office/drawing/2014/main" id="{FB467FB3-66DE-47F9-89F8-F6D2EC807F5C}"/>
-              </a:ext>
-            </a:extLst>
-          </p:cNvPr>
-          <p:cNvSpPr txBox="1">
-            <a:spLocks/>
-          </p:cNvSpPr>
-          <p:nvPr/>
-        </p:nvSpPr>
-        <p:spPr>
-          <a:xfrm>
-            <a:off x="3908453" y="2918882"/>
-            <a:ext cx="7841182" cy="3651851"/>
-          </a:xfrm>
-          <a:prstGeom prst="rect">
-            <a:avLst/>
-          </a:prstGeom>
-        </p:spPr>
         <p:txBody>
           <a:bodyPr vert="horz" lIns="91440" tIns="45720" rIns="91440" bIns="45720" rtlCol="0">
-            <a:normAutofit/>
+            <a:normAutofit fontScale="92500" lnSpcReduction="10000"/>
           </a:bodyPr>
           <a:lstStyle>
             <a:lvl1pPr marL="228600" indent="-228600" algn="l" defTabSz="914400" rtl="0" eaLnBrk="1" latinLnBrk="0" hangingPunct="1">
@@ -8270,7 +9548,25 @@
             </a:pPr>
             <a:r>
               <a:rPr lang="fr-CH" dirty="0"/>
-              <a:t>	sur(b, c) + sur(a, b) + libre(a)   </a:t>
+              <a:t>	sur(c, x) + sur(b, c) + sur(a, b) + libre(a) = S</a:t>
+            </a:r>
+          </a:p>
+          <a:p>
+            <a:pPr marL="0" indent="0">
+              <a:buNone/>
+            </a:pPr>
+            <a:r>
+              <a:rPr lang="fr-CH" dirty="0"/>
+              <a:t>On peut aussi dire:</a:t>
+            </a:r>
+          </a:p>
+          <a:p>
+            <a:pPr marL="0" indent="0">
+              <a:buNone/>
+            </a:pPr>
+            <a:r>
+              <a:rPr lang="fr-CH" dirty="0"/>
+              <a:t>	sur(b, c, S) -&gt; à l’état S, le bloc b est sur le bloc c   </a:t>
             </a:r>
             <a:endParaRPr lang="fr-CH" sz="3200" dirty="0"/>
           </a:p>
@@ -8288,6 +9584,36 @@
           </a:p>
         </p:txBody>
       </p:sp>
+      <p:pic>
+        <p:nvPicPr>
+          <p:cNvPr id="7" name="Image 6">
+            <a:extLst>
+              <a:ext uri="{FF2B5EF4-FFF2-40B4-BE49-F238E27FC236}">
+                <a16:creationId xmlns:a16="http://schemas.microsoft.com/office/drawing/2014/main" id="{58E7E97A-ACD1-4D20-A1E0-78213276863D}"/>
+              </a:ext>
+            </a:extLst>
+          </p:cNvPr>
+          <p:cNvPicPr>
+            <a:picLocks noChangeAspect="1"/>
+          </p:cNvPicPr>
+          <p:nvPr/>
+        </p:nvPicPr>
+        <p:blipFill>
+          <a:blip r:embed="rId3"/>
+          <a:stretch>
+            <a:fillRect/>
+          </a:stretch>
+        </p:blipFill>
+        <p:spPr>
+          <a:xfrm>
+            <a:off x="956799" y="2674946"/>
+            <a:ext cx="1729757" cy="3798682"/>
+          </a:xfrm>
+          <a:prstGeom prst="rect">
+            <a:avLst/>
+          </a:prstGeom>
+        </p:spPr>
+      </p:pic>
     </p:spTree>
     <p:extLst>
       <p:ext uri="{BB962C8B-B14F-4D97-AF65-F5344CB8AC3E}">
@@ -8406,12 +9732,72 @@
           </a:p>
         </p:txBody>
       </p:sp>
+      <p:sp>
+        <p:nvSpPr>
+          <p:cNvPr id="6" name="Espace réservé du contenu 6">
+            <a:extLst>
+              <a:ext uri="{FF2B5EF4-FFF2-40B4-BE49-F238E27FC236}">
+                <a16:creationId xmlns:a16="http://schemas.microsoft.com/office/drawing/2014/main" id="{EA81F158-90BF-43BE-BDE5-6FC781929D74}"/>
+              </a:ext>
+            </a:extLst>
+          </p:cNvPr>
+          <p:cNvSpPr>
+            <a:spLocks noGrp="1"/>
+          </p:cNvSpPr>
+          <p:nvPr>
+            <p:ph idx="1"/>
+          </p:nvPr>
+        </p:nvSpPr>
+        <p:spPr>
+          <a:xfrm>
+            <a:off x="838200" y="1008570"/>
+            <a:ext cx="10515600" cy="1516145"/>
+          </a:xfrm>
+        </p:spPr>
+        <p:txBody>
+          <a:bodyPr>
+            <a:normAutofit/>
+          </a:bodyPr>
+          <a:lstStyle/>
+          <a:p>
+            <a:r>
+              <a:rPr lang="fr-CH" dirty="0"/>
+              <a:t>Le modèle d’un action ressemble à celui d’un état</a:t>
+            </a:r>
+          </a:p>
+          <a:p>
+            <a:r>
+              <a:rPr lang="fr-CH" dirty="0"/>
+              <a:t>L’action déplacer(x, y, z) -&gt; veut dire qu’on a déplacé le bloc x, qui était sur y, vers z.</a:t>
+            </a:r>
+          </a:p>
+          <a:p>
+            <a:endParaRPr lang="fr-CH" dirty="0">
+              <a:solidFill>
+                <a:schemeClr val="tx1"/>
+              </a:solidFill>
+            </a:endParaRPr>
+          </a:p>
+          <a:p>
+            <a:pPr lvl="1"/>
+            <a:endParaRPr lang="fr-CH" dirty="0">
+              <a:solidFill>
+                <a:srgbClr val="FF0000"/>
+              </a:solidFill>
+            </a:endParaRPr>
+          </a:p>
+          <a:p>
+            <a:pPr lvl="1"/>
+            <a:endParaRPr lang="fr-CH" dirty="0"/>
+          </a:p>
+        </p:txBody>
+      </p:sp>
       <p:pic>
         <p:nvPicPr>
-          <p:cNvPr id="13" name="Image 12">
-            <a:extLst>
-              <a:ext uri="{FF2B5EF4-FFF2-40B4-BE49-F238E27FC236}">
-                <a16:creationId xmlns:a16="http://schemas.microsoft.com/office/drawing/2014/main" id="{EDCCC013-8563-4EFC-A434-5A2E122EC04B}"/>
+          <p:cNvPr id="11" name="Image 10">
+            <a:extLst>
+              <a:ext uri="{FF2B5EF4-FFF2-40B4-BE49-F238E27FC236}">
+                <a16:creationId xmlns:a16="http://schemas.microsoft.com/office/drawing/2014/main" id="{3C826824-C79F-4362-8568-997548C59727}"/>
               </a:ext>
             </a:extLst>
           </p:cNvPr>
@@ -8428,14 +9814,231 @@
         </p:blipFill>
         <p:spPr>
           <a:xfrm>
-            <a:off x="838200" y="2821777"/>
-            <a:ext cx="1963624" cy="3023018"/>
+            <a:off x="3246094" y="2350315"/>
+            <a:ext cx="5699811" cy="2758269"/>
           </a:xfrm>
           <a:prstGeom prst="rect">
             <a:avLst/>
           </a:prstGeom>
         </p:spPr>
       </p:pic>
+      <p:sp>
+        <p:nvSpPr>
+          <p:cNvPr id="14" name="Espace réservé du contenu 6">
+            <a:extLst>
+              <a:ext uri="{FF2B5EF4-FFF2-40B4-BE49-F238E27FC236}">
+                <a16:creationId xmlns:a16="http://schemas.microsoft.com/office/drawing/2014/main" id="{8A61B862-64F9-4FFE-AFC5-B20DFA1DB159}"/>
+              </a:ext>
+            </a:extLst>
+          </p:cNvPr>
+          <p:cNvSpPr txBox="1">
+            <a:spLocks/>
+          </p:cNvSpPr>
+          <p:nvPr/>
+        </p:nvSpPr>
+        <p:spPr>
+          <a:xfrm>
+            <a:off x="838200" y="5108584"/>
+            <a:ext cx="10515600" cy="1251307"/>
+          </a:xfrm>
+          <a:prstGeom prst="rect">
+            <a:avLst/>
+          </a:prstGeom>
+        </p:spPr>
+        <p:txBody>
+          <a:bodyPr vert="horz" lIns="91440" tIns="45720" rIns="91440" bIns="45720" rtlCol="0">
+            <a:normAutofit lnSpcReduction="10000"/>
+          </a:bodyPr>
+          <a:lstStyle>
+            <a:lvl1pPr marL="228600" indent="-228600" algn="l" defTabSz="914400" rtl="0" eaLnBrk="1" latinLnBrk="0" hangingPunct="1">
+              <a:lnSpc>
+                <a:spcPct val="90000"/>
+              </a:lnSpc>
+              <a:spcBef>
+                <a:spcPts val="1000"/>
+              </a:spcBef>
+              <a:buFont typeface="Arial" panose="020B0604020202020204" pitchFamily="34" charset="0"/>
+              <a:buChar char="•"/>
+              <a:defRPr sz="2800" kern="1200">
+                <a:solidFill>
+                  <a:schemeClr val="tx1"/>
+                </a:solidFill>
+                <a:latin typeface="+mn-lt"/>
+                <a:ea typeface="+mn-ea"/>
+                <a:cs typeface="+mn-cs"/>
+              </a:defRPr>
+            </a:lvl1pPr>
+            <a:lvl2pPr marL="685800" indent="-228600" algn="l" defTabSz="914400" rtl="0" eaLnBrk="1" latinLnBrk="0" hangingPunct="1">
+              <a:lnSpc>
+                <a:spcPct val="90000"/>
+              </a:lnSpc>
+              <a:spcBef>
+                <a:spcPts val="500"/>
+              </a:spcBef>
+              <a:buFont typeface="Arial" panose="020B0604020202020204" pitchFamily="34" charset="0"/>
+              <a:buChar char="•"/>
+              <a:defRPr sz="2400" kern="1200">
+                <a:solidFill>
+                  <a:schemeClr val="tx1"/>
+                </a:solidFill>
+                <a:latin typeface="+mn-lt"/>
+                <a:ea typeface="+mn-ea"/>
+                <a:cs typeface="+mn-cs"/>
+              </a:defRPr>
+            </a:lvl2pPr>
+            <a:lvl3pPr marL="1143000" indent="-228600" algn="l" defTabSz="914400" rtl="0" eaLnBrk="1" latinLnBrk="0" hangingPunct="1">
+              <a:lnSpc>
+                <a:spcPct val="90000"/>
+              </a:lnSpc>
+              <a:spcBef>
+                <a:spcPts val="500"/>
+              </a:spcBef>
+              <a:buFont typeface="Arial" panose="020B0604020202020204" pitchFamily="34" charset="0"/>
+              <a:buChar char="•"/>
+              <a:defRPr sz="2000" kern="1200">
+                <a:solidFill>
+                  <a:schemeClr val="tx1"/>
+                </a:solidFill>
+                <a:latin typeface="+mn-lt"/>
+                <a:ea typeface="+mn-ea"/>
+                <a:cs typeface="+mn-cs"/>
+              </a:defRPr>
+            </a:lvl3pPr>
+            <a:lvl4pPr marL="1600200" indent="-228600" algn="l" defTabSz="914400" rtl="0" eaLnBrk="1" latinLnBrk="0" hangingPunct="1">
+              <a:lnSpc>
+                <a:spcPct val="90000"/>
+              </a:lnSpc>
+              <a:spcBef>
+                <a:spcPts val="500"/>
+              </a:spcBef>
+              <a:buFont typeface="Arial" panose="020B0604020202020204" pitchFamily="34" charset="0"/>
+              <a:buChar char="•"/>
+              <a:defRPr sz="1800" kern="1200">
+                <a:solidFill>
+                  <a:schemeClr val="tx1"/>
+                </a:solidFill>
+                <a:latin typeface="+mn-lt"/>
+                <a:ea typeface="+mn-ea"/>
+                <a:cs typeface="+mn-cs"/>
+              </a:defRPr>
+            </a:lvl4pPr>
+            <a:lvl5pPr marL="2057400" indent="-228600" algn="l" defTabSz="914400" rtl="0" eaLnBrk="1" latinLnBrk="0" hangingPunct="1">
+              <a:lnSpc>
+                <a:spcPct val="90000"/>
+              </a:lnSpc>
+              <a:spcBef>
+                <a:spcPts val="500"/>
+              </a:spcBef>
+              <a:buFont typeface="Arial" panose="020B0604020202020204" pitchFamily="34" charset="0"/>
+              <a:buChar char="•"/>
+              <a:defRPr sz="1800" kern="1200">
+                <a:solidFill>
+                  <a:schemeClr val="tx1"/>
+                </a:solidFill>
+                <a:latin typeface="+mn-lt"/>
+                <a:ea typeface="+mn-ea"/>
+                <a:cs typeface="+mn-cs"/>
+              </a:defRPr>
+            </a:lvl5pPr>
+            <a:lvl6pPr marL="2514600" indent="-228600" algn="l" defTabSz="914400" rtl="0" eaLnBrk="1" latinLnBrk="0" hangingPunct="1">
+              <a:lnSpc>
+                <a:spcPct val="90000"/>
+              </a:lnSpc>
+              <a:spcBef>
+                <a:spcPts val="500"/>
+              </a:spcBef>
+              <a:buFont typeface="Arial" panose="020B0604020202020204" pitchFamily="34" charset="0"/>
+              <a:buChar char="•"/>
+              <a:defRPr sz="1800" kern="1200">
+                <a:solidFill>
+                  <a:schemeClr val="tx1"/>
+                </a:solidFill>
+                <a:latin typeface="+mn-lt"/>
+                <a:ea typeface="+mn-ea"/>
+                <a:cs typeface="+mn-cs"/>
+              </a:defRPr>
+            </a:lvl6pPr>
+            <a:lvl7pPr marL="2971800" indent="-228600" algn="l" defTabSz="914400" rtl="0" eaLnBrk="1" latinLnBrk="0" hangingPunct="1">
+              <a:lnSpc>
+                <a:spcPct val="90000"/>
+              </a:lnSpc>
+              <a:spcBef>
+                <a:spcPts val="500"/>
+              </a:spcBef>
+              <a:buFont typeface="Arial" panose="020B0604020202020204" pitchFamily="34" charset="0"/>
+              <a:buChar char="•"/>
+              <a:defRPr sz="1800" kern="1200">
+                <a:solidFill>
+                  <a:schemeClr val="tx1"/>
+                </a:solidFill>
+                <a:latin typeface="+mn-lt"/>
+                <a:ea typeface="+mn-ea"/>
+                <a:cs typeface="+mn-cs"/>
+              </a:defRPr>
+            </a:lvl7pPr>
+            <a:lvl8pPr marL="3429000" indent="-228600" algn="l" defTabSz="914400" rtl="0" eaLnBrk="1" latinLnBrk="0" hangingPunct="1">
+              <a:lnSpc>
+                <a:spcPct val="90000"/>
+              </a:lnSpc>
+              <a:spcBef>
+                <a:spcPts val="500"/>
+              </a:spcBef>
+              <a:buFont typeface="Arial" panose="020B0604020202020204" pitchFamily="34" charset="0"/>
+              <a:buChar char="•"/>
+              <a:defRPr sz="1800" kern="1200">
+                <a:solidFill>
+                  <a:schemeClr val="tx1"/>
+                </a:solidFill>
+                <a:latin typeface="+mn-lt"/>
+                <a:ea typeface="+mn-ea"/>
+                <a:cs typeface="+mn-cs"/>
+              </a:defRPr>
+            </a:lvl8pPr>
+            <a:lvl9pPr marL="3886200" indent="-228600" algn="l" defTabSz="914400" rtl="0" eaLnBrk="1" latinLnBrk="0" hangingPunct="1">
+              <a:lnSpc>
+                <a:spcPct val="90000"/>
+              </a:lnSpc>
+              <a:spcBef>
+                <a:spcPts val="500"/>
+              </a:spcBef>
+              <a:buFont typeface="Arial" panose="020B0604020202020204" pitchFamily="34" charset="0"/>
+              <a:buChar char="•"/>
+              <a:defRPr sz="1800" kern="1200">
+                <a:solidFill>
+                  <a:schemeClr val="tx1"/>
+                </a:solidFill>
+                <a:latin typeface="+mn-lt"/>
+                <a:ea typeface="+mn-ea"/>
+                <a:cs typeface="+mn-cs"/>
+              </a:defRPr>
+            </a:lvl9pPr>
+          </a:lstStyle>
+          <a:p>
+            <a:r>
+              <a:rPr lang="fr-CH" dirty="0"/>
+              <a:t>Ici on a appliqué l’action:</a:t>
+            </a:r>
+          </a:p>
+          <a:p>
+            <a:pPr marL="457200" lvl="1" indent="0">
+              <a:buNone/>
+            </a:pPr>
+            <a:r>
+              <a:rPr lang="fr-CH" dirty="0"/>
+              <a:t>Action = Déplacer(a, b, y)</a:t>
+            </a:r>
+          </a:p>
+          <a:p>
+            <a:pPr marL="457200" lvl="1" indent="0">
+              <a:buNone/>
+            </a:pPr>
+            <a:r>
+              <a:rPr lang="fr-CH" dirty="0"/>
+              <a:t>Qu’on peut noter autrement -&gt; s’ = faire(action, s)</a:t>
+            </a:r>
+          </a:p>
+        </p:txBody>
+      </p:sp>
     </p:spTree>
     <p:extLst>
       <p:ext uri="{BB962C8B-B14F-4D97-AF65-F5344CB8AC3E}">
@@ -8471,7 +10074,7 @@
           <p:cNvPr id="2" name="Titre 1">
             <a:extLst>
               <a:ext uri="{FF2B5EF4-FFF2-40B4-BE49-F238E27FC236}">
-                <a16:creationId xmlns:a16="http://schemas.microsoft.com/office/drawing/2014/main" id="{21766C66-1FE8-40A6-86E7-67715FC56E02}"/>
+                <a16:creationId xmlns:a16="http://schemas.microsoft.com/office/drawing/2014/main" id="{1DE24D75-C6DE-4394-A51C-5EF310010BA5}"/>
               </a:ext>
             </a:extLst>
           </p:cNvPr>
@@ -8481,106 +10084,16 @@
           <p:nvPr>
             <p:ph type="title"/>
           </p:nvPr>
-        </p:nvSpPr>
-        <p:spPr/>
-        <p:txBody>
-          <a:bodyPr>
-            <a:normAutofit/>
-          </a:bodyPr>
-          <a:lstStyle/>
-          <a:p>
-            <a:r>
-              <a:rPr lang="fr-FR" sz="1400" dirty="0">
-                <a:solidFill>
-                  <a:srgbClr val="FF0000"/>
-                </a:solidFill>
-                <a:effectLst/>
-                <a:latin typeface="Arial" panose="020B0604020202020204" pitchFamily="34" charset="0"/>
-              </a:rPr>
-              <a:t>6.</a:t>
-            </a:r>
-            <a:r>
-              <a:rPr lang="fr-FR" sz="1400" dirty="0">
-                <a:effectLst/>
-                <a:latin typeface="Arial" panose="020B0604020202020204" pitchFamily="34" charset="0"/>
-              </a:rPr>
-              <a:t>Modèle de graphes probabilistes: Donnez la définition d’un PGM en relation avec les notions de probabilités. Quelle est l’utilité d’utiliser un PGM ?Donnez un exemple d’utilisation. Quel est l’impact de l’indépendance conditionnelle dans les PGM? On pourra faire le lien avec les outils Bayésiens type Naïve Bayes ou Réseaux Bayésiens.</a:t>
-            </a:r>
-            <a:endParaRPr lang="en-GB" sz="1400" dirty="0"/>
-          </a:p>
-        </p:txBody>
-      </p:sp>
-      <p:sp>
-        <p:nvSpPr>
-          <p:cNvPr id="3" name="Espace réservé du contenu 2">
-            <a:extLst>
-              <a:ext uri="{FF2B5EF4-FFF2-40B4-BE49-F238E27FC236}">
-                <a16:creationId xmlns:a16="http://schemas.microsoft.com/office/drawing/2014/main" id="{55ECBF04-F52F-4B3F-9304-4E4A2E668DA9}"/>
-              </a:ext>
-            </a:extLst>
-          </p:cNvPr>
-          <p:cNvSpPr>
-            <a:spLocks noGrp="1"/>
-          </p:cNvSpPr>
-          <p:nvPr>
-            <p:ph idx="1"/>
-          </p:nvPr>
-        </p:nvSpPr>
-        <p:spPr/>
-        <p:txBody>
-          <a:bodyPr/>
-          <a:lstStyle/>
-          <a:p>
-            <a:endParaRPr lang="en-GB" dirty="0"/>
-          </a:p>
-        </p:txBody>
-      </p:sp>
-      <p:sp>
-        <p:nvSpPr>
-          <p:cNvPr id="4" name="Titre 1">
-            <a:extLst>
-              <a:ext uri="{FF2B5EF4-FFF2-40B4-BE49-F238E27FC236}">
-                <a16:creationId xmlns:a16="http://schemas.microsoft.com/office/drawing/2014/main" id="{50FEB119-743C-40D1-A98F-42351A7BA003}"/>
-              </a:ext>
-            </a:extLst>
-          </p:cNvPr>
-          <p:cNvSpPr txBox="1">
-            <a:spLocks/>
-          </p:cNvSpPr>
-          <p:nvPr/>
         </p:nvSpPr>
         <p:spPr>
           <a:xfrm>
             <a:off x="0" y="-316992"/>
             <a:ext cx="746760" cy="1325563"/>
           </a:xfrm>
-          <a:prstGeom prst="rect">
-            <a:avLst/>
-          </a:prstGeom>
         </p:spPr>
         <p:txBody>
-          <a:bodyPr vert="horz" lIns="91440" tIns="45720" rIns="91440" bIns="45720" rtlCol="0" anchor="ctr">
-            <a:normAutofit/>
-          </a:bodyPr>
-          <a:lstStyle>
-            <a:lvl1pPr algn="l" defTabSz="914400" rtl="0" eaLnBrk="1" latinLnBrk="0" hangingPunct="1">
-              <a:lnSpc>
-                <a:spcPct val="90000"/>
-              </a:lnSpc>
-              <a:spcBef>
-                <a:spcPct val="0"/>
-              </a:spcBef>
-              <a:buNone/>
-              <a:defRPr sz="4400" kern="1200">
-                <a:solidFill>
-                  <a:schemeClr val="tx1"/>
-                </a:solidFill>
-                <a:latin typeface="+mj-lt"/>
-                <a:ea typeface="+mj-ea"/>
-                <a:cs typeface="+mj-cs"/>
-              </a:defRPr>
-            </a:lvl1pPr>
-          </a:lstStyle>
+          <a:bodyPr/>
+          <a:lstStyle/>
           <a:p>
             <a:r>
               <a:rPr lang="fr-CH" dirty="0">
@@ -8588,7 +10101,7 @@
                   <a:schemeClr val="accent1"/>
                 </a:solidFill>
               </a:rPr>
-              <a:t>6.</a:t>
+              <a:t>5.</a:t>
             </a:r>
             <a:endParaRPr lang="en-GB" dirty="0">
               <a:solidFill>
@@ -8598,10 +10111,234 @@
           </a:p>
         </p:txBody>
       </p:sp>
+      <p:sp>
+        <p:nvSpPr>
+          <p:cNvPr id="4" name="ZoneTexte 3">
+            <a:extLst>
+              <a:ext uri="{FF2B5EF4-FFF2-40B4-BE49-F238E27FC236}">
+                <a16:creationId xmlns:a16="http://schemas.microsoft.com/office/drawing/2014/main" id="{B4A469F4-C262-4F6E-8D5D-858330AC98E0}"/>
+              </a:ext>
+            </a:extLst>
+          </p:cNvPr>
+          <p:cNvSpPr txBox="1"/>
+          <p:nvPr/>
+        </p:nvSpPr>
+        <p:spPr>
+          <a:xfrm>
+            <a:off x="746760" y="161123"/>
+            <a:ext cx="10515600" cy="369332"/>
+          </a:xfrm>
+          <a:prstGeom prst="rect">
+            <a:avLst/>
+          </a:prstGeom>
+          <a:noFill/>
+        </p:spPr>
+        <p:txBody>
+          <a:bodyPr wrap="square" rtlCol="0">
+            <a:spAutoFit/>
+          </a:bodyPr>
+          <a:lstStyle/>
+          <a:p>
+            <a:r>
+              <a:rPr lang="fr-FR" sz="1800">
+                <a:solidFill>
+                  <a:schemeClr val="accent1"/>
+                </a:solidFill>
+                <a:effectLst/>
+                <a:latin typeface="Arial" panose="020B0604020202020204" pitchFamily="34" charset="0"/>
+              </a:rPr>
+              <a:t>Comment se caractérise un état, une action?</a:t>
+            </a:r>
+            <a:endParaRPr lang="en-GB" dirty="0">
+              <a:solidFill>
+                <a:schemeClr val="accent1"/>
+              </a:solidFill>
+            </a:endParaRPr>
+          </a:p>
+        </p:txBody>
+      </p:sp>
+      <p:pic>
+        <p:nvPicPr>
+          <p:cNvPr id="11" name="Image 10">
+            <a:extLst>
+              <a:ext uri="{FF2B5EF4-FFF2-40B4-BE49-F238E27FC236}">
+                <a16:creationId xmlns:a16="http://schemas.microsoft.com/office/drawing/2014/main" id="{3C826824-C79F-4362-8568-997548C59727}"/>
+              </a:ext>
+            </a:extLst>
+          </p:cNvPr>
+          <p:cNvPicPr>
+            <a:picLocks noChangeAspect="1"/>
+          </p:cNvPicPr>
+          <p:nvPr/>
+        </p:nvPicPr>
+        <p:blipFill>
+          <a:blip r:embed="rId3"/>
+          <a:stretch>
+            <a:fillRect/>
+          </a:stretch>
+        </p:blipFill>
+        <p:spPr>
+          <a:xfrm>
+            <a:off x="8644799" y="161123"/>
+            <a:ext cx="2617561" cy="1266698"/>
+          </a:xfrm>
+          <a:prstGeom prst="rect">
+            <a:avLst/>
+          </a:prstGeom>
+        </p:spPr>
+      </p:pic>
+      <p:sp>
+        <p:nvSpPr>
+          <p:cNvPr id="9" name="Espace réservé du contenu 6">
+            <a:extLst>
+              <a:ext uri="{FF2B5EF4-FFF2-40B4-BE49-F238E27FC236}">
+                <a16:creationId xmlns:a16="http://schemas.microsoft.com/office/drawing/2014/main" id="{E714C092-3864-4BD2-B279-DA58BD225CC3}"/>
+              </a:ext>
+            </a:extLst>
+          </p:cNvPr>
+          <p:cNvSpPr>
+            <a:spLocks noGrp="1"/>
+          </p:cNvSpPr>
+          <p:nvPr>
+            <p:ph idx="1"/>
+          </p:nvPr>
+        </p:nvSpPr>
+        <p:spPr>
+          <a:xfrm>
+            <a:off x="792480" y="1475078"/>
+            <a:ext cx="10607040" cy="4359279"/>
+          </a:xfrm>
+        </p:spPr>
+        <p:txBody>
+          <a:bodyPr>
+            <a:normAutofit/>
+          </a:bodyPr>
+          <a:lstStyle/>
+          <a:p>
+            <a:r>
+              <a:rPr lang="fr-CH" dirty="0"/>
+              <a:t>Les conditions ont des préconditions, ainsi que des effet de l’action</a:t>
+            </a:r>
+          </a:p>
+          <a:p>
+            <a:r>
+              <a:rPr lang="fr-CH" dirty="0"/>
+              <a:t>Dans notre exemple, on a la précondition: </a:t>
+            </a:r>
+          </a:p>
+          <a:p>
+            <a:pPr marL="457200" lvl="1" indent="0">
+              <a:buNone/>
+            </a:pPr>
+            <a:r>
+              <a:rPr lang="fr-CH" dirty="0"/>
+              <a:t>	libre(a) + libre(y) -&gt; pour qu’on puisse le déplacer le bloc a</a:t>
+            </a:r>
+          </a:p>
+          <a:p>
+            <a:pPr marL="457200" lvl="1" indent="0">
+              <a:buNone/>
+            </a:pPr>
+            <a:endParaRPr lang="fr-CH" dirty="0"/>
+          </a:p>
+          <a:p>
+            <a:r>
+              <a:rPr lang="fr-CH" dirty="0"/>
+              <a:t>Formellement on a:</a:t>
+            </a:r>
+          </a:p>
+          <a:p>
+            <a:pPr marL="0" indent="0">
+              <a:buNone/>
+            </a:pPr>
+            <a:r>
+              <a:rPr lang="fr-CH" dirty="0"/>
+              <a:t>	s = sur(c, x) + sur(b, c) + sur(a, b) + </a:t>
+            </a:r>
+            <a:r>
+              <a:rPr lang="fr-CH" dirty="0">
+                <a:solidFill>
+                  <a:srgbClr val="FF0000"/>
+                </a:solidFill>
+              </a:rPr>
+              <a:t>libre(a) </a:t>
+            </a:r>
+            <a:r>
+              <a:rPr lang="fr-CH" dirty="0"/>
+              <a:t>+ </a:t>
+            </a:r>
+            <a:r>
+              <a:rPr lang="fr-CH" dirty="0">
+                <a:solidFill>
+                  <a:srgbClr val="FF0000"/>
+                </a:solidFill>
+              </a:rPr>
+              <a:t>libre(y)</a:t>
+            </a:r>
+          </a:p>
+          <a:p>
+            <a:pPr marL="0" indent="0">
+              <a:buNone/>
+            </a:pPr>
+            <a:r>
+              <a:rPr lang="fr-CH" dirty="0"/>
+              <a:t>	s’ = action(s) = déplacer(a, b, y) =</a:t>
+            </a:r>
+          </a:p>
+          <a:p>
+            <a:pPr marL="0" indent="0">
+              <a:buNone/>
+            </a:pPr>
+            <a:r>
+              <a:rPr lang="fr-CH" dirty="0"/>
+              <a:t>		 sur(c, x) + sur(b, c) + </a:t>
+            </a:r>
+            <a:r>
+              <a:rPr lang="fr-CH" dirty="0">
+                <a:solidFill>
+                  <a:schemeClr val="accent6"/>
+                </a:solidFill>
+              </a:rPr>
+              <a:t>sur(a, y)  </a:t>
+            </a:r>
+            <a:r>
+              <a:rPr lang="fr-CH" dirty="0"/>
+              <a:t>+ libre(a) + </a:t>
+            </a:r>
+            <a:r>
+              <a:rPr lang="fr-CH" dirty="0">
+                <a:solidFill>
+                  <a:schemeClr val="accent6"/>
+                </a:solidFill>
+              </a:rPr>
+              <a:t>libre(b)</a:t>
+            </a:r>
+          </a:p>
+          <a:p>
+            <a:endParaRPr lang="fr-CH" dirty="0">
+              <a:solidFill>
+                <a:schemeClr val="tx1"/>
+              </a:solidFill>
+            </a:endParaRPr>
+          </a:p>
+          <a:p>
+            <a:pPr lvl="1"/>
+            <a:endParaRPr lang="fr-CH" dirty="0">
+              <a:solidFill>
+                <a:srgbClr val="FF0000"/>
+              </a:solidFill>
+            </a:endParaRPr>
+          </a:p>
+          <a:p>
+            <a:pPr lvl="1"/>
+            <a:endParaRPr lang="fr-CH" dirty="0"/>
+          </a:p>
+        </p:txBody>
+      </p:sp>
     </p:spTree>
     <p:extLst>
       <p:ext uri="{BB962C8B-B14F-4D97-AF65-F5344CB8AC3E}">
-        <p14:creationId xmlns:p14="http://schemas.microsoft.com/office/powerpoint/2010/main" val="3777408176"/>
+        <p14:creationId xmlns:p14="http://schemas.microsoft.com/office/powerpoint/2010/main" val="387728183"/>
       </p:ext>
     </p:extLst>
   </p:cSld>
@@ -8633,7 +10370,7 @@
           <p:cNvPr id="2" name="Titre 1">
             <a:extLst>
               <a:ext uri="{FF2B5EF4-FFF2-40B4-BE49-F238E27FC236}">
-                <a16:creationId xmlns:a16="http://schemas.microsoft.com/office/drawing/2014/main" id="{21766C66-1FE8-40A6-86E7-67715FC56E02}"/>
+                <a16:creationId xmlns:a16="http://schemas.microsoft.com/office/drawing/2014/main" id="{1DE24D75-C6DE-4394-A51C-5EF310010BA5}"/>
               </a:ext>
             </a:extLst>
           </p:cNvPr>
@@ -8643,106 +10380,16 @@
           <p:nvPr>
             <p:ph type="title"/>
           </p:nvPr>
-        </p:nvSpPr>
-        <p:spPr/>
-        <p:txBody>
-          <a:bodyPr>
-            <a:normAutofit/>
-          </a:bodyPr>
-          <a:lstStyle/>
-          <a:p>
-            <a:r>
-              <a:rPr lang="fr-FR" sz="1400" dirty="0">
-                <a:solidFill>
-                  <a:srgbClr val="FF0000"/>
-                </a:solidFill>
-                <a:effectLst/>
-                <a:latin typeface="Arial" panose="020B0604020202020204" pitchFamily="34" charset="0"/>
-              </a:rPr>
-              <a:t>7.</a:t>
-            </a:r>
-            <a:r>
-              <a:rPr lang="fr-FR" sz="1400" dirty="0">
-                <a:effectLst/>
-                <a:latin typeface="Arial" panose="020B0604020202020204" pitchFamily="34" charset="0"/>
-              </a:rPr>
-              <a:t>Réseaux Bayésiens: Que représentent les réseaux Bayésiens? Quel est leur principe? Quel est leur particularité en tant que Modèles de Graphes Probabilistes? Comment les utilise-t-on pour modéliser un phénomène ?Comment les utilise-t-on pour faire de l’inférence?</a:t>
-            </a:r>
-            <a:endParaRPr lang="en-GB" sz="1400" dirty="0"/>
-          </a:p>
-        </p:txBody>
-      </p:sp>
-      <p:sp>
-        <p:nvSpPr>
-          <p:cNvPr id="3" name="Espace réservé du contenu 2">
-            <a:extLst>
-              <a:ext uri="{FF2B5EF4-FFF2-40B4-BE49-F238E27FC236}">
-                <a16:creationId xmlns:a16="http://schemas.microsoft.com/office/drawing/2014/main" id="{55ECBF04-F52F-4B3F-9304-4E4A2E668DA9}"/>
-              </a:ext>
-            </a:extLst>
-          </p:cNvPr>
-          <p:cNvSpPr>
-            <a:spLocks noGrp="1"/>
-          </p:cNvSpPr>
-          <p:nvPr>
-            <p:ph idx="1"/>
-          </p:nvPr>
-        </p:nvSpPr>
-        <p:spPr/>
-        <p:txBody>
-          <a:bodyPr/>
-          <a:lstStyle/>
-          <a:p>
-            <a:endParaRPr lang="en-GB" dirty="0"/>
-          </a:p>
-        </p:txBody>
-      </p:sp>
-      <p:sp>
-        <p:nvSpPr>
-          <p:cNvPr id="4" name="Titre 1">
-            <a:extLst>
-              <a:ext uri="{FF2B5EF4-FFF2-40B4-BE49-F238E27FC236}">
-                <a16:creationId xmlns:a16="http://schemas.microsoft.com/office/drawing/2014/main" id="{49B86A4B-8034-4D02-B76C-FAAEC82C6AEA}"/>
-              </a:ext>
-            </a:extLst>
-          </p:cNvPr>
-          <p:cNvSpPr txBox="1">
-            <a:spLocks/>
-          </p:cNvSpPr>
-          <p:nvPr/>
         </p:nvSpPr>
         <p:spPr>
           <a:xfrm>
             <a:off x="0" y="-316992"/>
             <a:ext cx="746760" cy="1325563"/>
           </a:xfrm>
-          <a:prstGeom prst="rect">
-            <a:avLst/>
-          </a:prstGeom>
         </p:spPr>
         <p:txBody>
-          <a:bodyPr vert="horz" lIns="91440" tIns="45720" rIns="91440" bIns="45720" rtlCol="0" anchor="ctr">
-            <a:normAutofit/>
-          </a:bodyPr>
-          <a:lstStyle>
-            <a:lvl1pPr algn="l" defTabSz="914400" rtl="0" eaLnBrk="1" latinLnBrk="0" hangingPunct="1">
-              <a:lnSpc>
-                <a:spcPct val="90000"/>
-              </a:lnSpc>
-              <a:spcBef>
-                <a:spcPct val="0"/>
-              </a:spcBef>
-              <a:buNone/>
-              <a:defRPr sz="4400" kern="1200">
-                <a:solidFill>
-                  <a:schemeClr val="tx1"/>
-                </a:solidFill>
-                <a:latin typeface="+mj-lt"/>
-                <a:ea typeface="+mj-ea"/>
-                <a:cs typeface="+mj-cs"/>
-              </a:defRPr>
-            </a:lvl1pPr>
-          </a:lstStyle>
+          <a:bodyPr/>
+          <a:lstStyle/>
           <a:p>
             <a:r>
               <a:rPr lang="fr-CH" dirty="0">
@@ -8750,7 +10397,7 @@
                   <a:schemeClr val="accent1"/>
                 </a:solidFill>
               </a:rPr>
-              <a:t>7.</a:t>
+              <a:t>5.</a:t>
             </a:r>
             <a:endParaRPr lang="en-GB" dirty="0">
               <a:solidFill>
@@ -8760,10 +10407,155 @@
           </a:p>
         </p:txBody>
       </p:sp>
+      <p:sp>
+        <p:nvSpPr>
+          <p:cNvPr id="4" name="ZoneTexte 3">
+            <a:extLst>
+              <a:ext uri="{FF2B5EF4-FFF2-40B4-BE49-F238E27FC236}">
+                <a16:creationId xmlns:a16="http://schemas.microsoft.com/office/drawing/2014/main" id="{B4A469F4-C262-4F6E-8D5D-858330AC98E0}"/>
+              </a:ext>
+            </a:extLst>
+          </p:cNvPr>
+          <p:cNvSpPr txBox="1"/>
+          <p:nvPr/>
+        </p:nvSpPr>
+        <p:spPr>
+          <a:xfrm>
+            <a:off x="746760" y="161123"/>
+            <a:ext cx="10515600" cy="369332"/>
+          </a:xfrm>
+          <a:prstGeom prst="rect">
+            <a:avLst/>
+          </a:prstGeom>
+          <a:noFill/>
+        </p:spPr>
+        <p:txBody>
+          <a:bodyPr wrap="square" rtlCol="0">
+            <a:spAutoFit/>
+          </a:bodyPr>
+          <a:lstStyle/>
+          <a:p>
+            <a:r>
+              <a:rPr lang="fr-FR" sz="1800" dirty="0">
+                <a:solidFill>
+                  <a:schemeClr val="accent1"/>
+                </a:solidFill>
+                <a:effectLst/>
+                <a:latin typeface="Arial" panose="020B0604020202020204" pitchFamily="34" charset="0"/>
+              </a:rPr>
+              <a:t>Décrivez le chainage et la planification non-linéaire.</a:t>
+            </a:r>
+            <a:endParaRPr lang="en-GB" dirty="0">
+              <a:solidFill>
+                <a:schemeClr val="accent1"/>
+              </a:solidFill>
+            </a:endParaRPr>
+          </a:p>
+        </p:txBody>
+      </p:sp>
+      <p:sp>
+        <p:nvSpPr>
+          <p:cNvPr id="6" name="Espace réservé du contenu 6">
+            <a:extLst>
+              <a:ext uri="{FF2B5EF4-FFF2-40B4-BE49-F238E27FC236}">
+                <a16:creationId xmlns:a16="http://schemas.microsoft.com/office/drawing/2014/main" id="{D6E125D5-8CB8-4429-9989-CFA0E54EB010}"/>
+              </a:ext>
+            </a:extLst>
+          </p:cNvPr>
+          <p:cNvSpPr>
+            <a:spLocks noGrp="1"/>
+          </p:cNvSpPr>
+          <p:nvPr>
+            <p:ph idx="1"/>
+          </p:nvPr>
+        </p:nvSpPr>
+        <p:spPr>
+          <a:xfrm>
+            <a:off x="792480" y="1385761"/>
+            <a:ext cx="10607040" cy="4086477"/>
+          </a:xfrm>
+        </p:spPr>
+        <p:txBody>
+          <a:bodyPr>
+            <a:normAutofit/>
+          </a:bodyPr>
+          <a:lstStyle/>
+          <a:p>
+            <a:r>
+              <a:rPr lang="fr-CH" dirty="0"/>
+              <a:t>Pour trouver ce plan on a plusieurs stratégies:</a:t>
+            </a:r>
+          </a:p>
+          <a:p>
+            <a:pPr lvl="1"/>
+            <a:r>
+              <a:rPr lang="fr-CH" dirty="0"/>
+              <a:t>Chainage avant </a:t>
+            </a:r>
+          </a:p>
+          <a:p>
+            <a:pPr lvl="1"/>
+            <a:r>
+              <a:rPr lang="fr-CH" dirty="0"/>
+              <a:t>Chainage arrière</a:t>
+            </a:r>
+          </a:p>
+          <a:p>
+            <a:pPr lvl="1"/>
+            <a:r>
+              <a:rPr lang="fr-CH" dirty="0"/>
+              <a:t>Planification non-linéaire</a:t>
+            </a:r>
+          </a:p>
+          <a:p>
+            <a:pPr marL="457200" lvl="1" indent="0">
+              <a:buNone/>
+            </a:pPr>
+            <a:endParaRPr lang="fr-CH" dirty="0"/>
+          </a:p>
+          <a:p>
+            <a:r>
+              <a:rPr lang="fr-CH" dirty="0"/>
+              <a:t>Dans le chainage avant on développe un graphe pour explorer les états en appliquant les actions possibles</a:t>
+            </a:r>
+          </a:p>
+          <a:p>
+            <a:r>
+              <a:rPr lang="fr-CH" dirty="0"/>
+              <a:t>Dans le chainage arrière on part de l’objectif et on régresse par actions pertinentes pour retourner à l’état initial</a:t>
+            </a:r>
+          </a:p>
+          <a:p>
+            <a:pPr marL="457200" lvl="1" indent="0">
+              <a:buNone/>
+            </a:pPr>
+            <a:endParaRPr lang="fr-CH" dirty="0"/>
+          </a:p>
+          <a:p>
+            <a:endParaRPr lang="fr-CH" dirty="0">
+              <a:solidFill>
+                <a:schemeClr val="tx1"/>
+              </a:solidFill>
+            </a:endParaRPr>
+          </a:p>
+          <a:p>
+            <a:pPr lvl="1"/>
+            <a:endParaRPr lang="fr-CH" dirty="0">
+              <a:solidFill>
+                <a:srgbClr val="FF0000"/>
+              </a:solidFill>
+            </a:endParaRPr>
+          </a:p>
+          <a:p>
+            <a:pPr lvl="1"/>
+            <a:endParaRPr lang="fr-CH" dirty="0"/>
+          </a:p>
+        </p:txBody>
+      </p:sp>
     </p:spTree>
     <p:extLst>
       <p:ext uri="{BB962C8B-B14F-4D97-AF65-F5344CB8AC3E}">
-        <p14:creationId xmlns:p14="http://schemas.microsoft.com/office/powerpoint/2010/main" val="3449428969"/>
+        <p14:creationId xmlns:p14="http://schemas.microsoft.com/office/powerpoint/2010/main" val="398489552"/>
       </p:ext>
     </p:extLst>
   </p:cSld>
@@ -8795,7 +10587,7 @@
           <p:cNvPr id="2" name="Titre 1">
             <a:extLst>
               <a:ext uri="{FF2B5EF4-FFF2-40B4-BE49-F238E27FC236}">
-                <a16:creationId xmlns:a16="http://schemas.microsoft.com/office/drawing/2014/main" id="{21766C66-1FE8-40A6-86E7-67715FC56E02}"/>
+                <a16:creationId xmlns:a16="http://schemas.microsoft.com/office/drawing/2014/main" id="{1DE24D75-C6DE-4394-A51C-5EF310010BA5}"/>
               </a:ext>
             </a:extLst>
           </p:cNvPr>
@@ -8806,63 +10598,502 @@
             <p:ph type="title"/>
           </p:nvPr>
         </p:nvSpPr>
-        <p:spPr/>
-        <p:txBody>
-          <a:bodyPr>
-            <a:normAutofit/>
+        <p:spPr>
+          <a:xfrm>
+            <a:off x="0" y="-316992"/>
+            <a:ext cx="746760" cy="1325563"/>
+          </a:xfrm>
+        </p:spPr>
+        <p:txBody>
+          <a:bodyPr/>
+          <a:lstStyle/>
+          <a:p>
+            <a:r>
+              <a:rPr lang="fr-CH" dirty="0">
+                <a:solidFill>
+                  <a:schemeClr val="accent1"/>
+                </a:solidFill>
+              </a:rPr>
+              <a:t>5.</a:t>
+            </a:r>
+            <a:endParaRPr lang="en-GB" dirty="0">
+              <a:solidFill>
+                <a:schemeClr val="accent1"/>
+              </a:solidFill>
+            </a:endParaRPr>
+          </a:p>
+        </p:txBody>
+      </p:sp>
+      <p:sp>
+        <p:nvSpPr>
+          <p:cNvPr id="4" name="ZoneTexte 3">
+            <a:extLst>
+              <a:ext uri="{FF2B5EF4-FFF2-40B4-BE49-F238E27FC236}">
+                <a16:creationId xmlns:a16="http://schemas.microsoft.com/office/drawing/2014/main" id="{B4A469F4-C262-4F6E-8D5D-858330AC98E0}"/>
+              </a:ext>
+            </a:extLst>
+          </p:cNvPr>
+          <p:cNvSpPr txBox="1"/>
+          <p:nvPr/>
+        </p:nvSpPr>
+        <p:spPr>
+          <a:xfrm>
+            <a:off x="746760" y="161123"/>
+            <a:ext cx="10515600" cy="369332"/>
+          </a:xfrm>
+          <a:prstGeom prst="rect">
+            <a:avLst/>
+          </a:prstGeom>
+          <a:noFill/>
+        </p:spPr>
+        <p:txBody>
+          <a:bodyPr wrap="square" rtlCol="0">
+            <a:spAutoFit/>
           </a:bodyPr>
           <a:lstStyle/>
           <a:p>
             <a:r>
-              <a:rPr lang="fr-FR" sz="1400" dirty="0">
+              <a:rPr lang="fr-FR" sz="1800" dirty="0">
                 <a:solidFill>
-                  <a:srgbClr val="FF0000"/>
+                  <a:schemeClr val="accent1"/>
                 </a:solidFill>
                 <a:effectLst/>
                 <a:latin typeface="Arial" panose="020B0604020202020204" pitchFamily="34" charset="0"/>
               </a:rPr>
-              <a:t>8.</a:t>
-            </a:r>
-            <a:r>
-              <a:rPr lang="fr-FR" sz="1400" dirty="0">
-                <a:effectLst/>
-                <a:latin typeface="Arial" panose="020B0604020202020204" pitchFamily="34" charset="0"/>
-              </a:rPr>
-              <a:t>Arbres de Décision: Quel est le principe des arbres de décision? On pourra rappeler le principe de l’apprentissage supervisé. Comment est mesuré le gain d’information? Pourquoi peut-on utiliser l’entropie? Comment fonctionne l’algorithme ID3? Qu’est-ce que le sur-apprentissage? Comment le mesurer/détecter ?Comment l’éviter ou le contrer? On pourra mentionner l’évaluation des méthodes d’apprentissage.</a:t>
-            </a:r>
-            <a:endParaRPr lang="en-GB" sz="1400" dirty="0"/>
-          </a:p>
-        </p:txBody>
-      </p:sp>
-      <p:sp>
-        <p:nvSpPr>
-          <p:cNvPr id="3" name="Espace réservé du contenu 2">
-            <a:extLst>
-              <a:ext uri="{FF2B5EF4-FFF2-40B4-BE49-F238E27FC236}">
-                <a16:creationId xmlns:a16="http://schemas.microsoft.com/office/drawing/2014/main" id="{55ECBF04-F52F-4B3F-9304-4E4A2E668DA9}"/>
-              </a:ext>
-            </a:extLst>
-          </p:cNvPr>
-          <p:cNvSpPr>
-            <a:spLocks noGrp="1"/>
-          </p:cNvSpPr>
-          <p:nvPr>
-            <p:ph idx="1"/>
-          </p:nvPr>
-        </p:nvSpPr>
-        <p:spPr/>
-        <p:txBody>
-          <a:bodyPr/>
-          <a:lstStyle/>
-          <a:p>
-            <a:endParaRPr lang="en-GB" dirty="0"/>
-          </a:p>
-        </p:txBody>
-      </p:sp>
+              <a:t>Décrivez le chainage et la planification non-linéaire.</a:t>
+            </a:r>
+            <a:endParaRPr lang="en-GB" dirty="0">
+              <a:solidFill>
+                <a:schemeClr val="accent1"/>
+              </a:solidFill>
+            </a:endParaRPr>
+          </a:p>
+        </p:txBody>
+      </p:sp>
+      <mc:AlternateContent xmlns:mc="http://schemas.openxmlformats.org/markup-compatibility/2006">
+        <mc:Choice xmlns:a14="http://schemas.microsoft.com/office/drawing/2010/main" Requires="a14">
+          <p:sp>
+            <p:nvSpPr>
+              <p:cNvPr id="6" name="Espace réservé du contenu 6">
+                <a:extLst>
+                  <a:ext uri="{FF2B5EF4-FFF2-40B4-BE49-F238E27FC236}">
+                    <a16:creationId xmlns:a16="http://schemas.microsoft.com/office/drawing/2014/main" id="{D6E125D5-8CB8-4429-9989-CFA0E54EB010}"/>
+                  </a:ext>
+                </a:extLst>
+              </p:cNvPr>
+              <p:cNvSpPr>
+                <a:spLocks noGrp="1"/>
+              </p:cNvSpPr>
+              <p:nvPr>
+                <p:ph idx="1"/>
+              </p:nvPr>
+            </p:nvSpPr>
+            <p:spPr>
+              <a:xfrm>
+                <a:off x="792480" y="1664025"/>
+                <a:ext cx="10607040" cy="4116823"/>
+              </a:xfrm>
+            </p:spPr>
+            <p:txBody>
+              <a:bodyPr>
+                <a:normAutofit/>
+              </a:bodyPr>
+              <a:lstStyle/>
+              <a:p>
+                <a:r>
+                  <a:rPr lang="fr-CH" dirty="0"/>
+                  <a:t>Imaginons un cas spécifique:</a:t>
+                </a:r>
+              </a:p>
+              <a:p>
+                <a:pPr lvl="1"/>
+                <a:r>
+                  <a:rPr lang="fr-CH" dirty="0"/>
+                  <a:t>On a </a:t>
+                </a:r>
+                <a14:m>
+                  <m:oMath xmlns:m="http://schemas.openxmlformats.org/officeDocument/2006/math">
+                    <m:sSub>
+                      <m:sSubPr>
+                        <m:ctrlPr>
+                          <a:rPr lang="x-IV_mathan" i="1" smtClean="0">
+                            <a:solidFill>
+                              <a:schemeClr val="tx1"/>
+                            </a:solidFill>
+                            <a:latin typeface="Cambria Math" panose="02040503050406030204" pitchFamily="18" charset="0"/>
+                          </a:rPr>
+                        </m:ctrlPr>
+                      </m:sSubPr>
+                      <m:e>
+                        <m:r>
+                          <a:rPr lang="fr-CH" b="0" i="1" smtClean="0">
+                            <a:solidFill>
+                              <a:schemeClr val="tx1"/>
+                            </a:solidFill>
+                            <a:latin typeface="Cambria Math" panose="02040503050406030204" pitchFamily="18" charset="0"/>
+                          </a:rPr>
+                          <m:t>𝑆</m:t>
+                        </m:r>
+                      </m:e>
+                      <m:sub>
+                        <m:r>
+                          <a:rPr lang="fr-CH" b="0" i="1" smtClean="0">
+                            <a:solidFill>
+                              <a:schemeClr val="tx1"/>
+                            </a:solidFill>
+                            <a:latin typeface="Cambria Math" panose="02040503050406030204" pitchFamily="18" charset="0"/>
+                          </a:rPr>
+                          <m:t>𝑖</m:t>
+                        </m:r>
+                      </m:sub>
+                    </m:sSub>
+                  </m:oMath>
+                </a14:m>
+                <a:r>
+                  <a:rPr lang="fr-CH" dirty="0"/>
+                  <a:t> un état initial quelconque</a:t>
+                </a:r>
+                <a:r>
+                  <a:rPr lang="x-IV_mathan" dirty="0"/>
+                  <a:t> </a:t>
+                </a:r>
+              </a:p>
+              <a:p>
+                <a:pPr lvl="1"/>
+                <a14:m>
+                  <m:oMath xmlns:m="http://schemas.openxmlformats.org/officeDocument/2006/math">
+                    <m:sSub>
+                      <m:sSubPr>
+                        <m:ctrlPr>
+                          <a:rPr lang="x-IV_mathan" i="1">
+                            <a:latin typeface="Cambria Math" panose="02040503050406030204" pitchFamily="18" charset="0"/>
+                          </a:rPr>
+                        </m:ctrlPr>
+                      </m:sSubPr>
+                      <m:e>
+                        <m:r>
+                          <a:rPr lang="fr-CH" i="1">
+                            <a:latin typeface="Cambria Math" panose="02040503050406030204" pitchFamily="18" charset="0"/>
+                          </a:rPr>
+                          <m:t>𝑆</m:t>
+                        </m:r>
+                      </m:e>
+                      <m:sub>
+                        <m:r>
+                          <a:rPr lang="fr-CH" b="0" i="1" smtClean="0">
+                            <a:latin typeface="Cambria Math" panose="02040503050406030204" pitchFamily="18" charset="0"/>
+                          </a:rPr>
+                          <m:t>𝑔</m:t>
+                        </m:r>
+                      </m:sub>
+                    </m:sSub>
+                  </m:oMath>
+                </a14:m>
+                <a:r>
+                  <a:rPr lang="fr-CH" dirty="0"/>
+                  <a:t> l’état qu’on veut atteindre</a:t>
+                </a:r>
+              </a:p>
+              <a:p>
+                <a:pPr lvl="1"/>
+                <a14:m>
+                  <m:oMath xmlns:m="http://schemas.openxmlformats.org/officeDocument/2006/math">
+                    <m:sSub>
+                      <m:sSubPr>
+                        <m:ctrlPr>
+                          <a:rPr lang="x-IV_mathan" i="1" smtClean="0">
+                            <a:solidFill>
+                              <a:schemeClr val="tx1"/>
+                            </a:solidFill>
+                            <a:latin typeface="Cambria Math" panose="02040503050406030204" pitchFamily="18" charset="0"/>
+                          </a:rPr>
+                        </m:ctrlPr>
+                      </m:sSubPr>
+                      <m:e>
+                        <m:r>
+                          <a:rPr lang="fr-CH" b="0" i="1" smtClean="0">
+                            <a:solidFill>
+                              <a:schemeClr val="tx1"/>
+                            </a:solidFill>
+                            <a:latin typeface="Cambria Math" panose="02040503050406030204" pitchFamily="18" charset="0"/>
+                          </a:rPr>
+                          <m:t>𝑆</m:t>
+                        </m:r>
+                      </m:e>
+                      <m:sub>
+                        <m:r>
+                          <a:rPr lang="fr-CH" b="0" i="1" smtClean="0">
+                            <a:solidFill>
+                              <a:schemeClr val="tx1"/>
+                            </a:solidFill>
+                            <a:latin typeface="Cambria Math" panose="02040503050406030204" pitchFamily="18" charset="0"/>
+                          </a:rPr>
+                          <m:t>𝑡</m:t>
+                        </m:r>
+                      </m:sub>
+                    </m:sSub>
+                    <m:r>
+                      <a:rPr lang="fr-CH" b="0" i="1" smtClean="0">
+                        <a:solidFill>
+                          <a:schemeClr val="tx1"/>
+                        </a:solidFill>
+                        <a:latin typeface="Cambria Math" panose="02040503050406030204" pitchFamily="18" charset="0"/>
+                      </a:rPr>
+                      <m:t>′</m:t>
+                    </m:r>
+                  </m:oMath>
+                </a14:m>
+                <a:r>
+                  <a:rPr lang="fr-CH" dirty="0"/>
+                  <a:t> un état par lequel on doit passer avant d’atteindre </a:t>
+                </a:r>
+                <a14:m>
+                  <m:oMath xmlns:m="http://schemas.openxmlformats.org/officeDocument/2006/math">
+                    <m:sSub>
+                      <m:sSubPr>
+                        <m:ctrlPr>
+                          <a:rPr lang="x-IV_mathan" i="1">
+                            <a:latin typeface="Cambria Math" panose="02040503050406030204" pitchFamily="18" charset="0"/>
+                          </a:rPr>
+                        </m:ctrlPr>
+                      </m:sSubPr>
+                      <m:e>
+                        <m:r>
+                          <a:rPr lang="fr-CH" i="1">
+                            <a:latin typeface="Cambria Math" panose="02040503050406030204" pitchFamily="18" charset="0"/>
+                          </a:rPr>
+                          <m:t>𝑆</m:t>
+                        </m:r>
+                      </m:e>
+                      <m:sub>
+                        <m:r>
+                          <a:rPr lang="fr-CH" i="1">
+                            <a:latin typeface="Cambria Math" panose="02040503050406030204" pitchFamily="18" charset="0"/>
+                          </a:rPr>
+                          <m:t>𝑔</m:t>
+                        </m:r>
+                      </m:sub>
+                    </m:sSub>
+                  </m:oMath>
+                </a14:m>
+                <a:endParaRPr lang="fr-CH" dirty="0"/>
+              </a:p>
+              <a:p>
+                <a:r>
+                  <a:rPr lang="fr-CH" dirty="0"/>
+                  <a:t>C’est un problème avec des sous-objectifs qui sont incompatibles s’ils ne sont pas atteints dans le bon ordre.</a:t>
+                </a:r>
+              </a:p>
+              <a:p>
+                <a:pPr lvl="1"/>
+                <a:r>
+                  <a:rPr lang="fr-CH" dirty="0"/>
+                  <a:t>Objectif (1) – atteindre </a:t>
+                </a:r>
+                <a14:m>
+                  <m:oMath xmlns:m="http://schemas.openxmlformats.org/officeDocument/2006/math">
+                    <m:sSub>
+                      <m:sSubPr>
+                        <m:ctrlPr>
+                          <a:rPr lang="x-IV_mathan" i="1" smtClean="0">
+                            <a:solidFill>
+                              <a:schemeClr val="tx1"/>
+                            </a:solidFill>
+                            <a:latin typeface="Cambria Math" panose="02040503050406030204" pitchFamily="18" charset="0"/>
+                          </a:rPr>
+                        </m:ctrlPr>
+                      </m:sSubPr>
+                      <m:e>
+                        <m:r>
+                          <a:rPr lang="fr-CH" b="0" i="1" smtClean="0">
+                            <a:solidFill>
+                              <a:schemeClr val="tx1"/>
+                            </a:solidFill>
+                            <a:latin typeface="Cambria Math" panose="02040503050406030204" pitchFamily="18" charset="0"/>
+                          </a:rPr>
+                          <m:t>𝑆</m:t>
+                        </m:r>
+                      </m:e>
+                      <m:sub>
+                        <m:r>
+                          <a:rPr lang="fr-CH" b="0" i="1" smtClean="0">
+                            <a:solidFill>
+                              <a:schemeClr val="tx1"/>
+                            </a:solidFill>
+                            <a:latin typeface="Cambria Math" panose="02040503050406030204" pitchFamily="18" charset="0"/>
+                          </a:rPr>
+                          <m:t>𝑡</m:t>
+                        </m:r>
+                      </m:sub>
+                    </m:sSub>
+                    <m:r>
+                      <a:rPr lang="fr-CH" b="0" i="1" smtClean="0">
+                        <a:solidFill>
+                          <a:schemeClr val="tx1"/>
+                        </a:solidFill>
+                        <a:latin typeface="Cambria Math" panose="02040503050406030204" pitchFamily="18" charset="0"/>
+                      </a:rPr>
+                      <m:t>′</m:t>
+                    </m:r>
+                  </m:oMath>
+                </a14:m>
+                <a:endParaRPr lang="fr-CH" dirty="0"/>
+              </a:p>
+              <a:p>
+                <a:pPr lvl="1"/>
+                <a:r>
+                  <a:rPr lang="fr-CH" dirty="0"/>
+                  <a:t>Objectif (2) – atteindre</a:t>
+                </a:r>
+                <a14:m>
+                  <m:oMath xmlns:m="http://schemas.openxmlformats.org/officeDocument/2006/math">
+                    <m:sSub>
+                      <m:sSubPr>
+                        <m:ctrlPr>
+                          <a:rPr lang="x-IV_mathan" i="1">
+                            <a:latin typeface="Cambria Math" panose="02040503050406030204" pitchFamily="18" charset="0"/>
+                          </a:rPr>
+                        </m:ctrlPr>
+                      </m:sSubPr>
+                      <m:e>
+                        <m:r>
+                          <a:rPr lang="fr-CH" b="0" i="1" smtClean="0">
+                            <a:latin typeface="Cambria Math" panose="02040503050406030204" pitchFamily="18" charset="0"/>
+                          </a:rPr>
+                          <m:t> </m:t>
+                        </m:r>
+                        <m:r>
+                          <a:rPr lang="fr-CH" i="1">
+                            <a:latin typeface="Cambria Math" panose="02040503050406030204" pitchFamily="18" charset="0"/>
+                          </a:rPr>
+                          <m:t>𝑆</m:t>
+                        </m:r>
+                      </m:e>
+                      <m:sub>
+                        <m:r>
+                          <a:rPr lang="fr-CH" i="1">
+                            <a:latin typeface="Cambria Math" panose="02040503050406030204" pitchFamily="18" charset="0"/>
+                          </a:rPr>
+                          <m:t>𝑔</m:t>
+                        </m:r>
+                      </m:sub>
+                    </m:sSub>
+                  </m:oMath>
+                </a14:m>
+                <a:endParaRPr lang="fr-CH" dirty="0"/>
+              </a:p>
+              <a:p>
+                <a:r>
+                  <a:rPr lang="fr-CH" dirty="0"/>
+                  <a:t>C’est ce qu’on appelle de la planification non-linéaire</a:t>
+                </a:r>
+              </a:p>
+              <a:p>
+                <a:pPr marL="457200" lvl="1" indent="0">
+                  <a:buNone/>
+                </a:pPr>
+                <a:endParaRPr lang="fr-CH" dirty="0"/>
+              </a:p>
+              <a:p>
+                <a:endParaRPr lang="fr-CH" dirty="0">
+                  <a:solidFill>
+                    <a:schemeClr val="tx1"/>
+                  </a:solidFill>
+                </a:endParaRPr>
+              </a:p>
+              <a:p>
+                <a:pPr lvl="1"/>
+                <a:endParaRPr lang="fr-CH" dirty="0">
+                  <a:solidFill>
+                    <a:srgbClr val="FF0000"/>
+                  </a:solidFill>
+                </a:endParaRPr>
+              </a:p>
+              <a:p>
+                <a:pPr lvl="1"/>
+                <a:endParaRPr lang="fr-CH" dirty="0"/>
+              </a:p>
+            </p:txBody>
+          </p:sp>
+        </mc:Choice>
+        <mc:Fallback>
+          <p:sp>
+            <p:nvSpPr>
+              <p:cNvPr id="6" name="Espace réservé du contenu 6">
+                <a:extLst>
+                  <a:ext uri="{FF2B5EF4-FFF2-40B4-BE49-F238E27FC236}">
+                    <a16:creationId xmlns:a16="http://schemas.microsoft.com/office/drawing/2014/main" id="{D6E125D5-8CB8-4429-9989-CFA0E54EB010}"/>
+                  </a:ext>
+                </a:extLst>
+              </p:cNvPr>
+              <p:cNvSpPr>
+                <a:spLocks noGrp="1" noRot="1" noChangeAspect="1" noMove="1" noResize="1" noEditPoints="1" noAdjustHandles="1" noChangeArrowheads="1" noChangeShapeType="1" noTextEdit="1"/>
+              </p:cNvSpPr>
+              <p:nvPr>
+                <p:ph idx="1"/>
+              </p:nvPr>
+            </p:nvSpPr>
+            <p:spPr>
+              <a:xfrm>
+                <a:off x="792480" y="1664025"/>
+                <a:ext cx="10607040" cy="4116823"/>
+              </a:xfrm>
+              <a:blipFill>
+                <a:blip r:embed="rId3"/>
+                <a:stretch>
+                  <a:fillRect l="-1034" t="-2519"/>
+                </a:stretch>
+              </a:blipFill>
+            </p:spPr>
+            <p:txBody>
+              <a:bodyPr/>
+              <a:lstStyle/>
+              <a:p>
+                <a:r>
+                  <a:rPr lang="fr-CH">
+                    <a:noFill/>
+                  </a:rPr>
+                  <a:t> </a:t>
+                </a:r>
+              </a:p>
+            </p:txBody>
+          </p:sp>
+        </mc:Fallback>
+      </mc:AlternateContent>
+      <p:pic>
+        <p:nvPicPr>
+          <p:cNvPr id="5" name="Image 4">
+            <a:extLst>
+              <a:ext uri="{FF2B5EF4-FFF2-40B4-BE49-F238E27FC236}">
+                <a16:creationId xmlns:a16="http://schemas.microsoft.com/office/drawing/2014/main" id="{AB1F5825-D172-4B3D-8A12-1D48E1CC7FFB}"/>
+              </a:ext>
+            </a:extLst>
+          </p:cNvPr>
+          <p:cNvPicPr>
+            <a:picLocks noChangeAspect="1"/>
+          </p:cNvPicPr>
+          <p:nvPr/>
+        </p:nvPicPr>
+        <p:blipFill>
+          <a:blip r:embed="rId4"/>
+          <a:stretch>
+            <a:fillRect/>
+          </a:stretch>
+        </p:blipFill>
+        <p:spPr>
+          <a:xfrm>
+            <a:off x="7613567" y="836265"/>
+            <a:ext cx="3140747" cy="1778495"/>
+          </a:xfrm>
+          <a:prstGeom prst="rect">
+            <a:avLst/>
+          </a:prstGeom>
+        </p:spPr>
+      </p:pic>
     </p:spTree>
     <p:extLst>
       <p:ext uri="{BB962C8B-B14F-4D97-AF65-F5344CB8AC3E}">
-        <p14:creationId xmlns:p14="http://schemas.microsoft.com/office/powerpoint/2010/main" val="3844390809"/>
+        <p14:creationId xmlns:p14="http://schemas.microsoft.com/office/powerpoint/2010/main" val="1719951712"/>
       </p:ext>
     </p:extLst>
   </p:cSld>
@@ -9040,6 +11271,2857 @@
 </file>
 
 <file path=ppt/slides/slide20.xml><?xml version="1.0" encoding="utf-8"?>
+<p:sld xmlns:a="http://schemas.openxmlformats.org/drawingml/2006/main" xmlns:r="http://schemas.openxmlformats.org/officeDocument/2006/relationships" xmlns:p="http://schemas.openxmlformats.org/presentationml/2006/main">
+  <p:cSld>
+    <p:spTree>
+      <p:nvGrpSpPr>
+        <p:cNvPr id="1" name=""/>
+        <p:cNvGrpSpPr/>
+        <p:nvPr/>
+      </p:nvGrpSpPr>
+      <p:grpSpPr>
+        <a:xfrm>
+          <a:off x="0" y="0"/>
+          <a:ext cx="0" cy="0"/>
+          <a:chOff x="0" y="0"/>
+          <a:chExt cx="0" cy="0"/>
+        </a:xfrm>
+      </p:grpSpPr>
+      <p:sp>
+        <p:nvSpPr>
+          <p:cNvPr id="2" name="Titre 1">
+            <a:extLst>
+              <a:ext uri="{FF2B5EF4-FFF2-40B4-BE49-F238E27FC236}">
+                <a16:creationId xmlns:a16="http://schemas.microsoft.com/office/drawing/2014/main" id="{1DE24D75-C6DE-4394-A51C-5EF310010BA5}"/>
+              </a:ext>
+            </a:extLst>
+          </p:cNvPr>
+          <p:cNvSpPr>
+            <a:spLocks noGrp="1"/>
+          </p:cNvSpPr>
+          <p:nvPr>
+            <p:ph type="title"/>
+          </p:nvPr>
+        </p:nvSpPr>
+        <p:spPr>
+          <a:xfrm>
+            <a:off x="0" y="-316992"/>
+            <a:ext cx="746760" cy="1325563"/>
+          </a:xfrm>
+        </p:spPr>
+        <p:txBody>
+          <a:bodyPr/>
+          <a:lstStyle/>
+          <a:p>
+            <a:r>
+              <a:rPr lang="fr-CH" dirty="0">
+                <a:solidFill>
+                  <a:schemeClr val="accent1"/>
+                </a:solidFill>
+              </a:rPr>
+              <a:t>5.</a:t>
+            </a:r>
+            <a:endParaRPr lang="en-GB" dirty="0">
+              <a:solidFill>
+                <a:schemeClr val="accent1"/>
+              </a:solidFill>
+            </a:endParaRPr>
+          </a:p>
+        </p:txBody>
+      </p:sp>
+      <p:sp>
+        <p:nvSpPr>
+          <p:cNvPr id="4" name="ZoneTexte 3">
+            <a:extLst>
+              <a:ext uri="{FF2B5EF4-FFF2-40B4-BE49-F238E27FC236}">
+                <a16:creationId xmlns:a16="http://schemas.microsoft.com/office/drawing/2014/main" id="{B4A469F4-C262-4F6E-8D5D-858330AC98E0}"/>
+              </a:ext>
+            </a:extLst>
+          </p:cNvPr>
+          <p:cNvSpPr txBox="1"/>
+          <p:nvPr/>
+        </p:nvSpPr>
+        <p:spPr>
+          <a:xfrm>
+            <a:off x="746760" y="161123"/>
+            <a:ext cx="10515600" cy="369332"/>
+          </a:xfrm>
+          <a:prstGeom prst="rect">
+            <a:avLst/>
+          </a:prstGeom>
+          <a:noFill/>
+        </p:spPr>
+        <p:txBody>
+          <a:bodyPr wrap="square" rtlCol="0">
+            <a:spAutoFit/>
+          </a:bodyPr>
+          <a:lstStyle/>
+          <a:p>
+            <a:r>
+              <a:rPr lang="fr-FR" sz="1800" dirty="0">
+                <a:solidFill>
+                  <a:schemeClr val="accent1"/>
+                </a:solidFill>
+                <a:effectLst/>
+                <a:latin typeface="Arial" panose="020B0604020202020204" pitchFamily="34" charset="0"/>
+              </a:rPr>
+              <a:t>Développez un exemple.</a:t>
+            </a:r>
+            <a:endParaRPr lang="en-GB" dirty="0">
+              <a:solidFill>
+                <a:schemeClr val="accent1"/>
+              </a:solidFill>
+            </a:endParaRPr>
+          </a:p>
+        </p:txBody>
+      </p:sp>
+      <p:sp>
+        <p:nvSpPr>
+          <p:cNvPr id="7" name="Espace réservé du contenu 6">
+            <a:extLst>
+              <a:ext uri="{FF2B5EF4-FFF2-40B4-BE49-F238E27FC236}">
+                <a16:creationId xmlns:a16="http://schemas.microsoft.com/office/drawing/2014/main" id="{764E1C5C-808F-4EE4-AD1A-9C9C016D3967}"/>
+              </a:ext>
+            </a:extLst>
+          </p:cNvPr>
+          <p:cNvSpPr>
+            <a:spLocks noGrp="1"/>
+          </p:cNvSpPr>
+          <p:nvPr>
+            <p:ph idx="1"/>
+          </p:nvPr>
+        </p:nvSpPr>
+        <p:spPr/>
+        <p:txBody>
+          <a:bodyPr/>
+          <a:lstStyle/>
+          <a:p>
+            <a:endParaRPr lang="fr-CH" dirty="0"/>
+          </a:p>
+        </p:txBody>
+      </p:sp>
+    </p:spTree>
+    <p:extLst>
+      <p:ext uri="{BB962C8B-B14F-4D97-AF65-F5344CB8AC3E}">
+        <p14:creationId xmlns:p14="http://schemas.microsoft.com/office/powerpoint/2010/main" val="4117528521"/>
+      </p:ext>
+    </p:extLst>
+  </p:cSld>
+  <p:clrMapOvr>
+    <a:masterClrMapping/>
+  </p:clrMapOvr>
+</p:sld>
+</file>
+
+<file path=ppt/slides/slide21.xml><?xml version="1.0" encoding="utf-8"?>
+<p:sld xmlns:a="http://schemas.openxmlformats.org/drawingml/2006/main" xmlns:r="http://schemas.openxmlformats.org/officeDocument/2006/relationships" xmlns:p="http://schemas.openxmlformats.org/presentationml/2006/main">
+  <p:cSld>
+    <p:spTree>
+      <p:nvGrpSpPr>
+        <p:cNvPr id="1" name=""/>
+        <p:cNvGrpSpPr/>
+        <p:nvPr/>
+      </p:nvGrpSpPr>
+      <p:grpSpPr>
+        <a:xfrm>
+          <a:off x="0" y="0"/>
+          <a:ext cx="0" cy="0"/>
+          <a:chOff x="0" y="0"/>
+          <a:chExt cx="0" cy="0"/>
+        </a:xfrm>
+      </p:grpSpPr>
+      <p:sp>
+        <p:nvSpPr>
+          <p:cNvPr id="2" name="Titre 1">
+            <a:extLst>
+              <a:ext uri="{FF2B5EF4-FFF2-40B4-BE49-F238E27FC236}">
+                <a16:creationId xmlns:a16="http://schemas.microsoft.com/office/drawing/2014/main" id="{21766C66-1FE8-40A6-86E7-67715FC56E02}"/>
+              </a:ext>
+            </a:extLst>
+          </p:cNvPr>
+          <p:cNvSpPr>
+            <a:spLocks noGrp="1"/>
+          </p:cNvSpPr>
+          <p:nvPr>
+            <p:ph type="title"/>
+          </p:nvPr>
+        </p:nvSpPr>
+        <p:spPr/>
+        <p:txBody>
+          <a:bodyPr>
+            <a:normAutofit/>
+          </a:bodyPr>
+          <a:lstStyle/>
+          <a:p>
+            <a:r>
+              <a:rPr lang="fr-FR" sz="1400" dirty="0">
+                <a:solidFill>
+                  <a:schemeClr val="accent1"/>
+                </a:solidFill>
+                <a:effectLst/>
+                <a:latin typeface="Arial" panose="020B0604020202020204" pitchFamily="34" charset="0"/>
+              </a:rPr>
+              <a:t>6.</a:t>
+            </a:r>
+            <a:r>
+              <a:rPr lang="fr-FR" sz="1400" dirty="0">
+                <a:effectLst/>
+                <a:latin typeface="Arial" panose="020B0604020202020204" pitchFamily="34" charset="0"/>
+              </a:rPr>
+              <a:t>Modèle de graphes probabilistes: Donnez la définition d’un PGM en relation avec les notions de probabilités. Quelle est l’utilité d’utiliser un PGM ? </a:t>
+            </a:r>
+            <a:r>
+              <a:rPr lang="fr-FR" sz="1400" dirty="0">
+                <a:solidFill>
+                  <a:srgbClr val="FF0000"/>
+                </a:solidFill>
+                <a:effectLst/>
+                <a:latin typeface="Arial" panose="020B0604020202020204" pitchFamily="34" charset="0"/>
+              </a:rPr>
+              <a:t>Donnez un exemple d’utilisation. </a:t>
+            </a:r>
+            <a:r>
+              <a:rPr lang="fr-FR" sz="1400" dirty="0">
+                <a:effectLst/>
+                <a:latin typeface="Arial" panose="020B0604020202020204" pitchFamily="34" charset="0"/>
+              </a:rPr>
+              <a:t>Quel est l’impact de l’indépendance conditionnelle dans les PGM? On pourra faire le lien avec les outils Bayésiens type Naïve Bayes ou Réseaux Bayésiens.</a:t>
+            </a:r>
+            <a:endParaRPr lang="en-GB" sz="1400" dirty="0"/>
+          </a:p>
+        </p:txBody>
+      </p:sp>
+      <p:sp>
+        <p:nvSpPr>
+          <p:cNvPr id="4" name="Titre 1">
+            <a:extLst>
+              <a:ext uri="{FF2B5EF4-FFF2-40B4-BE49-F238E27FC236}">
+                <a16:creationId xmlns:a16="http://schemas.microsoft.com/office/drawing/2014/main" id="{50FEB119-743C-40D1-A98F-42351A7BA003}"/>
+              </a:ext>
+            </a:extLst>
+          </p:cNvPr>
+          <p:cNvSpPr txBox="1">
+            <a:spLocks/>
+          </p:cNvSpPr>
+          <p:nvPr/>
+        </p:nvSpPr>
+        <p:spPr>
+          <a:xfrm>
+            <a:off x="0" y="-316992"/>
+            <a:ext cx="746760" cy="1325563"/>
+          </a:xfrm>
+          <a:prstGeom prst="rect">
+            <a:avLst/>
+          </a:prstGeom>
+        </p:spPr>
+        <p:txBody>
+          <a:bodyPr vert="horz" lIns="91440" tIns="45720" rIns="91440" bIns="45720" rtlCol="0" anchor="ctr">
+            <a:normAutofit/>
+          </a:bodyPr>
+          <a:lstStyle>
+            <a:lvl1pPr algn="l" defTabSz="914400" rtl="0" eaLnBrk="1" latinLnBrk="0" hangingPunct="1">
+              <a:lnSpc>
+                <a:spcPct val="90000"/>
+              </a:lnSpc>
+              <a:spcBef>
+                <a:spcPct val="0"/>
+              </a:spcBef>
+              <a:buNone/>
+              <a:defRPr sz="4400" kern="1200">
+                <a:solidFill>
+                  <a:schemeClr val="tx1"/>
+                </a:solidFill>
+                <a:latin typeface="+mj-lt"/>
+                <a:ea typeface="+mj-ea"/>
+                <a:cs typeface="+mj-cs"/>
+              </a:defRPr>
+            </a:lvl1pPr>
+          </a:lstStyle>
+          <a:p>
+            <a:r>
+              <a:rPr lang="fr-CH" dirty="0">
+                <a:solidFill>
+                  <a:schemeClr val="accent1"/>
+                </a:solidFill>
+              </a:rPr>
+              <a:t>6.</a:t>
+            </a:r>
+            <a:endParaRPr lang="en-GB" dirty="0">
+              <a:solidFill>
+                <a:schemeClr val="accent1"/>
+              </a:solidFill>
+            </a:endParaRPr>
+          </a:p>
+        </p:txBody>
+      </p:sp>
+      <p:sp>
+        <p:nvSpPr>
+          <p:cNvPr id="7" name="Espace réservé du contenu 6">
+            <a:extLst>
+              <a:ext uri="{FF2B5EF4-FFF2-40B4-BE49-F238E27FC236}">
+                <a16:creationId xmlns:a16="http://schemas.microsoft.com/office/drawing/2014/main" id="{85DCCCBD-0F4F-4CCA-9D82-A02B9AC9486A}"/>
+              </a:ext>
+            </a:extLst>
+          </p:cNvPr>
+          <p:cNvSpPr>
+            <a:spLocks noGrp="1"/>
+          </p:cNvSpPr>
+          <p:nvPr>
+            <p:ph idx="1"/>
+          </p:nvPr>
+        </p:nvSpPr>
+        <p:spPr>
+          <a:xfrm>
+            <a:off x="792480" y="2254229"/>
+            <a:ext cx="10607040" cy="4495706"/>
+          </a:xfrm>
+        </p:spPr>
+        <p:txBody>
+          <a:bodyPr>
+            <a:normAutofit/>
+          </a:bodyPr>
+          <a:lstStyle/>
+          <a:p>
+            <a:r>
+              <a:rPr lang="fr-CH" dirty="0"/>
+              <a:t>Le principe est d’utiliser des graphes pour organiser les relations de dépendance probabiliste entre variables aléatoires</a:t>
+            </a:r>
+          </a:p>
+          <a:p>
+            <a:r>
+              <a:rPr lang="fr-CH" dirty="0"/>
+              <a:t>Soient 2 variables aléatoires X et Y dépendantes:</a:t>
+            </a:r>
+          </a:p>
+          <a:p>
+            <a:pPr marL="457200" lvl="1" indent="0">
+              <a:buNone/>
+            </a:pPr>
+            <a:r>
+              <a:rPr lang="fr-CH" dirty="0"/>
+              <a:t>P(X, Y) = P(Y) P(X|Y) – qu’on note:</a:t>
+            </a:r>
+          </a:p>
+          <a:p>
+            <a:pPr marL="457200" lvl="1" indent="0">
+              <a:buNone/>
+            </a:pPr>
+            <a:endParaRPr lang="fr-CH" dirty="0"/>
+          </a:p>
+          <a:p>
+            <a:endParaRPr lang="fr-CH" dirty="0">
+              <a:solidFill>
+                <a:schemeClr val="tx1"/>
+              </a:solidFill>
+            </a:endParaRPr>
+          </a:p>
+          <a:p>
+            <a:pPr lvl="1"/>
+            <a:endParaRPr lang="fr-CH" dirty="0">
+              <a:solidFill>
+                <a:srgbClr val="FF0000"/>
+              </a:solidFill>
+            </a:endParaRPr>
+          </a:p>
+          <a:p>
+            <a:pPr lvl="1"/>
+            <a:endParaRPr lang="fr-CH" dirty="0"/>
+          </a:p>
+        </p:txBody>
+      </p:sp>
+      <p:pic>
+        <p:nvPicPr>
+          <p:cNvPr id="9" name="Image 8">
+            <a:extLst>
+              <a:ext uri="{FF2B5EF4-FFF2-40B4-BE49-F238E27FC236}">
+                <a16:creationId xmlns:a16="http://schemas.microsoft.com/office/drawing/2014/main" id="{8767803D-1B13-4438-AF09-C9577BB734BC}"/>
+              </a:ext>
+            </a:extLst>
+          </p:cNvPr>
+          <p:cNvPicPr>
+            <a:picLocks noChangeAspect="1"/>
+          </p:cNvPicPr>
+          <p:nvPr/>
+        </p:nvPicPr>
+        <p:blipFill>
+          <a:blip r:embed="rId2"/>
+          <a:stretch>
+            <a:fillRect/>
+          </a:stretch>
+        </p:blipFill>
+        <p:spPr>
+          <a:xfrm>
+            <a:off x="4139384" y="4335028"/>
+            <a:ext cx="2833294" cy="826056"/>
+          </a:xfrm>
+          <a:prstGeom prst="rect">
+            <a:avLst/>
+          </a:prstGeom>
+        </p:spPr>
+      </p:pic>
+    </p:spTree>
+    <p:extLst>
+      <p:ext uri="{BB962C8B-B14F-4D97-AF65-F5344CB8AC3E}">
+        <p14:creationId xmlns:p14="http://schemas.microsoft.com/office/powerpoint/2010/main" val="3777408176"/>
+      </p:ext>
+    </p:extLst>
+  </p:cSld>
+  <p:clrMapOvr>
+    <a:masterClrMapping/>
+  </p:clrMapOvr>
+</p:sld>
+</file>
+
+<file path=ppt/slides/slide22.xml><?xml version="1.0" encoding="utf-8"?>
+<p:sld xmlns:a="http://schemas.openxmlformats.org/drawingml/2006/main" xmlns:r="http://schemas.openxmlformats.org/officeDocument/2006/relationships" xmlns:p="http://schemas.openxmlformats.org/presentationml/2006/main">
+  <p:cSld>
+    <p:spTree>
+      <p:nvGrpSpPr>
+        <p:cNvPr id="1" name=""/>
+        <p:cNvGrpSpPr/>
+        <p:nvPr/>
+      </p:nvGrpSpPr>
+      <p:grpSpPr>
+        <a:xfrm>
+          <a:off x="0" y="0"/>
+          <a:ext cx="0" cy="0"/>
+          <a:chOff x="0" y="0"/>
+          <a:chExt cx="0" cy="0"/>
+        </a:xfrm>
+      </p:grpSpPr>
+      <p:sp>
+        <p:nvSpPr>
+          <p:cNvPr id="2" name="Titre 1">
+            <a:extLst>
+              <a:ext uri="{FF2B5EF4-FFF2-40B4-BE49-F238E27FC236}">
+                <a16:creationId xmlns:a16="http://schemas.microsoft.com/office/drawing/2014/main" id="{1DE24D75-C6DE-4394-A51C-5EF310010BA5}"/>
+              </a:ext>
+            </a:extLst>
+          </p:cNvPr>
+          <p:cNvSpPr>
+            <a:spLocks noGrp="1"/>
+          </p:cNvSpPr>
+          <p:nvPr>
+            <p:ph type="title"/>
+          </p:nvPr>
+        </p:nvSpPr>
+        <p:spPr>
+          <a:xfrm>
+            <a:off x="0" y="-316992"/>
+            <a:ext cx="746760" cy="1325563"/>
+          </a:xfrm>
+        </p:spPr>
+        <p:txBody>
+          <a:bodyPr/>
+          <a:lstStyle/>
+          <a:p>
+            <a:r>
+              <a:rPr lang="fr-CH" dirty="0">
+                <a:solidFill>
+                  <a:schemeClr val="accent1"/>
+                </a:solidFill>
+              </a:rPr>
+              <a:t>6.</a:t>
+            </a:r>
+            <a:endParaRPr lang="en-GB" dirty="0">
+              <a:solidFill>
+                <a:schemeClr val="accent1"/>
+              </a:solidFill>
+            </a:endParaRPr>
+          </a:p>
+        </p:txBody>
+      </p:sp>
+      <p:sp>
+        <p:nvSpPr>
+          <p:cNvPr id="4" name="ZoneTexte 3">
+            <a:extLst>
+              <a:ext uri="{FF2B5EF4-FFF2-40B4-BE49-F238E27FC236}">
+                <a16:creationId xmlns:a16="http://schemas.microsoft.com/office/drawing/2014/main" id="{B4A469F4-C262-4F6E-8D5D-858330AC98E0}"/>
+              </a:ext>
+            </a:extLst>
+          </p:cNvPr>
+          <p:cNvSpPr txBox="1"/>
+          <p:nvPr/>
+        </p:nvSpPr>
+        <p:spPr>
+          <a:xfrm>
+            <a:off x="746760" y="161123"/>
+            <a:ext cx="10515600" cy="369332"/>
+          </a:xfrm>
+          <a:prstGeom prst="rect">
+            <a:avLst/>
+          </a:prstGeom>
+          <a:noFill/>
+        </p:spPr>
+        <p:txBody>
+          <a:bodyPr wrap="square" rtlCol="0">
+            <a:spAutoFit/>
+          </a:bodyPr>
+          <a:lstStyle/>
+          <a:p>
+            <a:r>
+              <a:rPr lang="fr-FR" sz="1800" dirty="0">
+                <a:solidFill>
+                  <a:schemeClr val="accent1"/>
+                </a:solidFill>
+                <a:effectLst/>
+                <a:latin typeface="Arial" panose="020B0604020202020204" pitchFamily="34" charset="0"/>
+              </a:rPr>
+              <a:t>Donnez la définition d’un PGM en relation avec les notions de probabilités.</a:t>
+            </a:r>
+            <a:endParaRPr lang="en-GB" dirty="0">
+              <a:solidFill>
+                <a:schemeClr val="accent1"/>
+              </a:solidFill>
+            </a:endParaRPr>
+          </a:p>
+        </p:txBody>
+      </p:sp>
+      <mc:AlternateContent xmlns:mc="http://schemas.openxmlformats.org/markup-compatibility/2006">
+        <mc:Choice xmlns:a14="http://schemas.microsoft.com/office/drawing/2010/main" Requires="a14">
+          <p:sp>
+            <p:nvSpPr>
+              <p:cNvPr id="6" name="Espace réservé du contenu 6">
+                <a:extLst>
+                  <a:ext uri="{FF2B5EF4-FFF2-40B4-BE49-F238E27FC236}">
+                    <a16:creationId xmlns:a16="http://schemas.microsoft.com/office/drawing/2014/main" id="{D6E125D5-8CB8-4429-9989-CFA0E54EB010}"/>
+                  </a:ext>
+                </a:extLst>
+              </p:cNvPr>
+              <p:cNvSpPr>
+                <a:spLocks noGrp="1"/>
+              </p:cNvSpPr>
+              <p:nvPr>
+                <p:ph idx="1"/>
+              </p:nvPr>
+            </p:nvSpPr>
+            <p:spPr>
+              <a:xfrm>
+                <a:off x="792480" y="1008570"/>
+                <a:ext cx="10607040" cy="5040537"/>
+              </a:xfrm>
+            </p:spPr>
+            <p:txBody>
+              <a:bodyPr>
+                <a:normAutofit/>
+              </a:bodyPr>
+              <a:lstStyle/>
+              <a:p>
+                <a:r>
+                  <a:rPr lang="fr-CH" dirty="0"/>
+                  <a:t>On le définit formellement:</a:t>
+                </a:r>
+              </a:p>
+              <a:p>
+                <a:pPr marL="0" indent="0">
+                  <a:buNone/>
+                </a:pPr>
+                <a:endParaRPr lang="fr-CH" dirty="0"/>
+              </a:p>
+              <a:p>
+                <a:pPr marL="457200" lvl="1" indent="0">
+                  <a:buNone/>
+                </a:pPr>
+                <a:r>
+                  <a:rPr lang="fr-CH" dirty="0"/>
+                  <a:t>Soit une ensemble de variables aléatoires V = {</a:t>
+                </a:r>
+                <a14:m>
+                  <m:oMath xmlns:m="http://schemas.openxmlformats.org/officeDocument/2006/math">
+                    <m:sSub>
+                      <m:sSubPr>
+                        <m:ctrlPr>
+                          <a:rPr lang="x-IV_mathan" i="1" smtClean="0">
+                            <a:latin typeface="Cambria Math" panose="02040503050406030204" pitchFamily="18" charset="0"/>
+                          </a:rPr>
+                        </m:ctrlPr>
+                      </m:sSubPr>
+                      <m:e>
+                        <m:r>
+                          <a:rPr lang="fr-CH" b="0" i="1" smtClean="0">
+                            <a:latin typeface="Cambria Math" panose="02040503050406030204" pitchFamily="18" charset="0"/>
+                          </a:rPr>
+                          <m:t>𝑋</m:t>
+                        </m:r>
+                      </m:e>
+                      <m:sub>
+                        <m:r>
+                          <a:rPr lang="fr-CH" b="0" i="1" smtClean="0">
+                            <a:latin typeface="Cambria Math" panose="02040503050406030204" pitchFamily="18" charset="0"/>
+                          </a:rPr>
+                          <m:t>1</m:t>
+                        </m:r>
+                      </m:sub>
+                    </m:sSub>
+                  </m:oMath>
+                </a14:m>
+                <a:r>
+                  <a:rPr lang="fr-CH" dirty="0"/>
+                  <a:t>,…,</a:t>
+                </a:r>
+                <a:r>
+                  <a:rPr lang="x-IV_mathan" dirty="0"/>
+                  <a:t> </a:t>
+                </a:r>
+                <a14:m>
+                  <m:oMath xmlns:m="http://schemas.openxmlformats.org/officeDocument/2006/math">
+                    <m:sSub>
+                      <m:sSubPr>
+                        <m:ctrlPr>
+                          <a:rPr lang="x-IV_mathan" i="1">
+                            <a:latin typeface="Cambria Math" panose="02040503050406030204" pitchFamily="18" charset="0"/>
+                          </a:rPr>
+                        </m:ctrlPr>
+                      </m:sSubPr>
+                      <m:e>
+                        <m:r>
+                          <a:rPr lang="fr-CH" i="1">
+                            <a:latin typeface="Cambria Math" panose="02040503050406030204" pitchFamily="18" charset="0"/>
+                          </a:rPr>
+                          <m:t>𝑋</m:t>
+                        </m:r>
+                      </m:e>
+                      <m:sub>
+                        <m:r>
+                          <a:rPr lang="fr-CH" b="0" i="1" smtClean="0">
+                            <a:latin typeface="Cambria Math" panose="02040503050406030204" pitchFamily="18" charset="0"/>
+                          </a:rPr>
+                          <m:t>𝑛</m:t>
+                        </m:r>
+                      </m:sub>
+                    </m:sSub>
+                  </m:oMath>
+                </a14:m>
+                <a:r>
+                  <a:rPr lang="fr-CH" dirty="0"/>
+                  <a:t>}</a:t>
+                </a:r>
+              </a:p>
+              <a:p>
+                <a:pPr marL="457200" lvl="1" indent="0">
+                  <a:buNone/>
+                </a:pPr>
+                <a:endParaRPr lang="fr-CH" dirty="0"/>
+              </a:p>
+              <a:p>
+                <a:pPr marL="457200" lvl="1" indent="0">
+                  <a:buNone/>
+                </a:pPr>
+                <a:r>
+                  <a:rPr lang="fr-CH" dirty="0"/>
+                  <a:t>Soit G=(V,</a:t>
+                </a:r>
+                <a14:m>
+                  <m:oMath xmlns:m="http://schemas.openxmlformats.org/officeDocument/2006/math">
+                    <m:r>
+                      <m:rPr>
+                        <m:sty m:val="p"/>
+                      </m:rPr>
+                      <a:rPr lang="fr-CH" i="0" smtClean="0">
+                        <a:latin typeface="Cambria Math" panose="02040503050406030204" pitchFamily="18" charset="0"/>
+                      </a:rPr>
+                      <m:t>Γ</m:t>
+                    </m:r>
+                  </m:oMath>
+                </a14:m>
+                <a:r>
+                  <a:rPr lang="fr-CH" dirty="0"/>
+                  <a:t>) un graphe construit sur V, où </a:t>
+                </a:r>
+                <a14:m>
+                  <m:oMath xmlns:m="http://schemas.openxmlformats.org/officeDocument/2006/math">
+                    <m:r>
+                      <m:rPr>
+                        <m:sty m:val="p"/>
+                      </m:rPr>
+                      <a:rPr lang="fr-CH">
+                        <a:latin typeface="Cambria Math" panose="02040503050406030204" pitchFamily="18" charset="0"/>
+                      </a:rPr>
+                      <m:t>Γ</m:t>
+                    </m:r>
+                  </m:oMath>
+                </a14:m>
+                <a:r>
+                  <a:rPr lang="fr-CH" dirty="0"/>
+                  <a:t>(</a:t>
+                </a:r>
+                <a14:m>
+                  <m:oMath xmlns:m="http://schemas.openxmlformats.org/officeDocument/2006/math">
+                    <m:sSub>
+                      <m:sSubPr>
+                        <m:ctrlPr>
+                          <a:rPr lang="x-IV_mathan" i="1">
+                            <a:latin typeface="Cambria Math" panose="02040503050406030204" pitchFamily="18" charset="0"/>
+                          </a:rPr>
+                        </m:ctrlPr>
+                      </m:sSubPr>
+                      <m:e>
+                        <m:r>
+                          <a:rPr lang="fr-CH" i="1">
+                            <a:latin typeface="Cambria Math" panose="02040503050406030204" pitchFamily="18" charset="0"/>
+                          </a:rPr>
+                          <m:t>𝑋</m:t>
+                        </m:r>
+                      </m:e>
+                      <m:sub>
+                        <m:r>
+                          <a:rPr lang="fr-CH" b="0" i="1" smtClean="0">
+                            <a:latin typeface="Cambria Math" panose="02040503050406030204" pitchFamily="18" charset="0"/>
+                          </a:rPr>
+                          <m:t>𝑖</m:t>
+                        </m:r>
+                      </m:sub>
+                    </m:sSub>
+                  </m:oMath>
+                </a14:m>
+                <a:r>
+                  <a:rPr lang="fr-CH" dirty="0"/>
+                  <a:t>)</a:t>
+                </a:r>
+                <a14:m>
+                  <m:oMath xmlns:m="http://schemas.openxmlformats.org/officeDocument/2006/math">
+                    <m:r>
+                      <a:rPr lang="fr-CH" dirty="0" smtClean="0">
+                        <a:latin typeface="Cambria Math" panose="02040503050406030204" pitchFamily="18" charset="0"/>
+                      </a:rPr>
+                      <m:t>⊆</m:t>
+                    </m:r>
+                  </m:oMath>
+                </a14:m>
+                <a:r>
+                  <a:rPr lang="fr-CH" dirty="0"/>
+                  <a:t>V, contient les variables dépendantes de </a:t>
+                </a:r>
+                <a14:m>
+                  <m:oMath xmlns:m="http://schemas.openxmlformats.org/officeDocument/2006/math">
+                    <m:sSub>
+                      <m:sSubPr>
+                        <m:ctrlPr>
+                          <a:rPr lang="x-IV_mathan" i="1">
+                            <a:latin typeface="Cambria Math" panose="02040503050406030204" pitchFamily="18" charset="0"/>
+                          </a:rPr>
+                        </m:ctrlPr>
+                      </m:sSubPr>
+                      <m:e>
+                        <m:r>
+                          <a:rPr lang="fr-CH" i="1">
+                            <a:latin typeface="Cambria Math" panose="02040503050406030204" pitchFamily="18" charset="0"/>
+                          </a:rPr>
+                          <m:t>𝑋</m:t>
+                        </m:r>
+                      </m:e>
+                      <m:sub>
+                        <m:r>
+                          <a:rPr lang="fr-CH" i="1">
+                            <a:latin typeface="Cambria Math" panose="02040503050406030204" pitchFamily="18" charset="0"/>
+                          </a:rPr>
+                          <m:t>𝑖</m:t>
+                        </m:r>
+                      </m:sub>
+                    </m:sSub>
+                  </m:oMath>
+                </a14:m>
+                <a:endParaRPr lang="fr-CH" dirty="0"/>
+              </a:p>
+              <a:p>
+                <a:pPr marL="457200" lvl="1" indent="0">
+                  <a:buNone/>
+                </a:pPr>
+                <a:endParaRPr lang="fr-CH" dirty="0"/>
+              </a:p>
+              <a:p>
+                <a:pPr marL="457200" lvl="1" indent="0">
+                  <a:buNone/>
+                </a:pPr>
+                <a:r>
+                  <a:rPr lang="fr-CH" dirty="0"/>
+                  <a:t>Alors, la probabilité jointe P(</a:t>
+                </a:r>
+                <a14:m>
+                  <m:oMath xmlns:m="http://schemas.openxmlformats.org/officeDocument/2006/math">
+                    <m:sSub>
+                      <m:sSubPr>
+                        <m:ctrlPr>
+                          <a:rPr lang="x-IV_mathan" i="1" smtClean="0">
+                            <a:latin typeface="Cambria Math" panose="02040503050406030204" pitchFamily="18" charset="0"/>
+                          </a:rPr>
+                        </m:ctrlPr>
+                      </m:sSubPr>
+                      <m:e>
+                        <m:r>
+                          <a:rPr lang="fr-CH" b="0" i="1" smtClean="0">
+                            <a:latin typeface="Cambria Math" panose="02040503050406030204" pitchFamily="18" charset="0"/>
+                          </a:rPr>
+                          <m:t>𝑋</m:t>
+                        </m:r>
+                      </m:e>
+                      <m:sub>
+                        <m:r>
+                          <a:rPr lang="fr-CH" b="0" i="1" smtClean="0">
+                            <a:latin typeface="Cambria Math" panose="02040503050406030204" pitchFamily="18" charset="0"/>
+                          </a:rPr>
+                          <m:t>1</m:t>
+                        </m:r>
+                      </m:sub>
+                    </m:sSub>
+                  </m:oMath>
+                </a14:m>
+                <a:r>
+                  <a:rPr lang="fr-CH" dirty="0"/>
+                  <a:t>,…,</a:t>
+                </a:r>
+                <a:r>
+                  <a:rPr lang="x-IV_mathan" dirty="0"/>
+                  <a:t> </a:t>
+                </a:r>
+                <a14:m>
+                  <m:oMath xmlns:m="http://schemas.openxmlformats.org/officeDocument/2006/math">
+                    <m:sSub>
+                      <m:sSubPr>
+                        <m:ctrlPr>
+                          <a:rPr lang="x-IV_mathan" i="1">
+                            <a:latin typeface="Cambria Math" panose="02040503050406030204" pitchFamily="18" charset="0"/>
+                          </a:rPr>
+                        </m:ctrlPr>
+                      </m:sSubPr>
+                      <m:e>
+                        <m:r>
+                          <a:rPr lang="fr-CH" i="1">
+                            <a:latin typeface="Cambria Math" panose="02040503050406030204" pitchFamily="18" charset="0"/>
+                          </a:rPr>
+                          <m:t>𝑋</m:t>
+                        </m:r>
+                      </m:e>
+                      <m:sub>
+                        <m:r>
+                          <a:rPr lang="fr-CH" b="0" i="1" smtClean="0">
+                            <a:latin typeface="Cambria Math" panose="02040503050406030204" pitchFamily="18" charset="0"/>
+                          </a:rPr>
+                          <m:t>𝑛</m:t>
+                        </m:r>
+                      </m:sub>
+                    </m:sSub>
+                  </m:oMath>
+                </a14:m>
+                <a:r>
+                  <a:rPr lang="fr-CH" dirty="0"/>
+                  <a:t>) se factorise selon G si elle s’exprime selon le produit:</a:t>
+                </a:r>
+              </a:p>
+              <a:p>
+                <a:pPr marL="457200" lvl="1" indent="0">
+                  <a:buNone/>
+                </a:pPr>
+                <a:r>
+                  <a:rPr lang="fr-CH" dirty="0"/>
+                  <a:t>		</a:t>
+                </a:r>
+                <a:r>
+                  <a:rPr lang="en-GB" sz="1800" dirty="0">
+                    <a:solidFill>
+                      <a:srgbClr val="000000"/>
+                    </a:solidFill>
+                    <a:effectLst/>
+                  </a:rPr>
+                  <a:t> </a:t>
+                </a:r>
+                <a14:m>
+                  <m:oMath xmlns:m="http://schemas.openxmlformats.org/officeDocument/2006/math">
+                    <m:sSub>
+                      <m:sSubPr>
+                        <m:ctrlPr>
+                          <a:rPr lang="en-GB" i="1">
+                            <a:solidFill>
+                              <a:srgbClr val="000000"/>
+                            </a:solidFill>
+                            <a:effectLst/>
+                            <a:latin typeface="Cambria Math" panose="02040503050406030204" pitchFamily="18" charset="0"/>
+                          </a:rPr>
+                        </m:ctrlPr>
+                      </m:sSubPr>
+                      <m:e>
+                        <m:r>
+                          <a:rPr lang="en-GB">
+                            <a:solidFill>
+                              <a:srgbClr val="000000"/>
+                            </a:solidFill>
+                            <a:effectLst/>
+                            <a:latin typeface="Cambria Math" panose="02040503050406030204" pitchFamily="18" charset="0"/>
+                          </a:rPr>
+                          <m:t>𝑃</m:t>
+                        </m:r>
+                        <m:r>
+                          <a:rPr lang="en-GB">
+                            <a:solidFill>
+                              <a:srgbClr val="000000"/>
+                            </a:solidFill>
+                            <a:effectLst/>
+                            <a:latin typeface="Cambria Math" panose="02040503050406030204" pitchFamily="18" charset="0"/>
+                          </a:rPr>
+                          <m:t>(</m:t>
+                        </m:r>
+                        <m:sSub>
+                          <m:sSubPr>
+                            <m:ctrlPr>
+                              <a:rPr lang="en-GB" i="1">
+                                <a:solidFill>
+                                  <a:srgbClr val="000000"/>
+                                </a:solidFill>
+                                <a:effectLst/>
+                                <a:latin typeface="Cambria Math" panose="02040503050406030204" pitchFamily="18" charset="0"/>
+                              </a:rPr>
+                            </m:ctrlPr>
+                          </m:sSubPr>
+                          <m:e>
+                            <m:r>
+                              <a:rPr lang="en-GB">
+                                <a:solidFill>
+                                  <a:srgbClr val="000000"/>
+                                </a:solidFill>
+                                <a:effectLst/>
+                                <a:latin typeface="Cambria Math" panose="02040503050406030204" pitchFamily="18" charset="0"/>
+                              </a:rPr>
+                              <m:t>𝑋</m:t>
+                            </m:r>
+                          </m:e>
+                          <m:sub>
+                            <m:r>
+                              <a:rPr lang="en-GB">
+                                <a:solidFill>
+                                  <a:srgbClr val="000000"/>
+                                </a:solidFill>
+                                <a:effectLst/>
+                                <a:latin typeface="Cambria Math" panose="02040503050406030204" pitchFamily="18" charset="0"/>
+                              </a:rPr>
+                              <m:t>1</m:t>
+                            </m:r>
+                          </m:sub>
+                        </m:sSub>
+                        <m:r>
+                          <a:rPr lang="en-GB">
+                            <a:solidFill>
+                              <a:srgbClr val="000000"/>
+                            </a:solidFill>
+                            <a:effectLst/>
+                            <a:latin typeface="Cambria Math" panose="02040503050406030204" pitchFamily="18" charset="0"/>
+                          </a:rPr>
+                          <m:t>,…,</m:t>
+                        </m:r>
+                        <m:r>
+                          <a:rPr lang="en-GB">
+                            <a:solidFill>
+                              <a:srgbClr val="000000"/>
+                            </a:solidFill>
+                            <a:effectLst/>
+                            <a:latin typeface="Cambria Math" panose="02040503050406030204" pitchFamily="18" charset="0"/>
+                          </a:rPr>
+                          <m:t>𝑋</m:t>
+                        </m:r>
+                      </m:e>
+                      <m:sub>
+                        <m:r>
+                          <a:rPr lang="en-GB">
+                            <a:solidFill>
+                              <a:srgbClr val="000000"/>
+                            </a:solidFill>
+                            <a:effectLst/>
+                            <a:latin typeface="Cambria Math" panose="02040503050406030204" pitchFamily="18" charset="0"/>
+                          </a:rPr>
+                          <m:t>𝑛</m:t>
+                        </m:r>
+                      </m:sub>
+                    </m:sSub>
+                    <m:r>
+                      <a:rPr lang="en-GB">
+                        <a:solidFill>
+                          <a:srgbClr val="000000"/>
+                        </a:solidFill>
+                        <a:effectLst/>
+                        <a:latin typeface="Cambria Math" panose="02040503050406030204" pitchFamily="18" charset="0"/>
+                      </a:rPr>
+                      <m:t>)=</m:t>
+                    </m:r>
+                    <m:r>
+                      <a:rPr lang="en-GB" i="1">
+                        <a:solidFill>
+                          <a:srgbClr val="000000"/>
+                        </a:solidFill>
+                        <a:effectLst/>
+                        <a:latin typeface="Cambria Math" panose="02040503050406030204" pitchFamily="18" charset="0"/>
+                      </a:rPr>
+                      <m:t> </m:t>
+                    </m:r>
+                    <m:nary>
+                      <m:naryPr>
+                        <m:chr m:val="∏"/>
+                        <m:ctrlPr>
+                          <a:rPr lang="en-GB" i="1">
+                            <a:solidFill>
+                              <a:srgbClr val="000000"/>
+                            </a:solidFill>
+                            <a:effectLst/>
+                            <a:latin typeface="Cambria Math" panose="02040503050406030204" pitchFamily="18" charset="0"/>
+                          </a:rPr>
+                        </m:ctrlPr>
+                      </m:naryPr>
+                      <m:sub>
+                        <m:r>
+                          <a:rPr lang="en-GB">
+                            <a:solidFill>
+                              <a:srgbClr val="000000"/>
+                            </a:solidFill>
+                            <a:effectLst/>
+                            <a:latin typeface="Cambria Math" panose="02040503050406030204" pitchFamily="18" charset="0"/>
+                          </a:rPr>
+                          <m:t>𝑖</m:t>
+                        </m:r>
+                        <m:r>
+                          <a:rPr lang="en-GB">
+                            <a:solidFill>
+                              <a:srgbClr val="000000"/>
+                            </a:solidFill>
+                            <a:effectLst/>
+                            <a:latin typeface="Cambria Math" panose="02040503050406030204" pitchFamily="18" charset="0"/>
+                          </a:rPr>
+                          <m:t>=1</m:t>
+                        </m:r>
+                      </m:sub>
+                      <m:sup>
+                        <m:r>
+                          <a:rPr lang="en-GB">
+                            <a:solidFill>
+                              <a:srgbClr val="000000"/>
+                            </a:solidFill>
+                            <a:effectLst/>
+                            <a:latin typeface="Cambria Math" panose="02040503050406030204" pitchFamily="18" charset="0"/>
+                          </a:rPr>
+                          <m:t>𝑁</m:t>
+                        </m:r>
+                      </m:sup>
+                      <m:e>
+                        <m:r>
+                          <a:rPr lang="en-GB">
+                            <a:solidFill>
+                              <a:srgbClr val="000000"/>
+                            </a:solidFill>
+                            <a:effectLst/>
+                            <a:latin typeface="Cambria Math" panose="02040503050406030204" pitchFamily="18" charset="0"/>
+                          </a:rPr>
+                          <m:t>𝑃</m:t>
+                        </m:r>
+                        <m:r>
+                          <a:rPr lang="en-GB">
+                            <a:solidFill>
+                              <a:srgbClr val="000000"/>
+                            </a:solidFill>
+                            <a:effectLst/>
+                            <a:latin typeface="Cambria Math" panose="02040503050406030204" pitchFamily="18" charset="0"/>
+                          </a:rPr>
+                          <m:t>(</m:t>
+                        </m:r>
+                        <m:sSub>
+                          <m:sSubPr>
+                            <m:ctrlPr>
+                              <a:rPr lang="en-GB" i="1">
+                                <a:solidFill>
+                                  <a:srgbClr val="000000"/>
+                                </a:solidFill>
+                                <a:effectLst/>
+                                <a:latin typeface="Cambria Math" panose="02040503050406030204" pitchFamily="18" charset="0"/>
+                              </a:rPr>
+                            </m:ctrlPr>
+                          </m:sSubPr>
+                          <m:e>
+                            <m:r>
+                              <a:rPr lang="en-GB">
+                                <a:solidFill>
+                                  <a:srgbClr val="000000"/>
+                                </a:solidFill>
+                                <a:effectLst/>
+                                <a:latin typeface="Cambria Math" panose="02040503050406030204" pitchFamily="18" charset="0"/>
+                              </a:rPr>
+                              <m:t>𝑋</m:t>
+                            </m:r>
+                          </m:e>
+                          <m:sub>
+                            <m:r>
+                              <a:rPr lang="en-GB">
+                                <a:solidFill>
+                                  <a:srgbClr val="000000"/>
+                                </a:solidFill>
+                                <a:effectLst/>
+                                <a:latin typeface="Cambria Math" panose="02040503050406030204" pitchFamily="18" charset="0"/>
+                              </a:rPr>
+                              <m:t>𝑖</m:t>
+                            </m:r>
+                          </m:sub>
+                        </m:sSub>
+                        <m:r>
+                          <a:rPr lang="en-GB">
+                            <a:solidFill>
+                              <a:srgbClr val="000000"/>
+                            </a:solidFill>
+                            <a:effectLst/>
+                            <a:latin typeface="Cambria Math" panose="02040503050406030204" pitchFamily="18" charset="0"/>
+                          </a:rPr>
+                          <m:t>|</m:t>
+                        </m:r>
+                        <m:sSub>
+                          <m:sSubPr>
+                            <m:ctrlPr>
+                              <a:rPr lang="en-GB" i="1">
+                                <a:solidFill>
+                                  <a:srgbClr val="000000"/>
+                                </a:solidFill>
+                                <a:effectLst/>
+                                <a:latin typeface="Cambria Math" panose="02040503050406030204" pitchFamily="18" charset="0"/>
+                              </a:rPr>
+                            </m:ctrlPr>
+                          </m:sSubPr>
+                          <m:e>
+                            <m:r>
+                              <a:rPr lang="en-GB">
+                                <a:solidFill>
+                                  <a:srgbClr val="000000"/>
+                                </a:solidFill>
+                                <a:effectLst/>
+                                <a:latin typeface="Cambria Math" panose="02040503050406030204" pitchFamily="18" charset="0"/>
+                              </a:rPr>
+                              <m:t>𝑋</m:t>
+                            </m:r>
+                          </m:e>
+                          <m:sub>
+                            <m:r>
+                              <a:rPr lang="en-GB">
+                                <a:solidFill>
+                                  <a:srgbClr val="000000"/>
+                                </a:solidFill>
+                                <a:effectLst/>
+                                <a:latin typeface="Cambria Math" panose="02040503050406030204" pitchFamily="18" charset="0"/>
+                              </a:rPr>
+                              <m:t>𝛾</m:t>
+                            </m:r>
+                            <m:r>
+                              <a:rPr lang="en-GB">
+                                <a:solidFill>
+                                  <a:srgbClr val="000000"/>
+                                </a:solidFill>
+                                <a:effectLst/>
+                                <a:latin typeface="Cambria Math" panose="02040503050406030204" pitchFamily="18" charset="0"/>
+                              </a:rPr>
+                              <m:t>𝑖</m:t>
+                            </m:r>
+                          </m:sub>
+                        </m:sSub>
+                        <m:r>
+                          <a:rPr lang="en-GB">
+                            <a:solidFill>
+                              <a:srgbClr val="000000"/>
+                            </a:solidFill>
+                            <a:effectLst/>
+                            <a:latin typeface="Cambria Math" panose="02040503050406030204" pitchFamily="18" charset="0"/>
+                          </a:rPr>
+                          <m:t>)</m:t>
+                        </m:r>
+                      </m:e>
+                    </m:nary>
+                  </m:oMath>
+                </a14:m>
+                <a:r>
+                  <a:rPr lang="fr-CH" dirty="0">
+                    <a:solidFill>
+                      <a:srgbClr val="000000"/>
+                    </a:solidFill>
+                    <a:effectLst/>
+                    <a:latin typeface="Calibri" panose="020F0502020204030204" pitchFamily="34" charset="0"/>
+                  </a:rPr>
+                  <a:t>  </a:t>
+                </a:r>
+                <a14:m>
+                  <m:oMath xmlns:m="http://schemas.openxmlformats.org/officeDocument/2006/math">
+                    <m:r>
+                      <a:rPr lang="en-GB">
+                        <a:solidFill>
+                          <a:srgbClr val="000000"/>
+                        </a:solidFill>
+                        <a:effectLst/>
+                        <a:latin typeface="Cambria Math" panose="02040503050406030204" pitchFamily="18" charset="0"/>
+                      </a:rPr>
+                      <m:t>∀</m:t>
+                    </m:r>
+                    <m:r>
+                      <a:rPr lang="en-GB" i="1">
+                        <a:solidFill>
+                          <a:srgbClr val="000000"/>
+                        </a:solidFill>
+                        <a:effectLst/>
+                        <a:latin typeface="Cambria Math" panose="02040503050406030204" pitchFamily="18" charset="0"/>
+                      </a:rPr>
+                      <m:t> </m:t>
+                    </m:r>
+                    <m:sSub>
+                      <m:sSubPr>
+                        <m:ctrlPr>
+                          <a:rPr lang="en-GB" i="1">
+                            <a:solidFill>
+                              <a:srgbClr val="000000"/>
+                            </a:solidFill>
+                            <a:effectLst/>
+                            <a:latin typeface="Cambria Math" panose="02040503050406030204" pitchFamily="18" charset="0"/>
+                          </a:rPr>
+                        </m:ctrlPr>
+                      </m:sSubPr>
+                      <m:e>
+                        <m:r>
+                          <a:rPr lang="en-GB">
+                            <a:solidFill>
+                              <a:srgbClr val="000000"/>
+                            </a:solidFill>
+                            <a:effectLst/>
+                            <a:latin typeface="Cambria Math" panose="02040503050406030204" pitchFamily="18" charset="0"/>
+                          </a:rPr>
+                          <m:t>𝑋</m:t>
+                        </m:r>
+                      </m:e>
+                      <m:sub>
+                        <m:r>
+                          <a:rPr lang="en-GB">
+                            <a:solidFill>
+                              <a:srgbClr val="000000"/>
+                            </a:solidFill>
+                            <a:effectLst/>
+                            <a:latin typeface="Cambria Math" panose="02040503050406030204" pitchFamily="18" charset="0"/>
+                          </a:rPr>
+                          <m:t>𝑖</m:t>
+                        </m:r>
+                      </m:sub>
+                    </m:sSub>
+                    <m:r>
+                      <a:rPr lang="en-GB">
+                        <a:solidFill>
+                          <a:srgbClr val="000000"/>
+                        </a:solidFill>
+                        <a:effectLst/>
+                        <a:latin typeface="Cambria Math" panose="02040503050406030204" pitchFamily="18" charset="0"/>
+                      </a:rPr>
+                      <m:t>∈</m:t>
+                    </m:r>
+                    <m:r>
+                      <a:rPr lang="en-GB">
+                        <a:solidFill>
+                          <a:srgbClr val="000000"/>
+                        </a:solidFill>
+                        <a:effectLst/>
+                        <a:latin typeface="Cambria Math" panose="02040503050406030204" pitchFamily="18" charset="0"/>
+                      </a:rPr>
+                      <m:t>𝑉</m:t>
+                    </m:r>
+                    <m:r>
+                      <a:rPr lang="en-GB" i="1">
+                        <a:solidFill>
+                          <a:srgbClr val="000000"/>
+                        </a:solidFill>
+                        <a:effectLst/>
+                        <a:latin typeface="Cambria Math" panose="02040503050406030204" pitchFamily="18" charset="0"/>
+                      </a:rPr>
+                      <m:t> </m:t>
+                    </m:r>
+                  </m:oMath>
+                </a14:m>
+                <a:endParaRPr lang="fr-CH" dirty="0"/>
+              </a:p>
+              <a:p>
+                <a:pPr marL="457200" lvl="1" indent="0">
+                  <a:buNone/>
+                </a:pPr>
+                <a:r>
+                  <a:rPr lang="fr-CH" dirty="0"/>
+                  <a:t>				avec </a:t>
+                </a:r>
+                <a14:m>
+                  <m:oMath xmlns:m="http://schemas.openxmlformats.org/officeDocument/2006/math">
+                    <m:sSub>
+                      <m:sSubPr>
+                        <m:ctrlPr>
+                          <a:rPr lang="en-GB" i="1" smtClean="0">
+                            <a:solidFill>
+                              <a:srgbClr val="000000"/>
+                            </a:solidFill>
+                            <a:effectLst/>
+                            <a:latin typeface="Cambria Math" panose="02040503050406030204" pitchFamily="18" charset="0"/>
+                          </a:rPr>
+                        </m:ctrlPr>
+                      </m:sSubPr>
+                      <m:e>
+                        <m:r>
+                          <a:rPr lang="en-GB">
+                            <a:solidFill>
+                              <a:srgbClr val="000000"/>
+                            </a:solidFill>
+                            <a:effectLst/>
+                            <a:latin typeface="Cambria Math" panose="02040503050406030204" pitchFamily="18" charset="0"/>
+                          </a:rPr>
+                          <m:t>𝑋</m:t>
+                        </m:r>
+                      </m:e>
+                      <m:sub>
+                        <m:r>
+                          <a:rPr lang="en-GB">
+                            <a:solidFill>
+                              <a:srgbClr val="000000"/>
+                            </a:solidFill>
+                            <a:effectLst/>
+                            <a:latin typeface="Cambria Math" panose="02040503050406030204" pitchFamily="18" charset="0"/>
+                          </a:rPr>
+                          <m:t>𝛾</m:t>
+                        </m:r>
+                        <m:r>
+                          <a:rPr lang="en-GB">
+                            <a:solidFill>
+                              <a:srgbClr val="000000"/>
+                            </a:solidFill>
+                            <a:effectLst/>
+                            <a:latin typeface="Cambria Math" panose="02040503050406030204" pitchFamily="18" charset="0"/>
+                          </a:rPr>
+                          <m:t>𝑖</m:t>
+                        </m:r>
+                      </m:sub>
+                    </m:sSub>
+                  </m:oMath>
+                </a14:m>
+                <a:r>
+                  <a:rPr lang="fr-CH" dirty="0"/>
+                  <a:t> = </a:t>
+                </a:r>
+                <a14:m>
+                  <m:oMath xmlns:m="http://schemas.openxmlformats.org/officeDocument/2006/math">
+                    <m:sSup>
+                      <m:sSupPr>
+                        <m:ctrlPr>
+                          <a:rPr lang="x-IV_mathan" i="1"/>
+                        </m:ctrlPr>
+                      </m:sSupPr>
+                      <m:e>
+                        <m:r>
+                          <m:rPr>
+                            <m:sty m:val="p"/>
+                          </m:rPr>
+                          <a:rPr lang="x-IV_mathan"/>
+                          <m:t>Γ</m:t>
+                        </m:r>
+                      </m:e>
+                      <m:sup>
+                        <m:r>
+                          <a:rPr lang="x-IV_mathan"/>
+                          <m:t>−1</m:t>
+                        </m:r>
+                      </m:sup>
+                    </m:sSup>
+                  </m:oMath>
+                </a14:m>
+                <a:r>
+                  <a:rPr lang="fr-CH" dirty="0"/>
+                  <a:t>(</a:t>
+                </a:r>
+                <a14:m>
+                  <m:oMath xmlns:m="http://schemas.openxmlformats.org/officeDocument/2006/math">
+                    <m:sSub>
+                      <m:sSubPr>
+                        <m:ctrlPr>
+                          <a:rPr lang="en-GB" i="1">
+                            <a:solidFill>
+                              <a:srgbClr val="000000"/>
+                            </a:solidFill>
+                            <a:latin typeface="Cambria Math" panose="02040503050406030204" pitchFamily="18" charset="0"/>
+                          </a:rPr>
+                        </m:ctrlPr>
+                      </m:sSubPr>
+                      <m:e>
+                        <m:r>
+                          <a:rPr lang="en-GB">
+                            <a:solidFill>
+                              <a:srgbClr val="000000"/>
+                            </a:solidFill>
+                            <a:latin typeface="Cambria Math" panose="02040503050406030204" pitchFamily="18" charset="0"/>
+                          </a:rPr>
+                          <m:t>𝑋</m:t>
+                        </m:r>
+                      </m:e>
+                      <m:sub>
+                        <m:r>
+                          <a:rPr lang="en-GB">
+                            <a:solidFill>
+                              <a:srgbClr val="000000"/>
+                            </a:solidFill>
+                            <a:latin typeface="Cambria Math" panose="02040503050406030204" pitchFamily="18" charset="0"/>
+                          </a:rPr>
+                          <m:t>𝑖</m:t>
+                        </m:r>
+                      </m:sub>
+                    </m:sSub>
+                  </m:oMath>
+                </a14:m>
+                <a:r>
+                  <a:rPr lang="fr-CH" dirty="0"/>
+                  <a:t>)</a:t>
+                </a:r>
+              </a:p>
+              <a:p>
+                <a:endParaRPr lang="fr-CH" dirty="0">
+                  <a:solidFill>
+                    <a:schemeClr val="tx1"/>
+                  </a:solidFill>
+                </a:endParaRPr>
+              </a:p>
+              <a:p>
+                <a:pPr lvl="1"/>
+                <a:endParaRPr lang="fr-CH" dirty="0">
+                  <a:solidFill>
+                    <a:srgbClr val="FF0000"/>
+                  </a:solidFill>
+                </a:endParaRPr>
+              </a:p>
+              <a:p>
+                <a:pPr lvl="1"/>
+                <a:endParaRPr lang="fr-CH" dirty="0"/>
+              </a:p>
+            </p:txBody>
+          </p:sp>
+        </mc:Choice>
+        <mc:Fallback>
+          <p:sp>
+            <p:nvSpPr>
+              <p:cNvPr id="6" name="Espace réservé du contenu 6">
+                <a:extLst>
+                  <a:ext uri="{FF2B5EF4-FFF2-40B4-BE49-F238E27FC236}">
+                    <a16:creationId xmlns:a16="http://schemas.microsoft.com/office/drawing/2014/main" id="{D6E125D5-8CB8-4429-9989-CFA0E54EB010}"/>
+                  </a:ext>
+                </a:extLst>
+              </p:cNvPr>
+              <p:cNvSpPr>
+                <a:spLocks noGrp="1" noRot="1" noChangeAspect="1" noMove="1" noResize="1" noEditPoints="1" noAdjustHandles="1" noChangeArrowheads="1" noChangeShapeType="1" noTextEdit="1"/>
+              </p:cNvSpPr>
+              <p:nvPr>
+                <p:ph idx="1"/>
+              </p:nvPr>
+            </p:nvSpPr>
+            <p:spPr>
+              <a:xfrm>
+                <a:off x="792480" y="1008570"/>
+                <a:ext cx="10607040" cy="5040537"/>
+              </a:xfrm>
+              <a:blipFill>
+                <a:blip r:embed="rId3"/>
+                <a:stretch>
+                  <a:fillRect l="-1034" t="-1935" r="-920"/>
+                </a:stretch>
+              </a:blipFill>
+            </p:spPr>
+            <p:txBody>
+              <a:bodyPr/>
+              <a:lstStyle/>
+              <a:p>
+                <a:r>
+                  <a:rPr lang="fr-CH">
+                    <a:noFill/>
+                  </a:rPr>
+                  <a:t> </a:t>
+                </a:r>
+              </a:p>
+            </p:txBody>
+          </p:sp>
+        </mc:Fallback>
+      </mc:AlternateContent>
+      <p:cxnSp>
+        <p:nvCxnSpPr>
+          <p:cNvPr id="10" name="Connecteur droit avec flèche 9">
+            <a:extLst>
+              <a:ext uri="{FF2B5EF4-FFF2-40B4-BE49-F238E27FC236}">
+                <a16:creationId xmlns:a16="http://schemas.microsoft.com/office/drawing/2014/main" id="{26231B92-BAB5-41F8-A294-3A25F110B8E1}"/>
+              </a:ext>
+            </a:extLst>
+          </p:cNvPr>
+          <p:cNvCxnSpPr>
+            <a:cxnSpLocks/>
+          </p:cNvCxnSpPr>
+          <p:nvPr/>
+        </p:nvCxnSpPr>
+        <p:spPr>
+          <a:xfrm flipV="1">
+            <a:off x="6998677" y="1512277"/>
+            <a:ext cx="2233246" cy="1239716"/>
+          </a:xfrm>
+          <a:prstGeom prst="straightConnector1">
+            <a:avLst/>
+          </a:prstGeom>
+          <a:ln>
+            <a:tailEnd type="triangle"/>
+          </a:ln>
+        </p:spPr>
+        <p:style>
+          <a:lnRef idx="3">
+            <a:schemeClr val="accent1"/>
+          </a:lnRef>
+          <a:fillRef idx="0">
+            <a:schemeClr val="accent1"/>
+          </a:fillRef>
+          <a:effectRef idx="2">
+            <a:schemeClr val="accent1"/>
+          </a:effectRef>
+          <a:fontRef idx="minor">
+            <a:schemeClr val="tx1"/>
+          </a:fontRef>
+        </p:style>
+      </p:cxnSp>
+      <p:pic>
+        <p:nvPicPr>
+          <p:cNvPr id="14" name="Image 13">
+            <a:extLst>
+              <a:ext uri="{FF2B5EF4-FFF2-40B4-BE49-F238E27FC236}">
+                <a16:creationId xmlns:a16="http://schemas.microsoft.com/office/drawing/2014/main" id="{024D42D2-5E12-4796-98D7-0FD3A8B3E827}"/>
+              </a:ext>
+            </a:extLst>
+          </p:cNvPr>
+          <p:cNvPicPr>
+            <a:picLocks noChangeAspect="1"/>
+          </p:cNvPicPr>
+          <p:nvPr/>
+        </p:nvPicPr>
+        <p:blipFill>
+          <a:blip r:embed="rId4"/>
+          <a:stretch>
+            <a:fillRect/>
+          </a:stretch>
+        </p:blipFill>
+        <p:spPr>
+          <a:xfrm>
+            <a:off x="9319407" y="194044"/>
+            <a:ext cx="2124075" cy="1238250"/>
+          </a:xfrm>
+          <a:prstGeom prst="rect">
+            <a:avLst/>
+          </a:prstGeom>
+        </p:spPr>
+      </p:pic>
+    </p:spTree>
+    <p:extLst>
+      <p:ext uri="{BB962C8B-B14F-4D97-AF65-F5344CB8AC3E}">
+        <p14:creationId xmlns:p14="http://schemas.microsoft.com/office/powerpoint/2010/main" val="929595243"/>
+      </p:ext>
+    </p:extLst>
+  </p:cSld>
+  <p:clrMapOvr>
+    <a:masterClrMapping/>
+  </p:clrMapOvr>
+</p:sld>
+</file>
+
+<file path=ppt/slides/slide23.xml><?xml version="1.0" encoding="utf-8"?>
+<p:sld xmlns:a="http://schemas.openxmlformats.org/drawingml/2006/main" xmlns:r="http://schemas.openxmlformats.org/officeDocument/2006/relationships" xmlns:p="http://schemas.openxmlformats.org/presentationml/2006/main">
+  <p:cSld>
+    <p:spTree>
+      <p:nvGrpSpPr>
+        <p:cNvPr id="1" name=""/>
+        <p:cNvGrpSpPr/>
+        <p:nvPr/>
+      </p:nvGrpSpPr>
+      <p:grpSpPr>
+        <a:xfrm>
+          <a:off x="0" y="0"/>
+          <a:ext cx="0" cy="0"/>
+          <a:chOff x="0" y="0"/>
+          <a:chExt cx="0" cy="0"/>
+        </a:xfrm>
+      </p:grpSpPr>
+      <p:sp>
+        <p:nvSpPr>
+          <p:cNvPr id="2" name="Titre 1">
+            <a:extLst>
+              <a:ext uri="{FF2B5EF4-FFF2-40B4-BE49-F238E27FC236}">
+                <a16:creationId xmlns:a16="http://schemas.microsoft.com/office/drawing/2014/main" id="{1DE24D75-C6DE-4394-A51C-5EF310010BA5}"/>
+              </a:ext>
+            </a:extLst>
+          </p:cNvPr>
+          <p:cNvSpPr>
+            <a:spLocks noGrp="1"/>
+          </p:cNvSpPr>
+          <p:nvPr>
+            <p:ph type="title"/>
+          </p:nvPr>
+        </p:nvSpPr>
+        <p:spPr>
+          <a:xfrm>
+            <a:off x="0" y="-316992"/>
+            <a:ext cx="746760" cy="1325563"/>
+          </a:xfrm>
+        </p:spPr>
+        <p:txBody>
+          <a:bodyPr/>
+          <a:lstStyle/>
+          <a:p>
+            <a:r>
+              <a:rPr lang="fr-CH" dirty="0">
+                <a:solidFill>
+                  <a:schemeClr val="accent1"/>
+                </a:solidFill>
+              </a:rPr>
+              <a:t>6.</a:t>
+            </a:r>
+            <a:endParaRPr lang="en-GB" dirty="0">
+              <a:solidFill>
+                <a:schemeClr val="accent1"/>
+              </a:solidFill>
+            </a:endParaRPr>
+          </a:p>
+        </p:txBody>
+      </p:sp>
+      <p:sp>
+        <p:nvSpPr>
+          <p:cNvPr id="4" name="ZoneTexte 3">
+            <a:extLst>
+              <a:ext uri="{FF2B5EF4-FFF2-40B4-BE49-F238E27FC236}">
+                <a16:creationId xmlns:a16="http://schemas.microsoft.com/office/drawing/2014/main" id="{B4A469F4-C262-4F6E-8D5D-858330AC98E0}"/>
+              </a:ext>
+            </a:extLst>
+          </p:cNvPr>
+          <p:cNvSpPr txBox="1"/>
+          <p:nvPr/>
+        </p:nvSpPr>
+        <p:spPr>
+          <a:xfrm>
+            <a:off x="746760" y="161123"/>
+            <a:ext cx="10515600" cy="369332"/>
+          </a:xfrm>
+          <a:prstGeom prst="rect">
+            <a:avLst/>
+          </a:prstGeom>
+          <a:noFill/>
+        </p:spPr>
+        <p:txBody>
+          <a:bodyPr wrap="square" rtlCol="0">
+            <a:spAutoFit/>
+          </a:bodyPr>
+          <a:lstStyle/>
+          <a:p>
+            <a:r>
+              <a:rPr lang="fr-FR" sz="1800" dirty="0">
+                <a:solidFill>
+                  <a:schemeClr val="accent1"/>
+                </a:solidFill>
+                <a:effectLst/>
+                <a:latin typeface="Arial" panose="020B0604020202020204" pitchFamily="34" charset="0"/>
+              </a:rPr>
+              <a:t>Quelle est l’utilité d’utiliser un PGM ?</a:t>
+            </a:r>
+            <a:endParaRPr lang="en-GB" dirty="0">
+              <a:solidFill>
+                <a:schemeClr val="accent1"/>
+              </a:solidFill>
+            </a:endParaRPr>
+          </a:p>
+        </p:txBody>
+      </p:sp>
+      <p:sp>
+        <p:nvSpPr>
+          <p:cNvPr id="6" name="Espace réservé du contenu 6">
+            <a:extLst>
+              <a:ext uri="{FF2B5EF4-FFF2-40B4-BE49-F238E27FC236}">
+                <a16:creationId xmlns:a16="http://schemas.microsoft.com/office/drawing/2014/main" id="{D6E125D5-8CB8-4429-9989-CFA0E54EB010}"/>
+              </a:ext>
+            </a:extLst>
+          </p:cNvPr>
+          <p:cNvSpPr>
+            <a:spLocks noGrp="1"/>
+          </p:cNvSpPr>
+          <p:nvPr>
+            <p:ph idx="1"/>
+          </p:nvPr>
+        </p:nvSpPr>
+        <p:spPr>
+          <a:xfrm>
+            <a:off x="792480" y="1783080"/>
+            <a:ext cx="10607040" cy="4266027"/>
+          </a:xfrm>
+        </p:spPr>
+        <p:txBody>
+          <a:bodyPr>
+            <a:normAutofit/>
+          </a:bodyPr>
+          <a:lstStyle/>
+          <a:p>
+            <a:r>
+              <a:rPr lang="fr-CH" dirty="0">
+                <a:solidFill>
+                  <a:schemeClr val="tx1"/>
+                </a:solidFill>
+              </a:rPr>
+              <a:t>rend lisible le modèle en affichant les indépendances et une forme de temporalité entre les variables</a:t>
+            </a:r>
+          </a:p>
+          <a:p>
+            <a:pPr marL="0" indent="0">
+              <a:buNone/>
+            </a:pPr>
+            <a:endParaRPr lang="fr-CH" dirty="0">
+              <a:solidFill>
+                <a:schemeClr val="tx1"/>
+              </a:solidFill>
+            </a:endParaRPr>
+          </a:p>
+          <a:p>
+            <a:r>
+              <a:rPr lang="fr-CH" dirty="0"/>
+              <a:t>détecte des indépendances entre les variables ce qui réduit k (le degré maximal du graphe) et par conséquence la complexité des calculs</a:t>
+            </a:r>
+          </a:p>
+          <a:p>
+            <a:endParaRPr lang="fr-CH" dirty="0">
+              <a:solidFill>
+                <a:schemeClr val="tx1"/>
+              </a:solidFill>
+            </a:endParaRPr>
+          </a:p>
+          <a:p>
+            <a:r>
+              <a:rPr lang="fr-CH" dirty="0"/>
+              <a:t>Introduit une sémantique dans la modélisation et permet une meilleure compréhension de ces modèles</a:t>
+            </a:r>
+            <a:endParaRPr lang="fr-CH" dirty="0">
+              <a:solidFill>
+                <a:schemeClr val="tx1"/>
+              </a:solidFill>
+            </a:endParaRPr>
+          </a:p>
+          <a:p>
+            <a:pPr lvl="1"/>
+            <a:endParaRPr lang="fr-CH" dirty="0">
+              <a:solidFill>
+                <a:srgbClr val="FF0000"/>
+              </a:solidFill>
+            </a:endParaRPr>
+          </a:p>
+          <a:p>
+            <a:pPr lvl="1"/>
+            <a:endParaRPr lang="fr-CH" dirty="0"/>
+          </a:p>
+        </p:txBody>
+      </p:sp>
+      <p:sp>
+        <p:nvSpPr>
+          <p:cNvPr id="8" name="ZoneTexte 7">
+            <a:extLst>
+              <a:ext uri="{FF2B5EF4-FFF2-40B4-BE49-F238E27FC236}">
+                <a16:creationId xmlns:a16="http://schemas.microsoft.com/office/drawing/2014/main" id="{A1594BAC-31B3-4B5D-AF36-7F7AEAE9D95D}"/>
+              </a:ext>
+            </a:extLst>
+          </p:cNvPr>
+          <p:cNvSpPr txBox="1"/>
+          <p:nvPr/>
+        </p:nvSpPr>
+        <p:spPr>
+          <a:xfrm>
+            <a:off x="373380" y="924464"/>
+            <a:ext cx="6217920" cy="646331"/>
+          </a:xfrm>
+          <a:prstGeom prst="rect">
+            <a:avLst/>
+          </a:prstGeom>
+          <a:noFill/>
+        </p:spPr>
+        <p:txBody>
+          <a:bodyPr wrap="square">
+            <a:spAutoFit/>
+          </a:bodyPr>
+          <a:lstStyle/>
+          <a:p>
+            <a:r>
+              <a:rPr lang="fr-CH" sz="3600" b="1" dirty="0">
+                <a:solidFill>
+                  <a:schemeClr val="tx1"/>
+                </a:solidFill>
+              </a:rPr>
+              <a:t>Le PGM :</a:t>
+            </a:r>
+            <a:endParaRPr lang="fr-CH" sz="3600" b="1" dirty="0"/>
+          </a:p>
+        </p:txBody>
+      </p:sp>
+    </p:spTree>
+    <p:extLst>
+      <p:ext uri="{BB962C8B-B14F-4D97-AF65-F5344CB8AC3E}">
+        <p14:creationId xmlns:p14="http://schemas.microsoft.com/office/powerpoint/2010/main" val="428289363"/>
+      </p:ext>
+    </p:extLst>
+  </p:cSld>
+  <p:clrMapOvr>
+    <a:masterClrMapping/>
+  </p:clrMapOvr>
+</p:sld>
+</file>
+
+<file path=ppt/slides/slide24.xml><?xml version="1.0" encoding="utf-8"?>
+<p:sld xmlns:a="http://schemas.openxmlformats.org/drawingml/2006/main" xmlns:r="http://schemas.openxmlformats.org/officeDocument/2006/relationships" xmlns:p="http://schemas.openxmlformats.org/presentationml/2006/main">
+  <p:cSld>
+    <p:spTree>
+      <p:nvGrpSpPr>
+        <p:cNvPr id="1" name=""/>
+        <p:cNvGrpSpPr/>
+        <p:nvPr/>
+      </p:nvGrpSpPr>
+      <p:grpSpPr>
+        <a:xfrm>
+          <a:off x="0" y="0"/>
+          <a:ext cx="0" cy="0"/>
+          <a:chOff x="0" y="0"/>
+          <a:chExt cx="0" cy="0"/>
+        </a:xfrm>
+      </p:grpSpPr>
+      <p:sp>
+        <p:nvSpPr>
+          <p:cNvPr id="2" name="Titre 1">
+            <a:extLst>
+              <a:ext uri="{FF2B5EF4-FFF2-40B4-BE49-F238E27FC236}">
+                <a16:creationId xmlns:a16="http://schemas.microsoft.com/office/drawing/2014/main" id="{1DE24D75-C6DE-4394-A51C-5EF310010BA5}"/>
+              </a:ext>
+            </a:extLst>
+          </p:cNvPr>
+          <p:cNvSpPr>
+            <a:spLocks noGrp="1"/>
+          </p:cNvSpPr>
+          <p:nvPr>
+            <p:ph type="title"/>
+          </p:nvPr>
+        </p:nvSpPr>
+        <p:spPr>
+          <a:xfrm>
+            <a:off x="0" y="-316992"/>
+            <a:ext cx="746760" cy="1325563"/>
+          </a:xfrm>
+        </p:spPr>
+        <p:txBody>
+          <a:bodyPr/>
+          <a:lstStyle/>
+          <a:p>
+            <a:r>
+              <a:rPr lang="fr-CH" dirty="0">
+                <a:solidFill>
+                  <a:schemeClr val="accent1"/>
+                </a:solidFill>
+              </a:rPr>
+              <a:t>6.</a:t>
+            </a:r>
+            <a:endParaRPr lang="en-GB" dirty="0">
+              <a:solidFill>
+                <a:schemeClr val="accent1"/>
+              </a:solidFill>
+            </a:endParaRPr>
+          </a:p>
+        </p:txBody>
+      </p:sp>
+      <p:sp>
+        <p:nvSpPr>
+          <p:cNvPr id="4" name="ZoneTexte 3">
+            <a:extLst>
+              <a:ext uri="{FF2B5EF4-FFF2-40B4-BE49-F238E27FC236}">
+                <a16:creationId xmlns:a16="http://schemas.microsoft.com/office/drawing/2014/main" id="{B4A469F4-C262-4F6E-8D5D-858330AC98E0}"/>
+              </a:ext>
+            </a:extLst>
+          </p:cNvPr>
+          <p:cNvSpPr txBox="1"/>
+          <p:nvPr/>
+        </p:nvSpPr>
+        <p:spPr>
+          <a:xfrm>
+            <a:off x="746760" y="161123"/>
+            <a:ext cx="10515600" cy="369332"/>
+          </a:xfrm>
+          <a:prstGeom prst="rect">
+            <a:avLst/>
+          </a:prstGeom>
+          <a:noFill/>
+        </p:spPr>
+        <p:txBody>
+          <a:bodyPr wrap="square" rtlCol="0">
+            <a:spAutoFit/>
+          </a:bodyPr>
+          <a:lstStyle/>
+          <a:p>
+            <a:r>
+              <a:rPr lang="fr-FR" sz="1800" dirty="0">
+                <a:solidFill>
+                  <a:schemeClr val="accent1"/>
+                </a:solidFill>
+                <a:effectLst/>
+                <a:latin typeface="Arial" panose="020B0604020202020204" pitchFamily="34" charset="0"/>
+              </a:rPr>
+              <a:t>Donnez un exemple d’utilisation.</a:t>
+            </a:r>
+            <a:endParaRPr lang="en-GB" dirty="0">
+              <a:solidFill>
+                <a:schemeClr val="accent1"/>
+              </a:solidFill>
+            </a:endParaRPr>
+          </a:p>
+        </p:txBody>
+      </p:sp>
+      <p:sp>
+        <p:nvSpPr>
+          <p:cNvPr id="6" name="Espace réservé du contenu 6">
+            <a:extLst>
+              <a:ext uri="{FF2B5EF4-FFF2-40B4-BE49-F238E27FC236}">
+                <a16:creationId xmlns:a16="http://schemas.microsoft.com/office/drawing/2014/main" id="{D6E125D5-8CB8-4429-9989-CFA0E54EB010}"/>
+              </a:ext>
+            </a:extLst>
+          </p:cNvPr>
+          <p:cNvSpPr>
+            <a:spLocks noGrp="1"/>
+          </p:cNvSpPr>
+          <p:nvPr>
+            <p:ph idx="1"/>
+          </p:nvPr>
+        </p:nvSpPr>
+        <p:spPr>
+          <a:xfrm>
+            <a:off x="792480" y="1161288"/>
+            <a:ext cx="10607040" cy="4887819"/>
+          </a:xfrm>
+        </p:spPr>
+        <p:txBody>
+          <a:bodyPr>
+            <a:normAutofit/>
+          </a:bodyPr>
+          <a:lstStyle/>
+          <a:p>
+            <a:pPr marL="457200" lvl="1" indent="0">
+              <a:buNone/>
+            </a:pPr>
+            <a:r>
+              <a:rPr lang="fr-CH" dirty="0">
+                <a:solidFill>
+                  <a:srgbClr val="FF0000"/>
+                </a:solidFill>
+              </a:rPr>
+              <a:t>s</a:t>
+            </a:r>
+          </a:p>
+          <a:p>
+            <a:pPr lvl="1"/>
+            <a:endParaRPr lang="fr-CH" dirty="0"/>
+          </a:p>
+        </p:txBody>
+      </p:sp>
+    </p:spTree>
+    <p:extLst>
+      <p:ext uri="{BB962C8B-B14F-4D97-AF65-F5344CB8AC3E}">
+        <p14:creationId xmlns:p14="http://schemas.microsoft.com/office/powerpoint/2010/main" val="1774788196"/>
+      </p:ext>
+    </p:extLst>
+  </p:cSld>
+  <p:clrMapOvr>
+    <a:masterClrMapping/>
+  </p:clrMapOvr>
+</p:sld>
+</file>
+
+<file path=ppt/slides/slide25.xml><?xml version="1.0" encoding="utf-8"?>
+<p:sld xmlns:a="http://schemas.openxmlformats.org/drawingml/2006/main" xmlns:r="http://schemas.openxmlformats.org/officeDocument/2006/relationships" xmlns:p="http://schemas.openxmlformats.org/presentationml/2006/main">
+  <p:cSld>
+    <p:spTree>
+      <p:nvGrpSpPr>
+        <p:cNvPr id="1" name=""/>
+        <p:cNvGrpSpPr/>
+        <p:nvPr/>
+      </p:nvGrpSpPr>
+      <p:grpSpPr>
+        <a:xfrm>
+          <a:off x="0" y="0"/>
+          <a:ext cx="0" cy="0"/>
+          <a:chOff x="0" y="0"/>
+          <a:chExt cx="0" cy="0"/>
+        </a:xfrm>
+      </p:grpSpPr>
+      <p:sp>
+        <p:nvSpPr>
+          <p:cNvPr id="2" name="Titre 1">
+            <a:extLst>
+              <a:ext uri="{FF2B5EF4-FFF2-40B4-BE49-F238E27FC236}">
+                <a16:creationId xmlns:a16="http://schemas.microsoft.com/office/drawing/2014/main" id="{1DE24D75-C6DE-4394-A51C-5EF310010BA5}"/>
+              </a:ext>
+            </a:extLst>
+          </p:cNvPr>
+          <p:cNvSpPr>
+            <a:spLocks noGrp="1"/>
+          </p:cNvSpPr>
+          <p:nvPr>
+            <p:ph type="title"/>
+          </p:nvPr>
+        </p:nvSpPr>
+        <p:spPr>
+          <a:xfrm>
+            <a:off x="0" y="-316992"/>
+            <a:ext cx="746760" cy="1325563"/>
+          </a:xfrm>
+        </p:spPr>
+        <p:txBody>
+          <a:bodyPr/>
+          <a:lstStyle/>
+          <a:p>
+            <a:r>
+              <a:rPr lang="fr-CH" dirty="0">
+                <a:solidFill>
+                  <a:schemeClr val="accent1"/>
+                </a:solidFill>
+              </a:rPr>
+              <a:t>6.</a:t>
+            </a:r>
+            <a:endParaRPr lang="en-GB" dirty="0">
+              <a:solidFill>
+                <a:schemeClr val="accent1"/>
+              </a:solidFill>
+            </a:endParaRPr>
+          </a:p>
+        </p:txBody>
+      </p:sp>
+      <p:sp>
+        <p:nvSpPr>
+          <p:cNvPr id="4" name="ZoneTexte 3">
+            <a:extLst>
+              <a:ext uri="{FF2B5EF4-FFF2-40B4-BE49-F238E27FC236}">
+                <a16:creationId xmlns:a16="http://schemas.microsoft.com/office/drawing/2014/main" id="{B4A469F4-C262-4F6E-8D5D-858330AC98E0}"/>
+              </a:ext>
+            </a:extLst>
+          </p:cNvPr>
+          <p:cNvSpPr txBox="1"/>
+          <p:nvPr/>
+        </p:nvSpPr>
+        <p:spPr>
+          <a:xfrm>
+            <a:off x="746760" y="161123"/>
+            <a:ext cx="10515600" cy="369332"/>
+          </a:xfrm>
+          <a:prstGeom prst="rect">
+            <a:avLst/>
+          </a:prstGeom>
+          <a:noFill/>
+        </p:spPr>
+        <p:txBody>
+          <a:bodyPr wrap="square" rtlCol="0">
+            <a:spAutoFit/>
+          </a:bodyPr>
+          <a:lstStyle/>
+          <a:p>
+            <a:r>
+              <a:rPr lang="fr-FR" sz="1800" dirty="0">
+                <a:solidFill>
+                  <a:schemeClr val="accent1"/>
+                </a:solidFill>
+                <a:effectLst/>
+                <a:latin typeface="Arial" panose="020B0604020202020204" pitchFamily="34" charset="0"/>
+              </a:rPr>
+              <a:t>Quel est l’impact de l’indépendance conditionnelle dans les PGM?</a:t>
+            </a:r>
+            <a:endParaRPr lang="en-GB" dirty="0">
+              <a:solidFill>
+                <a:schemeClr val="accent1"/>
+              </a:solidFill>
+            </a:endParaRPr>
+          </a:p>
+        </p:txBody>
+      </p:sp>
+      <p:sp>
+        <p:nvSpPr>
+          <p:cNvPr id="6" name="Espace réservé du contenu 6">
+            <a:extLst>
+              <a:ext uri="{FF2B5EF4-FFF2-40B4-BE49-F238E27FC236}">
+                <a16:creationId xmlns:a16="http://schemas.microsoft.com/office/drawing/2014/main" id="{D6E125D5-8CB8-4429-9989-CFA0E54EB010}"/>
+              </a:ext>
+            </a:extLst>
+          </p:cNvPr>
+          <p:cNvSpPr>
+            <a:spLocks noGrp="1"/>
+          </p:cNvSpPr>
+          <p:nvPr>
+            <p:ph idx="1"/>
+          </p:nvPr>
+        </p:nvSpPr>
+        <p:spPr>
+          <a:xfrm>
+            <a:off x="792480" y="1161288"/>
+            <a:ext cx="10673934" cy="4887819"/>
+          </a:xfrm>
+        </p:spPr>
+        <p:txBody>
+          <a:bodyPr>
+            <a:normAutofit/>
+          </a:bodyPr>
+          <a:lstStyle/>
+          <a:p>
+            <a:r>
+              <a:rPr lang="fr-CH" dirty="0"/>
+              <a:t>Voici un exemple de PGM:</a:t>
+            </a:r>
+          </a:p>
+          <a:p>
+            <a:pPr marL="0" indent="0">
+              <a:buNone/>
+            </a:pPr>
+            <a:r>
+              <a:rPr lang="fr-CH" dirty="0"/>
+              <a:t>	P(X,Y,Z) = P(X)P(Y|X)P(Z|X,Y)</a:t>
+            </a:r>
+          </a:p>
+          <a:p>
+            <a:pPr marL="0" indent="0">
+              <a:buNone/>
+            </a:pPr>
+            <a:r>
+              <a:rPr lang="fr-CH" dirty="0"/>
+              <a:t>si on supprime la flèche de dépendance entre X et Z (flèche rouge), on a:</a:t>
+            </a:r>
+          </a:p>
+          <a:p>
+            <a:pPr marL="0" indent="0">
+              <a:buNone/>
+            </a:pPr>
+            <a:r>
+              <a:rPr lang="fr-CH" dirty="0"/>
+              <a:t>	P(X,Y,Z) = P(X)P(Y|X)P(Z|Y)</a:t>
+            </a:r>
+          </a:p>
+          <a:p>
+            <a:pPr marL="0" indent="0">
+              <a:buNone/>
+            </a:pPr>
+            <a:r>
+              <a:rPr lang="fr-CH" dirty="0"/>
+              <a:t>	Z est donc indépendant de X sachant Y</a:t>
+            </a:r>
+          </a:p>
+          <a:p>
+            <a:pPr marL="0" indent="0">
+              <a:buNone/>
+            </a:pPr>
+            <a:endParaRPr lang="fr-CH" dirty="0"/>
+          </a:p>
+          <a:p>
+            <a:r>
+              <a:rPr lang="fr-CH" dirty="0"/>
+              <a:t>Ce PGM représente un chemin temporelle de X à Z, mais une fois qu’on a la valeur Y, alors Z ne dépend plus de X</a:t>
+            </a:r>
+          </a:p>
+          <a:p>
+            <a:r>
+              <a:rPr lang="fr-CH" dirty="0"/>
+              <a:t>On a un blocage d’information</a:t>
+            </a:r>
+          </a:p>
+          <a:p>
+            <a:pPr marL="0" indent="0">
+              <a:buNone/>
+            </a:pPr>
+            <a:endParaRPr lang="fr-CH" dirty="0"/>
+          </a:p>
+        </p:txBody>
+      </p:sp>
+      <p:pic>
+        <p:nvPicPr>
+          <p:cNvPr id="5" name="Image 4">
+            <a:extLst>
+              <a:ext uri="{FF2B5EF4-FFF2-40B4-BE49-F238E27FC236}">
+                <a16:creationId xmlns:a16="http://schemas.microsoft.com/office/drawing/2014/main" id="{4130CDCD-1277-4CE9-96CF-5BE56B23D879}"/>
+              </a:ext>
+            </a:extLst>
+          </p:cNvPr>
+          <p:cNvPicPr>
+            <a:picLocks noChangeAspect="1"/>
+          </p:cNvPicPr>
+          <p:nvPr/>
+        </p:nvPicPr>
+        <p:blipFill>
+          <a:blip r:embed="rId3"/>
+          <a:stretch>
+            <a:fillRect/>
+          </a:stretch>
+        </p:blipFill>
+        <p:spPr>
+          <a:xfrm>
+            <a:off x="8037195" y="636336"/>
+            <a:ext cx="3362325" cy="1447800"/>
+          </a:xfrm>
+          <a:prstGeom prst="rect">
+            <a:avLst/>
+          </a:prstGeom>
+        </p:spPr>
+      </p:pic>
+    </p:spTree>
+    <p:extLst>
+      <p:ext uri="{BB962C8B-B14F-4D97-AF65-F5344CB8AC3E}">
+        <p14:creationId xmlns:p14="http://schemas.microsoft.com/office/powerpoint/2010/main" val="674447285"/>
+      </p:ext>
+    </p:extLst>
+  </p:cSld>
+  <p:clrMapOvr>
+    <a:masterClrMapping/>
+  </p:clrMapOvr>
+</p:sld>
+</file>
+
+<file path=ppt/slides/slide26.xml><?xml version="1.0" encoding="utf-8"?>
+<p:sld xmlns:a="http://schemas.openxmlformats.org/drawingml/2006/main" xmlns:r="http://schemas.openxmlformats.org/officeDocument/2006/relationships" xmlns:p="http://schemas.openxmlformats.org/presentationml/2006/main">
+  <p:cSld>
+    <p:spTree>
+      <p:nvGrpSpPr>
+        <p:cNvPr id="1" name=""/>
+        <p:cNvGrpSpPr/>
+        <p:nvPr/>
+      </p:nvGrpSpPr>
+      <p:grpSpPr>
+        <a:xfrm>
+          <a:off x="0" y="0"/>
+          <a:ext cx="0" cy="0"/>
+          <a:chOff x="0" y="0"/>
+          <a:chExt cx="0" cy="0"/>
+        </a:xfrm>
+      </p:grpSpPr>
+      <p:sp>
+        <p:nvSpPr>
+          <p:cNvPr id="2" name="Titre 1">
+            <a:extLst>
+              <a:ext uri="{FF2B5EF4-FFF2-40B4-BE49-F238E27FC236}">
+                <a16:creationId xmlns:a16="http://schemas.microsoft.com/office/drawing/2014/main" id="{1DE24D75-C6DE-4394-A51C-5EF310010BA5}"/>
+              </a:ext>
+            </a:extLst>
+          </p:cNvPr>
+          <p:cNvSpPr>
+            <a:spLocks noGrp="1"/>
+          </p:cNvSpPr>
+          <p:nvPr>
+            <p:ph type="title"/>
+          </p:nvPr>
+        </p:nvSpPr>
+        <p:spPr>
+          <a:xfrm>
+            <a:off x="0" y="-316992"/>
+            <a:ext cx="746760" cy="1325563"/>
+          </a:xfrm>
+        </p:spPr>
+        <p:txBody>
+          <a:bodyPr/>
+          <a:lstStyle/>
+          <a:p>
+            <a:r>
+              <a:rPr lang="fr-CH" dirty="0">
+                <a:solidFill>
+                  <a:schemeClr val="accent1"/>
+                </a:solidFill>
+              </a:rPr>
+              <a:t>6.</a:t>
+            </a:r>
+            <a:endParaRPr lang="en-GB" dirty="0">
+              <a:solidFill>
+                <a:schemeClr val="accent1"/>
+              </a:solidFill>
+            </a:endParaRPr>
+          </a:p>
+        </p:txBody>
+      </p:sp>
+      <p:sp>
+        <p:nvSpPr>
+          <p:cNvPr id="4" name="ZoneTexte 3">
+            <a:extLst>
+              <a:ext uri="{FF2B5EF4-FFF2-40B4-BE49-F238E27FC236}">
+                <a16:creationId xmlns:a16="http://schemas.microsoft.com/office/drawing/2014/main" id="{B4A469F4-C262-4F6E-8D5D-858330AC98E0}"/>
+              </a:ext>
+            </a:extLst>
+          </p:cNvPr>
+          <p:cNvSpPr txBox="1"/>
+          <p:nvPr/>
+        </p:nvSpPr>
+        <p:spPr>
+          <a:xfrm>
+            <a:off x="746760" y="161123"/>
+            <a:ext cx="10515600" cy="369332"/>
+          </a:xfrm>
+          <a:prstGeom prst="rect">
+            <a:avLst/>
+          </a:prstGeom>
+          <a:noFill/>
+        </p:spPr>
+        <p:txBody>
+          <a:bodyPr wrap="square" rtlCol="0">
+            <a:spAutoFit/>
+          </a:bodyPr>
+          <a:lstStyle/>
+          <a:p>
+            <a:r>
+              <a:rPr lang="fr-FR" sz="1800" dirty="0">
+                <a:solidFill>
+                  <a:schemeClr val="accent1"/>
+                </a:solidFill>
+                <a:effectLst/>
+                <a:latin typeface="Arial" panose="020B0604020202020204" pitchFamily="34" charset="0"/>
+              </a:rPr>
+              <a:t>On pourra faire le lien avec les outils Bayésiens type Naïve Bayes ou Réseaux Bayésiens.</a:t>
+            </a:r>
+            <a:endParaRPr lang="en-GB" dirty="0">
+              <a:solidFill>
+                <a:schemeClr val="accent1"/>
+              </a:solidFill>
+            </a:endParaRPr>
+          </a:p>
+        </p:txBody>
+      </p:sp>
+      <mc:AlternateContent xmlns:mc="http://schemas.openxmlformats.org/markup-compatibility/2006">
+        <mc:Choice xmlns:a14="http://schemas.microsoft.com/office/drawing/2010/main" Requires="a14">
+          <p:sp>
+            <p:nvSpPr>
+              <p:cNvPr id="7" name="Espace réservé du contenu 6">
+                <a:extLst>
+                  <a:ext uri="{FF2B5EF4-FFF2-40B4-BE49-F238E27FC236}">
+                    <a16:creationId xmlns:a16="http://schemas.microsoft.com/office/drawing/2014/main" id="{894DFD97-16B2-4B06-9AFA-71D193B86400}"/>
+                  </a:ext>
+                </a:extLst>
+              </p:cNvPr>
+              <p:cNvSpPr>
+                <a:spLocks noGrp="1"/>
+              </p:cNvSpPr>
+              <p:nvPr>
+                <p:ph idx="1"/>
+              </p:nvPr>
+            </p:nvSpPr>
+            <p:spPr>
+              <a:xfrm>
+                <a:off x="759033" y="1008570"/>
+                <a:ext cx="10673934" cy="4887819"/>
+              </a:xfrm>
+            </p:spPr>
+            <p:txBody>
+              <a:bodyPr>
+                <a:normAutofit/>
+              </a:bodyPr>
+              <a:lstStyle/>
+              <a:p>
+                <a:r>
+                  <a:rPr lang="fr-CH" dirty="0"/>
+                  <a:t>Naïve bayes dérive complètement de ces PGM</a:t>
+                </a:r>
+              </a:p>
+              <a:p>
+                <a:r>
+                  <a:rPr lang="fr-CH" dirty="0"/>
+                  <a:t>On a un ensemble de variables qui sont indépendantes entre elles, et qui ont toutes une dépendance commune</a:t>
+                </a:r>
+              </a:p>
+              <a:p>
+                <a:endParaRPr lang="fr-CH" dirty="0"/>
+              </a:p>
+              <a:p>
+                <a:endParaRPr lang="fr-CH" dirty="0"/>
+              </a:p>
+              <a:p>
+                <a:endParaRPr lang="fr-CH" dirty="0"/>
+              </a:p>
+              <a:p>
+                <a:endParaRPr lang="fr-CH" dirty="0"/>
+              </a:p>
+              <a:p>
+                <a:endParaRPr lang="fr-CH" dirty="0"/>
+              </a:p>
+              <a:p>
+                <a:pPr marL="914400" lvl="2" indent="0">
+                  <a:buNone/>
+                </a:pPr>
+                <a:r>
+                  <a:rPr lang="fr-CH" dirty="0"/>
+                  <a:t>		P(X,Y) = P(Y)P(X|Y) = P(Y) </a:t>
+                </a:r>
+                <a14:m>
+                  <m:oMath xmlns:m="http://schemas.openxmlformats.org/officeDocument/2006/math">
+                    <m:nary>
+                      <m:naryPr>
+                        <m:chr m:val="∏"/>
+                        <m:ctrlPr>
+                          <a:rPr lang="en-GB" i="1" smtClean="0">
+                            <a:solidFill>
+                              <a:srgbClr val="000000"/>
+                            </a:solidFill>
+                            <a:effectLst/>
+                            <a:latin typeface="Cambria Math" panose="02040503050406030204" pitchFamily="18" charset="0"/>
+                          </a:rPr>
+                        </m:ctrlPr>
+                      </m:naryPr>
+                      <m:sub>
+                        <m:r>
+                          <a:rPr lang="en-GB">
+                            <a:solidFill>
+                              <a:srgbClr val="000000"/>
+                            </a:solidFill>
+                            <a:effectLst/>
+                            <a:latin typeface="Cambria Math" panose="02040503050406030204" pitchFamily="18" charset="0"/>
+                          </a:rPr>
+                          <m:t>𝑖</m:t>
+                        </m:r>
+                        <m:r>
+                          <a:rPr lang="en-GB">
+                            <a:solidFill>
+                              <a:srgbClr val="000000"/>
+                            </a:solidFill>
+                            <a:effectLst/>
+                            <a:latin typeface="Cambria Math" panose="02040503050406030204" pitchFamily="18" charset="0"/>
+                          </a:rPr>
+                          <m:t>=1</m:t>
+                        </m:r>
+                      </m:sub>
+                      <m:sup>
+                        <m:r>
+                          <m:rPr>
+                            <m:sty m:val="p"/>
+                          </m:rPr>
+                          <a:rPr lang="fr-CH" b="0" i="0" smtClean="0">
+                            <a:solidFill>
+                              <a:srgbClr val="000000"/>
+                            </a:solidFill>
+                            <a:effectLst/>
+                            <a:latin typeface="Cambria Math" panose="02040503050406030204" pitchFamily="18" charset="0"/>
+                          </a:rPr>
+                          <m:t>K</m:t>
+                        </m:r>
+                      </m:sup>
+                      <m:e>
+                        <m:r>
+                          <a:rPr lang="en-GB">
+                            <a:solidFill>
+                              <a:srgbClr val="000000"/>
+                            </a:solidFill>
+                            <a:effectLst/>
+                            <a:latin typeface="Cambria Math" panose="02040503050406030204" pitchFamily="18" charset="0"/>
+                          </a:rPr>
+                          <m:t>𝑃</m:t>
+                        </m:r>
+                        <m:r>
+                          <a:rPr lang="en-GB">
+                            <a:solidFill>
+                              <a:srgbClr val="000000"/>
+                            </a:solidFill>
+                            <a:effectLst/>
+                            <a:latin typeface="Cambria Math" panose="02040503050406030204" pitchFamily="18" charset="0"/>
+                          </a:rPr>
+                          <m:t>(</m:t>
+                        </m:r>
+                        <m:sSup>
+                          <m:sSupPr>
+                            <m:ctrlPr>
+                              <a:rPr lang="x-IV_mathan" i="1"/>
+                            </m:ctrlPr>
+                          </m:sSupPr>
+                          <m:e>
+                            <m:r>
+                              <a:rPr lang="fr-CH" b="0" i="1" smtClean="0">
+                                <a:latin typeface="Cambria Math" panose="02040503050406030204" pitchFamily="18" charset="0"/>
+                              </a:rPr>
+                              <m:t>𝑋</m:t>
+                            </m:r>
+                          </m:e>
+                          <m:sup>
+                            <m:r>
+                              <a:rPr lang="fr-CH" b="0" i="1" smtClean="0">
+                                <a:latin typeface="Cambria Math" panose="02040503050406030204" pitchFamily="18" charset="0"/>
+                              </a:rPr>
+                              <m:t>𝐾</m:t>
+                            </m:r>
+                          </m:sup>
+                        </m:sSup>
+                        <m:r>
+                          <a:rPr lang="en-GB">
+                            <a:solidFill>
+                              <a:srgbClr val="000000"/>
+                            </a:solidFill>
+                            <a:effectLst/>
+                            <a:latin typeface="Cambria Math" panose="02040503050406030204" pitchFamily="18" charset="0"/>
+                          </a:rPr>
+                          <m:t>|</m:t>
+                        </m:r>
+                        <m:r>
+                          <m:rPr>
+                            <m:sty m:val="p"/>
+                          </m:rPr>
+                          <a:rPr lang="fr-CH" b="0" i="0" smtClean="0">
+                            <a:solidFill>
+                              <a:srgbClr val="000000"/>
+                            </a:solidFill>
+                            <a:effectLst/>
+                            <a:latin typeface="Cambria Math" panose="02040503050406030204" pitchFamily="18" charset="0"/>
+                          </a:rPr>
+                          <m:t>Y</m:t>
+                        </m:r>
+                        <m:r>
+                          <a:rPr lang="en-GB">
+                            <a:solidFill>
+                              <a:srgbClr val="000000"/>
+                            </a:solidFill>
+                            <a:effectLst/>
+                            <a:latin typeface="Cambria Math" panose="02040503050406030204" pitchFamily="18" charset="0"/>
+                          </a:rPr>
+                          <m:t>)</m:t>
+                        </m:r>
+                      </m:e>
+                    </m:nary>
+                  </m:oMath>
+                </a14:m>
+                <a:endParaRPr lang="fr-CH" dirty="0"/>
+              </a:p>
+            </p:txBody>
+          </p:sp>
+        </mc:Choice>
+        <mc:Fallback>
+          <p:sp>
+            <p:nvSpPr>
+              <p:cNvPr id="7" name="Espace réservé du contenu 6">
+                <a:extLst>
+                  <a:ext uri="{FF2B5EF4-FFF2-40B4-BE49-F238E27FC236}">
+                    <a16:creationId xmlns:a16="http://schemas.microsoft.com/office/drawing/2014/main" id="{894DFD97-16B2-4B06-9AFA-71D193B86400}"/>
+                  </a:ext>
+                </a:extLst>
+              </p:cNvPr>
+              <p:cNvSpPr>
+                <a:spLocks noGrp="1" noRot="1" noChangeAspect="1" noMove="1" noResize="1" noEditPoints="1" noAdjustHandles="1" noChangeArrowheads="1" noChangeShapeType="1" noTextEdit="1"/>
+              </p:cNvSpPr>
+              <p:nvPr>
+                <p:ph idx="1"/>
+              </p:nvPr>
+            </p:nvSpPr>
+            <p:spPr>
+              <a:xfrm>
+                <a:off x="759033" y="1008570"/>
+                <a:ext cx="10673934" cy="4887819"/>
+              </a:xfrm>
+              <a:blipFill>
+                <a:blip r:embed="rId3"/>
+                <a:stretch>
+                  <a:fillRect l="-1029" t="-1995" b="-2743"/>
+                </a:stretch>
+              </a:blipFill>
+            </p:spPr>
+            <p:txBody>
+              <a:bodyPr/>
+              <a:lstStyle/>
+              <a:p>
+                <a:r>
+                  <a:rPr lang="fr-CH">
+                    <a:noFill/>
+                  </a:rPr>
+                  <a:t> </a:t>
+                </a:r>
+              </a:p>
+            </p:txBody>
+          </p:sp>
+        </mc:Fallback>
+      </mc:AlternateContent>
+      <p:pic>
+        <p:nvPicPr>
+          <p:cNvPr id="9" name="Image 8">
+            <a:extLst>
+              <a:ext uri="{FF2B5EF4-FFF2-40B4-BE49-F238E27FC236}">
+                <a16:creationId xmlns:a16="http://schemas.microsoft.com/office/drawing/2014/main" id="{9CE5E815-794E-4B44-A276-176F4D5BAB18}"/>
+              </a:ext>
+            </a:extLst>
+          </p:cNvPr>
+          <p:cNvPicPr>
+            <a:picLocks noChangeAspect="1"/>
+          </p:cNvPicPr>
+          <p:nvPr/>
+        </p:nvPicPr>
+        <p:blipFill>
+          <a:blip r:embed="rId4"/>
+          <a:stretch>
+            <a:fillRect/>
+          </a:stretch>
+        </p:blipFill>
+        <p:spPr>
+          <a:xfrm>
+            <a:off x="3591851" y="2491841"/>
+            <a:ext cx="3805435" cy="1874318"/>
+          </a:xfrm>
+          <a:prstGeom prst="rect">
+            <a:avLst/>
+          </a:prstGeom>
+        </p:spPr>
+      </p:pic>
+    </p:spTree>
+    <p:extLst>
+      <p:ext uri="{BB962C8B-B14F-4D97-AF65-F5344CB8AC3E}">
+        <p14:creationId xmlns:p14="http://schemas.microsoft.com/office/powerpoint/2010/main" val="98954335"/>
+      </p:ext>
+    </p:extLst>
+  </p:cSld>
+  <p:clrMapOvr>
+    <a:masterClrMapping/>
+  </p:clrMapOvr>
+</p:sld>
+</file>
+
+<file path=ppt/slides/slide27.xml><?xml version="1.0" encoding="utf-8"?>
+<p:sld xmlns:a="http://schemas.openxmlformats.org/drawingml/2006/main" xmlns:r="http://schemas.openxmlformats.org/officeDocument/2006/relationships" xmlns:p="http://schemas.openxmlformats.org/presentationml/2006/main">
+  <p:cSld>
+    <p:spTree>
+      <p:nvGrpSpPr>
+        <p:cNvPr id="1" name=""/>
+        <p:cNvGrpSpPr/>
+        <p:nvPr/>
+      </p:nvGrpSpPr>
+      <p:grpSpPr>
+        <a:xfrm>
+          <a:off x="0" y="0"/>
+          <a:ext cx="0" cy="0"/>
+          <a:chOff x="0" y="0"/>
+          <a:chExt cx="0" cy="0"/>
+        </a:xfrm>
+      </p:grpSpPr>
+      <p:sp>
+        <p:nvSpPr>
+          <p:cNvPr id="2" name="Titre 1">
+            <a:extLst>
+              <a:ext uri="{FF2B5EF4-FFF2-40B4-BE49-F238E27FC236}">
+                <a16:creationId xmlns:a16="http://schemas.microsoft.com/office/drawing/2014/main" id="{21766C66-1FE8-40A6-86E7-67715FC56E02}"/>
+              </a:ext>
+            </a:extLst>
+          </p:cNvPr>
+          <p:cNvSpPr>
+            <a:spLocks noGrp="1"/>
+          </p:cNvSpPr>
+          <p:nvPr>
+            <p:ph type="title"/>
+          </p:nvPr>
+        </p:nvSpPr>
+        <p:spPr/>
+        <p:txBody>
+          <a:bodyPr>
+            <a:normAutofit/>
+          </a:bodyPr>
+          <a:lstStyle/>
+          <a:p>
+            <a:r>
+              <a:rPr lang="fr-FR" sz="1400" dirty="0">
+                <a:solidFill>
+                  <a:srgbClr val="FF0000"/>
+                </a:solidFill>
+                <a:effectLst/>
+                <a:latin typeface="Arial" panose="020B0604020202020204" pitchFamily="34" charset="0"/>
+              </a:rPr>
+              <a:t>7.</a:t>
+            </a:r>
+            <a:r>
+              <a:rPr lang="fr-FR" sz="1400" dirty="0">
+                <a:effectLst/>
+                <a:latin typeface="Arial" panose="020B0604020202020204" pitchFamily="34" charset="0"/>
+              </a:rPr>
+              <a:t>Réseaux Bayésiens: Que représentent les réseaux Bayésiens? Quel est leur principe? Quel est leur particularité en tant que Modèles de Graphes Probabilistes? Comment les utilise-t-on pour modéliser un phénomène ?Comment les utilise-t-on pour faire de l’inférence?</a:t>
+            </a:r>
+            <a:endParaRPr lang="en-GB" sz="1400" dirty="0"/>
+          </a:p>
+        </p:txBody>
+      </p:sp>
+      <p:sp>
+        <p:nvSpPr>
+          <p:cNvPr id="3" name="Espace réservé du contenu 2">
+            <a:extLst>
+              <a:ext uri="{FF2B5EF4-FFF2-40B4-BE49-F238E27FC236}">
+                <a16:creationId xmlns:a16="http://schemas.microsoft.com/office/drawing/2014/main" id="{55ECBF04-F52F-4B3F-9304-4E4A2E668DA9}"/>
+              </a:ext>
+            </a:extLst>
+          </p:cNvPr>
+          <p:cNvSpPr>
+            <a:spLocks noGrp="1"/>
+          </p:cNvSpPr>
+          <p:nvPr>
+            <p:ph idx="1"/>
+          </p:nvPr>
+        </p:nvSpPr>
+        <p:spPr/>
+        <p:txBody>
+          <a:bodyPr/>
+          <a:lstStyle/>
+          <a:p>
+            <a:endParaRPr lang="en-GB" dirty="0"/>
+          </a:p>
+        </p:txBody>
+      </p:sp>
+      <p:sp>
+        <p:nvSpPr>
+          <p:cNvPr id="4" name="Titre 1">
+            <a:extLst>
+              <a:ext uri="{FF2B5EF4-FFF2-40B4-BE49-F238E27FC236}">
+                <a16:creationId xmlns:a16="http://schemas.microsoft.com/office/drawing/2014/main" id="{49B86A4B-8034-4D02-B76C-FAAEC82C6AEA}"/>
+              </a:ext>
+            </a:extLst>
+          </p:cNvPr>
+          <p:cNvSpPr txBox="1">
+            <a:spLocks/>
+          </p:cNvSpPr>
+          <p:nvPr/>
+        </p:nvSpPr>
+        <p:spPr>
+          <a:xfrm>
+            <a:off x="0" y="-316992"/>
+            <a:ext cx="746760" cy="1325563"/>
+          </a:xfrm>
+          <a:prstGeom prst="rect">
+            <a:avLst/>
+          </a:prstGeom>
+        </p:spPr>
+        <p:txBody>
+          <a:bodyPr vert="horz" lIns="91440" tIns="45720" rIns="91440" bIns="45720" rtlCol="0" anchor="ctr">
+            <a:normAutofit/>
+          </a:bodyPr>
+          <a:lstStyle>
+            <a:lvl1pPr algn="l" defTabSz="914400" rtl="0" eaLnBrk="1" latinLnBrk="0" hangingPunct="1">
+              <a:lnSpc>
+                <a:spcPct val="90000"/>
+              </a:lnSpc>
+              <a:spcBef>
+                <a:spcPct val="0"/>
+              </a:spcBef>
+              <a:buNone/>
+              <a:defRPr sz="4400" kern="1200">
+                <a:solidFill>
+                  <a:schemeClr val="tx1"/>
+                </a:solidFill>
+                <a:latin typeface="+mj-lt"/>
+                <a:ea typeface="+mj-ea"/>
+                <a:cs typeface="+mj-cs"/>
+              </a:defRPr>
+            </a:lvl1pPr>
+          </a:lstStyle>
+          <a:p>
+            <a:r>
+              <a:rPr lang="fr-CH" dirty="0">
+                <a:solidFill>
+                  <a:schemeClr val="accent1"/>
+                </a:solidFill>
+              </a:rPr>
+              <a:t>7.</a:t>
+            </a:r>
+            <a:endParaRPr lang="en-GB" dirty="0">
+              <a:solidFill>
+                <a:schemeClr val="accent1"/>
+              </a:solidFill>
+            </a:endParaRPr>
+          </a:p>
+        </p:txBody>
+      </p:sp>
+    </p:spTree>
+    <p:extLst>
+      <p:ext uri="{BB962C8B-B14F-4D97-AF65-F5344CB8AC3E}">
+        <p14:creationId xmlns:p14="http://schemas.microsoft.com/office/powerpoint/2010/main" val="3449428969"/>
+      </p:ext>
+    </p:extLst>
+  </p:cSld>
+  <p:clrMapOvr>
+    <a:masterClrMapping/>
+  </p:clrMapOvr>
+</p:sld>
+</file>
+
+<file path=ppt/slides/slide28.xml><?xml version="1.0" encoding="utf-8"?>
+<p:sld xmlns:a="http://schemas.openxmlformats.org/drawingml/2006/main" xmlns:r="http://schemas.openxmlformats.org/officeDocument/2006/relationships" xmlns:p="http://schemas.openxmlformats.org/presentationml/2006/main">
+  <p:cSld>
+    <p:spTree>
+      <p:nvGrpSpPr>
+        <p:cNvPr id="1" name=""/>
+        <p:cNvGrpSpPr/>
+        <p:nvPr/>
+      </p:nvGrpSpPr>
+      <p:grpSpPr>
+        <a:xfrm>
+          <a:off x="0" y="0"/>
+          <a:ext cx="0" cy="0"/>
+          <a:chOff x="0" y="0"/>
+          <a:chExt cx="0" cy="0"/>
+        </a:xfrm>
+      </p:grpSpPr>
+      <p:sp>
+        <p:nvSpPr>
+          <p:cNvPr id="2" name="Titre 1">
+            <a:extLst>
+              <a:ext uri="{FF2B5EF4-FFF2-40B4-BE49-F238E27FC236}">
+                <a16:creationId xmlns:a16="http://schemas.microsoft.com/office/drawing/2014/main" id="{21766C66-1FE8-40A6-86E7-67715FC56E02}"/>
+              </a:ext>
+            </a:extLst>
+          </p:cNvPr>
+          <p:cNvSpPr>
+            <a:spLocks noGrp="1"/>
+          </p:cNvSpPr>
+          <p:nvPr>
+            <p:ph type="title"/>
+          </p:nvPr>
+        </p:nvSpPr>
+        <p:spPr/>
+        <p:txBody>
+          <a:bodyPr>
+            <a:normAutofit/>
+          </a:bodyPr>
+          <a:lstStyle/>
+          <a:p>
+            <a:r>
+              <a:rPr lang="fr-FR" sz="1400" dirty="0">
+                <a:solidFill>
+                  <a:srgbClr val="FF0000"/>
+                </a:solidFill>
+                <a:effectLst/>
+                <a:latin typeface="Arial" panose="020B0604020202020204" pitchFamily="34" charset="0"/>
+              </a:rPr>
+              <a:t>8.</a:t>
+            </a:r>
+            <a:r>
+              <a:rPr lang="fr-FR" sz="1400" dirty="0">
+                <a:effectLst/>
+                <a:latin typeface="Arial" panose="020B0604020202020204" pitchFamily="34" charset="0"/>
+              </a:rPr>
+              <a:t>Arbres de Décision: Quel est le principe des arbres de décision? On pourra rappeler le principe de l’apprentissage supervisé. Comment est mesuré le gain d’information? Pourquoi peut-on utiliser l’entropie? Comment fonctionne l’algorithme ID3? Qu’est-ce que le sur-apprentissage? Comment le mesurer/détecter ?Comment l’éviter ou le contrer? On pourra mentionner l’évaluation des méthodes d’apprentissage.</a:t>
+            </a:r>
+            <a:endParaRPr lang="en-GB" sz="1400" dirty="0"/>
+          </a:p>
+        </p:txBody>
+      </p:sp>
+      <p:sp>
+        <p:nvSpPr>
+          <p:cNvPr id="3" name="Espace réservé du contenu 2">
+            <a:extLst>
+              <a:ext uri="{FF2B5EF4-FFF2-40B4-BE49-F238E27FC236}">
+                <a16:creationId xmlns:a16="http://schemas.microsoft.com/office/drawing/2014/main" id="{55ECBF04-F52F-4B3F-9304-4E4A2E668DA9}"/>
+              </a:ext>
+            </a:extLst>
+          </p:cNvPr>
+          <p:cNvSpPr>
+            <a:spLocks noGrp="1"/>
+          </p:cNvSpPr>
+          <p:nvPr>
+            <p:ph idx="1"/>
+          </p:nvPr>
+        </p:nvSpPr>
+        <p:spPr/>
+        <p:txBody>
+          <a:bodyPr/>
+          <a:lstStyle/>
+          <a:p>
+            <a:endParaRPr lang="en-GB" dirty="0"/>
+          </a:p>
+        </p:txBody>
+      </p:sp>
+    </p:spTree>
+    <p:extLst>
+      <p:ext uri="{BB962C8B-B14F-4D97-AF65-F5344CB8AC3E}">
+        <p14:creationId xmlns:p14="http://schemas.microsoft.com/office/powerpoint/2010/main" val="3844390809"/>
+      </p:ext>
+    </p:extLst>
+  </p:cSld>
+  <p:clrMapOvr>
+    <a:masterClrMapping/>
+  </p:clrMapOvr>
+</p:sld>
+</file>
+
+<file path=ppt/slides/slide29.xml><?xml version="1.0" encoding="utf-8"?>
 <p:sld xmlns:a="http://schemas.openxmlformats.org/drawingml/2006/main" xmlns:r="http://schemas.openxmlformats.org/officeDocument/2006/relationships" xmlns:p="http://schemas.openxmlformats.org/presentationml/2006/main">
   <p:cSld>
     <p:spTree>
@@ -9199,515 +14281,6 @@
 </p:sld>
 </file>
 
-<file path=ppt/slides/slide21.xml><?xml version="1.0" encoding="utf-8"?>
-<p:sld xmlns:a="http://schemas.openxmlformats.org/drawingml/2006/main" xmlns:r="http://schemas.openxmlformats.org/officeDocument/2006/relationships" xmlns:p="http://schemas.openxmlformats.org/presentationml/2006/main">
-  <p:cSld>
-    <p:spTree>
-      <p:nvGrpSpPr>
-        <p:cNvPr id="1" name=""/>
-        <p:cNvGrpSpPr/>
-        <p:nvPr/>
-      </p:nvGrpSpPr>
-      <p:grpSpPr>
-        <a:xfrm>
-          <a:off x="0" y="0"/>
-          <a:ext cx="0" cy="0"/>
-          <a:chOff x="0" y="0"/>
-          <a:chExt cx="0" cy="0"/>
-        </a:xfrm>
-      </p:grpSpPr>
-      <p:sp>
-        <p:nvSpPr>
-          <p:cNvPr id="2" name="Titre 1">
-            <a:extLst>
-              <a:ext uri="{FF2B5EF4-FFF2-40B4-BE49-F238E27FC236}">
-                <a16:creationId xmlns:a16="http://schemas.microsoft.com/office/drawing/2014/main" id="{21766C66-1FE8-40A6-86E7-67715FC56E02}"/>
-              </a:ext>
-            </a:extLst>
-          </p:cNvPr>
-          <p:cNvSpPr>
-            <a:spLocks noGrp="1"/>
-          </p:cNvSpPr>
-          <p:nvPr>
-            <p:ph type="title"/>
-          </p:nvPr>
-        </p:nvSpPr>
-        <p:spPr/>
-        <p:txBody>
-          <a:bodyPr>
-            <a:normAutofit/>
-          </a:bodyPr>
-          <a:lstStyle/>
-          <a:p>
-            <a:r>
-              <a:rPr lang="fr-FR" sz="1400" dirty="0">
-                <a:solidFill>
-                  <a:srgbClr val="FF0000"/>
-                </a:solidFill>
-                <a:effectLst/>
-                <a:latin typeface="Arial" panose="020B0604020202020204" pitchFamily="34" charset="0"/>
-              </a:rPr>
-              <a:t>10.</a:t>
-            </a:r>
-            <a:r>
-              <a:rPr lang="fr-FR" sz="1400" dirty="0">
-                <a:effectLst/>
-                <a:latin typeface="Arial" panose="020B0604020202020204" pitchFamily="34" charset="0"/>
-              </a:rPr>
-              <a:t>Naive Bayes: Rappelez le principe de l’apprentissage supervisé. Quel est le protocole de gestion des données dans ce contexte ?Qu’est-ce que l’algorithme de Naïve Bayes? Quelles sont les hypothèses sous-jacentes? Quels sont les paramètres? Comment l’exprimer en tant que réseau bayésien? Qu’est-ce que le sur-apprentissage? Discutez sa relation avec Naïve Bayes.</a:t>
-            </a:r>
-            <a:endParaRPr lang="en-GB" sz="1400" dirty="0"/>
-          </a:p>
-        </p:txBody>
-      </p:sp>
-      <p:sp>
-        <p:nvSpPr>
-          <p:cNvPr id="3" name="Espace réservé du contenu 2">
-            <a:extLst>
-              <a:ext uri="{FF2B5EF4-FFF2-40B4-BE49-F238E27FC236}">
-                <a16:creationId xmlns:a16="http://schemas.microsoft.com/office/drawing/2014/main" id="{55ECBF04-F52F-4B3F-9304-4E4A2E668DA9}"/>
-              </a:ext>
-            </a:extLst>
-          </p:cNvPr>
-          <p:cNvSpPr>
-            <a:spLocks noGrp="1"/>
-          </p:cNvSpPr>
-          <p:nvPr>
-            <p:ph idx="1"/>
-          </p:nvPr>
-        </p:nvSpPr>
-        <p:spPr/>
-        <p:txBody>
-          <a:bodyPr/>
-          <a:lstStyle/>
-          <a:p>
-            <a:endParaRPr lang="en-GB" dirty="0"/>
-          </a:p>
-        </p:txBody>
-      </p:sp>
-    </p:spTree>
-    <p:extLst>
-      <p:ext uri="{BB962C8B-B14F-4D97-AF65-F5344CB8AC3E}">
-        <p14:creationId xmlns:p14="http://schemas.microsoft.com/office/powerpoint/2010/main" val="2558671712"/>
-      </p:ext>
-    </p:extLst>
-  </p:cSld>
-  <p:clrMapOvr>
-    <a:masterClrMapping/>
-  </p:clrMapOvr>
-</p:sld>
-</file>
-
-<file path=ppt/slides/slide22.xml><?xml version="1.0" encoding="utf-8"?>
-<p:sld xmlns:a="http://schemas.openxmlformats.org/drawingml/2006/main" xmlns:r="http://schemas.openxmlformats.org/officeDocument/2006/relationships" xmlns:p="http://schemas.openxmlformats.org/presentationml/2006/main">
-  <p:cSld>
-    <p:spTree>
-      <p:nvGrpSpPr>
-        <p:cNvPr id="1" name=""/>
-        <p:cNvGrpSpPr/>
-        <p:nvPr/>
-      </p:nvGrpSpPr>
-      <p:grpSpPr>
-        <a:xfrm>
-          <a:off x="0" y="0"/>
-          <a:ext cx="0" cy="0"/>
-          <a:chOff x="0" y="0"/>
-          <a:chExt cx="0" cy="0"/>
-        </a:xfrm>
-      </p:grpSpPr>
-      <p:sp>
-        <p:nvSpPr>
-          <p:cNvPr id="2" name="Titre 1">
-            <a:extLst>
-              <a:ext uri="{FF2B5EF4-FFF2-40B4-BE49-F238E27FC236}">
-                <a16:creationId xmlns:a16="http://schemas.microsoft.com/office/drawing/2014/main" id="{21766C66-1FE8-40A6-86E7-67715FC56E02}"/>
-              </a:ext>
-            </a:extLst>
-          </p:cNvPr>
-          <p:cNvSpPr>
-            <a:spLocks noGrp="1"/>
-          </p:cNvSpPr>
-          <p:nvPr>
-            <p:ph type="title"/>
-          </p:nvPr>
-        </p:nvSpPr>
-        <p:spPr/>
-        <p:txBody>
-          <a:bodyPr>
-            <a:normAutofit/>
-          </a:bodyPr>
-          <a:lstStyle/>
-          <a:p>
-            <a:r>
-              <a:rPr lang="fr-FR" sz="1400" dirty="0">
-                <a:solidFill>
-                  <a:srgbClr val="FF0000"/>
-                </a:solidFill>
-                <a:effectLst/>
-                <a:latin typeface="Arial" panose="020B0604020202020204" pitchFamily="34" charset="0"/>
-              </a:rPr>
-              <a:t>11.</a:t>
-            </a:r>
-            <a:r>
-              <a:rPr lang="fr-FR" sz="1400" dirty="0">
-                <a:effectLst/>
-                <a:latin typeface="Arial" panose="020B0604020202020204" pitchFamily="34" charset="0"/>
-              </a:rPr>
-              <a:t>Régression logistique: Rappelez le principe de l’apprentissage supervisé. Quel est le protocole de gestion des données dans ce contexte ? Rappelez la relation entre classification et régression? Qu’est-ce que l’algorithme de régression logistique? Quelles sont les hypothèses sous-jacentes? Quels sont les paramètres? Quel est sont les propriétés de la fonction logistique? Qu’est-</a:t>
-            </a:r>
-            <a:r>
-              <a:rPr lang="fr-FR" sz="1400" dirty="0" err="1">
-                <a:effectLst/>
-                <a:latin typeface="Arial" panose="020B0604020202020204" pitchFamily="34" charset="0"/>
-              </a:rPr>
-              <a:t>ceque</a:t>
-            </a:r>
-            <a:r>
-              <a:rPr lang="fr-FR" sz="1400" dirty="0">
-                <a:effectLst/>
-                <a:latin typeface="Arial" panose="020B0604020202020204" pitchFamily="34" charset="0"/>
-              </a:rPr>
-              <a:t> le sur-apprentissage? Discutez sa relation avec la régression logistique.</a:t>
-            </a:r>
-            <a:endParaRPr lang="en-GB" sz="1400" dirty="0"/>
-          </a:p>
-        </p:txBody>
-      </p:sp>
-      <p:sp>
-        <p:nvSpPr>
-          <p:cNvPr id="3" name="Espace réservé du contenu 2">
-            <a:extLst>
-              <a:ext uri="{FF2B5EF4-FFF2-40B4-BE49-F238E27FC236}">
-                <a16:creationId xmlns:a16="http://schemas.microsoft.com/office/drawing/2014/main" id="{55ECBF04-F52F-4B3F-9304-4E4A2E668DA9}"/>
-              </a:ext>
-            </a:extLst>
-          </p:cNvPr>
-          <p:cNvSpPr>
-            <a:spLocks noGrp="1"/>
-          </p:cNvSpPr>
-          <p:nvPr>
-            <p:ph idx="1"/>
-          </p:nvPr>
-        </p:nvSpPr>
-        <p:spPr/>
-        <p:txBody>
-          <a:bodyPr/>
-          <a:lstStyle/>
-          <a:p>
-            <a:endParaRPr lang="en-GB" dirty="0"/>
-          </a:p>
-        </p:txBody>
-      </p:sp>
-    </p:spTree>
-    <p:extLst>
-      <p:ext uri="{BB962C8B-B14F-4D97-AF65-F5344CB8AC3E}">
-        <p14:creationId xmlns:p14="http://schemas.microsoft.com/office/powerpoint/2010/main" val="559109952"/>
-      </p:ext>
-    </p:extLst>
-  </p:cSld>
-  <p:clrMapOvr>
-    <a:masterClrMapping/>
-  </p:clrMapOvr>
-</p:sld>
-</file>
-
-<file path=ppt/slides/slide23.xml><?xml version="1.0" encoding="utf-8"?>
-<p:sld xmlns:a="http://schemas.openxmlformats.org/drawingml/2006/main" xmlns:r="http://schemas.openxmlformats.org/officeDocument/2006/relationships" xmlns:p="http://schemas.openxmlformats.org/presentationml/2006/main">
-  <p:cSld>
-    <p:spTree>
-      <p:nvGrpSpPr>
-        <p:cNvPr id="1" name=""/>
-        <p:cNvGrpSpPr/>
-        <p:nvPr/>
-      </p:nvGrpSpPr>
-      <p:grpSpPr>
-        <a:xfrm>
-          <a:off x="0" y="0"/>
-          <a:ext cx="0" cy="0"/>
-          <a:chOff x="0" y="0"/>
-          <a:chExt cx="0" cy="0"/>
-        </a:xfrm>
-      </p:grpSpPr>
-      <p:sp>
-        <p:nvSpPr>
-          <p:cNvPr id="2" name="Titre 1">
-            <a:extLst>
-              <a:ext uri="{FF2B5EF4-FFF2-40B4-BE49-F238E27FC236}">
-                <a16:creationId xmlns:a16="http://schemas.microsoft.com/office/drawing/2014/main" id="{21766C66-1FE8-40A6-86E7-67715FC56E02}"/>
-              </a:ext>
-            </a:extLst>
-          </p:cNvPr>
-          <p:cNvSpPr>
-            <a:spLocks noGrp="1"/>
-          </p:cNvSpPr>
-          <p:nvPr>
-            <p:ph type="title"/>
-          </p:nvPr>
-        </p:nvSpPr>
-        <p:spPr/>
-        <p:txBody>
-          <a:bodyPr>
-            <a:normAutofit/>
-          </a:bodyPr>
-          <a:lstStyle/>
-          <a:p>
-            <a:r>
-              <a:rPr lang="fr-FR" sz="1400" dirty="0">
-                <a:solidFill>
-                  <a:srgbClr val="FF0000"/>
-                </a:solidFill>
-                <a:effectLst/>
-                <a:latin typeface="Arial" panose="020B0604020202020204" pitchFamily="34" charset="0"/>
-              </a:rPr>
-              <a:t>12.</a:t>
-            </a:r>
-            <a:r>
-              <a:rPr lang="fr-FR" sz="1400" dirty="0">
-                <a:effectLst/>
-                <a:latin typeface="Arial" panose="020B0604020202020204" pitchFamily="34" charset="0"/>
-              </a:rPr>
-              <a:t>Apprentissage neuronal: En quoi est-ce un apprentissage supervisé? Qu’est qu’un classifieur linéaire? Que propose l’algorithme du perceptron? Quelle est sa relation à un neurone artificiel? Comment peut-on entrainer un neurone artificiel? Quels sont ses paramètres? Quels sont les paramètres de l’algorithme d’apprentissage? Quel est le principe de l’algorithme de descente en gradient?</a:t>
-            </a:r>
-            <a:endParaRPr lang="en-GB" sz="1400" dirty="0"/>
-          </a:p>
-        </p:txBody>
-      </p:sp>
-      <p:sp>
-        <p:nvSpPr>
-          <p:cNvPr id="3" name="Espace réservé du contenu 2">
-            <a:extLst>
-              <a:ext uri="{FF2B5EF4-FFF2-40B4-BE49-F238E27FC236}">
-                <a16:creationId xmlns:a16="http://schemas.microsoft.com/office/drawing/2014/main" id="{55ECBF04-F52F-4B3F-9304-4E4A2E668DA9}"/>
-              </a:ext>
-            </a:extLst>
-          </p:cNvPr>
-          <p:cNvSpPr>
-            <a:spLocks noGrp="1"/>
-          </p:cNvSpPr>
-          <p:nvPr>
-            <p:ph idx="1"/>
-          </p:nvPr>
-        </p:nvSpPr>
-        <p:spPr/>
-        <p:txBody>
-          <a:bodyPr/>
-          <a:lstStyle/>
-          <a:p>
-            <a:endParaRPr lang="en-GB" dirty="0"/>
-          </a:p>
-        </p:txBody>
-      </p:sp>
-    </p:spTree>
-    <p:extLst>
-      <p:ext uri="{BB962C8B-B14F-4D97-AF65-F5344CB8AC3E}">
-        <p14:creationId xmlns:p14="http://schemas.microsoft.com/office/powerpoint/2010/main" val="4013026078"/>
-      </p:ext>
-    </p:extLst>
-  </p:cSld>
-  <p:clrMapOvr>
-    <a:masterClrMapping/>
-  </p:clrMapOvr>
-</p:sld>
-</file>
-
-<file path=ppt/slides/slide24.xml><?xml version="1.0" encoding="utf-8"?>
-<p:sld xmlns:a="http://schemas.openxmlformats.org/drawingml/2006/main" xmlns:r="http://schemas.openxmlformats.org/officeDocument/2006/relationships" xmlns:p="http://schemas.openxmlformats.org/presentationml/2006/main">
-  <p:cSld>
-    <p:spTree>
-      <p:nvGrpSpPr>
-        <p:cNvPr id="1" name=""/>
-        <p:cNvGrpSpPr/>
-        <p:nvPr/>
-      </p:nvGrpSpPr>
-      <p:grpSpPr>
-        <a:xfrm>
-          <a:off x="0" y="0"/>
-          <a:ext cx="0" cy="0"/>
-          <a:chOff x="0" y="0"/>
-          <a:chExt cx="0" cy="0"/>
-        </a:xfrm>
-      </p:grpSpPr>
-      <p:sp>
-        <p:nvSpPr>
-          <p:cNvPr id="2" name="Titre 1">
-            <a:extLst>
-              <a:ext uri="{FF2B5EF4-FFF2-40B4-BE49-F238E27FC236}">
-                <a16:creationId xmlns:a16="http://schemas.microsoft.com/office/drawing/2014/main" id="{21766C66-1FE8-40A6-86E7-67715FC56E02}"/>
-              </a:ext>
-            </a:extLst>
-          </p:cNvPr>
-          <p:cNvSpPr>
-            <a:spLocks noGrp="1"/>
-          </p:cNvSpPr>
-          <p:nvPr>
-            <p:ph type="title"/>
-          </p:nvPr>
-        </p:nvSpPr>
-        <p:spPr/>
-        <p:txBody>
-          <a:bodyPr>
-            <a:normAutofit/>
-          </a:bodyPr>
-          <a:lstStyle/>
-          <a:p>
-            <a:r>
-              <a:rPr lang="fr-FR" sz="1400" dirty="0">
-                <a:solidFill>
-                  <a:srgbClr val="FF0000"/>
-                </a:solidFill>
-                <a:effectLst/>
-                <a:latin typeface="Arial" panose="020B0604020202020204" pitchFamily="34" charset="0"/>
-              </a:rPr>
-              <a:t>13.</a:t>
-            </a:r>
-            <a:r>
-              <a:rPr lang="fr-FR" sz="1400" dirty="0">
-                <a:effectLst/>
-                <a:latin typeface="Arial" panose="020B0604020202020204" pitchFamily="34" charset="0"/>
-              </a:rPr>
-              <a:t>Réseaux de neurones: Rappelez le principe d’un neurone artificiel. Comment combine-t-on les neurones en réseaux? Comment entraine-t-on un réseau de neurones? Qu’est-ce que la fonction logistique? Comment est-elle utilisée dans un neurone artificiel? Quelles sont ses propriétés? Vous pourrez parler des principes des graphes computationnels et de la différentiation automatique.</a:t>
-            </a:r>
-            <a:endParaRPr lang="en-GB" sz="1400" dirty="0"/>
-          </a:p>
-        </p:txBody>
-      </p:sp>
-      <p:sp>
-        <p:nvSpPr>
-          <p:cNvPr id="3" name="Espace réservé du contenu 2">
-            <a:extLst>
-              <a:ext uri="{FF2B5EF4-FFF2-40B4-BE49-F238E27FC236}">
-                <a16:creationId xmlns:a16="http://schemas.microsoft.com/office/drawing/2014/main" id="{55ECBF04-F52F-4B3F-9304-4E4A2E668DA9}"/>
-              </a:ext>
-            </a:extLst>
-          </p:cNvPr>
-          <p:cNvSpPr>
-            <a:spLocks noGrp="1"/>
-          </p:cNvSpPr>
-          <p:nvPr>
-            <p:ph idx="1"/>
-          </p:nvPr>
-        </p:nvSpPr>
-        <p:spPr/>
-        <p:txBody>
-          <a:bodyPr/>
-          <a:lstStyle/>
-          <a:p>
-            <a:endParaRPr lang="en-GB" dirty="0"/>
-          </a:p>
-        </p:txBody>
-      </p:sp>
-    </p:spTree>
-    <p:extLst>
-      <p:ext uri="{BB962C8B-B14F-4D97-AF65-F5344CB8AC3E}">
-        <p14:creationId xmlns:p14="http://schemas.microsoft.com/office/powerpoint/2010/main" val="2009642305"/>
-      </p:ext>
-    </p:extLst>
-  </p:cSld>
-  <p:clrMapOvr>
-    <a:masterClrMapping/>
-  </p:clrMapOvr>
-</p:sld>
-</file>
-
-<file path=ppt/slides/slide25.xml><?xml version="1.0" encoding="utf-8"?>
-<p:sld xmlns:a="http://schemas.openxmlformats.org/drawingml/2006/main" xmlns:r="http://schemas.openxmlformats.org/officeDocument/2006/relationships" xmlns:p="http://schemas.openxmlformats.org/presentationml/2006/main">
-  <p:cSld>
-    <p:spTree>
-      <p:nvGrpSpPr>
-        <p:cNvPr id="1" name=""/>
-        <p:cNvGrpSpPr/>
-        <p:nvPr/>
-      </p:nvGrpSpPr>
-      <p:grpSpPr>
-        <a:xfrm>
-          <a:off x="0" y="0"/>
-          <a:ext cx="0" cy="0"/>
-          <a:chOff x="0" y="0"/>
-          <a:chExt cx="0" cy="0"/>
-        </a:xfrm>
-      </p:grpSpPr>
-      <p:sp>
-        <p:nvSpPr>
-          <p:cNvPr id="2" name="Titre 1">
-            <a:extLst>
-              <a:ext uri="{FF2B5EF4-FFF2-40B4-BE49-F238E27FC236}">
-                <a16:creationId xmlns:a16="http://schemas.microsoft.com/office/drawing/2014/main" id="{21766C66-1FE8-40A6-86E7-67715FC56E02}"/>
-              </a:ext>
-            </a:extLst>
-          </p:cNvPr>
-          <p:cNvSpPr>
-            <a:spLocks noGrp="1"/>
-          </p:cNvSpPr>
-          <p:nvPr>
-            <p:ph type="title"/>
-          </p:nvPr>
-        </p:nvSpPr>
-        <p:spPr/>
-        <p:txBody>
-          <a:bodyPr>
-            <a:normAutofit/>
-          </a:bodyPr>
-          <a:lstStyle/>
-          <a:p>
-            <a:r>
-              <a:rPr lang="fr-FR" sz="1400" dirty="0">
-                <a:solidFill>
-                  <a:srgbClr val="FF0000"/>
-                </a:solidFill>
-                <a:effectLst/>
-                <a:latin typeface="Arial" panose="020B0604020202020204" pitchFamily="34" charset="0"/>
-              </a:rPr>
-              <a:t>14.</a:t>
-            </a:r>
-            <a:r>
-              <a:rPr lang="fr-FR" sz="1400" dirty="0">
-                <a:effectLst/>
-                <a:latin typeface="Arial" panose="020B0604020202020204" pitchFamily="34" charset="0"/>
-              </a:rPr>
-              <a:t>Biais et équité: En quoi le protocole de gestion des données dans l’apprentissage supervisé (dont on rappellera les objectifs et principes) vise à éviter les biais dans l’apprentissage? Serait-il correct de tester un algorithme avec les données avec lesquels il a appris? Qu’est-ce que des attributs protégés et comment interviennent-ils dans un algorithme d’apprentissage supervisé? Comment peut-on espérer traduire l’équité dans un modelé probabiliste? L’équité dans l’apprentissage n’est-elle qu’un problème de qualité des données ou du choix de ses attributs ?Qu’est-ce que l’effet d’aggravation et ou le retrouve-ton? Citez des exemple set des contre-exemples.</a:t>
-            </a:r>
-            <a:endParaRPr lang="en-GB" sz="1400" dirty="0"/>
-          </a:p>
-        </p:txBody>
-      </p:sp>
-      <p:sp>
-        <p:nvSpPr>
-          <p:cNvPr id="3" name="Espace réservé du contenu 2">
-            <a:extLst>
-              <a:ext uri="{FF2B5EF4-FFF2-40B4-BE49-F238E27FC236}">
-                <a16:creationId xmlns:a16="http://schemas.microsoft.com/office/drawing/2014/main" id="{55ECBF04-F52F-4B3F-9304-4E4A2E668DA9}"/>
-              </a:ext>
-            </a:extLst>
-          </p:cNvPr>
-          <p:cNvSpPr>
-            <a:spLocks noGrp="1"/>
-          </p:cNvSpPr>
-          <p:nvPr>
-            <p:ph idx="1"/>
-          </p:nvPr>
-        </p:nvSpPr>
-        <p:spPr/>
-        <p:txBody>
-          <a:bodyPr/>
-          <a:lstStyle/>
-          <a:p>
-            <a:endParaRPr lang="en-GB" dirty="0"/>
-          </a:p>
-        </p:txBody>
-      </p:sp>
-    </p:spTree>
-    <p:extLst>
-      <p:ext uri="{BB962C8B-B14F-4D97-AF65-F5344CB8AC3E}">
-        <p14:creationId xmlns:p14="http://schemas.microsoft.com/office/powerpoint/2010/main" val="2447558994"/>
-      </p:ext>
-    </p:extLst>
-  </p:cSld>
-  <p:clrMapOvr>
-    <a:masterClrMapping/>
-  </p:clrMapOvr>
-</p:sld>
-</file>
-
 <file path=ppt/slides/slide3.xml><?xml version="1.0" encoding="utf-8"?>
 <p:sld xmlns:a="http://schemas.openxmlformats.org/drawingml/2006/main" xmlns:r="http://schemas.openxmlformats.org/officeDocument/2006/relationships" xmlns:p="http://schemas.openxmlformats.org/presentationml/2006/main">
   <p:cSld>
@@ -9881,6 +14454,515 @@
     <p:extLst>
       <p:ext uri="{BB962C8B-B14F-4D97-AF65-F5344CB8AC3E}">
         <p14:creationId xmlns:p14="http://schemas.microsoft.com/office/powerpoint/2010/main" val="621144514"/>
+      </p:ext>
+    </p:extLst>
+  </p:cSld>
+  <p:clrMapOvr>
+    <a:masterClrMapping/>
+  </p:clrMapOvr>
+</p:sld>
+</file>
+
+<file path=ppt/slides/slide30.xml><?xml version="1.0" encoding="utf-8"?>
+<p:sld xmlns:a="http://schemas.openxmlformats.org/drawingml/2006/main" xmlns:r="http://schemas.openxmlformats.org/officeDocument/2006/relationships" xmlns:p="http://schemas.openxmlformats.org/presentationml/2006/main">
+  <p:cSld>
+    <p:spTree>
+      <p:nvGrpSpPr>
+        <p:cNvPr id="1" name=""/>
+        <p:cNvGrpSpPr/>
+        <p:nvPr/>
+      </p:nvGrpSpPr>
+      <p:grpSpPr>
+        <a:xfrm>
+          <a:off x="0" y="0"/>
+          <a:ext cx="0" cy="0"/>
+          <a:chOff x="0" y="0"/>
+          <a:chExt cx="0" cy="0"/>
+        </a:xfrm>
+      </p:grpSpPr>
+      <p:sp>
+        <p:nvSpPr>
+          <p:cNvPr id="2" name="Titre 1">
+            <a:extLst>
+              <a:ext uri="{FF2B5EF4-FFF2-40B4-BE49-F238E27FC236}">
+                <a16:creationId xmlns:a16="http://schemas.microsoft.com/office/drawing/2014/main" id="{21766C66-1FE8-40A6-86E7-67715FC56E02}"/>
+              </a:ext>
+            </a:extLst>
+          </p:cNvPr>
+          <p:cNvSpPr>
+            <a:spLocks noGrp="1"/>
+          </p:cNvSpPr>
+          <p:nvPr>
+            <p:ph type="title"/>
+          </p:nvPr>
+        </p:nvSpPr>
+        <p:spPr/>
+        <p:txBody>
+          <a:bodyPr>
+            <a:normAutofit/>
+          </a:bodyPr>
+          <a:lstStyle/>
+          <a:p>
+            <a:r>
+              <a:rPr lang="fr-FR" sz="1400" dirty="0">
+                <a:solidFill>
+                  <a:srgbClr val="FF0000"/>
+                </a:solidFill>
+                <a:effectLst/>
+                <a:latin typeface="Arial" panose="020B0604020202020204" pitchFamily="34" charset="0"/>
+              </a:rPr>
+              <a:t>10.</a:t>
+            </a:r>
+            <a:r>
+              <a:rPr lang="fr-FR" sz="1400" dirty="0">
+                <a:effectLst/>
+                <a:latin typeface="Arial" panose="020B0604020202020204" pitchFamily="34" charset="0"/>
+              </a:rPr>
+              <a:t>Naive Bayes: Rappelez le principe de l’apprentissage supervisé. Quel est le protocole de gestion des données dans ce contexte ?Qu’est-ce que l’algorithme de Naïve Bayes? Quelles sont les hypothèses sous-jacentes? Quels sont les paramètres? Comment l’exprimer en tant que réseau bayésien? Qu’est-ce que le sur-apprentissage? Discutez sa relation avec Naïve Bayes.</a:t>
+            </a:r>
+            <a:endParaRPr lang="en-GB" sz="1400" dirty="0"/>
+          </a:p>
+        </p:txBody>
+      </p:sp>
+      <p:sp>
+        <p:nvSpPr>
+          <p:cNvPr id="3" name="Espace réservé du contenu 2">
+            <a:extLst>
+              <a:ext uri="{FF2B5EF4-FFF2-40B4-BE49-F238E27FC236}">
+                <a16:creationId xmlns:a16="http://schemas.microsoft.com/office/drawing/2014/main" id="{55ECBF04-F52F-4B3F-9304-4E4A2E668DA9}"/>
+              </a:ext>
+            </a:extLst>
+          </p:cNvPr>
+          <p:cNvSpPr>
+            <a:spLocks noGrp="1"/>
+          </p:cNvSpPr>
+          <p:nvPr>
+            <p:ph idx="1"/>
+          </p:nvPr>
+        </p:nvSpPr>
+        <p:spPr/>
+        <p:txBody>
+          <a:bodyPr/>
+          <a:lstStyle/>
+          <a:p>
+            <a:endParaRPr lang="en-GB" dirty="0"/>
+          </a:p>
+        </p:txBody>
+      </p:sp>
+    </p:spTree>
+    <p:extLst>
+      <p:ext uri="{BB962C8B-B14F-4D97-AF65-F5344CB8AC3E}">
+        <p14:creationId xmlns:p14="http://schemas.microsoft.com/office/powerpoint/2010/main" val="2558671712"/>
+      </p:ext>
+    </p:extLst>
+  </p:cSld>
+  <p:clrMapOvr>
+    <a:masterClrMapping/>
+  </p:clrMapOvr>
+</p:sld>
+</file>
+
+<file path=ppt/slides/slide31.xml><?xml version="1.0" encoding="utf-8"?>
+<p:sld xmlns:a="http://schemas.openxmlformats.org/drawingml/2006/main" xmlns:r="http://schemas.openxmlformats.org/officeDocument/2006/relationships" xmlns:p="http://schemas.openxmlformats.org/presentationml/2006/main">
+  <p:cSld>
+    <p:spTree>
+      <p:nvGrpSpPr>
+        <p:cNvPr id="1" name=""/>
+        <p:cNvGrpSpPr/>
+        <p:nvPr/>
+      </p:nvGrpSpPr>
+      <p:grpSpPr>
+        <a:xfrm>
+          <a:off x="0" y="0"/>
+          <a:ext cx="0" cy="0"/>
+          <a:chOff x="0" y="0"/>
+          <a:chExt cx="0" cy="0"/>
+        </a:xfrm>
+      </p:grpSpPr>
+      <p:sp>
+        <p:nvSpPr>
+          <p:cNvPr id="2" name="Titre 1">
+            <a:extLst>
+              <a:ext uri="{FF2B5EF4-FFF2-40B4-BE49-F238E27FC236}">
+                <a16:creationId xmlns:a16="http://schemas.microsoft.com/office/drawing/2014/main" id="{21766C66-1FE8-40A6-86E7-67715FC56E02}"/>
+              </a:ext>
+            </a:extLst>
+          </p:cNvPr>
+          <p:cNvSpPr>
+            <a:spLocks noGrp="1"/>
+          </p:cNvSpPr>
+          <p:nvPr>
+            <p:ph type="title"/>
+          </p:nvPr>
+        </p:nvSpPr>
+        <p:spPr/>
+        <p:txBody>
+          <a:bodyPr>
+            <a:normAutofit/>
+          </a:bodyPr>
+          <a:lstStyle/>
+          <a:p>
+            <a:r>
+              <a:rPr lang="fr-FR" sz="1400" dirty="0">
+                <a:solidFill>
+                  <a:srgbClr val="FF0000"/>
+                </a:solidFill>
+                <a:effectLst/>
+                <a:latin typeface="Arial" panose="020B0604020202020204" pitchFamily="34" charset="0"/>
+              </a:rPr>
+              <a:t>11.</a:t>
+            </a:r>
+            <a:r>
+              <a:rPr lang="fr-FR" sz="1400" dirty="0">
+                <a:effectLst/>
+                <a:latin typeface="Arial" panose="020B0604020202020204" pitchFamily="34" charset="0"/>
+              </a:rPr>
+              <a:t>Régression logistique: Rappelez le principe de l’apprentissage supervisé. Quel est le protocole de gestion des données dans ce contexte ? Rappelez la relation entre classification et régression? Qu’est-ce que l’algorithme de régression logistique? Quelles sont les hypothèses sous-jacentes? Quels sont les paramètres? Quel est sont les propriétés de la fonction logistique? Qu’est-</a:t>
+            </a:r>
+            <a:r>
+              <a:rPr lang="fr-FR" sz="1400" dirty="0" err="1">
+                <a:effectLst/>
+                <a:latin typeface="Arial" panose="020B0604020202020204" pitchFamily="34" charset="0"/>
+              </a:rPr>
+              <a:t>ceque</a:t>
+            </a:r>
+            <a:r>
+              <a:rPr lang="fr-FR" sz="1400" dirty="0">
+                <a:effectLst/>
+                <a:latin typeface="Arial" panose="020B0604020202020204" pitchFamily="34" charset="0"/>
+              </a:rPr>
+              <a:t> le sur-apprentissage? Discutez sa relation avec la régression logistique.</a:t>
+            </a:r>
+            <a:endParaRPr lang="en-GB" sz="1400" dirty="0"/>
+          </a:p>
+        </p:txBody>
+      </p:sp>
+      <p:sp>
+        <p:nvSpPr>
+          <p:cNvPr id="3" name="Espace réservé du contenu 2">
+            <a:extLst>
+              <a:ext uri="{FF2B5EF4-FFF2-40B4-BE49-F238E27FC236}">
+                <a16:creationId xmlns:a16="http://schemas.microsoft.com/office/drawing/2014/main" id="{55ECBF04-F52F-4B3F-9304-4E4A2E668DA9}"/>
+              </a:ext>
+            </a:extLst>
+          </p:cNvPr>
+          <p:cNvSpPr>
+            <a:spLocks noGrp="1"/>
+          </p:cNvSpPr>
+          <p:nvPr>
+            <p:ph idx="1"/>
+          </p:nvPr>
+        </p:nvSpPr>
+        <p:spPr/>
+        <p:txBody>
+          <a:bodyPr/>
+          <a:lstStyle/>
+          <a:p>
+            <a:endParaRPr lang="en-GB" dirty="0"/>
+          </a:p>
+        </p:txBody>
+      </p:sp>
+    </p:spTree>
+    <p:extLst>
+      <p:ext uri="{BB962C8B-B14F-4D97-AF65-F5344CB8AC3E}">
+        <p14:creationId xmlns:p14="http://schemas.microsoft.com/office/powerpoint/2010/main" val="559109952"/>
+      </p:ext>
+    </p:extLst>
+  </p:cSld>
+  <p:clrMapOvr>
+    <a:masterClrMapping/>
+  </p:clrMapOvr>
+</p:sld>
+</file>
+
+<file path=ppt/slides/slide32.xml><?xml version="1.0" encoding="utf-8"?>
+<p:sld xmlns:a="http://schemas.openxmlformats.org/drawingml/2006/main" xmlns:r="http://schemas.openxmlformats.org/officeDocument/2006/relationships" xmlns:p="http://schemas.openxmlformats.org/presentationml/2006/main">
+  <p:cSld>
+    <p:spTree>
+      <p:nvGrpSpPr>
+        <p:cNvPr id="1" name=""/>
+        <p:cNvGrpSpPr/>
+        <p:nvPr/>
+      </p:nvGrpSpPr>
+      <p:grpSpPr>
+        <a:xfrm>
+          <a:off x="0" y="0"/>
+          <a:ext cx="0" cy="0"/>
+          <a:chOff x="0" y="0"/>
+          <a:chExt cx="0" cy="0"/>
+        </a:xfrm>
+      </p:grpSpPr>
+      <p:sp>
+        <p:nvSpPr>
+          <p:cNvPr id="2" name="Titre 1">
+            <a:extLst>
+              <a:ext uri="{FF2B5EF4-FFF2-40B4-BE49-F238E27FC236}">
+                <a16:creationId xmlns:a16="http://schemas.microsoft.com/office/drawing/2014/main" id="{21766C66-1FE8-40A6-86E7-67715FC56E02}"/>
+              </a:ext>
+            </a:extLst>
+          </p:cNvPr>
+          <p:cNvSpPr>
+            <a:spLocks noGrp="1"/>
+          </p:cNvSpPr>
+          <p:nvPr>
+            <p:ph type="title"/>
+          </p:nvPr>
+        </p:nvSpPr>
+        <p:spPr/>
+        <p:txBody>
+          <a:bodyPr>
+            <a:normAutofit/>
+          </a:bodyPr>
+          <a:lstStyle/>
+          <a:p>
+            <a:r>
+              <a:rPr lang="fr-FR" sz="1400" dirty="0">
+                <a:solidFill>
+                  <a:srgbClr val="FF0000"/>
+                </a:solidFill>
+                <a:effectLst/>
+                <a:latin typeface="Arial" panose="020B0604020202020204" pitchFamily="34" charset="0"/>
+              </a:rPr>
+              <a:t>12.</a:t>
+            </a:r>
+            <a:r>
+              <a:rPr lang="fr-FR" sz="1400" dirty="0">
+                <a:effectLst/>
+                <a:latin typeface="Arial" panose="020B0604020202020204" pitchFamily="34" charset="0"/>
+              </a:rPr>
+              <a:t>Apprentissage neuronal: En quoi est-ce un apprentissage supervisé? Qu’est qu’un classifieur linéaire? Que propose l’algorithme du perceptron? Quelle est sa relation à un neurone artificiel? Comment peut-on entrainer un neurone artificiel? Quels sont ses paramètres? Quels sont les paramètres de l’algorithme d’apprentissage? Quel est le principe de l’algorithme de descente en gradient?</a:t>
+            </a:r>
+            <a:endParaRPr lang="en-GB" sz="1400" dirty="0"/>
+          </a:p>
+        </p:txBody>
+      </p:sp>
+      <p:sp>
+        <p:nvSpPr>
+          <p:cNvPr id="3" name="Espace réservé du contenu 2">
+            <a:extLst>
+              <a:ext uri="{FF2B5EF4-FFF2-40B4-BE49-F238E27FC236}">
+                <a16:creationId xmlns:a16="http://schemas.microsoft.com/office/drawing/2014/main" id="{55ECBF04-F52F-4B3F-9304-4E4A2E668DA9}"/>
+              </a:ext>
+            </a:extLst>
+          </p:cNvPr>
+          <p:cNvSpPr>
+            <a:spLocks noGrp="1"/>
+          </p:cNvSpPr>
+          <p:nvPr>
+            <p:ph idx="1"/>
+          </p:nvPr>
+        </p:nvSpPr>
+        <p:spPr/>
+        <p:txBody>
+          <a:bodyPr/>
+          <a:lstStyle/>
+          <a:p>
+            <a:endParaRPr lang="en-GB" dirty="0"/>
+          </a:p>
+        </p:txBody>
+      </p:sp>
+    </p:spTree>
+    <p:extLst>
+      <p:ext uri="{BB962C8B-B14F-4D97-AF65-F5344CB8AC3E}">
+        <p14:creationId xmlns:p14="http://schemas.microsoft.com/office/powerpoint/2010/main" val="4013026078"/>
+      </p:ext>
+    </p:extLst>
+  </p:cSld>
+  <p:clrMapOvr>
+    <a:masterClrMapping/>
+  </p:clrMapOvr>
+</p:sld>
+</file>
+
+<file path=ppt/slides/slide33.xml><?xml version="1.0" encoding="utf-8"?>
+<p:sld xmlns:a="http://schemas.openxmlformats.org/drawingml/2006/main" xmlns:r="http://schemas.openxmlformats.org/officeDocument/2006/relationships" xmlns:p="http://schemas.openxmlformats.org/presentationml/2006/main">
+  <p:cSld>
+    <p:spTree>
+      <p:nvGrpSpPr>
+        <p:cNvPr id="1" name=""/>
+        <p:cNvGrpSpPr/>
+        <p:nvPr/>
+      </p:nvGrpSpPr>
+      <p:grpSpPr>
+        <a:xfrm>
+          <a:off x="0" y="0"/>
+          <a:ext cx="0" cy="0"/>
+          <a:chOff x="0" y="0"/>
+          <a:chExt cx="0" cy="0"/>
+        </a:xfrm>
+      </p:grpSpPr>
+      <p:sp>
+        <p:nvSpPr>
+          <p:cNvPr id="2" name="Titre 1">
+            <a:extLst>
+              <a:ext uri="{FF2B5EF4-FFF2-40B4-BE49-F238E27FC236}">
+                <a16:creationId xmlns:a16="http://schemas.microsoft.com/office/drawing/2014/main" id="{21766C66-1FE8-40A6-86E7-67715FC56E02}"/>
+              </a:ext>
+            </a:extLst>
+          </p:cNvPr>
+          <p:cNvSpPr>
+            <a:spLocks noGrp="1"/>
+          </p:cNvSpPr>
+          <p:nvPr>
+            <p:ph type="title"/>
+          </p:nvPr>
+        </p:nvSpPr>
+        <p:spPr/>
+        <p:txBody>
+          <a:bodyPr>
+            <a:normAutofit/>
+          </a:bodyPr>
+          <a:lstStyle/>
+          <a:p>
+            <a:r>
+              <a:rPr lang="fr-FR" sz="1400" dirty="0">
+                <a:solidFill>
+                  <a:srgbClr val="FF0000"/>
+                </a:solidFill>
+                <a:effectLst/>
+                <a:latin typeface="Arial" panose="020B0604020202020204" pitchFamily="34" charset="0"/>
+              </a:rPr>
+              <a:t>13.</a:t>
+            </a:r>
+            <a:r>
+              <a:rPr lang="fr-FR" sz="1400" dirty="0">
+                <a:effectLst/>
+                <a:latin typeface="Arial" panose="020B0604020202020204" pitchFamily="34" charset="0"/>
+              </a:rPr>
+              <a:t>Réseaux de neurones: Rappelez le principe d’un neurone artificiel. Comment combine-t-on les neurones en réseaux? Comment entraine-t-on un réseau de neurones? Qu’est-ce que la fonction logistique? Comment est-elle utilisée dans un neurone artificiel? Quelles sont ses propriétés? Vous pourrez parler des principes des graphes computationnels et de la différentiation automatique.</a:t>
+            </a:r>
+            <a:endParaRPr lang="en-GB" sz="1400" dirty="0"/>
+          </a:p>
+        </p:txBody>
+      </p:sp>
+      <p:sp>
+        <p:nvSpPr>
+          <p:cNvPr id="3" name="Espace réservé du contenu 2">
+            <a:extLst>
+              <a:ext uri="{FF2B5EF4-FFF2-40B4-BE49-F238E27FC236}">
+                <a16:creationId xmlns:a16="http://schemas.microsoft.com/office/drawing/2014/main" id="{55ECBF04-F52F-4B3F-9304-4E4A2E668DA9}"/>
+              </a:ext>
+            </a:extLst>
+          </p:cNvPr>
+          <p:cNvSpPr>
+            <a:spLocks noGrp="1"/>
+          </p:cNvSpPr>
+          <p:nvPr>
+            <p:ph idx="1"/>
+          </p:nvPr>
+        </p:nvSpPr>
+        <p:spPr/>
+        <p:txBody>
+          <a:bodyPr/>
+          <a:lstStyle/>
+          <a:p>
+            <a:endParaRPr lang="en-GB" dirty="0"/>
+          </a:p>
+        </p:txBody>
+      </p:sp>
+    </p:spTree>
+    <p:extLst>
+      <p:ext uri="{BB962C8B-B14F-4D97-AF65-F5344CB8AC3E}">
+        <p14:creationId xmlns:p14="http://schemas.microsoft.com/office/powerpoint/2010/main" val="2009642305"/>
+      </p:ext>
+    </p:extLst>
+  </p:cSld>
+  <p:clrMapOvr>
+    <a:masterClrMapping/>
+  </p:clrMapOvr>
+</p:sld>
+</file>
+
+<file path=ppt/slides/slide34.xml><?xml version="1.0" encoding="utf-8"?>
+<p:sld xmlns:a="http://schemas.openxmlformats.org/drawingml/2006/main" xmlns:r="http://schemas.openxmlformats.org/officeDocument/2006/relationships" xmlns:p="http://schemas.openxmlformats.org/presentationml/2006/main">
+  <p:cSld>
+    <p:spTree>
+      <p:nvGrpSpPr>
+        <p:cNvPr id="1" name=""/>
+        <p:cNvGrpSpPr/>
+        <p:nvPr/>
+      </p:nvGrpSpPr>
+      <p:grpSpPr>
+        <a:xfrm>
+          <a:off x="0" y="0"/>
+          <a:ext cx="0" cy="0"/>
+          <a:chOff x="0" y="0"/>
+          <a:chExt cx="0" cy="0"/>
+        </a:xfrm>
+      </p:grpSpPr>
+      <p:sp>
+        <p:nvSpPr>
+          <p:cNvPr id="2" name="Titre 1">
+            <a:extLst>
+              <a:ext uri="{FF2B5EF4-FFF2-40B4-BE49-F238E27FC236}">
+                <a16:creationId xmlns:a16="http://schemas.microsoft.com/office/drawing/2014/main" id="{21766C66-1FE8-40A6-86E7-67715FC56E02}"/>
+              </a:ext>
+            </a:extLst>
+          </p:cNvPr>
+          <p:cNvSpPr>
+            <a:spLocks noGrp="1"/>
+          </p:cNvSpPr>
+          <p:nvPr>
+            <p:ph type="title"/>
+          </p:nvPr>
+        </p:nvSpPr>
+        <p:spPr/>
+        <p:txBody>
+          <a:bodyPr>
+            <a:normAutofit/>
+          </a:bodyPr>
+          <a:lstStyle/>
+          <a:p>
+            <a:r>
+              <a:rPr lang="fr-FR" sz="1400" dirty="0">
+                <a:solidFill>
+                  <a:srgbClr val="FF0000"/>
+                </a:solidFill>
+                <a:effectLst/>
+                <a:latin typeface="Arial" panose="020B0604020202020204" pitchFamily="34" charset="0"/>
+              </a:rPr>
+              <a:t>14.</a:t>
+            </a:r>
+            <a:r>
+              <a:rPr lang="fr-FR" sz="1400" dirty="0">
+                <a:effectLst/>
+                <a:latin typeface="Arial" panose="020B0604020202020204" pitchFamily="34" charset="0"/>
+              </a:rPr>
+              <a:t>Biais et équité: En quoi le protocole de gestion des données dans l’apprentissage supervisé (dont on rappellera les objectifs et principes) vise à éviter les biais dans l’apprentissage? Serait-il correct de tester un algorithme avec les données avec lesquels il a appris? Qu’est-ce que des attributs protégés et comment interviennent-ils dans un algorithme d’apprentissage supervisé? Comment peut-on espérer traduire l’équité dans un modelé probabiliste? L’équité dans l’apprentissage n’est-elle qu’un problème de qualité des données ou du choix de ses attributs ?Qu’est-ce que l’effet d’aggravation et ou le retrouve-ton? Citez des exemple set des contre-exemples.</a:t>
+            </a:r>
+            <a:endParaRPr lang="en-GB" sz="1400" dirty="0"/>
+          </a:p>
+        </p:txBody>
+      </p:sp>
+      <p:sp>
+        <p:nvSpPr>
+          <p:cNvPr id="3" name="Espace réservé du contenu 2">
+            <a:extLst>
+              <a:ext uri="{FF2B5EF4-FFF2-40B4-BE49-F238E27FC236}">
+                <a16:creationId xmlns:a16="http://schemas.microsoft.com/office/drawing/2014/main" id="{55ECBF04-F52F-4B3F-9304-4E4A2E668DA9}"/>
+              </a:ext>
+            </a:extLst>
+          </p:cNvPr>
+          <p:cNvSpPr>
+            <a:spLocks noGrp="1"/>
+          </p:cNvSpPr>
+          <p:nvPr>
+            <p:ph idx="1"/>
+          </p:nvPr>
+        </p:nvSpPr>
+        <p:spPr/>
+        <p:txBody>
+          <a:bodyPr/>
+          <a:lstStyle/>
+          <a:p>
+            <a:endParaRPr lang="en-GB" dirty="0"/>
+          </a:p>
+        </p:txBody>
+      </p:sp>
+    </p:spTree>
+    <p:extLst>
+      <p:ext uri="{BB962C8B-B14F-4D97-AF65-F5344CB8AC3E}">
+        <p14:creationId xmlns:p14="http://schemas.microsoft.com/office/powerpoint/2010/main" val="2447558994"/>
       </p:ext>
     </p:extLst>
   </p:cSld>

--- a/intelligenceArtificielle/Intelligence_artificielle_exam.pptx
+++ b/intelligenceArtificielle/Intelligence_artificielle_exam.pptx
@@ -5,7 +5,7 @@
     <p:sldMasterId id="2147483708" r:id="rId1"/>
   </p:sldMasterIdLst>
   <p:notesMasterIdLst>
-    <p:notesMasterId r:id="rId36"/>
+    <p:notesMasterId r:id="rId45"/>
   </p:notesMasterIdLst>
   <p:sldIdLst>
     <p:sldId id="259" r:id="rId2"/>
@@ -35,13 +35,22 @@
     <p:sldId id="292" r:id="rId26"/>
     <p:sldId id="293" r:id="rId27"/>
     <p:sldId id="263" r:id="rId28"/>
-    <p:sldId id="264" r:id="rId29"/>
-    <p:sldId id="265" r:id="rId30"/>
-    <p:sldId id="266" r:id="rId31"/>
-    <p:sldId id="267" r:id="rId32"/>
-    <p:sldId id="268" r:id="rId33"/>
-    <p:sldId id="269" r:id="rId34"/>
-    <p:sldId id="270" r:id="rId35"/>
+    <p:sldId id="301" r:id="rId29"/>
+    <p:sldId id="302" r:id="rId30"/>
+    <p:sldId id="303" r:id="rId31"/>
+    <p:sldId id="264" r:id="rId32"/>
+    <p:sldId id="294" r:id="rId33"/>
+    <p:sldId id="295" r:id="rId34"/>
+    <p:sldId id="296" r:id="rId35"/>
+    <p:sldId id="297" r:id="rId36"/>
+    <p:sldId id="265" r:id="rId37"/>
+    <p:sldId id="266" r:id="rId38"/>
+    <p:sldId id="298" r:id="rId39"/>
+    <p:sldId id="299" r:id="rId40"/>
+    <p:sldId id="267" r:id="rId41"/>
+    <p:sldId id="268" r:id="rId42"/>
+    <p:sldId id="269" r:id="rId43"/>
+    <p:sldId id="270" r:id="rId44"/>
   </p:sldIdLst>
   <p:sldSz cx="12192000" cy="6858000"/>
   <p:notesSz cx="6858000" cy="9144000"/>
@@ -242,7 +251,7 @@
           <a:p>
             <a:fld id="{64CBD762-7D85-4C9B-9A27-1200EC1C67A3}" type="datetimeFigureOut">
               <a:rPr lang="fr-CH" smtClean="0"/>
-              <a:t>08.02.2021</a:t>
+              <a:t>10.02.2021</a:t>
             </a:fld>
             <a:endParaRPr lang="fr-CH"/>
           </a:p>
@@ -1376,8 +1385,8 @@
         </p:nvSpPr>
         <p:spPr/>
       </p:sp>
-      <mc:AlternateContent xmlns:mc="http://schemas.openxmlformats.org/markup-compatibility/2006">
-        <mc:Choice xmlns:a14="http://schemas.microsoft.com/office/drawing/2010/main" Requires="a14">
+      <mc:AlternateContent xmlns:mc="http://schemas.openxmlformats.org/markup-compatibility/2006" xmlns:a14="http://schemas.microsoft.com/office/drawing/2010/main">
+        <mc:Choice Requires="a14">
           <p:sp>
             <p:nvSpPr>
               <p:cNvPr id="3" name="Espace réservé des notes 2"/>
@@ -1650,7 +1659,7 @@
             </p:txBody>
           </p:sp>
         </mc:Choice>
-        <mc:Fallback>
+        <mc:Fallback xmlns="">
           <p:sp>
             <p:nvSpPr>
               <p:cNvPr id="3" name="Espace réservé des notes 2"/>
@@ -2321,6 +2330,963 @@
 </p:notes>
 </file>
 
+<file path=ppt/notesSlides/notesSlide21.xml><?xml version="1.0" encoding="utf-8"?>
+<p:notes xmlns:a="http://schemas.openxmlformats.org/drawingml/2006/main" xmlns:r="http://schemas.openxmlformats.org/officeDocument/2006/relationships" xmlns:p="http://schemas.openxmlformats.org/presentationml/2006/main">
+  <p:cSld>
+    <p:spTree>
+      <p:nvGrpSpPr>
+        <p:cNvPr id="1" name=""/>
+        <p:cNvGrpSpPr/>
+        <p:nvPr/>
+      </p:nvGrpSpPr>
+      <p:grpSpPr>
+        <a:xfrm>
+          <a:off x="0" y="0"/>
+          <a:ext cx="0" cy="0"/>
+          <a:chOff x="0" y="0"/>
+          <a:chExt cx="0" cy="0"/>
+        </a:xfrm>
+      </p:grpSpPr>
+      <p:sp>
+        <p:nvSpPr>
+          <p:cNvPr id="2" name="Espace réservé de l'image des diapositives 1"/>
+          <p:cNvSpPr>
+            <a:spLocks noGrp="1" noRot="1" noChangeAspect="1"/>
+          </p:cNvSpPr>
+          <p:nvPr>
+            <p:ph type="sldImg"/>
+          </p:nvPr>
+        </p:nvSpPr>
+        <p:spPr/>
+      </p:sp>
+      <p:sp>
+        <p:nvSpPr>
+          <p:cNvPr id="3" name="Espace réservé des notes 2"/>
+          <p:cNvSpPr>
+            <a:spLocks noGrp="1"/>
+          </p:cNvSpPr>
+          <p:nvPr>
+            <p:ph type="body" idx="1"/>
+          </p:nvPr>
+        </p:nvSpPr>
+        <p:spPr/>
+        <p:txBody>
+          <a:bodyPr/>
+          <a:lstStyle/>
+          <a:p>
+            <a:r>
+              <a:rPr lang="fr-CH" dirty="0"/>
+              <a:t>PGM = modèle de graphe probabiliste</a:t>
+            </a:r>
+          </a:p>
+          <a:p>
+            <a:r>
+              <a:rPr lang="fr-CH" dirty="0"/>
+              <a:t>Dirigé acyclique = structure d’arbre -&gt; que un chemin d’un nœud à un autre (si le chemin existe)</a:t>
+            </a:r>
+          </a:p>
+          <a:p>
+            <a:endParaRPr lang="fr-CH" dirty="0"/>
+          </a:p>
+          <a:p>
+            <a:r>
+              <a:rPr lang="fr-CH" dirty="0"/>
+              <a:t>L’interroger = en faire une inférence -&gt; on construit une machine artificielle pour lui poser des questions</a:t>
+            </a:r>
+          </a:p>
+          <a:p>
+            <a:endParaRPr lang="fr-CH" dirty="0"/>
+          </a:p>
+          <a:p>
+            <a:r>
+              <a:rPr lang="fr-CH" dirty="0"/>
+              <a:t>Dans un réseau complex, ces calculs de dépendances peuvent devenir très complexes, donc on les organise comme on les visualise dans le graphe -&gt; si pas de lien entre nœud A et B, alors pas de dépendance directe, et donc pas dans la formule de calcul – cette simplification vient justement de la factorisation PGM + la marginalisation des variables qui ne nous intéressent pas</a:t>
+            </a:r>
+          </a:p>
+          <a:p>
+            <a:endParaRPr lang="fr-CH" dirty="0"/>
+          </a:p>
+        </p:txBody>
+      </p:sp>
+      <p:sp>
+        <p:nvSpPr>
+          <p:cNvPr id="4" name="Espace réservé du numéro de diapositive 3"/>
+          <p:cNvSpPr>
+            <a:spLocks noGrp="1"/>
+          </p:cNvSpPr>
+          <p:nvPr>
+            <p:ph type="sldNum" sz="quarter" idx="5"/>
+          </p:nvPr>
+        </p:nvSpPr>
+        <p:spPr/>
+        <p:txBody>
+          <a:bodyPr/>
+          <a:lstStyle/>
+          <a:p>
+            <a:fld id="{FD6302D7-B1E1-4874-8725-B1250A89F460}" type="slidenum">
+              <a:rPr lang="fr-CH" smtClean="0"/>
+              <a:t>27</a:t>
+            </a:fld>
+            <a:endParaRPr lang="fr-CH"/>
+          </a:p>
+        </p:txBody>
+      </p:sp>
+    </p:spTree>
+    <p:extLst>
+      <p:ext uri="{BB962C8B-B14F-4D97-AF65-F5344CB8AC3E}">
+        <p14:creationId xmlns:p14="http://schemas.microsoft.com/office/powerpoint/2010/main" val="1926574069"/>
+      </p:ext>
+    </p:extLst>
+  </p:cSld>
+  <p:clrMapOvr>
+    <a:masterClrMapping/>
+  </p:clrMapOvr>
+</p:notes>
+</file>
+
+<file path=ppt/notesSlides/notesSlide22.xml><?xml version="1.0" encoding="utf-8"?>
+<p:notes xmlns:a="http://schemas.openxmlformats.org/drawingml/2006/main" xmlns:r="http://schemas.openxmlformats.org/officeDocument/2006/relationships" xmlns:p="http://schemas.openxmlformats.org/presentationml/2006/main">
+  <p:cSld>
+    <p:spTree>
+      <p:nvGrpSpPr>
+        <p:cNvPr id="1" name=""/>
+        <p:cNvGrpSpPr/>
+        <p:nvPr/>
+      </p:nvGrpSpPr>
+      <p:grpSpPr>
+        <a:xfrm>
+          <a:off x="0" y="0"/>
+          <a:ext cx="0" cy="0"/>
+          <a:chOff x="0" y="0"/>
+          <a:chExt cx="0" cy="0"/>
+        </a:xfrm>
+      </p:grpSpPr>
+      <p:sp>
+        <p:nvSpPr>
+          <p:cNvPr id="2" name="Espace réservé de l'image des diapositives 1"/>
+          <p:cNvSpPr>
+            <a:spLocks noGrp="1" noRot="1" noChangeAspect="1"/>
+          </p:cNvSpPr>
+          <p:nvPr>
+            <p:ph type="sldImg"/>
+          </p:nvPr>
+        </p:nvSpPr>
+        <p:spPr/>
+      </p:sp>
+      <p:sp>
+        <p:nvSpPr>
+          <p:cNvPr id="3" name="Espace réservé des notes 2"/>
+          <p:cNvSpPr>
+            <a:spLocks noGrp="1"/>
+          </p:cNvSpPr>
+          <p:nvPr>
+            <p:ph type="body" idx="1"/>
+          </p:nvPr>
+        </p:nvSpPr>
+        <p:spPr/>
+        <p:txBody>
+          <a:bodyPr/>
+          <a:lstStyle/>
+          <a:p>
+            <a:r>
+              <a:rPr lang="fr-CH" dirty="0"/>
+              <a:t>E n’affecte aucun autre nœud dans le réseau, du coup il forme un nouveau réseau à lui, on va donc l’oublier. -&gt; il serai supprimé plus tard pendant la marginalisation</a:t>
+            </a:r>
+          </a:p>
+          <a:p>
+            <a:r>
+              <a:rPr lang="fr-CH" dirty="0"/>
+              <a:t>on ne peut pas faire une inférence sur E. -&gt; pas de lien</a:t>
+            </a:r>
+          </a:p>
+          <a:p>
+            <a:endParaRPr lang="fr-CH" dirty="0"/>
+          </a:p>
+          <a:p>
+            <a:r>
+              <a:rPr lang="fr-CH" dirty="0"/>
+              <a:t>On remarquera que dans la formule de probabilité jointe, la probabilité de D est affecté que par la connaissance de C, pas de A ni B</a:t>
+            </a:r>
+          </a:p>
+        </p:txBody>
+      </p:sp>
+      <p:sp>
+        <p:nvSpPr>
+          <p:cNvPr id="4" name="Espace réservé du numéro de diapositive 3"/>
+          <p:cNvSpPr>
+            <a:spLocks noGrp="1"/>
+          </p:cNvSpPr>
+          <p:nvPr>
+            <p:ph type="sldNum" sz="quarter" idx="5"/>
+          </p:nvPr>
+        </p:nvSpPr>
+        <p:spPr/>
+        <p:txBody>
+          <a:bodyPr/>
+          <a:lstStyle/>
+          <a:p>
+            <a:fld id="{FD6302D7-B1E1-4874-8725-B1250A89F460}" type="slidenum">
+              <a:rPr lang="fr-CH" smtClean="0"/>
+              <a:t>28</a:t>
+            </a:fld>
+            <a:endParaRPr lang="fr-CH"/>
+          </a:p>
+        </p:txBody>
+      </p:sp>
+    </p:spTree>
+    <p:extLst>
+      <p:ext uri="{BB962C8B-B14F-4D97-AF65-F5344CB8AC3E}">
+        <p14:creationId xmlns:p14="http://schemas.microsoft.com/office/powerpoint/2010/main" val="2118790825"/>
+      </p:ext>
+    </p:extLst>
+  </p:cSld>
+  <p:clrMapOvr>
+    <a:masterClrMapping/>
+  </p:clrMapOvr>
+</p:notes>
+</file>
+
+<file path=ppt/notesSlides/notesSlide23.xml><?xml version="1.0" encoding="utf-8"?>
+<p:notes xmlns:a="http://schemas.openxmlformats.org/drawingml/2006/main" xmlns:r="http://schemas.openxmlformats.org/officeDocument/2006/relationships" xmlns:p="http://schemas.openxmlformats.org/presentationml/2006/main">
+  <p:cSld>
+    <p:spTree>
+      <p:nvGrpSpPr>
+        <p:cNvPr id="1" name=""/>
+        <p:cNvGrpSpPr/>
+        <p:nvPr/>
+      </p:nvGrpSpPr>
+      <p:grpSpPr>
+        <a:xfrm>
+          <a:off x="0" y="0"/>
+          <a:ext cx="0" cy="0"/>
+          <a:chOff x="0" y="0"/>
+          <a:chExt cx="0" cy="0"/>
+        </a:xfrm>
+      </p:grpSpPr>
+      <p:sp>
+        <p:nvSpPr>
+          <p:cNvPr id="2" name="Espace réservé de l'image des diapositives 1"/>
+          <p:cNvSpPr>
+            <a:spLocks noGrp="1" noRot="1" noChangeAspect="1"/>
+          </p:cNvSpPr>
+          <p:nvPr>
+            <p:ph type="sldImg"/>
+          </p:nvPr>
+        </p:nvSpPr>
+        <p:spPr/>
+      </p:sp>
+      <p:sp>
+        <p:nvSpPr>
+          <p:cNvPr id="3" name="Espace réservé des notes 2"/>
+          <p:cNvSpPr>
+            <a:spLocks noGrp="1"/>
+          </p:cNvSpPr>
+          <p:nvPr>
+            <p:ph type="body" idx="1"/>
+          </p:nvPr>
+        </p:nvSpPr>
+        <p:spPr/>
+        <p:txBody>
+          <a:bodyPr/>
+          <a:lstStyle/>
+          <a:p>
+            <a:r>
+              <a:rPr lang="fr-CH" dirty="0"/>
+              <a:t>On marginalise, vu qu’il y a que (d, a) qui nous intéressent, on fait ainsi disparaitre les variables pas intéressantes pour notre inférence</a:t>
+            </a:r>
+          </a:p>
+          <a:p>
+            <a:endParaRPr lang="fr-CH" dirty="0"/>
+          </a:p>
+          <a:p>
+            <a:r>
+              <a:rPr lang="fr-CH" dirty="0"/>
+              <a:t>Factorisation : on fait sortir les termes qui ne sont pas concernes par les sommes respectives</a:t>
+            </a:r>
+          </a:p>
+        </p:txBody>
+      </p:sp>
+      <p:sp>
+        <p:nvSpPr>
+          <p:cNvPr id="4" name="Espace réservé du numéro de diapositive 3"/>
+          <p:cNvSpPr>
+            <a:spLocks noGrp="1"/>
+          </p:cNvSpPr>
+          <p:nvPr>
+            <p:ph type="sldNum" sz="quarter" idx="5"/>
+          </p:nvPr>
+        </p:nvSpPr>
+        <p:spPr/>
+        <p:txBody>
+          <a:bodyPr/>
+          <a:lstStyle/>
+          <a:p>
+            <a:fld id="{FD6302D7-B1E1-4874-8725-B1250A89F460}" type="slidenum">
+              <a:rPr lang="fr-CH" smtClean="0"/>
+              <a:t>29</a:t>
+            </a:fld>
+            <a:endParaRPr lang="fr-CH"/>
+          </a:p>
+        </p:txBody>
+      </p:sp>
+    </p:spTree>
+    <p:extLst>
+      <p:ext uri="{BB962C8B-B14F-4D97-AF65-F5344CB8AC3E}">
+        <p14:creationId xmlns:p14="http://schemas.microsoft.com/office/powerpoint/2010/main" val="1986757951"/>
+      </p:ext>
+    </p:extLst>
+  </p:cSld>
+  <p:clrMapOvr>
+    <a:masterClrMapping/>
+  </p:clrMapOvr>
+</p:notes>
+</file>
+
+<file path=ppt/notesSlides/notesSlide24.xml><?xml version="1.0" encoding="utf-8"?>
+<p:notes xmlns:a="http://schemas.openxmlformats.org/drawingml/2006/main" xmlns:r="http://schemas.openxmlformats.org/officeDocument/2006/relationships" xmlns:p="http://schemas.openxmlformats.org/presentationml/2006/main">
+  <p:cSld>
+    <p:spTree>
+      <p:nvGrpSpPr>
+        <p:cNvPr id="1" name=""/>
+        <p:cNvGrpSpPr/>
+        <p:nvPr/>
+      </p:nvGrpSpPr>
+      <p:grpSpPr>
+        <a:xfrm>
+          <a:off x="0" y="0"/>
+          <a:ext cx="0" cy="0"/>
+          <a:chOff x="0" y="0"/>
+          <a:chExt cx="0" cy="0"/>
+        </a:xfrm>
+      </p:grpSpPr>
+      <p:sp>
+        <p:nvSpPr>
+          <p:cNvPr id="2" name="Espace réservé de l'image des diapositives 1"/>
+          <p:cNvSpPr>
+            <a:spLocks noGrp="1" noRot="1" noChangeAspect="1"/>
+          </p:cNvSpPr>
+          <p:nvPr>
+            <p:ph type="sldImg"/>
+          </p:nvPr>
+        </p:nvSpPr>
+        <p:spPr/>
+      </p:sp>
+      <p:sp>
+        <p:nvSpPr>
+          <p:cNvPr id="3" name="Espace réservé des notes 2"/>
+          <p:cNvSpPr>
+            <a:spLocks noGrp="1"/>
+          </p:cNvSpPr>
+          <p:nvPr>
+            <p:ph type="body" idx="1"/>
+          </p:nvPr>
+        </p:nvSpPr>
+        <p:spPr/>
+        <p:txBody>
+          <a:bodyPr/>
+          <a:lstStyle/>
+          <a:p>
+            <a:endParaRPr lang="fr-CH" dirty="0"/>
+          </a:p>
+        </p:txBody>
+      </p:sp>
+      <p:sp>
+        <p:nvSpPr>
+          <p:cNvPr id="4" name="Espace réservé du numéro de diapositive 3"/>
+          <p:cNvSpPr>
+            <a:spLocks noGrp="1"/>
+          </p:cNvSpPr>
+          <p:nvPr>
+            <p:ph type="sldNum" sz="quarter" idx="5"/>
+          </p:nvPr>
+        </p:nvSpPr>
+        <p:spPr/>
+        <p:txBody>
+          <a:bodyPr/>
+          <a:lstStyle/>
+          <a:p>
+            <a:fld id="{FD6302D7-B1E1-4874-8725-B1250A89F460}" type="slidenum">
+              <a:rPr lang="fr-CH" smtClean="0"/>
+              <a:t>30</a:t>
+            </a:fld>
+            <a:endParaRPr lang="fr-CH"/>
+          </a:p>
+        </p:txBody>
+      </p:sp>
+    </p:spTree>
+    <p:extLst>
+      <p:ext uri="{BB962C8B-B14F-4D97-AF65-F5344CB8AC3E}">
+        <p14:creationId xmlns:p14="http://schemas.microsoft.com/office/powerpoint/2010/main" val="4028161443"/>
+      </p:ext>
+    </p:extLst>
+  </p:cSld>
+  <p:clrMapOvr>
+    <a:masterClrMapping/>
+  </p:clrMapOvr>
+</p:notes>
+</file>
+
+<file path=ppt/notesSlides/notesSlide25.xml><?xml version="1.0" encoding="utf-8"?>
+<p:notes xmlns:a="http://schemas.openxmlformats.org/drawingml/2006/main" xmlns:r="http://schemas.openxmlformats.org/officeDocument/2006/relationships" xmlns:p="http://schemas.openxmlformats.org/presentationml/2006/main">
+  <p:cSld>
+    <p:spTree>
+      <p:nvGrpSpPr>
+        <p:cNvPr id="1" name=""/>
+        <p:cNvGrpSpPr/>
+        <p:nvPr/>
+      </p:nvGrpSpPr>
+      <p:grpSpPr>
+        <a:xfrm>
+          <a:off x="0" y="0"/>
+          <a:ext cx="0" cy="0"/>
+          <a:chOff x="0" y="0"/>
+          <a:chExt cx="0" cy="0"/>
+        </a:xfrm>
+      </p:grpSpPr>
+      <p:sp>
+        <p:nvSpPr>
+          <p:cNvPr id="2" name="Espace réservé de l'image des diapositives 1"/>
+          <p:cNvSpPr>
+            <a:spLocks noGrp="1" noRot="1" noChangeAspect="1"/>
+          </p:cNvSpPr>
+          <p:nvPr>
+            <p:ph type="sldImg"/>
+          </p:nvPr>
+        </p:nvSpPr>
+        <p:spPr/>
+      </p:sp>
+      <p:sp>
+        <p:nvSpPr>
+          <p:cNvPr id="3" name="Espace réservé des notes 2"/>
+          <p:cNvSpPr>
+            <a:spLocks noGrp="1"/>
+          </p:cNvSpPr>
+          <p:nvPr>
+            <p:ph type="body" idx="1"/>
+          </p:nvPr>
+        </p:nvSpPr>
+        <p:spPr/>
+        <p:txBody>
+          <a:bodyPr/>
+          <a:lstStyle/>
+          <a:p>
+            <a:r>
+              <a:rPr lang="fr-CH" dirty="0"/>
+              <a:t>Un arbre de décision résulte dans une expression logique (décisions)</a:t>
+            </a:r>
+          </a:p>
+          <a:p>
+            <a:endParaRPr lang="fr-CH" dirty="0"/>
+          </a:p>
+          <a:p>
+            <a:r>
+              <a:rPr lang="fr-CH" dirty="0"/>
+              <a:t>Dessin:</a:t>
+            </a:r>
+          </a:p>
+          <a:p>
+            <a:endParaRPr lang="fr-CH" dirty="0"/>
+          </a:p>
+          <a:p>
+            <a:r>
+              <a:rPr lang="fr-CH" dirty="0"/>
+              <a:t>On a toutes les données, et on essaie de trouver des barrières pour les trier</a:t>
+            </a:r>
+          </a:p>
+        </p:txBody>
+      </p:sp>
+      <p:sp>
+        <p:nvSpPr>
+          <p:cNvPr id="4" name="Espace réservé du numéro de diapositive 3"/>
+          <p:cNvSpPr>
+            <a:spLocks noGrp="1"/>
+          </p:cNvSpPr>
+          <p:nvPr>
+            <p:ph type="sldNum" sz="quarter" idx="5"/>
+          </p:nvPr>
+        </p:nvSpPr>
+        <p:spPr/>
+        <p:txBody>
+          <a:bodyPr/>
+          <a:lstStyle/>
+          <a:p>
+            <a:fld id="{FD6302D7-B1E1-4874-8725-B1250A89F460}" type="slidenum">
+              <a:rPr lang="fr-CH" smtClean="0"/>
+              <a:t>31</a:t>
+            </a:fld>
+            <a:endParaRPr lang="fr-CH"/>
+          </a:p>
+        </p:txBody>
+      </p:sp>
+    </p:spTree>
+    <p:extLst>
+      <p:ext uri="{BB962C8B-B14F-4D97-AF65-F5344CB8AC3E}">
+        <p14:creationId xmlns:p14="http://schemas.microsoft.com/office/powerpoint/2010/main" val="3047501723"/>
+      </p:ext>
+    </p:extLst>
+  </p:cSld>
+  <p:clrMapOvr>
+    <a:masterClrMapping/>
+  </p:clrMapOvr>
+</p:notes>
+</file>
+
+<file path=ppt/notesSlides/notesSlide26.xml><?xml version="1.0" encoding="utf-8"?>
+<p:notes xmlns:a="http://schemas.openxmlformats.org/drawingml/2006/main" xmlns:r="http://schemas.openxmlformats.org/officeDocument/2006/relationships" xmlns:p="http://schemas.openxmlformats.org/presentationml/2006/main">
+  <p:cSld>
+    <p:spTree>
+      <p:nvGrpSpPr>
+        <p:cNvPr id="1" name=""/>
+        <p:cNvGrpSpPr/>
+        <p:nvPr/>
+      </p:nvGrpSpPr>
+      <p:grpSpPr>
+        <a:xfrm>
+          <a:off x="0" y="0"/>
+          <a:ext cx="0" cy="0"/>
+          <a:chOff x="0" y="0"/>
+          <a:chExt cx="0" cy="0"/>
+        </a:xfrm>
+      </p:grpSpPr>
+      <p:sp>
+        <p:nvSpPr>
+          <p:cNvPr id="2" name="Espace réservé de l'image des diapositives 1"/>
+          <p:cNvSpPr>
+            <a:spLocks noGrp="1" noRot="1" noChangeAspect="1"/>
+          </p:cNvSpPr>
+          <p:nvPr>
+            <p:ph type="sldImg"/>
+          </p:nvPr>
+        </p:nvSpPr>
+        <p:spPr/>
+      </p:sp>
+      <p:sp>
+        <p:nvSpPr>
+          <p:cNvPr id="3" name="Espace réservé des notes 2"/>
+          <p:cNvSpPr>
+            <a:spLocks noGrp="1"/>
+          </p:cNvSpPr>
+          <p:nvPr>
+            <p:ph type="body" idx="1"/>
+          </p:nvPr>
+        </p:nvSpPr>
+        <p:spPr/>
+        <p:txBody>
+          <a:bodyPr/>
+          <a:lstStyle/>
+          <a:p>
+            <a:r>
+              <a:rPr lang="fr-CH" dirty="0"/>
+              <a:t>Partie 1:</a:t>
+            </a:r>
+          </a:p>
+          <a:p>
+            <a:r>
+              <a:rPr lang="fr-CH" dirty="0"/>
+              <a:t>Exemple de méthodes: (pour apprentissage supervisé)</a:t>
+            </a:r>
+          </a:p>
+          <a:p>
+            <a:pPr lvl="1"/>
+            <a:r>
+              <a:rPr lang="fr-CH" dirty="0"/>
+              <a:t>Régression</a:t>
+            </a:r>
+          </a:p>
+          <a:p>
+            <a:pPr lvl="1"/>
+            <a:r>
+              <a:rPr lang="fr-CH" dirty="0"/>
+              <a:t>Classification </a:t>
+            </a:r>
+          </a:p>
+          <a:p>
+            <a:endParaRPr lang="fr-CH" dirty="0"/>
+          </a:p>
+          <a:p>
+            <a:endParaRPr lang="fr-CH" dirty="0"/>
+          </a:p>
+          <a:p>
+            <a:r>
+              <a:rPr lang="fr-CH" dirty="0"/>
+              <a:t>Partie 2:</a:t>
+            </a:r>
+          </a:p>
+          <a:p>
+            <a:r>
+              <a:rPr lang="fr-CH" dirty="0"/>
+              <a:t>Imaginons que ces deux arbres résultent dans la même expression logique, alors toute cette partie rouge est inutile</a:t>
+            </a:r>
+          </a:p>
+          <a:p>
+            <a:r>
+              <a:rPr lang="fr-CH" dirty="0"/>
+              <a:t>On préfère bien sur avoir l’arbre le moins complexe (profondeur).</a:t>
+            </a:r>
+          </a:p>
+        </p:txBody>
+      </p:sp>
+      <p:sp>
+        <p:nvSpPr>
+          <p:cNvPr id="4" name="Espace réservé du numéro de diapositive 3"/>
+          <p:cNvSpPr>
+            <a:spLocks noGrp="1"/>
+          </p:cNvSpPr>
+          <p:nvPr>
+            <p:ph type="sldNum" sz="quarter" idx="5"/>
+          </p:nvPr>
+        </p:nvSpPr>
+        <p:spPr/>
+        <p:txBody>
+          <a:bodyPr/>
+          <a:lstStyle/>
+          <a:p>
+            <a:fld id="{FD6302D7-B1E1-4874-8725-B1250A89F460}" type="slidenum">
+              <a:rPr lang="fr-CH" smtClean="0"/>
+              <a:t>32</a:t>
+            </a:fld>
+            <a:endParaRPr lang="fr-CH"/>
+          </a:p>
+        </p:txBody>
+      </p:sp>
+    </p:spTree>
+    <p:extLst>
+      <p:ext uri="{BB962C8B-B14F-4D97-AF65-F5344CB8AC3E}">
+        <p14:creationId xmlns:p14="http://schemas.microsoft.com/office/powerpoint/2010/main" val="3625982340"/>
+      </p:ext>
+    </p:extLst>
+  </p:cSld>
+  <p:clrMapOvr>
+    <a:masterClrMapping/>
+  </p:clrMapOvr>
+</p:notes>
+</file>
+
+<file path=ppt/notesSlides/notesSlide27.xml><?xml version="1.0" encoding="utf-8"?>
+<p:notes xmlns:a="http://schemas.openxmlformats.org/drawingml/2006/main" xmlns:r="http://schemas.openxmlformats.org/officeDocument/2006/relationships" xmlns:p="http://schemas.openxmlformats.org/presentationml/2006/main">
+  <p:cSld>
+    <p:spTree>
+      <p:nvGrpSpPr>
+        <p:cNvPr id="1" name=""/>
+        <p:cNvGrpSpPr/>
+        <p:nvPr/>
+      </p:nvGrpSpPr>
+      <p:grpSpPr>
+        <a:xfrm>
+          <a:off x="0" y="0"/>
+          <a:ext cx="0" cy="0"/>
+          <a:chOff x="0" y="0"/>
+          <a:chExt cx="0" cy="0"/>
+        </a:xfrm>
+      </p:grpSpPr>
+      <p:sp>
+        <p:nvSpPr>
+          <p:cNvPr id="2" name="Espace réservé de l'image des diapositives 1"/>
+          <p:cNvSpPr>
+            <a:spLocks noGrp="1" noRot="1" noChangeAspect="1"/>
+          </p:cNvSpPr>
+          <p:nvPr>
+            <p:ph type="sldImg"/>
+          </p:nvPr>
+        </p:nvSpPr>
+        <p:spPr/>
+      </p:sp>
+      <p:sp>
+        <p:nvSpPr>
+          <p:cNvPr id="3" name="Espace réservé des notes 2"/>
+          <p:cNvSpPr>
+            <a:spLocks noGrp="1"/>
+          </p:cNvSpPr>
+          <p:nvPr>
+            <p:ph type="body" idx="1"/>
+          </p:nvPr>
+        </p:nvSpPr>
+        <p:spPr/>
+        <p:txBody>
+          <a:bodyPr/>
+          <a:lstStyle/>
+          <a:p>
+            <a:r>
+              <a:rPr lang="fr-CH" dirty="0"/>
+              <a:t>pour savoir laquelle est la meilleur façon de séparer les données, on calcule l’</a:t>
+            </a:r>
+            <a:r>
+              <a:rPr lang="fr-CH" dirty="0" err="1"/>
+              <a:t>homogenité</a:t>
+            </a:r>
+            <a:r>
+              <a:rPr lang="fr-CH" dirty="0"/>
+              <a:t> des deux nouveaux «sous groupes de données»</a:t>
+            </a:r>
+          </a:p>
+          <a:p>
+            <a:endParaRPr lang="fr-CH" dirty="0"/>
+          </a:p>
+          <a:p>
+            <a:r>
+              <a:rPr lang="fr-CH" dirty="0"/>
+              <a:t>Pour calculer cette </a:t>
+            </a:r>
+            <a:r>
+              <a:rPr lang="fr-CH" dirty="0" err="1"/>
+              <a:t>homogenité</a:t>
+            </a:r>
+            <a:r>
+              <a:rPr lang="fr-CH" dirty="0"/>
+              <a:t> on utilise justement l’entropie. -&gt;dans un ensemble, s il est déterministe, alors l’entropie est nulle </a:t>
+            </a:r>
+          </a:p>
+          <a:p>
+            <a:endParaRPr lang="fr-CH" dirty="0"/>
+          </a:p>
+          <a:p>
+            <a:r>
+              <a:rPr lang="fr-CH" dirty="0"/>
+              <a:t>À chaque étape on choisie la séparation qui nous donne une entropie le plus minimale possible, quand on a un ensemble avec entropie nulle, on partitionne plus l’ensemble en question</a:t>
+            </a:r>
+          </a:p>
+        </p:txBody>
+      </p:sp>
+      <p:sp>
+        <p:nvSpPr>
+          <p:cNvPr id="4" name="Espace réservé du numéro de diapositive 3"/>
+          <p:cNvSpPr>
+            <a:spLocks noGrp="1"/>
+          </p:cNvSpPr>
+          <p:nvPr>
+            <p:ph type="sldNum" sz="quarter" idx="5"/>
+          </p:nvPr>
+        </p:nvSpPr>
+        <p:spPr/>
+        <p:txBody>
+          <a:bodyPr/>
+          <a:lstStyle/>
+          <a:p>
+            <a:fld id="{FD6302D7-B1E1-4874-8725-B1250A89F460}" type="slidenum">
+              <a:rPr lang="fr-CH" smtClean="0"/>
+              <a:t>33</a:t>
+            </a:fld>
+            <a:endParaRPr lang="fr-CH"/>
+          </a:p>
+        </p:txBody>
+      </p:sp>
+    </p:spTree>
+    <p:extLst>
+      <p:ext uri="{BB962C8B-B14F-4D97-AF65-F5344CB8AC3E}">
+        <p14:creationId xmlns:p14="http://schemas.microsoft.com/office/powerpoint/2010/main" val="840099941"/>
+      </p:ext>
+    </p:extLst>
+  </p:cSld>
+  <p:clrMapOvr>
+    <a:masterClrMapping/>
+  </p:clrMapOvr>
+</p:notes>
+</file>
+
+<file path=ppt/notesSlides/notesSlide28.xml><?xml version="1.0" encoding="utf-8"?>
+<p:notes xmlns:a="http://schemas.openxmlformats.org/drawingml/2006/main" xmlns:r="http://schemas.openxmlformats.org/officeDocument/2006/relationships" xmlns:p="http://schemas.openxmlformats.org/presentationml/2006/main">
+  <p:cSld>
+    <p:spTree>
+      <p:nvGrpSpPr>
+        <p:cNvPr id="1" name=""/>
+        <p:cNvGrpSpPr/>
+        <p:nvPr/>
+      </p:nvGrpSpPr>
+      <p:grpSpPr>
+        <a:xfrm>
+          <a:off x="0" y="0"/>
+          <a:ext cx="0" cy="0"/>
+          <a:chOff x="0" y="0"/>
+          <a:chExt cx="0" cy="0"/>
+        </a:xfrm>
+      </p:grpSpPr>
+      <p:sp>
+        <p:nvSpPr>
+          <p:cNvPr id="2" name="Espace réservé de l'image des diapositives 1"/>
+          <p:cNvSpPr>
+            <a:spLocks noGrp="1" noRot="1" noChangeAspect="1"/>
+          </p:cNvSpPr>
+          <p:nvPr>
+            <p:ph type="sldImg"/>
+          </p:nvPr>
+        </p:nvSpPr>
+        <p:spPr/>
+      </p:sp>
+      <p:sp>
+        <p:nvSpPr>
+          <p:cNvPr id="3" name="Espace réservé des notes 2"/>
+          <p:cNvSpPr>
+            <a:spLocks noGrp="1"/>
+          </p:cNvSpPr>
+          <p:nvPr>
+            <p:ph type="body" idx="1"/>
+          </p:nvPr>
+        </p:nvSpPr>
+        <p:spPr/>
+        <p:txBody>
+          <a:bodyPr/>
+          <a:lstStyle/>
+          <a:p>
+            <a:r>
+              <a:rPr lang="fr-CH" dirty="0"/>
+              <a:t>on peut simuler l algo avec cet dessin</a:t>
+            </a:r>
+          </a:p>
+          <a:p>
+            <a:endParaRPr lang="fr-CH" dirty="0"/>
+          </a:p>
+          <a:p>
+            <a:r>
+              <a:rPr lang="fr-CH" dirty="0"/>
+              <a:t>On tente toutes les possibilités de partitionnement, on recalcule l’entropie de chaque ensemble de chaque partitionnement</a:t>
+            </a:r>
+          </a:p>
+          <a:p>
+            <a:r>
+              <a:rPr lang="fr-CH" dirty="0"/>
+              <a:t>	la partitionnement qui a le min d’entropie, c est celui qu’on choisi</a:t>
+            </a:r>
+          </a:p>
+          <a:p>
+            <a:endParaRPr lang="fr-CH" dirty="0"/>
+          </a:p>
+          <a:p>
+            <a:r>
+              <a:rPr lang="fr-CH" dirty="0"/>
+              <a:t>Appel récursif jusqu'à trouver entropie nulle partout</a:t>
+            </a:r>
+          </a:p>
+        </p:txBody>
+      </p:sp>
+      <p:sp>
+        <p:nvSpPr>
+          <p:cNvPr id="4" name="Espace réservé du numéro de diapositive 3"/>
+          <p:cNvSpPr>
+            <a:spLocks noGrp="1"/>
+          </p:cNvSpPr>
+          <p:nvPr>
+            <p:ph type="sldNum" sz="quarter" idx="5"/>
+          </p:nvPr>
+        </p:nvSpPr>
+        <p:spPr/>
+        <p:txBody>
+          <a:bodyPr/>
+          <a:lstStyle/>
+          <a:p>
+            <a:fld id="{FD6302D7-B1E1-4874-8725-B1250A89F460}" type="slidenum">
+              <a:rPr lang="fr-CH" smtClean="0"/>
+              <a:t>34</a:t>
+            </a:fld>
+            <a:endParaRPr lang="fr-CH"/>
+          </a:p>
+        </p:txBody>
+      </p:sp>
+    </p:spTree>
+    <p:extLst>
+      <p:ext uri="{BB962C8B-B14F-4D97-AF65-F5344CB8AC3E}">
+        <p14:creationId xmlns:p14="http://schemas.microsoft.com/office/powerpoint/2010/main" val="2881576979"/>
+      </p:ext>
+    </p:extLst>
+  </p:cSld>
+  <p:clrMapOvr>
+    <a:masterClrMapping/>
+  </p:clrMapOvr>
+</p:notes>
+</file>
+
+<file path=ppt/notesSlides/notesSlide29.xml><?xml version="1.0" encoding="utf-8"?>
+<p:notes xmlns:a="http://schemas.openxmlformats.org/drawingml/2006/main" xmlns:r="http://schemas.openxmlformats.org/officeDocument/2006/relationships" xmlns:p="http://schemas.openxmlformats.org/presentationml/2006/main">
+  <p:cSld>
+    <p:spTree>
+      <p:nvGrpSpPr>
+        <p:cNvPr id="1" name=""/>
+        <p:cNvGrpSpPr/>
+        <p:nvPr/>
+      </p:nvGrpSpPr>
+      <p:grpSpPr>
+        <a:xfrm>
+          <a:off x="0" y="0"/>
+          <a:ext cx="0" cy="0"/>
+          <a:chOff x="0" y="0"/>
+          <a:chExt cx="0" cy="0"/>
+        </a:xfrm>
+      </p:grpSpPr>
+      <p:sp>
+        <p:nvSpPr>
+          <p:cNvPr id="2" name="Espace réservé de l'image des diapositives 1"/>
+          <p:cNvSpPr>
+            <a:spLocks noGrp="1" noRot="1" noChangeAspect="1"/>
+          </p:cNvSpPr>
+          <p:nvPr>
+            <p:ph type="sldImg"/>
+          </p:nvPr>
+        </p:nvSpPr>
+        <p:spPr/>
+      </p:sp>
+      <p:sp>
+        <p:nvSpPr>
+          <p:cNvPr id="3" name="Espace réservé des notes 2"/>
+          <p:cNvSpPr>
+            <a:spLocks noGrp="1"/>
+          </p:cNvSpPr>
+          <p:nvPr>
+            <p:ph type="body" idx="1"/>
+          </p:nvPr>
+        </p:nvSpPr>
+        <p:spPr/>
+        <p:txBody>
+          <a:bodyPr/>
+          <a:lstStyle/>
+          <a:p>
+            <a:r>
+              <a:rPr lang="fr-CH" dirty="0"/>
+              <a:t>Ce qu’on peut faire pour le sur-apprentissage, c’est de créer tout de même l’arbre complexe, et regarder le gain à chaque partitionnement,</a:t>
+            </a:r>
+          </a:p>
+          <a:p>
+            <a:r>
+              <a:rPr lang="fr-CH" dirty="0"/>
+              <a:t>Dans notre exemple on voit qu’on augmente la complexité pour une seule donnée</a:t>
+            </a:r>
+          </a:p>
+        </p:txBody>
+      </p:sp>
+      <p:sp>
+        <p:nvSpPr>
+          <p:cNvPr id="4" name="Espace réservé du numéro de diapositive 3"/>
+          <p:cNvSpPr>
+            <a:spLocks noGrp="1"/>
+          </p:cNvSpPr>
+          <p:nvPr>
+            <p:ph type="sldNum" sz="quarter" idx="5"/>
+          </p:nvPr>
+        </p:nvSpPr>
+        <p:spPr/>
+        <p:txBody>
+          <a:bodyPr/>
+          <a:lstStyle/>
+          <a:p>
+            <a:fld id="{FD6302D7-B1E1-4874-8725-B1250A89F460}" type="slidenum">
+              <a:rPr lang="fr-CH" smtClean="0"/>
+              <a:t>35</a:t>
+            </a:fld>
+            <a:endParaRPr lang="fr-CH"/>
+          </a:p>
+        </p:txBody>
+      </p:sp>
+    </p:spTree>
+    <p:extLst>
+      <p:ext uri="{BB962C8B-B14F-4D97-AF65-F5344CB8AC3E}">
+        <p14:creationId xmlns:p14="http://schemas.microsoft.com/office/powerpoint/2010/main" val="619855660"/>
+      </p:ext>
+    </p:extLst>
+  </p:cSld>
+  <p:clrMapOvr>
+    <a:masterClrMapping/>
+  </p:clrMapOvr>
+</p:notes>
+</file>
+
 <file path=ppt/notesSlides/notesSlide3.xml><?xml version="1.0" encoding="utf-8"?>
 <p:notes xmlns:a="http://schemas.openxmlformats.org/drawingml/2006/main" xmlns:r="http://schemas.openxmlformats.org/officeDocument/2006/relationships" xmlns:p="http://schemas.openxmlformats.org/presentationml/2006/main">
   <p:cSld>
@@ -2402,6 +3368,325 @@
     <p:extLst>
       <p:ext uri="{BB962C8B-B14F-4D97-AF65-F5344CB8AC3E}">
         <p14:creationId xmlns:p14="http://schemas.microsoft.com/office/powerpoint/2010/main" val="2404386444"/>
+      </p:ext>
+    </p:extLst>
+  </p:cSld>
+  <p:clrMapOvr>
+    <a:masterClrMapping/>
+  </p:clrMapOvr>
+</p:notes>
+</file>
+
+<file path=ppt/notesSlides/notesSlide30.xml><?xml version="1.0" encoding="utf-8"?>
+<p:notes xmlns:a="http://schemas.openxmlformats.org/drawingml/2006/main" xmlns:r="http://schemas.openxmlformats.org/officeDocument/2006/relationships" xmlns:p="http://schemas.openxmlformats.org/presentationml/2006/main">
+  <p:cSld>
+    <p:spTree>
+      <p:nvGrpSpPr>
+        <p:cNvPr id="1" name=""/>
+        <p:cNvGrpSpPr/>
+        <p:nvPr/>
+      </p:nvGrpSpPr>
+      <p:grpSpPr>
+        <a:xfrm>
+          <a:off x="0" y="0"/>
+          <a:ext cx="0" cy="0"/>
+          <a:chOff x="0" y="0"/>
+          <a:chExt cx="0" cy="0"/>
+        </a:xfrm>
+      </p:grpSpPr>
+      <p:sp>
+        <p:nvSpPr>
+          <p:cNvPr id="2" name="Espace réservé de l'image des diapositives 1"/>
+          <p:cNvSpPr>
+            <a:spLocks noGrp="1" noRot="1" noChangeAspect="1"/>
+          </p:cNvSpPr>
+          <p:nvPr>
+            <p:ph type="sldImg"/>
+          </p:nvPr>
+        </p:nvSpPr>
+        <p:spPr/>
+      </p:sp>
+      <p:sp>
+        <p:nvSpPr>
+          <p:cNvPr id="3" name="Espace réservé des notes 2"/>
+          <p:cNvSpPr>
+            <a:spLocks noGrp="1"/>
+          </p:cNvSpPr>
+          <p:nvPr>
+            <p:ph type="body" idx="1"/>
+          </p:nvPr>
+        </p:nvSpPr>
+        <p:spPr/>
+        <p:txBody>
+          <a:bodyPr/>
+          <a:lstStyle/>
+          <a:p>
+            <a:r>
+              <a:rPr lang="fr-CH" dirty="0"/>
+              <a:t>Exemple de méthodes: (pour apprentissage supervisé)</a:t>
+            </a:r>
+          </a:p>
+          <a:p>
+            <a:pPr lvl="1"/>
+            <a:r>
+              <a:rPr lang="fr-CH" dirty="0"/>
+              <a:t>Régression</a:t>
+            </a:r>
+          </a:p>
+          <a:p>
+            <a:pPr lvl="1"/>
+            <a:r>
+              <a:rPr lang="fr-CH" dirty="0"/>
+              <a:t>Classification </a:t>
+            </a:r>
+          </a:p>
+          <a:p>
+            <a:endParaRPr lang="fr-CH" dirty="0"/>
+          </a:p>
+        </p:txBody>
+      </p:sp>
+      <p:sp>
+        <p:nvSpPr>
+          <p:cNvPr id="4" name="Espace réservé du numéro de diapositive 3"/>
+          <p:cNvSpPr>
+            <a:spLocks noGrp="1"/>
+          </p:cNvSpPr>
+          <p:nvPr>
+            <p:ph type="sldNum" sz="quarter" idx="5"/>
+          </p:nvPr>
+        </p:nvSpPr>
+        <p:spPr/>
+        <p:txBody>
+          <a:bodyPr/>
+          <a:lstStyle/>
+          <a:p>
+            <a:fld id="{FD6302D7-B1E1-4874-8725-B1250A89F460}" type="slidenum">
+              <a:rPr lang="fr-CH" smtClean="0"/>
+              <a:t>37</a:t>
+            </a:fld>
+            <a:endParaRPr lang="fr-CH"/>
+          </a:p>
+        </p:txBody>
+      </p:sp>
+    </p:spTree>
+    <p:extLst>
+      <p:ext uri="{BB962C8B-B14F-4D97-AF65-F5344CB8AC3E}">
+        <p14:creationId xmlns:p14="http://schemas.microsoft.com/office/powerpoint/2010/main" val="1239823026"/>
+      </p:ext>
+    </p:extLst>
+  </p:cSld>
+  <p:clrMapOvr>
+    <a:masterClrMapping/>
+  </p:clrMapOvr>
+</p:notes>
+</file>
+
+<file path=ppt/notesSlides/notesSlide31.xml><?xml version="1.0" encoding="utf-8"?>
+<p:notes xmlns:a="http://schemas.openxmlformats.org/drawingml/2006/main" xmlns:r="http://schemas.openxmlformats.org/officeDocument/2006/relationships" xmlns:p="http://schemas.openxmlformats.org/presentationml/2006/main">
+  <p:cSld>
+    <p:spTree>
+      <p:nvGrpSpPr>
+        <p:cNvPr id="1" name=""/>
+        <p:cNvGrpSpPr/>
+        <p:nvPr/>
+      </p:nvGrpSpPr>
+      <p:grpSpPr>
+        <a:xfrm>
+          <a:off x="0" y="0"/>
+          <a:ext cx="0" cy="0"/>
+          <a:chOff x="0" y="0"/>
+          <a:chExt cx="0" cy="0"/>
+        </a:xfrm>
+      </p:grpSpPr>
+      <p:sp>
+        <p:nvSpPr>
+          <p:cNvPr id="2" name="Espace réservé de l'image des diapositives 1"/>
+          <p:cNvSpPr>
+            <a:spLocks noGrp="1" noRot="1" noChangeAspect="1"/>
+          </p:cNvSpPr>
+          <p:nvPr>
+            <p:ph type="sldImg"/>
+          </p:nvPr>
+        </p:nvSpPr>
+        <p:spPr/>
+      </p:sp>
+      <p:sp>
+        <p:nvSpPr>
+          <p:cNvPr id="3" name="Espace réservé des notes 2"/>
+          <p:cNvSpPr>
+            <a:spLocks noGrp="1"/>
+          </p:cNvSpPr>
+          <p:nvPr>
+            <p:ph type="body" idx="1"/>
+          </p:nvPr>
+        </p:nvSpPr>
+        <p:spPr/>
+        <p:txBody>
+          <a:bodyPr/>
+          <a:lstStyle/>
+          <a:p>
+            <a:pPr marL="228600" indent="-228600">
+              <a:buAutoNum type="arabicParenBoth"/>
+            </a:pPr>
+            <a:r>
+              <a:rPr lang="fr-CH" dirty="0"/>
+              <a:t>l’ensemble de nos données -&gt; qui ont un label</a:t>
+            </a:r>
+          </a:p>
+          <a:p>
+            <a:pPr marL="228600" indent="-228600">
+              <a:buAutoNum type="arabicParenBoth"/>
+            </a:pPr>
+            <a:r>
+              <a:rPr lang="fr-CH" dirty="0"/>
+              <a:t>On prend un pourcentage des données, disons 80%, qu’on utilise pour entrainer, et le reste pour tester (</a:t>
+            </a:r>
+            <a:r>
+              <a:rPr lang="fr-CH" dirty="0" err="1"/>
+              <a:t>holdout</a:t>
+            </a:r>
+            <a:r>
+              <a:rPr lang="fr-CH" dirty="0"/>
+              <a:t>)</a:t>
+            </a:r>
+          </a:p>
+          <a:p>
+            <a:pPr marL="228600" indent="-228600">
+              <a:buAutoNum type="arabicParenBoth"/>
+            </a:pPr>
+            <a:r>
+              <a:rPr lang="fr-CH" dirty="0"/>
+              <a:t>On utilise la validation pour vérifier notre erreur d’entrainement</a:t>
+            </a:r>
+          </a:p>
+          <a:p>
+            <a:pPr marL="228600" indent="-228600">
+              <a:buAutoNum type="arabicParenBoth"/>
+            </a:pPr>
+            <a:r>
+              <a:rPr lang="fr-CH" dirty="0"/>
+              <a:t>Validation croisée permet de vérifier lesquels sont les meilleurs paramètres du modèle</a:t>
+            </a:r>
+          </a:p>
+        </p:txBody>
+      </p:sp>
+      <p:sp>
+        <p:nvSpPr>
+          <p:cNvPr id="4" name="Espace réservé du numéro de diapositive 3"/>
+          <p:cNvSpPr>
+            <a:spLocks noGrp="1"/>
+          </p:cNvSpPr>
+          <p:nvPr>
+            <p:ph type="sldNum" sz="quarter" idx="5"/>
+          </p:nvPr>
+        </p:nvSpPr>
+        <p:spPr/>
+        <p:txBody>
+          <a:bodyPr/>
+          <a:lstStyle/>
+          <a:p>
+            <a:fld id="{FD6302D7-B1E1-4874-8725-B1250A89F460}" type="slidenum">
+              <a:rPr lang="fr-CH" smtClean="0"/>
+              <a:t>38</a:t>
+            </a:fld>
+            <a:endParaRPr lang="fr-CH"/>
+          </a:p>
+        </p:txBody>
+      </p:sp>
+    </p:spTree>
+    <p:extLst>
+      <p:ext uri="{BB962C8B-B14F-4D97-AF65-F5344CB8AC3E}">
+        <p14:creationId xmlns:p14="http://schemas.microsoft.com/office/powerpoint/2010/main" val="2988224093"/>
+      </p:ext>
+    </p:extLst>
+  </p:cSld>
+  <p:clrMapOvr>
+    <a:masterClrMapping/>
+  </p:clrMapOvr>
+</p:notes>
+</file>
+
+<file path=ppt/notesSlides/notesSlide32.xml><?xml version="1.0" encoding="utf-8"?>
+<p:notes xmlns:a="http://schemas.openxmlformats.org/drawingml/2006/main" xmlns:r="http://schemas.openxmlformats.org/officeDocument/2006/relationships" xmlns:p="http://schemas.openxmlformats.org/presentationml/2006/main">
+  <p:cSld>
+    <p:spTree>
+      <p:nvGrpSpPr>
+        <p:cNvPr id="1" name=""/>
+        <p:cNvGrpSpPr/>
+        <p:nvPr/>
+      </p:nvGrpSpPr>
+      <p:grpSpPr>
+        <a:xfrm>
+          <a:off x="0" y="0"/>
+          <a:ext cx="0" cy="0"/>
+          <a:chOff x="0" y="0"/>
+          <a:chExt cx="0" cy="0"/>
+        </a:xfrm>
+      </p:grpSpPr>
+      <p:sp>
+        <p:nvSpPr>
+          <p:cNvPr id="2" name="Espace réservé de l'image des diapositives 1"/>
+          <p:cNvSpPr>
+            <a:spLocks noGrp="1" noRot="1" noChangeAspect="1"/>
+          </p:cNvSpPr>
+          <p:nvPr>
+            <p:ph type="sldImg"/>
+          </p:nvPr>
+        </p:nvSpPr>
+        <p:spPr/>
+      </p:sp>
+      <p:sp>
+        <p:nvSpPr>
+          <p:cNvPr id="3" name="Espace réservé des notes 2"/>
+          <p:cNvSpPr>
+            <a:spLocks noGrp="1"/>
+          </p:cNvSpPr>
+          <p:nvPr>
+            <p:ph type="body" idx="1"/>
+          </p:nvPr>
+        </p:nvSpPr>
+        <p:spPr/>
+        <p:txBody>
+          <a:bodyPr/>
+          <a:lstStyle/>
+          <a:p>
+            <a:pPr marL="0" indent="0">
+              <a:buNone/>
+            </a:pPr>
+            <a:r>
+              <a:rPr lang="fr-CH" dirty="0"/>
+              <a:t>On ne peut pas entrainer notre modèle avec toutes les photos de chats, ca serai trop compliqué et inutile</a:t>
+            </a:r>
+          </a:p>
+        </p:txBody>
+      </p:sp>
+      <p:sp>
+        <p:nvSpPr>
+          <p:cNvPr id="4" name="Espace réservé du numéro de diapositive 3"/>
+          <p:cNvSpPr>
+            <a:spLocks noGrp="1"/>
+          </p:cNvSpPr>
+          <p:nvPr>
+            <p:ph type="sldNum" sz="quarter" idx="5"/>
+          </p:nvPr>
+        </p:nvSpPr>
+        <p:spPr/>
+        <p:txBody>
+          <a:bodyPr/>
+          <a:lstStyle/>
+          <a:p>
+            <a:fld id="{FD6302D7-B1E1-4874-8725-B1250A89F460}" type="slidenum">
+              <a:rPr lang="fr-CH" smtClean="0"/>
+              <a:t>39</a:t>
+            </a:fld>
+            <a:endParaRPr lang="fr-CH"/>
+          </a:p>
+        </p:txBody>
+      </p:sp>
+    </p:spTree>
+    <p:extLst>
+      <p:ext uri="{BB962C8B-B14F-4D97-AF65-F5344CB8AC3E}">
+        <p14:creationId xmlns:p14="http://schemas.microsoft.com/office/powerpoint/2010/main" val="172984836"/>
       </p:ext>
     </p:extLst>
   </p:cSld>
@@ -3481,7 +4766,7 @@
           <a:p>
             <a:fld id="{46EFA6A2-3031-45FF-BDA0-75ECB34C33B1}" type="datetimeFigureOut">
               <a:rPr lang="en-GB" smtClean="0"/>
-              <a:t>08/02/2021</a:t>
+              <a:t>10/02/2021</a:t>
             </a:fld>
             <a:endParaRPr lang="en-GB"/>
           </a:p>
@@ -3681,7 +4966,7 @@
           <a:p>
             <a:fld id="{46EFA6A2-3031-45FF-BDA0-75ECB34C33B1}" type="datetimeFigureOut">
               <a:rPr lang="en-GB" smtClean="0"/>
-              <a:t>08/02/2021</a:t>
+              <a:t>10/02/2021</a:t>
             </a:fld>
             <a:endParaRPr lang="en-GB"/>
           </a:p>
@@ -3891,7 +5176,7 @@
           <a:p>
             <a:fld id="{46EFA6A2-3031-45FF-BDA0-75ECB34C33B1}" type="datetimeFigureOut">
               <a:rPr lang="en-GB" smtClean="0"/>
-              <a:t>08/02/2021</a:t>
+              <a:t>10/02/2021</a:t>
             </a:fld>
             <a:endParaRPr lang="en-GB"/>
           </a:p>
@@ -4091,7 +5376,7 @@
           <a:p>
             <a:fld id="{46EFA6A2-3031-45FF-BDA0-75ECB34C33B1}" type="datetimeFigureOut">
               <a:rPr lang="en-GB" smtClean="0"/>
-              <a:t>08/02/2021</a:t>
+              <a:t>10/02/2021</a:t>
             </a:fld>
             <a:endParaRPr lang="en-GB"/>
           </a:p>
@@ -4367,7 +5652,7 @@
           <a:p>
             <a:fld id="{46EFA6A2-3031-45FF-BDA0-75ECB34C33B1}" type="datetimeFigureOut">
               <a:rPr lang="en-GB" smtClean="0"/>
-              <a:t>08/02/2021</a:t>
+              <a:t>10/02/2021</a:t>
             </a:fld>
             <a:endParaRPr lang="en-GB"/>
           </a:p>
@@ -4635,7 +5920,7 @@
           <a:p>
             <a:fld id="{46EFA6A2-3031-45FF-BDA0-75ECB34C33B1}" type="datetimeFigureOut">
               <a:rPr lang="en-GB" smtClean="0"/>
-              <a:t>08/02/2021</a:t>
+              <a:t>10/02/2021</a:t>
             </a:fld>
             <a:endParaRPr lang="en-GB"/>
           </a:p>
@@ -5050,7 +6335,7 @@
           <a:p>
             <a:fld id="{46EFA6A2-3031-45FF-BDA0-75ECB34C33B1}" type="datetimeFigureOut">
               <a:rPr lang="en-GB" smtClean="0"/>
-              <a:t>08/02/2021</a:t>
+              <a:t>10/02/2021</a:t>
             </a:fld>
             <a:endParaRPr lang="en-GB"/>
           </a:p>
@@ -5192,7 +6477,7 @@
           <a:p>
             <a:fld id="{46EFA6A2-3031-45FF-BDA0-75ECB34C33B1}" type="datetimeFigureOut">
               <a:rPr lang="en-GB" smtClean="0"/>
-              <a:t>08/02/2021</a:t>
+              <a:t>10/02/2021</a:t>
             </a:fld>
             <a:endParaRPr lang="en-GB"/>
           </a:p>
@@ -5305,7 +6590,7 @@
           <a:p>
             <a:fld id="{46EFA6A2-3031-45FF-BDA0-75ECB34C33B1}" type="datetimeFigureOut">
               <a:rPr lang="en-GB" smtClean="0"/>
-              <a:t>08/02/2021</a:t>
+              <a:t>10/02/2021</a:t>
             </a:fld>
             <a:endParaRPr lang="en-GB"/>
           </a:p>
@@ -5618,7 +6903,7 @@
           <a:p>
             <a:fld id="{46EFA6A2-3031-45FF-BDA0-75ECB34C33B1}" type="datetimeFigureOut">
               <a:rPr lang="en-GB" smtClean="0"/>
-              <a:t>08/02/2021</a:t>
+              <a:t>10/02/2021</a:t>
             </a:fld>
             <a:endParaRPr lang="en-GB"/>
           </a:p>
@@ -5907,7 +7192,7 @@
           <a:p>
             <a:fld id="{46EFA6A2-3031-45FF-BDA0-75ECB34C33B1}" type="datetimeFigureOut">
               <a:rPr lang="en-GB" smtClean="0"/>
-              <a:t>08/02/2021</a:t>
+              <a:t>10/02/2021</a:t>
             </a:fld>
             <a:endParaRPr lang="en-GB"/>
           </a:p>
@@ -6150,7 +7435,7 @@
           <a:p>
             <a:fld id="{46EFA6A2-3031-45FF-BDA0-75ECB34C33B1}" type="datetimeFigureOut">
               <a:rPr lang="en-GB" smtClean="0"/>
-              <a:t>08/02/2021</a:t>
+              <a:t>10/02/2021</a:t>
             </a:fld>
             <a:endParaRPr lang="en-GB"/>
           </a:p>
@@ -10670,8 +11955,8 @@
           </a:p>
         </p:txBody>
       </p:sp>
-      <mc:AlternateContent xmlns:mc="http://schemas.openxmlformats.org/markup-compatibility/2006">
-        <mc:Choice xmlns:a14="http://schemas.microsoft.com/office/drawing/2010/main" Requires="a14">
+      <mc:AlternateContent xmlns:mc="http://schemas.openxmlformats.org/markup-compatibility/2006" xmlns:a14="http://schemas.microsoft.com/office/drawing/2010/main">
+        <mc:Choice Requires="a14">
           <p:sp>
             <p:nvSpPr>
               <p:cNvPr id="6" name="Espace réservé du contenu 6">
@@ -11016,7 +12301,7 @@
             </p:txBody>
           </p:sp>
         </mc:Choice>
-        <mc:Fallback>
+        <mc:Fallback xmlns="">
           <p:sp>
             <p:nvSpPr>
               <p:cNvPr id="6" name="Espace réservé du contenu 6">
@@ -11151,7 +12436,7 @@
             <a:r>
               <a:rPr lang="fr-FR" sz="1400" dirty="0">
                 <a:solidFill>
-                  <a:srgbClr val="FF0000"/>
+                  <a:schemeClr val="accent1"/>
                 </a:solidFill>
                 <a:effectLst/>
                 <a:latin typeface="Arial" panose="020B0604020202020204" pitchFamily="34" charset="0"/>
@@ -11777,8 +13062,8 @@
           </a:p>
         </p:txBody>
       </p:sp>
-      <mc:AlternateContent xmlns:mc="http://schemas.openxmlformats.org/markup-compatibility/2006">
-        <mc:Choice xmlns:a14="http://schemas.microsoft.com/office/drawing/2010/main" Requires="a14">
+      <mc:AlternateContent xmlns:mc="http://schemas.openxmlformats.org/markup-compatibility/2006" xmlns:a14="http://schemas.microsoft.com/office/drawing/2010/main">
+        <mc:Choice Requires="a14">
           <p:sp>
             <p:nvSpPr>
               <p:cNvPr id="6" name="Espace réservé du contenu 6">
@@ -12598,7 +13883,9 @@
                     <m:sSup>
                       <m:sSupPr>
                         <m:ctrlPr>
-                          <a:rPr lang="x-IV_mathan" i="1"/>
+                          <a:rPr lang="x-IV_mathan" i="1">
+                            <a:latin typeface="Cambria Math" panose="02040503050406030204" pitchFamily="18" charset="0"/>
+                          </a:rPr>
                         </m:ctrlPr>
                       </m:sSupPr>
                       <m:e>
@@ -12606,13 +13893,17 @@
                           <m:rPr>
                             <m:sty m:val="p"/>
                           </m:rPr>
-                          <a:rPr lang="x-IV_mathan"/>
+                          <a:rPr lang="x-IV_mathan">
+                            <a:latin typeface="Cambria Math" panose="02040503050406030204" pitchFamily="18" charset="0"/>
+                          </a:rPr>
                           <m:t>Γ</m:t>
                         </m:r>
                       </m:e>
                       <m:sup>
                         <m:r>
-                          <a:rPr lang="x-IV_mathan"/>
+                          <a:rPr lang="x-IV_mathan">
+                            <a:latin typeface="Cambria Math" panose="02040503050406030204" pitchFamily="18" charset="0"/>
+                          </a:rPr>
                           <m:t>−1</m:t>
                         </m:r>
                       </m:sup>
@@ -12688,7 +13979,7 @@
             </p:txBody>
           </p:sp>
         </mc:Choice>
-        <mc:Fallback>
+        <mc:Fallback xmlns="">
           <p:sp>
             <p:nvSpPr>
               <p:cNvPr id="6" name="Espace réservé du contenu 6">
@@ -13192,7 +14483,7 @@
           </a:bodyPr>
           <a:lstStyle/>
           <a:p>
-            <a:pPr marL="457200" lvl="1" indent="0">
+            <a:pPr marL="0" indent="0">
               <a:buNone/>
             </a:pPr>
             <a:r>
@@ -13201,7 +14492,7 @@
                   <a:srgbClr val="FF0000"/>
                 </a:solidFill>
               </a:rPr>
-              <a:t>s</a:t>
+              <a:t>Cours (9)_11_11_2020 -&gt; 29:28 exemple</a:t>
             </a:r>
           </a:p>
           <a:p>
@@ -13571,8 +14862,8 @@
           </a:p>
         </p:txBody>
       </p:sp>
-      <mc:AlternateContent xmlns:mc="http://schemas.openxmlformats.org/markup-compatibility/2006">
-        <mc:Choice xmlns:a14="http://schemas.microsoft.com/office/drawing/2010/main" Requires="a14">
+      <mc:AlternateContent xmlns:mc="http://schemas.openxmlformats.org/markup-compatibility/2006" xmlns:a14="http://schemas.microsoft.com/office/drawing/2010/main">
+        <mc:Choice Requires="a14">
           <p:sp>
             <p:nvSpPr>
               <p:cNvPr id="7" name="Espace réservé du contenu 6">
@@ -13711,7 +15002,9 @@
                         <m:sSup>
                           <m:sSupPr>
                             <m:ctrlPr>
-                              <a:rPr lang="x-IV_mathan" i="1"/>
+                              <a:rPr lang="x-IV_mathan" i="1">
+                                <a:latin typeface="Cambria Math" panose="02040503050406030204" pitchFamily="18" charset="0"/>
+                              </a:rPr>
                             </m:ctrlPr>
                           </m:sSupPr>
                           <m:e>
@@ -13773,7 +15066,7 @@
             </p:txBody>
           </p:sp>
         </mc:Choice>
-        <mc:Fallback>
+        <mc:Fallback xmlns="">
           <p:sp>
             <p:nvSpPr>
               <p:cNvPr id="7" name="Espace réservé du contenu 6">
@@ -13903,7 +15196,7 @@
             <a:r>
               <a:rPr lang="fr-FR" sz="1400" dirty="0">
                 <a:solidFill>
-                  <a:srgbClr val="FF0000"/>
+                  <a:schemeClr val="accent1"/>
                 </a:solidFill>
                 <a:effectLst/>
                 <a:latin typeface="Arial" panose="020B0604020202020204" pitchFamily="34" charset="0"/>
@@ -13915,34 +15208,9 @@
                 <a:effectLst/>
                 <a:latin typeface="Arial" panose="020B0604020202020204" pitchFamily="34" charset="0"/>
               </a:rPr>
-              <a:t>Réseaux Bayésiens: Que représentent les réseaux Bayésiens? Quel est leur principe? Quel est leur particularité en tant que Modèles de Graphes Probabilistes? Comment les utilise-t-on pour modéliser un phénomène ?Comment les utilise-t-on pour faire de l’inférence?</a:t>
+              <a:t>Réseaux Bayésiens: Que représentent les réseaux Bayésiens? Quel est leur principe? Quel est leur particularité en tant que Modèles de Graphes Probabilistes? Comment les utilise-t-on pour modéliser un phénomène ? Comment les utilise-t-on pour faire de l’inférence?</a:t>
             </a:r>
             <a:endParaRPr lang="en-GB" sz="1400" dirty="0"/>
-          </a:p>
-        </p:txBody>
-      </p:sp>
-      <p:sp>
-        <p:nvSpPr>
-          <p:cNvPr id="3" name="Espace réservé du contenu 2">
-            <a:extLst>
-              <a:ext uri="{FF2B5EF4-FFF2-40B4-BE49-F238E27FC236}">
-                <a16:creationId xmlns:a16="http://schemas.microsoft.com/office/drawing/2014/main" id="{55ECBF04-F52F-4B3F-9304-4E4A2E668DA9}"/>
-              </a:ext>
-            </a:extLst>
-          </p:cNvPr>
-          <p:cNvSpPr>
-            <a:spLocks noGrp="1"/>
-          </p:cNvSpPr>
-          <p:nvPr>
-            <p:ph idx="1"/>
-          </p:nvPr>
-        </p:nvSpPr>
-        <p:spPr/>
-        <p:txBody>
-          <a:bodyPr/>
-          <a:lstStyle/>
-          <a:p>
-            <a:endParaRPr lang="en-GB" dirty="0"/>
           </a:p>
         </p:txBody>
       </p:sp>
@@ -14006,6 +15274,80 @@
                 <a:schemeClr val="accent1"/>
               </a:solidFill>
             </a:endParaRPr>
+          </a:p>
+        </p:txBody>
+      </p:sp>
+      <p:sp>
+        <p:nvSpPr>
+          <p:cNvPr id="7" name="Espace réservé du contenu 6">
+            <a:extLst>
+              <a:ext uri="{FF2B5EF4-FFF2-40B4-BE49-F238E27FC236}">
+                <a16:creationId xmlns:a16="http://schemas.microsoft.com/office/drawing/2014/main" id="{945626FD-C747-44B2-A1B4-6EAE440843E2}"/>
+              </a:ext>
+            </a:extLst>
+          </p:cNvPr>
+          <p:cNvSpPr>
+            <a:spLocks noGrp="1"/>
+          </p:cNvSpPr>
+          <p:nvPr>
+            <p:ph idx="1"/>
+          </p:nvPr>
+        </p:nvSpPr>
+        <p:spPr>
+          <a:xfrm>
+            <a:off x="792480" y="1783080"/>
+            <a:ext cx="10607040" cy="4213117"/>
+          </a:xfrm>
+        </p:spPr>
+        <p:txBody>
+          <a:bodyPr>
+            <a:normAutofit/>
+          </a:bodyPr>
+          <a:lstStyle/>
+          <a:p>
+            <a:r>
+              <a:rPr lang="fr-CH" dirty="0">
+                <a:solidFill>
+                  <a:schemeClr val="tx1"/>
+                </a:solidFill>
+              </a:rPr>
+              <a:t>Un réseau bayésien est un PGM ayant une structure de graphe dirigé acyclique</a:t>
+            </a:r>
+          </a:p>
+          <a:p>
+            <a:r>
+              <a:rPr lang="fr-CH" dirty="0">
+                <a:solidFill>
+                  <a:schemeClr val="tx1"/>
+                </a:solidFill>
+              </a:rPr>
+              <a:t>On représente une connaissance à l’aide du réseau bayésien et on peut ensuite l’interroger</a:t>
+            </a:r>
+          </a:p>
+          <a:p>
+            <a:pPr lvl="1"/>
+            <a:r>
+              <a:rPr lang="fr-CH" dirty="0"/>
+              <a:t>Dans un réseau bayésien on considère la probabilité jointe de toutes les variables</a:t>
+            </a:r>
+          </a:p>
+          <a:p>
+            <a:pPr lvl="1"/>
+            <a:r>
+              <a:rPr lang="fr-CH" dirty="0"/>
+              <a:t>On développe selon le réseau – factorisation </a:t>
+            </a:r>
+          </a:p>
+          <a:p>
+            <a:pPr lvl="1"/>
+            <a:r>
+              <a:rPr lang="fr-CH" dirty="0"/>
+              <a:t>On utilise la règle de la somme pour éliminer les variables qui ne nous intéressent pas</a:t>
+            </a:r>
+          </a:p>
+          <a:p>
+            <a:pPr lvl="1"/>
+            <a:endParaRPr lang="fr-CH" dirty="0"/>
           </a:p>
         </p:txBody>
       </p:sp>
@@ -14044,7 +15386,7 @@
           <p:cNvPr id="2" name="Titre 1">
             <a:extLst>
               <a:ext uri="{FF2B5EF4-FFF2-40B4-BE49-F238E27FC236}">
-                <a16:creationId xmlns:a16="http://schemas.microsoft.com/office/drawing/2014/main" id="{21766C66-1FE8-40A6-86E7-67715FC56E02}"/>
+                <a16:creationId xmlns:a16="http://schemas.microsoft.com/office/drawing/2014/main" id="{1DE24D75-C6DE-4394-A51C-5EF310010BA5}"/>
               </a:ext>
             </a:extLst>
           </p:cNvPr>
@@ -14055,13 +15397,702 @@
             <p:ph type="title"/>
           </p:nvPr>
         </p:nvSpPr>
-        <p:spPr/>
+        <p:spPr>
+          <a:xfrm>
+            <a:off x="0" y="-316992"/>
+            <a:ext cx="746760" cy="1325563"/>
+          </a:xfrm>
+        </p:spPr>
+        <p:txBody>
+          <a:bodyPr/>
+          <a:lstStyle/>
+          <a:p>
+            <a:r>
+              <a:rPr lang="fr-CH" dirty="0">
+                <a:solidFill>
+                  <a:schemeClr val="accent1"/>
+                </a:solidFill>
+              </a:rPr>
+              <a:t>7.</a:t>
+            </a:r>
+            <a:endParaRPr lang="en-GB" dirty="0">
+              <a:solidFill>
+                <a:schemeClr val="accent1"/>
+              </a:solidFill>
+            </a:endParaRPr>
+          </a:p>
+        </p:txBody>
+      </p:sp>
+      <p:sp>
+        <p:nvSpPr>
+          <p:cNvPr id="4" name="ZoneTexte 3">
+            <a:extLst>
+              <a:ext uri="{FF2B5EF4-FFF2-40B4-BE49-F238E27FC236}">
+                <a16:creationId xmlns:a16="http://schemas.microsoft.com/office/drawing/2014/main" id="{B4A469F4-C262-4F6E-8D5D-858330AC98E0}"/>
+              </a:ext>
+            </a:extLst>
+          </p:cNvPr>
+          <p:cNvSpPr txBox="1"/>
+          <p:nvPr/>
+        </p:nvSpPr>
+        <p:spPr>
+          <a:xfrm>
+            <a:off x="746760" y="161123"/>
+            <a:ext cx="10515600" cy="369332"/>
+          </a:xfrm>
+          <a:prstGeom prst="rect">
+            <a:avLst/>
+          </a:prstGeom>
+          <a:noFill/>
+        </p:spPr>
+        <p:txBody>
+          <a:bodyPr wrap="square" rtlCol="0">
+            <a:spAutoFit/>
+          </a:bodyPr>
+          <a:lstStyle/>
+          <a:p>
+            <a:r>
+              <a:rPr lang="fr-FR" sz="1800" dirty="0">
+                <a:solidFill>
+                  <a:schemeClr val="accent1"/>
+                </a:solidFill>
+                <a:effectLst/>
+                <a:latin typeface="Arial" panose="020B0604020202020204" pitchFamily="34" charset="0"/>
+              </a:rPr>
+              <a:t>Comment les utilise-t-on pour modéliser un phénomène ?</a:t>
+            </a:r>
+            <a:endParaRPr lang="en-GB" dirty="0">
+              <a:solidFill>
+                <a:schemeClr val="accent1"/>
+              </a:solidFill>
+            </a:endParaRPr>
+          </a:p>
+        </p:txBody>
+      </p:sp>
+      <p:sp>
+        <p:nvSpPr>
+          <p:cNvPr id="7" name="Espace réservé du contenu 6">
+            <a:extLst>
+              <a:ext uri="{FF2B5EF4-FFF2-40B4-BE49-F238E27FC236}">
+                <a16:creationId xmlns:a16="http://schemas.microsoft.com/office/drawing/2014/main" id="{894DFD97-16B2-4B06-9AFA-71D193B86400}"/>
+              </a:ext>
+            </a:extLst>
+          </p:cNvPr>
+          <p:cNvSpPr>
+            <a:spLocks noGrp="1"/>
+          </p:cNvSpPr>
+          <p:nvPr>
+            <p:ph idx="1"/>
+          </p:nvPr>
+        </p:nvSpPr>
+        <p:spPr>
+          <a:xfrm>
+            <a:off x="759033" y="1008570"/>
+            <a:ext cx="10673934" cy="4887819"/>
+          </a:xfrm>
+        </p:spPr>
         <p:txBody>
           <a:bodyPr>
             <a:normAutofit/>
           </a:bodyPr>
           <a:lstStyle/>
           <a:p>
+            <a:r>
+              <a:rPr lang="fr-CH" dirty="0"/>
+              <a:t>Connaissance:</a:t>
+            </a:r>
+          </a:p>
+          <a:p>
+            <a:pPr marL="914400" lvl="1" indent="-457200">
+              <a:buFont typeface="+mj-lt"/>
+              <a:buAutoNum type="arabicPeriod"/>
+            </a:pPr>
+            <a:r>
+              <a:rPr lang="fr-CH" dirty="0"/>
+              <a:t>A affecte C</a:t>
+            </a:r>
+          </a:p>
+          <a:p>
+            <a:pPr marL="914400" lvl="1" indent="-457200">
+              <a:buFont typeface="+mj-lt"/>
+              <a:buAutoNum type="arabicPeriod"/>
+            </a:pPr>
+            <a:r>
+              <a:rPr lang="fr-CH" dirty="0"/>
+              <a:t>B affecte C </a:t>
+            </a:r>
+          </a:p>
+          <a:p>
+            <a:pPr marL="914400" lvl="1" indent="-457200">
+              <a:buFont typeface="+mj-lt"/>
+              <a:buAutoNum type="arabicPeriod"/>
+            </a:pPr>
+            <a:r>
+              <a:rPr lang="fr-CH" dirty="0"/>
+              <a:t>C affecte D </a:t>
+            </a:r>
+          </a:p>
+          <a:p>
+            <a:endParaRPr lang="fr-CH" dirty="0"/>
+          </a:p>
+          <a:p>
+            <a:r>
+              <a:rPr lang="fr-CH" dirty="0"/>
+              <a:t>On calcule la probabilité jointe:</a:t>
+            </a:r>
+          </a:p>
+          <a:p>
+            <a:pPr marL="457200" lvl="1" indent="0">
+              <a:buNone/>
+            </a:pPr>
+            <a:r>
+              <a:rPr lang="fr-CH" dirty="0"/>
+              <a:t>			P(A,B,C,D) = P(A)P(B)P(C|A,B)P(D|C)</a:t>
+            </a:r>
+          </a:p>
+          <a:p>
+            <a:r>
+              <a:rPr lang="fr-CH" dirty="0"/>
+              <a:t>Inférence possible:</a:t>
+            </a:r>
+          </a:p>
+          <a:p>
+            <a:pPr lvl="1"/>
+            <a:r>
+              <a:rPr lang="fr-CH" dirty="0"/>
+              <a:t>Quelle est la probabilité de D si A ?</a:t>
+            </a:r>
+          </a:p>
+          <a:p>
+            <a:pPr marL="457200" lvl="1" indent="0">
+              <a:buNone/>
+            </a:pPr>
+            <a:endParaRPr lang="fr-CH" dirty="0"/>
+          </a:p>
+          <a:p>
+            <a:pPr lvl="3"/>
+            <a:r>
+              <a:rPr lang="fr-CH" dirty="0"/>
+              <a:t>P(D=d | A=a) = P(d | a) =</a:t>
+            </a:r>
+          </a:p>
+          <a:p>
+            <a:pPr marL="0" indent="0">
+              <a:buNone/>
+            </a:pPr>
+            <a:endParaRPr lang="fr-CH" dirty="0"/>
+          </a:p>
+          <a:p>
+            <a:endParaRPr lang="fr-CH" dirty="0"/>
+          </a:p>
+        </p:txBody>
+      </p:sp>
+      <p:pic>
+        <p:nvPicPr>
+          <p:cNvPr id="5" name="Image 4">
+            <a:extLst>
+              <a:ext uri="{FF2B5EF4-FFF2-40B4-BE49-F238E27FC236}">
+                <a16:creationId xmlns:a16="http://schemas.microsoft.com/office/drawing/2014/main" id="{50DAD151-1803-4251-A44D-D02B97227AF1}"/>
+              </a:ext>
+            </a:extLst>
+          </p:cNvPr>
+          <p:cNvPicPr>
+            <a:picLocks noChangeAspect="1"/>
+          </p:cNvPicPr>
+          <p:nvPr/>
+        </p:nvPicPr>
+        <p:blipFill>
+          <a:blip r:embed="rId3"/>
+          <a:stretch>
+            <a:fillRect/>
+          </a:stretch>
+        </p:blipFill>
+        <p:spPr>
+          <a:xfrm>
+            <a:off x="8288734" y="345789"/>
+            <a:ext cx="3144233" cy="1532215"/>
+          </a:xfrm>
+          <a:prstGeom prst="rect">
+            <a:avLst/>
+          </a:prstGeom>
+        </p:spPr>
+      </p:pic>
+      <p:pic>
+        <p:nvPicPr>
+          <p:cNvPr id="8" name="Image 7">
+            <a:extLst>
+              <a:ext uri="{FF2B5EF4-FFF2-40B4-BE49-F238E27FC236}">
+                <a16:creationId xmlns:a16="http://schemas.microsoft.com/office/drawing/2014/main" id="{A98CD41D-EEE0-4CBD-B610-500FBC6ECB99}"/>
+              </a:ext>
+            </a:extLst>
+          </p:cNvPr>
+          <p:cNvPicPr>
+            <a:picLocks noChangeAspect="1"/>
+          </p:cNvPicPr>
+          <p:nvPr/>
+        </p:nvPicPr>
+        <p:blipFill>
+          <a:blip r:embed="rId4"/>
+          <a:stretch>
+            <a:fillRect/>
+          </a:stretch>
+        </p:blipFill>
+        <p:spPr>
+          <a:xfrm>
+            <a:off x="4774093" y="5203374"/>
+            <a:ext cx="3514641" cy="589412"/>
+          </a:xfrm>
+          <a:prstGeom prst="rect">
+            <a:avLst/>
+          </a:prstGeom>
+        </p:spPr>
+      </p:pic>
+    </p:spTree>
+    <p:extLst>
+      <p:ext uri="{BB962C8B-B14F-4D97-AF65-F5344CB8AC3E}">
+        <p14:creationId xmlns:p14="http://schemas.microsoft.com/office/powerpoint/2010/main" val="2236455851"/>
+      </p:ext>
+    </p:extLst>
+  </p:cSld>
+  <p:clrMapOvr>
+    <a:masterClrMapping/>
+  </p:clrMapOvr>
+</p:sld>
+</file>
+
+<file path=ppt/slides/slide29.xml><?xml version="1.0" encoding="utf-8"?>
+<p:sld xmlns:a="http://schemas.openxmlformats.org/drawingml/2006/main" xmlns:r="http://schemas.openxmlformats.org/officeDocument/2006/relationships" xmlns:p="http://schemas.openxmlformats.org/presentationml/2006/main">
+  <p:cSld>
+    <p:spTree>
+      <p:nvGrpSpPr>
+        <p:cNvPr id="1" name=""/>
+        <p:cNvGrpSpPr/>
+        <p:nvPr/>
+      </p:nvGrpSpPr>
+      <p:grpSpPr>
+        <a:xfrm>
+          <a:off x="0" y="0"/>
+          <a:ext cx="0" cy="0"/>
+          <a:chOff x="0" y="0"/>
+          <a:chExt cx="0" cy="0"/>
+        </a:xfrm>
+      </p:grpSpPr>
+      <p:sp>
+        <p:nvSpPr>
+          <p:cNvPr id="2" name="Titre 1">
+            <a:extLst>
+              <a:ext uri="{FF2B5EF4-FFF2-40B4-BE49-F238E27FC236}">
+                <a16:creationId xmlns:a16="http://schemas.microsoft.com/office/drawing/2014/main" id="{1DE24D75-C6DE-4394-A51C-5EF310010BA5}"/>
+              </a:ext>
+            </a:extLst>
+          </p:cNvPr>
+          <p:cNvSpPr>
+            <a:spLocks noGrp="1"/>
+          </p:cNvSpPr>
+          <p:nvPr>
+            <p:ph type="title"/>
+          </p:nvPr>
+        </p:nvSpPr>
+        <p:spPr>
+          <a:xfrm>
+            <a:off x="0" y="-316992"/>
+            <a:ext cx="746760" cy="1325563"/>
+          </a:xfrm>
+        </p:spPr>
+        <p:txBody>
+          <a:bodyPr/>
+          <a:lstStyle/>
+          <a:p>
+            <a:r>
+              <a:rPr lang="fr-CH" dirty="0">
+                <a:solidFill>
+                  <a:schemeClr val="accent1"/>
+                </a:solidFill>
+              </a:rPr>
+              <a:t>7.</a:t>
+            </a:r>
+            <a:endParaRPr lang="en-GB" dirty="0">
+              <a:solidFill>
+                <a:schemeClr val="accent1"/>
+              </a:solidFill>
+            </a:endParaRPr>
+          </a:p>
+        </p:txBody>
+      </p:sp>
+      <p:sp>
+        <p:nvSpPr>
+          <p:cNvPr id="4" name="ZoneTexte 3">
+            <a:extLst>
+              <a:ext uri="{FF2B5EF4-FFF2-40B4-BE49-F238E27FC236}">
+                <a16:creationId xmlns:a16="http://schemas.microsoft.com/office/drawing/2014/main" id="{B4A469F4-C262-4F6E-8D5D-858330AC98E0}"/>
+              </a:ext>
+            </a:extLst>
+          </p:cNvPr>
+          <p:cNvSpPr txBox="1"/>
+          <p:nvPr/>
+        </p:nvSpPr>
+        <p:spPr>
+          <a:xfrm>
+            <a:off x="746760" y="161123"/>
+            <a:ext cx="10515600" cy="369332"/>
+          </a:xfrm>
+          <a:prstGeom prst="rect">
+            <a:avLst/>
+          </a:prstGeom>
+          <a:noFill/>
+        </p:spPr>
+        <p:txBody>
+          <a:bodyPr wrap="square" rtlCol="0">
+            <a:spAutoFit/>
+          </a:bodyPr>
+          <a:lstStyle/>
+          <a:p>
+            <a:r>
+              <a:rPr lang="fr-FR" sz="1800" dirty="0">
+                <a:solidFill>
+                  <a:schemeClr val="accent1"/>
+                </a:solidFill>
+                <a:effectLst/>
+                <a:latin typeface="Arial" panose="020B0604020202020204" pitchFamily="34" charset="0"/>
+              </a:rPr>
+              <a:t>Comment les utilise-t-on pour faire de l’inférence?</a:t>
+            </a:r>
+            <a:endParaRPr lang="en-GB" dirty="0">
+              <a:solidFill>
+                <a:schemeClr val="accent1"/>
+              </a:solidFill>
+            </a:endParaRPr>
+          </a:p>
+        </p:txBody>
+      </p:sp>
+      <p:sp>
+        <p:nvSpPr>
+          <p:cNvPr id="7" name="Espace réservé du contenu 6">
+            <a:extLst>
+              <a:ext uri="{FF2B5EF4-FFF2-40B4-BE49-F238E27FC236}">
+                <a16:creationId xmlns:a16="http://schemas.microsoft.com/office/drawing/2014/main" id="{894DFD97-16B2-4B06-9AFA-71D193B86400}"/>
+              </a:ext>
+            </a:extLst>
+          </p:cNvPr>
+          <p:cNvSpPr>
+            <a:spLocks noGrp="1"/>
+          </p:cNvSpPr>
+          <p:nvPr>
+            <p:ph idx="1"/>
+          </p:nvPr>
+        </p:nvSpPr>
+        <p:spPr>
+          <a:xfrm>
+            <a:off x="759033" y="1008570"/>
+            <a:ext cx="10673934" cy="4887819"/>
+          </a:xfrm>
+        </p:spPr>
+        <p:txBody>
+          <a:bodyPr>
+            <a:normAutofit/>
+          </a:bodyPr>
+          <a:lstStyle/>
+          <a:p>
+            <a:pPr lvl="3"/>
+            <a:r>
+              <a:rPr lang="fr-CH" dirty="0"/>
+              <a:t>P(D=d | A=a) = P(d | a) =</a:t>
+            </a:r>
+          </a:p>
+          <a:p>
+            <a:pPr marL="0" indent="0">
+              <a:buNone/>
+            </a:pPr>
+            <a:endParaRPr lang="fr-CH" dirty="0"/>
+          </a:p>
+          <a:p>
+            <a:pPr marL="0" indent="0">
+              <a:buNone/>
+            </a:pPr>
+            <a:r>
+              <a:rPr lang="fr-CH" dirty="0"/>
+              <a:t>On marginalise:</a:t>
+            </a:r>
+          </a:p>
+          <a:p>
+            <a:pPr marL="0" indent="0">
+              <a:buNone/>
+            </a:pPr>
+            <a:r>
+              <a:rPr lang="fr-CH" dirty="0"/>
+              <a:t>		</a:t>
+            </a:r>
+          </a:p>
+          <a:p>
+            <a:pPr marL="0" indent="0">
+              <a:buNone/>
+            </a:pPr>
+            <a:r>
+              <a:rPr lang="fr-CH" dirty="0"/>
+              <a:t>On peut ensuite factoriser:</a:t>
+            </a:r>
+          </a:p>
+          <a:p>
+            <a:pPr marL="0" indent="0">
+              <a:buNone/>
+            </a:pPr>
+            <a:endParaRPr lang="fr-CH" dirty="0"/>
+          </a:p>
+          <a:p>
+            <a:pPr marL="0" indent="0">
+              <a:buNone/>
+            </a:pPr>
+            <a:endParaRPr lang="fr-CH" dirty="0"/>
+          </a:p>
+          <a:p>
+            <a:pPr marL="0" indent="0">
+              <a:buNone/>
+            </a:pPr>
+            <a:r>
+              <a:rPr lang="fr-CH" dirty="0"/>
+              <a:t>On a finalement notre inférence:</a:t>
+            </a:r>
+          </a:p>
+          <a:p>
+            <a:pPr marL="0" indent="0">
+              <a:buNone/>
+            </a:pPr>
+            <a:r>
+              <a:rPr lang="fr-CH" dirty="0"/>
+              <a:t>			</a:t>
+            </a:r>
+          </a:p>
+          <a:p>
+            <a:pPr marL="0" indent="0">
+              <a:buNone/>
+            </a:pPr>
+            <a:endParaRPr lang="fr-CH" dirty="0"/>
+          </a:p>
+          <a:p>
+            <a:endParaRPr lang="fr-CH" dirty="0"/>
+          </a:p>
+        </p:txBody>
+      </p:sp>
+      <p:pic>
+        <p:nvPicPr>
+          <p:cNvPr id="5" name="Image 4">
+            <a:extLst>
+              <a:ext uri="{FF2B5EF4-FFF2-40B4-BE49-F238E27FC236}">
+                <a16:creationId xmlns:a16="http://schemas.microsoft.com/office/drawing/2014/main" id="{50DAD151-1803-4251-A44D-D02B97227AF1}"/>
+              </a:ext>
+            </a:extLst>
+          </p:cNvPr>
+          <p:cNvPicPr>
+            <a:picLocks noChangeAspect="1"/>
+          </p:cNvPicPr>
+          <p:nvPr/>
+        </p:nvPicPr>
+        <p:blipFill>
+          <a:blip r:embed="rId3"/>
+          <a:stretch>
+            <a:fillRect/>
+          </a:stretch>
+        </p:blipFill>
+        <p:spPr>
+          <a:xfrm>
+            <a:off x="8288734" y="345789"/>
+            <a:ext cx="3144233" cy="1532215"/>
+          </a:xfrm>
+          <a:prstGeom prst="rect">
+            <a:avLst/>
+          </a:prstGeom>
+        </p:spPr>
+      </p:pic>
+      <p:pic>
+        <p:nvPicPr>
+          <p:cNvPr id="8" name="Image 7">
+            <a:extLst>
+              <a:ext uri="{FF2B5EF4-FFF2-40B4-BE49-F238E27FC236}">
+                <a16:creationId xmlns:a16="http://schemas.microsoft.com/office/drawing/2014/main" id="{A98CD41D-EEE0-4CBD-B610-500FBC6ECB99}"/>
+              </a:ext>
+            </a:extLst>
+          </p:cNvPr>
+          <p:cNvPicPr>
+            <a:picLocks noChangeAspect="1"/>
+          </p:cNvPicPr>
+          <p:nvPr/>
+        </p:nvPicPr>
+        <p:blipFill>
+          <a:blip r:embed="rId4"/>
+          <a:stretch>
+            <a:fillRect/>
+          </a:stretch>
+        </p:blipFill>
+        <p:spPr>
+          <a:xfrm>
+            <a:off x="4774093" y="898530"/>
+            <a:ext cx="3514641" cy="589412"/>
+          </a:xfrm>
+          <a:prstGeom prst="rect">
+            <a:avLst/>
+          </a:prstGeom>
+        </p:spPr>
+      </p:pic>
+      <p:pic>
+        <p:nvPicPr>
+          <p:cNvPr id="10" name="Image 9">
+            <a:extLst>
+              <a:ext uri="{FF2B5EF4-FFF2-40B4-BE49-F238E27FC236}">
+                <a16:creationId xmlns:a16="http://schemas.microsoft.com/office/drawing/2014/main" id="{8C06B342-95F6-4A03-98DA-F48F15329763}"/>
+              </a:ext>
+            </a:extLst>
+          </p:cNvPr>
+          <p:cNvPicPr>
+            <a:picLocks noChangeAspect="1"/>
+          </p:cNvPicPr>
+          <p:nvPr/>
+        </p:nvPicPr>
+        <p:blipFill>
+          <a:blip r:embed="rId5"/>
+          <a:stretch>
+            <a:fillRect/>
+          </a:stretch>
+        </p:blipFill>
+        <p:spPr>
+          <a:xfrm>
+            <a:off x="3759930" y="2356119"/>
+            <a:ext cx="4672139" cy="620142"/>
+          </a:xfrm>
+          <a:prstGeom prst="rect">
+            <a:avLst/>
+          </a:prstGeom>
+        </p:spPr>
+      </p:pic>
+      <p:pic>
+        <p:nvPicPr>
+          <p:cNvPr id="14" name="Image 13">
+            <a:extLst>
+              <a:ext uri="{FF2B5EF4-FFF2-40B4-BE49-F238E27FC236}">
+                <a16:creationId xmlns:a16="http://schemas.microsoft.com/office/drawing/2014/main" id="{27DE79FE-BA33-41AC-AFD6-A944FE57B1FF}"/>
+              </a:ext>
+            </a:extLst>
+          </p:cNvPr>
+          <p:cNvPicPr>
+            <a:picLocks noChangeAspect="1"/>
+          </p:cNvPicPr>
+          <p:nvPr/>
+        </p:nvPicPr>
+        <p:blipFill>
+          <a:blip r:embed="rId6"/>
+          <a:stretch>
+            <a:fillRect/>
+          </a:stretch>
+        </p:blipFill>
+        <p:spPr>
+          <a:xfrm>
+            <a:off x="3759929" y="3452479"/>
+            <a:ext cx="4672139" cy="685168"/>
+          </a:xfrm>
+          <a:prstGeom prst="rect">
+            <a:avLst/>
+          </a:prstGeom>
+        </p:spPr>
+      </p:pic>
+      <p:pic>
+        <p:nvPicPr>
+          <p:cNvPr id="18" name="Image 17">
+            <a:extLst>
+              <a:ext uri="{FF2B5EF4-FFF2-40B4-BE49-F238E27FC236}">
+                <a16:creationId xmlns:a16="http://schemas.microsoft.com/office/drawing/2014/main" id="{0C7C75EF-DAB3-4B8F-AC71-851DEA5CD566}"/>
+              </a:ext>
+            </a:extLst>
+          </p:cNvPr>
+          <p:cNvPicPr>
+            <a:picLocks noChangeAspect="1"/>
+          </p:cNvPicPr>
+          <p:nvPr/>
+        </p:nvPicPr>
+        <p:blipFill>
+          <a:blip r:embed="rId7"/>
+          <a:stretch>
+            <a:fillRect/>
+          </a:stretch>
+        </p:blipFill>
+        <p:spPr>
+          <a:xfrm>
+            <a:off x="2775585" y="5063454"/>
+            <a:ext cx="6457950" cy="942975"/>
+          </a:xfrm>
+          <a:prstGeom prst="rect">
+            <a:avLst/>
+          </a:prstGeom>
+        </p:spPr>
+      </p:pic>
+    </p:spTree>
+    <p:extLst>
+      <p:ext uri="{BB962C8B-B14F-4D97-AF65-F5344CB8AC3E}">
+        <p14:creationId xmlns:p14="http://schemas.microsoft.com/office/powerpoint/2010/main" val="3233252818"/>
+      </p:ext>
+    </p:extLst>
+  </p:cSld>
+  <p:clrMapOvr>
+    <a:masterClrMapping/>
+  </p:clrMapOvr>
+</p:sld>
+</file>
+
+<file path=ppt/slides/slide3.xml><?xml version="1.0" encoding="utf-8"?>
+<p:sld xmlns:a="http://schemas.openxmlformats.org/drawingml/2006/main" xmlns:r="http://schemas.openxmlformats.org/officeDocument/2006/relationships" xmlns:p="http://schemas.openxmlformats.org/presentationml/2006/main">
+  <p:cSld>
+    <p:spTree>
+      <p:nvGrpSpPr>
+        <p:cNvPr id="1" name=""/>
+        <p:cNvGrpSpPr/>
+        <p:nvPr/>
+      </p:nvGrpSpPr>
+      <p:grpSpPr>
+        <a:xfrm>
+          <a:off x="0" y="0"/>
+          <a:ext cx="0" cy="0"/>
+          <a:chOff x="0" y="0"/>
+          <a:chExt cx="0" cy="0"/>
+        </a:xfrm>
+      </p:grpSpPr>
+      <p:sp>
+        <p:nvSpPr>
+          <p:cNvPr id="2" name="Titre 1">
+            <a:extLst>
+              <a:ext uri="{FF2B5EF4-FFF2-40B4-BE49-F238E27FC236}">
+                <a16:creationId xmlns:a16="http://schemas.microsoft.com/office/drawing/2014/main" id="{21766C66-1FE8-40A6-86E7-67715FC56E02}"/>
+              </a:ext>
+            </a:extLst>
+          </p:cNvPr>
+          <p:cNvSpPr>
+            <a:spLocks noGrp="1"/>
+          </p:cNvSpPr>
+          <p:nvPr>
+            <p:ph type="title"/>
+          </p:nvPr>
+        </p:nvSpPr>
+        <p:spPr/>
+        <p:txBody>
+          <a:bodyPr>
+            <a:normAutofit/>
+          </a:bodyPr>
+          <a:lstStyle/>
+          <a:p>
+            <a:r>
+              <a:rPr lang="fr-FR" sz="1400" dirty="0">
+                <a:solidFill>
+                  <a:schemeClr val="accent1"/>
+                </a:solidFill>
+                <a:effectLst/>
+                <a:latin typeface="Arial" panose="020B0604020202020204" pitchFamily="34" charset="0"/>
+              </a:rPr>
+              <a:t>2.</a:t>
+            </a:r>
+            <a:r>
+              <a:rPr lang="fr-FR" sz="1400" dirty="0">
+                <a:effectLst/>
+                <a:latin typeface="Arial" panose="020B0604020202020204" pitchFamily="34" charset="0"/>
+              </a:rPr>
+              <a:t>Méthodes de Recherche: </a:t>
+            </a:r>
             <a:r>
               <a:rPr lang="fr-FR" sz="1400" dirty="0">
                 <a:solidFill>
@@ -14070,14 +16101,14 @@
                 <a:effectLst/>
                 <a:latin typeface="Arial" panose="020B0604020202020204" pitchFamily="34" charset="0"/>
               </a:rPr>
-              <a:t>8.</a:t>
+              <a:t>Rappelez le principe des méthodes de recherche. </a:t>
             </a:r>
             <a:r>
               <a:rPr lang="fr-FR" sz="1400" dirty="0">
                 <a:effectLst/>
                 <a:latin typeface="Arial" panose="020B0604020202020204" pitchFamily="34" charset="0"/>
               </a:rPr>
-              <a:t>Arbres de Décision: Quel est le principe des arbres de décision? On pourra rappeler le principe de l’apprentissage supervisé. Comment est mesuré le gain d’information? Pourquoi peut-on utiliser l’entropie? Comment fonctionne l’algorithme ID3? Qu’est-ce que le sur-apprentissage? Comment le mesurer/détecter ?Comment l’éviter ou le contrer? On pourra mentionner l’évaluation des méthodes d’apprentissage.</a:t>
+              <a:t>Qu’est que la profondeur limitée et en quoi est-ce utile? Comment est définie une heuristique et quelles sont ses propriétés? A quoi sert une heuristique? Expliquez en particulier l’algorithme A* et ses propriétés. Citez des exemples d’application.</a:t>
             </a:r>
             <a:endParaRPr lang="en-GB" sz="1400" dirty="0"/>
           </a:p>
@@ -14104,10 +16135,565 @@
           <a:bodyPr/>
           <a:lstStyle/>
           <a:p>
-            <a:endParaRPr lang="en-GB" dirty="0"/>
-          </a:p>
-        </p:txBody>
-      </p:sp>
+            <a:r>
+              <a:rPr lang="en-GB" dirty="0"/>
+              <a:t>s</a:t>
+            </a:r>
+          </a:p>
+        </p:txBody>
+      </p:sp>
+      <p:sp>
+        <p:nvSpPr>
+          <p:cNvPr id="4" name="Titre 1">
+            <a:extLst>
+              <a:ext uri="{FF2B5EF4-FFF2-40B4-BE49-F238E27FC236}">
+                <a16:creationId xmlns:a16="http://schemas.microsoft.com/office/drawing/2014/main" id="{6F572188-8E9D-461A-9C34-8205FF08D029}"/>
+              </a:ext>
+            </a:extLst>
+          </p:cNvPr>
+          <p:cNvSpPr txBox="1">
+            <a:spLocks/>
+          </p:cNvSpPr>
+          <p:nvPr/>
+        </p:nvSpPr>
+        <p:spPr>
+          <a:xfrm>
+            <a:off x="0" y="-316992"/>
+            <a:ext cx="746760" cy="1325563"/>
+          </a:xfrm>
+          <a:prstGeom prst="rect">
+            <a:avLst/>
+          </a:prstGeom>
+        </p:spPr>
+        <p:txBody>
+          <a:bodyPr vert="horz" lIns="91440" tIns="45720" rIns="91440" bIns="45720" rtlCol="0" anchor="ctr">
+            <a:normAutofit/>
+          </a:bodyPr>
+          <a:lstStyle>
+            <a:lvl1pPr algn="l" defTabSz="914400" rtl="0" eaLnBrk="1" latinLnBrk="0" hangingPunct="1">
+              <a:lnSpc>
+                <a:spcPct val="90000"/>
+              </a:lnSpc>
+              <a:spcBef>
+                <a:spcPct val="0"/>
+              </a:spcBef>
+              <a:buNone/>
+              <a:defRPr sz="4400" kern="1200">
+                <a:solidFill>
+                  <a:schemeClr val="tx1"/>
+                </a:solidFill>
+                <a:latin typeface="+mj-lt"/>
+                <a:ea typeface="+mj-ea"/>
+                <a:cs typeface="+mj-cs"/>
+              </a:defRPr>
+            </a:lvl1pPr>
+          </a:lstStyle>
+          <a:p>
+            <a:r>
+              <a:rPr lang="fr-CH" dirty="0">
+                <a:solidFill>
+                  <a:schemeClr val="accent1"/>
+                </a:solidFill>
+              </a:rPr>
+              <a:t>2.</a:t>
+            </a:r>
+            <a:endParaRPr lang="en-GB" dirty="0">
+              <a:solidFill>
+                <a:schemeClr val="accent1"/>
+              </a:solidFill>
+            </a:endParaRPr>
+          </a:p>
+        </p:txBody>
+      </p:sp>
+    </p:spTree>
+    <p:extLst>
+      <p:ext uri="{BB962C8B-B14F-4D97-AF65-F5344CB8AC3E}">
+        <p14:creationId xmlns:p14="http://schemas.microsoft.com/office/powerpoint/2010/main" val="621144514"/>
+      </p:ext>
+    </p:extLst>
+  </p:cSld>
+  <p:clrMapOvr>
+    <a:masterClrMapping/>
+  </p:clrMapOvr>
+</p:sld>
+</file>
+
+<file path=ppt/slides/slide30.xml><?xml version="1.0" encoding="utf-8"?>
+<p:sld xmlns:a="http://schemas.openxmlformats.org/drawingml/2006/main" xmlns:r="http://schemas.openxmlformats.org/officeDocument/2006/relationships" xmlns:p="http://schemas.openxmlformats.org/presentationml/2006/main">
+  <p:cSld>
+    <p:spTree>
+      <p:nvGrpSpPr>
+        <p:cNvPr id="1" name=""/>
+        <p:cNvGrpSpPr/>
+        <p:nvPr/>
+      </p:nvGrpSpPr>
+      <p:grpSpPr>
+        <a:xfrm>
+          <a:off x="0" y="0"/>
+          <a:ext cx="0" cy="0"/>
+          <a:chOff x="0" y="0"/>
+          <a:chExt cx="0" cy="0"/>
+        </a:xfrm>
+      </p:grpSpPr>
+      <p:sp>
+        <p:nvSpPr>
+          <p:cNvPr id="2" name="Titre 1">
+            <a:extLst>
+              <a:ext uri="{FF2B5EF4-FFF2-40B4-BE49-F238E27FC236}">
+                <a16:creationId xmlns:a16="http://schemas.microsoft.com/office/drawing/2014/main" id="{1DE24D75-C6DE-4394-A51C-5EF310010BA5}"/>
+              </a:ext>
+            </a:extLst>
+          </p:cNvPr>
+          <p:cNvSpPr>
+            <a:spLocks noGrp="1"/>
+          </p:cNvSpPr>
+          <p:nvPr>
+            <p:ph type="title"/>
+          </p:nvPr>
+        </p:nvSpPr>
+        <p:spPr>
+          <a:xfrm>
+            <a:off x="0" y="-316992"/>
+            <a:ext cx="746760" cy="1325563"/>
+          </a:xfrm>
+        </p:spPr>
+        <p:txBody>
+          <a:bodyPr/>
+          <a:lstStyle/>
+          <a:p>
+            <a:r>
+              <a:rPr lang="fr-CH" dirty="0">
+                <a:solidFill>
+                  <a:schemeClr val="accent1"/>
+                </a:solidFill>
+              </a:rPr>
+              <a:t>7.</a:t>
+            </a:r>
+            <a:endParaRPr lang="en-GB" dirty="0">
+              <a:solidFill>
+                <a:schemeClr val="accent1"/>
+              </a:solidFill>
+            </a:endParaRPr>
+          </a:p>
+        </p:txBody>
+      </p:sp>
+      <p:sp>
+        <p:nvSpPr>
+          <p:cNvPr id="4" name="ZoneTexte 3">
+            <a:extLst>
+              <a:ext uri="{FF2B5EF4-FFF2-40B4-BE49-F238E27FC236}">
+                <a16:creationId xmlns:a16="http://schemas.microsoft.com/office/drawing/2014/main" id="{B4A469F4-C262-4F6E-8D5D-858330AC98E0}"/>
+              </a:ext>
+            </a:extLst>
+          </p:cNvPr>
+          <p:cNvSpPr txBox="1"/>
+          <p:nvPr/>
+        </p:nvSpPr>
+        <p:spPr>
+          <a:xfrm>
+            <a:off x="746760" y="161123"/>
+            <a:ext cx="10515600" cy="369332"/>
+          </a:xfrm>
+          <a:prstGeom prst="rect">
+            <a:avLst/>
+          </a:prstGeom>
+          <a:noFill/>
+        </p:spPr>
+        <p:txBody>
+          <a:bodyPr wrap="square" rtlCol="0">
+            <a:spAutoFit/>
+          </a:bodyPr>
+          <a:lstStyle/>
+          <a:p>
+            <a:r>
+              <a:rPr lang="fr-FR" sz="1800" dirty="0">
+                <a:solidFill>
+                  <a:schemeClr val="accent1"/>
+                </a:solidFill>
+                <a:effectLst/>
+                <a:latin typeface="Arial" panose="020B0604020202020204" pitchFamily="34" charset="0"/>
+              </a:rPr>
+              <a:t>Comment les utilise-t-on pour faire de l’inférence?</a:t>
+            </a:r>
+            <a:endParaRPr lang="en-GB" dirty="0">
+              <a:solidFill>
+                <a:schemeClr val="accent1"/>
+              </a:solidFill>
+            </a:endParaRPr>
+          </a:p>
+        </p:txBody>
+      </p:sp>
+      <p:sp>
+        <p:nvSpPr>
+          <p:cNvPr id="7" name="Espace réservé du contenu 6">
+            <a:extLst>
+              <a:ext uri="{FF2B5EF4-FFF2-40B4-BE49-F238E27FC236}">
+                <a16:creationId xmlns:a16="http://schemas.microsoft.com/office/drawing/2014/main" id="{894DFD97-16B2-4B06-9AFA-71D193B86400}"/>
+              </a:ext>
+            </a:extLst>
+          </p:cNvPr>
+          <p:cNvSpPr>
+            <a:spLocks noGrp="1"/>
+          </p:cNvSpPr>
+          <p:nvPr>
+            <p:ph idx="1"/>
+          </p:nvPr>
+        </p:nvSpPr>
+        <p:spPr>
+          <a:xfrm>
+            <a:off x="759033" y="1008570"/>
+            <a:ext cx="10673934" cy="4887819"/>
+          </a:xfrm>
+        </p:spPr>
+        <p:txBody>
+          <a:bodyPr>
+            <a:normAutofit/>
+          </a:bodyPr>
+          <a:lstStyle/>
+          <a:p>
+            <a:pPr marL="0" indent="0">
+              <a:buNone/>
+            </a:pPr>
+            <a:endParaRPr lang="fr-CH" dirty="0"/>
+          </a:p>
+          <a:p>
+            <a:pPr marL="0" indent="0">
+              <a:buNone/>
+            </a:pPr>
+            <a:r>
+              <a:rPr lang="fr-CH" dirty="0"/>
+              <a:t>On utilise la méthode directe:			</a:t>
+            </a:r>
+          </a:p>
+          <a:p>
+            <a:pPr marL="0" indent="0">
+              <a:buNone/>
+            </a:pPr>
+            <a:endParaRPr lang="fr-CH" dirty="0"/>
+          </a:p>
+          <a:p>
+            <a:endParaRPr lang="fr-CH" dirty="0"/>
+          </a:p>
+        </p:txBody>
+      </p:sp>
+      <p:pic>
+        <p:nvPicPr>
+          <p:cNvPr id="5" name="Image 4">
+            <a:extLst>
+              <a:ext uri="{FF2B5EF4-FFF2-40B4-BE49-F238E27FC236}">
+                <a16:creationId xmlns:a16="http://schemas.microsoft.com/office/drawing/2014/main" id="{50DAD151-1803-4251-A44D-D02B97227AF1}"/>
+              </a:ext>
+            </a:extLst>
+          </p:cNvPr>
+          <p:cNvPicPr>
+            <a:picLocks noChangeAspect="1"/>
+          </p:cNvPicPr>
+          <p:nvPr/>
+        </p:nvPicPr>
+        <p:blipFill>
+          <a:blip r:embed="rId3"/>
+          <a:stretch>
+            <a:fillRect/>
+          </a:stretch>
+        </p:blipFill>
+        <p:spPr>
+          <a:xfrm>
+            <a:off x="9268443" y="431224"/>
+            <a:ext cx="2176797" cy="1060774"/>
+          </a:xfrm>
+          <a:prstGeom prst="rect">
+            <a:avLst/>
+          </a:prstGeom>
+        </p:spPr>
+      </p:pic>
+      <p:pic>
+        <p:nvPicPr>
+          <p:cNvPr id="18" name="Image 17">
+            <a:extLst>
+              <a:ext uri="{FF2B5EF4-FFF2-40B4-BE49-F238E27FC236}">
+                <a16:creationId xmlns:a16="http://schemas.microsoft.com/office/drawing/2014/main" id="{0C7C75EF-DAB3-4B8F-AC71-851DEA5CD566}"/>
+              </a:ext>
+            </a:extLst>
+          </p:cNvPr>
+          <p:cNvPicPr>
+            <a:picLocks noChangeAspect="1"/>
+          </p:cNvPicPr>
+          <p:nvPr/>
+        </p:nvPicPr>
+        <p:blipFill>
+          <a:blip r:embed="rId4"/>
+          <a:stretch>
+            <a:fillRect/>
+          </a:stretch>
+        </p:blipFill>
+        <p:spPr>
+          <a:xfrm>
+            <a:off x="3641432" y="634905"/>
+            <a:ext cx="4474879" cy="653412"/>
+          </a:xfrm>
+          <a:prstGeom prst="rect">
+            <a:avLst/>
+          </a:prstGeom>
+        </p:spPr>
+      </p:pic>
+      <p:pic>
+        <p:nvPicPr>
+          <p:cNvPr id="6" name="Image 5">
+            <a:extLst>
+              <a:ext uri="{FF2B5EF4-FFF2-40B4-BE49-F238E27FC236}">
+                <a16:creationId xmlns:a16="http://schemas.microsoft.com/office/drawing/2014/main" id="{A4F08F6E-A6B6-4841-8E15-EEA9BC549D0E}"/>
+              </a:ext>
+            </a:extLst>
+          </p:cNvPr>
+          <p:cNvPicPr>
+            <a:picLocks noChangeAspect="1"/>
+          </p:cNvPicPr>
+          <p:nvPr/>
+        </p:nvPicPr>
+        <p:blipFill>
+          <a:blip r:embed="rId5"/>
+          <a:stretch>
+            <a:fillRect/>
+          </a:stretch>
+        </p:blipFill>
+        <p:spPr>
+          <a:xfrm>
+            <a:off x="3641432" y="1865663"/>
+            <a:ext cx="5473517" cy="4048122"/>
+          </a:xfrm>
+          <a:prstGeom prst="rect">
+            <a:avLst/>
+          </a:prstGeom>
+        </p:spPr>
+      </p:pic>
+    </p:spTree>
+    <p:extLst>
+      <p:ext uri="{BB962C8B-B14F-4D97-AF65-F5344CB8AC3E}">
+        <p14:creationId xmlns:p14="http://schemas.microsoft.com/office/powerpoint/2010/main" val="3305566196"/>
+      </p:ext>
+    </p:extLst>
+  </p:cSld>
+  <p:clrMapOvr>
+    <a:masterClrMapping/>
+  </p:clrMapOvr>
+</p:sld>
+</file>
+
+<file path=ppt/slides/slide31.xml><?xml version="1.0" encoding="utf-8"?>
+<p:sld xmlns:a="http://schemas.openxmlformats.org/drawingml/2006/main" xmlns:r="http://schemas.openxmlformats.org/officeDocument/2006/relationships" xmlns:p="http://schemas.openxmlformats.org/presentationml/2006/main">
+  <p:cSld>
+    <p:spTree>
+      <p:nvGrpSpPr>
+        <p:cNvPr id="1" name=""/>
+        <p:cNvGrpSpPr/>
+        <p:nvPr/>
+      </p:nvGrpSpPr>
+      <p:grpSpPr>
+        <a:xfrm>
+          <a:off x="0" y="0"/>
+          <a:ext cx="0" cy="0"/>
+          <a:chOff x="0" y="0"/>
+          <a:chExt cx="0" cy="0"/>
+        </a:xfrm>
+      </p:grpSpPr>
+      <p:sp>
+        <p:nvSpPr>
+          <p:cNvPr id="2" name="Titre 1">
+            <a:extLst>
+              <a:ext uri="{FF2B5EF4-FFF2-40B4-BE49-F238E27FC236}">
+                <a16:creationId xmlns:a16="http://schemas.microsoft.com/office/drawing/2014/main" id="{21766C66-1FE8-40A6-86E7-67715FC56E02}"/>
+              </a:ext>
+            </a:extLst>
+          </p:cNvPr>
+          <p:cNvSpPr>
+            <a:spLocks noGrp="1"/>
+          </p:cNvSpPr>
+          <p:nvPr>
+            <p:ph type="title"/>
+          </p:nvPr>
+        </p:nvSpPr>
+        <p:spPr/>
+        <p:txBody>
+          <a:bodyPr>
+            <a:normAutofit/>
+          </a:bodyPr>
+          <a:lstStyle/>
+          <a:p>
+            <a:r>
+              <a:rPr lang="fr-FR" sz="1400" dirty="0">
+                <a:solidFill>
+                  <a:schemeClr val="accent1"/>
+                </a:solidFill>
+                <a:effectLst/>
+                <a:latin typeface="Arial" panose="020B0604020202020204" pitchFamily="34" charset="0"/>
+              </a:rPr>
+              <a:t>8.</a:t>
+            </a:r>
+            <a:r>
+              <a:rPr lang="fr-FR" sz="1400" dirty="0">
+                <a:effectLst/>
+                <a:latin typeface="Arial" panose="020B0604020202020204" pitchFamily="34" charset="0"/>
+              </a:rPr>
+              <a:t>Arbres de Décision: Quel est le principe des arbres de décision? On pourra rappeler le principe de l’apprentissage supervisé. Comment est mesuré le gain d’information? Pourquoi peut-on utiliser l’entropie? Comment fonctionne l’algorithme ID3? Qu’est-ce que le sur-apprentissage? Comment le mesurer/détecter ? Comment l’éviter ou le contrer? </a:t>
+            </a:r>
+            <a:r>
+              <a:rPr lang="fr-FR" sz="1400" dirty="0">
+                <a:solidFill>
+                  <a:srgbClr val="FF0000"/>
+                </a:solidFill>
+                <a:effectLst/>
+                <a:latin typeface="Arial" panose="020B0604020202020204" pitchFamily="34" charset="0"/>
+              </a:rPr>
+              <a:t>On pourra mentionner l’évaluation des méthodes d’apprentissage.</a:t>
+            </a:r>
+            <a:endParaRPr lang="en-GB" sz="1400" dirty="0">
+              <a:solidFill>
+                <a:srgbClr val="FF0000"/>
+              </a:solidFill>
+            </a:endParaRPr>
+          </a:p>
+        </p:txBody>
+      </p:sp>
+      <p:sp>
+        <p:nvSpPr>
+          <p:cNvPr id="8" name="Titre 1">
+            <a:extLst>
+              <a:ext uri="{FF2B5EF4-FFF2-40B4-BE49-F238E27FC236}">
+                <a16:creationId xmlns:a16="http://schemas.microsoft.com/office/drawing/2014/main" id="{C9D3349B-5895-405C-BA70-416C9F78C759}"/>
+              </a:ext>
+            </a:extLst>
+          </p:cNvPr>
+          <p:cNvSpPr txBox="1">
+            <a:spLocks/>
+          </p:cNvSpPr>
+          <p:nvPr/>
+        </p:nvSpPr>
+        <p:spPr>
+          <a:xfrm>
+            <a:off x="0" y="-316992"/>
+            <a:ext cx="746760" cy="1325563"/>
+          </a:xfrm>
+          <a:prstGeom prst="rect">
+            <a:avLst/>
+          </a:prstGeom>
+        </p:spPr>
+        <p:txBody>
+          <a:bodyPr vert="horz" lIns="91440" tIns="45720" rIns="91440" bIns="45720" rtlCol="0" anchor="ctr">
+            <a:normAutofit/>
+          </a:bodyPr>
+          <a:lstStyle>
+            <a:lvl1pPr algn="l" defTabSz="914400" rtl="0" eaLnBrk="1" latinLnBrk="0" hangingPunct="1">
+              <a:lnSpc>
+                <a:spcPct val="90000"/>
+              </a:lnSpc>
+              <a:spcBef>
+                <a:spcPct val="0"/>
+              </a:spcBef>
+              <a:buNone/>
+              <a:defRPr sz="4400" kern="1200">
+                <a:solidFill>
+                  <a:schemeClr val="tx1"/>
+                </a:solidFill>
+                <a:latin typeface="+mj-lt"/>
+                <a:ea typeface="+mj-ea"/>
+                <a:cs typeface="+mj-cs"/>
+              </a:defRPr>
+            </a:lvl1pPr>
+          </a:lstStyle>
+          <a:p>
+            <a:r>
+              <a:rPr lang="fr-CH" dirty="0">
+                <a:solidFill>
+                  <a:schemeClr val="accent1"/>
+                </a:solidFill>
+              </a:rPr>
+              <a:t>8.</a:t>
+            </a:r>
+            <a:endParaRPr lang="en-GB" dirty="0">
+              <a:solidFill>
+                <a:schemeClr val="accent1"/>
+              </a:solidFill>
+            </a:endParaRPr>
+          </a:p>
+        </p:txBody>
+      </p:sp>
+      <p:sp>
+        <p:nvSpPr>
+          <p:cNvPr id="9" name="Espace réservé du contenu 6">
+            <a:extLst>
+              <a:ext uri="{FF2B5EF4-FFF2-40B4-BE49-F238E27FC236}">
+                <a16:creationId xmlns:a16="http://schemas.microsoft.com/office/drawing/2014/main" id="{1E27E36E-FDB7-4E3B-9186-E215BF5933CE}"/>
+              </a:ext>
+            </a:extLst>
+          </p:cNvPr>
+          <p:cNvSpPr>
+            <a:spLocks noGrp="1"/>
+          </p:cNvSpPr>
+          <p:nvPr>
+            <p:ph idx="1"/>
+          </p:nvPr>
+        </p:nvSpPr>
+        <p:spPr>
+          <a:xfrm>
+            <a:off x="759033" y="1695847"/>
+            <a:ext cx="10673934" cy="4316535"/>
+          </a:xfrm>
+        </p:spPr>
+        <p:txBody>
+          <a:bodyPr>
+            <a:normAutofit/>
+          </a:bodyPr>
+          <a:lstStyle/>
+          <a:p>
+            <a:r>
+              <a:rPr lang="fr-CH" dirty="0"/>
+              <a:t>Un arbre de décision est un outil d’aide à la décision qui représente un ensemble de choix sous forme graphique d’un arbre.</a:t>
+            </a:r>
+          </a:p>
+          <a:p>
+            <a:r>
+              <a:rPr lang="fr-CH" dirty="0"/>
+              <a:t>Les différentes décisions possibles sont situés aux extrémités des branches (les feuilles)</a:t>
+            </a:r>
+          </a:p>
+          <a:p>
+            <a:r>
+              <a:rPr lang="fr-CH" dirty="0"/>
+              <a:t>Ces décisions sont atteintes en fonction des «sous-décisions» prises à chaque étape </a:t>
+            </a:r>
+          </a:p>
+        </p:txBody>
+      </p:sp>
+      <p:pic>
+        <p:nvPicPr>
+          <p:cNvPr id="6" name="Image 5">
+            <a:extLst>
+              <a:ext uri="{FF2B5EF4-FFF2-40B4-BE49-F238E27FC236}">
+                <a16:creationId xmlns:a16="http://schemas.microsoft.com/office/drawing/2014/main" id="{A23F7742-AFF8-4CBB-B9E5-88B676B5D0C3}"/>
+              </a:ext>
+            </a:extLst>
+          </p:cNvPr>
+          <p:cNvPicPr>
+            <a:picLocks noChangeAspect="1"/>
+          </p:cNvPicPr>
+          <p:nvPr/>
+        </p:nvPicPr>
+        <p:blipFill>
+          <a:blip r:embed="rId3"/>
+          <a:stretch>
+            <a:fillRect/>
+          </a:stretch>
+        </p:blipFill>
+        <p:spPr>
+          <a:xfrm>
+            <a:off x="1969062" y="4377771"/>
+            <a:ext cx="8253876" cy="2313741"/>
+          </a:xfrm>
+          <a:prstGeom prst="rect">
+            <a:avLst/>
+          </a:prstGeom>
+        </p:spPr>
+      </p:pic>
     </p:spTree>
     <p:extLst>
       <p:ext uri="{BB962C8B-B14F-4D97-AF65-F5344CB8AC3E}">
@@ -14121,7 +16707,1049 @@
 </p:sld>
 </file>
 
-<file path=ppt/slides/slide29.xml><?xml version="1.0" encoding="utf-8"?>
+<file path=ppt/slides/slide32.xml><?xml version="1.0" encoding="utf-8"?>
+<p:sld xmlns:a="http://schemas.openxmlformats.org/drawingml/2006/main" xmlns:r="http://schemas.openxmlformats.org/officeDocument/2006/relationships" xmlns:p="http://schemas.openxmlformats.org/presentationml/2006/main">
+  <p:cSld>
+    <p:spTree>
+      <p:nvGrpSpPr>
+        <p:cNvPr id="1" name=""/>
+        <p:cNvGrpSpPr/>
+        <p:nvPr/>
+      </p:nvGrpSpPr>
+      <p:grpSpPr>
+        <a:xfrm>
+          <a:off x="0" y="0"/>
+          <a:ext cx="0" cy="0"/>
+          <a:chOff x="0" y="0"/>
+          <a:chExt cx="0" cy="0"/>
+        </a:xfrm>
+      </p:grpSpPr>
+      <p:sp>
+        <p:nvSpPr>
+          <p:cNvPr id="2" name="Titre 1">
+            <a:extLst>
+              <a:ext uri="{FF2B5EF4-FFF2-40B4-BE49-F238E27FC236}">
+                <a16:creationId xmlns:a16="http://schemas.microsoft.com/office/drawing/2014/main" id="{1DE24D75-C6DE-4394-A51C-5EF310010BA5}"/>
+              </a:ext>
+            </a:extLst>
+          </p:cNvPr>
+          <p:cNvSpPr>
+            <a:spLocks noGrp="1"/>
+          </p:cNvSpPr>
+          <p:nvPr>
+            <p:ph type="title"/>
+          </p:nvPr>
+        </p:nvSpPr>
+        <p:spPr>
+          <a:xfrm>
+            <a:off x="0" y="-316992"/>
+            <a:ext cx="746760" cy="1325563"/>
+          </a:xfrm>
+        </p:spPr>
+        <p:txBody>
+          <a:bodyPr/>
+          <a:lstStyle/>
+          <a:p>
+            <a:r>
+              <a:rPr lang="fr-CH" dirty="0">
+                <a:solidFill>
+                  <a:schemeClr val="accent1"/>
+                </a:solidFill>
+              </a:rPr>
+              <a:t>8.</a:t>
+            </a:r>
+            <a:endParaRPr lang="en-GB" dirty="0">
+              <a:solidFill>
+                <a:schemeClr val="accent1"/>
+              </a:solidFill>
+            </a:endParaRPr>
+          </a:p>
+        </p:txBody>
+      </p:sp>
+      <p:sp>
+        <p:nvSpPr>
+          <p:cNvPr id="4" name="ZoneTexte 3">
+            <a:extLst>
+              <a:ext uri="{FF2B5EF4-FFF2-40B4-BE49-F238E27FC236}">
+                <a16:creationId xmlns:a16="http://schemas.microsoft.com/office/drawing/2014/main" id="{B4A469F4-C262-4F6E-8D5D-858330AC98E0}"/>
+              </a:ext>
+            </a:extLst>
+          </p:cNvPr>
+          <p:cNvSpPr txBox="1"/>
+          <p:nvPr/>
+        </p:nvSpPr>
+        <p:spPr>
+          <a:xfrm>
+            <a:off x="746760" y="161123"/>
+            <a:ext cx="10515600" cy="369332"/>
+          </a:xfrm>
+          <a:prstGeom prst="rect">
+            <a:avLst/>
+          </a:prstGeom>
+          <a:noFill/>
+        </p:spPr>
+        <p:txBody>
+          <a:bodyPr wrap="square" rtlCol="0">
+            <a:spAutoFit/>
+          </a:bodyPr>
+          <a:lstStyle/>
+          <a:p>
+            <a:r>
+              <a:rPr lang="fr-FR" sz="1800" dirty="0">
+                <a:solidFill>
+                  <a:schemeClr val="accent1"/>
+                </a:solidFill>
+                <a:effectLst/>
+                <a:latin typeface="Arial" panose="020B0604020202020204" pitchFamily="34" charset="0"/>
+              </a:rPr>
+              <a:t>On pourra rappeler le principe de l’apprentissage supervisé.</a:t>
+            </a:r>
+            <a:endParaRPr lang="en-GB" dirty="0">
+              <a:solidFill>
+                <a:schemeClr val="accent1"/>
+              </a:solidFill>
+            </a:endParaRPr>
+          </a:p>
+        </p:txBody>
+      </p:sp>
+      <p:sp>
+        <p:nvSpPr>
+          <p:cNvPr id="7" name="Espace réservé du contenu 6">
+            <a:extLst>
+              <a:ext uri="{FF2B5EF4-FFF2-40B4-BE49-F238E27FC236}">
+                <a16:creationId xmlns:a16="http://schemas.microsoft.com/office/drawing/2014/main" id="{894DFD97-16B2-4B06-9AFA-71D193B86400}"/>
+              </a:ext>
+            </a:extLst>
+          </p:cNvPr>
+          <p:cNvSpPr>
+            <a:spLocks noGrp="1"/>
+          </p:cNvSpPr>
+          <p:nvPr>
+            <p:ph idx="1"/>
+          </p:nvPr>
+        </p:nvSpPr>
+        <p:spPr>
+          <a:xfrm>
+            <a:off x="746760" y="1008570"/>
+            <a:ext cx="10673934" cy="2333441"/>
+          </a:xfrm>
+        </p:spPr>
+        <p:txBody>
+          <a:bodyPr>
+            <a:normAutofit fontScale="92500"/>
+          </a:bodyPr>
+          <a:lstStyle/>
+          <a:p>
+            <a:r>
+              <a:rPr lang="fr-CH" dirty="0"/>
+              <a:t>Chez l’apprentissage on collecte des données, c’est un échantillonnage de l’univers d’états</a:t>
+            </a:r>
+          </a:p>
+          <a:p>
+            <a:r>
+              <a:rPr lang="fr-CH" dirty="0"/>
+              <a:t>On essaye de créer de la connaissance à partir de ces exemples (données)</a:t>
+            </a:r>
+          </a:p>
+          <a:p>
+            <a:r>
+              <a:rPr lang="fr-CH" dirty="0"/>
+              <a:t>Pour «injecter» ces données on utilise des modèles qu’on suppose pertinent pour le problème </a:t>
+            </a:r>
+          </a:p>
+          <a:p>
+            <a:pPr marL="0" indent="0">
+              <a:buNone/>
+            </a:pPr>
+            <a:endParaRPr lang="fr-CH" dirty="0"/>
+          </a:p>
+        </p:txBody>
+      </p:sp>
+      <p:sp>
+        <p:nvSpPr>
+          <p:cNvPr id="6" name="ZoneTexte 5">
+            <a:extLst>
+              <a:ext uri="{FF2B5EF4-FFF2-40B4-BE49-F238E27FC236}">
+                <a16:creationId xmlns:a16="http://schemas.microsoft.com/office/drawing/2014/main" id="{C8362312-81FC-4CFE-94F3-F96DE3C1BE24}"/>
+              </a:ext>
+            </a:extLst>
+          </p:cNvPr>
+          <p:cNvSpPr txBox="1"/>
+          <p:nvPr/>
+        </p:nvSpPr>
+        <p:spPr>
+          <a:xfrm>
+            <a:off x="746760" y="3429000"/>
+            <a:ext cx="10515600" cy="369332"/>
+          </a:xfrm>
+          <a:prstGeom prst="rect">
+            <a:avLst/>
+          </a:prstGeom>
+          <a:noFill/>
+        </p:spPr>
+        <p:txBody>
+          <a:bodyPr wrap="square" rtlCol="0">
+            <a:spAutoFit/>
+          </a:bodyPr>
+          <a:lstStyle/>
+          <a:p>
+            <a:r>
+              <a:rPr lang="fr-FR" sz="1800" dirty="0">
+                <a:solidFill>
+                  <a:schemeClr val="accent1"/>
+                </a:solidFill>
+                <a:effectLst/>
+                <a:latin typeface="Arial" panose="020B0604020202020204" pitchFamily="34" charset="0"/>
+              </a:rPr>
+              <a:t>Comment est mesuré le gain d’information? Pourquoi peut-on utiliser l’entropie?</a:t>
+            </a:r>
+            <a:endParaRPr lang="en-GB" dirty="0">
+              <a:solidFill>
+                <a:schemeClr val="accent1"/>
+              </a:solidFill>
+            </a:endParaRPr>
+          </a:p>
+        </p:txBody>
+      </p:sp>
+      <p:pic>
+        <p:nvPicPr>
+          <p:cNvPr id="8" name="Image 7">
+            <a:extLst>
+              <a:ext uri="{FF2B5EF4-FFF2-40B4-BE49-F238E27FC236}">
+                <a16:creationId xmlns:a16="http://schemas.microsoft.com/office/drawing/2014/main" id="{D6ECF9D4-4B4B-4784-9233-31941B643E51}"/>
+              </a:ext>
+            </a:extLst>
+          </p:cNvPr>
+          <p:cNvPicPr>
+            <a:picLocks noChangeAspect="1"/>
+          </p:cNvPicPr>
+          <p:nvPr/>
+        </p:nvPicPr>
+        <p:blipFill>
+          <a:blip r:embed="rId3"/>
+          <a:stretch>
+            <a:fillRect/>
+          </a:stretch>
+        </p:blipFill>
+        <p:spPr>
+          <a:xfrm>
+            <a:off x="3543864" y="4086965"/>
+            <a:ext cx="5104271" cy="2395563"/>
+          </a:xfrm>
+          <a:prstGeom prst="rect">
+            <a:avLst/>
+          </a:prstGeom>
+        </p:spPr>
+      </p:pic>
+    </p:spTree>
+    <p:extLst>
+      <p:ext uri="{BB962C8B-B14F-4D97-AF65-F5344CB8AC3E}">
+        <p14:creationId xmlns:p14="http://schemas.microsoft.com/office/powerpoint/2010/main" val="944756949"/>
+      </p:ext>
+    </p:extLst>
+  </p:cSld>
+  <p:clrMapOvr>
+    <a:masterClrMapping/>
+  </p:clrMapOvr>
+</p:sld>
+</file>
+
+<file path=ppt/slides/slide33.xml><?xml version="1.0" encoding="utf-8"?>
+<p:sld xmlns:a="http://schemas.openxmlformats.org/drawingml/2006/main" xmlns:r="http://schemas.openxmlformats.org/officeDocument/2006/relationships" xmlns:p="http://schemas.openxmlformats.org/presentationml/2006/main">
+  <p:cSld>
+    <p:spTree>
+      <p:nvGrpSpPr>
+        <p:cNvPr id="1" name=""/>
+        <p:cNvGrpSpPr/>
+        <p:nvPr/>
+      </p:nvGrpSpPr>
+      <p:grpSpPr>
+        <a:xfrm>
+          <a:off x="0" y="0"/>
+          <a:ext cx="0" cy="0"/>
+          <a:chOff x="0" y="0"/>
+          <a:chExt cx="0" cy="0"/>
+        </a:xfrm>
+      </p:grpSpPr>
+      <p:sp>
+        <p:nvSpPr>
+          <p:cNvPr id="2" name="Titre 1">
+            <a:extLst>
+              <a:ext uri="{FF2B5EF4-FFF2-40B4-BE49-F238E27FC236}">
+                <a16:creationId xmlns:a16="http://schemas.microsoft.com/office/drawing/2014/main" id="{1DE24D75-C6DE-4394-A51C-5EF310010BA5}"/>
+              </a:ext>
+            </a:extLst>
+          </p:cNvPr>
+          <p:cNvSpPr>
+            <a:spLocks noGrp="1"/>
+          </p:cNvSpPr>
+          <p:nvPr>
+            <p:ph type="title"/>
+          </p:nvPr>
+        </p:nvSpPr>
+        <p:spPr>
+          <a:xfrm>
+            <a:off x="0" y="-316992"/>
+            <a:ext cx="746760" cy="1325563"/>
+          </a:xfrm>
+        </p:spPr>
+        <p:txBody>
+          <a:bodyPr/>
+          <a:lstStyle/>
+          <a:p>
+            <a:r>
+              <a:rPr lang="fr-CH" dirty="0">
+                <a:solidFill>
+                  <a:schemeClr val="accent1"/>
+                </a:solidFill>
+              </a:rPr>
+              <a:t>8.</a:t>
+            </a:r>
+            <a:endParaRPr lang="en-GB" dirty="0">
+              <a:solidFill>
+                <a:schemeClr val="accent1"/>
+              </a:solidFill>
+            </a:endParaRPr>
+          </a:p>
+        </p:txBody>
+      </p:sp>
+      <p:sp>
+        <p:nvSpPr>
+          <p:cNvPr id="4" name="ZoneTexte 3">
+            <a:extLst>
+              <a:ext uri="{FF2B5EF4-FFF2-40B4-BE49-F238E27FC236}">
+                <a16:creationId xmlns:a16="http://schemas.microsoft.com/office/drawing/2014/main" id="{B4A469F4-C262-4F6E-8D5D-858330AC98E0}"/>
+              </a:ext>
+            </a:extLst>
+          </p:cNvPr>
+          <p:cNvSpPr txBox="1"/>
+          <p:nvPr/>
+        </p:nvSpPr>
+        <p:spPr>
+          <a:xfrm>
+            <a:off x="746760" y="161123"/>
+            <a:ext cx="10515600" cy="369332"/>
+          </a:xfrm>
+          <a:prstGeom prst="rect">
+            <a:avLst/>
+          </a:prstGeom>
+          <a:noFill/>
+        </p:spPr>
+        <p:txBody>
+          <a:bodyPr wrap="square" rtlCol="0">
+            <a:spAutoFit/>
+          </a:bodyPr>
+          <a:lstStyle/>
+          <a:p>
+            <a:r>
+              <a:rPr lang="fr-FR" sz="1800" dirty="0">
+                <a:solidFill>
+                  <a:schemeClr val="accent1"/>
+                </a:solidFill>
+                <a:effectLst/>
+                <a:latin typeface="Arial" panose="020B0604020202020204" pitchFamily="34" charset="0"/>
+              </a:rPr>
+              <a:t>Comment est mesuré le gain d’information? Pourquoi peut-on utiliser l’entropie?</a:t>
+            </a:r>
+            <a:endParaRPr lang="en-GB" dirty="0">
+              <a:solidFill>
+                <a:schemeClr val="accent1"/>
+              </a:solidFill>
+            </a:endParaRPr>
+          </a:p>
+        </p:txBody>
+      </p:sp>
+      <p:sp>
+        <p:nvSpPr>
+          <p:cNvPr id="7" name="Espace réservé du contenu 6">
+            <a:extLst>
+              <a:ext uri="{FF2B5EF4-FFF2-40B4-BE49-F238E27FC236}">
+                <a16:creationId xmlns:a16="http://schemas.microsoft.com/office/drawing/2014/main" id="{894DFD97-16B2-4B06-9AFA-71D193B86400}"/>
+              </a:ext>
+            </a:extLst>
+          </p:cNvPr>
+          <p:cNvSpPr>
+            <a:spLocks noGrp="1"/>
+          </p:cNvSpPr>
+          <p:nvPr>
+            <p:ph idx="1"/>
+          </p:nvPr>
+        </p:nvSpPr>
+        <p:spPr>
+          <a:xfrm>
+            <a:off x="759033" y="1008570"/>
+            <a:ext cx="10673934" cy="4887819"/>
+          </a:xfrm>
+        </p:spPr>
+        <p:txBody>
+          <a:bodyPr>
+            <a:normAutofit/>
+          </a:bodyPr>
+          <a:lstStyle/>
+          <a:p>
+            <a:r>
+              <a:rPr lang="fr-CH" dirty="0"/>
+              <a:t>Pour calculer l’entropie d’une variable X à valeurs discrètes dans     on utilise la formule suivante: </a:t>
+            </a:r>
+          </a:p>
+          <a:p>
+            <a:endParaRPr lang="fr-CH" dirty="0"/>
+          </a:p>
+          <a:p>
+            <a:pPr lvl="1"/>
+            <a:endParaRPr lang="fr-CH" dirty="0"/>
+          </a:p>
+          <a:p>
+            <a:pPr lvl="1"/>
+            <a:r>
+              <a:rPr lang="fr-CH" dirty="0"/>
+              <a:t>Cette formule est au maximum quand les évènements sont équiprobables</a:t>
+            </a:r>
+          </a:p>
+          <a:p>
+            <a:pPr lvl="1"/>
+            <a:r>
+              <a:rPr lang="fr-CH" dirty="0"/>
+              <a:t>Minimum si le choix est déterministe</a:t>
+            </a:r>
+          </a:p>
+          <a:p>
+            <a:r>
+              <a:rPr lang="fr-CH" dirty="0"/>
+              <a:t>On peut étendre cette formule à l’entropie conditionnelle: </a:t>
+            </a:r>
+          </a:p>
+          <a:p>
+            <a:endParaRPr lang="fr-CH" dirty="0"/>
+          </a:p>
+          <a:p>
+            <a:endParaRPr lang="fr-CH" dirty="0"/>
+          </a:p>
+          <a:p>
+            <a:r>
+              <a:rPr lang="fr-CH" dirty="0"/>
+              <a:t>Le gain on le définit comme:</a:t>
+            </a:r>
+          </a:p>
+        </p:txBody>
+      </p:sp>
+      <p:pic>
+        <p:nvPicPr>
+          <p:cNvPr id="5" name="Image 4">
+            <a:extLst>
+              <a:ext uri="{FF2B5EF4-FFF2-40B4-BE49-F238E27FC236}">
+                <a16:creationId xmlns:a16="http://schemas.microsoft.com/office/drawing/2014/main" id="{281B4ADB-A5DA-43CA-8D04-5D1F757D433F}"/>
+              </a:ext>
+            </a:extLst>
+          </p:cNvPr>
+          <p:cNvPicPr>
+            <a:picLocks noChangeAspect="1"/>
+          </p:cNvPicPr>
+          <p:nvPr/>
+        </p:nvPicPr>
+        <p:blipFill>
+          <a:blip r:embed="rId3"/>
+          <a:stretch>
+            <a:fillRect/>
+          </a:stretch>
+        </p:blipFill>
+        <p:spPr>
+          <a:xfrm>
+            <a:off x="10307104" y="1008570"/>
+            <a:ext cx="333375" cy="352425"/>
+          </a:xfrm>
+          <a:prstGeom prst="rect">
+            <a:avLst/>
+          </a:prstGeom>
+        </p:spPr>
+      </p:pic>
+      <p:pic>
+        <p:nvPicPr>
+          <p:cNvPr id="8" name="Image 7">
+            <a:extLst>
+              <a:ext uri="{FF2B5EF4-FFF2-40B4-BE49-F238E27FC236}">
+                <a16:creationId xmlns:a16="http://schemas.microsoft.com/office/drawing/2014/main" id="{407E8529-AEA9-4C30-A680-8A27075B57BB}"/>
+              </a:ext>
+            </a:extLst>
+          </p:cNvPr>
+          <p:cNvPicPr>
+            <a:picLocks noChangeAspect="1"/>
+          </p:cNvPicPr>
+          <p:nvPr/>
+        </p:nvPicPr>
+        <p:blipFill>
+          <a:blip r:embed="rId4"/>
+          <a:stretch>
+            <a:fillRect/>
+          </a:stretch>
+        </p:blipFill>
+        <p:spPr>
+          <a:xfrm>
+            <a:off x="4347686" y="1761789"/>
+            <a:ext cx="3496628" cy="777028"/>
+          </a:xfrm>
+          <a:prstGeom prst="rect">
+            <a:avLst/>
+          </a:prstGeom>
+        </p:spPr>
+      </p:pic>
+      <p:pic>
+        <p:nvPicPr>
+          <p:cNvPr id="10" name="Image 9">
+            <a:extLst>
+              <a:ext uri="{FF2B5EF4-FFF2-40B4-BE49-F238E27FC236}">
+                <a16:creationId xmlns:a16="http://schemas.microsoft.com/office/drawing/2014/main" id="{9BB263D1-A3CA-4213-9D5F-540AFEE9F42C}"/>
+              </a:ext>
+            </a:extLst>
+          </p:cNvPr>
+          <p:cNvPicPr>
+            <a:picLocks noChangeAspect="1"/>
+          </p:cNvPicPr>
+          <p:nvPr/>
+        </p:nvPicPr>
+        <p:blipFill>
+          <a:blip r:embed="rId5"/>
+          <a:stretch>
+            <a:fillRect/>
+          </a:stretch>
+        </p:blipFill>
+        <p:spPr>
+          <a:xfrm>
+            <a:off x="9951999" y="1469728"/>
+            <a:ext cx="1310361" cy="1361149"/>
+          </a:xfrm>
+          <a:prstGeom prst="rect">
+            <a:avLst/>
+          </a:prstGeom>
+        </p:spPr>
+      </p:pic>
+      <p:pic>
+        <p:nvPicPr>
+          <p:cNvPr id="12" name="Image 11">
+            <a:extLst>
+              <a:ext uri="{FF2B5EF4-FFF2-40B4-BE49-F238E27FC236}">
+                <a16:creationId xmlns:a16="http://schemas.microsoft.com/office/drawing/2014/main" id="{4FA80468-0023-4878-9A8D-F7970EC7B5BE}"/>
+              </a:ext>
+            </a:extLst>
+          </p:cNvPr>
+          <p:cNvPicPr>
+            <a:picLocks noChangeAspect="1"/>
+          </p:cNvPicPr>
+          <p:nvPr/>
+        </p:nvPicPr>
+        <p:blipFill>
+          <a:blip r:embed="rId6"/>
+          <a:stretch>
+            <a:fillRect/>
+          </a:stretch>
+        </p:blipFill>
+        <p:spPr>
+          <a:xfrm>
+            <a:off x="2786062" y="4069914"/>
+            <a:ext cx="6619875" cy="1000125"/>
+          </a:xfrm>
+          <a:prstGeom prst="rect">
+            <a:avLst/>
+          </a:prstGeom>
+        </p:spPr>
+      </p:pic>
+      <p:pic>
+        <p:nvPicPr>
+          <p:cNvPr id="16" name="Image 15">
+            <a:extLst>
+              <a:ext uri="{FF2B5EF4-FFF2-40B4-BE49-F238E27FC236}">
+                <a16:creationId xmlns:a16="http://schemas.microsoft.com/office/drawing/2014/main" id="{4BDDDC5B-4132-4552-B53F-7FC2542E4EC6}"/>
+              </a:ext>
+            </a:extLst>
+          </p:cNvPr>
+          <p:cNvPicPr>
+            <a:picLocks noChangeAspect="1"/>
+          </p:cNvPicPr>
+          <p:nvPr/>
+        </p:nvPicPr>
+        <p:blipFill>
+          <a:blip r:embed="rId7"/>
+          <a:stretch>
+            <a:fillRect/>
+          </a:stretch>
+        </p:blipFill>
+        <p:spPr>
+          <a:xfrm>
+            <a:off x="3823076" y="5585193"/>
+            <a:ext cx="4619625" cy="438150"/>
+          </a:xfrm>
+          <a:prstGeom prst="rect">
+            <a:avLst/>
+          </a:prstGeom>
+        </p:spPr>
+      </p:pic>
+      <p:pic>
+        <p:nvPicPr>
+          <p:cNvPr id="18" name="Image 17">
+            <a:extLst>
+              <a:ext uri="{FF2B5EF4-FFF2-40B4-BE49-F238E27FC236}">
+                <a16:creationId xmlns:a16="http://schemas.microsoft.com/office/drawing/2014/main" id="{5A960AB2-41A9-4E7E-88A3-54DD8204916F}"/>
+              </a:ext>
+            </a:extLst>
+          </p:cNvPr>
+          <p:cNvPicPr>
+            <a:picLocks noChangeAspect="1"/>
+          </p:cNvPicPr>
+          <p:nvPr/>
+        </p:nvPicPr>
+        <p:blipFill>
+          <a:blip r:embed="rId8"/>
+          <a:stretch>
+            <a:fillRect/>
+          </a:stretch>
+        </p:blipFill>
+        <p:spPr>
+          <a:xfrm>
+            <a:off x="8798185" y="4651825"/>
+            <a:ext cx="3017838" cy="1152443"/>
+          </a:xfrm>
+          <a:prstGeom prst="rect">
+            <a:avLst/>
+          </a:prstGeom>
+        </p:spPr>
+      </p:pic>
+    </p:spTree>
+    <p:extLst>
+      <p:ext uri="{BB962C8B-B14F-4D97-AF65-F5344CB8AC3E}">
+        <p14:creationId xmlns:p14="http://schemas.microsoft.com/office/powerpoint/2010/main" val="2502645774"/>
+      </p:ext>
+    </p:extLst>
+  </p:cSld>
+  <p:clrMapOvr>
+    <a:masterClrMapping/>
+  </p:clrMapOvr>
+</p:sld>
+</file>
+
+<file path=ppt/slides/slide34.xml><?xml version="1.0" encoding="utf-8"?>
+<p:sld xmlns:a="http://schemas.openxmlformats.org/drawingml/2006/main" xmlns:r="http://schemas.openxmlformats.org/officeDocument/2006/relationships" xmlns:p="http://schemas.openxmlformats.org/presentationml/2006/main">
+  <p:cSld>
+    <p:spTree>
+      <p:nvGrpSpPr>
+        <p:cNvPr id="1" name=""/>
+        <p:cNvGrpSpPr/>
+        <p:nvPr/>
+      </p:nvGrpSpPr>
+      <p:grpSpPr>
+        <a:xfrm>
+          <a:off x="0" y="0"/>
+          <a:ext cx="0" cy="0"/>
+          <a:chOff x="0" y="0"/>
+          <a:chExt cx="0" cy="0"/>
+        </a:xfrm>
+      </p:grpSpPr>
+      <p:sp>
+        <p:nvSpPr>
+          <p:cNvPr id="2" name="Titre 1">
+            <a:extLst>
+              <a:ext uri="{FF2B5EF4-FFF2-40B4-BE49-F238E27FC236}">
+                <a16:creationId xmlns:a16="http://schemas.microsoft.com/office/drawing/2014/main" id="{1DE24D75-C6DE-4394-A51C-5EF310010BA5}"/>
+              </a:ext>
+            </a:extLst>
+          </p:cNvPr>
+          <p:cNvSpPr>
+            <a:spLocks noGrp="1"/>
+          </p:cNvSpPr>
+          <p:nvPr>
+            <p:ph type="title"/>
+          </p:nvPr>
+        </p:nvSpPr>
+        <p:spPr>
+          <a:xfrm>
+            <a:off x="0" y="-316992"/>
+            <a:ext cx="746760" cy="1325563"/>
+          </a:xfrm>
+        </p:spPr>
+        <p:txBody>
+          <a:bodyPr/>
+          <a:lstStyle/>
+          <a:p>
+            <a:r>
+              <a:rPr lang="fr-CH" dirty="0">
+                <a:solidFill>
+                  <a:schemeClr val="accent1"/>
+                </a:solidFill>
+              </a:rPr>
+              <a:t>8.</a:t>
+            </a:r>
+            <a:endParaRPr lang="en-GB" dirty="0">
+              <a:solidFill>
+                <a:schemeClr val="accent1"/>
+              </a:solidFill>
+            </a:endParaRPr>
+          </a:p>
+        </p:txBody>
+      </p:sp>
+      <p:sp>
+        <p:nvSpPr>
+          <p:cNvPr id="4" name="ZoneTexte 3">
+            <a:extLst>
+              <a:ext uri="{FF2B5EF4-FFF2-40B4-BE49-F238E27FC236}">
+                <a16:creationId xmlns:a16="http://schemas.microsoft.com/office/drawing/2014/main" id="{B4A469F4-C262-4F6E-8D5D-858330AC98E0}"/>
+              </a:ext>
+            </a:extLst>
+          </p:cNvPr>
+          <p:cNvSpPr txBox="1"/>
+          <p:nvPr/>
+        </p:nvSpPr>
+        <p:spPr>
+          <a:xfrm>
+            <a:off x="746760" y="161123"/>
+            <a:ext cx="10515600" cy="369332"/>
+          </a:xfrm>
+          <a:prstGeom prst="rect">
+            <a:avLst/>
+          </a:prstGeom>
+          <a:noFill/>
+        </p:spPr>
+        <p:txBody>
+          <a:bodyPr wrap="square" rtlCol="0">
+            <a:spAutoFit/>
+          </a:bodyPr>
+          <a:lstStyle/>
+          <a:p>
+            <a:r>
+              <a:rPr lang="fr-FR" sz="1800" dirty="0">
+                <a:solidFill>
+                  <a:schemeClr val="accent1"/>
+                </a:solidFill>
+                <a:effectLst/>
+                <a:latin typeface="Arial" panose="020B0604020202020204" pitchFamily="34" charset="0"/>
+              </a:rPr>
+              <a:t>Comment fonctionne l’algorithme ID3?</a:t>
+            </a:r>
+            <a:endParaRPr lang="en-GB" dirty="0">
+              <a:solidFill>
+                <a:schemeClr val="accent1"/>
+              </a:solidFill>
+            </a:endParaRPr>
+          </a:p>
+        </p:txBody>
+      </p:sp>
+      <p:sp>
+        <p:nvSpPr>
+          <p:cNvPr id="7" name="Espace réservé du contenu 6">
+            <a:extLst>
+              <a:ext uri="{FF2B5EF4-FFF2-40B4-BE49-F238E27FC236}">
+                <a16:creationId xmlns:a16="http://schemas.microsoft.com/office/drawing/2014/main" id="{894DFD97-16B2-4B06-9AFA-71D193B86400}"/>
+              </a:ext>
+            </a:extLst>
+          </p:cNvPr>
+          <p:cNvSpPr>
+            <a:spLocks noGrp="1"/>
+          </p:cNvSpPr>
+          <p:nvPr>
+            <p:ph idx="1"/>
+          </p:nvPr>
+        </p:nvSpPr>
+        <p:spPr>
+          <a:xfrm>
+            <a:off x="759033" y="1008570"/>
+            <a:ext cx="10673934" cy="4887819"/>
+          </a:xfrm>
+        </p:spPr>
+        <p:txBody>
+          <a:bodyPr>
+            <a:normAutofit/>
+          </a:bodyPr>
+          <a:lstStyle/>
+          <a:p>
+            <a:r>
+              <a:rPr lang="fr-CH" dirty="0"/>
+              <a:t>C’est un algorithme de type greedy pour la construction d’arbres de décision</a:t>
+            </a:r>
+          </a:p>
+          <a:p>
+            <a:r>
+              <a:rPr lang="fr-CH" dirty="0"/>
+              <a:t>Utilise un critère récursif de partition basé sur le gain d’information </a:t>
+            </a:r>
+          </a:p>
+          <a:p>
+            <a:pPr lvl="1"/>
+            <a:endParaRPr lang="fr-CH" dirty="0"/>
+          </a:p>
+          <a:p>
+            <a:pPr lvl="1"/>
+            <a:r>
+              <a:rPr lang="fr-CH" dirty="0"/>
+              <a:t>(1) on calcule  l’entropie de l’ensemble de données</a:t>
+            </a:r>
+          </a:p>
+          <a:p>
+            <a:pPr lvl="1"/>
+            <a:r>
+              <a:rPr lang="fr-CH" dirty="0"/>
+              <a:t>(2) on partitionne l’ensemble de façon à maximiser le gain d’information</a:t>
+            </a:r>
+          </a:p>
+          <a:p>
+            <a:pPr lvl="1"/>
+            <a:r>
+              <a:rPr lang="fr-CH" dirty="0"/>
+              <a:t>(3) pour chaque partition on calcule l’entropie</a:t>
+            </a:r>
+          </a:p>
+          <a:p>
+            <a:pPr lvl="2"/>
+            <a:r>
+              <a:rPr lang="fr-CH" dirty="0"/>
+              <a:t>(3.a) si l’entropie est nulle on arrête </a:t>
+            </a:r>
+          </a:p>
+          <a:p>
+            <a:pPr lvl="2"/>
+            <a:r>
+              <a:rPr lang="fr-CH" dirty="0"/>
+              <a:t>(3.a) retour dans (1)</a:t>
+            </a:r>
+          </a:p>
+        </p:txBody>
+      </p:sp>
+      <p:pic>
+        <p:nvPicPr>
+          <p:cNvPr id="6" name="Image 5">
+            <a:extLst>
+              <a:ext uri="{FF2B5EF4-FFF2-40B4-BE49-F238E27FC236}">
+                <a16:creationId xmlns:a16="http://schemas.microsoft.com/office/drawing/2014/main" id="{7E7AD35E-FACC-42E7-876E-3299A3839AD3}"/>
+              </a:ext>
+            </a:extLst>
+          </p:cNvPr>
+          <p:cNvPicPr>
+            <a:picLocks noChangeAspect="1"/>
+          </p:cNvPicPr>
+          <p:nvPr/>
+        </p:nvPicPr>
+        <p:blipFill>
+          <a:blip r:embed="rId3"/>
+          <a:stretch>
+            <a:fillRect/>
+          </a:stretch>
+        </p:blipFill>
+        <p:spPr>
+          <a:xfrm>
+            <a:off x="3958623" y="4632354"/>
+            <a:ext cx="4091873" cy="2003313"/>
+          </a:xfrm>
+          <a:prstGeom prst="rect">
+            <a:avLst/>
+          </a:prstGeom>
+        </p:spPr>
+      </p:pic>
+    </p:spTree>
+    <p:extLst>
+      <p:ext uri="{BB962C8B-B14F-4D97-AF65-F5344CB8AC3E}">
+        <p14:creationId xmlns:p14="http://schemas.microsoft.com/office/powerpoint/2010/main" val="2793532149"/>
+      </p:ext>
+    </p:extLst>
+  </p:cSld>
+  <p:clrMapOvr>
+    <a:masterClrMapping/>
+  </p:clrMapOvr>
+</p:sld>
+</file>
+
+<file path=ppt/slides/slide35.xml><?xml version="1.0" encoding="utf-8"?>
+<p:sld xmlns:a="http://schemas.openxmlformats.org/drawingml/2006/main" xmlns:r="http://schemas.openxmlformats.org/officeDocument/2006/relationships" xmlns:p="http://schemas.openxmlformats.org/presentationml/2006/main">
+  <p:cSld>
+    <p:spTree>
+      <p:nvGrpSpPr>
+        <p:cNvPr id="1" name=""/>
+        <p:cNvGrpSpPr/>
+        <p:nvPr/>
+      </p:nvGrpSpPr>
+      <p:grpSpPr>
+        <a:xfrm>
+          <a:off x="0" y="0"/>
+          <a:ext cx="0" cy="0"/>
+          <a:chOff x="0" y="0"/>
+          <a:chExt cx="0" cy="0"/>
+        </a:xfrm>
+      </p:grpSpPr>
+      <p:sp>
+        <p:nvSpPr>
+          <p:cNvPr id="2" name="Titre 1">
+            <a:extLst>
+              <a:ext uri="{FF2B5EF4-FFF2-40B4-BE49-F238E27FC236}">
+                <a16:creationId xmlns:a16="http://schemas.microsoft.com/office/drawing/2014/main" id="{1DE24D75-C6DE-4394-A51C-5EF310010BA5}"/>
+              </a:ext>
+            </a:extLst>
+          </p:cNvPr>
+          <p:cNvSpPr>
+            <a:spLocks noGrp="1"/>
+          </p:cNvSpPr>
+          <p:nvPr>
+            <p:ph type="title"/>
+          </p:nvPr>
+        </p:nvSpPr>
+        <p:spPr>
+          <a:xfrm>
+            <a:off x="0" y="-316992"/>
+            <a:ext cx="746760" cy="1325563"/>
+          </a:xfrm>
+        </p:spPr>
+        <p:txBody>
+          <a:bodyPr/>
+          <a:lstStyle/>
+          <a:p>
+            <a:r>
+              <a:rPr lang="fr-CH" dirty="0">
+                <a:solidFill>
+                  <a:schemeClr val="accent1"/>
+                </a:solidFill>
+              </a:rPr>
+              <a:t>8.</a:t>
+            </a:r>
+            <a:endParaRPr lang="en-GB" dirty="0">
+              <a:solidFill>
+                <a:schemeClr val="accent1"/>
+              </a:solidFill>
+            </a:endParaRPr>
+          </a:p>
+        </p:txBody>
+      </p:sp>
+      <p:sp>
+        <p:nvSpPr>
+          <p:cNvPr id="4" name="ZoneTexte 3">
+            <a:extLst>
+              <a:ext uri="{FF2B5EF4-FFF2-40B4-BE49-F238E27FC236}">
+                <a16:creationId xmlns:a16="http://schemas.microsoft.com/office/drawing/2014/main" id="{B4A469F4-C262-4F6E-8D5D-858330AC98E0}"/>
+              </a:ext>
+            </a:extLst>
+          </p:cNvPr>
+          <p:cNvSpPr txBox="1"/>
+          <p:nvPr/>
+        </p:nvSpPr>
+        <p:spPr>
+          <a:xfrm>
+            <a:off x="746760" y="161123"/>
+            <a:ext cx="10515600" cy="369332"/>
+          </a:xfrm>
+          <a:prstGeom prst="rect">
+            <a:avLst/>
+          </a:prstGeom>
+          <a:noFill/>
+        </p:spPr>
+        <p:txBody>
+          <a:bodyPr wrap="square" rtlCol="0">
+            <a:spAutoFit/>
+          </a:bodyPr>
+          <a:lstStyle/>
+          <a:p>
+            <a:r>
+              <a:rPr lang="fr-FR" sz="1800" dirty="0">
+                <a:solidFill>
+                  <a:schemeClr val="accent1"/>
+                </a:solidFill>
+                <a:effectLst/>
+                <a:latin typeface="Arial" panose="020B0604020202020204" pitchFamily="34" charset="0"/>
+              </a:rPr>
+              <a:t>Qu’est-ce que le sur-apprentissage? Comment le mesurer/détecter ? Comment l’éviter ou le contrer? </a:t>
+            </a:r>
+            <a:endParaRPr lang="en-GB" dirty="0">
+              <a:solidFill>
+                <a:schemeClr val="accent1"/>
+              </a:solidFill>
+            </a:endParaRPr>
+          </a:p>
+        </p:txBody>
+      </p:sp>
+      <p:sp>
+        <p:nvSpPr>
+          <p:cNvPr id="7" name="Espace réservé du contenu 6">
+            <a:extLst>
+              <a:ext uri="{FF2B5EF4-FFF2-40B4-BE49-F238E27FC236}">
+                <a16:creationId xmlns:a16="http://schemas.microsoft.com/office/drawing/2014/main" id="{894DFD97-16B2-4B06-9AFA-71D193B86400}"/>
+              </a:ext>
+            </a:extLst>
+          </p:cNvPr>
+          <p:cNvSpPr>
+            <a:spLocks noGrp="1"/>
+          </p:cNvSpPr>
+          <p:nvPr>
+            <p:ph idx="1"/>
+          </p:nvPr>
+        </p:nvSpPr>
+        <p:spPr>
+          <a:xfrm>
+            <a:off x="759033" y="985090"/>
+            <a:ext cx="10673934" cy="4887819"/>
+          </a:xfrm>
+        </p:spPr>
+        <p:txBody>
+          <a:bodyPr>
+            <a:normAutofit/>
+          </a:bodyPr>
+          <a:lstStyle/>
+          <a:p>
+            <a:r>
+              <a:rPr lang="fr-CH" dirty="0"/>
+              <a:t>Le sur-apprentissage réduit l’efficacité de notre modèle en augmentant la complexité</a:t>
+            </a:r>
+          </a:p>
+          <a:p>
+            <a:r>
+              <a:rPr lang="fr-CH" dirty="0"/>
+              <a:t>Le sur-apprentissage peut résulter d’une fausse mesure qui a du bruit</a:t>
+            </a:r>
+          </a:p>
+          <a:p>
+            <a:r>
+              <a:rPr lang="fr-CH" dirty="0"/>
+              <a:t>On peut utiliser les données et l’évaluation pour introduire formellement une tolérance dans l’erreur de l’entrainement.</a:t>
+            </a:r>
+          </a:p>
+        </p:txBody>
+      </p:sp>
+      <p:pic>
+        <p:nvPicPr>
+          <p:cNvPr id="9" name="Image 8">
+            <a:extLst>
+              <a:ext uri="{FF2B5EF4-FFF2-40B4-BE49-F238E27FC236}">
+                <a16:creationId xmlns:a16="http://schemas.microsoft.com/office/drawing/2014/main" id="{93740831-8EFC-4D2B-A555-D88082A91B47}"/>
+              </a:ext>
+            </a:extLst>
+          </p:cNvPr>
+          <p:cNvPicPr>
+            <a:picLocks noChangeAspect="1"/>
+          </p:cNvPicPr>
+          <p:nvPr/>
+        </p:nvPicPr>
+        <p:blipFill>
+          <a:blip r:embed="rId3"/>
+          <a:stretch>
+            <a:fillRect/>
+          </a:stretch>
+        </p:blipFill>
+        <p:spPr>
+          <a:xfrm>
+            <a:off x="3084856" y="3429000"/>
+            <a:ext cx="6022288" cy="3035626"/>
+          </a:xfrm>
+          <a:prstGeom prst="rect">
+            <a:avLst/>
+          </a:prstGeom>
+        </p:spPr>
+      </p:pic>
+    </p:spTree>
+    <p:extLst>
+      <p:ext uri="{BB962C8B-B14F-4D97-AF65-F5344CB8AC3E}">
+        <p14:creationId xmlns:p14="http://schemas.microsoft.com/office/powerpoint/2010/main" val="2225778729"/>
+      </p:ext>
+    </p:extLst>
+  </p:cSld>
+  <p:clrMapOvr>
+    <a:masterClrMapping/>
+  </p:clrMapOvr>
+</p:sld>
+</file>
+
+<file path=ppt/slides/slide36.xml><?xml version="1.0" encoding="utf-8"?>
 <p:sld xmlns:a="http://schemas.openxmlformats.org/drawingml/2006/main" xmlns:r="http://schemas.openxmlformats.org/officeDocument/2006/relationships" xmlns:p="http://schemas.openxmlformats.org/presentationml/2006/main">
   <p:cSld>
     <p:spTree>
@@ -14281,7 +17909,7 @@
 </p:sld>
 </file>
 
-<file path=ppt/slides/slide3.xml><?xml version="1.0" encoding="utf-8"?>
+<file path=ppt/slides/slide37.xml><?xml version="1.0" encoding="utf-8"?>
 <p:sld xmlns:a="http://schemas.openxmlformats.org/drawingml/2006/main" xmlns:r="http://schemas.openxmlformats.org/officeDocument/2006/relationships" xmlns:p="http://schemas.openxmlformats.org/presentationml/2006/main">
   <p:cSld>
     <p:spTree>
@@ -14329,14 +17957,14 @@
                 <a:effectLst/>
                 <a:latin typeface="Arial" panose="020B0604020202020204" pitchFamily="34" charset="0"/>
               </a:rPr>
-              <a:t>2.</a:t>
+              <a:t>10.</a:t>
             </a:r>
             <a:r>
               <a:rPr lang="fr-FR" sz="1400" dirty="0">
                 <a:effectLst/>
                 <a:latin typeface="Arial" panose="020B0604020202020204" pitchFamily="34" charset="0"/>
               </a:rPr>
-              <a:t>Méthodes de Recherche: </a:t>
+              <a:t>Naive Bayes: Rappelez le principe de l’apprentissage supervisé. Quel est le protocole de gestion des données dans ce contexte? </a:t>
             </a:r>
             <a:r>
               <a:rPr lang="fr-FR" sz="1400" dirty="0">
@@ -14346,16 +17974,13 @@
                 <a:effectLst/>
                 <a:latin typeface="Arial" panose="020B0604020202020204" pitchFamily="34" charset="0"/>
               </a:rPr>
-              <a:t>Rappelez le principe des méthodes de recherche. </a:t>
-            </a:r>
-            <a:r>
-              <a:rPr lang="fr-FR" sz="1400" dirty="0">
-                <a:effectLst/>
-                <a:latin typeface="Arial" panose="020B0604020202020204" pitchFamily="34" charset="0"/>
-              </a:rPr>
-              <a:t>Qu’est que la profondeur limitée et en quoi est-ce utile? Comment est définie une heuristique et quelles sont ses propriétés? A quoi sert une heuristique? Expliquez en particulier l’algorithme A* et ses propriétés. Citez des exemples d’application.</a:t>
-            </a:r>
-            <a:endParaRPr lang="en-GB" sz="1400" dirty="0"/>
+              <a:t>Qu’est-ce que l’algorithme de Naïve Bayes? Quelles sont les hypothèses sous-jacentes? Quels sont les paramètres? Comment l’exprimer en tant que réseau bayésien? Qu’est-ce que le sur-apprentissage? Discutez sa relation avec Naïve Bayes.</a:t>
+            </a:r>
+            <a:endParaRPr lang="en-GB" sz="1400" dirty="0">
+              <a:solidFill>
+                <a:srgbClr val="FF0000"/>
+              </a:solidFill>
+            </a:endParaRPr>
           </a:p>
         </p:txBody>
       </p:sp>
@@ -14375,15 +18000,35 @@
             <p:ph idx="1"/>
           </p:nvPr>
         </p:nvSpPr>
-        <p:spPr/>
+        <p:spPr>
+          <a:xfrm>
+            <a:off x="838200" y="2044523"/>
+            <a:ext cx="10515600" cy="2768953"/>
+          </a:xfrm>
+        </p:spPr>
         <p:txBody>
           <a:bodyPr/>
           <a:lstStyle/>
           <a:p>
             <a:r>
-              <a:rPr lang="en-GB" dirty="0"/>
-              <a:t>s</a:t>
-            </a:r>
+              <a:rPr lang="fr-CH" dirty="0"/>
+              <a:t>Chez l’apprentissage on collecte des données, c’est un échantillonnage de l’univers d’états</a:t>
+            </a:r>
+          </a:p>
+          <a:p>
+            <a:r>
+              <a:rPr lang="fr-CH" dirty="0"/>
+              <a:t>On essaye de créer de la connaissance à partir de ces exemples (données)</a:t>
+            </a:r>
+          </a:p>
+          <a:p>
+            <a:r>
+              <a:rPr lang="fr-CH" dirty="0"/>
+              <a:t>Pour «injecter» ces données on utilise des modèles qu’on suppose pertinent pour le problème </a:t>
+            </a:r>
+          </a:p>
+          <a:p>
+            <a:endParaRPr lang="en-GB" dirty="0"/>
           </a:p>
         </p:txBody>
       </p:sp>
@@ -14392,7 +18037,7 @@
           <p:cNvPr id="4" name="Titre 1">
             <a:extLst>
               <a:ext uri="{FF2B5EF4-FFF2-40B4-BE49-F238E27FC236}">
-                <a16:creationId xmlns:a16="http://schemas.microsoft.com/office/drawing/2014/main" id="{6F572188-8E9D-461A-9C34-8205FF08D029}"/>
+                <a16:creationId xmlns:a16="http://schemas.microsoft.com/office/drawing/2014/main" id="{B641AA9A-4773-4406-8C2B-4999815E580A}"/>
               </a:ext>
             </a:extLst>
           </p:cNvPr>
@@ -14404,7 +18049,7 @@
         <p:spPr>
           <a:xfrm>
             <a:off x="0" y="-316992"/>
-            <a:ext cx="746760" cy="1325563"/>
+            <a:ext cx="970844" cy="1325563"/>
           </a:xfrm>
           <a:prstGeom prst="rect">
             <a:avLst/>
@@ -14440,7 +18085,7 @@
                   <a:schemeClr val="accent1"/>
                 </a:solidFill>
               </a:rPr>
-              <a:t>2.</a:t>
+              <a:t>10.</a:t>
             </a:r>
             <a:endParaRPr lang="en-GB" dirty="0">
               <a:solidFill>
@@ -14453,7 +18098,7 @@
     </p:spTree>
     <p:extLst>
       <p:ext uri="{BB962C8B-B14F-4D97-AF65-F5344CB8AC3E}">
-        <p14:creationId xmlns:p14="http://schemas.microsoft.com/office/powerpoint/2010/main" val="621144514"/>
+        <p14:creationId xmlns:p14="http://schemas.microsoft.com/office/powerpoint/2010/main" val="2558671712"/>
       </p:ext>
     </p:extLst>
   </p:cSld>
@@ -14463,7 +18108,7 @@
 </p:sld>
 </file>
 
-<file path=ppt/slides/slide30.xml><?xml version="1.0" encoding="utf-8"?>
+<file path=ppt/slides/slide38.xml><?xml version="1.0" encoding="utf-8"?>
 <p:sld xmlns:a="http://schemas.openxmlformats.org/drawingml/2006/main" xmlns:r="http://schemas.openxmlformats.org/officeDocument/2006/relationships" xmlns:p="http://schemas.openxmlformats.org/presentationml/2006/main">
   <p:cSld>
     <p:spTree>
@@ -14485,7 +18130,7 @@
           <p:cNvPr id="2" name="Titre 1">
             <a:extLst>
               <a:ext uri="{FF2B5EF4-FFF2-40B4-BE49-F238E27FC236}">
-                <a16:creationId xmlns:a16="http://schemas.microsoft.com/office/drawing/2014/main" id="{21766C66-1FE8-40A6-86E7-67715FC56E02}"/>
+                <a16:creationId xmlns:a16="http://schemas.microsoft.com/office/drawing/2014/main" id="{1DE24D75-C6DE-4394-A51C-5EF310010BA5}"/>
               </a:ext>
             </a:extLst>
           </p:cNvPr>
@@ -14496,63 +18141,539 @@
             <p:ph type="title"/>
           </p:nvPr>
         </p:nvSpPr>
-        <p:spPr/>
-        <p:txBody>
-          <a:bodyPr>
-            <a:normAutofit/>
+        <p:spPr>
+          <a:xfrm>
+            <a:off x="0" y="-316992"/>
+            <a:ext cx="929640" cy="1325563"/>
+          </a:xfrm>
+        </p:spPr>
+        <p:txBody>
+          <a:bodyPr/>
+          <a:lstStyle/>
+          <a:p>
+            <a:r>
+              <a:rPr lang="fr-CH">
+                <a:solidFill>
+                  <a:schemeClr val="accent1"/>
+                </a:solidFill>
+              </a:rPr>
+              <a:t>10.</a:t>
+            </a:r>
+            <a:endParaRPr lang="en-GB" dirty="0">
+              <a:solidFill>
+                <a:schemeClr val="accent1"/>
+              </a:solidFill>
+            </a:endParaRPr>
+          </a:p>
+        </p:txBody>
+      </p:sp>
+      <p:sp>
+        <p:nvSpPr>
+          <p:cNvPr id="4" name="ZoneTexte 3">
+            <a:extLst>
+              <a:ext uri="{FF2B5EF4-FFF2-40B4-BE49-F238E27FC236}">
+                <a16:creationId xmlns:a16="http://schemas.microsoft.com/office/drawing/2014/main" id="{B4A469F4-C262-4F6E-8D5D-858330AC98E0}"/>
+              </a:ext>
+            </a:extLst>
+          </p:cNvPr>
+          <p:cNvSpPr txBox="1"/>
+          <p:nvPr/>
+        </p:nvSpPr>
+        <p:spPr>
+          <a:xfrm>
+            <a:off x="746760" y="161123"/>
+            <a:ext cx="10515600" cy="369332"/>
+          </a:xfrm>
+          <a:prstGeom prst="rect">
+            <a:avLst/>
+          </a:prstGeom>
+          <a:noFill/>
+        </p:spPr>
+        <p:txBody>
+          <a:bodyPr wrap="square" rtlCol="0">
+            <a:spAutoFit/>
           </a:bodyPr>
           <a:lstStyle/>
           <a:p>
             <a:r>
-              <a:rPr lang="fr-FR" sz="1400" dirty="0">
+              <a:rPr lang="fr-FR" sz="1800">
                 <a:solidFill>
-                  <a:srgbClr val="FF0000"/>
+                  <a:schemeClr val="accent1"/>
                 </a:solidFill>
                 <a:effectLst/>
                 <a:latin typeface="Arial" panose="020B0604020202020204" pitchFamily="34" charset="0"/>
               </a:rPr>
-              <a:t>10.</a:t>
-            </a:r>
-            <a:r>
-              <a:rPr lang="fr-FR" sz="1400" dirty="0">
-                <a:effectLst/>
-                <a:latin typeface="Arial" panose="020B0604020202020204" pitchFamily="34" charset="0"/>
-              </a:rPr>
-              <a:t>Naive Bayes: Rappelez le principe de l’apprentissage supervisé. Quel est le protocole de gestion des données dans ce contexte ?Qu’est-ce que l’algorithme de Naïve Bayes? Quelles sont les hypothèses sous-jacentes? Quels sont les paramètres? Comment l’exprimer en tant que réseau bayésien? Qu’est-ce que le sur-apprentissage? Discutez sa relation avec Naïve Bayes.</a:t>
-            </a:r>
-            <a:endParaRPr lang="en-GB" sz="1400" dirty="0"/>
-          </a:p>
-        </p:txBody>
-      </p:sp>
-      <p:sp>
-        <p:nvSpPr>
-          <p:cNvPr id="3" name="Espace réservé du contenu 2">
-            <a:extLst>
-              <a:ext uri="{FF2B5EF4-FFF2-40B4-BE49-F238E27FC236}">
-                <a16:creationId xmlns:a16="http://schemas.microsoft.com/office/drawing/2014/main" id="{55ECBF04-F52F-4B3F-9304-4E4A2E668DA9}"/>
-              </a:ext>
-            </a:extLst>
-          </p:cNvPr>
-          <p:cNvSpPr>
-            <a:spLocks noGrp="1"/>
-          </p:cNvSpPr>
-          <p:nvPr>
-            <p:ph idx="1"/>
-          </p:nvPr>
-        </p:nvSpPr>
-        <p:spPr/>
-        <p:txBody>
-          <a:bodyPr/>
-          <a:lstStyle/>
-          <a:p>
-            <a:endParaRPr lang="en-GB" dirty="0"/>
-          </a:p>
-        </p:txBody>
-      </p:sp>
+              <a:t>Quel est le protocole de gestion des données dans ce contexte?</a:t>
+            </a:r>
+            <a:endParaRPr lang="en-GB" dirty="0">
+              <a:solidFill>
+                <a:schemeClr val="accent1"/>
+              </a:solidFill>
+            </a:endParaRPr>
+          </a:p>
+        </p:txBody>
+      </p:sp>
+      <p:pic>
+        <p:nvPicPr>
+          <p:cNvPr id="8" name="Image 7">
+            <a:extLst>
+              <a:ext uri="{FF2B5EF4-FFF2-40B4-BE49-F238E27FC236}">
+                <a16:creationId xmlns:a16="http://schemas.microsoft.com/office/drawing/2014/main" id="{FF64F375-ECF8-4301-9B1D-74D067D7E229}"/>
+              </a:ext>
+            </a:extLst>
+          </p:cNvPr>
+          <p:cNvPicPr>
+            <a:picLocks noChangeAspect="1"/>
+          </p:cNvPicPr>
+          <p:nvPr/>
+        </p:nvPicPr>
+        <p:blipFill>
+          <a:blip r:embed="rId3"/>
+          <a:stretch>
+            <a:fillRect/>
+          </a:stretch>
+        </p:blipFill>
+        <p:spPr>
+          <a:xfrm>
+            <a:off x="464820" y="1008570"/>
+            <a:ext cx="6017586" cy="3570000"/>
+          </a:xfrm>
+          <a:prstGeom prst="rect">
+            <a:avLst/>
+          </a:prstGeom>
+        </p:spPr>
+      </p:pic>
+      <p:pic>
+        <p:nvPicPr>
+          <p:cNvPr id="11" name="Image 10">
+            <a:extLst>
+              <a:ext uri="{FF2B5EF4-FFF2-40B4-BE49-F238E27FC236}">
+                <a16:creationId xmlns:a16="http://schemas.microsoft.com/office/drawing/2014/main" id="{F0DCF977-7AD6-4EF9-8884-CC894EC1FA0E}"/>
+              </a:ext>
+            </a:extLst>
+          </p:cNvPr>
+          <p:cNvPicPr>
+            <a:picLocks noChangeAspect="1"/>
+          </p:cNvPicPr>
+          <p:nvPr/>
+        </p:nvPicPr>
+        <p:blipFill>
+          <a:blip r:embed="rId4"/>
+          <a:stretch>
+            <a:fillRect/>
+          </a:stretch>
+        </p:blipFill>
+        <p:spPr>
+          <a:xfrm>
+            <a:off x="7527655" y="1008570"/>
+            <a:ext cx="4199525" cy="1913545"/>
+          </a:xfrm>
+          <a:prstGeom prst="rect">
+            <a:avLst/>
+          </a:prstGeom>
+        </p:spPr>
+      </p:pic>
+      <mc:AlternateContent xmlns:mc="http://schemas.openxmlformats.org/markup-compatibility/2006">
+        <mc:Choice xmlns:a14="http://schemas.microsoft.com/office/drawing/2010/main" Requires="a14">
+          <p:sp>
+            <p:nvSpPr>
+              <p:cNvPr id="13" name="Espace réservé du contenu 2">
+                <a:extLst>
+                  <a:ext uri="{FF2B5EF4-FFF2-40B4-BE49-F238E27FC236}">
+                    <a16:creationId xmlns:a16="http://schemas.microsoft.com/office/drawing/2014/main" id="{421ACD84-0D6A-4674-BE00-90F4FF0D01DE}"/>
+                  </a:ext>
+                </a:extLst>
+              </p:cNvPr>
+              <p:cNvSpPr>
+                <a:spLocks noGrp="1"/>
+              </p:cNvSpPr>
+              <p:nvPr>
+                <p:ph idx="1"/>
+              </p:nvPr>
+            </p:nvSpPr>
+            <p:spPr>
+              <a:xfrm>
+                <a:off x="7527655" y="3738897"/>
+                <a:ext cx="4199525" cy="1081460"/>
+              </a:xfrm>
+            </p:spPr>
+            <p:txBody>
+              <a:bodyPr>
+                <a:normAutofit/>
+              </a:bodyPr>
+              <a:lstStyle/>
+              <a:p>
+                <a14:m>
+                  <m:oMath xmlns:m="http://schemas.openxmlformats.org/officeDocument/2006/math">
+                    <m:sSub>
+                      <m:sSubPr>
+                        <m:ctrlPr>
+                          <a:rPr lang="x-IV_mathan" i="1" smtClean="0">
+                            <a:solidFill>
+                              <a:schemeClr val="tx1"/>
+                            </a:solidFill>
+                            <a:latin typeface="Cambria Math" panose="02040503050406030204" pitchFamily="18" charset="0"/>
+                          </a:rPr>
+                        </m:ctrlPr>
+                      </m:sSubPr>
+                      <m:e>
+                        <m:r>
+                          <a:rPr lang="fr-CH" b="0" i="1" smtClean="0">
+                            <a:solidFill>
+                              <a:schemeClr val="tx1"/>
+                            </a:solidFill>
+                            <a:latin typeface="Cambria Math" panose="02040503050406030204" pitchFamily="18" charset="0"/>
+                          </a:rPr>
+                          <m:t>𝑥</m:t>
+                        </m:r>
+                      </m:e>
+                      <m:sub>
+                        <m:r>
+                          <a:rPr lang="fr-CH" b="0" i="1" smtClean="0">
+                            <a:solidFill>
+                              <a:schemeClr val="tx1"/>
+                            </a:solidFill>
+                            <a:latin typeface="Cambria Math" panose="02040503050406030204" pitchFamily="18" charset="0"/>
+                          </a:rPr>
+                          <m:t>𝑖</m:t>
+                        </m:r>
+                      </m:sub>
+                    </m:sSub>
+                  </m:oMath>
+                </a14:m>
+                <a:r>
+                  <a:rPr lang="en-GB" dirty="0"/>
+                  <a:t> : Attributs des données</a:t>
+                </a:r>
+              </a:p>
+              <a:p>
+                <a14:m>
+                  <m:oMath xmlns:m="http://schemas.openxmlformats.org/officeDocument/2006/math">
+                    <m:sSub>
+                      <m:sSubPr>
+                        <m:ctrlPr>
+                          <a:rPr lang="x-IV_mathan" i="1" smtClean="0">
+                            <a:solidFill>
+                              <a:schemeClr val="tx1"/>
+                            </a:solidFill>
+                            <a:latin typeface="Cambria Math" panose="02040503050406030204" pitchFamily="18" charset="0"/>
+                          </a:rPr>
+                        </m:ctrlPr>
+                      </m:sSubPr>
+                      <m:e>
+                        <m:r>
+                          <a:rPr lang="fr-CH" b="0" i="1" smtClean="0">
+                            <a:solidFill>
+                              <a:schemeClr val="tx1"/>
+                            </a:solidFill>
+                            <a:latin typeface="Cambria Math" panose="02040503050406030204" pitchFamily="18" charset="0"/>
+                          </a:rPr>
+                          <m:t>𝑦</m:t>
+                        </m:r>
+                      </m:e>
+                      <m:sub>
+                        <m:r>
+                          <a:rPr lang="fr-CH" b="0" i="1" smtClean="0">
+                            <a:solidFill>
+                              <a:schemeClr val="tx1"/>
+                            </a:solidFill>
+                            <a:latin typeface="Cambria Math" panose="02040503050406030204" pitchFamily="18" charset="0"/>
+                          </a:rPr>
+                          <m:t>𝑖</m:t>
+                        </m:r>
+                      </m:sub>
+                    </m:sSub>
+                  </m:oMath>
+                </a14:m>
+                <a:r>
+                  <a:rPr lang="en-GB" dirty="0"/>
+                  <a:t> : label </a:t>
+                </a:r>
+              </a:p>
+            </p:txBody>
+          </p:sp>
+        </mc:Choice>
+        <mc:Fallback>
+          <p:sp>
+            <p:nvSpPr>
+              <p:cNvPr id="13" name="Espace réservé du contenu 2">
+                <a:extLst>
+                  <a:ext uri="{FF2B5EF4-FFF2-40B4-BE49-F238E27FC236}">
+                    <a16:creationId xmlns:a16="http://schemas.microsoft.com/office/drawing/2014/main" id="{421ACD84-0D6A-4674-BE00-90F4FF0D01DE}"/>
+                  </a:ext>
+                </a:extLst>
+              </p:cNvPr>
+              <p:cNvSpPr>
+                <a:spLocks noGrp="1" noRot="1" noChangeAspect="1" noMove="1" noResize="1" noEditPoints="1" noAdjustHandles="1" noChangeArrowheads="1" noChangeShapeType="1" noTextEdit="1"/>
+              </p:cNvSpPr>
+              <p:nvPr>
+                <p:ph idx="1"/>
+              </p:nvPr>
+            </p:nvSpPr>
+            <p:spPr>
+              <a:xfrm>
+                <a:off x="7527655" y="3738897"/>
+                <a:ext cx="4199525" cy="1081460"/>
+              </a:xfrm>
+              <a:blipFill>
+                <a:blip r:embed="rId5"/>
+                <a:stretch>
+                  <a:fillRect t="-8989" r="-1306" b="-7303"/>
+                </a:stretch>
+              </a:blipFill>
+            </p:spPr>
+            <p:txBody>
+              <a:bodyPr/>
+              <a:lstStyle/>
+              <a:p>
+                <a:r>
+                  <a:rPr lang="fr-CH">
+                    <a:noFill/>
+                  </a:rPr>
+                  <a:t> </a:t>
+                </a:r>
+              </a:p>
+            </p:txBody>
+          </p:sp>
+        </mc:Fallback>
+      </mc:AlternateContent>
+      <p:sp>
+        <p:nvSpPr>
+          <p:cNvPr id="18" name="Espace réservé du contenu 6">
+            <a:extLst>
+              <a:ext uri="{FF2B5EF4-FFF2-40B4-BE49-F238E27FC236}">
+                <a16:creationId xmlns:a16="http://schemas.microsoft.com/office/drawing/2014/main" id="{9A4B1FAA-FAB0-4C75-B9CF-5E535095925F}"/>
+              </a:ext>
+            </a:extLst>
+          </p:cNvPr>
+          <p:cNvSpPr txBox="1">
+            <a:spLocks/>
+          </p:cNvSpPr>
+          <p:nvPr/>
+        </p:nvSpPr>
+        <p:spPr>
+          <a:xfrm>
+            <a:off x="464820" y="5346706"/>
+            <a:ext cx="7369669" cy="1166983"/>
+          </a:xfrm>
+          <a:prstGeom prst="rect">
+            <a:avLst/>
+          </a:prstGeom>
+        </p:spPr>
+        <p:txBody>
+          <a:bodyPr vert="horz" lIns="91440" tIns="45720" rIns="91440" bIns="45720" rtlCol="0">
+            <a:normAutofit/>
+          </a:bodyPr>
+          <a:lstStyle>
+            <a:lvl1pPr marL="228600" indent="-228600" algn="l" defTabSz="914400" rtl="0" eaLnBrk="1" latinLnBrk="0" hangingPunct="1">
+              <a:lnSpc>
+                <a:spcPct val="90000"/>
+              </a:lnSpc>
+              <a:spcBef>
+                <a:spcPts val="1000"/>
+              </a:spcBef>
+              <a:buFont typeface="Arial" panose="020B0604020202020204" pitchFamily="34" charset="0"/>
+              <a:buChar char="•"/>
+              <a:defRPr sz="2800" kern="1200">
+                <a:solidFill>
+                  <a:schemeClr val="tx1"/>
+                </a:solidFill>
+                <a:latin typeface="+mn-lt"/>
+                <a:ea typeface="+mn-ea"/>
+                <a:cs typeface="+mn-cs"/>
+              </a:defRPr>
+            </a:lvl1pPr>
+            <a:lvl2pPr marL="685800" indent="-228600" algn="l" defTabSz="914400" rtl="0" eaLnBrk="1" latinLnBrk="0" hangingPunct="1">
+              <a:lnSpc>
+                <a:spcPct val="90000"/>
+              </a:lnSpc>
+              <a:spcBef>
+                <a:spcPts val="500"/>
+              </a:spcBef>
+              <a:buFont typeface="Arial" panose="020B0604020202020204" pitchFamily="34" charset="0"/>
+              <a:buChar char="•"/>
+              <a:defRPr sz="2400" kern="1200">
+                <a:solidFill>
+                  <a:schemeClr val="tx1"/>
+                </a:solidFill>
+                <a:latin typeface="+mn-lt"/>
+                <a:ea typeface="+mn-ea"/>
+                <a:cs typeface="+mn-cs"/>
+              </a:defRPr>
+            </a:lvl2pPr>
+            <a:lvl3pPr marL="1143000" indent="-228600" algn="l" defTabSz="914400" rtl="0" eaLnBrk="1" latinLnBrk="0" hangingPunct="1">
+              <a:lnSpc>
+                <a:spcPct val="90000"/>
+              </a:lnSpc>
+              <a:spcBef>
+                <a:spcPts val="500"/>
+              </a:spcBef>
+              <a:buFont typeface="Arial" panose="020B0604020202020204" pitchFamily="34" charset="0"/>
+              <a:buChar char="•"/>
+              <a:defRPr sz="2000" kern="1200">
+                <a:solidFill>
+                  <a:schemeClr val="tx1"/>
+                </a:solidFill>
+                <a:latin typeface="+mn-lt"/>
+                <a:ea typeface="+mn-ea"/>
+                <a:cs typeface="+mn-cs"/>
+              </a:defRPr>
+            </a:lvl3pPr>
+            <a:lvl4pPr marL="1600200" indent="-228600" algn="l" defTabSz="914400" rtl="0" eaLnBrk="1" latinLnBrk="0" hangingPunct="1">
+              <a:lnSpc>
+                <a:spcPct val="90000"/>
+              </a:lnSpc>
+              <a:spcBef>
+                <a:spcPts val="500"/>
+              </a:spcBef>
+              <a:buFont typeface="Arial" panose="020B0604020202020204" pitchFamily="34" charset="0"/>
+              <a:buChar char="•"/>
+              <a:defRPr sz="1800" kern="1200">
+                <a:solidFill>
+                  <a:schemeClr val="tx1"/>
+                </a:solidFill>
+                <a:latin typeface="+mn-lt"/>
+                <a:ea typeface="+mn-ea"/>
+                <a:cs typeface="+mn-cs"/>
+              </a:defRPr>
+            </a:lvl4pPr>
+            <a:lvl5pPr marL="2057400" indent="-228600" algn="l" defTabSz="914400" rtl="0" eaLnBrk="1" latinLnBrk="0" hangingPunct="1">
+              <a:lnSpc>
+                <a:spcPct val="90000"/>
+              </a:lnSpc>
+              <a:spcBef>
+                <a:spcPts val="500"/>
+              </a:spcBef>
+              <a:buFont typeface="Arial" panose="020B0604020202020204" pitchFamily="34" charset="0"/>
+              <a:buChar char="•"/>
+              <a:defRPr sz="1800" kern="1200">
+                <a:solidFill>
+                  <a:schemeClr val="tx1"/>
+                </a:solidFill>
+                <a:latin typeface="+mn-lt"/>
+                <a:ea typeface="+mn-ea"/>
+                <a:cs typeface="+mn-cs"/>
+              </a:defRPr>
+            </a:lvl5pPr>
+            <a:lvl6pPr marL="2514600" indent="-228600" algn="l" defTabSz="914400" rtl="0" eaLnBrk="1" latinLnBrk="0" hangingPunct="1">
+              <a:lnSpc>
+                <a:spcPct val="90000"/>
+              </a:lnSpc>
+              <a:spcBef>
+                <a:spcPts val="500"/>
+              </a:spcBef>
+              <a:buFont typeface="Arial" panose="020B0604020202020204" pitchFamily="34" charset="0"/>
+              <a:buChar char="•"/>
+              <a:defRPr sz="1800" kern="1200">
+                <a:solidFill>
+                  <a:schemeClr val="tx1"/>
+                </a:solidFill>
+                <a:latin typeface="+mn-lt"/>
+                <a:ea typeface="+mn-ea"/>
+                <a:cs typeface="+mn-cs"/>
+              </a:defRPr>
+            </a:lvl6pPr>
+            <a:lvl7pPr marL="2971800" indent="-228600" algn="l" defTabSz="914400" rtl="0" eaLnBrk="1" latinLnBrk="0" hangingPunct="1">
+              <a:lnSpc>
+                <a:spcPct val="90000"/>
+              </a:lnSpc>
+              <a:spcBef>
+                <a:spcPts val="500"/>
+              </a:spcBef>
+              <a:buFont typeface="Arial" panose="020B0604020202020204" pitchFamily="34" charset="0"/>
+              <a:buChar char="•"/>
+              <a:defRPr sz="1800" kern="1200">
+                <a:solidFill>
+                  <a:schemeClr val="tx1"/>
+                </a:solidFill>
+                <a:latin typeface="+mn-lt"/>
+                <a:ea typeface="+mn-ea"/>
+                <a:cs typeface="+mn-cs"/>
+              </a:defRPr>
+            </a:lvl7pPr>
+            <a:lvl8pPr marL="3429000" indent="-228600" algn="l" defTabSz="914400" rtl="0" eaLnBrk="1" latinLnBrk="0" hangingPunct="1">
+              <a:lnSpc>
+                <a:spcPct val="90000"/>
+              </a:lnSpc>
+              <a:spcBef>
+                <a:spcPts val="500"/>
+              </a:spcBef>
+              <a:buFont typeface="Arial" panose="020B0604020202020204" pitchFamily="34" charset="0"/>
+              <a:buChar char="•"/>
+              <a:defRPr sz="1800" kern="1200">
+                <a:solidFill>
+                  <a:schemeClr val="tx1"/>
+                </a:solidFill>
+                <a:latin typeface="+mn-lt"/>
+                <a:ea typeface="+mn-ea"/>
+                <a:cs typeface="+mn-cs"/>
+              </a:defRPr>
+            </a:lvl8pPr>
+            <a:lvl9pPr marL="3886200" indent="-228600" algn="l" defTabSz="914400" rtl="0" eaLnBrk="1" latinLnBrk="0" hangingPunct="1">
+              <a:lnSpc>
+                <a:spcPct val="90000"/>
+              </a:lnSpc>
+              <a:spcBef>
+                <a:spcPts val="500"/>
+              </a:spcBef>
+              <a:buFont typeface="Arial" panose="020B0604020202020204" pitchFamily="34" charset="0"/>
+              <a:buChar char="•"/>
+              <a:defRPr sz="1800" kern="1200">
+                <a:solidFill>
+                  <a:schemeClr val="tx1"/>
+                </a:solidFill>
+                <a:latin typeface="+mn-lt"/>
+                <a:ea typeface="+mn-ea"/>
+                <a:cs typeface="+mn-cs"/>
+              </a:defRPr>
+            </a:lvl9pPr>
+          </a:lstStyle>
+          <a:p>
+            <a:pPr marL="0" indent="0">
+              <a:buFont typeface="Arial" panose="020B0604020202020204" pitchFamily="34" charset="0"/>
+              <a:buNone/>
+            </a:pPr>
+            <a:r>
+              <a:rPr lang="fr-CH" dirty="0"/>
+              <a:t>Etant donné un ensemble de données (X) labellisées (Y), on cherche à définir un classifieur: </a:t>
+            </a:r>
+          </a:p>
+        </p:txBody>
+      </p:sp>
+      <p:pic>
+        <p:nvPicPr>
+          <p:cNvPr id="19" name="Image 18">
+            <a:extLst>
+              <a:ext uri="{FF2B5EF4-FFF2-40B4-BE49-F238E27FC236}">
+                <a16:creationId xmlns:a16="http://schemas.microsoft.com/office/drawing/2014/main" id="{C0630E65-32E4-4BB5-BF4E-06701BD80AE9}"/>
+              </a:ext>
+            </a:extLst>
+          </p:cNvPr>
+          <p:cNvPicPr>
+            <a:picLocks noChangeAspect="1"/>
+          </p:cNvPicPr>
+          <p:nvPr/>
+        </p:nvPicPr>
+        <p:blipFill>
+          <a:blip r:embed="rId6"/>
+          <a:stretch>
+            <a:fillRect/>
+          </a:stretch>
+        </p:blipFill>
+        <p:spPr>
+          <a:xfrm>
+            <a:off x="7983855" y="5268405"/>
+            <a:ext cx="3743325" cy="1162050"/>
+          </a:xfrm>
+          <a:prstGeom prst="rect">
+            <a:avLst/>
+          </a:prstGeom>
+        </p:spPr>
+      </p:pic>
     </p:spTree>
     <p:extLst>
       <p:ext uri="{BB962C8B-B14F-4D97-AF65-F5344CB8AC3E}">
-        <p14:creationId xmlns:p14="http://schemas.microsoft.com/office/powerpoint/2010/main" val="2558671712"/>
+        <p14:creationId xmlns:p14="http://schemas.microsoft.com/office/powerpoint/2010/main" val="1271944487"/>
       </p:ext>
     </p:extLst>
   </p:cSld>
@@ -14562,7 +18683,7 @@
 </p:sld>
 </file>
 
-<file path=ppt/slides/slide31.xml><?xml version="1.0" encoding="utf-8"?>
+<file path=ppt/slides/slide39.xml><?xml version="1.0" encoding="utf-8"?>
 <p:sld xmlns:a="http://schemas.openxmlformats.org/drawingml/2006/main" xmlns:r="http://schemas.openxmlformats.org/officeDocument/2006/relationships" xmlns:p="http://schemas.openxmlformats.org/presentationml/2006/main">
   <p:cSld>
     <p:spTree>
@@ -14584,7 +18705,7 @@
           <p:cNvPr id="2" name="Titre 1">
             <a:extLst>
               <a:ext uri="{FF2B5EF4-FFF2-40B4-BE49-F238E27FC236}">
-                <a16:creationId xmlns:a16="http://schemas.microsoft.com/office/drawing/2014/main" id="{21766C66-1FE8-40A6-86E7-67715FC56E02}"/>
+                <a16:creationId xmlns:a16="http://schemas.microsoft.com/office/drawing/2014/main" id="{1DE24D75-C6DE-4394-A51C-5EF310010BA5}"/>
               </a:ext>
             </a:extLst>
           </p:cNvPr>
@@ -14595,374 +18716,304 @@
             <p:ph type="title"/>
           </p:nvPr>
         </p:nvSpPr>
-        <p:spPr/>
-        <p:txBody>
-          <a:bodyPr>
-            <a:normAutofit/>
+        <p:spPr>
+          <a:xfrm>
+            <a:off x="0" y="-316992"/>
+            <a:ext cx="929640" cy="1325563"/>
+          </a:xfrm>
+        </p:spPr>
+        <p:txBody>
+          <a:bodyPr/>
+          <a:lstStyle/>
+          <a:p>
+            <a:r>
+              <a:rPr lang="fr-CH">
+                <a:solidFill>
+                  <a:schemeClr val="accent1"/>
+                </a:solidFill>
+              </a:rPr>
+              <a:t>10.</a:t>
+            </a:r>
+            <a:endParaRPr lang="en-GB" dirty="0">
+              <a:solidFill>
+                <a:schemeClr val="accent1"/>
+              </a:solidFill>
+            </a:endParaRPr>
+          </a:p>
+        </p:txBody>
+      </p:sp>
+      <p:sp>
+        <p:nvSpPr>
+          <p:cNvPr id="4" name="ZoneTexte 3">
+            <a:extLst>
+              <a:ext uri="{FF2B5EF4-FFF2-40B4-BE49-F238E27FC236}">
+                <a16:creationId xmlns:a16="http://schemas.microsoft.com/office/drawing/2014/main" id="{B4A469F4-C262-4F6E-8D5D-858330AC98E0}"/>
+              </a:ext>
+            </a:extLst>
+          </p:cNvPr>
+          <p:cNvSpPr txBox="1"/>
+          <p:nvPr/>
+        </p:nvSpPr>
+        <p:spPr>
+          <a:xfrm>
+            <a:off x="746760" y="161123"/>
+            <a:ext cx="10515600" cy="369332"/>
+          </a:xfrm>
+          <a:prstGeom prst="rect">
+            <a:avLst/>
+          </a:prstGeom>
+          <a:noFill/>
+        </p:spPr>
+        <p:txBody>
+          <a:bodyPr wrap="square" rtlCol="0">
+            <a:spAutoFit/>
           </a:bodyPr>
           <a:lstStyle/>
           <a:p>
             <a:r>
-              <a:rPr lang="fr-FR" sz="1400" dirty="0">
+              <a:rPr lang="fr-FR" sz="1800" dirty="0">
                 <a:solidFill>
-                  <a:srgbClr val="FF0000"/>
+                  <a:schemeClr val="accent1"/>
                 </a:solidFill>
                 <a:effectLst/>
                 <a:latin typeface="Arial" panose="020B0604020202020204" pitchFamily="34" charset="0"/>
               </a:rPr>
-              <a:t>11.</a:t>
-            </a:r>
-            <a:r>
-              <a:rPr lang="fr-FR" sz="1400" dirty="0">
-                <a:effectLst/>
-                <a:latin typeface="Arial" panose="020B0604020202020204" pitchFamily="34" charset="0"/>
-              </a:rPr>
-              <a:t>Régression logistique: Rappelez le principe de l’apprentissage supervisé. Quel est le protocole de gestion des données dans ce contexte ? Rappelez la relation entre classification et régression? Qu’est-ce que l’algorithme de régression logistique? Quelles sont les hypothèses sous-jacentes? Quels sont les paramètres? Quel est sont les propriétés de la fonction logistique? Qu’est-</a:t>
-            </a:r>
-            <a:r>
-              <a:rPr lang="fr-FR" sz="1400" dirty="0" err="1">
-                <a:effectLst/>
-                <a:latin typeface="Arial" panose="020B0604020202020204" pitchFamily="34" charset="0"/>
-              </a:rPr>
-              <a:t>ceque</a:t>
-            </a:r>
-            <a:r>
-              <a:rPr lang="fr-FR" sz="1400" dirty="0">
-                <a:effectLst/>
-                <a:latin typeface="Arial" panose="020B0604020202020204" pitchFamily="34" charset="0"/>
-              </a:rPr>
-              <a:t> le sur-apprentissage? Discutez sa relation avec la régression logistique.</a:t>
-            </a:r>
-            <a:endParaRPr lang="en-GB" sz="1400" dirty="0"/>
-          </a:p>
-        </p:txBody>
-      </p:sp>
-      <p:sp>
-        <p:nvSpPr>
-          <p:cNvPr id="3" name="Espace réservé du contenu 2">
-            <a:extLst>
-              <a:ext uri="{FF2B5EF4-FFF2-40B4-BE49-F238E27FC236}">
-                <a16:creationId xmlns:a16="http://schemas.microsoft.com/office/drawing/2014/main" id="{55ECBF04-F52F-4B3F-9304-4E4A2E668DA9}"/>
-              </a:ext>
-            </a:extLst>
-          </p:cNvPr>
-          <p:cNvSpPr>
-            <a:spLocks noGrp="1"/>
-          </p:cNvSpPr>
-          <p:nvPr>
-            <p:ph idx="1"/>
-          </p:nvPr>
-        </p:nvSpPr>
-        <p:spPr/>
-        <p:txBody>
-          <a:bodyPr/>
-          <a:lstStyle/>
-          <a:p>
-            <a:endParaRPr lang="en-GB" dirty="0"/>
+              <a:t>Qu’est-ce que l’algorithme de Naïve Bayes?</a:t>
+            </a:r>
+            <a:endParaRPr lang="en-GB" dirty="0">
+              <a:solidFill>
+                <a:schemeClr val="accent1"/>
+              </a:solidFill>
+            </a:endParaRPr>
+          </a:p>
+        </p:txBody>
+      </p:sp>
+      <p:sp>
+        <p:nvSpPr>
+          <p:cNvPr id="18" name="Espace réservé du contenu 6">
+            <a:extLst>
+              <a:ext uri="{FF2B5EF4-FFF2-40B4-BE49-F238E27FC236}">
+                <a16:creationId xmlns:a16="http://schemas.microsoft.com/office/drawing/2014/main" id="{9A4B1FAA-FAB0-4C75-B9CF-5E535095925F}"/>
+              </a:ext>
+            </a:extLst>
+          </p:cNvPr>
+          <p:cNvSpPr txBox="1">
+            <a:spLocks/>
+          </p:cNvSpPr>
+          <p:nvPr/>
+        </p:nvSpPr>
+        <p:spPr>
+          <a:xfrm>
+            <a:off x="929640" y="898883"/>
+            <a:ext cx="10332719" cy="5185828"/>
+          </a:xfrm>
+          <a:prstGeom prst="rect">
+            <a:avLst/>
+          </a:prstGeom>
+        </p:spPr>
+        <p:txBody>
+          <a:bodyPr vert="horz" lIns="91440" tIns="45720" rIns="91440" bIns="45720" rtlCol="0">
+            <a:normAutofit/>
+          </a:bodyPr>
+          <a:lstStyle>
+            <a:lvl1pPr marL="228600" indent="-228600" algn="l" defTabSz="914400" rtl="0" eaLnBrk="1" latinLnBrk="0" hangingPunct="1">
+              <a:lnSpc>
+                <a:spcPct val="90000"/>
+              </a:lnSpc>
+              <a:spcBef>
+                <a:spcPts val="1000"/>
+              </a:spcBef>
+              <a:buFont typeface="Arial" panose="020B0604020202020204" pitchFamily="34" charset="0"/>
+              <a:buChar char="•"/>
+              <a:defRPr sz="2800" kern="1200">
+                <a:solidFill>
+                  <a:schemeClr val="tx1"/>
+                </a:solidFill>
+                <a:latin typeface="+mn-lt"/>
+                <a:ea typeface="+mn-ea"/>
+                <a:cs typeface="+mn-cs"/>
+              </a:defRPr>
+            </a:lvl1pPr>
+            <a:lvl2pPr marL="685800" indent="-228600" algn="l" defTabSz="914400" rtl="0" eaLnBrk="1" latinLnBrk="0" hangingPunct="1">
+              <a:lnSpc>
+                <a:spcPct val="90000"/>
+              </a:lnSpc>
+              <a:spcBef>
+                <a:spcPts val="500"/>
+              </a:spcBef>
+              <a:buFont typeface="Arial" panose="020B0604020202020204" pitchFamily="34" charset="0"/>
+              <a:buChar char="•"/>
+              <a:defRPr sz="2400" kern="1200">
+                <a:solidFill>
+                  <a:schemeClr val="tx1"/>
+                </a:solidFill>
+                <a:latin typeface="+mn-lt"/>
+                <a:ea typeface="+mn-ea"/>
+                <a:cs typeface="+mn-cs"/>
+              </a:defRPr>
+            </a:lvl2pPr>
+            <a:lvl3pPr marL="1143000" indent="-228600" algn="l" defTabSz="914400" rtl="0" eaLnBrk="1" latinLnBrk="0" hangingPunct="1">
+              <a:lnSpc>
+                <a:spcPct val="90000"/>
+              </a:lnSpc>
+              <a:spcBef>
+                <a:spcPts val="500"/>
+              </a:spcBef>
+              <a:buFont typeface="Arial" panose="020B0604020202020204" pitchFamily="34" charset="0"/>
+              <a:buChar char="•"/>
+              <a:defRPr sz="2000" kern="1200">
+                <a:solidFill>
+                  <a:schemeClr val="tx1"/>
+                </a:solidFill>
+                <a:latin typeface="+mn-lt"/>
+                <a:ea typeface="+mn-ea"/>
+                <a:cs typeface="+mn-cs"/>
+              </a:defRPr>
+            </a:lvl3pPr>
+            <a:lvl4pPr marL="1600200" indent="-228600" algn="l" defTabSz="914400" rtl="0" eaLnBrk="1" latinLnBrk="0" hangingPunct="1">
+              <a:lnSpc>
+                <a:spcPct val="90000"/>
+              </a:lnSpc>
+              <a:spcBef>
+                <a:spcPts val="500"/>
+              </a:spcBef>
+              <a:buFont typeface="Arial" panose="020B0604020202020204" pitchFamily="34" charset="0"/>
+              <a:buChar char="•"/>
+              <a:defRPr sz="1800" kern="1200">
+                <a:solidFill>
+                  <a:schemeClr val="tx1"/>
+                </a:solidFill>
+                <a:latin typeface="+mn-lt"/>
+                <a:ea typeface="+mn-ea"/>
+                <a:cs typeface="+mn-cs"/>
+              </a:defRPr>
+            </a:lvl4pPr>
+            <a:lvl5pPr marL="2057400" indent="-228600" algn="l" defTabSz="914400" rtl="0" eaLnBrk="1" latinLnBrk="0" hangingPunct="1">
+              <a:lnSpc>
+                <a:spcPct val="90000"/>
+              </a:lnSpc>
+              <a:spcBef>
+                <a:spcPts val="500"/>
+              </a:spcBef>
+              <a:buFont typeface="Arial" panose="020B0604020202020204" pitchFamily="34" charset="0"/>
+              <a:buChar char="•"/>
+              <a:defRPr sz="1800" kern="1200">
+                <a:solidFill>
+                  <a:schemeClr val="tx1"/>
+                </a:solidFill>
+                <a:latin typeface="+mn-lt"/>
+                <a:ea typeface="+mn-ea"/>
+                <a:cs typeface="+mn-cs"/>
+              </a:defRPr>
+            </a:lvl5pPr>
+            <a:lvl6pPr marL="2514600" indent="-228600" algn="l" defTabSz="914400" rtl="0" eaLnBrk="1" latinLnBrk="0" hangingPunct="1">
+              <a:lnSpc>
+                <a:spcPct val="90000"/>
+              </a:lnSpc>
+              <a:spcBef>
+                <a:spcPts val="500"/>
+              </a:spcBef>
+              <a:buFont typeface="Arial" panose="020B0604020202020204" pitchFamily="34" charset="0"/>
+              <a:buChar char="•"/>
+              <a:defRPr sz="1800" kern="1200">
+                <a:solidFill>
+                  <a:schemeClr val="tx1"/>
+                </a:solidFill>
+                <a:latin typeface="+mn-lt"/>
+                <a:ea typeface="+mn-ea"/>
+                <a:cs typeface="+mn-cs"/>
+              </a:defRPr>
+            </a:lvl6pPr>
+            <a:lvl7pPr marL="2971800" indent="-228600" algn="l" defTabSz="914400" rtl="0" eaLnBrk="1" latinLnBrk="0" hangingPunct="1">
+              <a:lnSpc>
+                <a:spcPct val="90000"/>
+              </a:lnSpc>
+              <a:spcBef>
+                <a:spcPts val="500"/>
+              </a:spcBef>
+              <a:buFont typeface="Arial" panose="020B0604020202020204" pitchFamily="34" charset="0"/>
+              <a:buChar char="•"/>
+              <a:defRPr sz="1800" kern="1200">
+                <a:solidFill>
+                  <a:schemeClr val="tx1"/>
+                </a:solidFill>
+                <a:latin typeface="+mn-lt"/>
+                <a:ea typeface="+mn-ea"/>
+                <a:cs typeface="+mn-cs"/>
+              </a:defRPr>
+            </a:lvl7pPr>
+            <a:lvl8pPr marL="3429000" indent="-228600" algn="l" defTabSz="914400" rtl="0" eaLnBrk="1" latinLnBrk="0" hangingPunct="1">
+              <a:lnSpc>
+                <a:spcPct val="90000"/>
+              </a:lnSpc>
+              <a:spcBef>
+                <a:spcPts val="500"/>
+              </a:spcBef>
+              <a:buFont typeface="Arial" panose="020B0604020202020204" pitchFamily="34" charset="0"/>
+              <a:buChar char="•"/>
+              <a:defRPr sz="1800" kern="1200">
+                <a:solidFill>
+                  <a:schemeClr val="tx1"/>
+                </a:solidFill>
+                <a:latin typeface="+mn-lt"/>
+                <a:ea typeface="+mn-ea"/>
+                <a:cs typeface="+mn-cs"/>
+              </a:defRPr>
+            </a:lvl8pPr>
+            <a:lvl9pPr marL="3886200" indent="-228600" algn="l" defTabSz="914400" rtl="0" eaLnBrk="1" latinLnBrk="0" hangingPunct="1">
+              <a:lnSpc>
+                <a:spcPct val="90000"/>
+              </a:lnSpc>
+              <a:spcBef>
+                <a:spcPts val="500"/>
+              </a:spcBef>
+              <a:buFont typeface="Arial" panose="020B0604020202020204" pitchFamily="34" charset="0"/>
+              <a:buChar char="•"/>
+              <a:defRPr sz="1800" kern="1200">
+                <a:solidFill>
+                  <a:schemeClr val="tx1"/>
+                </a:solidFill>
+                <a:latin typeface="+mn-lt"/>
+                <a:ea typeface="+mn-ea"/>
+                <a:cs typeface="+mn-cs"/>
+              </a:defRPr>
+            </a:lvl9pPr>
+          </a:lstStyle>
+          <a:p>
+            <a:r>
+              <a:rPr lang="fr-CH" dirty="0"/>
+              <a:t>Le but c’est d’estimer la meilleure classe en fonction des données</a:t>
+            </a:r>
+          </a:p>
+          <a:p>
+            <a:r>
+              <a:rPr lang="fr-CH" dirty="0"/>
+              <a:t>Vu qu’on va devoir trouver la classe de toute donnée quelconque, on doit généraliser </a:t>
+            </a:r>
+          </a:p>
+          <a:p>
+            <a:r>
+              <a:rPr lang="fr-CH" dirty="0"/>
+              <a:t>Comment généraliser ?</a:t>
+            </a:r>
+          </a:p>
+          <a:p>
+            <a:pPr lvl="1"/>
+            <a:endParaRPr lang="fr-CH" dirty="0"/>
+          </a:p>
+          <a:p>
+            <a:pPr lvl="1"/>
+            <a:r>
+              <a:rPr lang="fr-CH" dirty="0"/>
+              <a:t>L’idée est de prendre un apriori de nos données d’apprentissage et le transformer en fonction d’une nouvelle observation</a:t>
+            </a:r>
           </a:p>
         </p:txBody>
       </p:sp>
     </p:spTree>
     <p:extLst>
       <p:ext uri="{BB962C8B-B14F-4D97-AF65-F5344CB8AC3E}">
-        <p14:creationId xmlns:p14="http://schemas.microsoft.com/office/powerpoint/2010/main" val="559109952"/>
-      </p:ext>
-    </p:extLst>
-  </p:cSld>
-  <p:clrMapOvr>
-    <a:masterClrMapping/>
-  </p:clrMapOvr>
-</p:sld>
-</file>
-
-<file path=ppt/slides/slide32.xml><?xml version="1.0" encoding="utf-8"?>
-<p:sld xmlns:a="http://schemas.openxmlformats.org/drawingml/2006/main" xmlns:r="http://schemas.openxmlformats.org/officeDocument/2006/relationships" xmlns:p="http://schemas.openxmlformats.org/presentationml/2006/main">
-  <p:cSld>
-    <p:spTree>
-      <p:nvGrpSpPr>
-        <p:cNvPr id="1" name=""/>
-        <p:cNvGrpSpPr/>
-        <p:nvPr/>
-      </p:nvGrpSpPr>
-      <p:grpSpPr>
-        <a:xfrm>
-          <a:off x="0" y="0"/>
-          <a:ext cx="0" cy="0"/>
-          <a:chOff x="0" y="0"/>
-          <a:chExt cx="0" cy="0"/>
-        </a:xfrm>
-      </p:grpSpPr>
-      <p:sp>
-        <p:nvSpPr>
-          <p:cNvPr id="2" name="Titre 1">
-            <a:extLst>
-              <a:ext uri="{FF2B5EF4-FFF2-40B4-BE49-F238E27FC236}">
-                <a16:creationId xmlns:a16="http://schemas.microsoft.com/office/drawing/2014/main" id="{21766C66-1FE8-40A6-86E7-67715FC56E02}"/>
-              </a:ext>
-            </a:extLst>
-          </p:cNvPr>
-          <p:cNvSpPr>
-            <a:spLocks noGrp="1"/>
-          </p:cNvSpPr>
-          <p:nvPr>
-            <p:ph type="title"/>
-          </p:nvPr>
-        </p:nvSpPr>
-        <p:spPr/>
-        <p:txBody>
-          <a:bodyPr>
-            <a:normAutofit/>
-          </a:bodyPr>
-          <a:lstStyle/>
-          <a:p>
-            <a:r>
-              <a:rPr lang="fr-FR" sz="1400" dirty="0">
-                <a:solidFill>
-                  <a:srgbClr val="FF0000"/>
-                </a:solidFill>
-                <a:effectLst/>
-                <a:latin typeface="Arial" panose="020B0604020202020204" pitchFamily="34" charset="0"/>
-              </a:rPr>
-              <a:t>12.</a:t>
-            </a:r>
-            <a:r>
-              <a:rPr lang="fr-FR" sz="1400" dirty="0">
-                <a:effectLst/>
-                <a:latin typeface="Arial" panose="020B0604020202020204" pitchFamily="34" charset="0"/>
-              </a:rPr>
-              <a:t>Apprentissage neuronal: En quoi est-ce un apprentissage supervisé? Qu’est qu’un classifieur linéaire? Que propose l’algorithme du perceptron? Quelle est sa relation à un neurone artificiel? Comment peut-on entrainer un neurone artificiel? Quels sont ses paramètres? Quels sont les paramètres de l’algorithme d’apprentissage? Quel est le principe de l’algorithme de descente en gradient?</a:t>
-            </a:r>
-            <a:endParaRPr lang="en-GB" sz="1400" dirty="0"/>
-          </a:p>
-        </p:txBody>
-      </p:sp>
-      <p:sp>
-        <p:nvSpPr>
-          <p:cNvPr id="3" name="Espace réservé du contenu 2">
-            <a:extLst>
-              <a:ext uri="{FF2B5EF4-FFF2-40B4-BE49-F238E27FC236}">
-                <a16:creationId xmlns:a16="http://schemas.microsoft.com/office/drawing/2014/main" id="{55ECBF04-F52F-4B3F-9304-4E4A2E668DA9}"/>
-              </a:ext>
-            </a:extLst>
-          </p:cNvPr>
-          <p:cNvSpPr>
-            <a:spLocks noGrp="1"/>
-          </p:cNvSpPr>
-          <p:nvPr>
-            <p:ph idx="1"/>
-          </p:nvPr>
-        </p:nvSpPr>
-        <p:spPr/>
-        <p:txBody>
-          <a:bodyPr/>
-          <a:lstStyle/>
-          <a:p>
-            <a:endParaRPr lang="en-GB" dirty="0"/>
-          </a:p>
-        </p:txBody>
-      </p:sp>
-    </p:spTree>
-    <p:extLst>
-      <p:ext uri="{BB962C8B-B14F-4D97-AF65-F5344CB8AC3E}">
-        <p14:creationId xmlns:p14="http://schemas.microsoft.com/office/powerpoint/2010/main" val="4013026078"/>
-      </p:ext>
-    </p:extLst>
-  </p:cSld>
-  <p:clrMapOvr>
-    <a:masterClrMapping/>
-  </p:clrMapOvr>
-</p:sld>
-</file>
-
-<file path=ppt/slides/slide33.xml><?xml version="1.0" encoding="utf-8"?>
-<p:sld xmlns:a="http://schemas.openxmlformats.org/drawingml/2006/main" xmlns:r="http://schemas.openxmlformats.org/officeDocument/2006/relationships" xmlns:p="http://schemas.openxmlformats.org/presentationml/2006/main">
-  <p:cSld>
-    <p:spTree>
-      <p:nvGrpSpPr>
-        <p:cNvPr id="1" name=""/>
-        <p:cNvGrpSpPr/>
-        <p:nvPr/>
-      </p:nvGrpSpPr>
-      <p:grpSpPr>
-        <a:xfrm>
-          <a:off x="0" y="0"/>
-          <a:ext cx="0" cy="0"/>
-          <a:chOff x="0" y="0"/>
-          <a:chExt cx="0" cy="0"/>
-        </a:xfrm>
-      </p:grpSpPr>
-      <p:sp>
-        <p:nvSpPr>
-          <p:cNvPr id="2" name="Titre 1">
-            <a:extLst>
-              <a:ext uri="{FF2B5EF4-FFF2-40B4-BE49-F238E27FC236}">
-                <a16:creationId xmlns:a16="http://schemas.microsoft.com/office/drawing/2014/main" id="{21766C66-1FE8-40A6-86E7-67715FC56E02}"/>
-              </a:ext>
-            </a:extLst>
-          </p:cNvPr>
-          <p:cNvSpPr>
-            <a:spLocks noGrp="1"/>
-          </p:cNvSpPr>
-          <p:nvPr>
-            <p:ph type="title"/>
-          </p:nvPr>
-        </p:nvSpPr>
-        <p:spPr/>
-        <p:txBody>
-          <a:bodyPr>
-            <a:normAutofit/>
-          </a:bodyPr>
-          <a:lstStyle/>
-          <a:p>
-            <a:r>
-              <a:rPr lang="fr-FR" sz="1400" dirty="0">
-                <a:solidFill>
-                  <a:srgbClr val="FF0000"/>
-                </a:solidFill>
-                <a:effectLst/>
-                <a:latin typeface="Arial" panose="020B0604020202020204" pitchFamily="34" charset="0"/>
-              </a:rPr>
-              <a:t>13.</a:t>
-            </a:r>
-            <a:r>
-              <a:rPr lang="fr-FR" sz="1400" dirty="0">
-                <a:effectLst/>
-                <a:latin typeface="Arial" panose="020B0604020202020204" pitchFamily="34" charset="0"/>
-              </a:rPr>
-              <a:t>Réseaux de neurones: Rappelez le principe d’un neurone artificiel. Comment combine-t-on les neurones en réseaux? Comment entraine-t-on un réseau de neurones? Qu’est-ce que la fonction logistique? Comment est-elle utilisée dans un neurone artificiel? Quelles sont ses propriétés? Vous pourrez parler des principes des graphes computationnels et de la différentiation automatique.</a:t>
-            </a:r>
-            <a:endParaRPr lang="en-GB" sz="1400" dirty="0"/>
-          </a:p>
-        </p:txBody>
-      </p:sp>
-      <p:sp>
-        <p:nvSpPr>
-          <p:cNvPr id="3" name="Espace réservé du contenu 2">
-            <a:extLst>
-              <a:ext uri="{FF2B5EF4-FFF2-40B4-BE49-F238E27FC236}">
-                <a16:creationId xmlns:a16="http://schemas.microsoft.com/office/drawing/2014/main" id="{55ECBF04-F52F-4B3F-9304-4E4A2E668DA9}"/>
-              </a:ext>
-            </a:extLst>
-          </p:cNvPr>
-          <p:cNvSpPr>
-            <a:spLocks noGrp="1"/>
-          </p:cNvSpPr>
-          <p:nvPr>
-            <p:ph idx="1"/>
-          </p:nvPr>
-        </p:nvSpPr>
-        <p:spPr/>
-        <p:txBody>
-          <a:bodyPr/>
-          <a:lstStyle/>
-          <a:p>
-            <a:endParaRPr lang="en-GB" dirty="0"/>
-          </a:p>
-        </p:txBody>
-      </p:sp>
-    </p:spTree>
-    <p:extLst>
-      <p:ext uri="{BB962C8B-B14F-4D97-AF65-F5344CB8AC3E}">
-        <p14:creationId xmlns:p14="http://schemas.microsoft.com/office/powerpoint/2010/main" val="2009642305"/>
-      </p:ext>
-    </p:extLst>
-  </p:cSld>
-  <p:clrMapOvr>
-    <a:masterClrMapping/>
-  </p:clrMapOvr>
-</p:sld>
-</file>
-
-<file path=ppt/slides/slide34.xml><?xml version="1.0" encoding="utf-8"?>
-<p:sld xmlns:a="http://schemas.openxmlformats.org/drawingml/2006/main" xmlns:r="http://schemas.openxmlformats.org/officeDocument/2006/relationships" xmlns:p="http://schemas.openxmlformats.org/presentationml/2006/main">
-  <p:cSld>
-    <p:spTree>
-      <p:nvGrpSpPr>
-        <p:cNvPr id="1" name=""/>
-        <p:cNvGrpSpPr/>
-        <p:nvPr/>
-      </p:nvGrpSpPr>
-      <p:grpSpPr>
-        <a:xfrm>
-          <a:off x="0" y="0"/>
-          <a:ext cx="0" cy="0"/>
-          <a:chOff x="0" y="0"/>
-          <a:chExt cx="0" cy="0"/>
-        </a:xfrm>
-      </p:grpSpPr>
-      <p:sp>
-        <p:nvSpPr>
-          <p:cNvPr id="2" name="Titre 1">
-            <a:extLst>
-              <a:ext uri="{FF2B5EF4-FFF2-40B4-BE49-F238E27FC236}">
-                <a16:creationId xmlns:a16="http://schemas.microsoft.com/office/drawing/2014/main" id="{21766C66-1FE8-40A6-86E7-67715FC56E02}"/>
-              </a:ext>
-            </a:extLst>
-          </p:cNvPr>
-          <p:cNvSpPr>
-            <a:spLocks noGrp="1"/>
-          </p:cNvSpPr>
-          <p:nvPr>
-            <p:ph type="title"/>
-          </p:nvPr>
-        </p:nvSpPr>
-        <p:spPr/>
-        <p:txBody>
-          <a:bodyPr>
-            <a:normAutofit/>
-          </a:bodyPr>
-          <a:lstStyle/>
-          <a:p>
-            <a:r>
-              <a:rPr lang="fr-FR" sz="1400" dirty="0">
-                <a:solidFill>
-                  <a:srgbClr val="FF0000"/>
-                </a:solidFill>
-                <a:effectLst/>
-                <a:latin typeface="Arial" panose="020B0604020202020204" pitchFamily="34" charset="0"/>
-              </a:rPr>
-              <a:t>14.</a:t>
-            </a:r>
-            <a:r>
-              <a:rPr lang="fr-FR" sz="1400" dirty="0">
-                <a:effectLst/>
-                <a:latin typeface="Arial" panose="020B0604020202020204" pitchFamily="34" charset="0"/>
-              </a:rPr>
-              <a:t>Biais et équité: En quoi le protocole de gestion des données dans l’apprentissage supervisé (dont on rappellera les objectifs et principes) vise à éviter les biais dans l’apprentissage? Serait-il correct de tester un algorithme avec les données avec lesquels il a appris? Qu’est-ce que des attributs protégés et comment interviennent-ils dans un algorithme d’apprentissage supervisé? Comment peut-on espérer traduire l’équité dans un modelé probabiliste? L’équité dans l’apprentissage n’est-elle qu’un problème de qualité des données ou du choix de ses attributs ?Qu’est-ce que l’effet d’aggravation et ou le retrouve-ton? Citez des exemple set des contre-exemples.</a:t>
-            </a:r>
-            <a:endParaRPr lang="en-GB" sz="1400" dirty="0"/>
-          </a:p>
-        </p:txBody>
-      </p:sp>
-      <p:sp>
-        <p:nvSpPr>
-          <p:cNvPr id="3" name="Espace réservé du contenu 2">
-            <a:extLst>
-              <a:ext uri="{FF2B5EF4-FFF2-40B4-BE49-F238E27FC236}">
-                <a16:creationId xmlns:a16="http://schemas.microsoft.com/office/drawing/2014/main" id="{55ECBF04-F52F-4B3F-9304-4E4A2E668DA9}"/>
-              </a:ext>
-            </a:extLst>
-          </p:cNvPr>
-          <p:cNvSpPr>
-            <a:spLocks noGrp="1"/>
-          </p:cNvSpPr>
-          <p:nvPr>
-            <p:ph idx="1"/>
-          </p:nvPr>
-        </p:nvSpPr>
-        <p:spPr/>
-        <p:txBody>
-          <a:bodyPr/>
-          <a:lstStyle/>
-          <a:p>
-            <a:endParaRPr lang="en-GB" dirty="0"/>
-          </a:p>
-        </p:txBody>
-      </p:sp>
-    </p:spTree>
-    <p:extLst>
-      <p:ext uri="{BB962C8B-B14F-4D97-AF65-F5344CB8AC3E}">
-        <p14:creationId xmlns:p14="http://schemas.microsoft.com/office/powerpoint/2010/main" val="2447558994"/>
+        <p14:creationId xmlns:p14="http://schemas.microsoft.com/office/powerpoint/2010/main" val="254305860"/>
       </p:ext>
     </p:extLst>
   </p:cSld>
@@ -15284,6 +19335,416 @@
     <p:extLst>
       <p:ext uri="{BB962C8B-B14F-4D97-AF65-F5344CB8AC3E}">
         <p14:creationId xmlns:p14="http://schemas.microsoft.com/office/powerpoint/2010/main" val="3060369750"/>
+      </p:ext>
+    </p:extLst>
+  </p:cSld>
+  <p:clrMapOvr>
+    <a:masterClrMapping/>
+  </p:clrMapOvr>
+</p:sld>
+</file>
+
+<file path=ppt/slides/slide40.xml><?xml version="1.0" encoding="utf-8"?>
+<p:sld xmlns:a="http://schemas.openxmlformats.org/drawingml/2006/main" xmlns:r="http://schemas.openxmlformats.org/officeDocument/2006/relationships" xmlns:p="http://schemas.openxmlformats.org/presentationml/2006/main">
+  <p:cSld>
+    <p:spTree>
+      <p:nvGrpSpPr>
+        <p:cNvPr id="1" name=""/>
+        <p:cNvGrpSpPr/>
+        <p:nvPr/>
+      </p:nvGrpSpPr>
+      <p:grpSpPr>
+        <a:xfrm>
+          <a:off x="0" y="0"/>
+          <a:ext cx="0" cy="0"/>
+          <a:chOff x="0" y="0"/>
+          <a:chExt cx="0" cy="0"/>
+        </a:xfrm>
+      </p:grpSpPr>
+      <p:sp>
+        <p:nvSpPr>
+          <p:cNvPr id="2" name="Titre 1">
+            <a:extLst>
+              <a:ext uri="{FF2B5EF4-FFF2-40B4-BE49-F238E27FC236}">
+                <a16:creationId xmlns:a16="http://schemas.microsoft.com/office/drawing/2014/main" id="{21766C66-1FE8-40A6-86E7-67715FC56E02}"/>
+              </a:ext>
+            </a:extLst>
+          </p:cNvPr>
+          <p:cNvSpPr>
+            <a:spLocks noGrp="1"/>
+          </p:cNvSpPr>
+          <p:nvPr>
+            <p:ph type="title"/>
+          </p:nvPr>
+        </p:nvSpPr>
+        <p:spPr/>
+        <p:txBody>
+          <a:bodyPr>
+            <a:normAutofit/>
+          </a:bodyPr>
+          <a:lstStyle/>
+          <a:p>
+            <a:r>
+              <a:rPr lang="fr-FR" sz="1400" dirty="0">
+                <a:solidFill>
+                  <a:srgbClr val="FF0000"/>
+                </a:solidFill>
+                <a:effectLst/>
+                <a:latin typeface="Arial" panose="020B0604020202020204" pitchFamily="34" charset="0"/>
+              </a:rPr>
+              <a:t>11.</a:t>
+            </a:r>
+            <a:r>
+              <a:rPr lang="fr-FR" sz="1400" dirty="0">
+                <a:effectLst/>
+                <a:latin typeface="Arial" panose="020B0604020202020204" pitchFamily="34" charset="0"/>
+              </a:rPr>
+              <a:t>Régression logistique: Rappelez le principe de l’apprentissage supervisé. Quel est le protocole de gestion des données dans ce contexte ? Rappelez la relation entre classification et régression? Qu’est-ce que l’algorithme de régression logistique? Quelles sont les hypothèses sous-jacentes? Quels sont les paramètres? Quel est sont les propriétés de la fonction logistique? Qu’est-</a:t>
+            </a:r>
+            <a:r>
+              <a:rPr lang="fr-FR" sz="1400" dirty="0" err="1">
+                <a:effectLst/>
+                <a:latin typeface="Arial" panose="020B0604020202020204" pitchFamily="34" charset="0"/>
+              </a:rPr>
+              <a:t>ceque</a:t>
+            </a:r>
+            <a:r>
+              <a:rPr lang="fr-FR" sz="1400" dirty="0">
+                <a:effectLst/>
+                <a:latin typeface="Arial" panose="020B0604020202020204" pitchFamily="34" charset="0"/>
+              </a:rPr>
+              <a:t> le sur-apprentissage? Discutez sa relation avec la régression logistique.</a:t>
+            </a:r>
+            <a:endParaRPr lang="en-GB" sz="1400" dirty="0"/>
+          </a:p>
+        </p:txBody>
+      </p:sp>
+      <p:sp>
+        <p:nvSpPr>
+          <p:cNvPr id="3" name="Espace réservé du contenu 2">
+            <a:extLst>
+              <a:ext uri="{FF2B5EF4-FFF2-40B4-BE49-F238E27FC236}">
+                <a16:creationId xmlns:a16="http://schemas.microsoft.com/office/drawing/2014/main" id="{55ECBF04-F52F-4B3F-9304-4E4A2E668DA9}"/>
+              </a:ext>
+            </a:extLst>
+          </p:cNvPr>
+          <p:cNvSpPr>
+            <a:spLocks noGrp="1"/>
+          </p:cNvSpPr>
+          <p:nvPr>
+            <p:ph idx="1"/>
+          </p:nvPr>
+        </p:nvSpPr>
+        <p:spPr/>
+        <p:txBody>
+          <a:bodyPr/>
+          <a:lstStyle/>
+          <a:p>
+            <a:endParaRPr lang="en-GB" dirty="0"/>
+          </a:p>
+        </p:txBody>
+      </p:sp>
+    </p:spTree>
+    <p:extLst>
+      <p:ext uri="{BB962C8B-B14F-4D97-AF65-F5344CB8AC3E}">
+        <p14:creationId xmlns:p14="http://schemas.microsoft.com/office/powerpoint/2010/main" val="559109952"/>
+      </p:ext>
+    </p:extLst>
+  </p:cSld>
+  <p:clrMapOvr>
+    <a:masterClrMapping/>
+  </p:clrMapOvr>
+</p:sld>
+</file>
+
+<file path=ppt/slides/slide41.xml><?xml version="1.0" encoding="utf-8"?>
+<p:sld xmlns:a="http://schemas.openxmlformats.org/drawingml/2006/main" xmlns:r="http://schemas.openxmlformats.org/officeDocument/2006/relationships" xmlns:p="http://schemas.openxmlformats.org/presentationml/2006/main">
+  <p:cSld>
+    <p:spTree>
+      <p:nvGrpSpPr>
+        <p:cNvPr id="1" name=""/>
+        <p:cNvGrpSpPr/>
+        <p:nvPr/>
+      </p:nvGrpSpPr>
+      <p:grpSpPr>
+        <a:xfrm>
+          <a:off x="0" y="0"/>
+          <a:ext cx="0" cy="0"/>
+          <a:chOff x="0" y="0"/>
+          <a:chExt cx="0" cy="0"/>
+        </a:xfrm>
+      </p:grpSpPr>
+      <p:sp>
+        <p:nvSpPr>
+          <p:cNvPr id="2" name="Titre 1">
+            <a:extLst>
+              <a:ext uri="{FF2B5EF4-FFF2-40B4-BE49-F238E27FC236}">
+                <a16:creationId xmlns:a16="http://schemas.microsoft.com/office/drawing/2014/main" id="{21766C66-1FE8-40A6-86E7-67715FC56E02}"/>
+              </a:ext>
+            </a:extLst>
+          </p:cNvPr>
+          <p:cNvSpPr>
+            <a:spLocks noGrp="1"/>
+          </p:cNvSpPr>
+          <p:nvPr>
+            <p:ph type="title"/>
+          </p:nvPr>
+        </p:nvSpPr>
+        <p:spPr/>
+        <p:txBody>
+          <a:bodyPr>
+            <a:normAutofit/>
+          </a:bodyPr>
+          <a:lstStyle/>
+          <a:p>
+            <a:r>
+              <a:rPr lang="fr-FR" sz="1400" dirty="0">
+                <a:solidFill>
+                  <a:srgbClr val="FF0000"/>
+                </a:solidFill>
+                <a:effectLst/>
+                <a:latin typeface="Arial" panose="020B0604020202020204" pitchFamily="34" charset="0"/>
+              </a:rPr>
+              <a:t>12.</a:t>
+            </a:r>
+            <a:r>
+              <a:rPr lang="fr-FR" sz="1400" dirty="0">
+                <a:effectLst/>
+                <a:latin typeface="Arial" panose="020B0604020202020204" pitchFamily="34" charset="0"/>
+              </a:rPr>
+              <a:t>Apprentissage neuronal: En quoi est-ce un apprentissage supervisé? Qu’est qu’un classifieur linéaire? Que propose l’algorithme du perceptron? Quelle est sa relation à un neurone artificiel? Comment peut-on entrainer un neurone artificiel? Quels sont ses paramètres? Quels sont les paramètres de l’algorithme d’apprentissage? Quel est le principe de l’algorithme de descente en gradient?</a:t>
+            </a:r>
+            <a:endParaRPr lang="en-GB" sz="1400" dirty="0"/>
+          </a:p>
+        </p:txBody>
+      </p:sp>
+      <p:sp>
+        <p:nvSpPr>
+          <p:cNvPr id="3" name="Espace réservé du contenu 2">
+            <a:extLst>
+              <a:ext uri="{FF2B5EF4-FFF2-40B4-BE49-F238E27FC236}">
+                <a16:creationId xmlns:a16="http://schemas.microsoft.com/office/drawing/2014/main" id="{55ECBF04-F52F-4B3F-9304-4E4A2E668DA9}"/>
+              </a:ext>
+            </a:extLst>
+          </p:cNvPr>
+          <p:cNvSpPr>
+            <a:spLocks noGrp="1"/>
+          </p:cNvSpPr>
+          <p:nvPr>
+            <p:ph idx="1"/>
+          </p:nvPr>
+        </p:nvSpPr>
+        <p:spPr/>
+        <p:txBody>
+          <a:bodyPr/>
+          <a:lstStyle/>
+          <a:p>
+            <a:endParaRPr lang="en-GB" dirty="0"/>
+          </a:p>
+        </p:txBody>
+      </p:sp>
+    </p:spTree>
+    <p:extLst>
+      <p:ext uri="{BB962C8B-B14F-4D97-AF65-F5344CB8AC3E}">
+        <p14:creationId xmlns:p14="http://schemas.microsoft.com/office/powerpoint/2010/main" val="4013026078"/>
+      </p:ext>
+    </p:extLst>
+  </p:cSld>
+  <p:clrMapOvr>
+    <a:masterClrMapping/>
+  </p:clrMapOvr>
+</p:sld>
+</file>
+
+<file path=ppt/slides/slide42.xml><?xml version="1.0" encoding="utf-8"?>
+<p:sld xmlns:a="http://schemas.openxmlformats.org/drawingml/2006/main" xmlns:r="http://schemas.openxmlformats.org/officeDocument/2006/relationships" xmlns:p="http://schemas.openxmlformats.org/presentationml/2006/main">
+  <p:cSld>
+    <p:spTree>
+      <p:nvGrpSpPr>
+        <p:cNvPr id="1" name=""/>
+        <p:cNvGrpSpPr/>
+        <p:nvPr/>
+      </p:nvGrpSpPr>
+      <p:grpSpPr>
+        <a:xfrm>
+          <a:off x="0" y="0"/>
+          <a:ext cx="0" cy="0"/>
+          <a:chOff x="0" y="0"/>
+          <a:chExt cx="0" cy="0"/>
+        </a:xfrm>
+      </p:grpSpPr>
+      <p:sp>
+        <p:nvSpPr>
+          <p:cNvPr id="2" name="Titre 1">
+            <a:extLst>
+              <a:ext uri="{FF2B5EF4-FFF2-40B4-BE49-F238E27FC236}">
+                <a16:creationId xmlns:a16="http://schemas.microsoft.com/office/drawing/2014/main" id="{21766C66-1FE8-40A6-86E7-67715FC56E02}"/>
+              </a:ext>
+            </a:extLst>
+          </p:cNvPr>
+          <p:cNvSpPr>
+            <a:spLocks noGrp="1"/>
+          </p:cNvSpPr>
+          <p:nvPr>
+            <p:ph type="title"/>
+          </p:nvPr>
+        </p:nvSpPr>
+        <p:spPr/>
+        <p:txBody>
+          <a:bodyPr>
+            <a:normAutofit/>
+          </a:bodyPr>
+          <a:lstStyle/>
+          <a:p>
+            <a:r>
+              <a:rPr lang="fr-FR" sz="1400" dirty="0">
+                <a:solidFill>
+                  <a:srgbClr val="FF0000"/>
+                </a:solidFill>
+                <a:effectLst/>
+                <a:latin typeface="Arial" panose="020B0604020202020204" pitchFamily="34" charset="0"/>
+              </a:rPr>
+              <a:t>13.</a:t>
+            </a:r>
+            <a:r>
+              <a:rPr lang="fr-FR" sz="1400" dirty="0">
+                <a:effectLst/>
+                <a:latin typeface="Arial" panose="020B0604020202020204" pitchFamily="34" charset="0"/>
+              </a:rPr>
+              <a:t>Réseaux de neurones: Rappelez le principe d’un neurone artificiel. Comment combine-t-on les neurones en réseaux? Comment entraine-t-on un réseau de neurones? Qu’est-ce que la fonction logistique? Comment est-elle utilisée dans un neurone artificiel? Quelles sont ses propriétés? Vous pourrez parler des principes des graphes computationnels et de la différentiation automatique.</a:t>
+            </a:r>
+            <a:endParaRPr lang="en-GB" sz="1400" dirty="0"/>
+          </a:p>
+        </p:txBody>
+      </p:sp>
+      <p:sp>
+        <p:nvSpPr>
+          <p:cNvPr id="3" name="Espace réservé du contenu 2">
+            <a:extLst>
+              <a:ext uri="{FF2B5EF4-FFF2-40B4-BE49-F238E27FC236}">
+                <a16:creationId xmlns:a16="http://schemas.microsoft.com/office/drawing/2014/main" id="{55ECBF04-F52F-4B3F-9304-4E4A2E668DA9}"/>
+              </a:ext>
+            </a:extLst>
+          </p:cNvPr>
+          <p:cNvSpPr>
+            <a:spLocks noGrp="1"/>
+          </p:cNvSpPr>
+          <p:nvPr>
+            <p:ph idx="1"/>
+          </p:nvPr>
+        </p:nvSpPr>
+        <p:spPr/>
+        <p:txBody>
+          <a:bodyPr/>
+          <a:lstStyle/>
+          <a:p>
+            <a:endParaRPr lang="en-GB" dirty="0"/>
+          </a:p>
+        </p:txBody>
+      </p:sp>
+    </p:spTree>
+    <p:extLst>
+      <p:ext uri="{BB962C8B-B14F-4D97-AF65-F5344CB8AC3E}">
+        <p14:creationId xmlns:p14="http://schemas.microsoft.com/office/powerpoint/2010/main" val="2009642305"/>
+      </p:ext>
+    </p:extLst>
+  </p:cSld>
+  <p:clrMapOvr>
+    <a:masterClrMapping/>
+  </p:clrMapOvr>
+</p:sld>
+</file>
+
+<file path=ppt/slides/slide43.xml><?xml version="1.0" encoding="utf-8"?>
+<p:sld xmlns:a="http://schemas.openxmlformats.org/drawingml/2006/main" xmlns:r="http://schemas.openxmlformats.org/officeDocument/2006/relationships" xmlns:p="http://schemas.openxmlformats.org/presentationml/2006/main">
+  <p:cSld>
+    <p:spTree>
+      <p:nvGrpSpPr>
+        <p:cNvPr id="1" name=""/>
+        <p:cNvGrpSpPr/>
+        <p:nvPr/>
+      </p:nvGrpSpPr>
+      <p:grpSpPr>
+        <a:xfrm>
+          <a:off x="0" y="0"/>
+          <a:ext cx="0" cy="0"/>
+          <a:chOff x="0" y="0"/>
+          <a:chExt cx="0" cy="0"/>
+        </a:xfrm>
+      </p:grpSpPr>
+      <p:sp>
+        <p:nvSpPr>
+          <p:cNvPr id="2" name="Titre 1">
+            <a:extLst>
+              <a:ext uri="{FF2B5EF4-FFF2-40B4-BE49-F238E27FC236}">
+                <a16:creationId xmlns:a16="http://schemas.microsoft.com/office/drawing/2014/main" id="{21766C66-1FE8-40A6-86E7-67715FC56E02}"/>
+              </a:ext>
+            </a:extLst>
+          </p:cNvPr>
+          <p:cNvSpPr>
+            <a:spLocks noGrp="1"/>
+          </p:cNvSpPr>
+          <p:nvPr>
+            <p:ph type="title"/>
+          </p:nvPr>
+        </p:nvSpPr>
+        <p:spPr/>
+        <p:txBody>
+          <a:bodyPr>
+            <a:normAutofit/>
+          </a:bodyPr>
+          <a:lstStyle/>
+          <a:p>
+            <a:r>
+              <a:rPr lang="fr-FR" sz="1400" dirty="0">
+                <a:solidFill>
+                  <a:srgbClr val="FF0000"/>
+                </a:solidFill>
+                <a:effectLst/>
+                <a:latin typeface="Arial" panose="020B0604020202020204" pitchFamily="34" charset="0"/>
+              </a:rPr>
+              <a:t>14.</a:t>
+            </a:r>
+            <a:r>
+              <a:rPr lang="fr-FR" sz="1400" dirty="0">
+                <a:effectLst/>
+                <a:latin typeface="Arial" panose="020B0604020202020204" pitchFamily="34" charset="0"/>
+              </a:rPr>
+              <a:t>Biais et équité: En quoi le protocole de gestion des données dans l’apprentissage supervisé (dont on rappellera les objectifs et principes) vise à éviter les biais dans l’apprentissage? Serait-il correct de tester un algorithme avec les données avec lesquels il a appris? Qu’est-ce que des attributs protégés et comment interviennent-ils dans un algorithme d’apprentissage supervisé? Comment peut-on espérer traduire l’équité dans un modelé probabiliste? L’équité dans l’apprentissage n’est-elle qu’un problème de qualité des données ou du choix de ses attributs ?Qu’est-ce que l’effet d’aggravation et ou le retrouve-ton? Citez des exemple set des contre-exemples.</a:t>
+            </a:r>
+            <a:endParaRPr lang="en-GB" sz="1400" dirty="0"/>
+          </a:p>
+        </p:txBody>
+      </p:sp>
+      <p:sp>
+        <p:nvSpPr>
+          <p:cNvPr id="3" name="Espace réservé du contenu 2">
+            <a:extLst>
+              <a:ext uri="{FF2B5EF4-FFF2-40B4-BE49-F238E27FC236}">
+                <a16:creationId xmlns:a16="http://schemas.microsoft.com/office/drawing/2014/main" id="{55ECBF04-F52F-4B3F-9304-4E4A2E668DA9}"/>
+              </a:ext>
+            </a:extLst>
+          </p:cNvPr>
+          <p:cNvSpPr>
+            <a:spLocks noGrp="1"/>
+          </p:cNvSpPr>
+          <p:nvPr>
+            <p:ph idx="1"/>
+          </p:nvPr>
+        </p:nvSpPr>
+        <p:spPr/>
+        <p:txBody>
+          <a:bodyPr/>
+          <a:lstStyle/>
+          <a:p>
+            <a:endParaRPr lang="en-GB" dirty="0"/>
+          </a:p>
+        </p:txBody>
+      </p:sp>
+    </p:spTree>
+    <p:extLst>
+      <p:ext uri="{BB962C8B-B14F-4D97-AF65-F5344CB8AC3E}">
+        <p14:creationId xmlns:p14="http://schemas.microsoft.com/office/powerpoint/2010/main" val="2447558994"/>
       </p:ext>
     </p:extLst>
   </p:cSld>

--- a/intelligenceArtificielle/Intelligence_artificielle_exam.pptx
+++ b/intelligenceArtificielle/Intelligence_artificielle_exam.pptx
@@ -5,7 +5,7 @@
     <p:sldMasterId id="2147483708" r:id="rId1"/>
   </p:sldMasterIdLst>
   <p:notesMasterIdLst>
-    <p:notesMasterId r:id="rId58"/>
+    <p:notesMasterId r:id="rId63"/>
   </p:notesMasterIdLst>
   <p:sldIdLst>
     <p:sldId id="259" r:id="rId2"/>
@@ -61,9 +61,14 @@
     <p:sldId id="298" r:id="rId52"/>
     <p:sldId id="299" r:id="rId53"/>
     <p:sldId id="267" r:id="rId54"/>
-    <p:sldId id="268" r:id="rId55"/>
-    <p:sldId id="269" r:id="rId56"/>
-    <p:sldId id="270" r:id="rId57"/>
+    <p:sldId id="317" r:id="rId55"/>
+    <p:sldId id="318" r:id="rId56"/>
+    <p:sldId id="319" r:id="rId57"/>
+    <p:sldId id="320" r:id="rId58"/>
+    <p:sldId id="321" r:id="rId59"/>
+    <p:sldId id="268" r:id="rId60"/>
+    <p:sldId id="269" r:id="rId61"/>
+    <p:sldId id="270" r:id="rId62"/>
   </p:sldIdLst>
   <p:sldSz cx="12192000" cy="6858000"/>
   <p:notesSz cx="6858000" cy="9144000"/>
@@ -5820,6 +5825,93 @@
 </p:notes>
 </file>
 
+<file path=ppt/notesSlides/notesSlide49.xml><?xml version="1.0" encoding="utf-8"?>
+<p:notes xmlns:a="http://schemas.openxmlformats.org/drawingml/2006/main" xmlns:r="http://schemas.openxmlformats.org/officeDocument/2006/relationships" xmlns:p="http://schemas.openxmlformats.org/presentationml/2006/main">
+  <p:cSld>
+    <p:spTree>
+      <p:nvGrpSpPr>
+        <p:cNvPr id="1" name=""/>
+        <p:cNvGrpSpPr/>
+        <p:nvPr/>
+      </p:nvGrpSpPr>
+      <p:grpSpPr>
+        <a:xfrm>
+          <a:off x="0" y="0"/>
+          <a:ext cx="0" cy="0"/>
+          <a:chOff x="0" y="0"/>
+          <a:chExt cx="0" cy="0"/>
+        </a:xfrm>
+      </p:grpSpPr>
+      <p:sp>
+        <p:nvSpPr>
+          <p:cNvPr id="2" name="Espace réservé de l'image des diapositives 1"/>
+          <p:cNvSpPr>
+            <a:spLocks noGrp="1" noRot="1" noChangeAspect="1"/>
+          </p:cNvSpPr>
+          <p:nvPr>
+            <p:ph type="sldImg"/>
+          </p:nvPr>
+        </p:nvSpPr>
+        <p:spPr/>
+      </p:sp>
+      <p:sp>
+        <p:nvSpPr>
+          <p:cNvPr id="3" name="Espace réservé des notes 2"/>
+          <p:cNvSpPr>
+            <a:spLocks noGrp="1"/>
+          </p:cNvSpPr>
+          <p:nvPr>
+            <p:ph type="body" idx="1"/>
+          </p:nvPr>
+        </p:nvSpPr>
+        <p:spPr/>
+        <p:txBody>
+          <a:bodyPr/>
+          <a:lstStyle/>
+          <a:p>
+            <a:pPr marL="0" indent="0">
+              <a:buNone/>
+            </a:pPr>
+            <a:endParaRPr lang="fr-CH" dirty="0"/>
+          </a:p>
+        </p:txBody>
+      </p:sp>
+      <p:sp>
+        <p:nvSpPr>
+          <p:cNvPr id="4" name="Espace réservé du numéro de diapositive 3"/>
+          <p:cNvSpPr>
+            <a:spLocks noGrp="1"/>
+          </p:cNvSpPr>
+          <p:nvPr>
+            <p:ph type="sldNum" sz="quarter" idx="5"/>
+          </p:nvPr>
+        </p:nvSpPr>
+        <p:spPr/>
+        <p:txBody>
+          <a:bodyPr/>
+          <a:lstStyle/>
+          <a:p>
+            <a:fld id="{FD6302D7-B1E1-4874-8725-B1250A89F460}" type="slidenum">
+              <a:rPr lang="fr-CH" smtClean="0"/>
+              <a:t>54</a:t>
+            </a:fld>
+            <a:endParaRPr lang="fr-CH"/>
+          </a:p>
+        </p:txBody>
+      </p:sp>
+    </p:spTree>
+    <p:extLst>
+      <p:ext uri="{BB962C8B-B14F-4D97-AF65-F5344CB8AC3E}">
+        <p14:creationId xmlns:p14="http://schemas.microsoft.com/office/powerpoint/2010/main" val="1368770957"/>
+      </p:ext>
+    </p:extLst>
+  </p:cSld>
+  <p:clrMapOvr>
+    <a:masterClrMapping/>
+  </p:clrMapOvr>
+</p:notes>
+</file>
+
 <file path=ppt/notesSlides/notesSlide5.xml><?xml version="1.0" encoding="utf-8"?>
 <p:notes xmlns:a="http://schemas.openxmlformats.org/drawingml/2006/main" xmlns:r="http://schemas.openxmlformats.org/officeDocument/2006/relationships" xmlns:p="http://schemas.openxmlformats.org/presentationml/2006/main">
   <p:cSld>
@@ -5938,6 +6030,486 @@
     <p:extLst>
       <p:ext uri="{BB962C8B-B14F-4D97-AF65-F5344CB8AC3E}">
         <p14:creationId xmlns:p14="http://schemas.microsoft.com/office/powerpoint/2010/main" val="2532986518"/>
+      </p:ext>
+    </p:extLst>
+  </p:cSld>
+  <p:clrMapOvr>
+    <a:masterClrMapping/>
+  </p:clrMapOvr>
+</p:notes>
+</file>
+
+<file path=ppt/notesSlides/notesSlide50.xml><?xml version="1.0" encoding="utf-8"?>
+<p:notes xmlns:a="http://schemas.openxmlformats.org/drawingml/2006/main" xmlns:r="http://schemas.openxmlformats.org/officeDocument/2006/relationships" xmlns:p="http://schemas.openxmlformats.org/presentationml/2006/main">
+  <p:cSld>
+    <p:spTree>
+      <p:nvGrpSpPr>
+        <p:cNvPr id="1" name=""/>
+        <p:cNvGrpSpPr/>
+        <p:nvPr/>
+      </p:nvGrpSpPr>
+      <p:grpSpPr>
+        <a:xfrm>
+          <a:off x="0" y="0"/>
+          <a:ext cx="0" cy="0"/>
+          <a:chOff x="0" y="0"/>
+          <a:chExt cx="0" cy="0"/>
+        </a:xfrm>
+      </p:grpSpPr>
+      <p:sp>
+        <p:nvSpPr>
+          <p:cNvPr id="2" name="Espace réservé de l'image des diapositives 1"/>
+          <p:cNvSpPr>
+            <a:spLocks noGrp="1" noRot="1" noChangeAspect="1"/>
+          </p:cNvSpPr>
+          <p:nvPr>
+            <p:ph type="sldImg"/>
+          </p:nvPr>
+        </p:nvSpPr>
+        <p:spPr/>
+      </p:sp>
+      <p:sp>
+        <p:nvSpPr>
+          <p:cNvPr id="3" name="Espace réservé des notes 2"/>
+          <p:cNvSpPr>
+            <a:spLocks noGrp="1"/>
+          </p:cNvSpPr>
+          <p:nvPr>
+            <p:ph type="body" idx="1"/>
+          </p:nvPr>
+        </p:nvSpPr>
+        <p:spPr/>
+        <p:txBody>
+          <a:bodyPr/>
+          <a:lstStyle/>
+          <a:p>
+            <a:pPr marL="0" indent="0">
+              <a:buNone/>
+            </a:pPr>
+            <a:r>
+              <a:rPr lang="fr-CH" dirty="0"/>
+              <a:t>Pour créer cette fonction continue de régression, on prend plein d’échantillons </a:t>
+            </a:r>
+          </a:p>
+        </p:txBody>
+      </p:sp>
+      <p:sp>
+        <p:nvSpPr>
+          <p:cNvPr id="4" name="Espace réservé du numéro de diapositive 3"/>
+          <p:cNvSpPr>
+            <a:spLocks noGrp="1"/>
+          </p:cNvSpPr>
+          <p:nvPr>
+            <p:ph type="sldNum" sz="quarter" idx="5"/>
+          </p:nvPr>
+        </p:nvSpPr>
+        <p:spPr/>
+        <p:txBody>
+          <a:bodyPr/>
+          <a:lstStyle/>
+          <a:p>
+            <a:fld id="{FD6302D7-B1E1-4874-8725-B1250A89F460}" type="slidenum">
+              <a:rPr lang="fr-CH" smtClean="0"/>
+              <a:t>55</a:t>
+            </a:fld>
+            <a:endParaRPr lang="fr-CH"/>
+          </a:p>
+        </p:txBody>
+      </p:sp>
+    </p:spTree>
+    <p:extLst>
+      <p:ext uri="{BB962C8B-B14F-4D97-AF65-F5344CB8AC3E}">
+        <p14:creationId xmlns:p14="http://schemas.microsoft.com/office/powerpoint/2010/main" val="998006411"/>
+      </p:ext>
+    </p:extLst>
+  </p:cSld>
+  <p:clrMapOvr>
+    <a:masterClrMapping/>
+  </p:clrMapOvr>
+</p:notes>
+</file>
+
+<file path=ppt/notesSlides/notesSlide51.xml><?xml version="1.0" encoding="utf-8"?>
+<p:notes xmlns:a="http://schemas.openxmlformats.org/drawingml/2006/main" xmlns:r="http://schemas.openxmlformats.org/officeDocument/2006/relationships" xmlns:p="http://schemas.openxmlformats.org/presentationml/2006/main">
+  <p:cSld>
+    <p:spTree>
+      <p:nvGrpSpPr>
+        <p:cNvPr id="1" name=""/>
+        <p:cNvGrpSpPr/>
+        <p:nvPr/>
+      </p:nvGrpSpPr>
+      <p:grpSpPr>
+        <a:xfrm>
+          <a:off x="0" y="0"/>
+          <a:ext cx="0" cy="0"/>
+          <a:chOff x="0" y="0"/>
+          <a:chExt cx="0" cy="0"/>
+        </a:xfrm>
+      </p:grpSpPr>
+      <p:sp>
+        <p:nvSpPr>
+          <p:cNvPr id="2" name="Espace réservé de l'image des diapositives 1"/>
+          <p:cNvSpPr>
+            <a:spLocks noGrp="1" noRot="1" noChangeAspect="1"/>
+          </p:cNvSpPr>
+          <p:nvPr>
+            <p:ph type="sldImg"/>
+          </p:nvPr>
+        </p:nvSpPr>
+        <p:spPr/>
+      </p:sp>
+      <p:sp>
+        <p:nvSpPr>
+          <p:cNvPr id="3" name="Espace réservé des notes 2"/>
+          <p:cNvSpPr>
+            <a:spLocks noGrp="1"/>
+          </p:cNvSpPr>
+          <p:nvPr>
+            <p:ph type="body" idx="1"/>
+          </p:nvPr>
+        </p:nvSpPr>
+        <p:spPr/>
+        <p:txBody>
+          <a:bodyPr/>
+          <a:lstStyle/>
+          <a:p>
+            <a:pPr marL="0" indent="0">
+              <a:buNone/>
+            </a:pPr>
+            <a:r>
+              <a:rPr lang="fr-CH" dirty="0"/>
+              <a:t>On peut expliquer le principe de la fonction logistique, en expliquant la régression linéaire</a:t>
+            </a:r>
+          </a:p>
+          <a:p>
+            <a:pPr marL="0" indent="0">
+              <a:buNone/>
+            </a:pPr>
+            <a:endParaRPr lang="fr-CH" dirty="0"/>
+          </a:p>
+          <a:p>
+            <a:pPr marL="0" indent="0">
+              <a:buNone/>
+            </a:pPr>
+            <a:r>
+              <a:rPr lang="fr-CH" dirty="0"/>
+              <a:t>Pourquoi la fonction logistique ? </a:t>
+            </a:r>
+          </a:p>
+          <a:p>
+            <a:pPr marL="0" indent="0">
+              <a:buNone/>
+            </a:pPr>
+            <a:r>
+              <a:rPr lang="fr-CH" dirty="0"/>
+              <a:t>	elle a les bons paramètres qui nous intéressent, [0,1] -&gt; pente définie par a</a:t>
+            </a:r>
+          </a:p>
+          <a:p>
+            <a:pPr marL="0" indent="0">
+              <a:buNone/>
+            </a:pPr>
+            <a:r>
+              <a:rPr lang="fr-CH" dirty="0"/>
+              <a:t>	il y a donc 2 paramètres pour la fonction x0 et a</a:t>
+            </a:r>
+          </a:p>
+          <a:p>
+            <a:pPr marL="0" indent="0">
+              <a:buNone/>
+            </a:pPr>
+            <a:endParaRPr lang="fr-CH" dirty="0"/>
+          </a:p>
+          <a:p>
+            <a:pPr marL="0" indent="0">
+              <a:buNone/>
+            </a:pPr>
+            <a:r>
+              <a:rPr lang="fr-CH" dirty="0"/>
+              <a:t>En effet, avec odds ration, plutôt que dire que c’est vrai quand ca dépasse un certain seuil, on dit que c’est vrai, quand c’est plus vrai que faux</a:t>
+            </a:r>
+          </a:p>
+        </p:txBody>
+      </p:sp>
+      <p:sp>
+        <p:nvSpPr>
+          <p:cNvPr id="4" name="Espace réservé du numéro de diapositive 3"/>
+          <p:cNvSpPr>
+            <a:spLocks noGrp="1"/>
+          </p:cNvSpPr>
+          <p:nvPr>
+            <p:ph type="sldNum" sz="quarter" idx="5"/>
+          </p:nvPr>
+        </p:nvSpPr>
+        <p:spPr/>
+        <p:txBody>
+          <a:bodyPr/>
+          <a:lstStyle/>
+          <a:p>
+            <a:fld id="{FD6302D7-B1E1-4874-8725-B1250A89F460}" type="slidenum">
+              <a:rPr lang="fr-CH" smtClean="0"/>
+              <a:t>56</a:t>
+            </a:fld>
+            <a:endParaRPr lang="fr-CH"/>
+          </a:p>
+        </p:txBody>
+      </p:sp>
+    </p:spTree>
+    <p:extLst>
+      <p:ext uri="{BB962C8B-B14F-4D97-AF65-F5344CB8AC3E}">
+        <p14:creationId xmlns:p14="http://schemas.microsoft.com/office/powerpoint/2010/main" val="90024868"/>
+      </p:ext>
+    </p:extLst>
+  </p:cSld>
+  <p:clrMapOvr>
+    <a:masterClrMapping/>
+  </p:clrMapOvr>
+</p:notes>
+</file>
+
+<file path=ppt/notesSlides/notesSlide52.xml><?xml version="1.0" encoding="utf-8"?>
+<p:notes xmlns:a="http://schemas.openxmlformats.org/drawingml/2006/main" xmlns:r="http://schemas.openxmlformats.org/officeDocument/2006/relationships" xmlns:p="http://schemas.openxmlformats.org/presentationml/2006/main">
+  <p:cSld>
+    <p:spTree>
+      <p:nvGrpSpPr>
+        <p:cNvPr id="1" name=""/>
+        <p:cNvGrpSpPr/>
+        <p:nvPr/>
+      </p:nvGrpSpPr>
+      <p:grpSpPr>
+        <a:xfrm>
+          <a:off x="0" y="0"/>
+          <a:ext cx="0" cy="0"/>
+          <a:chOff x="0" y="0"/>
+          <a:chExt cx="0" cy="0"/>
+        </a:xfrm>
+      </p:grpSpPr>
+      <p:sp>
+        <p:nvSpPr>
+          <p:cNvPr id="2" name="Espace réservé de l'image des diapositives 1"/>
+          <p:cNvSpPr>
+            <a:spLocks noGrp="1" noRot="1" noChangeAspect="1"/>
+          </p:cNvSpPr>
+          <p:nvPr>
+            <p:ph type="sldImg"/>
+          </p:nvPr>
+        </p:nvSpPr>
+        <p:spPr/>
+      </p:sp>
+      <p:sp>
+        <p:nvSpPr>
+          <p:cNvPr id="3" name="Espace réservé des notes 2"/>
+          <p:cNvSpPr>
+            <a:spLocks noGrp="1"/>
+          </p:cNvSpPr>
+          <p:nvPr>
+            <p:ph type="body" idx="1"/>
+          </p:nvPr>
+        </p:nvSpPr>
+        <p:spPr/>
+        <p:txBody>
+          <a:bodyPr/>
+          <a:lstStyle/>
+          <a:p>
+            <a:pPr marL="0" indent="0">
+              <a:buNone/>
+            </a:pPr>
+            <a:r>
+              <a:rPr lang="fr-CH" dirty="0"/>
+              <a:t>On va se placer dans le domaine du log de l’erreur</a:t>
+            </a:r>
+          </a:p>
+          <a:p>
+            <a:pPr marL="0" indent="0">
+              <a:buNone/>
+            </a:pPr>
+            <a:endParaRPr lang="fr-CH" dirty="0"/>
+          </a:p>
+          <a:p>
+            <a:pPr marL="0" indent="0">
+              <a:buNone/>
+            </a:pPr>
+            <a:r>
+              <a:rPr lang="fr-CH" dirty="0"/>
+              <a:t>-&gt; à l’aide de gradient, on minimise la somme des erreurs pour des paramètres</a:t>
+            </a:r>
+          </a:p>
+          <a:p>
+            <a:pPr marL="0" indent="0">
+              <a:buNone/>
+            </a:pPr>
+            <a:r>
+              <a:rPr lang="fr-CH" dirty="0"/>
+              <a:t>	le couple de paramètres qui minimise cette somme, c’est les paramètres optimaux</a:t>
+            </a:r>
+          </a:p>
+        </p:txBody>
+      </p:sp>
+      <p:sp>
+        <p:nvSpPr>
+          <p:cNvPr id="4" name="Espace réservé du numéro de diapositive 3"/>
+          <p:cNvSpPr>
+            <a:spLocks noGrp="1"/>
+          </p:cNvSpPr>
+          <p:nvPr>
+            <p:ph type="sldNum" sz="quarter" idx="5"/>
+          </p:nvPr>
+        </p:nvSpPr>
+        <p:spPr/>
+        <p:txBody>
+          <a:bodyPr/>
+          <a:lstStyle/>
+          <a:p>
+            <a:fld id="{FD6302D7-B1E1-4874-8725-B1250A89F460}" type="slidenum">
+              <a:rPr lang="fr-CH" smtClean="0"/>
+              <a:t>57</a:t>
+            </a:fld>
+            <a:endParaRPr lang="fr-CH"/>
+          </a:p>
+        </p:txBody>
+      </p:sp>
+    </p:spTree>
+    <p:extLst>
+      <p:ext uri="{BB962C8B-B14F-4D97-AF65-F5344CB8AC3E}">
+        <p14:creationId xmlns:p14="http://schemas.microsoft.com/office/powerpoint/2010/main" val="1382469126"/>
+      </p:ext>
+    </p:extLst>
+  </p:cSld>
+  <p:clrMapOvr>
+    <a:masterClrMapping/>
+  </p:clrMapOvr>
+</p:notes>
+</file>
+
+<file path=ppt/notesSlides/notesSlide53.xml><?xml version="1.0" encoding="utf-8"?>
+<p:notes xmlns:a="http://schemas.openxmlformats.org/drawingml/2006/main" xmlns:r="http://schemas.openxmlformats.org/officeDocument/2006/relationships" xmlns:p="http://schemas.openxmlformats.org/presentationml/2006/main">
+  <p:cSld>
+    <p:spTree>
+      <p:nvGrpSpPr>
+        <p:cNvPr id="1" name=""/>
+        <p:cNvGrpSpPr/>
+        <p:nvPr/>
+      </p:nvGrpSpPr>
+      <p:grpSpPr>
+        <a:xfrm>
+          <a:off x="0" y="0"/>
+          <a:ext cx="0" cy="0"/>
+          <a:chOff x="0" y="0"/>
+          <a:chExt cx="0" cy="0"/>
+        </a:xfrm>
+      </p:grpSpPr>
+      <p:sp>
+        <p:nvSpPr>
+          <p:cNvPr id="2" name="Espace réservé de l'image des diapositives 1"/>
+          <p:cNvSpPr>
+            <a:spLocks noGrp="1" noRot="1" noChangeAspect="1"/>
+          </p:cNvSpPr>
+          <p:nvPr>
+            <p:ph type="sldImg"/>
+          </p:nvPr>
+        </p:nvSpPr>
+        <p:spPr/>
+      </p:sp>
+      <p:sp>
+        <p:nvSpPr>
+          <p:cNvPr id="3" name="Espace réservé des notes 2"/>
+          <p:cNvSpPr>
+            <a:spLocks noGrp="1"/>
+          </p:cNvSpPr>
+          <p:nvPr>
+            <p:ph type="body" idx="1"/>
+          </p:nvPr>
+        </p:nvSpPr>
+        <p:spPr/>
+        <p:txBody>
+          <a:bodyPr/>
+          <a:lstStyle/>
+          <a:p>
+            <a:pPr marL="0" indent="0">
+              <a:buNone/>
+            </a:pPr>
+            <a:r>
+              <a:rPr lang="fr-CH" dirty="0"/>
+              <a:t>Imaginons qu’on a une souri qui mesure x=10</a:t>
+            </a:r>
+          </a:p>
+          <a:p>
+            <a:pPr marL="0" indent="0">
+              <a:buNone/>
+            </a:pPr>
+            <a:r>
+              <a:rPr lang="fr-CH" dirty="0"/>
+              <a:t>Mais que la 2eme plus grande c’est x=8</a:t>
+            </a:r>
+          </a:p>
+          <a:p>
+            <a:pPr marL="0" indent="0">
+              <a:buNone/>
+            </a:pPr>
+            <a:r>
+              <a:rPr lang="fr-CH" dirty="0"/>
+              <a:t>-&gt; la première souri peut être mal mesuré etc </a:t>
+            </a:r>
+          </a:p>
+          <a:p>
+            <a:pPr marL="0" indent="0">
+              <a:buNone/>
+            </a:pPr>
+            <a:endParaRPr lang="fr-CH" dirty="0"/>
+          </a:p>
+          <a:p>
+            <a:pPr marL="0" indent="0">
+              <a:buNone/>
+            </a:pPr>
+            <a:endParaRPr lang="fr-CH" dirty="0"/>
+          </a:p>
+          <a:p>
+            <a:pPr marL="0" indent="0">
+              <a:buNone/>
+            </a:pPr>
+            <a:r>
+              <a:rPr lang="fr-CH" dirty="0"/>
+              <a:t>Mais qu’on a plein de chats qui mesurent x=[9,10]</a:t>
+            </a:r>
+          </a:p>
+          <a:p>
+            <a:pPr marL="0" indent="0">
+              <a:buNone/>
+            </a:pPr>
+            <a:r>
+              <a:rPr lang="fr-CH" dirty="0"/>
+              <a:t>Alors notre régression logistique va dire que pour un x=10, il est plus probable que ca soit un chat plutôt qu’une souri</a:t>
+            </a:r>
+          </a:p>
+        </p:txBody>
+      </p:sp>
+      <p:sp>
+        <p:nvSpPr>
+          <p:cNvPr id="4" name="Espace réservé du numéro de diapositive 3"/>
+          <p:cNvSpPr>
+            <a:spLocks noGrp="1"/>
+          </p:cNvSpPr>
+          <p:nvPr>
+            <p:ph type="sldNum" sz="quarter" idx="5"/>
+          </p:nvPr>
+        </p:nvSpPr>
+        <p:spPr/>
+        <p:txBody>
+          <a:bodyPr/>
+          <a:lstStyle/>
+          <a:p>
+            <a:fld id="{FD6302D7-B1E1-4874-8725-B1250A89F460}" type="slidenum">
+              <a:rPr lang="fr-CH" smtClean="0"/>
+              <a:t>58</a:t>
+            </a:fld>
+            <a:endParaRPr lang="fr-CH"/>
+          </a:p>
+        </p:txBody>
+      </p:sp>
+    </p:spTree>
+    <p:extLst>
+      <p:ext uri="{BB962C8B-B14F-4D97-AF65-F5344CB8AC3E}">
+        <p14:creationId xmlns:p14="http://schemas.microsoft.com/office/powerpoint/2010/main" val="1353319637"/>
       </p:ext>
     </p:extLst>
   </p:cSld>
@@ -14404,8 +14976,8 @@
           </a:p>
         </p:txBody>
       </p:sp>
-      <mc:AlternateContent xmlns:mc="http://schemas.openxmlformats.org/markup-compatibility/2006">
-        <mc:Choice xmlns:a14="http://schemas.microsoft.com/office/drawing/2010/main" Requires="a14">
+      <mc:AlternateContent xmlns:mc="http://schemas.openxmlformats.org/markup-compatibility/2006" xmlns:a14="http://schemas.microsoft.com/office/drawing/2010/main">
+        <mc:Choice Requires="a14">
           <p:sp>
             <p:nvSpPr>
               <p:cNvPr id="6" name="Espace réservé du contenu 6">
@@ -14709,7 +15281,7 @@
             </p:txBody>
           </p:sp>
         </mc:Choice>
-        <mc:Fallback>
+        <mc:Fallback xmlns="">
           <p:sp>
             <p:nvSpPr>
               <p:cNvPr id="6" name="Espace réservé du contenu 6">
@@ -17792,8 +18364,8 @@
           </a:p>
         </p:txBody>
       </p:sp>
-      <mc:AlternateContent xmlns:mc="http://schemas.openxmlformats.org/markup-compatibility/2006">
-        <mc:Choice xmlns:a14="http://schemas.microsoft.com/office/drawing/2010/main" Requires="a14">
+      <mc:AlternateContent xmlns:mc="http://schemas.openxmlformats.org/markup-compatibility/2006" xmlns:a14="http://schemas.microsoft.com/office/drawing/2010/main">
+        <mc:Choice Requires="a14">
           <p:sp>
             <p:nvSpPr>
               <p:cNvPr id="13" name="Espace réservé du contenu 6">
@@ -18014,7 +18586,7 @@
             </p:txBody>
           </p:sp>
         </mc:Choice>
-        <mc:Fallback>
+        <mc:Fallback xmlns="">
           <p:sp>
             <p:nvSpPr>
               <p:cNvPr id="13" name="Espace réservé du contenu 6">
@@ -22056,8 +22628,8 @@
           </a:p>
         </p:txBody>
       </p:sp>
-      <mc:AlternateContent xmlns:mc="http://schemas.openxmlformats.org/markup-compatibility/2006">
-        <mc:Choice xmlns:a14="http://schemas.microsoft.com/office/drawing/2010/main" Requires="a14">
+      <mc:AlternateContent xmlns:mc="http://schemas.openxmlformats.org/markup-compatibility/2006" xmlns:a14="http://schemas.microsoft.com/office/drawing/2010/main">
+        <mc:Choice Requires="a14">
           <p:sp>
             <p:nvSpPr>
               <p:cNvPr id="5" name="Espace réservé du contenu 6">
@@ -22374,7 +22946,7 @@
             </p:txBody>
           </p:sp>
         </mc:Choice>
-        <mc:Fallback>
+        <mc:Fallback xmlns="">
           <p:sp>
             <p:nvSpPr>
               <p:cNvPr id="5" name="Espace réservé du contenu 6">
@@ -23758,7 +24330,7 @@
           <a:p>
             <a:r>
               <a:rPr lang="fr-CH" dirty="0"/>
-              <a:t>Chez l’apprentissage on collecte des données, c’est un échantillonnage de l’univers d’états</a:t>
+              <a:t>Chez l’apprentissage supervisé on collecte des données, c’est un échantillonnage de l’univers d’états</a:t>
             </a:r>
           </a:p>
           <a:p>
@@ -24835,8 +25407,8 @@
           <a:chExt cx="0" cy="0"/>
         </a:xfrm>
       </p:grpSpPr>
-      <mc:AlternateContent xmlns:mc="http://schemas.openxmlformats.org/markup-compatibility/2006">
-        <mc:Choice xmlns:a14="http://schemas.microsoft.com/office/drawing/2010/main" Requires="a14">
+      <mc:AlternateContent xmlns:mc="http://schemas.openxmlformats.org/markup-compatibility/2006" xmlns:a14="http://schemas.microsoft.com/office/drawing/2010/main">
+        <mc:Choice Requires="a14">
           <p:sp>
             <p:nvSpPr>
               <p:cNvPr id="2" name="Titre 1">
@@ -24900,7 +25472,7 @@
             </p:txBody>
           </p:sp>
         </mc:Choice>
-        <mc:Fallback>
+        <mc:Fallback xmlns="">
           <p:sp>
             <p:nvSpPr>
               <p:cNvPr id="2" name="Titre 1">
@@ -25083,8 +25655,8 @@
           </a:p>
         </p:txBody>
       </p:sp>
-      <mc:AlternateContent xmlns:mc="http://schemas.openxmlformats.org/markup-compatibility/2006">
-        <mc:Choice xmlns:a14="http://schemas.microsoft.com/office/drawing/2010/main" Requires="a14">
+      <mc:AlternateContent xmlns:mc="http://schemas.openxmlformats.org/markup-compatibility/2006" xmlns:a14="http://schemas.microsoft.com/office/drawing/2010/main">
+        <mc:Choice Requires="a14">
           <p:sp>
             <p:nvSpPr>
               <p:cNvPr id="5" name="Espace réservé du contenu 6">
@@ -25384,7 +25956,7 @@
             </p:txBody>
           </p:sp>
         </mc:Choice>
-        <mc:Fallback>
+        <mc:Fallback xmlns="">
           <p:sp>
             <p:nvSpPr>
               <p:cNvPr id="5" name="Espace réservé du contenu 6">
@@ -25575,7 +26147,7 @@
           <a:p>
             <a:r>
               <a:rPr lang="fr-CH" dirty="0"/>
-              <a:t>Chez l’apprentissage on collecte des données, c’est un échantillonnage de l’univers d’états</a:t>
+              <a:t>Chez l’apprentissage supervisé on collecte des données, c’est un échantillonnage de l’univers d’états</a:t>
             </a:r>
           </a:p>
           <a:p>
@@ -26629,7 +27201,7 @@
             <a:r>
               <a:rPr lang="fr-FR" sz="1400" dirty="0">
                 <a:solidFill>
-                  <a:srgbClr val="FF0000"/>
+                  <a:schemeClr val="accent1"/>
                 </a:solidFill>
                 <a:effectLst/>
                 <a:latin typeface="Arial" panose="020B0604020202020204" pitchFamily="34" charset="0"/>
@@ -26641,21 +27213,7 @@
                 <a:effectLst/>
                 <a:latin typeface="Arial" panose="020B0604020202020204" pitchFamily="34" charset="0"/>
               </a:rPr>
-              <a:t>Régression logistique: Rappelez le principe de l’apprentissage supervisé. Quel est le protocole de gestion des données dans ce contexte ? Rappelez la relation entre classification et régression? Qu’est-ce que l’algorithme de régression logistique? Quelles sont les hypothèses sous-jacentes? Quels sont les paramètres? Quel est sont les propriétés de la fonction logistique? Qu’est-</a:t>
-            </a:r>
-            <a:r>
-              <a:rPr lang="fr-FR" sz="1400" dirty="0" err="1">
-                <a:effectLst/>
-                <a:latin typeface="Arial" panose="020B0604020202020204" pitchFamily="34" charset="0"/>
-              </a:rPr>
-              <a:t>ceque</a:t>
-            </a:r>
-            <a:r>
-              <a:rPr lang="fr-FR" sz="1400" dirty="0">
-                <a:effectLst/>
-                <a:latin typeface="Arial" panose="020B0604020202020204" pitchFamily="34" charset="0"/>
-              </a:rPr>
-              <a:t> le sur-apprentissage? Discutez sa relation avec la régression logistique.</a:t>
+              <a:t>Régression logistique: Rappelez le principe de l’apprentissage supervisé. Quel est le protocole de gestion des données dans ce contexte ? Rappelez la relation entre classification et régression? Qu’est-ce que l’algorithme de régression logistique? Quelles sont les hypothèses sous-jacentes? Quels sont les paramètres? Quel est sont les propriétés de la fonction logistique? Qu’est-ce que le sur-apprentissage? Discutez sa relation avec la régression logistique.</a:t>
             </a:r>
             <a:endParaRPr lang="en-GB" sz="1400" dirty="0"/>
           </a:p>
@@ -26663,10 +27221,10 @@
       </p:sp>
       <p:sp>
         <p:nvSpPr>
-          <p:cNvPr id="3" name="Espace réservé du contenu 2">
+          <p:cNvPr id="4" name="Espace réservé du contenu 6">
             <a:extLst>
               <a:ext uri="{FF2B5EF4-FFF2-40B4-BE49-F238E27FC236}">
-                <a16:creationId xmlns:a16="http://schemas.microsoft.com/office/drawing/2014/main" id="{55ECBF04-F52F-4B3F-9304-4E4A2E668DA9}"/>
+                <a16:creationId xmlns:a16="http://schemas.microsoft.com/office/drawing/2014/main" id="{16F012F0-D80C-4F94-AA17-BAE677427F85}"/>
               </a:ext>
             </a:extLst>
           </p:cNvPr>
@@ -26677,12 +27235,103 @@
             <p:ph idx="1"/>
           </p:nvPr>
         </p:nvSpPr>
-        <p:spPr/>
-        <p:txBody>
-          <a:bodyPr/>
+        <p:spPr>
+          <a:xfrm>
+            <a:off x="759033" y="2262279"/>
+            <a:ext cx="10673934" cy="2333441"/>
+          </a:xfrm>
+        </p:spPr>
+        <p:txBody>
+          <a:bodyPr>
+            <a:normAutofit fontScale="92500"/>
+          </a:bodyPr>
           <a:lstStyle/>
           <a:p>
-            <a:endParaRPr lang="en-GB" dirty="0"/>
+            <a:r>
+              <a:rPr lang="fr-CH" dirty="0"/>
+              <a:t>Chez l’apprentissage supervisé on collecte des données, c’est un échantillonnage de l’univers d’états</a:t>
+            </a:r>
+          </a:p>
+          <a:p>
+            <a:r>
+              <a:rPr lang="fr-CH" dirty="0"/>
+              <a:t>On essaye de créer de la connaissance à partir de ces exemples (données)</a:t>
+            </a:r>
+          </a:p>
+          <a:p>
+            <a:r>
+              <a:rPr lang="fr-CH" dirty="0"/>
+              <a:t>Pour «injecter» ces données on utilise des modèles qu’on suppose pertinent pour le problème </a:t>
+            </a:r>
+          </a:p>
+          <a:p>
+            <a:pPr marL="0" indent="0">
+              <a:buNone/>
+            </a:pPr>
+            <a:endParaRPr lang="fr-CH" dirty="0"/>
+          </a:p>
+        </p:txBody>
+      </p:sp>
+      <p:sp>
+        <p:nvSpPr>
+          <p:cNvPr id="5" name="Titre 1">
+            <a:extLst>
+              <a:ext uri="{FF2B5EF4-FFF2-40B4-BE49-F238E27FC236}">
+                <a16:creationId xmlns:a16="http://schemas.microsoft.com/office/drawing/2014/main" id="{C8073C8C-DA15-4114-A7F7-D9DB5D3BF643}"/>
+              </a:ext>
+            </a:extLst>
+          </p:cNvPr>
+          <p:cNvSpPr txBox="1">
+            <a:spLocks/>
+          </p:cNvSpPr>
+          <p:nvPr/>
+        </p:nvSpPr>
+        <p:spPr>
+          <a:xfrm>
+            <a:off x="0" y="-316992"/>
+            <a:ext cx="929640" cy="1325563"/>
+          </a:xfrm>
+          <a:prstGeom prst="rect">
+            <a:avLst/>
+          </a:prstGeom>
+        </p:spPr>
+        <p:txBody>
+          <a:bodyPr vert="horz" lIns="91440" tIns="45720" rIns="91440" bIns="45720" rtlCol="0" anchor="ctr">
+            <a:normAutofit/>
+          </a:bodyPr>
+          <a:lstStyle>
+            <a:lvl1pPr algn="l" defTabSz="914400" rtl="0" eaLnBrk="1" latinLnBrk="0" hangingPunct="1">
+              <a:lnSpc>
+                <a:spcPct val="90000"/>
+              </a:lnSpc>
+              <a:spcBef>
+                <a:spcPct val="0"/>
+              </a:spcBef>
+              <a:buNone/>
+              <a:defRPr sz="4400" kern="1200">
+                <a:solidFill>
+                  <a:schemeClr val="tx1"/>
+                </a:solidFill>
+                <a:latin typeface="+mj-lt"/>
+                <a:ea typeface="+mj-ea"/>
+                <a:cs typeface="+mj-cs"/>
+              </a:defRPr>
+            </a:lvl1pPr>
+          </a:lstStyle>
+          <a:p>
+            <a:r>
+              <a:rPr lang="fr-CH">
+                <a:solidFill>
+                  <a:schemeClr val="accent1"/>
+                </a:solidFill>
+              </a:rPr>
+              <a:t>11.</a:t>
+            </a:r>
+            <a:endParaRPr lang="en-GB" dirty="0">
+              <a:solidFill>
+                <a:schemeClr val="accent1"/>
+              </a:solidFill>
+            </a:endParaRPr>
           </a:p>
         </p:txBody>
       </p:sp>
@@ -26721,7 +27370,7 @@
           <p:cNvPr id="2" name="Titre 1">
             <a:extLst>
               <a:ext uri="{FF2B5EF4-FFF2-40B4-BE49-F238E27FC236}">
-                <a16:creationId xmlns:a16="http://schemas.microsoft.com/office/drawing/2014/main" id="{21766C66-1FE8-40A6-86E7-67715FC56E02}"/>
+                <a16:creationId xmlns:a16="http://schemas.microsoft.com/office/drawing/2014/main" id="{1DE24D75-C6DE-4394-A51C-5EF310010BA5}"/>
               </a:ext>
             </a:extLst>
           </p:cNvPr>
@@ -26732,63 +27381,584 @@
             <p:ph type="title"/>
           </p:nvPr>
         </p:nvSpPr>
-        <p:spPr/>
-        <p:txBody>
-          <a:bodyPr>
-            <a:normAutofit/>
+        <p:spPr>
+          <a:xfrm>
+            <a:off x="0" y="-316992"/>
+            <a:ext cx="929640" cy="1325563"/>
+          </a:xfrm>
+        </p:spPr>
+        <p:txBody>
+          <a:bodyPr/>
+          <a:lstStyle/>
+          <a:p>
+            <a:r>
+              <a:rPr lang="fr-CH" dirty="0">
+                <a:solidFill>
+                  <a:schemeClr val="accent1"/>
+                </a:solidFill>
+              </a:rPr>
+              <a:t>11.</a:t>
+            </a:r>
+            <a:endParaRPr lang="en-GB" dirty="0">
+              <a:solidFill>
+                <a:schemeClr val="accent1"/>
+              </a:solidFill>
+            </a:endParaRPr>
+          </a:p>
+        </p:txBody>
+      </p:sp>
+      <p:sp>
+        <p:nvSpPr>
+          <p:cNvPr id="4" name="ZoneTexte 3">
+            <a:extLst>
+              <a:ext uri="{FF2B5EF4-FFF2-40B4-BE49-F238E27FC236}">
+                <a16:creationId xmlns:a16="http://schemas.microsoft.com/office/drawing/2014/main" id="{B4A469F4-C262-4F6E-8D5D-858330AC98E0}"/>
+              </a:ext>
+            </a:extLst>
+          </p:cNvPr>
+          <p:cNvSpPr txBox="1"/>
+          <p:nvPr/>
+        </p:nvSpPr>
+        <p:spPr>
+          <a:xfrm>
+            <a:off x="746760" y="161123"/>
+            <a:ext cx="10515600" cy="369332"/>
+          </a:xfrm>
+          <a:prstGeom prst="rect">
+            <a:avLst/>
+          </a:prstGeom>
+          <a:noFill/>
+        </p:spPr>
+        <p:txBody>
+          <a:bodyPr wrap="square" rtlCol="0">
+            <a:spAutoFit/>
           </a:bodyPr>
           <a:lstStyle/>
           <a:p>
             <a:r>
-              <a:rPr lang="fr-FR" sz="1400" dirty="0">
+              <a:rPr lang="fr-FR" sz="1800" dirty="0">
                 <a:solidFill>
-                  <a:srgbClr val="FF0000"/>
+                  <a:schemeClr val="accent1"/>
                 </a:solidFill>
                 <a:effectLst/>
                 <a:latin typeface="Arial" panose="020B0604020202020204" pitchFamily="34" charset="0"/>
               </a:rPr>
-              <a:t>12.</a:t>
-            </a:r>
-            <a:r>
-              <a:rPr lang="fr-FR" sz="1400" dirty="0">
-                <a:effectLst/>
-                <a:latin typeface="Arial" panose="020B0604020202020204" pitchFamily="34" charset="0"/>
-              </a:rPr>
-              <a:t>Apprentissage neuronal: En quoi est-ce un apprentissage supervisé? Qu’est qu’un classifieur linéaire? Que propose l’algorithme du perceptron? Quelle est sa relation à un neurone artificiel? Comment peut-on entrainer un neurone artificiel? Quels sont ses paramètres? Quels sont les paramètres de l’algorithme d’apprentissage? Quel est le principe de l’algorithme de descente en gradient?</a:t>
-            </a:r>
-            <a:endParaRPr lang="en-GB" sz="1400" dirty="0"/>
-          </a:p>
-        </p:txBody>
-      </p:sp>
-      <p:sp>
-        <p:nvSpPr>
-          <p:cNvPr id="3" name="Espace réservé du contenu 2">
-            <a:extLst>
-              <a:ext uri="{FF2B5EF4-FFF2-40B4-BE49-F238E27FC236}">
-                <a16:creationId xmlns:a16="http://schemas.microsoft.com/office/drawing/2014/main" id="{55ECBF04-F52F-4B3F-9304-4E4A2E668DA9}"/>
-              </a:ext>
-            </a:extLst>
-          </p:cNvPr>
-          <p:cNvSpPr>
-            <a:spLocks noGrp="1"/>
-          </p:cNvSpPr>
-          <p:nvPr>
-            <p:ph idx="1"/>
-          </p:nvPr>
-        </p:nvSpPr>
-        <p:spPr/>
-        <p:txBody>
-          <a:bodyPr/>
-          <a:lstStyle/>
-          <a:p>
-            <a:endParaRPr lang="en-GB" dirty="0"/>
-          </a:p>
-        </p:txBody>
-      </p:sp>
+              <a:t>Quel est le protocole de gestion des données dans ce contexte ?</a:t>
+            </a:r>
+            <a:endParaRPr lang="en-GB" dirty="0">
+              <a:solidFill>
+                <a:schemeClr val="accent1"/>
+              </a:solidFill>
+            </a:endParaRPr>
+          </a:p>
+        </p:txBody>
+      </p:sp>
+      <mc:AlternateContent xmlns:mc="http://schemas.openxmlformats.org/markup-compatibility/2006">
+        <mc:Choice xmlns:a14="http://schemas.microsoft.com/office/drawing/2010/main" Requires="a14">
+          <p:sp>
+            <p:nvSpPr>
+              <p:cNvPr id="18" name="Espace réservé du contenu 6">
+                <a:extLst>
+                  <a:ext uri="{FF2B5EF4-FFF2-40B4-BE49-F238E27FC236}">
+                    <a16:creationId xmlns:a16="http://schemas.microsoft.com/office/drawing/2014/main" id="{9A4B1FAA-FAB0-4C75-B9CF-5E535095925F}"/>
+                  </a:ext>
+                </a:extLst>
+              </p:cNvPr>
+              <p:cNvSpPr txBox="1">
+                <a:spLocks/>
+              </p:cNvSpPr>
+              <p:nvPr/>
+            </p:nvSpPr>
+            <p:spPr>
+              <a:xfrm>
+                <a:off x="929640" y="898883"/>
+                <a:ext cx="10515600" cy="4975935"/>
+              </a:xfrm>
+              <a:prstGeom prst="rect">
+                <a:avLst/>
+              </a:prstGeom>
+            </p:spPr>
+            <p:txBody>
+              <a:bodyPr vert="horz" lIns="91440" tIns="45720" rIns="91440" bIns="45720" rtlCol="0">
+                <a:normAutofit lnSpcReduction="10000"/>
+              </a:bodyPr>
+              <a:lstStyle>
+                <a:lvl1pPr marL="228600" indent="-228600" algn="l" defTabSz="914400" rtl="0" eaLnBrk="1" latinLnBrk="0" hangingPunct="1">
+                  <a:lnSpc>
+                    <a:spcPct val="90000"/>
+                  </a:lnSpc>
+                  <a:spcBef>
+                    <a:spcPts val="1000"/>
+                  </a:spcBef>
+                  <a:buFont typeface="Arial" panose="020B0604020202020204" pitchFamily="34" charset="0"/>
+                  <a:buChar char="•"/>
+                  <a:defRPr sz="2800" kern="1200">
+                    <a:solidFill>
+                      <a:schemeClr val="tx1"/>
+                    </a:solidFill>
+                    <a:latin typeface="+mn-lt"/>
+                    <a:ea typeface="+mn-ea"/>
+                    <a:cs typeface="+mn-cs"/>
+                  </a:defRPr>
+                </a:lvl1pPr>
+                <a:lvl2pPr marL="685800" indent="-228600" algn="l" defTabSz="914400" rtl="0" eaLnBrk="1" latinLnBrk="0" hangingPunct="1">
+                  <a:lnSpc>
+                    <a:spcPct val="90000"/>
+                  </a:lnSpc>
+                  <a:spcBef>
+                    <a:spcPts val="500"/>
+                  </a:spcBef>
+                  <a:buFont typeface="Arial" panose="020B0604020202020204" pitchFamily="34" charset="0"/>
+                  <a:buChar char="•"/>
+                  <a:defRPr sz="2400" kern="1200">
+                    <a:solidFill>
+                      <a:schemeClr val="tx1"/>
+                    </a:solidFill>
+                    <a:latin typeface="+mn-lt"/>
+                    <a:ea typeface="+mn-ea"/>
+                    <a:cs typeface="+mn-cs"/>
+                  </a:defRPr>
+                </a:lvl2pPr>
+                <a:lvl3pPr marL="1143000" indent="-228600" algn="l" defTabSz="914400" rtl="0" eaLnBrk="1" latinLnBrk="0" hangingPunct="1">
+                  <a:lnSpc>
+                    <a:spcPct val="90000"/>
+                  </a:lnSpc>
+                  <a:spcBef>
+                    <a:spcPts val="500"/>
+                  </a:spcBef>
+                  <a:buFont typeface="Arial" panose="020B0604020202020204" pitchFamily="34" charset="0"/>
+                  <a:buChar char="•"/>
+                  <a:defRPr sz="2000" kern="1200">
+                    <a:solidFill>
+                      <a:schemeClr val="tx1"/>
+                    </a:solidFill>
+                    <a:latin typeface="+mn-lt"/>
+                    <a:ea typeface="+mn-ea"/>
+                    <a:cs typeface="+mn-cs"/>
+                  </a:defRPr>
+                </a:lvl3pPr>
+                <a:lvl4pPr marL="1600200" indent="-228600" algn="l" defTabSz="914400" rtl="0" eaLnBrk="1" latinLnBrk="0" hangingPunct="1">
+                  <a:lnSpc>
+                    <a:spcPct val="90000"/>
+                  </a:lnSpc>
+                  <a:spcBef>
+                    <a:spcPts val="500"/>
+                  </a:spcBef>
+                  <a:buFont typeface="Arial" panose="020B0604020202020204" pitchFamily="34" charset="0"/>
+                  <a:buChar char="•"/>
+                  <a:defRPr sz="1800" kern="1200">
+                    <a:solidFill>
+                      <a:schemeClr val="tx1"/>
+                    </a:solidFill>
+                    <a:latin typeface="+mn-lt"/>
+                    <a:ea typeface="+mn-ea"/>
+                    <a:cs typeface="+mn-cs"/>
+                  </a:defRPr>
+                </a:lvl4pPr>
+                <a:lvl5pPr marL="2057400" indent="-228600" algn="l" defTabSz="914400" rtl="0" eaLnBrk="1" latinLnBrk="0" hangingPunct="1">
+                  <a:lnSpc>
+                    <a:spcPct val="90000"/>
+                  </a:lnSpc>
+                  <a:spcBef>
+                    <a:spcPts val="500"/>
+                  </a:spcBef>
+                  <a:buFont typeface="Arial" panose="020B0604020202020204" pitchFamily="34" charset="0"/>
+                  <a:buChar char="•"/>
+                  <a:defRPr sz="1800" kern="1200">
+                    <a:solidFill>
+                      <a:schemeClr val="tx1"/>
+                    </a:solidFill>
+                    <a:latin typeface="+mn-lt"/>
+                    <a:ea typeface="+mn-ea"/>
+                    <a:cs typeface="+mn-cs"/>
+                  </a:defRPr>
+                </a:lvl5pPr>
+                <a:lvl6pPr marL="2514600" indent="-228600" algn="l" defTabSz="914400" rtl="0" eaLnBrk="1" latinLnBrk="0" hangingPunct="1">
+                  <a:lnSpc>
+                    <a:spcPct val="90000"/>
+                  </a:lnSpc>
+                  <a:spcBef>
+                    <a:spcPts val="500"/>
+                  </a:spcBef>
+                  <a:buFont typeface="Arial" panose="020B0604020202020204" pitchFamily="34" charset="0"/>
+                  <a:buChar char="•"/>
+                  <a:defRPr sz="1800" kern="1200">
+                    <a:solidFill>
+                      <a:schemeClr val="tx1"/>
+                    </a:solidFill>
+                    <a:latin typeface="+mn-lt"/>
+                    <a:ea typeface="+mn-ea"/>
+                    <a:cs typeface="+mn-cs"/>
+                  </a:defRPr>
+                </a:lvl6pPr>
+                <a:lvl7pPr marL="2971800" indent="-228600" algn="l" defTabSz="914400" rtl="0" eaLnBrk="1" latinLnBrk="0" hangingPunct="1">
+                  <a:lnSpc>
+                    <a:spcPct val="90000"/>
+                  </a:lnSpc>
+                  <a:spcBef>
+                    <a:spcPts val="500"/>
+                  </a:spcBef>
+                  <a:buFont typeface="Arial" panose="020B0604020202020204" pitchFamily="34" charset="0"/>
+                  <a:buChar char="•"/>
+                  <a:defRPr sz="1800" kern="1200">
+                    <a:solidFill>
+                      <a:schemeClr val="tx1"/>
+                    </a:solidFill>
+                    <a:latin typeface="+mn-lt"/>
+                    <a:ea typeface="+mn-ea"/>
+                    <a:cs typeface="+mn-cs"/>
+                  </a:defRPr>
+                </a:lvl7pPr>
+                <a:lvl8pPr marL="3429000" indent="-228600" algn="l" defTabSz="914400" rtl="0" eaLnBrk="1" latinLnBrk="0" hangingPunct="1">
+                  <a:lnSpc>
+                    <a:spcPct val="90000"/>
+                  </a:lnSpc>
+                  <a:spcBef>
+                    <a:spcPts val="500"/>
+                  </a:spcBef>
+                  <a:buFont typeface="Arial" panose="020B0604020202020204" pitchFamily="34" charset="0"/>
+                  <a:buChar char="•"/>
+                  <a:defRPr sz="1800" kern="1200">
+                    <a:solidFill>
+                      <a:schemeClr val="tx1"/>
+                    </a:solidFill>
+                    <a:latin typeface="+mn-lt"/>
+                    <a:ea typeface="+mn-ea"/>
+                    <a:cs typeface="+mn-cs"/>
+                  </a:defRPr>
+                </a:lvl8pPr>
+                <a:lvl9pPr marL="3886200" indent="-228600" algn="l" defTabSz="914400" rtl="0" eaLnBrk="1" latinLnBrk="0" hangingPunct="1">
+                  <a:lnSpc>
+                    <a:spcPct val="90000"/>
+                  </a:lnSpc>
+                  <a:spcBef>
+                    <a:spcPts val="500"/>
+                  </a:spcBef>
+                  <a:buFont typeface="Arial" panose="020B0604020202020204" pitchFamily="34" charset="0"/>
+                  <a:buChar char="•"/>
+                  <a:defRPr sz="1800" kern="1200">
+                    <a:solidFill>
+                      <a:schemeClr val="tx1"/>
+                    </a:solidFill>
+                    <a:latin typeface="+mn-lt"/>
+                    <a:ea typeface="+mn-ea"/>
+                    <a:cs typeface="+mn-cs"/>
+                  </a:defRPr>
+                </a:lvl9pPr>
+              </a:lstStyle>
+              <a:p>
+                <a:r>
+                  <a:rPr lang="fr-CH" dirty="0"/>
+                  <a:t>Chez le régression logistique, on veut transformer la classification en une forme de régression</a:t>
+                </a:r>
+              </a:p>
+              <a:p>
+                <a:r>
+                  <a:rPr lang="fr-CH" dirty="0"/>
+                  <a:t>Imaginons une variable binaire Y qui suit une distribution de Bernoulli</a:t>
+                </a:r>
+              </a:p>
+              <a:p>
+                <a:r>
+                  <a:rPr lang="fr-CH" dirty="0"/>
+                  <a:t>Soit X une caractéristique de prédiction pour la variable Y</a:t>
+                </a:r>
+              </a:p>
+              <a:p>
+                <a:pPr marL="914400" lvl="2" indent="0">
+                  <a:buNone/>
+                </a:pPr>
+                <a:r>
+                  <a:rPr lang="fr-CH" dirty="0"/>
+                  <a:t>	P(Y=1|x) = p    			P(Y=0|x) = 1-p </a:t>
+                </a:r>
+              </a:p>
+              <a:p>
+                <a:pPr marL="914400" lvl="2" indent="0">
+                  <a:buNone/>
+                </a:pPr>
+                <a:endParaRPr lang="fr-CH" dirty="0"/>
+              </a:p>
+              <a:p>
+                <a:r>
+                  <a:rPr lang="fr-CH" dirty="0"/>
+                  <a:t>Maintenant on va collecter des données(</a:t>
+                </a:r>
+                <a14:m>
+                  <m:oMath xmlns:m="http://schemas.openxmlformats.org/officeDocument/2006/math">
+                    <m:sSub>
+                      <m:sSubPr>
+                        <m:ctrlPr>
+                          <a:rPr lang="en-GB" i="1" smtClean="0">
+                            <a:solidFill>
+                              <a:srgbClr val="000000"/>
+                            </a:solidFill>
+                            <a:effectLst/>
+                            <a:latin typeface="Cambria Math" panose="02040503050406030204" pitchFamily="18" charset="0"/>
+                          </a:rPr>
+                        </m:ctrlPr>
+                      </m:sSubPr>
+                      <m:e>
+                        <m:r>
+                          <a:rPr lang="fr-CH" b="0" i="1" smtClean="0">
+                            <a:solidFill>
+                              <a:srgbClr val="000000"/>
+                            </a:solidFill>
+                            <a:effectLst/>
+                            <a:latin typeface="Cambria Math" panose="02040503050406030204" pitchFamily="18" charset="0"/>
+                          </a:rPr>
+                          <m:t>𝑥</m:t>
+                        </m:r>
+                      </m:e>
+                      <m:sub>
+                        <m:r>
+                          <a:rPr lang="en-GB">
+                            <a:solidFill>
+                              <a:srgbClr val="000000"/>
+                            </a:solidFill>
+                            <a:effectLst/>
+                            <a:latin typeface="Cambria Math" panose="02040503050406030204" pitchFamily="18" charset="0"/>
+                          </a:rPr>
+                          <m:t>𝑖</m:t>
+                        </m:r>
+                      </m:sub>
+                    </m:sSub>
+                  </m:oMath>
+                </a14:m>
+                <a:r>
+                  <a:rPr lang="fr-CH" dirty="0"/>
+                  <a:t>,</a:t>
+                </a:r>
+                <a:r>
+                  <a:rPr lang="en-GB" dirty="0">
+                    <a:solidFill>
+                      <a:srgbClr val="000000"/>
+                    </a:solidFill>
+                  </a:rPr>
+                  <a:t> </a:t>
+                </a:r>
+                <a14:m>
+                  <m:oMath xmlns:m="http://schemas.openxmlformats.org/officeDocument/2006/math">
+                    <m:sSub>
+                      <m:sSubPr>
+                        <m:ctrlPr>
+                          <a:rPr lang="en-GB" i="1">
+                            <a:solidFill>
+                              <a:srgbClr val="000000"/>
+                            </a:solidFill>
+                            <a:latin typeface="Cambria Math" panose="02040503050406030204" pitchFamily="18" charset="0"/>
+                          </a:rPr>
+                        </m:ctrlPr>
+                      </m:sSubPr>
+                      <m:e>
+                        <m:r>
+                          <a:rPr lang="fr-CH" b="0" i="1" smtClean="0">
+                            <a:solidFill>
+                              <a:srgbClr val="000000"/>
+                            </a:solidFill>
+                            <a:latin typeface="Cambria Math" panose="02040503050406030204" pitchFamily="18" charset="0"/>
+                          </a:rPr>
+                          <m:t>𝑦</m:t>
+                        </m:r>
+                      </m:e>
+                      <m:sub>
+                        <m:r>
+                          <a:rPr lang="en-GB">
+                            <a:solidFill>
+                              <a:srgbClr val="000000"/>
+                            </a:solidFill>
+                            <a:latin typeface="Cambria Math" panose="02040503050406030204" pitchFamily="18" charset="0"/>
+                          </a:rPr>
+                          <m:t>𝑖</m:t>
+                        </m:r>
+                      </m:sub>
+                    </m:sSub>
+                  </m:oMath>
+                </a14:m>
+                <a:r>
+                  <a:rPr lang="fr-CH" dirty="0"/>
+                  <a:t>)</a:t>
+                </a:r>
+              </a:p>
+              <a:p>
+                <a:r>
+                  <a:rPr lang="fr-CH" dirty="0"/>
+                  <a:t>On pourra placer </a:t>
+                </a:r>
+                <a14:m>
+                  <m:oMath xmlns:m="http://schemas.openxmlformats.org/officeDocument/2006/math">
+                    <m:sSub>
+                      <m:sSubPr>
+                        <m:ctrlPr>
+                          <a:rPr lang="en-GB" i="1" smtClean="0">
+                            <a:solidFill>
+                              <a:srgbClr val="000000"/>
+                            </a:solidFill>
+                            <a:latin typeface="Cambria Math" panose="02040503050406030204" pitchFamily="18" charset="0"/>
+                          </a:rPr>
+                        </m:ctrlPr>
+                      </m:sSubPr>
+                      <m:e>
+                        <m:r>
+                          <a:rPr lang="fr-CH" b="0" i="1" smtClean="0">
+                            <a:solidFill>
+                              <a:srgbClr val="000000"/>
+                            </a:solidFill>
+                            <a:latin typeface="Cambria Math" panose="02040503050406030204" pitchFamily="18" charset="0"/>
+                          </a:rPr>
+                          <m:t>𝑦</m:t>
+                        </m:r>
+                      </m:e>
+                      <m:sub>
+                        <m:r>
+                          <a:rPr lang="en-GB">
+                            <a:solidFill>
+                              <a:srgbClr val="000000"/>
+                            </a:solidFill>
+                            <a:latin typeface="Cambria Math" panose="02040503050406030204" pitchFamily="18" charset="0"/>
+                          </a:rPr>
+                          <m:t>𝑖</m:t>
+                        </m:r>
+                      </m:sub>
+                    </m:sSub>
+                  </m:oMath>
+                </a14:m>
+                <a:r>
+                  <a:rPr lang="fr-CH" dirty="0"/>
+                  <a:t> dans un graphique selon cette caractéristique </a:t>
+                </a:r>
+                <a14:m>
+                  <m:oMath xmlns:m="http://schemas.openxmlformats.org/officeDocument/2006/math">
+                    <m:sSub>
+                      <m:sSubPr>
+                        <m:ctrlPr>
+                          <a:rPr lang="en-GB" i="1">
+                            <a:solidFill>
+                              <a:srgbClr val="000000"/>
+                            </a:solidFill>
+                            <a:latin typeface="Cambria Math" panose="02040503050406030204" pitchFamily="18" charset="0"/>
+                          </a:rPr>
+                        </m:ctrlPr>
+                      </m:sSubPr>
+                      <m:e>
+                        <m:r>
+                          <a:rPr lang="fr-CH" i="1">
+                            <a:solidFill>
+                              <a:srgbClr val="000000"/>
+                            </a:solidFill>
+                            <a:latin typeface="Cambria Math" panose="02040503050406030204" pitchFamily="18" charset="0"/>
+                          </a:rPr>
+                          <m:t>𝑥</m:t>
+                        </m:r>
+                      </m:e>
+                      <m:sub>
+                        <m:r>
+                          <a:rPr lang="en-GB">
+                            <a:solidFill>
+                              <a:srgbClr val="000000"/>
+                            </a:solidFill>
+                            <a:latin typeface="Cambria Math" panose="02040503050406030204" pitchFamily="18" charset="0"/>
+                          </a:rPr>
+                          <m:t>𝑖</m:t>
+                        </m:r>
+                      </m:sub>
+                    </m:sSub>
+                  </m:oMath>
+                </a14:m>
+                <a:endParaRPr lang="fr-CH" dirty="0"/>
+              </a:p>
+              <a:p>
+                <a:pPr lvl="1"/>
+                <a:r>
+                  <a:rPr lang="fr-CH" dirty="0"/>
+                  <a:t>Imaginons le but suivant:</a:t>
+                </a:r>
+              </a:p>
+              <a:p>
+                <a:pPr lvl="2"/>
+                <a:r>
+                  <a:rPr lang="fr-CH" dirty="0"/>
+                  <a:t>Distinguer si un animal est un chat ou une souri, depuis une caractéristique x</a:t>
+                </a:r>
+              </a:p>
+              <a:p>
+                <a:pPr lvl="2"/>
+                <a:r>
+                  <a:rPr lang="fr-CH" dirty="0"/>
+                  <a:t>X = taille de l’animal</a:t>
+                </a:r>
+              </a:p>
+              <a:p>
+                <a:pPr lvl="1"/>
+                <a:r>
+                  <a:rPr lang="fr-CH" dirty="0"/>
+                  <a:t>Si X est un bon prédicteur de Y, on peut espérer 100% de prédiction</a:t>
+                </a:r>
+              </a:p>
+              <a:p>
+                <a:pPr marL="914400" lvl="2" indent="0">
+                  <a:buNone/>
+                </a:pPr>
+                <a:endParaRPr lang="fr-CH" dirty="0"/>
+              </a:p>
+              <a:p>
+                <a:pPr marL="0" indent="0">
+                  <a:buNone/>
+                </a:pPr>
+                <a:endParaRPr lang="fr-CH" dirty="0"/>
+              </a:p>
+            </p:txBody>
+          </p:sp>
+        </mc:Choice>
+        <mc:Fallback>
+          <p:sp>
+            <p:nvSpPr>
+              <p:cNvPr id="18" name="Espace réservé du contenu 6">
+                <a:extLst>
+                  <a:ext uri="{FF2B5EF4-FFF2-40B4-BE49-F238E27FC236}">
+                    <a16:creationId xmlns:a16="http://schemas.microsoft.com/office/drawing/2014/main" id="{9A4B1FAA-FAB0-4C75-B9CF-5E535095925F}"/>
+                  </a:ext>
+                </a:extLst>
+              </p:cNvPr>
+              <p:cNvSpPr txBox="1">
+                <a:spLocks noRot="1" noChangeAspect="1" noMove="1" noResize="1" noEditPoints="1" noAdjustHandles="1" noChangeArrowheads="1" noChangeShapeType="1" noTextEdit="1"/>
+              </p:cNvSpPr>
+              <p:nvPr/>
+            </p:nvSpPr>
+            <p:spPr>
+              <a:xfrm>
+                <a:off x="929640" y="898883"/>
+                <a:ext cx="10515600" cy="4975935"/>
+              </a:xfrm>
+              <a:prstGeom prst="rect">
+                <a:avLst/>
+              </a:prstGeom>
+              <a:blipFill>
+                <a:blip r:embed="rId3"/>
+                <a:stretch>
+                  <a:fillRect l="-1043" t="-2693" r="-522"/>
+                </a:stretch>
+              </a:blipFill>
+            </p:spPr>
+            <p:txBody>
+              <a:bodyPr/>
+              <a:lstStyle/>
+              <a:p>
+                <a:r>
+                  <a:rPr lang="fr-CH">
+                    <a:noFill/>
+                  </a:rPr>
+                  <a:t> </a:t>
+                </a:r>
+              </a:p>
+            </p:txBody>
+          </p:sp>
+        </mc:Fallback>
+      </mc:AlternateContent>
     </p:spTree>
     <p:extLst>
       <p:ext uri="{BB962C8B-B14F-4D97-AF65-F5344CB8AC3E}">
-        <p14:creationId xmlns:p14="http://schemas.microsoft.com/office/powerpoint/2010/main" val="4013026078"/>
+        <p14:creationId xmlns:p14="http://schemas.microsoft.com/office/powerpoint/2010/main" val="1192441574"/>
       </p:ext>
     </p:extLst>
   </p:cSld>
@@ -26820,204 +27990,6 @@
           <p:cNvPr id="2" name="Titre 1">
             <a:extLst>
               <a:ext uri="{FF2B5EF4-FFF2-40B4-BE49-F238E27FC236}">
-                <a16:creationId xmlns:a16="http://schemas.microsoft.com/office/drawing/2014/main" id="{21766C66-1FE8-40A6-86E7-67715FC56E02}"/>
-              </a:ext>
-            </a:extLst>
-          </p:cNvPr>
-          <p:cNvSpPr>
-            <a:spLocks noGrp="1"/>
-          </p:cNvSpPr>
-          <p:nvPr>
-            <p:ph type="title"/>
-          </p:nvPr>
-        </p:nvSpPr>
-        <p:spPr/>
-        <p:txBody>
-          <a:bodyPr>
-            <a:normAutofit/>
-          </a:bodyPr>
-          <a:lstStyle/>
-          <a:p>
-            <a:r>
-              <a:rPr lang="fr-FR" sz="1400" dirty="0">
-                <a:solidFill>
-                  <a:srgbClr val="FF0000"/>
-                </a:solidFill>
-                <a:effectLst/>
-                <a:latin typeface="Arial" panose="020B0604020202020204" pitchFamily="34" charset="0"/>
-              </a:rPr>
-              <a:t>13.</a:t>
-            </a:r>
-            <a:r>
-              <a:rPr lang="fr-FR" sz="1400" dirty="0">
-                <a:effectLst/>
-                <a:latin typeface="Arial" panose="020B0604020202020204" pitchFamily="34" charset="0"/>
-              </a:rPr>
-              <a:t>Réseaux de neurones: Rappelez le principe d’un neurone artificiel. Comment combine-t-on les neurones en réseaux? Comment entraine-t-on un réseau de neurones? Qu’est-ce que la fonction logistique? Comment est-elle utilisée dans un neurone artificiel? Quelles sont ses propriétés? Vous pourrez parler des principes des graphes computationnels et de la différentiation automatique.</a:t>
-            </a:r>
-            <a:endParaRPr lang="en-GB" sz="1400" dirty="0"/>
-          </a:p>
-        </p:txBody>
-      </p:sp>
-      <p:sp>
-        <p:nvSpPr>
-          <p:cNvPr id="3" name="Espace réservé du contenu 2">
-            <a:extLst>
-              <a:ext uri="{FF2B5EF4-FFF2-40B4-BE49-F238E27FC236}">
-                <a16:creationId xmlns:a16="http://schemas.microsoft.com/office/drawing/2014/main" id="{55ECBF04-F52F-4B3F-9304-4E4A2E668DA9}"/>
-              </a:ext>
-            </a:extLst>
-          </p:cNvPr>
-          <p:cNvSpPr>
-            <a:spLocks noGrp="1"/>
-          </p:cNvSpPr>
-          <p:nvPr>
-            <p:ph idx="1"/>
-          </p:nvPr>
-        </p:nvSpPr>
-        <p:spPr/>
-        <p:txBody>
-          <a:bodyPr/>
-          <a:lstStyle/>
-          <a:p>
-            <a:endParaRPr lang="en-GB" dirty="0"/>
-          </a:p>
-        </p:txBody>
-      </p:sp>
-    </p:spTree>
-    <p:extLst>
-      <p:ext uri="{BB962C8B-B14F-4D97-AF65-F5344CB8AC3E}">
-        <p14:creationId xmlns:p14="http://schemas.microsoft.com/office/powerpoint/2010/main" val="2009642305"/>
-      </p:ext>
-    </p:extLst>
-  </p:cSld>
-  <p:clrMapOvr>
-    <a:masterClrMapping/>
-  </p:clrMapOvr>
-</p:sld>
-</file>
-
-<file path=ppt/slides/slide56.xml><?xml version="1.0" encoding="utf-8"?>
-<p:sld xmlns:a="http://schemas.openxmlformats.org/drawingml/2006/main" xmlns:r="http://schemas.openxmlformats.org/officeDocument/2006/relationships" xmlns:p="http://schemas.openxmlformats.org/presentationml/2006/main">
-  <p:cSld>
-    <p:spTree>
-      <p:nvGrpSpPr>
-        <p:cNvPr id="1" name=""/>
-        <p:cNvGrpSpPr/>
-        <p:nvPr/>
-      </p:nvGrpSpPr>
-      <p:grpSpPr>
-        <a:xfrm>
-          <a:off x="0" y="0"/>
-          <a:ext cx="0" cy="0"/>
-          <a:chOff x="0" y="0"/>
-          <a:chExt cx="0" cy="0"/>
-        </a:xfrm>
-      </p:grpSpPr>
-      <p:sp>
-        <p:nvSpPr>
-          <p:cNvPr id="2" name="Titre 1">
-            <a:extLst>
-              <a:ext uri="{FF2B5EF4-FFF2-40B4-BE49-F238E27FC236}">
-                <a16:creationId xmlns:a16="http://schemas.microsoft.com/office/drawing/2014/main" id="{21766C66-1FE8-40A6-86E7-67715FC56E02}"/>
-              </a:ext>
-            </a:extLst>
-          </p:cNvPr>
-          <p:cNvSpPr>
-            <a:spLocks noGrp="1"/>
-          </p:cNvSpPr>
-          <p:nvPr>
-            <p:ph type="title"/>
-          </p:nvPr>
-        </p:nvSpPr>
-        <p:spPr/>
-        <p:txBody>
-          <a:bodyPr>
-            <a:normAutofit/>
-          </a:bodyPr>
-          <a:lstStyle/>
-          <a:p>
-            <a:r>
-              <a:rPr lang="fr-FR" sz="1400" dirty="0">
-                <a:solidFill>
-                  <a:srgbClr val="FF0000"/>
-                </a:solidFill>
-                <a:effectLst/>
-                <a:latin typeface="Arial" panose="020B0604020202020204" pitchFamily="34" charset="0"/>
-              </a:rPr>
-              <a:t>14.</a:t>
-            </a:r>
-            <a:r>
-              <a:rPr lang="fr-FR" sz="1400" dirty="0">
-                <a:effectLst/>
-                <a:latin typeface="Arial" panose="020B0604020202020204" pitchFamily="34" charset="0"/>
-              </a:rPr>
-              <a:t>Biais et équité: En quoi le protocole de gestion des données dans l’apprentissage supervisé (dont on rappellera les objectifs et principes) vise à éviter les biais dans l’apprentissage? Serait-il correct de tester un algorithme avec les données avec lesquels il a appris? Qu’est-ce que des attributs protégés et comment interviennent-ils dans un algorithme d’apprentissage supervisé? Comment peut-on espérer traduire l’équité dans un modelé probabiliste? L’équité dans l’apprentissage n’est-elle qu’un problème de qualité des données ou du choix de ses attributs ?Qu’est-ce que l’effet d’aggravation et ou le retrouve-ton? Citez des exemple set des contre-exemples.</a:t>
-            </a:r>
-            <a:endParaRPr lang="en-GB" sz="1400" dirty="0"/>
-          </a:p>
-        </p:txBody>
-      </p:sp>
-      <p:sp>
-        <p:nvSpPr>
-          <p:cNvPr id="3" name="Espace réservé du contenu 2">
-            <a:extLst>
-              <a:ext uri="{FF2B5EF4-FFF2-40B4-BE49-F238E27FC236}">
-                <a16:creationId xmlns:a16="http://schemas.microsoft.com/office/drawing/2014/main" id="{55ECBF04-F52F-4B3F-9304-4E4A2E668DA9}"/>
-              </a:ext>
-            </a:extLst>
-          </p:cNvPr>
-          <p:cNvSpPr>
-            <a:spLocks noGrp="1"/>
-          </p:cNvSpPr>
-          <p:nvPr>
-            <p:ph idx="1"/>
-          </p:nvPr>
-        </p:nvSpPr>
-        <p:spPr/>
-        <p:txBody>
-          <a:bodyPr/>
-          <a:lstStyle/>
-          <a:p>
-            <a:endParaRPr lang="en-GB" dirty="0"/>
-          </a:p>
-        </p:txBody>
-      </p:sp>
-    </p:spTree>
-    <p:extLst>
-      <p:ext uri="{BB962C8B-B14F-4D97-AF65-F5344CB8AC3E}">
-        <p14:creationId xmlns:p14="http://schemas.microsoft.com/office/powerpoint/2010/main" val="2447558994"/>
-      </p:ext>
-    </p:extLst>
-  </p:cSld>
-  <p:clrMapOvr>
-    <a:masterClrMapping/>
-  </p:clrMapOvr>
-</p:sld>
-</file>
-
-<file path=ppt/slides/slide6.xml><?xml version="1.0" encoding="utf-8"?>
-<p:sld xmlns:a="http://schemas.openxmlformats.org/drawingml/2006/main" xmlns:r="http://schemas.openxmlformats.org/officeDocument/2006/relationships" xmlns:p="http://schemas.openxmlformats.org/presentationml/2006/main">
-  <p:cSld>
-    <p:spTree>
-      <p:nvGrpSpPr>
-        <p:cNvPr id="1" name=""/>
-        <p:cNvGrpSpPr/>
-        <p:nvPr/>
-      </p:nvGrpSpPr>
-      <p:grpSpPr>
-        <a:xfrm>
-          <a:off x="0" y="0"/>
-          <a:ext cx="0" cy="0"/>
-          <a:chOff x="0" y="0"/>
-          <a:chExt cx="0" cy="0"/>
-        </a:xfrm>
-      </p:grpSpPr>
-      <p:sp>
-        <p:nvSpPr>
-          <p:cNvPr id="2" name="Titre 1">
-            <a:extLst>
-              <a:ext uri="{FF2B5EF4-FFF2-40B4-BE49-F238E27FC236}">
                 <a16:creationId xmlns:a16="http://schemas.microsoft.com/office/drawing/2014/main" id="{1DE24D75-C6DE-4394-A51C-5EF310010BA5}"/>
               </a:ext>
             </a:extLst>
@@ -27032,7 +28004,7 @@
         <p:spPr>
           <a:xfrm>
             <a:off x="0" y="-316992"/>
-            <a:ext cx="746760" cy="1325563"/>
+            <a:ext cx="929640" cy="1325563"/>
           </a:xfrm>
         </p:spPr>
         <p:txBody>
@@ -27045,7 +28017,7 @@
                   <a:schemeClr val="accent1"/>
                 </a:solidFill>
               </a:rPr>
-              <a:t>1.</a:t>
+              <a:t>11.</a:t>
             </a:r>
             <a:endParaRPr lang="en-GB" dirty="0">
               <a:solidFill>
@@ -27091,7 +28063,7 @@
                 <a:effectLst/>
                 <a:latin typeface="Arial" panose="020B0604020202020204" pitchFamily="34" charset="0"/>
               </a:rPr>
-              <a:t>Comment mesure-t-on leur réussite? Leur complexité? Leur optimalité?</a:t>
+              <a:t>Rappelez la relation entre classification et régression?</a:t>
             </a:r>
             <a:endParaRPr lang="en-GB" dirty="0">
               <a:solidFill>
@@ -27103,10 +28075,10 @@
       </p:sp>
       <p:sp>
         <p:nvSpPr>
-          <p:cNvPr id="5" name="Espace réservé du contenu 6">
+          <p:cNvPr id="18" name="Espace réservé du contenu 6">
             <a:extLst>
               <a:ext uri="{FF2B5EF4-FFF2-40B4-BE49-F238E27FC236}">
-                <a16:creationId xmlns:a16="http://schemas.microsoft.com/office/drawing/2014/main" id="{3B45E406-FA6C-4205-AD44-BF646AA82A9A}"/>
+                <a16:creationId xmlns:a16="http://schemas.microsoft.com/office/drawing/2014/main" id="{9A4B1FAA-FAB0-4C75-B9CF-5E535095925F}"/>
               </a:ext>
             </a:extLst>
           </p:cNvPr>
@@ -27117,8 +28089,8 @@
         </p:nvSpPr>
         <p:spPr>
           <a:xfrm>
-            <a:off x="982508" y="1008570"/>
-            <a:ext cx="10515600" cy="5393578"/>
+            <a:off x="929640" y="898883"/>
+            <a:ext cx="10515600" cy="4660345"/>
           </a:xfrm>
           <a:prstGeom prst="rect">
             <a:avLst/>
@@ -27295,6 +28267,1584 @@
           <a:p>
             <a:r>
               <a:rPr lang="fr-CH" dirty="0"/>
+              <a:t>La difficulté qu’on va rencontrer, c’est que du à des mauvaises mesures, ou juste du au fait que X n’est pas toujours une caractéristique qui distingue bien Y, on aura des overlap</a:t>
+            </a:r>
+          </a:p>
+          <a:p>
+            <a:endParaRPr lang="fr-CH" dirty="0"/>
+          </a:p>
+          <a:p>
+            <a:endParaRPr lang="fr-CH" dirty="0"/>
+          </a:p>
+          <a:p>
+            <a:pPr marL="0" indent="0">
+              <a:buNone/>
+            </a:pPr>
+            <a:endParaRPr lang="fr-CH" dirty="0"/>
+          </a:p>
+          <a:p>
+            <a:r>
+              <a:rPr lang="fr-CH" dirty="0"/>
+              <a:t>Du coup on va transformer la «step fonction» en une fonction plus continue</a:t>
+            </a:r>
+          </a:p>
+          <a:p>
+            <a:pPr marL="0" indent="0">
+              <a:buNone/>
+            </a:pPr>
+            <a:endParaRPr lang="fr-CH" dirty="0"/>
+          </a:p>
+        </p:txBody>
+      </p:sp>
+      <p:pic>
+        <p:nvPicPr>
+          <p:cNvPr id="5" name="Image 4">
+            <a:extLst>
+              <a:ext uri="{FF2B5EF4-FFF2-40B4-BE49-F238E27FC236}">
+                <a16:creationId xmlns:a16="http://schemas.microsoft.com/office/drawing/2014/main" id="{BE14847A-11A0-4F29-A499-4A97BA230D14}"/>
+              </a:ext>
+            </a:extLst>
+          </p:cNvPr>
+          <p:cNvPicPr>
+            <a:picLocks noChangeAspect="1"/>
+          </p:cNvPicPr>
+          <p:nvPr/>
+        </p:nvPicPr>
+        <p:blipFill>
+          <a:blip r:embed="rId3"/>
+          <a:stretch>
+            <a:fillRect/>
+          </a:stretch>
+        </p:blipFill>
+        <p:spPr>
+          <a:xfrm>
+            <a:off x="3385657" y="2090860"/>
+            <a:ext cx="5420686" cy="1653011"/>
+          </a:xfrm>
+          <a:prstGeom prst="rect">
+            <a:avLst/>
+          </a:prstGeom>
+        </p:spPr>
+      </p:pic>
+      <p:pic>
+        <p:nvPicPr>
+          <p:cNvPr id="7" name="Image 6">
+            <a:extLst>
+              <a:ext uri="{FF2B5EF4-FFF2-40B4-BE49-F238E27FC236}">
+                <a16:creationId xmlns:a16="http://schemas.microsoft.com/office/drawing/2014/main" id="{D0A6C9A9-51C6-4A79-B649-0E256FF76282}"/>
+              </a:ext>
+            </a:extLst>
+          </p:cNvPr>
+          <p:cNvPicPr>
+            <a:picLocks noChangeAspect="1"/>
+          </p:cNvPicPr>
+          <p:nvPr/>
+        </p:nvPicPr>
+        <p:blipFill>
+          <a:blip r:embed="rId4"/>
+          <a:stretch>
+            <a:fillRect/>
+          </a:stretch>
+        </p:blipFill>
+        <p:spPr>
+          <a:xfrm>
+            <a:off x="3385657" y="4488354"/>
+            <a:ext cx="5784811" cy="1803921"/>
+          </a:xfrm>
+          <a:prstGeom prst="rect">
+            <a:avLst/>
+          </a:prstGeom>
+        </p:spPr>
+      </p:pic>
+    </p:spTree>
+    <p:extLst>
+      <p:ext uri="{BB962C8B-B14F-4D97-AF65-F5344CB8AC3E}">
+        <p14:creationId xmlns:p14="http://schemas.microsoft.com/office/powerpoint/2010/main" val="2459508495"/>
+      </p:ext>
+    </p:extLst>
+  </p:cSld>
+  <p:clrMapOvr>
+    <a:masterClrMapping/>
+  </p:clrMapOvr>
+</p:sld>
+</file>
+
+<file path=ppt/slides/slide56.xml><?xml version="1.0" encoding="utf-8"?>
+<p:sld xmlns:a="http://schemas.openxmlformats.org/drawingml/2006/main" xmlns:r="http://schemas.openxmlformats.org/officeDocument/2006/relationships" xmlns:p="http://schemas.openxmlformats.org/presentationml/2006/main">
+  <p:cSld>
+    <p:spTree>
+      <p:nvGrpSpPr>
+        <p:cNvPr id="1" name=""/>
+        <p:cNvGrpSpPr/>
+        <p:nvPr/>
+      </p:nvGrpSpPr>
+      <p:grpSpPr>
+        <a:xfrm>
+          <a:off x="0" y="0"/>
+          <a:ext cx="0" cy="0"/>
+          <a:chOff x="0" y="0"/>
+          <a:chExt cx="0" cy="0"/>
+        </a:xfrm>
+      </p:grpSpPr>
+      <p:sp>
+        <p:nvSpPr>
+          <p:cNvPr id="2" name="Titre 1">
+            <a:extLst>
+              <a:ext uri="{FF2B5EF4-FFF2-40B4-BE49-F238E27FC236}">
+                <a16:creationId xmlns:a16="http://schemas.microsoft.com/office/drawing/2014/main" id="{1DE24D75-C6DE-4394-A51C-5EF310010BA5}"/>
+              </a:ext>
+            </a:extLst>
+          </p:cNvPr>
+          <p:cNvSpPr>
+            <a:spLocks noGrp="1"/>
+          </p:cNvSpPr>
+          <p:nvPr>
+            <p:ph type="title"/>
+          </p:nvPr>
+        </p:nvSpPr>
+        <p:spPr>
+          <a:xfrm>
+            <a:off x="0" y="-316992"/>
+            <a:ext cx="929640" cy="1325563"/>
+          </a:xfrm>
+        </p:spPr>
+        <p:txBody>
+          <a:bodyPr/>
+          <a:lstStyle/>
+          <a:p>
+            <a:r>
+              <a:rPr lang="fr-CH" dirty="0">
+                <a:solidFill>
+                  <a:schemeClr val="accent1"/>
+                </a:solidFill>
+              </a:rPr>
+              <a:t>11.</a:t>
+            </a:r>
+            <a:endParaRPr lang="en-GB" dirty="0">
+              <a:solidFill>
+                <a:schemeClr val="accent1"/>
+              </a:solidFill>
+            </a:endParaRPr>
+          </a:p>
+        </p:txBody>
+      </p:sp>
+      <p:sp>
+        <p:nvSpPr>
+          <p:cNvPr id="4" name="ZoneTexte 3">
+            <a:extLst>
+              <a:ext uri="{FF2B5EF4-FFF2-40B4-BE49-F238E27FC236}">
+                <a16:creationId xmlns:a16="http://schemas.microsoft.com/office/drawing/2014/main" id="{B4A469F4-C262-4F6E-8D5D-858330AC98E0}"/>
+              </a:ext>
+            </a:extLst>
+          </p:cNvPr>
+          <p:cNvSpPr txBox="1"/>
+          <p:nvPr/>
+        </p:nvSpPr>
+        <p:spPr>
+          <a:xfrm>
+            <a:off x="746760" y="161123"/>
+            <a:ext cx="10515600" cy="369332"/>
+          </a:xfrm>
+          <a:prstGeom prst="rect">
+            <a:avLst/>
+          </a:prstGeom>
+          <a:noFill/>
+        </p:spPr>
+        <p:txBody>
+          <a:bodyPr wrap="square" rtlCol="0">
+            <a:spAutoFit/>
+          </a:bodyPr>
+          <a:lstStyle/>
+          <a:p>
+            <a:r>
+              <a:rPr lang="fr-FR" sz="1800" dirty="0">
+                <a:solidFill>
+                  <a:schemeClr val="accent1"/>
+                </a:solidFill>
+                <a:effectLst/>
+                <a:latin typeface="Arial" panose="020B0604020202020204" pitchFamily="34" charset="0"/>
+              </a:rPr>
+              <a:t>Quel est sont les propriétés de la fonction logistique?</a:t>
+            </a:r>
+            <a:endParaRPr lang="en-GB" dirty="0">
+              <a:solidFill>
+                <a:schemeClr val="accent1"/>
+              </a:solidFill>
+            </a:endParaRPr>
+          </a:p>
+        </p:txBody>
+      </p:sp>
+      <p:sp>
+        <p:nvSpPr>
+          <p:cNvPr id="18" name="Espace réservé du contenu 6">
+            <a:extLst>
+              <a:ext uri="{FF2B5EF4-FFF2-40B4-BE49-F238E27FC236}">
+                <a16:creationId xmlns:a16="http://schemas.microsoft.com/office/drawing/2014/main" id="{9A4B1FAA-FAB0-4C75-B9CF-5E535095925F}"/>
+              </a:ext>
+            </a:extLst>
+          </p:cNvPr>
+          <p:cNvSpPr txBox="1">
+            <a:spLocks/>
+          </p:cNvSpPr>
+          <p:nvPr/>
+        </p:nvSpPr>
+        <p:spPr>
+          <a:xfrm>
+            <a:off x="929640" y="898883"/>
+            <a:ext cx="10515600" cy="5275340"/>
+          </a:xfrm>
+          <a:prstGeom prst="rect">
+            <a:avLst/>
+          </a:prstGeom>
+        </p:spPr>
+        <p:txBody>
+          <a:bodyPr vert="horz" lIns="91440" tIns="45720" rIns="91440" bIns="45720" rtlCol="0">
+            <a:normAutofit/>
+          </a:bodyPr>
+          <a:lstStyle>
+            <a:lvl1pPr marL="228600" indent="-228600" algn="l" defTabSz="914400" rtl="0" eaLnBrk="1" latinLnBrk="0" hangingPunct="1">
+              <a:lnSpc>
+                <a:spcPct val="90000"/>
+              </a:lnSpc>
+              <a:spcBef>
+                <a:spcPts val="1000"/>
+              </a:spcBef>
+              <a:buFont typeface="Arial" panose="020B0604020202020204" pitchFamily="34" charset="0"/>
+              <a:buChar char="•"/>
+              <a:defRPr sz="2800" kern="1200">
+                <a:solidFill>
+                  <a:schemeClr val="tx1"/>
+                </a:solidFill>
+                <a:latin typeface="+mn-lt"/>
+                <a:ea typeface="+mn-ea"/>
+                <a:cs typeface="+mn-cs"/>
+              </a:defRPr>
+            </a:lvl1pPr>
+            <a:lvl2pPr marL="685800" indent="-228600" algn="l" defTabSz="914400" rtl="0" eaLnBrk="1" latinLnBrk="0" hangingPunct="1">
+              <a:lnSpc>
+                <a:spcPct val="90000"/>
+              </a:lnSpc>
+              <a:spcBef>
+                <a:spcPts val="500"/>
+              </a:spcBef>
+              <a:buFont typeface="Arial" panose="020B0604020202020204" pitchFamily="34" charset="0"/>
+              <a:buChar char="•"/>
+              <a:defRPr sz="2400" kern="1200">
+                <a:solidFill>
+                  <a:schemeClr val="tx1"/>
+                </a:solidFill>
+                <a:latin typeface="+mn-lt"/>
+                <a:ea typeface="+mn-ea"/>
+                <a:cs typeface="+mn-cs"/>
+              </a:defRPr>
+            </a:lvl2pPr>
+            <a:lvl3pPr marL="1143000" indent="-228600" algn="l" defTabSz="914400" rtl="0" eaLnBrk="1" latinLnBrk="0" hangingPunct="1">
+              <a:lnSpc>
+                <a:spcPct val="90000"/>
+              </a:lnSpc>
+              <a:spcBef>
+                <a:spcPts val="500"/>
+              </a:spcBef>
+              <a:buFont typeface="Arial" panose="020B0604020202020204" pitchFamily="34" charset="0"/>
+              <a:buChar char="•"/>
+              <a:defRPr sz="2000" kern="1200">
+                <a:solidFill>
+                  <a:schemeClr val="tx1"/>
+                </a:solidFill>
+                <a:latin typeface="+mn-lt"/>
+                <a:ea typeface="+mn-ea"/>
+                <a:cs typeface="+mn-cs"/>
+              </a:defRPr>
+            </a:lvl3pPr>
+            <a:lvl4pPr marL="1600200" indent="-228600" algn="l" defTabSz="914400" rtl="0" eaLnBrk="1" latinLnBrk="0" hangingPunct="1">
+              <a:lnSpc>
+                <a:spcPct val="90000"/>
+              </a:lnSpc>
+              <a:spcBef>
+                <a:spcPts val="500"/>
+              </a:spcBef>
+              <a:buFont typeface="Arial" panose="020B0604020202020204" pitchFamily="34" charset="0"/>
+              <a:buChar char="•"/>
+              <a:defRPr sz="1800" kern="1200">
+                <a:solidFill>
+                  <a:schemeClr val="tx1"/>
+                </a:solidFill>
+                <a:latin typeface="+mn-lt"/>
+                <a:ea typeface="+mn-ea"/>
+                <a:cs typeface="+mn-cs"/>
+              </a:defRPr>
+            </a:lvl4pPr>
+            <a:lvl5pPr marL="2057400" indent="-228600" algn="l" defTabSz="914400" rtl="0" eaLnBrk="1" latinLnBrk="0" hangingPunct="1">
+              <a:lnSpc>
+                <a:spcPct val="90000"/>
+              </a:lnSpc>
+              <a:spcBef>
+                <a:spcPts val="500"/>
+              </a:spcBef>
+              <a:buFont typeface="Arial" panose="020B0604020202020204" pitchFamily="34" charset="0"/>
+              <a:buChar char="•"/>
+              <a:defRPr sz="1800" kern="1200">
+                <a:solidFill>
+                  <a:schemeClr val="tx1"/>
+                </a:solidFill>
+                <a:latin typeface="+mn-lt"/>
+                <a:ea typeface="+mn-ea"/>
+                <a:cs typeface="+mn-cs"/>
+              </a:defRPr>
+            </a:lvl5pPr>
+            <a:lvl6pPr marL="2514600" indent="-228600" algn="l" defTabSz="914400" rtl="0" eaLnBrk="1" latinLnBrk="0" hangingPunct="1">
+              <a:lnSpc>
+                <a:spcPct val="90000"/>
+              </a:lnSpc>
+              <a:spcBef>
+                <a:spcPts val="500"/>
+              </a:spcBef>
+              <a:buFont typeface="Arial" panose="020B0604020202020204" pitchFamily="34" charset="0"/>
+              <a:buChar char="•"/>
+              <a:defRPr sz="1800" kern="1200">
+                <a:solidFill>
+                  <a:schemeClr val="tx1"/>
+                </a:solidFill>
+                <a:latin typeface="+mn-lt"/>
+                <a:ea typeface="+mn-ea"/>
+                <a:cs typeface="+mn-cs"/>
+              </a:defRPr>
+            </a:lvl6pPr>
+            <a:lvl7pPr marL="2971800" indent="-228600" algn="l" defTabSz="914400" rtl="0" eaLnBrk="1" latinLnBrk="0" hangingPunct="1">
+              <a:lnSpc>
+                <a:spcPct val="90000"/>
+              </a:lnSpc>
+              <a:spcBef>
+                <a:spcPts val="500"/>
+              </a:spcBef>
+              <a:buFont typeface="Arial" panose="020B0604020202020204" pitchFamily="34" charset="0"/>
+              <a:buChar char="•"/>
+              <a:defRPr sz="1800" kern="1200">
+                <a:solidFill>
+                  <a:schemeClr val="tx1"/>
+                </a:solidFill>
+                <a:latin typeface="+mn-lt"/>
+                <a:ea typeface="+mn-ea"/>
+                <a:cs typeface="+mn-cs"/>
+              </a:defRPr>
+            </a:lvl7pPr>
+            <a:lvl8pPr marL="3429000" indent="-228600" algn="l" defTabSz="914400" rtl="0" eaLnBrk="1" latinLnBrk="0" hangingPunct="1">
+              <a:lnSpc>
+                <a:spcPct val="90000"/>
+              </a:lnSpc>
+              <a:spcBef>
+                <a:spcPts val="500"/>
+              </a:spcBef>
+              <a:buFont typeface="Arial" panose="020B0604020202020204" pitchFamily="34" charset="0"/>
+              <a:buChar char="•"/>
+              <a:defRPr sz="1800" kern="1200">
+                <a:solidFill>
+                  <a:schemeClr val="tx1"/>
+                </a:solidFill>
+                <a:latin typeface="+mn-lt"/>
+                <a:ea typeface="+mn-ea"/>
+                <a:cs typeface="+mn-cs"/>
+              </a:defRPr>
+            </a:lvl8pPr>
+            <a:lvl9pPr marL="3886200" indent="-228600" algn="l" defTabSz="914400" rtl="0" eaLnBrk="1" latinLnBrk="0" hangingPunct="1">
+              <a:lnSpc>
+                <a:spcPct val="90000"/>
+              </a:lnSpc>
+              <a:spcBef>
+                <a:spcPts val="500"/>
+              </a:spcBef>
+              <a:buFont typeface="Arial" panose="020B0604020202020204" pitchFamily="34" charset="0"/>
+              <a:buChar char="•"/>
+              <a:defRPr sz="1800" kern="1200">
+                <a:solidFill>
+                  <a:schemeClr val="tx1"/>
+                </a:solidFill>
+                <a:latin typeface="+mn-lt"/>
+                <a:ea typeface="+mn-ea"/>
+                <a:cs typeface="+mn-cs"/>
+              </a:defRPr>
+            </a:lvl9pPr>
+          </a:lstStyle>
+          <a:p>
+            <a:r>
+              <a:rPr lang="fr-CH" dirty="0"/>
+              <a:t>Pour calculer la fonction qu’on a vu avant, on va utiliser la fonction logistique.</a:t>
+            </a:r>
+          </a:p>
+          <a:p>
+            <a:endParaRPr lang="fr-CH" dirty="0"/>
+          </a:p>
+          <a:p>
+            <a:endParaRPr lang="fr-CH" dirty="0"/>
+          </a:p>
+          <a:p>
+            <a:endParaRPr lang="fr-CH" dirty="0"/>
+          </a:p>
+          <a:p>
+            <a:pPr marL="0" indent="0">
+              <a:buNone/>
+            </a:pPr>
+            <a:endParaRPr lang="fr-CH" dirty="0"/>
+          </a:p>
+          <a:p>
+            <a:endParaRPr lang="fr-CH" dirty="0"/>
+          </a:p>
+          <a:p>
+            <a:r>
+              <a:rPr lang="fr-CH" dirty="0"/>
+              <a:t>Depuis ces hypothèses on définit le rapport odds ratio qui représente la probabilité de Y=vrai par rapport à Y=faux sachant X</a:t>
+            </a:r>
+          </a:p>
+          <a:p>
+            <a:pPr marL="0" indent="0">
+              <a:buNone/>
+            </a:pPr>
+            <a:endParaRPr lang="fr-CH" dirty="0"/>
+          </a:p>
+        </p:txBody>
+      </p:sp>
+      <p:pic>
+        <p:nvPicPr>
+          <p:cNvPr id="9" name="Image 8">
+            <a:extLst>
+              <a:ext uri="{FF2B5EF4-FFF2-40B4-BE49-F238E27FC236}">
+                <a16:creationId xmlns:a16="http://schemas.microsoft.com/office/drawing/2014/main" id="{D8D06A8A-C483-44D4-83EA-3CBE9AB0E84E}"/>
+              </a:ext>
+            </a:extLst>
+          </p:cNvPr>
+          <p:cNvPicPr>
+            <a:picLocks noChangeAspect="1"/>
+          </p:cNvPicPr>
+          <p:nvPr/>
+        </p:nvPicPr>
+        <p:blipFill>
+          <a:blip r:embed="rId3"/>
+          <a:stretch>
+            <a:fillRect/>
+          </a:stretch>
+        </p:blipFill>
+        <p:spPr>
+          <a:xfrm>
+            <a:off x="4024312" y="1707308"/>
+            <a:ext cx="4143375" cy="676275"/>
+          </a:xfrm>
+          <a:prstGeom prst="rect">
+            <a:avLst/>
+          </a:prstGeom>
+        </p:spPr>
+      </p:pic>
+      <p:pic>
+        <p:nvPicPr>
+          <p:cNvPr id="11" name="Image 10">
+            <a:extLst>
+              <a:ext uri="{FF2B5EF4-FFF2-40B4-BE49-F238E27FC236}">
+                <a16:creationId xmlns:a16="http://schemas.microsoft.com/office/drawing/2014/main" id="{82ECB228-B024-4EED-88BF-756C6F5F41EE}"/>
+              </a:ext>
+            </a:extLst>
+          </p:cNvPr>
+          <p:cNvPicPr>
+            <a:picLocks noChangeAspect="1"/>
+          </p:cNvPicPr>
+          <p:nvPr/>
+        </p:nvPicPr>
+        <p:blipFill>
+          <a:blip r:embed="rId4"/>
+          <a:stretch>
+            <a:fillRect/>
+          </a:stretch>
+        </p:blipFill>
+        <p:spPr>
+          <a:xfrm>
+            <a:off x="9734929" y="1298772"/>
+            <a:ext cx="1998523" cy="1493348"/>
+          </a:xfrm>
+          <a:prstGeom prst="rect">
+            <a:avLst/>
+          </a:prstGeom>
+        </p:spPr>
+      </p:pic>
+      <p:pic>
+        <p:nvPicPr>
+          <p:cNvPr id="15" name="Image 14">
+            <a:extLst>
+              <a:ext uri="{FF2B5EF4-FFF2-40B4-BE49-F238E27FC236}">
+                <a16:creationId xmlns:a16="http://schemas.microsoft.com/office/drawing/2014/main" id="{CF95AEE2-EFB7-49F5-A17F-30EB5A30C12B}"/>
+              </a:ext>
+            </a:extLst>
+          </p:cNvPr>
+          <p:cNvPicPr>
+            <a:picLocks noChangeAspect="1"/>
+          </p:cNvPicPr>
+          <p:nvPr/>
+        </p:nvPicPr>
+        <p:blipFill>
+          <a:blip r:embed="rId5"/>
+          <a:stretch>
+            <a:fillRect/>
+          </a:stretch>
+        </p:blipFill>
+        <p:spPr>
+          <a:xfrm>
+            <a:off x="929640" y="3362289"/>
+            <a:ext cx="5903325" cy="916613"/>
+          </a:xfrm>
+          <a:prstGeom prst="rect">
+            <a:avLst/>
+          </a:prstGeom>
+        </p:spPr>
+      </p:pic>
+      <p:pic>
+        <p:nvPicPr>
+          <p:cNvPr id="17" name="Image 16">
+            <a:extLst>
+              <a:ext uri="{FF2B5EF4-FFF2-40B4-BE49-F238E27FC236}">
+                <a16:creationId xmlns:a16="http://schemas.microsoft.com/office/drawing/2014/main" id="{1ECD7D14-8F65-4305-972C-75DB3E89029D}"/>
+              </a:ext>
+            </a:extLst>
+          </p:cNvPr>
+          <p:cNvPicPr>
+            <a:picLocks noChangeAspect="1"/>
+          </p:cNvPicPr>
+          <p:nvPr/>
+        </p:nvPicPr>
+        <p:blipFill>
+          <a:blip r:embed="rId6"/>
+          <a:stretch>
+            <a:fillRect/>
+          </a:stretch>
+        </p:blipFill>
+        <p:spPr>
+          <a:xfrm>
+            <a:off x="4292642" y="5507228"/>
+            <a:ext cx="3606713" cy="734047"/>
+          </a:xfrm>
+          <a:prstGeom prst="rect">
+            <a:avLst/>
+          </a:prstGeom>
+        </p:spPr>
+      </p:pic>
+      <p:pic>
+        <p:nvPicPr>
+          <p:cNvPr id="20" name="Image 19">
+            <a:extLst>
+              <a:ext uri="{FF2B5EF4-FFF2-40B4-BE49-F238E27FC236}">
+                <a16:creationId xmlns:a16="http://schemas.microsoft.com/office/drawing/2014/main" id="{95175A0A-9E85-4972-B2D2-C17C9253F9A7}"/>
+              </a:ext>
+            </a:extLst>
+          </p:cNvPr>
+          <p:cNvPicPr>
+            <a:picLocks noChangeAspect="1"/>
+          </p:cNvPicPr>
+          <p:nvPr/>
+        </p:nvPicPr>
+        <p:blipFill>
+          <a:blip r:embed="rId7"/>
+          <a:stretch>
+            <a:fillRect/>
+          </a:stretch>
+        </p:blipFill>
+        <p:spPr>
+          <a:xfrm>
+            <a:off x="4500471" y="2452146"/>
+            <a:ext cx="3191058" cy="734046"/>
+          </a:xfrm>
+          <a:prstGeom prst="rect">
+            <a:avLst/>
+          </a:prstGeom>
+        </p:spPr>
+      </p:pic>
+    </p:spTree>
+    <p:extLst>
+      <p:ext uri="{BB962C8B-B14F-4D97-AF65-F5344CB8AC3E}">
+        <p14:creationId xmlns:p14="http://schemas.microsoft.com/office/powerpoint/2010/main" val="4282644318"/>
+      </p:ext>
+    </p:extLst>
+  </p:cSld>
+  <p:clrMapOvr>
+    <a:masterClrMapping/>
+  </p:clrMapOvr>
+</p:sld>
+</file>
+
+<file path=ppt/slides/slide57.xml><?xml version="1.0" encoding="utf-8"?>
+<p:sld xmlns:a="http://schemas.openxmlformats.org/drawingml/2006/main" xmlns:r="http://schemas.openxmlformats.org/officeDocument/2006/relationships" xmlns:p="http://schemas.openxmlformats.org/presentationml/2006/main">
+  <p:cSld>
+    <p:spTree>
+      <p:nvGrpSpPr>
+        <p:cNvPr id="1" name=""/>
+        <p:cNvGrpSpPr/>
+        <p:nvPr/>
+      </p:nvGrpSpPr>
+      <p:grpSpPr>
+        <a:xfrm>
+          <a:off x="0" y="0"/>
+          <a:ext cx="0" cy="0"/>
+          <a:chOff x="0" y="0"/>
+          <a:chExt cx="0" cy="0"/>
+        </a:xfrm>
+      </p:grpSpPr>
+      <p:sp>
+        <p:nvSpPr>
+          <p:cNvPr id="2" name="Titre 1">
+            <a:extLst>
+              <a:ext uri="{FF2B5EF4-FFF2-40B4-BE49-F238E27FC236}">
+                <a16:creationId xmlns:a16="http://schemas.microsoft.com/office/drawing/2014/main" id="{1DE24D75-C6DE-4394-A51C-5EF310010BA5}"/>
+              </a:ext>
+            </a:extLst>
+          </p:cNvPr>
+          <p:cNvSpPr>
+            <a:spLocks noGrp="1"/>
+          </p:cNvSpPr>
+          <p:nvPr>
+            <p:ph type="title"/>
+          </p:nvPr>
+        </p:nvSpPr>
+        <p:spPr>
+          <a:xfrm>
+            <a:off x="0" y="-316992"/>
+            <a:ext cx="929640" cy="1325563"/>
+          </a:xfrm>
+        </p:spPr>
+        <p:txBody>
+          <a:bodyPr/>
+          <a:lstStyle/>
+          <a:p>
+            <a:r>
+              <a:rPr lang="fr-CH" dirty="0">
+                <a:solidFill>
+                  <a:schemeClr val="accent1"/>
+                </a:solidFill>
+              </a:rPr>
+              <a:t>11.</a:t>
+            </a:r>
+            <a:endParaRPr lang="en-GB" dirty="0">
+              <a:solidFill>
+                <a:schemeClr val="accent1"/>
+              </a:solidFill>
+            </a:endParaRPr>
+          </a:p>
+        </p:txBody>
+      </p:sp>
+      <p:sp>
+        <p:nvSpPr>
+          <p:cNvPr id="4" name="ZoneTexte 3">
+            <a:extLst>
+              <a:ext uri="{FF2B5EF4-FFF2-40B4-BE49-F238E27FC236}">
+                <a16:creationId xmlns:a16="http://schemas.microsoft.com/office/drawing/2014/main" id="{B4A469F4-C262-4F6E-8D5D-858330AC98E0}"/>
+              </a:ext>
+            </a:extLst>
+          </p:cNvPr>
+          <p:cNvSpPr txBox="1"/>
+          <p:nvPr/>
+        </p:nvSpPr>
+        <p:spPr>
+          <a:xfrm>
+            <a:off x="746760" y="161123"/>
+            <a:ext cx="10515600" cy="369332"/>
+          </a:xfrm>
+          <a:prstGeom prst="rect">
+            <a:avLst/>
+          </a:prstGeom>
+          <a:noFill/>
+        </p:spPr>
+        <p:txBody>
+          <a:bodyPr wrap="square" rtlCol="0">
+            <a:spAutoFit/>
+          </a:bodyPr>
+          <a:lstStyle/>
+          <a:p>
+            <a:r>
+              <a:rPr lang="fr-FR" sz="1800" dirty="0">
+                <a:solidFill>
+                  <a:schemeClr val="accent1"/>
+                </a:solidFill>
+                <a:effectLst/>
+                <a:latin typeface="Arial" panose="020B0604020202020204" pitchFamily="34" charset="0"/>
+              </a:rPr>
+              <a:t>Qu’est-ce que l’algorithme de régression logistique?</a:t>
+            </a:r>
+            <a:endParaRPr lang="en-GB" dirty="0">
+              <a:solidFill>
+                <a:schemeClr val="accent1"/>
+              </a:solidFill>
+            </a:endParaRPr>
+          </a:p>
+        </p:txBody>
+      </p:sp>
+      <p:sp>
+        <p:nvSpPr>
+          <p:cNvPr id="18" name="Espace réservé du contenu 6">
+            <a:extLst>
+              <a:ext uri="{FF2B5EF4-FFF2-40B4-BE49-F238E27FC236}">
+                <a16:creationId xmlns:a16="http://schemas.microsoft.com/office/drawing/2014/main" id="{9A4B1FAA-FAB0-4C75-B9CF-5E535095925F}"/>
+              </a:ext>
+            </a:extLst>
+          </p:cNvPr>
+          <p:cNvSpPr txBox="1">
+            <a:spLocks/>
+          </p:cNvSpPr>
+          <p:nvPr/>
+        </p:nvSpPr>
+        <p:spPr>
+          <a:xfrm>
+            <a:off x="929640" y="1421537"/>
+            <a:ext cx="10515600" cy="4008219"/>
+          </a:xfrm>
+          <a:prstGeom prst="rect">
+            <a:avLst/>
+          </a:prstGeom>
+        </p:spPr>
+        <p:txBody>
+          <a:bodyPr vert="horz" lIns="91440" tIns="45720" rIns="91440" bIns="45720" rtlCol="0">
+            <a:normAutofit/>
+          </a:bodyPr>
+          <a:lstStyle>
+            <a:lvl1pPr marL="228600" indent="-228600" algn="l" defTabSz="914400" rtl="0" eaLnBrk="1" latinLnBrk="0" hangingPunct="1">
+              <a:lnSpc>
+                <a:spcPct val="90000"/>
+              </a:lnSpc>
+              <a:spcBef>
+                <a:spcPts val="1000"/>
+              </a:spcBef>
+              <a:buFont typeface="Arial" panose="020B0604020202020204" pitchFamily="34" charset="0"/>
+              <a:buChar char="•"/>
+              <a:defRPr sz="2800" kern="1200">
+                <a:solidFill>
+                  <a:schemeClr val="tx1"/>
+                </a:solidFill>
+                <a:latin typeface="+mn-lt"/>
+                <a:ea typeface="+mn-ea"/>
+                <a:cs typeface="+mn-cs"/>
+              </a:defRPr>
+            </a:lvl1pPr>
+            <a:lvl2pPr marL="685800" indent="-228600" algn="l" defTabSz="914400" rtl="0" eaLnBrk="1" latinLnBrk="0" hangingPunct="1">
+              <a:lnSpc>
+                <a:spcPct val="90000"/>
+              </a:lnSpc>
+              <a:spcBef>
+                <a:spcPts val="500"/>
+              </a:spcBef>
+              <a:buFont typeface="Arial" panose="020B0604020202020204" pitchFamily="34" charset="0"/>
+              <a:buChar char="•"/>
+              <a:defRPr sz="2400" kern="1200">
+                <a:solidFill>
+                  <a:schemeClr val="tx1"/>
+                </a:solidFill>
+                <a:latin typeface="+mn-lt"/>
+                <a:ea typeface="+mn-ea"/>
+                <a:cs typeface="+mn-cs"/>
+              </a:defRPr>
+            </a:lvl2pPr>
+            <a:lvl3pPr marL="1143000" indent="-228600" algn="l" defTabSz="914400" rtl="0" eaLnBrk="1" latinLnBrk="0" hangingPunct="1">
+              <a:lnSpc>
+                <a:spcPct val="90000"/>
+              </a:lnSpc>
+              <a:spcBef>
+                <a:spcPts val="500"/>
+              </a:spcBef>
+              <a:buFont typeface="Arial" panose="020B0604020202020204" pitchFamily="34" charset="0"/>
+              <a:buChar char="•"/>
+              <a:defRPr sz="2000" kern="1200">
+                <a:solidFill>
+                  <a:schemeClr val="tx1"/>
+                </a:solidFill>
+                <a:latin typeface="+mn-lt"/>
+                <a:ea typeface="+mn-ea"/>
+                <a:cs typeface="+mn-cs"/>
+              </a:defRPr>
+            </a:lvl3pPr>
+            <a:lvl4pPr marL="1600200" indent="-228600" algn="l" defTabSz="914400" rtl="0" eaLnBrk="1" latinLnBrk="0" hangingPunct="1">
+              <a:lnSpc>
+                <a:spcPct val="90000"/>
+              </a:lnSpc>
+              <a:spcBef>
+                <a:spcPts val="500"/>
+              </a:spcBef>
+              <a:buFont typeface="Arial" panose="020B0604020202020204" pitchFamily="34" charset="0"/>
+              <a:buChar char="•"/>
+              <a:defRPr sz="1800" kern="1200">
+                <a:solidFill>
+                  <a:schemeClr val="tx1"/>
+                </a:solidFill>
+                <a:latin typeface="+mn-lt"/>
+                <a:ea typeface="+mn-ea"/>
+                <a:cs typeface="+mn-cs"/>
+              </a:defRPr>
+            </a:lvl4pPr>
+            <a:lvl5pPr marL="2057400" indent="-228600" algn="l" defTabSz="914400" rtl="0" eaLnBrk="1" latinLnBrk="0" hangingPunct="1">
+              <a:lnSpc>
+                <a:spcPct val="90000"/>
+              </a:lnSpc>
+              <a:spcBef>
+                <a:spcPts val="500"/>
+              </a:spcBef>
+              <a:buFont typeface="Arial" panose="020B0604020202020204" pitchFamily="34" charset="0"/>
+              <a:buChar char="•"/>
+              <a:defRPr sz="1800" kern="1200">
+                <a:solidFill>
+                  <a:schemeClr val="tx1"/>
+                </a:solidFill>
+                <a:latin typeface="+mn-lt"/>
+                <a:ea typeface="+mn-ea"/>
+                <a:cs typeface="+mn-cs"/>
+              </a:defRPr>
+            </a:lvl5pPr>
+            <a:lvl6pPr marL="2514600" indent="-228600" algn="l" defTabSz="914400" rtl="0" eaLnBrk="1" latinLnBrk="0" hangingPunct="1">
+              <a:lnSpc>
+                <a:spcPct val="90000"/>
+              </a:lnSpc>
+              <a:spcBef>
+                <a:spcPts val="500"/>
+              </a:spcBef>
+              <a:buFont typeface="Arial" panose="020B0604020202020204" pitchFamily="34" charset="0"/>
+              <a:buChar char="•"/>
+              <a:defRPr sz="1800" kern="1200">
+                <a:solidFill>
+                  <a:schemeClr val="tx1"/>
+                </a:solidFill>
+                <a:latin typeface="+mn-lt"/>
+                <a:ea typeface="+mn-ea"/>
+                <a:cs typeface="+mn-cs"/>
+              </a:defRPr>
+            </a:lvl6pPr>
+            <a:lvl7pPr marL="2971800" indent="-228600" algn="l" defTabSz="914400" rtl="0" eaLnBrk="1" latinLnBrk="0" hangingPunct="1">
+              <a:lnSpc>
+                <a:spcPct val="90000"/>
+              </a:lnSpc>
+              <a:spcBef>
+                <a:spcPts val="500"/>
+              </a:spcBef>
+              <a:buFont typeface="Arial" panose="020B0604020202020204" pitchFamily="34" charset="0"/>
+              <a:buChar char="•"/>
+              <a:defRPr sz="1800" kern="1200">
+                <a:solidFill>
+                  <a:schemeClr val="tx1"/>
+                </a:solidFill>
+                <a:latin typeface="+mn-lt"/>
+                <a:ea typeface="+mn-ea"/>
+                <a:cs typeface="+mn-cs"/>
+              </a:defRPr>
+            </a:lvl7pPr>
+            <a:lvl8pPr marL="3429000" indent="-228600" algn="l" defTabSz="914400" rtl="0" eaLnBrk="1" latinLnBrk="0" hangingPunct="1">
+              <a:lnSpc>
+                <a:spcPct val="90000"/>
+              </a:lnSpc>
+              <a:spcBef>
+                <a:spcPts val="500"/>
+              </a:spcBef>
+              <a:buFont typeface="Arial" panose="020B0604020202020204" pitchFamily="34" charset="0"/>
+              <a:buChar char="•"/>
+              <a:defRPr sz="1800" kern="1200">
+                <a:solidFill>
+                  <a:schemeClr val="tx1"/>
+                </a:solidFill>
+                <a:latin typeface="+mn-lt"/>
+                <a:ea typeface="+mn-ea"/>
+                <a:cs typeface="+mn-cs"/>
+              </a:defRPr>
+            </a:lvl8pPr>
+            <a:lvl9pPr marL="3886200" indent="-228600" algn="l" defTabSz="914400" rtl="0" eaLnBrk="1" latinLnBrk="0" hangingPunct="1">
+              <a:lnSpc>
+                <a:spcPct val="90000"/>
+              </a:lnSpc>
+              <a:spcBef>
+                <a:spcPts val="500"/>
+              </a:spcBef>
+              <a:buFont typeface="Arial" panose="020B0604020202020204" pitchFamily="34" charset="0"/>
+              <a:buChar char="•"/>
+              <a:defRPr sz="1800" kern="1200">
+                <a:solidFill>
+                  <a:schemeClr val="tx1"/>
+                </a:solidFill>
+                <a:latin typeface="+mn-lt"/>
+                <a:ea typeface="+mn-ea"/>
+                <a:cs typeface="+mn-cs"/>
+              </a:defRPr>
+            </a:lvl9pPr>
+          </a:lstStyle>
+          <a:p>
+            <a:r>
+              <a:rPr lang="fr-CH" dirty="0"/>
+              <a:t>L’algorithme de régression logistique consiste en une fonction qui prend comme:</a:t>
+            </a:r>
+          </a:p>
+          <a:p>
+            <a:pPr lvl="1"/>
+            <a:r>
+              <a:rPr lang="fr-CH" dirty="0"/>
+              <a:t>input un ensemble de données</a:t>
+            </a:r>
+          </a:p>
+          <a:p>
+            <a:pPr lvl="1"/>
+            <a:r>
+              <a:rPr lang="fr-CH" dirty="0"/>
+              <a:t>Return les valeurs des paramètres [a,x0]</a:t>
+            </a:r>
+          </a:p>
+          <a:p>
+            <a:r>
+              <a:rPr lang="fr-CH" dirty="0"/>
+              <a:t>Pour calculer ces valeurs:</a:t>
+            </a:r>
+          </a:p>
+          <a:p>
+            <a:pPr lvl="1"/>
+            <a:r>
+              <a:rPr lang="fr-CH" dirty="0"/>
+              <a:t>On exprime une minimisation d’erreur</a:t>
+            </a:r>
+          </a:p>
+          <a:p>
+            <a:pPr lvl="1"/>
+            <a:r>
+              <a:rPr lang="fr-CH" dirty="0"/>
+              <a:t>On fait une descente en gradient</a:t>
+            </a:r>
+          </a:p>
+          <a:p>
+            <a:r>
+              <a:rPr lang="fr-CH" dirty="0"/>
+              <a:t>La descente nous aidera à trouver les valeurs optimales pour nos données</a:t>
+            </a:r>
+          </a:p>
+          <a:p>
+            <a:pPr marL="0" indent="0">
+              <a:buNone/>
+            </a:pPr>
+            <a:endParaRPr lang="fr-CH" dirty="0"/>
+          </a:p>
+        </p:txBody>
+      </p:sp>
+    </p:spTree>
+    <p:extLst>
+      <p:ext uri="{BB962C8B-B14F-4D97-AF65-F5344CB8AC3E}">
+        <p14:creationId xmlns:p14="http://schemas.microsoft.com/office/powerpoint/2010/main" val="1396770534"/>
+      </p:ext>
+    </p:extLst>
+  </p:cSld>
+  <p:clrMapOvr>
+    <a:masterClrMapping/>
+  </p:clrMapOvr>
+</p:sld>
+</file>
+
+<file path=ppt/slides/slide58.xml><?xml version="1.0" encoding="utf-8"?>
+<p:sld xmlns:a="http://schemas.openxmlformats.org/drawingml/2006/main" xmlns:r="http://schemas.openxmlformats.org/officeDocument/2006/relationships" xmlns:p="http://schemas.openxmlformats.org/presentationml/2006/main">
+  <p:cSld>
+    <p:spTree>
+      <p:nvGrpSpPr>
+        <p:cNvPr id="1" name=""/>
+        <p:cNvGrpSpPr/>
+        <p:nvPr/>
+      </p:nvGrpSpPr>
+      <p:grpSpPr>
+        <a:xfrm>
+          <a:off x="0" y="0"/>
+          <a:ext cx="0" cy="0"/>
+          <a:chOff x="0" y="0"/>
+          <a:chExt cx="0" cy="0"/>
+        </a:xfrm>
+      </p:grpSpPr>
+      <p:sp>
+        <p:nvSpPr>
+          <p:cNvPr id="2" name="Titre 1">
+            <a:extLst>
+              <a:ext uri="{FF2B5EF4-FFF2-40B4-BE49-F238E27FC236}">
+                <a16:creationId xmlns:a16="http://schemas.microsoft.com/office/drawing/2014/main" id="{1DE24D75-C6DE-4394-A51C-5EF310010BA5}"/>
+              </a:ext>
+            </a:extLst>
+          </p:cNvPr>
+          <p:cNvSpPr>
+            <a:spLocks noGrp="1"/>
+          </p:cNvSpPr>
+          <p:nvPr>
+            <p:ph type="title"/>
+          </p:nvPr>
+        </p:nvSpPr>
+        <p:spPr>
+          <a:xfrm>
+            <a:off x="0" y="-316992"/>
+            <a:ext cx="929640" cy="1325563"/>
+          </a:xfrm>
+        </p:spPr>
+        <p:txBody>
+          <a:bodyPr/>
+          <a:lstStyle/>
+          <a:p>
+            <a:r>
+              <a:rPr lang="fr-CH" dirty="0">
+                <a:solidFill>
+                  <a:schemeClr val="accent1"/>
+                </a:solidFill>
+              </a:rPr>
+              <a:t>11.</a:t>
+            </a:r>
+            <a:endParaRPr lang="en-GB" dirty="0">
+              <a:solidFill>
+                <a:schemeClr val="accent1"/>
+              </a:solidFill>
+            </a:endParaRPr>
+          </a:p>
+        </p:txBody>
+      </p:sp>
+      <p:sp>
+        <p:nvSpPr>
+          <p:cNvPr id="4" name="ZoneTexte 3">
+            <a:extLst>
+              <a:ext uri="{FF2B5EF4-FFF2-40B4-BE49-F238E27FC236}">
+                <a16:creationId xmlns:a16="http://schemas.microsoft.com/office/drawing/2014/main" id="{B4A469F4-C262-4F6E-8D5D-858330AC98E0}"/>
+              </a:ext>
+            </a:extLst>
+          </p:cNvPr>
+          <p:cNvSpPr txBox="1"/>
+          <p:nvPr/>
+        </p:nvSpPr>
+        <p:spPr>
+          <a:xfrm>
+            <a:off x="746760" y="161123"/>
+            <a:ext cx="10515600" cy="369332"/>
+          </a:xfrm>
+          <a:prstGeom prst="rect">
+            <a:avLst/>
+          </a:prstGeom>
+          <a:noFill/>
+        </p:spPr>
+        <p:txBody>
+          <a:bodyPr wrap="square" rtlCol="0">
+            <a:spAutoFit/>
+          </a:bodyPr>
+          <a:lstStyle/>
+          <a:p>
+            <a:r>
+              <a:rPr lang="fr-FR" sz="1800" dirty="0">
+                <a:solidFill>
+                  <a:schemeClr val="accent1"/>
+                </a:solidFill>
+                <a:effectLst/>
+                <a:latin typeface="Arial" panose="020B0604020202020204" pitchFamily="34" charset="0"/>
+              </a:rPr>
+              <a:t>Qu’est-ce que le sur-apprentissage?</a:t>
+            </a:r>
+            <a:endParaRPr lang="en-GB" dirty="0">
+              <a:solidFill>
+                <a:schemeClr val="accent1"/>
+              </a:solidFill>
+            </a:endParaRPr>
+          </a:p>
+        </p:txBody>
+      </p:sp>
+      <p:sp>
+        <p:nvSpPr>
+          <p:cNvPr id="5" name="Espace réservé du contenu 6">
+            <a:extLst>
+              <a:ext uri="{FF2B5EF4-FFF2-40B4-BE49-F238E27FC236}">
+                <a16:creationId xmlns:a16="http://schemas.microsoft.com/office/drawing/2014/main" id="{BD503B3F-8597-4735-8931-5AE9AAB04FB5}"/>
+              </a:ext>
+            </a:extLst>
+          </p:cNvPr>
+          <p:cNvSpPr>
+            <a:spLocks noGrp="1"/>
+          </p:cNvSpPr>
+          <p:nvPr>
+            <p:ph idx="1"/>
+          </p:nvPr>
+        </p:nvSpPr>
+        <p:spPr>
+          <a:xfrm>
+            <a:off x="667593" y="815158"/>
+            <a:ext cx="10673934" cy="4887819"/>
+          </a:xfrm>
+        </p:spPr>
+        <p:txBody>
+          <a:bodyPr>
+            <a:normAutofit/>
+          </a:bodyPr>
+          <a:lstStyle/>
+          <a:p>
+            <a:r>
+              <a:rPr lang="fr-CH" dirty="0"/>
+              <a:t>Le sur-apprentissage réduit l’efficacité de notre modèle en augmentant la complexité</a:t>
+            </a:r>
+          </a:p>
+          <a:p>
+            <a:r>
+              <a:rPr lang="fr-CH" dirty="0"/>
+              <a:t>Le sur-apprentissage peut résulter d’une fausse mesure qui a du bruit</a:t>
+            </a:r>
+          </a:p>
+          <a:p>
+            <a:r>
+              <a:rPr lang="fr-CH" dirty="0"/>
+              <a:t>On peut utiliser les données et l’évaluation pour introduire formellement une tolérance dans l’erreur de l’entrainement.</a:t>
+            </a:r>
+          </a:p>
+          <a:p>
+            <a:endParaRPr lang="fr-CH" dirty="0"/>
+          </a:p>
+          <a:p>
+            <a:endParaRPr lang="fr-CH" dirty="0"/>
+          </a:p>
+          <a:p>
+            <a:endParaRPr lang="fr-CH" dirty="0"/>
+          </a:p>
+          <a:p>
+            <a:r>
+              <a:rPr lang="fr-CH" dirty="0"/>
+              <a:t>Avec un nombre de données de input important, un éventuel bruit dans une donnée pourra être «</a:t>
+            </a:r>
+            <a:r>
+              <a:rPr lang="fr-CH" dirty="0" err="1"/>
+              <a:t>éléminé</a:t>
+            </a:r>
+            <a:r>
+              <a:rPr lang="fr-CH" dirty="0"/>
+              <a:t>» </a:t>
+            </a:r>
+          </a:p>
+        </p:txBody>
+      </p:sp>
+      <p:pic>
+        <p:nvPicPr>
+          <p:cNvPr id="6" name="Image 5">
+            <a:extLst>
+              <a:ext uri="{FF2B5EF4-FFF2-40B4-BE49-F238E27FC236}">
+                <a16:creationId xmlns:a16="http://schemas.microsoft.com/office/drawing/2014/main" id="{E7F730C3-C500-4FBE-A969-10D15ABE7455}"/>
+              </a:ext>
+            </a:extLst>
+          </p:cNvPr>
+          <p:cNvPicPr>
+            <a:picLocks noChangeAspect="1"/>
+          </p:cNvPicPr>
+          <p:nvPr/>
+        </p:nvPicPr>
+        <p:blipFill>
+          <a:blip r:embed="rId3"/>
+          <a:stretch>
+            <a:fillRect/>
+          </a:stretch>
+        </p:blipFill>
+        <p:spPr>
+          <a:xfrm>
+            <a:off x="3430053" y="2989078"/>
+            <a:ext cx="5331893" cy="1625934"/>
+          </a:xfrm>
+          <a:prstGeom prst="rect">
+            <a:avLst/>
+          </a:prstGeom>
+        </p:spPr>
+      </p:pic>
+    </p:spTree>
+    <p:extLst>
+      <p:ext uri="{BB962C8B-B14F-4D97-AF65-F5344CB8AC3E}">
+        <p14:creationId xmlns:p14="http://schemas.microsoft.com/office/powerpoint/2010/main" val="3912664555"/>
+      </p:ext>
+    </p:extLst>
+  </p:cSld>
+  <p:clrMapOvr>
+    <a:masterClrMapping/>
+  </p:clrMapOvr>
+</p:sld>
+</file>
+
+<file path=ppt/slides/slide59.xml><?xml version="1.0" encoding="utf-8"?>
+<p:sld xmlns:a="http://schemas.openxmlformats.org/drawingml/2006/main" xmlns:r="http://schemas.openxmlformats.org/officeDocument/2006/relationships" xmlns:p="http://schemas.openxmlformats.org/presentationml/2006/main">
+  <p:cSld>
+    <p:spTree>
+      <p:nvGrpSpPr>
+        <p:cNvPr id="1" name=""/>
+        <p:cNvGrpSpPr/>
+        <p:nvPr/>
+      </p:nvGrpSpPr>
+      <p:grpSpPr>
+        <a:xfrm>
+          <a:off x="0" y="0"/>
+          <a:ext cx="0" cy="0"/>
+          <a:chOff x="0" y="0"/>
+          <a:chExt cx="0" cy="0"/>
+        </a:xfrm>
+      </p:grpSpPr>
+      <p:sp>
+        <p:nvSpPr>
+          <p:cNvPr id="2" name="Titre 1">
+            <a:extLst>
+              <a:ext uri="{FF2B5EF4-FFF2-40B4-BE49-F238E27FC236}">
+                <a16:creationId xmlns:a16="http://schemas.microsoft.com/office/drawing/2014/main" id="{21766C66-1FE8-40A6-86E7-67715FC56E02}"/>
+              </a:ext>
+            </a:extLst>
+          </p:cNvPr>
+          <p:cNvSpPr>
+            <a:spLocks noGrp="1"/>
+          </p:cNvSpPr>
+          <p:nvPr>
+            <p:ph type="title"/>
+          </p:nvPr>
+        </p:nvSpPr>
+        <p:spPr/>
+        <p:txBody>
+          <a:bodyPr>
+            <a:normAutofit/>
+          </a:bodyPr>
+          <a:lstStyle/>
+          <a:p>
+            <a:r>
+              <a:rPr lang="fr-FR" sz="1400" dirty="0">
+                <a:solidFill>
+                  <a:srgbClr val="FF0000"/>
+                </a:solidFill>
+                <a:effectLst/>
+                <a:latin typeface="Arial" panose="020B0604020202020204" pitchFamily="34" charset="0"/>
+              </a:rPr>
+              <a:t>12.</a:t>
+            </a:r>
+            <a:r>
+              <a:rPr lang="fr-FR" sz="1400" dirty="0">
+                <a:effectLst/>
+                <a:latin typeface="Arial" panose="020B0604020202020204" pitchFamily="34" charset="0"/>
+              </a:rPr>
+              <a:t>Apprentissage neuronal: En quoi est-ce un apprentissage supervisé? Qu’est qu’un classifieur linéaire? Que propose l’algorithme du perceptron? Quelle est sa relation à un neurone artificiel? Comment peut-on entrainer un neurone artificiel? Quels sont ses paramètres? Quels sont les paramètres de l’algorithme d’apprentissage? Quel est le principe de l’algorithme de descente en gradient?</a:t>
+            </a:r>
+            <a:endParaRPr lang="en-GB" sz="1400" dirty="0"/>
+          </a:p>
+        </p:txBody>
+      </p:sp>
+      <p:sp>
+        <p:nvSpPr>
+          <p:cNvPr id="3" name="Espace réservé du contenu 2">
+            <a:extLst>
+              <a:ext uri="{FF2B5EF4-FFF2-40B4-BE49-F238E27FC236}">
+                <a16:creationId xmlns:a16="http://schemas.microsoft.com/office/drawing/2014/main" id="{55ECBF04-F52F-4B3F-9304-4E4A2E668DA9}"/>
+              </a:ext>
+            </a:extLst>
+          </p:cNvPr>
+          <p:cNvSpPr>
+            <a:spLocks noGrp="1"/>
+          </p:cNvSpPr>
+          <p:nvPr>
+            <p:ph idx="1"/>
+          </p:nvPr>
+        </p:nvSpPr>
+        <p:spPr/>
+        <p:txBody>
+          <a:bodyPr/>
+          <a:lstStyle/>
+          <a:p>
+            <a:endParaRPr lang="en-GB" dirty="0"/>
+          </a:p>
+        </p:txBody>
+      </p:sp>
+    </p:spTree>
+    <p:extLst>
+      <p:ext uri="{BB962C8B-B14F-4D97-AF65-F5344CB8AC3E}">
+        <p14:creationId xmlns:p14="http://schemas.microsoft.com/office/powerpoint/2010/main" val="4013026078"/>
+      </p:ext>
+    </p:extLst>
+  </p:cSld>
+  <p:clrMapOvr>
+    <a:masterClrMapping/>
+  </p:clrMapOvr>
+</p:sld>
+</file>
+
+<file path=ppt/slides/slide6.xml><?xml version="1.0" encoding="utf-8"?>
+<p:sld xmlns:a="http://schemas.openxmlformats.org/drawingml/2006/main" xmlns:r="http://schemas.openxmlformats.org/officeDocument/2006/relationships" xmlns:p="http://schemas.openxmlformats.org/presentationml/2006/main">
+  <p:cSld>
+    <p:spTree>
+      <p:nvGrpSpPr>
+        <p:cNvPr id="1" name=""/>
+        <p:cNvGrpSpPr/>
+        <p:nvPr/>
+      </p:nvGrpSpPr>
+      <p:grpSpPr>
+        <a:xfrm>
+          <a:off x="0" y="0"/>
+          <a:ext cx="0" cy="0"/>
+          <a:chOff x="0" y="0"/>
+          <a:chExt cx="0" cy="0"/>
+        </a:xfrm>
+      </p:grpSpPr>
+      <p:sp>
+        <p:nvSpPr>
+          <p:cNvPr id="2" name="Titre 1">
+            <a:extLst>
+              <a:ext uri="{FF2B5EF4-FFF2-40B4-BE49-F238E27FC236}">
+                <a16:creationId xmlns:a16="http://schemas.microsoft.com/office/drawing/2014/main" id="{1DE24D75-C6DE-4394-A51C-5EF310010BA5}"/>
+              </a:ext>
+            </a:extLst>
+          </p:cNvPr>
+          <p:cNvSpPr>
+            <a:spLocks noGrp="1"/>
+          </p:cNvSpPr>
+          <p:nvPr>
+            <p:ph type="title"/>
+          </p:nvPr>
+        </p:nvSpPr>
+        <p:spPr>
+          <a:xfrm>
+            <a:off x="0" y="-316992"/>
+            <a:ext cx="746760" cy="1325563"/>
+          </a:xfrm>
+        </p:spPr>
+        <p:txBody>
+          <a:bodyPr/>
+          <a:lstStyle/>
+          <a:p>
+            <a:r>
+              <a:rPr lang="fr-CH" dirty="0">
+                <a:solidFill>
+                  <a:schemeClr val="accent1"/>
+                </a:solidFill>
+              </a:rPr>
+              <a:t>1.</a:t>
+            </a:r>
+            <a:endParaRPr lang="en-GB" dirty="0">
+              <a:solidFill>
+                <a:schemeClr val="accent1"/>
+              </a:solidFill>
+            </a:endParaRPr>
+          </a:p>
+        </p:txBody>
+      </p:sp>
+      <p:sp>
+        <p:nvSpPr>
+          <p:cNvPr id="4" name="ZoneTexte 3">
+            <a:extLst>
+              <a:ext uri="{FF2B5EF4-FFF2-40B4-BE49-F238E27FC236}">
+                <a16:creationId xmlns:a16="http://schemas.microsoft.com/office/drawing/2014/main" id="{B4A469F4-C262-4F6E-8D5D-858330AC98E0}"/>
+              </a:ext>
+            </a:extLst>
+          </p:cNvPr>
+          <p:cNvSpPr txBox="1"/>
+          <p:nvPr/>
+        </p:nvSpPr>
+        <p:spPr>
+          <a:xfrm>
+            <a:off x="746760" y="161123"/>
+            <a:ext cx="10515600" cy="369332"/>
+          </a:xfrm>
+          <a:prstGeom prst="rect">
+            <a:avLst/>
+          </a:prstGeom>
+          <a:noFill/>
+        </p:spPr>
+        <p:txBody>
+          <a:bodyPr wrap="square" rtlCol="0">
+            <a:spAutoFit/>
+          </a:bodyPr>
+          <a:lstStyle/>
+          <a:p>
+            <a:r>
+              <a:rPr lang="fr-FR" sz="1800" dirty="0">
+                <a:solidFill>
+                  <a:schemeClr val="accent1"/>
+                </a:solidFill>
+                <a:effectLst/>
+                <a:latin typeface="Arial" panose="020B0604020202020204" pitchFamily="34" charset="0"/>
+              </a:rPr>
+              <a:t>Comment mesure-t-on leur réussite? Leur complexité? Leur optimalité?</a:t>
+            </a:r>
+            <a:endParaRPr lang="en-GB" dirty="0">
+              <a:solidFill>
+                <a:schemeClr val="accent1"/>
+              </a:solidFill>
+            </a:endParaRPr>
+          </a:p>
+        </p:txBody>
+      </p:sp>
+      <p:sp>
+        <p:nvSpPr>
+          <p:cNvPr id="5" name="Espace réservé du contenu 6">
+            <a:extLst>
+              <a:ext uri="{FF2B5EF4-FFF2-40B4-BE49-F238E27FC236}">
+                <a16:creationId xmlns:a16="http://schemas.microsoft.com/office/drawing/2014/main" id="{3B45E406-FA6C-4205-AD44-BF646AA82A9A}"/>
+              </a:ext>
+            </a:extLst>
+          </p:cNvPr>
+          <p:cNvSpPr txBox="1">
+            <a:spLocks/>
+          </p:cNvSpPr>
+          <p:nvPr/>
+        </p:nvSpPr>
+        <p:spPr>
+          <a:xfrm>
+            <a:off x="982508" y="1008570"/>
+            <a:ext cx="10515600" cy="5393578"/>
+          </a:xfrm>
+          <a:prstGeom prst="rect">
+            <a:avLst/>
+          </a:prstGeom>
+        </p:spPr>
+        <p:txBody>
+          <a:bodyPr vert="horz" lIns="91440" tIns="45720" rIns="91440" bIns="45720" rtlCol="0">
+            <a:normAutofit/>
+          </a:bodyPr>
+          <a:lstStyle>
+            <a:lvl1pPr marL="228600" indent="-228600" algn="l" defTabSz="914400" rtl="0" eaLnBrk="1" latinLnBrk="0" hangingPunct="1">
+              <a:lnSpc>
+                <a:spcPct val="90000"/>
+              </a:lnSpc>
+              <a:spcBef>
+                <a:spcPts val="1000"/>
+              </a:spcBef>
+              <a:buFont typeface="Arial" panose="020B0604020202020204" pitchFamily="34" charset="0"/>
+              <a:buChar char="•"/>
+              <a:defRPr sz="2800" kern="1200">
+                <a:solidFill>
+                  <a:schemeClr val="tx1"/>
+                </a:solidFill>
+                <a:latin typeface="+mn-lt"/>
+                <a:ea typeface="+mn-ea"/>
+                <a:cs typeface="+mn-cs"/>
+              </a:defRPr>
+            </a:lvl1pPr>
+            <a:lvl2pPr marL="685800" indent="-228600" algn="l" defTabSz="914400" rtl="0" eaLnBrk="1" latinLnBrk="0" hangingPunct="1">
+              <a:lnSpc>
+                <a:spcPct val="90000"/>
+              </a:lnSpc>
+              <a:spcBef>
+                <a:spcPts val="500"/>
+              </a:spcBef>
+              <a:buFont typeface="Arial" panose="020B0604020202020204" pitchFamily="34" charset="0"/>
+              <a:buChar char="•"/>
+              <a:defRPr sz="2400" kern="1200">
+                <a:solidFill>
+                  <a:schemeClr val="tx1"/>
+                </a:solidFill>
+                <a:latin typeface="+mn-lt"/>
+                <a:ea typeface="+mn-ea"/>
+                <a:cs typeface="+mn-cs"/>
+              </a:defRPr>
+            </a:lvl2pPr>
+            <a:lvl3pPr marL="1143000" indent="-228600" algn="l" defTabSz="914400" rtl="0" eaLnBrk="1" latinLnBrk="0" hangingPunct="1">
+              <a:lnSpc>
+                <a:spcPct val="90000"/>
+              </a:lnSpc>
+              <a:spcBef>
+                <a:spcPts val="500"/>
+              </a:spcBef>
+              <a:buFont typeface="Arial" panose="020B0604020202020204" pitchFamily="34" charset="0"/>
+              <a:buChar char="•"/>
+              <a:defRPr sz="2000" kern="1200">
+                <a:solidFill>
+                  <a:schemeClr val="tx1"/>
+                </a:solidFill>
+                <a:latin typeface="+mn-lt"/>
+                <a:ea typeface="+mn-ea"/>
+                <a:cs typeface="+mn-cs"/>
+              </a:defRPr>
+            </a:lvl3pPr>
+            <a:lvl4pPr marL="1600200" indent="-228600" algn="l" defTabSz="914400" rtl="0" eaLnBrk="1" latinLnBrk="0" hangingPunct="1">
+              <a:lnSpc>
+                <a:spcPct val="90000"/>
+              </a:lnSpc>
+              <a:spcBef>
+                <a:spcPts val="500"/>
+              </a:spcBef>
+              <a:buFont typeface="Arial" panose="020B0604020202020204" pitchFamily="34" charset="0"/>
+              <a:buChar char="•"/>
+              <a:defRPr sz="1800" kern="1200">
+                <a:solidFill>
+                  <a:schemeClr val="tx1"/>
+                </a:solidFill>
+                <a:latin typeface="+mn-lt"/>
+                <a:ea typeface="+mn-ea"/>
+                <a:cs typeface="+mn-cs"/>
+              </a:defRPr>
+            </a:lvl4pPr>
+            <a:lvl5pPr marL="2057400" indent="-228600" algn="l" defTabSz="914400" rtl="0" eaLnBrk="1" latinLnBrk="0" hangingPunct="1">
+              <a:lnSpc>
+                <a:spcPct val="90000"/>
+              </a:lnSpc>
+              <a:spcBef>
+                <a:spcPts val="500"/>
+              </a:spcBef>
+              <a:buFont typeface="Arial" panose="020B0604020202020204" pitchFamily="34" charset="0"/>
+              <a:buChar char="•"/>
+              <a:defRPr sz="1800" kern="1200">
+                <a:solidFill>
+                  <a:schemeClr val="tx1"/>
+                </a:solidFill>
+                <a:latin typeface="+mn-lt"/>
+                <a:ea typeface="+mn-ea"/>
+                <a:cs typeface="+mn-cs"/>
+              </a:defRPr>
+            </a:lvl5pPr>
+            <a:lvl6pPr marL="2514600" indent="-228600" algn="l" defTabSz="914400" rtl="0" eaLnBrk="1" latinLnBrk="0" hangingPunct="1">
+              <a:lnSpc>
+                <a:spcPct val="90000"/>
+              </a:lnSpc>
+              <a:spcBef>
+                <a:spcPts val="500"/>
+              </a:spcBef>
+              <a:buFont typeface="Arial" panose="020B0604020202020204" pitchFamily="34" charset="0"/>
+              <a:buChar char="•"/>
+              <a:defRPr sz="1800" kern="1200">
+                <a:solidFill>
+                  <a:schemeClr val="tx1"/>
+                </a:solidFill>
+                <a:latin typeface="+mn-lt"/>
+                <a:ea typeface="+mn-ea"/>
+                <a:cs typeface="+mn-cs"/>
+              </a:defRPr>
+            </a:lvl6pPr>
+            <a:lvl7pPr marL="2971800" indent="-228600" algn="l" defTabSz="914400" rtl="0" eaLnBrk="1" latinLnBrk="0" hangingPunct="1">
+              <a:lnSpc>
+                <a:spcPct val="90000"/>
+              </a:lnSpc>
+              <a:spcBef>
+                <a:spcPts val="500"/>
+              </a:spcBef>
+              <a:buFont typeface="Arial" panose="020B0604020202020204" pitchFamily="34" charset="0"/>
+              <a:buChar char="•"/>
+              <a:defRPr sz="1800" kern="1200">
+                <a:solidFill>
+                  <a:schemeClr val="tx1"/>
+                </a:solidFill>
+                <a:latin typeface="+mn-lt"/>
+                <a:ea typeface="+mn-ea"/>
+                <a:cs typeface="+mn-cs"/>
+              </a:defRPr>
+            </a:lvl7pPr>
+            <a:lvl8pPr marL="3429000" indent="-228600" algn="l" defTabSz="914400" rtl="0" eaLnBrk="1" latinLnBrk="0" hangingPunct="1">
+              <a:lnSpc>
+                <a:spcPct val="90000"/>
+              </a:lnSpc>
+              <a:spcBef>
+                <a:spcPts val="500"/>
+              </a:spcBef>
+              <a:buFont typeface="Arial" panose="020B0604020202020204" pitchFamily="34" charset="0"/>
+              <a:buChar char="•"/>
+              <a:defRPr sz="1800" kern="1200">
+                <a:solidFill>
+                  <a:schemeClr val="tx1"/>
+                </a:solidFill>
+                <a:latin typeface="+mn-lt"/>
+                <a:ea typeface="+mn-ea"/>
+                <a:cs typeface="+mn-cs"/>
+              </a:defRPr>
+            </a:lvl8pPr>
+            <a:lvl9pPr marL="3886200" indent="-228600" algn="l" defTabSz="914400" rtl="0" eaLnBrk="1" latinLnBrk="0" hangingPunct="1">
+              <a:lnSpc>
+                <a:spcPct val="90000"/>
+              </a:lnSpc>
+              <a:spcBef>
+                <a:spcPts val="500"/>
+              </a:spcBef>
+              <a:buFont typeface="Arial" panose="020B0604020202020204" pitchFamily="34" charset="0"/>
+              <a:buChar char="•"/>
+              <a:defRPr sz="1800" kern="1200">
+                <a:solidFill>
+                  <a:schemeClr val="tx1"/>
+                </a:solidFill>
+                <a:latin typeface="+mn-lt"/>
+                <a:ea typeface="+mn-ea"/>
+                <a:cs typeface="+mn-cs"/>
+              </a:defRPr>
+            </a:lvl9pPr>
+          </a:lstStyle>
+          <a:p>
+            <a:r>
+              <a:rPr lang="fr-CH" dirty="0"/>
               <a:t>La réussite d’une exploration est facile à déterminer, si on a une solution, on a réussit</a:t>
             </a:r>
           </a:p>
@@ -27383,6 +29933,204 @@
     <p:extLst>
       <p:ext uri="{BB962C8B-B14F-4D97-AF65-F5344CB8AC3E}">
         <p14:creationId xmlns:p14="http://schemas.microsoft.com/office/powerpoint/2010/main" val="1655997577"/>
+      </p:ext>
+    </p:extLst>
+  </p:cSld>
+  <p:clrMapOvr>
+    <a:masterClrMapping/>
+  </p:clrMapOvr>
+</p:sld>
+</file>
+
+<file path=ppt/slides/slide60.xml><?xml version="1.0" encoding="utf-8"?>
+<p:sld xmlns:a="http://schemas.openxmlformats.org/drawingml/2006/main" xmlns:r="http://schemas.openxmlformats.org/officeDocument/2006/relationships" xmlns:p="http://schemas.openxmlformats.org/presentationml/2006/main">
+  <p:cSld>
+    <p:spTree>
+      <p:nvGrpSpPr>
+        <p:cNvPr id="1" name=""/>
+        <p:cNvGrpSpPr/>
+        <p:nvPr/>
+      </p:nvGrpSpPr>
+      <p:grpSpPr>
+        <a:xfrm>
+          <a:off x="0" y="0"/>
+          <a:ext cx="0" cy="0"/>
+          <a:chOff x="0" y="0"/>
+          <a:chExt cx="0" cy="0"/>
+        </a:xfrm>
+      </p:grpSpPr>
+      <p:sp>
+        <p:nvSpPr>
+          <p:cNvPr id="2" name="Titre 1">
+            <a:extLst>
+              <a:ext uri="{FF2B5EF4-FFF2-40B4-BE49-F238E27FC236}">
+                <a16:creationId xmlns:a16="http://schemas.microsoft.com/office/drawing/2014/main" id="{21766C66-1FE8-40A6-86E7-67715FC56E02}"/>
+              </a:ext>
+            </a:extLst>
+          </p:cNvPr>
+          <p:cNvSpPr>
+            <a:spLocks noGrp="1"/>
+          </p:cNvSpPr>
+          <p:nvPr>
+            <p:ph type="title"/>
+          </p:nvPr>
+        </p:nvSpPr>
+        <p:spPr/>
+        <p:txBody>
+          <a:bodyPr>
+            <a:normAutofit/>
+          </a:bodyPr>
+          <a:lstStyle/>
+          <a:p>
+            <a:r>
+              <a:rPr lang="fr-FR" sz="1400" dirty="0">
+                <a:solidFill>
+                  <a:srgbClr val="FF0000"/>
+                </a:solidFill>
+                <a:effectLst/>
+                <a:latin typeface="Arial" panose="020B0604020202020204" pitchFamily="34" charset="0"/>
+              </a:rPr>
+              <a:t>13.</a:t>
+            </a:r>
+            <a:r>
+              <a:rPr lang="fr-FR" sz="1400" dirty="0">
+                <a:effectLst/>
+                <a:latin typeface="Arial" panose="020B0604020202020204" pitchFamily="34" charset="0"/>
+              </a:rPr>
+              <a:t>Réseaux de neurones: Rappelez le principe d’un neurone artificiel. Comment combine-t-on les neurones en réseaux? Comment entraine-t-on un réseau de neurones? Qu’est-ce que la fonction logistique? Comment est-elle utilisée dans un neurone artificiel? Quelles sont ses propriétés? Vous pourrez parler des principes des graphes computationnels et de la différentiation automatique.</a:t>
+            </a:r>
+            <a:endParaRPr lang="en-GB" sz="1400" dirty="0"/>
+          </a:p>
+        </p:txBody>
+      </p:sp>
+      <p:sp>
+        <p:nvSpPr>
+          <p:cNvPr id="3" name="Espace réservé du contenu 2">
+            <a:extLst>
+              <a:ext uri="{FF2B5EF4-FFF2-40B4-BE49-F238E27FC236}">
+                <a16:creationId xmlns:a16="http://schemas.microsoft.com/office/drawing/2014/main" id="{55ECBF04-F52F-4B3F-9304-4E4A2E668DA9}"/>
+              </a:ext>
+            </a:extLst>
+          </p:cNvPr>
+          <p:cNvSpPr>
+            <a:spLocks noGrp="1"/>
+          </p:cNvSpPr>
+          <p:nvPr>
+            <p:ph idx="1"/>
+          </p:nvPr>
+        </p:nvSpPr>
+        <p:spPr/>
+        <p:txBody>
+          <a:bodyPr/>
+          <a:lstStyle/>
+          <a:p>
+            <a:endParaRPr lang="en-GB" dirty="0"/>
+          </a:p>
+        </p:txBody>
+      </p:sp>
+    </p:spTree>
+    <p:extLst>
+      <p:ext uri="{BB962C8B-B14F-4D97-AF65-F5344CB8AC3E}">
+        <p14:creationId xmlns:p14="http://schemas.microsoft.com/office/powerpoint/2010/main" val="2009642305"/>
+      </p:ext>
+    </p:extLst>
+  </p:cSld>
+  <p:clrMapOvr>
+    <a:masterClrMapping/>
+  </p:clrMapOvr>
+</p:sld>
+</file>
+
+<file path=ppt/slides/slide61.xml><?xml version="1.0" encoding="utf-8"?>
+<p:sld xmlns:a="http://schemas.openxmlformats.org/drawingml/2006/main" xmlns:r="http://schemas.openxmlformats.org/officeDocument/2006/relationships" xmlns:p="http://schemas.openxmlformats.org/presentationml/2006/main">
+  <p:cSld>
+    <p:spTree>
+      <p:nvGrpSpPr>
+        <p:cNvPr id="1" name=""/>
+        <p:cNvGrpSpPr/>
+        <p:nvPr/>
+      </p:nvGrpSpPr>
+      <p:grpSpPr>
+        <a:xfrm>
+          <a:off x="0" y="0"/>
+          <a:ext cx="0" cy="0"/>
+          <a:chOff x="0" y="0"/>
+          <a:chExt cx="0" cy="0"/>
+        </a:xfrm>
+      </p:grpSpPr>
+      <p:sp>
+        <p:nvSpPr>
+          <p:cNvPr id="2" name="Titre 1">
+            <a:extLst>
+              <a:ext uri="{FF2B5EF4-FFF2-40B4-BE49-F238E27FC236}">
+                <a16:creationId xmlns:a16="http://schemas.microsoft.com/office/drawing/2014/main" id="{21766C66-1FE8-40A6-86E7-67715FC56E02}"/>
+              </a:ext>
+            </a:extLst>
+          </p:cNvPr>
+          <p:cNvSpPr>
+            <a:spLocks noGrp="1"/>
+          </p:cNvSpPr>
+          <p:nvPr>
+            <p:ph type="title"/>
+          </p:nvPr>
+        </p:nvSpPr>
+        <p:spPr/>
+        <p:txBody>
+          <a:bodyPr>
+            <a:normAutofit/>
+          </a:bodyPr>
+          <a:lstStyle/>
+          <a:p>
+            <a:r>
+              <a:rPr lang="fr-FR" sz="1400" dirty="0">
+                <a:solidFill>
+                  <a:srgbClr val="FF0000"/>
+                </a:solidFill>
+                <a:effectLst/>
+                <a:latin typeface="Arial" panose="020B0604020202020204" pitchFamily="34" charset="0"/>
+              </a:rPr>
+              <a:t>14.</a:t>
+            </a:r>
+            <a:r>
+              <a:rPr lang="fr-FR" sz="1400" dirty="0">
+                <a:effectLst/>
+                <a:latin typeface="Arial" panose="020B0604020202020204" pitchFamily="34" charset="0"/>
+              </a:rPr>
+              <a:t>Biais et équité: En quoi le protocole de gestion des données dans l’apprentissage supervisé (dont on rappellera les objectifs et principes) vise à éviter les biais dans l’apprentissage? Serait-il correct de tester un algorithme avec les données avec lesquels il a appris? Qu’est-ce que des attributs protégés et comment interviennent-ils dans un algorithme d’apprentissage supervisé? Comment peut-on espérer traduire l’équité dans un modelé probabiliste? L’équité dans l’apprentissage n’est-elle qu’un problème de qualité des données ou du choix de ses attributs ? Qu’est-ce que l’effet d’aggravation et ou le retrouve-ton? Citez des exemple set des contre-exemples.</a:t>
+            </a:r>
+            <a:endParaRPr lang="en-GB" sz="1400" dirty="0"/>
+          </a:p>
+        </p:txBody>
+      </p:sp>
+      <p:sp>
+        <p:nvSpPr>
+          <p:cNvPr id="3" name="Espace réservé du contenu 2">
+            <a:extLst>
+              <a:ext uri="{FF2B5EF4-FFF2-40B4-BE49-F238E27FC236}">
+                <a16:creationId xmlns:a16="http://schemas.microsoft.com/office/drawing/2014/main" id="{55ECBF04-F52F-4B3F-9304-4E4A2E668DA9}"/>
+              </a:ext>
+            </a:extLst>
+          </p:cNvPr>
+          <p:cNvSpPr>
+            <a:spLocks noGrp="1"/>
+          </p:cNvSpPr>
+          <p:nvPr>
+            <p:ph idx="1"/>
+          </p:nvPr>
+        </p:nvSpPr>
+        <p:spPr/>
+        <p:txBody>
+          <a:bodyPr/>
+          <a:lstStyle/>
+          <a:p>
+            <a:endParaRPr lang="en-GB" dirty="0"/>
+          </a:p>
+        </p:txBody>
+      </p:sp>
+    </p:spTree>
+    <p:extLst>
+      <p:ext uri="{BB962C8B-B14F-4D97-AF65-F5344CB8AC3E}">
+        <p14:creationId xmlns:p14="http://schemas.microsoft.com/office/powerpoint/2010/main" val="2447558994"/>
       </p:ext>
     </p:extLst>
   </p:cSld>
@@ -27516,8 +30264,8 @@
           </a:p>
         </p:txBody>
       </p:sp>
-      <mc:AlternateContent xmlns:mc="http://schemas.openxmlformats.org/markup-compatibility/2006">
-        <mc:Choice xmlns:a14="http://schemas.microsoft.com/office/drawing/2010/main" Requires="a14">
+      <mc:AlternateContent xmlns:mc="http://schemas.openxmlformats.org/markup-compatibility/2006" xmlns:a14="http://schemas.microsoft.com/office/drawing/2010/main">
+        <mc:Choice Requires="a14">
           <p:sp>
             <p:nvSpPr>
               <p:cNvPr id="7" name="Espace réservé du contenu 6">
@@ -27821,7 +30569,7 @@
             </p:txBody>
           </p:sp>
         </mc:Choice>
-        <mc:Fallback>
+        <mc:Fallback xmlns="">
           <p:sp>
             <p:nvSpPr>
               <p:cNvPr id="7" name="Espace réservé du contenu 6">

--- a/intelligenceArtificielle/Intelligence_artificielle_exam.pptx
+++ b/intelligenceArtificielle/Intelligence_artificielle_exam.pptx
@@ -5,7 +5,7 @@
     <p:sldMasterId id="2147483708" r:id="rId1"/>
   </p:sldMasterIdLst>
   <p:notesMasterIdLst>
-    <p:notesMasterId r:id="rId63"/>
+    <p:notesMasterId r:id="rId69"/>
   </p:notesMasterIdLst>
   <p:sldIdLst>
     <p:sldId id="259" r:id="rId2"/>
@@ -67,8 +67,14 @@
     <p:sldId id="320" r:id="rId58"/>
     <p:sldId id="321" r:id="rId59"/>
     <p:sldId id="268" r:id="rId60"/>
-    <p:sldId id="269" r:id="rId61"/>
-    <p:sldId id="270" r:id="rId62"/>
+    <p:sldId id="322" r:id="rId61"/>
+    <p:sldId id="323" r:id="rId62"/>
+    <p:sldId id="324" r:id="rId63"/>
+    <p:sldId id="326" r:id="rId64"/>
+    <p:sldId id="325" r:id="rId65"/>
+    <p:sldId id="269" r:id="rId66"/>
+    <p:sldId id="327" r:id="rId67"/>
+    <p:sldId id="270" r:id="rId68"/>
   </p:sldIdLst>
   <p:sldSz cx="12192000" cy="6858000"/>
   <p:notesSz cx="6858000" cy="9144000"/>
@@ -6519,6 +6525,735 @@
 </p:notes>
 </file>
 
+<file path=ppt/notesSlides/notesSlide54.xml><?xml version="1.0" encoding="utf-8"?>
+<p:notes xmlns:a="http://schemas.openxmlformats.org/drawingml/2006/main" xmlns:r="http://schemas.openxmlformats.org/officeDocument/2006/relationships" xmlns:p="http://schemas.openxmlformats.org/presentationml/2006/main">
+  <p:cSld>
+    <p:spTree>
+      <p:nvGrpSpPr>
+        <p:cNvPr id="1" name=""/>
+        <p:cNvGrpSpPr/>
+        <p:nvPr/>
+      </p:nvGrpSpPr>
+      <p:grpSpPr>
+        <a:xfrm>
+          <a:off x="0" y="0"/>
+          <a:ext cx="0" cy="0"/>
+          <a:chOff x="0" y="0"/>
+          <a:chExt cx="0" cy="0"/>
+        </a:xfrm>
+      </p:grpSpPr>
+      <p:sp>
+        <p:nvSpPr>
+          <p:cNvPr id="2" name="Espace réservé de l'image des diapositives 1"/>
+          <p:cNvSpPr>
+            <a:spLocks noGrp="1" noRot="1" noChangeAspect="1"/>
+          </p:cNvSpPr>
+          <p:nvPr>
+            <p:ph type="sldImg"/>
+          </p:nvPr>
+        </p:nvSpPr>
+        <p:spPr/>
+      </p:sp>
+      <p:sp>
+        <p:nvSpPr>
+          <p:cNvPr id="3" name="Espace réservé des notes 2"/>
+          <p:cNvSpPr>
+            <a:spLocks noGrp="1"/>
+          </p:cNvSpPr>
+          <p:nvPr>
+            <p:ph type="body" idx="1"/>
+          </p:nvPr>
+        </p:nvSpPr>
+        <p:spPr/>
+        <p:txBody>
+          <a:bodyPr/>
+          <a:lstStyle/>
+          <a:p>
+            <a:r>
+              <a:rPr lang="fr-CH" dirty="0"/>
+              <a:t>Ces propriétés similaires sont mesurés avec l’apprentissage justement</a:t>
+            </a:r>
+          </a:p>
+        </p:txBody>
+      </p:sp>
+      <p:sp>
+        <p:nvSpPr>
+          <p:cNvPr id="4" name="Espace réservé du numéro de diapositive 3"/>
+          <p:cNvSpPr>
+            <a:spLocks noGrp="1"/>
+          </p:cNvSpPr>
+          <p:nvPr>
+            <p:ph type="sldNum" sz="quarter" idx="5"/>
+          </p:nvPr>
+        </p:nvSpPr>
+        <p:spPr/>
+        <p:txBody>
+          <a:bodyPr/>
+          <a:lstStyle/>
+          <a:p>
+            <a:fld id="{FD6302D7-B1E1-4874-8725-B1250A89F460}" type="slidenum">
+              <a:rPr lang="fr-CH" smtClean="0"/>
+              <a:t>59</a:t>
+            </a:fld>
+            <a:endParaRPr lang="fr-CH"/>
+          </a:p>
+        </p:txBody>
+      </p:sp>
+    </p:spTree>
+    <p:extLst>
+      <p:ext uri="{BB962C8B-B14F-4D97-AF65-F5344CB8AC3E}">
+        <p14:creationId xmlns:p14="http://schemas.microsoft.com/office/powerpoint/2010/main" val="2440146168"/>
+      </p:ext>
+    </p:extLst>
+  </p:cSld>
+  <p:clrMapOvr>
+    <a:masterClrMapping/>
+  </p:clrMapOvr>
+</p:notes>
+</file>
+
+<file path=ppt/notesSlides/notesSlide55.xml><?xml version="1.0" encoding="utf-8"?>
+<p:notes xmlns:a="http://schemas.openxmlformats.org/drawingml/2006/main" xmlns:r="http://schemas.openxmlformats.org/officeDocument/2006/relationships" xmlns:p="http://schemas.openxmlformats.org/presentationml/2006/main">
+  <p:cSld>
+    <p:spTree>
+      <p:nvGrpSpPr>
+        <p:cNvPr id="1" name=""/>
+        <p:cNvGrpSpPr/>
+        <p:nvPr/>
+      </p:nvGrpSpPr>
+      <p:grpSpPr>
+        <a:xfrm>
+          <a:off x="0" y="0"/>
+          <a:ext cx="0" cy="0"/>
+          <a:chOff x="0" y="0"/>
+          <a:chExt cx="0" cy="0"/>
+        </a:xfrm>
+      </p:grpSpPr>
+      <p:sp>
+        <p:nvSpPr>
+          <p:cNvPr id="2" name="Espace réservé de l'image des diapositives 1"/>
+          <p:cNvSpPr>
+            <a:spLocks noGrp="1" noRot="1" noChangeAspect="1"/>
+          </p:cNvSpPr>
+          <p:nvPr>
+            <p:ph type="sldImg"/>
+          </p:nvPr>
+        </p:nvSpPr>
+        <p:spPr/>
+      </p:sp>
+      <p:sp>
+        <p:nvSpPr>
+          <p:cNvPr id="3" name="Espace réservé des notes 2"/>
+          <p:cNvSpPr>
+            <a:spLocks noGrp="1"/>
+          </p:cNvSpPr>
+          <p:nvPr>
+            <p:ph type="body" idx="1"/>
+          </p:nvPr>
+        </p:nvSpPr>
+        <p:spPr/>
+        <p:txBody>
+          <a:bodyPr/>
+          <a:lstStyle/>
+          <a:p>
+            <a:pPr marL="0" indent="0">
+              <a:buNone/>
+            </a:pPr>
+            <a:r>
+              <a:rPr lang="fr-CH" dirty="0"/>
+              <a:t>Le choix du pas d’apprentissage est important, </a:t>
+            </a:r>
+          </a:p>
+          <a:p>
+            <a:pPr marL="0" indent="0">
+              <a:buNone/>
+            </a:pPr>
+            <a:r>
+              <a:rPr lang="fr-CH" dirty="0"/>
+              <a:t>On veut à la fois le choisir petit, pour qu’il soit le plus précis possible</a:t>
+            </a:r>
+          </a:p>
+          <a:p>
+            <a:pPr marL="0" indent="0">
+              <a:buNone/>
+            </a:pPr>
+            <a:r>
+              <a:rPr lang="fr-CH" dirty="0"/>
+              <a:t>Mais assez gros pour éventuellement finir</a:t>
+            </a:r>
+          </a:p>
+          <a:p>
+            <a:pPr marL="0" indent="0">
+              <a:buNone/>
+            </a:pPr>
+            <a:endParaRPr lang="fr-CH" dirty="0"/>
+          </a:p>
+          <a:p>
+            <a:pPr marL="0" indent="0">
+              <a:buNone/>
+            </a:pPr>
+            <a:r>
+              <a:rPr lang="fr-CH" dirty="0"/>
+              <a:t>Les poids c’est ce qui correspondra plus tard au plan</a:t>
+            </a:r>
+          </a:p>
+          <a:p>
+            <a:pPr marL="0" indent="0">
+              <a:buNone/>
+            </a:pPr>
+            <a:endParaRPr lang="fr-CH" dirty="0"/>
+          </a:p>
+          <a:p>
+            <a:pPr marL="0" indent="0">
+              <a:buNone/>
+            </a:pPr>
+            <a:r>
+              <a:rPr lang="fr-CH" dirty="0"/>
+              <a:t>Le point 3: c’est:</a:t>
+            </a:r>
+          </a:p>
+          <a:p>
+            <a:pPr marL="0" indent="0">
+              <a:buNone/>
+            </a:pPr>
+            <a:r>
+              <a:rPr lang="fr-CH" dirty="0"/>
+              <a:t>	w(t+1) = w(t) + </a:t>
+            </a:r>
+            <a:r>
+              <a:rPr lang="fr-CH" dirty="0" err="1"/>
+              <a:t>learningrate</a:t>
+            </a:r>
+            <a:r>
+              <a:rPr lang="fr-CH" dirty="0"/>
+              <a:t>*(xi(yi-</a:t>
+            </a:r>
+            <a:r>
+              <a:rPr lang="fr-CH" dirty="0" err="1"/>
+              <a:t>teta</a:t>
+            </a:r>
+            <a:r>
+              <a:rPr lang="fr-CH" dirty="0"/>
+              <a:t>(xi))) -&gt; la donnée entrainement fois (la classe de xi = yi – ce </a:t>
+            </a:r>
+            <a:r>
+              <a:rPr lang="fr-CH" dirty="0" err="1"/>
+              <a:t>qu</a:t>
+            </a:r>
+            <a:r>
+              <a:rPr lang="fr-CH" dirty="0"/>
+              <a:t> on a </a:t>
+            </a:r>
+            <a:r>
+              <a:rPr lang="fr-CH" dirty="0" err="1"/>
+              <a:t>predit</a:t>
+            </a:r>
+            <a:r>
+              <a:rPr lang="fr-CH" dirty="0"/>
+              <a:t> pour xi)</a:t>
+            </a:r>
+          </a:p>
+          <a:p>
+            <a:pPr marL="0" indent="0">
+              <a:buNone/>
+            </a:pPr>
+            <a:endParaRPr lang="fr-CH" dirty="0"/>
+          </a:p>
+          <a:p>
+            <a:pPr marL="0" indent="0">
+              <a:buNone/>
+            </a:pPr>
+            <a:r>
+              <a:rPr lang="fr-CH" dirty="0"/>
+              <a:t>On change notre w selon l errer </a:t>
+            </a:r>
+            <a:r>
+              <a:rPr lang="fr-CH" dirty="0" err="1"/>
+              <a:t>qu</a:t>
+            </a:r>
+            <a:r>
+              <a:rPr lang="fr-CH" dirty="0"/>
+              <a:t> on a fait avec xi</a:t>
+            </a:r>
+          </a:p>
+          <a:p>
+            <a:pPr marL="0" indent="0">
+              <a:buNone/>
+            </a:pPr>
+            <a:endParaRPr lang="fr-CH" dirty="0"/>
+          </a:p>
+          <a:p>
+            <a:pPr marL="0" indent="0">
+              <a:buNone/>
+            </a:pPr>
+            <a:r>
+              <a:rPr lang="fr-CH" dirty="0"/>
+              <a:t>Ca converge quand on a tout éparé</a:t>
+            </a:r>
+          </a:p>
+        </p:txBody>
+      </p:sp>
+      <p:sp>
+        <p:nvSpPr>
+          <p:cNvPr id="4" name="Espace réservé du numéro de diapositive 3"/>
+          <p:cNvSpPr>
+            <a:spLocks noGrp="1"/>
+          </p:cNvSpPr>
+          <p:nvPr>
+            <p:ph type="sldNum" sz="quarter" idx="5"/>
+          </p:nvPr>
+        </p:nvSpPr>
+        <p:spPr/>
+        <p:txBody>
+          <a:bodyPr/>
+          <a:lstStyle/>
+          <a:p>
+            <a:fld id="{FD6302D7-B1E1-4874-8725-B1250A89F460}" type="slidenum">
+              <a:rPr lang="fr-CH" smtClean="0"/>
+              <a:t>60</a:t>
+            </a:fld>
+            <a:endParaRPr lang="fr-CH"/>
+          </a:p>
+        </p:txBody>
+      </p:sp>
+    </p:spTree>
+    <p:extLst>
+      <p:ext uri="{BB962C8B-B14F-4D97-AF65-F5344CB8AC3E}">
+        <p14:creationId xmlns:p14="http://schemas.microsoft.com/office/powerpoint/2010/main" val="405339984"/>
+      </p:ext>
+    </p:extLst>
+  </p:cSld>
+  <p:clrMapOvr>
+    <a:masterClrMapping/>
+  </p:clrMapOvr>
+</p:notes>
+</file>
+
+<file path=ppt/notesSlides/notesSlide56.xml><?xml version="1.0" encoding="utf-8"?>
+<p:notes xmlns:a="http://schemas.openxmlformats.org/drawingml/2006/main" xmlns:r="http://schemas.openxmlformats.org/officeDocument/2006/relationships" xmlns:p="http://schemas.openxmlformats.org/presentationml/2006/main">
+  <p:cSld>
+    <p:spTree>
+      <p:nvGrpSpPr>
+        <p:cNvPr id="1" name=""/>
+        <p:cNvGrpSpPr/>
+        <p:nvPr/>
+      </p:nvGrpSpPr>
+      <p:grpSpPr>
+        <a:xfrm>
+          <a:off x="0" y="0"/>
+          <a:ext cx="0" cy="0"/>
+          <a:chOff x="0" y="0"/>
+          <a:chExt cx="0" cy="0"/>
+        </a:xfrm>
+      </p:grpSpPr>
+      <p:sp>
+        <p:nvSpPr>
+          <p:cNvPr id="2" name="Espace réservé de l'image des diapositives 1"/>
+          <p:cNvSpPr>
+            <a:spLocks noGrp="1" noRot="1" noChangeAspect="1"/>
+          </p:cNvSpPr>
+          <p:nvPr>
+            <p:ph type="sldImg"/>
+          </p:nvPr>
+        </p:nvSpPr>
+        <p:spPr/>
+      </p:sp>
+      <p:sp>
+        <p:nvSpPr>
+          <p:cNvPr id="3" name="Espace réservé des notes 2"/>
+          <p:cNvSpPr>
+            <a:spLocks noGrp="1"/>
+          </p:cNvSpPr>
+          <p:nvPr>
+            <p:ph type="body" idx="1"/>
+          </p:nvPr>
+        </p:nvSpPr>
+        <p:spPr/>
+        <p:txBody>
+          <a:bodyPr/>
+          <a:lstStyle/>
+          <a:p>
+            <a:pPr marL="0" indent="0">
+              <a:buNone/>
+            </a:pPr>
+            <a:r>
+              <a:rPr lang="fr-CH" dirty="0"/>
+              <a:t>X étant la donne a classer, w le poids, </a:t>
+            </a:r>
+          </a:p>
+          <a:p>
+            <a:pPr marL="0" indent="0">
+              <a:buNone/>
+            </a:pPr>
+            <a:endParaRPr lang="fr-CH" dirty="0"/>
+          </a:p>
+          <a:p>
+            <a:pPr marL="0" indent="0">
+              <a:buNone/>
+            </a:pPr>
+            <a:r>
+              <a:rPr lang="fr-CH" dirty="0"/>
+              <a:t>Le neurone fait l’agrégation du tout, et ensuite prend la décision</a:t>
+            </a:r>
+          </a:p>
+        </p:txBody>
+      </p:sp>
+      <p:sp>
+        <p:nvSpPr>
+          <p:cNvPr id="4" name="Espace réservé du numéro de diapositive 3"/>
+          <p:cNvSpPr>
+            <a:spLocks noGrp="1"/>
+          </p:cNvSpPr>
+          <p:nvPr>
+            <p:ph type="sldNum" sz="quarter" idx="5"/>
+          </p:nvPr>
+        </p:nvSpPr>
+        <p:spPr/>
+        <p:txBody>
+          <a:bodyPr/>
+          <a:lstStyle/>
+          <a:p>
+            <a:fld id="{FD6302D7-B1E1-4874-8725-B1250A89F460}" type="slidenum">
+              <a:rPr lang="fr-CH" smtClean="0"/>
+              <a:t>61</a:t>
+            </a:fld>
+            <a:endParaRPr lang="fr-CH"/>
+          </a:p>
+        </p:txBody>
+      </p:sp>
+    </p:spTree>
+    <p:extLst>
+      <p:ext uri="{BB962C8B-B14F-4D97-AF65-F5344CB8AC3E}">
+        <p14:creationId xmlns:p14="http://schemas.microsoft.com/office/powerpoint/2010/main" val="1844080086"/>
+      </p:ext>
+    </p:extLst>
+  </p:cSld>
+  <p:clrMapOvr>
+    <a:masterClrMapping/>
+  </p:clrMapOvr>
+</p:notes>
+</file>
+
+<file path=ppt/notesSlides/notesSlide57.xml><?xml version="1.0" encoding="utf-8"?>
+<p:notes xmlns:a="http://schemas.openxmlformats.org/drawingml/2006/main" xmlns:r="http://schemas.openxmlformats.org/officeDocument/2006/relationships" xmlns:p="http://schemas.openxmlformats.org/presentationml/2006/main">
+  <p:cSld>
+    <p:spTree>
+      <p:nvGrpSpPr>
+        <p:cNvPr id="1" name=""/>
+        <p:cNvGrpSpPr/>
+        <p:nvPr/>
+      </p:nvGrpSpPr>
+      <p:grpSpPr>
+        <a:xfrm>
+          <a:off x="0" y="0"/>
+          <a:ext cx="0" cy="0"/>
+          <a:chOff x="0" y="0"/>
+          <a:chExt cx="0" cy="0"/>
+        </a:xfrm>
+      </p:grpSpPr>
+      <p:sp>
+        <p:nvSpPr>
+          <p:cNvPr id="2" name="Espace réservé de l'image des diapositives 1"/>
+          <p:cNvSpPr>
+            <a:spLocks noGrp="1" noRot="1" noChangeAspect="1"/>
+          </p:cNvSpPr>
+          <p:nvPr>
+            <p:ph type="sldImg"/>
+          </p:nvPr>
+        </p:nvSpPr>
+        <p:spPr/>
+      </p:sp>
+      <p:sp>
+        <p:nvSpPr>
+          <p:cNvPr id="3" name="Espace réservé des notes 2"/>
+          <p:cNvSpPr>
+            <a:spLocks noGrp="1"/>
+          </p:cNvSpPr>
+          <p:nvPr>
+            <p:ph type="body" idx="1"/>
+          </p:nvPr>
+        </p:nvSpPr>
+        <p:spPr/>
+        <p:txBody>
+          <a:bodyPr/>
+          <a:lstStyle/>
+          <a:p>
+            <a:pPr marL="0" indent="0">
+              <a:buNone/>
+            </a:pPr>
+            <a:r>
+              <a:rPr lang="fr-CH" dirty="0"/>
+              <a:t>Ca c’est ce qu’on fait chez le perceptron</a:t>
+            </a:r>
+          </a:p>
+        </p:txBody>
+      </p:sp>
+      <p:sp>
+        <p:nvSpPr>
+          <p:cNvPr id="4" name="Espace réservé du numéro de diapositive 3"/>
+          <p:cNvSpPr>
+            <a:spLocks noGrp="1"/>
+          </p:cNvSpPr>
+          <p:nvPr>
+            <p:ph type="sldNum" sz="quarter" idx="5"/>
+          </p:nvPr>
+        </p:nvSpPr>
+        <p:spPr/>
+        <p:txBody>
+          <a:bodyPr/>
+          <a:lstStyle/>
+          <a:p>
+            <a:fld id="{FD6302D7-B1E1-4874-8725-B1250A89F460}" type="slidenum">
+              <a:rPr lang="fr-CH" smtClean="0"/>
+              <a:t>62</a:t>
+            </a:fld>
+            <a:endParaRPr lang="fr-CH"/>
+          </a:p>
+        </p:txBody>
+      </p:sp>
+    </p:spTree>
+    <p:extLst>
+      <p:ext uri="{BB962C8B-B14F-4D97-AF65-F5344CB8AC3E}">
+        <p14:creationId xmlns:p14="http://schemas.microsoft.com/office/powerpoint/2010/main" val="2807383595"/>
+      </p:ext>
+    </p:extLst>
+  </p:cSld>
+  <p:clrMapOvr>
+    <a:masterClrMapping/>
+  </p:clrMapOvr>
+</p:notes>
+</file>
+
+<file path=ppt/notesSlides/notesSlide58.xml><?xml version="1.0" encoding="utf-8"?>
+<p:notes xmlns:a="http://schemas.openxmlformats.org/drawingml/2006/main" xmlns:r="http://schemas.openxmlformats.org/officeDocument/2006/relationships" xmlns:p="http://schemas.openxmlformats.org/presentationml/2006/main">
+  <p:cSld>
+    <p:spTree>
+      <p:nvGrpSpPr>
+        <p:cNvPr id="1" name=""/>
+        <p:cNvGrpSpPr/>
+        <p:nvPr/>
+      </p:nvGrpSpPr>
+      <p:grpSpPr>
+        <a:xfrm>
+          <a:off x="0" y="0"/>
+          <a:ext cx="0" cy="0"/>
+          <a:chOff x="0" y="0"/>
+          <a:chExt cx="0" cy="0"/>
+        </a:xfrm>
+      </p:grpSpPr>
+      <p:sp>
+        <p:nvSpPr>
+          <p:cNvPr id="2" name="Espace réservé de l'image des diapositives 1"/>
+          <p:cNvSpPr>
+            <a:spLocks noGrp="1" noRot="1" noChangeAspect="1"/>
+          </p:cNvSpPr>
+          <p:nvPr>
+            <p:ph type="sldImg"/>
+          </p:nvPr>
+        </p:nvSpPr>
+        <p:spPr/>
+      </p:sp>
+      <p:sp>
+        <p:nvSpPr>
+          <p:cNvPr id="3" name="Espace réservé des notes 2"/>
+          <p:cNvSpPr>
+            <a:spLocks noGrp="1"/>
+          </p:cNvSpPr>
+          <p:nvPr>
+            <p:ph type="body" idx="1"/>
+          </p:nvPr>
+        </p:nvSpPr>
+        <p:spPr/>
+        <p:txBody>
+          <a:bodyPr/>
+          <a:lstStyle/>
+          <a:p>
+            <a:pPr marL="0" indent="0">
+              <a:buNone/>
+            </a:pPr>
+            <a:r>
+              <a:rPr lang="fr-CH" dirty="0"/>
+              <a:t>On voit ici la formule pour la common loss -&gt; l’erreur commune de tous les données d’entrainement</a:t>
+            </a:r>
+          </a:p>
+          <a:p>
+            <a:pPr marL="0" indent="0">
+              <a:buNone/>
+            </a:pPr>
+            <a:endParaRPr lang="fr-CH" dirty="0"/>
+          </a:p>
+          <a:p>
+            <a:pPr marL="0" indent="0">
+              <a:buNone/>
+            </a:pPr>
+            <a:r>
+              <a:rPr lang="fr-CH" dirty="0"/>
+              <a:t>Modifier les poids va faire évoluer l’erreur</a:t>
+            </a:r>
+          </a:p>
+        </p:txBody>
+      </p:sp>
+      <p:sp>
+        <p:nvSpPr>
+          <p:cNvPr id="4" name="Espace réservé du numéro de diapositive 3"/>
+          <p:cNvSpPr>
+            <a:spLocks noGrp="1"/>
+          </p:cNvSpPr>
+          <p:nvPr>
+            <p:ph type="sldNum" sz="quarter" idx="5"/>
+          </p:nvPr>
+        </p:nvSpPr>
+        <p:spPr/>
+        <p:txBody>
+          <a:bodyPr/>
+          <a:lstStyle/>
+          <a:p>
+            <a:fld id="{FD6302D7-B1E1-4874-8725-B1250A89F460}" type="slidenum">
+              <a:rPr lang="fr-CH" smtClean="0"/>
+              <a:t>63</a:t>
+            </a:fld>
+            <a:endParaRPr lang="fr-CH"/>
+          </a:p>
+        </p:txBody>
+      </p:sp>
+    </p:spTree>
+    <p:extLst>
+      <p:ext uri="{BB962C8B-B14F-4D97-AF65-F5344CB8AC3E}">
+        <p14:creationId xmlns:p14="http://schemas.microsoft.com/office/powerpoint/2010/main" val="3665819452"/>
+      </p:ext>
+    </p:extLst>
+  </p:cSld>
+  <p:clrMapOvr>
+    <a:masterClrMapping/>
+  </p:clrMapOvr>
+</p:notes>
+</file>
+
+<file path=ppt/notesSlides/notesSlide59.xml><?xml version="1.0" encoding="utf-8"?>
+<p:notes xmlns:a="http://schemas.openxmlformats.org/drawingml/2006/main" xmlns:r="http://schemas.openxmlformats.org/officeDocument/2006/relationships" xmlns:p="http://schemas.openxmlformats.org/presentationml/2006/main">
+  <p:cSld>
+    <p:spTree>
+      <p:nvGrpSpPr>
+        <p:cNvPr id="1" name=""/>
+        <p:cNvGrpSpPr/>
+        <p:nvPr/>
+      </p:nvGrpSpPr>
+      <p:grpSpPr>
+        <a:xfrm>
+          <a:off x="0" y="0"/>
+          <a:ext cx="0" cy="0"/>
+          <a:chOff x="0" y="0"/>
+          <a:chExt cx="0" cy="0"/>
+        </a:xfrm>
+      </p:grpSpPr>
+      <p:sp>
+        <p:nvSpPr>
+          <p:cNvPr id="2" name="Espace réservé de l'image des diapositives 1"/>
+          <p:cNvSpPr>
+            <a:spLocks noGrp="1" noRot="1" noChangeAspect="1"/>
+          </p:cNvSpPr>
+          <p:nvPr>
+            <p:ph type="sldImg"/>
+          </p:nvPr>
+        </p:nvSpPr>
+        <p:spPr/>
+      </p:sp>
+      <p:sp>
+        <p:nvSpPr>
+          <p:cNvPr id="3" name="Espace réservé des notes 2"/>
+          <p:cNvSpPr>
+            <a:spLocks noGrp="1"/>
+          </p:cNvSpPr>
+          <p:nvPr>
+            <p:ph type="body" idx="1"/>
+          </p:nvPr>
+        </p:nvSpPr>
+        <p:spPr/>
+        <p:txBody>
+          <a:bodyPr/>
+          <a:lstStyle/>
+          <a:p>
+            <a:pPr marL="0" indent="0">
+              <a:buNone/>
+            </a:pPr>
+            <a:r>
+              <a:rPr lang="fr-CH" dirty="0"/>
+              <a:t>La dérivée nous donne la ponte de la fonction</a:t>
+            </a:r>
+          </a:p>
+          <a:p>
+            <a:pPr marL="0" indent="0">
+              <a:buNone/>
+            </a:pPr>
+            <a:endParaRPr lang="fr-CH" dirty="0"/>
+          </a:p>
+          <a:p>
+            <a:pPr marL="0" indent="0">
+              <a:buNone/>
+            </a:pPr>
+            <a:r>
+              <a:rPr lang="fr-CH" dirty="0"/>
+              <a:t>Si on suit le vecteur dérivé dans le sens négatif, on va tjrs dans le sens du minimum</a:t>
+            </a:r>
+          </a:p>
+          <a:p>
+            <a:pPr marL="0" indent="0">
+              <a:buNone/>
+            </a:pPr>
+            <a:endParaRPr lang="fr-CH" dirty="0"/>
+          </a:p>
+          <a:p>
+            <a:pPr marL="0" indent="0">
+              <a:buNone/>
+            </a:pPr>
+            <a:r>
+              <a:rPr lang="fr-CH" dirty="0"/>
+              <a:t>Il faut que la fonction soit convexe, et un minimum local pourrait nous arrêter trop </a:t>
+            </a:r>
+            <a:r>
+              <a:rPr lang="fr-CH" dirty="0" err="1"/>
+              <a:t>tot</a:t>
+            </a:r>
+            <a:endParaRPr lang="fr-CH" dirty="0"/>
+          </a:p>
+        </p:txBody>
+      </p:sp>
+      <p:sp>
+        <p:nvSpPr>
+          <p:cNvPr id="4" name="Espace réservé du numéro de diapositive 3"/>
+          <p:cNvSpPr>
+            <a:spLocks noGrp="1"/>
+          </p:cNvSpPr>
+          <p:nvPr>
+            <p:ph type="sldNum" sz="quarter" idx="5"/>
+          </p:nvPr>
+        </p:nvSpPr>
+        <p:spPr/>
+        <p:txBody>
+          <a:bodyPr/>
+          <a:lstStyle/>
+          <a:p>
+            <a:fld id="{FD6302D7-B1E1-4874-8725-B1250A89F460}" type="slidenum">
+              <a:rPr lang="fr-CH" smtClean="0"/>
+              <a:t>64</a:t>
+            </a:fld>
+            <a:endParaRPr lang="fr-CH"/>
+          </a:p>
+        </p:txBody>
+      </p:sp>
+    </p:spTree>
+    <p:extLst>
+      <p:ext uri="{BB962C8B-B14F-4D97-AF65-F5344CB8AC3E}">
+        <p14:creationId xmlns:p14="http://schemas.microsoft.com/office/powerpoint/2010/main" val="1119593234"/>
+      </p:ext>
+    </p:extLst>
+  </p:cSld>
+  <p:clrMapOvr>
+    <a:masterClrMapping/>
+  </p:clrMapOvr>
+</p:notes>
+</file>
+
 <file path=ppt/notesSlides/notesSlide6.xml><?xml version="1.0" encoding="utf-8"?>
 <p:notes xmlns:a="http://schemas.openxmlformats.org/drawingml/2006/main" xmlns:r="http://schemas.openxmlformats.org/officeDocument/2006/relationships" xmlns:p="http://schemas.openxmlformats.org/presentationml/2006/main">
   <p:cSld>
@@ -6606,6 +7341,268 @@
     <p:extLst>
       <p:ext uri="{BB962C8B-B14F-4D97-AF65-F5344CB8AC3E}">
         <p14:creationId xmlns:p14="http://schemas.microsoft.com/office/powerpoint/2010/main" val="1438590392"/>
+      </p:ext>
+    </p:extLst>
+  </p:cSld>
+  <p:clrMapOvr>
+    <a:masterClrMapping/>
+  </p:clrMapOvr>
+</p:notes>
+</file>
+
+<file path=ppt/notesSlides/notesSlide60.xml><?xml version="1.0" encoding="utf-8"?>
+<p:notes xmlns:a="http://schemas.openxmlformats.org/drawingml/2006/main" xmlns:r="http://schemas.openxmlformats.org/officeDocument/2006/relationships" xmlns:p="http://schemas.openxmlformats.org/presentationml/2006/main">
+  <p:cSld>
+    <p:spTree>
+      <p:nvGrpSpPr>
+        <p:cNvPr id="1" name=""/>
+        <p:cNvGrpSpPr/>
+        <p:nvPr/>
+      </p:nvGrpSpPr>
+      <p:grpSpPr>
+        <a:xfrm>
+          <a:off x="0" y="0"/>
+          <a:ext cx="0" cy="0"/>
+          <a:chOff x="0" y="0"/>
+          <a:chExt cx="0" cy="0"/>
+        </a:xfrm>
+      </p:grpSpPr>
+      <p:sp>
+        <p:nvSpPr>
+          <p:cNvPr id="2" name="Espace réservé de l'image des diapositives 1"/>
+          <p:cNvSpPr>
+            <a:spLocks noGrp="1" noRot="1" noChangeAspect="1"/>
+          </p:cNvSpPr>
+          <p:nvPr>
+            <p:ph type="sldImg"/>
+          </p:nvPr>
+        </p:nvSpPr>
+        <p:spPr/>
+      </p:sp>
+      <p:sp>
+        <p:nvSpPr>
+          <p:cNvPr id="3" name="Espace réservé des notes 2"/>
+          <p:cNvSpPr>
+            <a:spLocks noGrp="1"/>
+          </p:cNvSpPr>
+          <p:nvPr>
+            <p:ph type="body" idx="1"/>
+          </p:nvPr>
+        </p:nvSpPr>
+        <p:spPr/>
+        <p:txBody>
+          <a:bodyPr/>
+          <a:lstStyle/>
+          <a:p>
+            <a:r>
+              <a:rPr lang="fr-CH" dirty="0"/>
+              <a:t>On a x la donné qu’on veut classer</a:t>
+            </a:r>
+          </a:p>
+          <a:p>
+            <a:r>
+              <a:rPr lang="fr-CH" dirty="0"/>
+              <a:t>W le poids – ou la pondération de X</a:t>
+            </a:r>
+          </a:p>
+          <a:p>
+            <a:r>
+              <a:rPr lang="fr-CH" dirty="0"/>
+              <a:t>Si on additionne le tout et qu’on dépasse le seuil </a:t>
+            </a:r>
+          </a:p>
+          <a:p>
+            <a:r>
+              <a:rPr lang="fr-CH" dirty="0"/>
+              <a:t>-&gt; pour dépasser le seuil c est avec la fonction logistique</a:t>
+            </a:r>
+          </a:p>
+          <a:p>
+            <a:r>
+              <a:rPr lang="fr-CH" dirty="0"/>
+              <a:t>Le neurone se déclenche</a:t>
+            </a:r>
+          </a:p>
+          <a:p>
+            <a:endParaRPr lang="fr-CH" dirty="0"/>
+          </a:p>
+          <a:p>
+            <a:r>
+              <a:rPr lang="fr-CH" dirty="0"/>
+              <a:t>On l’optimise à l’aide du gradient</a:t>
+            </a:r>
+            <a:endParaRPr lang="en-GB" dirty="0"/>
+          </a:p>
+          <a:p>
+            <a:endParaRPr lang="fr-CH" dirty="0"/>
+          </a:p>
+        </p:txBody>
+      </p:sp>
+      <p:sp>
+        <p:nvSpPr>
+          <p:cNvPr id="4" name="Espace réservé du numéro de diapositive 3"/>
+          <p:cNvSpPr>
+            <a:spLocks noGrp="1"/>
+          </p:cNvSpPr>
+          <p:nvPr>
+            <p:ph type="sldNum" sz="quarter" idx="5"/>
+          </p:nvPr>
+        </p:nvSpPr>
+        <p:spPr/>
+        <p:txBody>
+          <a:bodyPr/>
+          <a:lstStyle/>
+          <a:p>
+            <a:fld id="{FD6302D7-B1E1-4874-8725-B1250A89F460}" type="slidenum">
+              <a:rPr lang="fr-CH" smtClean="0"/>
+              <a:t>65</a:t>
+            </a:fld>
+            <a:endParaRPr lang="fr-CH"/>
+          </a:p>
+        </p:txBody>
+      </p:sp>
+    </p:spTree>
+    <p:extLst>
+      <p:ext uri="{BB962C8B-B14F-4D97-AF65-F5344CB8AC3E}">
+        <p14:creationId xmlns:p14="http://schemas.microsoft.com/office/powerpoint/2010/main" val="242090841"/>
+      </p:ext>
+    </p:extLst>
+  </p:cSld>
+  <p:clrMapOvr>
+    <a:masterClrMapping/>
+  </p:clrMapOvr>
+</p:notes>
+</file>
+
+<file path=ppt/notesSlides/notesSlide61.xml><?xml version="1.0" encoding="utf-8"?>
+<p:notes xmlns:a="http://schemas.openxmlformats.org/drawingml/2006/main" xmlns:r="http://schemas.openxmlformats.org/officeDocument/2006/relationships" xmlns:p="http://schemas.openxmlformats.org/presentationml/2006/main">
+  <p:cSld>
+    <p:spTree>
+      <p:nvGrpSpPr>
+        <p:cNvPr id="1" name=""/>
+        <p:cNvGrpSpPr/>
+        <p:nvPr/>
+      </p:nvGrpSpPr>
+      <p:grpSpPr>
+        <a:xfrm>
+          <a:off x="0" y="0"/>
+          <a:ext cx="0" cy="0"/>
+          <a:chOff x="0" y="0"/>
+          <a:chExt cx="0" cy="0"/>
+        </a:xfrm>
+      </p:grpSpPr>
+      <p:sp>
+        <p:nvSpPr>
+          <p:cNvPr id="2" name="Espace réservé de l'image des diapositives 1"/>
+          <p:cNvSpPr>
+            <a:spLocks noGrp="1" noRot="1" noChangeAspect="1"/>
+          </p:cNvSpPr>
+          <p:nvPr>
+            <p:ph type="sldImg"/>
+          </p:nvPr>
+        </p:nvSpPr>
+        <p:spPr/>
+      </p:sp>
+      <p:sp>
+        <p:nvSpPr>
+          <p:cNvPr id="3" name="Espace réservé des notes 2"/>
+          <p:cNvSpPr>
+            <a:spLocks noGrp="1"/>
+          </p:cNvSpPr>
+          <p:nvPr>
+            <p:ph type="body" idx="1"/>
+          </p:nvPr>
+        </p:nvSpPr>
+        <p:spPr/>
+        <p:txBody>
+          <a:bodyPr/>
+          <a:lstStyle/>
+          <a:p>
+            <a:pPr marL="0" indent="0">
+              <a:buNone/>
+            </a:pPr>
+            <a:r>
+              <a:rPr lang="fr-CH" dirty="0"/>
+              <a:t>On peut expliquer le principe de la fonction logistique, en expliquant la régression linéaire</a:t>
+            </a:r>
+          </a:p>
+          <a:p>
+            <a:pPr marL="0" indent="0">
+              <a:buNone/>
+            </a:pPr>
+            <a:endParaRPr lang="fr-CH" dirty="0"/>
+          </a:p>
+          <a:p>
+            <a:pPr marL="0" indent="0">
+              <a:buNone/>
+            </a:pPr>
+            <a:r>
+              <a:rPr lang="fr-CH" dirty="0"/>
+              <a:t>Pourquoi la fonction logistique ? </a:t>
+            </a:r>
+          </a:p>
+          <a:p>
+            <a:pPr marL="0" indent="0">
+              <a:buNone/>
+            </a:pPr>
+            <a:r>
+              <a:rPr lang="fr-CH" dirty="0"/>
+              <a:t>	elle a les bons paramètres qui nous intéressent, [0,1] -&gt; pente définie par a</a:t>
+            </a:r>
+          </a:p>
+          <a:p>
+            <a:pPr marL="0" indent="0">
+              <a:buNone/>
+            </a:pPr>
+            <a:r>
+              <a:rPr lang="fr-CH" dirty="0"/>
+              <a:t>	il y a donc 2 paramètres pour la fonction x0 et a</a:t>
+            </a:r>
+          </a:p>
+          <a:p>
+            <a:pPr marL="0" indent="0">
+              <a:buNone/>
+            </a:pPr>
+            <a:endParaRPr lang="fr-CH" dirty="0"/>
+          </a:p>
+          <a:p>
+            <a:pPr marL="0" indent="0">
+              <a:buNone/>
+            </a:pPr>
+            <a:r>
+              <a:rPr lang="fr-CH" dirty="0"/>
+              <a:t>En effet, avec odds ration, plutôt que dire que c’est vrai quand ca dépasse un certain seuil, on dit que c’est vrai, quand c’est plus vrai que faux</a:t>
+            </a:r>
+          </a:p>
+        </p:txBody>
+      </p:sp>
+      <p:sp>
+        <p:nvSpPr>
+          <p:cNvPr id="4" name="Espace réservé du numéro de diapositive 3"/>
+          <p:cNvSpPr>
+            <a:spLocks noGrp="1"/>
+          </p:cNvSpPr>
+          <p:nvPr>
+            <p:ph type="sldNum" sz="quarter" idx="5"/>
+          </p:nvPr>
+        </p:nvSpPr>
+        <p:spPr/>
+        <p:txBody>
+          <a:bodyPr/>
+          <a:lstStyle/>
+          <a:p>
+            <a:fld id="{FD6302D7-B1E1-4874-8725-B1250A89F460}" type="slidenum">
+              <a:rPr lang="fr-CH" smtClean="0"/>
+              <a:t>66</a:t>
+            </a:fld>
+            <a:endParaRPr lang="fr-CH"/>
+          </a:p>
+        </p:txBody>
+      </p:sp>
+    </p:spTree>
+    <p:extLst>
+      <p:ext uri="{BB962C8B-B14F-4D97-AF65-F5344CB8AC3E}">
+        <p14:creationId xmlns:p14="http://schemas.microsoft.com/office/powerpoint/2010/main" val="1105765218"/>
       </p:ext>
     </p:extLst>
   </p:cSld>
@@ -27453,8 +28450,8 @@
           </a:p>
         </p:txBody>
       </p:sp>
-      <mc:AlternateContent xmlns:mc="http://schemas.openxmlformats.org/markup-compatibility/2006">
-        <mc:Choice xmlns:a14="http://schemas.microsoft.com/office/drawing/2010/main" Requires="a14">
+      <mc:AlternateContent xmlns:mc="http://schemas.openxmlformats.org/markup-compatibility/2006" xmlns:a14="http://schemas.microsoft.com/office/drawing/2010/main">
+        <mc:Choice Requires="a14">
           <p:sp>
             <p:nvSpPr>
               <p:cNvPr id="18" name="Espace réservé du contenu 6">
@@ -27910,7 +28907,7 @@
             </p:txBody>
           </p:sp>
         </mc:Choice>
-        <mc:Fallback>
+        <mc:Fallback xmlns="">
           <p:sp>
             <p:nvSpPr>
               <p:cNvPr id="18" name="Espace réservé du contenu 6">
@@ -29490,7 +30487,7 @@
             <a:r>
               <a:rPr lang="fr-FR" sz="1400" dirty="0">
                 <a:solidFill>
-                  <a:srgbClr val="FF0000"/>
+                  <a:schemeClr val="accent1"/>
                 </a:solidFill>
                 <a:effectLst/>
                 <a:latin typeface="Arial" panose="020B0604020202020204" pitchFamily="34" charset="0"/>
@@ -29510,10 +30507,10 @@
       </p:sp>
       <p:sp>
         <p:nvSpPr>
-          <p:cNvPr id="3" name="Espace réservé du contenu 2">
+          <p:cNvPr id="4" name="Espace réservé du contenu 6">
             <a:extLst>
               <a:ext uri="{FF2B5EF4-FFF2-40B4-BE49-F238E27FC236}">
-                <a16:creationId xmlns:a16="http://schemas.microsoft.com/office/drawing/2014/main" id="{55ECBF04-F52F-4B3F-9304-4E4A2E668DA9}"/>
+                <a16:creationId xmlns:a16="http://schemas.microsoft.com/office/drawing/2014/main" id="{24DAA4EA-2E7A-4520-8A6B-96484836E4A1}"/>
               </a:ext>
             </a:extLst>
           </p:cNvPr>
@@ -29524,12 +30521,49 @@
             <p:ph idx="1"/>
           </p:nvPr>
         </p:nvSpPr>
-        <p:spPr/>
-        <p:txBody>
-          <a:bodyPr/>
-          <a:lstStyle/>
-          <a:p>
-            <a:endParaRPr lang="en-GB" dirty="0"/>
+        <p:spPr>
+          <a:xfrm>
+            <a:off x="759033" y="1690687"/>
+            <a:ext cx="10673934" cy="4370247"/>
+          </a:xfrm>
+        </p:spPr>
+        <p:txBody>
+          <a:bodyPr>
+            <a:normAutofit lnSpcReduction="10000"/>
+          </a:bodyPr>
+          <a:lstStyle/>
+          <a:p>
+            <a:r>
+              <a:rPr lang="fr-CH" dirty="0"/>
+              <a:t>Chez l’apprentissage supervisé on collecte des données, c’est un échantillonnage de l’univers d’états</a:t>
+            </a:r>
+          </a:p>
+          <a:p>
+            <a:r>
+              <a:rPr lang="fr-CH" dirty="0"/>
+              <a:t>On essaye de créer de la connaissance à partir de ces exemples (données)</a:t>
+            </a:r>
+          </a:p>
+          <a:p>
+            <a:r>
+              <a:rPr lang="fr-CH" dirty="0"/>
+              <a:t>Pour «injecter» ces données on utilise des modèles qu’on suppose pertinent pour le problème </a:t>
+            </a:r>
+          </a:p>
+          <a:p>
+            <a:endParaRPr lang="fr-CH" dirty="0"/>
+          </a:p>
+          <a:p>
+            <a:r>
+              <a:rPr lang="fr-CH" dirty="0"/>
+              <a:t>Un classifieur linéaire est un algorithme de classement statistique, le rôle de cet algorithme est de classer dans des groupes les échantillons qui ont des propriétés similaires</a:t>
+            </a:r>
+          </a:p>
+          <a:p>
+            <a:pPr marL="0" indent="0">
+              <a:buNone/>
+            </a:pPr>
+            <a:endParaRPr lang="fr-CH" dirty="0"/>
           </a:p>
         </p:txBody>
       </p:sp>
@@ -29964,7 +30998,7 @@
           <p:cNvPr id="2" name="Titre 1">
             <a:extLst>
               <a:ext uri="{FF2B5EF4-FFF2-40B4-BE49-F238E27FC236}">
-                <a16:creationId xmlns:a16="http://schemas.microsoft.com/office/drawing/2014/main" id="{21766C66-1FE8-40A6-86E7-67715FC56E02}"/>
+                <a16:creationId xmlns:a16="http://schemas.microsoft.com/office/drawing/2014/main" id="{1DE24D75-C6DE-4394-A51C-5EF310010BA5}"/>
               </a:ext>
             </a:extLst>
           </p:cNvPr>
@@ -29975,40 +31009,84 @@
             <p:ph type="title"/>
           </p:nvPr>
         </p:nvSpPr>
-        <p:spPr/>
-        <p:txBody>
-          <a:bodyPr>
-            <a:normAutofit/>
+        <p:spPr>
+          <a:xfrm>
+            <a:off x="0" y="-316992"/>
+            <a:ext cx="929640" cy="1325563"/>
+          </a:xfrm>
+        </p:spPr>
+        <p:txBody>
+          <a:bodyPr/>
+          <a:lstStyle/>
+          <a:p>
+            <a:r>
+              <a:rPr lang="fr-CH" dirty="0">
+                <a:solidFill>
+                  <a:schemeClr val="accent1"/>
+                </a:solidFill>
+              </a:rPr>
+              <a:t>12.</a:t>
+            </a:r>
+            <a:endParaRPr lang="en-GB" dirty="0">
+              <a:solidFill>
+                <a:schemeClr val="accent1"/>
+              </a:solidFill>
+            </a:endParaRPr>
+          </a:p>
+        </p:txBody>
+      </p:sp>
+      <p:sp>
+        <p:nvSpPr>
+          <p:cNvPr id="4" name="ZoneTexte 3">
+            <a:extLst>
+              <a:ext uri="{FF2B5EF4-FFF2-40B4-BE49-F238E27FC236}">
+                <a16:creationId xmlns:a16="http://schemas.microsoft.com/office/drawing/2014/main" id="{B4A469F4-C262-4F6E-8D5D-858330AC98E0}"/>
+              </a:ext>
+            </a:extLst>
+          </p:cNvPr>
+          <p:cNvSpPr txBox="1"/>
+          <p:nvPr/>
+        </p:nvSpPr>
+        <p:spPr>
+          <a:xfrm>
+            <a:off x="746760" y="161123"/>
+            <a:ext cx="10515600" cy="369332"/>
+          </a:xfrm>
+          <a:prstGeom prst="rect">
+            <a:avLst/>
+          </a:prstGeom>
+          <a:noFill/>
+        </p:spPr>
+        <p:txBody>
+          <a:bodyPr wrap="square" rtlCol="0">
+            <a:spAutoFit/>
           </a:bodyPr>
           <a:lstStyle/>
           <a:p>
             <a:r>
-              <a:rPr lang="fr-FR" sz="1400" dirty="0">
+              <a:rPr lang="fr-FR" sz="1800" dirty="0">
                 <a:solidFill>
-                  <a:srgbClr val="FF0000"/>
+                  <a:schemeClr val="accent1"/>
                 </a:solidFill>
                 <a:effectLst/>
                 <a:latin typeface="Arial" panose="020B0604020202020204" pitchFamily="34" charset="0"/>
               </a:rPr>
-              <a:t>13.</a:t>
-            </a:r>
-            <a:r>
-              <a:rPr lang="fr-FR" sz="1400" dirty="0">
-                <a:effectLst/>
-                <a:latin typeface="Arial" panose="020B0604020202020204" pitchFamily="34" charset="0"/>
-              </a:rPr>
-              <a:t>Réseaux de neurones: Rappelez le principe d’un neurone artificiel. Comment combine-t-on les neurones en réseaux? Comment entraine-t-on un réseau de neurones? Qu’est-ce que la fonction logistique? Comment est-elle utilisée dans un neurone artificiel? Quelles sont ses propriétés? Vous pourrez parler des principes des graphes computationnels et de la différentiation automatique.</a:t>
-            </a:r>
-            <a:endParaRPr lang="en-GB" sz="1400" dirty="0"/>
-          </a:p>
-        </p:txBody>
-      </p:sp>
-      <p:sp>
-        <p:nvSpPr>
-          <p:cNvPr id="3" name="Espace réservé du contenu 2">
+              <a:t>Que propose l’algorithme du perceptron?</a:t>
+            </a:r>
+            <a:endParaRPr lang="en-GB" dirty="0">
+              <a:solidFill>
+                <a:schemeClr val="accent1"/>
+              </a:solidFill>
+            </a:endParaRPr>
+          </a:p>
+        </p:txBody>
+      </p:sp>
+      <p:sp>
+        <p:nvSpPr>
+          <p:cNvPr id="5" name="Espace réservé du contenu 6">
             <a:extLst>
               <a:ext uri="{FF2B5EF4-FFF2-40B4-BE49-F238E27FC236}">
-                <a16:creationId xmlns:a16="http://schemas.microsoft.com/office/drawing/2014/main" id="{55ECBF04-F52F-4B3F-9304-4E4A2E668DA9}"/>
+                <a16:creationId xmlns:a16="http://schemas.microsoft.com/office/drawing/2014/main" id="{BD503B3F-8597-4735-8931-5AE9AAB04FB5}"/>
               </a:ext>
             </a:extLst>
           </p:cNvPr>
@@ -30019,19 +31097,161 @@
             <p:ph idx="1"/>
           </p:nvPr>
         </p:nvSpPr>
-        <p:spPr/>
-        <p:txBody>
-          <a:bodyPr/>
-          <a:lstStyle/>
-          <a:p>
-            <a:endParaRPr lang="en-GB" dirty="0"/>
-          </a:p>
-        </p:txBody>
-      </p:sp>
+        <p:spPr>
+          <a:xfrm>
+            <a:off x="667593" y="815158"/>
+            <a:ext cx="10673934" cy="4887819"/>
+          </a:xfrm>
+        </p:spPr>
+        <p:txBody>
+          <a:bodyPr>
+            <a:normAutofit lnSpcReduction="10000"/>
+          </a:bodyPr>
+          <a:lstStyle/>
+          <a:p>
+            <a:r>
+              <a:rPr lang="fr-CH" dirty="0"/>
+              <a:t>L’algorithme de perceptron est un classifieur linéaire, pour classer une valeur x, on calcule le produit vectoriel entre x et la droite/plan de classification</a:t>
+            </a:r>
+          </a:p>
+          <a:p>
+            <a:r>
+              <a:rPr lang="fr-CH" dirty="0"/>
+              <a:t>Selon le résultat de cet produit vectoriel on dit si x appartient à la classe ou pas</a:t>
+            </a:r>
+          </a:p>
+          <a:p>
+            <a:r>
+              <a:rPr lang="fr-CH" dirty="0"/>
+              <a:t>La difficulté étant bien sur de définir ce plan de classification</a:t>
+            </a:r>
+          </a:p>
+          <a:p>
+            <a:pPr marL="914400" lvl="1" indent="-457200">
+              <a:buFont typeface="+mj-lt"/>
+              <a:buAutoNum type="arabicPeriod"/>
+            </a:pPr>
+            <a:r>
+              <a:rPr lang="fr-CH" dirty="0"/>
+              <a:t>On choisit un pas d’apprentissage</a:t>
+            </a:r>
+          </a:p>
+          <a:p>
+            <a:pPr marL="914400" lvl="1" indent="-457200">
+              <a:buFont typeface="+mj-lt"/>
+              <a:buAutoNum type="arabicPeriod"/>
+            </a:pPr>
+            <a:r>
+              <a:rPr lang="fr-CH" dirty="0"/>
+              <a:t>On initialise nos poids w aléatoirement </a:t>
+            </a:r>
+          </a:p>
+          <a:p>
+            <a:pPr marL="914400" lvl="1" indent="-457200">
+              <a:buFont typeface="+mj-lt"/>
+              <a:buAutoNum type="arabicPeriod"/>
+            </a:pPr>
+            <a:r>
+              <a:rPr lang="fr-CH" dirty="0"/>
+              <a:t>Pour toute donné d’entrainement on calcule:</a:t>
+            </a:r>
+          </a:p>
+          <a:p>
+            <a:pPr marL="914400" lvl="1" indent="-457200">
+              <a:buFont typeface="+mj-lt"/>
+              <a:buAutoNum type="arabicPeriod"/>
+            </a:pPr>
+            <a:endParaRPr lang="fr-CH" dirty="0"/>
+          </a:p>
+          <a:p>
+            <a:pPr marL="914400" lvl="1" indent="-457200">
+              <a:buFont typeface="+mj-lt"/>
+              <a:buAutoNum type="arabicPeriod"/>
+            </a:pPr>
+            <a:endParaRPr lang="fr-CH" dirty="0"/>
+          </a:p>
+          <a:p>
+            <a:pPr marL="914400" lvl="1" indent="-457200">
+              <a:buFont typeface="+mj-lt"/>
+              <a:buAutoNum type="arabicPeriod"/>
+            </a:pPr>
+            <a:r>
+              <a:rPr lang="fr-CH" dirty="0"/>
+              <a:t>Jusqu’à convergence</a:t>
+            </a:r>
+          </a:p>
+          <a:p>
+            <a:pPr marL="914400" lvl="2" indent="0">
+              <a:buNone/>
+            </a:pPr>
+            <a:endParaRPr lang="fr-CH" dirty="0"/>
+          </a:p>
+        </p:txBody>
+      </p:sp>
+      <p:pic>
+        <p:nvPicPr>
+          <p:cNvPr id="7" name="Image 6">
+            <a:extLst>
+              <a:ext uri="{FF2B5EF4-FFF2-40B4-BE49-F238E27FC236}">
+                <a16:creationId xmlns:a16="http://schemas.microsoft.com/office/drawing/2014/main" id="{A2657148-4087-426B-B315-EEDF32192218}"/>
+              </a:ext>
+            </a:extLst>
+          </p:cNvPr>
+          <p:cNvPicPr>
+            <a:picLocks noChangeAspect="1"/>
+          </p:cNvPicPr>
+          <p:nvPr/>
+        </p:nvPicPr>
+        <p:blipFill>
+          <a:blip r:embed="rId3"/>
+          <a:stretch>
+            <a:fillRect/>
+          </a:stretch>
+        </p:blipFill>
+        <p:spPr>
+          <a:xfrm>
+            <a:off x="5886450" y="3214025"/>
+            <a:ext cx="209550" cy="323850"/>
+          </a:xfrm>
+          <a:prstGeom prst="rect">
+            <a:avLst/>
+          </a:prstGeom>
+        </p:spPr>
+      </p:pic>
+      <p:pic>
+        <p:nvPicPr>
+          <p:cNvPr id="9" name="Image 8">
+            <a:extLst>
+              <a:ext uri="{FF2B5EF4-FFF2-40B4-BE49-F238E27FC236}">
+                <a16:creationId xmlns:a16="http://schemas.microsoft.com/office/drawing/2014/main" id="{2ACB794A-D39D-4ED3-A88E-DF7F557E118E}"/>
+              </a:ext>
+            </a:extLst>
+          </p:cNvPr>
+          <p:cNvPicPr>
+            <a:picLocks noChangeAspect="1"/>
+          </p:cNvPicPr>
+          <p:nvPr/>
+        </p:nvPicPr>
+        <p:blipFill>
+          <a:blip r:embed="rId4"/>
+          <a:stretch>
+            <a:fillRect/>
+          </a:stretch>
+        </p:blipFill>
+        <p:spPr>
+          <a:xfrm>
+            <a:off x="2338387" y="4265875"/>
+            <a:ext cx="4233863" cy="673776"/>
+          </a:xfrm>
+          <a:prstGeom prst="rect">
+            <a:avLst/>
+          </a:prstGeom>
+        </p:spPr>
+      </p:pic>
     </p:spTree>
     <p:extLst>
       <p:ext uri="{BB962C8B-B14F-4D97-AF65-F5344CB8AC3E}">
-        <p14:creationId xmlns:p14="http://schemas.microsoft.com/office/powerpoint/2010/main" val="2009642305"/>
+        <p14:creationId xmlns:p14="http://schemas.microsoft.com/office/powerpoint/2010/main" val="3028809975"/>
       </p:ext>
     </p:extLst>
   </p:cSld>
@@ -30063,6 +31283,1730 @@
           <p:cNvPr id="2" name="Titre 1">
             <a:extLst>
               <a:ext uri="{FF2B5EF4-FFF2-40B4-BE49-F238E27FC236}">
+                <a16:creationId xmlns:a16="http://schemas.microsoft.com/office/drawing/2014/main" id="{1DE24D75-C6DE-4394-A51C-5EF310010BA5}"/>
+              </a:ext>
+            </a:extLst>
+          </p:cNvPr>
+          <p:cNvSpPr>
+            <a:spLocks noGrp="1"/>
+          </p:cNvSpPr>
+          <p:nvPr>
+            <p:ph type="title"/>
+          </p:nvPr>
+        </p:nvSpPr>
+        <p:spPr>
+          <a:xfrm>
+            <a:off x="0" y="-316992"/>
+            <a:ext cx="929640" cy="1325563"/>
+          </a:xfrm>
+        </p:spPr>
+        <p:txBody>
+          <a:bodyPr/>
+          <a:lstStyle/>
+          <a:p>
+            <a:r>
+              <a:rPr lang="fr-CH" dirty="0">
+                <a:solidFill>
+                  <a:schemeClr val="accent1"/>
+                </a:solidFill>
+              </a:rPr>
+              <a:t>12.</a:t>
+            </a:r>
+            <a:endParaRPr lang="en-GB" dirty="0">
+              <a:solidFill>
+                <a:schemeClr val="accent1"/>
+              </a:solidFill>
+            </a:endParaRPr>
+          </a:p>
+        </p:txBody>
+      </p:sp>
+      <p:sp>
+        <p:nvSpPr>
+          <p:cNvPr id="4" name="ZoneTexte 3">
+            <a:extLst>
+              <a:ext uri="{FF2B5EF4-FFF2-40B4-BE49-F238E27FC236}">
+                <a16:creationId xmlns:a16="http://schemas.microsoft.com/office/drawing/2014/main" id="{B4A469F4-C262-4F6E-8D5D-858330AC98E0}"/>
+              </a:ext>
+            </a:extLst>
+          </p:cNvPr>
+          <p:cNvSpPr txBox="1"/>
+          <p:nvPr/>
+        </p:nvSpPr>
+        <p:spPr>
+          <a:xfrm>
+            <a:off x="746760" y="161123"/>
+            <a:ext cx="10515600" cy="369332"/>
+          </a:xfrm>
+          <a:prstGeom prst="rect">
+            <a:avLst/>
+          </a:prstGeom>
+          <a:noFill/>
+        </p:spPr>
+        <p:txBody>
+          <a:bodyPr wrap="square" rtlCol="0">
+            <a:spAutoFit/>
+          </a:bodyPr>
+          <a:lstStyle/>
+          <a:p>
+            <a:r>
+              <a:rPr lang="fr-FR" sz="1800" dirty="0">
+                <a:solidFill>
+                  <a:schemeClr val="accent1"/>
+                </a:solidFill>
+                <a:effectLst/>
+                <a:latin typeface="Arial" panose="020B0604020202020204" pitchFamily="34" charset="0"/>
+              </a:rPr>
+              <a:t>Quelle est sa relation à un neurone artificiel?</a:t>
+            </a:r>
+            <a:endParaRPr lang="en-GB" dirty="0">
+              <a:solidFill>
+                <a:schemeClr val="accent1"/>
+              </a:solidFill>
+            </a:endParaRPr>
+          </a:p>
+        </p:txBody>
+      </p:sp>
+      <p:sp>
+        <p:nvSpPr>
+          <p:cNvPr id="5" name="Espace réservé du contenu 6">
+            <a:extLst>
+              <a:ext uri="{FF2B5EF4-FFF2-40B4-BE49-F238E27FC236}">
+                <a16:creationId xmlns:a16="http://schemas.microsoft.com/office/drawing/2014/main" id="{BD503B3F-8597-4735-8931-5AE9AAB04FB5}"/>
+              </a:ext>
+            </a:extLst>
+          </p:cNvPr>
+          <p:cNvSpPr>
+            <a:spLocks noGrp="1"/>
+          </p:cNvSpPr>
+          <p:nvPr>
+            <p:ph idx="1"/>
+          </p:nvPr>
+        </p:nvSpPr>
+        <p:spPr>
+          <a:xfrm>
+            <a:off x="667593" y="1557829"/>
+            <a:ext cx="10673934" cy="4681129"/>
+          </a:xfrm>
+        </p:spPr>
+        <p:txBody>
+          <a:bodyPr>
+            <a:normAutofit/>
+          </a:bodyPr>
+          <a:lstStyle/>
+          <a:p>
+            <a:r>
+              <a:rPr lang="fr-CH" dirty="0"/>
+              <a:t>Chez un neurone artificiel on fera le même calcul</a:t>
+            </a:r>
+          </a:p>
+          <a:p>
+            <a:endParaRPr lang="fr-CH" dirty="0"/>
+          </a:p>
+          <a:p>
+            <a:endParaRPr lang="fr-CH" dirty="0"/>
+          </a:p>
+          <a:p>
+            <a:pPr marL="0" indent="0">
+              <a:buNone/>
+            </a:pPr>
+            <a:endParaRPr lang="fr-CH" dirty="0"/>
+          </a:p>
+          <a:p>
+            <a:pPr marL="0" indent="0">
+              <a:buNone/>
+            </a:pPr>
+            <a:endParaRPr lang="fr-CH" dirty="0"/>
+          </a:p>
+          <a:p>
+            <a:r>
+              <a:rPr lang="fr-CH" dirty="0"/>
+              <a:t>On va changer la condition de déclanchement du neurone</a:t>
+            </a:r>
+          </a:p>
+          <a:p>
+            <a:r>
+              <a:rPr lang="fr-CH" dirty="0"/>
+              <a:t>Chez perceptron il suffisait d’atteindre le seuil (a&gt;0)</a:t>
+            </a:r>
+          </a:p>
+          <a:p>
+            <a:r>
+              <a:rPr lang="fr-CH" dirty="0"/>
+              <a:t>Chez les neurones on va utiliser la régression logistique pour savoir si le neurone s’active ou pas</a:t>
+            </a:r>
+          </a:p>
+        </p:txBody>
+      </p:sp>
+      <p:pic>
+        <p:nvPicPr>
+          <p:cNvPr id="12" name="Image 11">
+            <a:extLst>
+              <a:ext uri="{FF2B5EF4-FFF2-40B4-BE49-F238E27FC236}">
+                <a16:creationId xmlns:a16="http://schemas.microsoft.com/office/drawing/2014/main" id="{11992FE6-3B9E-4B80-A4AF-8E81C3F35936}"/>
+              </a:ext>
+            </a:extLst>
+          </p:cNvPr>
+          <p:cNvPicPr>
+            <a:picLocks noChangeAspect="1"/>
+          </p:cNvPicPr>
+          <p:nvPr/>
+        </p:nvPicPr>
+        <p:blipFill>
+          <a:blip r:embed="rId3"/>
+          <a:stretch>
+            <a:fillRect/>
+          </a:stretch>
+        </p:blipFill>
+        <p:spPr>
+          <a:xfrm>
+            <a:off x="3552405" y="1944617"/>
+            <a:ext cx="5087190" cy="1923376"/>
+          </a:xfrm>
+          <a:prstGeom prst="rect">
+            <a:avLst/>
+          </a:prstGeom>
+        </p:spPr>
+      </p:pic>
+    </p:spTree>
+    <p:extLst>
+      <p:ext uri="{BB962C8B-B14F-4D97-AF65-F5344CB8AC3E}">
+        <p14:creationId xmlns:p14="http://schemas.microsoft.com/office/powerpoint/2010/main" val="2898213376"/>
+      </p:ext>
+    </p:extLst>
+  </p:cSld>
+  <p:clrMapOvr>
+    <a:masterClrMapping/>
+  </p:clrMapOvr>
+</p:sld>
+</file>
+
+<file path=ppt/slides/slide62.xml><?xml version="1.0" encoding="utf-8"?>
+<p:sld xmlns:a="http://schemas.openxmlformats.org/drawingml/2006/main" xmlns:r="http://schemas.openxmlformats.org/officeDocument/2006/relationships" xmlns:p="http://schemas.openxmlformats.org/presentationml/2006/main">
+  <p:cSld>
+    <p:spTree>
+      <p:nvGrpSpPr>
+        <p:cNvPr id="1" name=""/>
+        <p:cNvGrpSpPr/>
+        <p:nvPr/>
+      </p:nvGrpSpPr>
+      <p:grpSpPr>
+        <a:xfrm>
+          <a:off x="0" y="0"/>
+          <a:ext cx="0" cy="0"/>
+          <a:chOff x="0" y="0"/>
+          <a:chExt cx="0" cy="0"/>
+        </a:xfrm>
+      </p:grpSpPr>
+      <p:sp>
+        <p:nvSpPr>
+          <p:cNvPr id="2" name="Titre 1">
+            <a:extLst>
+              <a:ext uri="{FF2B5EF4-FFF2-40B4-BE49-F238E27FC236}">
+                <a16:creationId xmlns:a16="http://schemas.microsoft.com/office/drawing/2014/main" id="{1DE24D75-C6DE-4394-A51C-5EF310010BA5}"/>
+              </a:ext>
+            </a:extLst>
+          </p:cNvPr>
+          <p:cNvSpPr>
+            <a:spLocks noGrp="1"/>
+          </p:cNvSpPr>
+          <p:nvPr>
+            <p:ph type="title"/>
+          </p:nvPr>
+        </p:nvSpPr>
+        <p:spPr>
+          <a:xfrm>
+            <a:off x="0" y="-316992"/>
+            <a:ext cx="929640" cy="1325563"/>
+          </a:xfrm>
+        </p:spPr>
+        <p:txBody>
+          <a:bodyPr/>
+          <a:lstStyle/>
+          <a:p>
+            <a:r>
+              <a:rPr lang="fr-CH" dirty="0">
+                <a:solidFill>
+                  <a:schemeClr val="accent1"/>
+                </a:solidFill>
+              </a:rPr>
+              <a:t>12.</a:t>
+            </a:r>
+            <a:endParaRPr lang="en-GB" dirty="0">
+              <a:solidFill>
+                <a:schemeClr val="accent1"/>
+              </a:solidFill>
+            </a:endParaRPr>
+          </a:p>
+        </p:txBody>
+      </p:sp>
+      <p:sp>
+        <p:nvSpPr>
+          <p:cNvPr id="4" name="ZoneTexte 3">
+            <a:extLst>
+              <a:ext uri="{FF2B5EF4-FFF2-40B4-BE49-F238E27FC236}">
+                <a16:creationId xmlns:a16="http://schemas.microsoft.com/office/drawing/2014/main" id="{B4A469F4-C262-4F6E-8D5D-858330AC98E0}"/>
+              </a:ext>
+            </a:extLst>
+          </p:cNvPr>
+          <p:cNvSpPr txBox="1"/>
+          <p:nvPr/>
+        </p:nvSpPr>
+        <p:spPr>
+          <a:xfrm>
+            <a:off x="746760" y="161123"/>
+            <a:ext cx="10515600" cy="369332"/>
+          </a:xfrm>
+          <a:prstGeom prst="rect">
+            <a:avLst/>
+          </a:prstGeom>
+          <a:noFill/>
+        </p:spPr>
+        <p:txBody>
+          <a:bodyPr wrap="square" rtlCol="0">
+            <a:spAutoFit/>
+          </a:bodyPr>
+          <a:lstStyle/>
+          <a:p>
+            <a:r>
+              <a:rPr lang="fr-FR" sz="1800" dirty="0">
+                <a:solidFill>
+                  <a:schemeClr val="accent1"/>
+                </a:solidFill>
+                <a:effectLst/>
+                <a:latin typeface="Arial" panose="020B0604020202020204" pitchFamily="34" charset="0"/>
+              </a:rPr>
+              <a:t>Comment peut-on entrainer un neurone artificiel? Quels sont ses paramètres? </a:t>
+            </a:r>
+            <a:endParaRPr lang="en-GB" dirty="0">
+              <a:solidFill>
+                <a:schemeClr val="accent1"/>
+              </a:solidFill>
+            </a:endParaRPr>
+          </a:p>
+        </p:txBody>
+      </p:sp>
+      <p:sp>
+        <p:nvSpPr>
+          <p:cNvPr id="5" name="Espace réservé du contenu 6">
+            <a:extLst>
+              <a:ext uri="{FF2B5EF4-FFF2-40B4-BE49-F238E27FC236}">
+                <a16:creationId xmlns:a16="http://schemas.microsoft.com/office/drawing/2014/main" id="{BD503B3F-8597-4735-8931-5AE9AAB04FB5}"/>
+              </a:ext>
+            </a:extLst>
+          </p:cNvPr>
+          <p:cNvSpPr>
+            <a:spLocks noGrp="1"/>
+          </p:cNvSpPr>
+          <p:nvPr>
+            <p:ph idx="1"/>
+          </p:nvPr>
+        </p:nvSpPr>
+        <p:spPr>
+          <a:xfrm>
+            <a:off x="929640" y="1038005"/>
+            <a:ext cx="10673934" cy="5658872"/>
+          </a:xfrm>
+        </p:spPr>
+        <p:txBody>
+          <a:bodyPr>
+            <a:normAutofit/>
+          </a:bodyPr>
+          <a:lstStyle/>
+          <a:p>
+            <a:r>
+              <a:rPr lang="fr-CH" dirty="0"/>
+              <a:t>Les paramètres c’est le vecteur W</a:t>
+            </a:r>
+          </a:p>
+          <a:p>
+            <a:r>
+              <a:rPr lang="fr-CH" dirty="0"/>
+              <a:t>On va se mettre à l’espace des paramètres W, et on étudie les droites</a:t>
+            </a:r>
+          </a:p>
+          <a:p>
+            <a:pPr marL="0" indent="0">
+              <a:buNone/>
+            </a:pPr>
+            <a:r>
+              <a:rPr lang="fr-CH" dirty="0"/>
+              <a:t>                            pour chaque donnée</a:t>
+            </a:r>
+          </a:p>
+          <a:p>
+            <a:pPr marL="0" indent="0">
+              <a:buNone/>
+            </a:pPr>
+            <a:endParaRPr lang="fr-CH" dirty="0"/>
+          </a:p>
+          <a:p>
+            <a:pPr marL="0" indent="0">
+              <a:buNone/>
+            </a:pPr>
+            <a:endParaRPr lang="fr-CH" dirty="0"/>
+          </a:p>
+          <a:p>
+            <a:pPr marL="0" indent="0">
+              <a:buNone/>
+            </a:pPr>
+            <a:endParaRPr lang="fr-CH" dirty="0"/>
+          </a:p>
+          <a:p>
+            <a:pPr marL="0" indent="0">
+              <a:buNone/>
+            </a:pPr>
+            <a:endParaRPr lang="fr-CH" dirty="0"/>
+          </a:p>
+          <a:p>
+            <a:pPr marL="0" indent="0">
+              <a:buNone/>
+            </a:pPr>
+            <a:endParaRPr lang="fr-CH" dirty="0"/>
+          </a:p>
+          <a:p>
+            <a:pPr marL="0" indent="0">
+              <a:buNone/>
+            </a:pPr>
+            <a:endParaRPr lang="fr-CH" dirty="0"/>
+          </a:p>
+          <a:p>
+            <a:r>
+              <a:rPr lang="fr-CH" dirty="0"/>
+              <a:t>C’est appelé un entrainement par vote, chaque donnée vote pour la valeur W qui lui va le plus</a:t>
+            </a:r>
+          </a:p>
+        </p:txBody>
+      </p:sp>
+      <p:pic>
+        <p:nvPicPr>
+          <p:cNvPr id="7" name="Image 6">
+            <a:extLst>
+              <a:ext uri="{FF2B5EF4-FFF2-40B4-BE49-F238E27FC236}">
+                <a16:creationId xmlns:a16="http://schemas.microsoft.com/office/drawing/2014/main" id="{DFF9945B-6D30-47A5-8869-A00AD3AD7721}"/>
+              </a:ext>
+            </a:extLst>
+          </p:cNvPr>
+          <p:cNvPicPr>
+            <a:picLocks noChangeAspect="1"/>
+          </p:cNvPicPr>
+          <p:nvPr/>
+        </p:nvPicPr>
+        <p:blipFill>
+          <a:blip r:embed="rId3"/>
+          <a:stretch>
+            <a:fillRect/>
+          </a:stretch>
+        </p:blipFill>
+        <p:spPr>
+          <a:xfrm>
+            <a:off x="3019212" y="2572182"/>
+            <a:ext cx="5970695" cy="2769910"/>
+          </a:xfrm>
+          <a:prstGeom prst="rect">
+            <a:avLst/>
+          </a:prstGeom>
+        </p:spPr>
+      </p:pic>
+      <p:pic>
+        <p:nvPicPr>
+          <p:cNvPr id="9" name="Image 8">
+            <a:extLst>
+              <a:ext uri="{FF2B5EF4-FFF2-40B4-BE49-F238E27FC236}">
+                <a16:creationId xmlns:a16="http://schemas.microsoft.com/office/drawing/2014/main" id="{5A39CA89-7A78-4350-A839-FE9DEC48DBFF}"/>
+              </a:ext>
+            </a:extLst>
+          </p:cNvPr>
+          <p:cNvPicPr>
+            <a:picLocks noChangeAspect="1"/>
+          </p:cNvPicPr>
+          <p:nvPr/>
+        </p:nvPicPr>
+        <p:blipFill>
+          <a:blip r:embed="rId4"/>
+          <a:stretch>
+            <a:fillRect/>
+          </a:stretch>
+        </p:blipFill>
+        <p:spPr>
+          <a:xfrm>
+            <a:off x="1204829" y="2041763"/>
+            <a:ext cx="1967250" cy="530419"/>
+          </a:xfrm>
+          <a:prstGeom prst="rect">
+            <a:avLst/>
+          </a:prstGeom>
+        </p:spPr>
+      </p:pic>
+      <p:pic>
+        <p:nvPicPr>
+          <p:cNvPr id="11" name="Image 10">
+            <a:extLst>
+              <a:ext uri="{FF2B5EF4-FFF2-40B4-BE49-F238E27FC236}">
+                <a16:creationId xmlns:a16="http://schemas.microsoft.com/office/drawing/2014/main" id="{BF5F4359-0115-4BD0-B3ED-DA1A929EAD33}"/>
+              </a:ext>
+            </a:extLst>
+          </p:cNvPr>
+          <p:cNvPicPr>
+            <a:picLocks noChangeAspect="1"/>
+          </p:cNvPicPr>
+          <p:nvPr/>
+        </p:nvPicPr>
+        <p:blipFill>
+          <a:blip r:embed="rId5"/>
+          <a:stretch>
+            <a:fillRect/>
+          </a:stretch>
+        </p:blipFill>
+        <p:spPr>
+          <a:xfrm>
+            <a:off x="6443228" y="2041763"/>
+            <a:ext cx="2131957" cy="480947"/>
+          </a:xfrm>
+          <a:prstGeom prst="rect">
+            <a:avLst/>
+          </a:prstGeom>
+        </p:spPr>
+      </p:pic>
+    </p:spTree>
+    <p:extLst>
+      <p:ext uri="{BB962C8B-B14F-4D97-AF65-F5344CB8AC3E}">
+        <p14:creationId xmlns:p14="http://schemas.microsoft.com/office/powerpoint/2010/main" val="3683932581"/>
+      </p:ext>
+    </p:extLst>
+  </p:cSld>
+  <p:clrMapOvr>
+    <a:masterClrMapping/>
+  </p:clrMapOvr>
+</p:sld>
+</file>
+
+<file path=ppt/slides/slide63.xml><?xml version="1.0" encoding="utf-8"?>
+<p:sld xmlns:a="http://schemas.openxmlformats.org/drawingml/2006/main" xmlns:r="http://schemas.openxmlformats.org/officeDocument/2006/relationships" xmlns:p="http://schemas.openxmlformats.org/presentationml/2006/main">
+  <p:cSld>
+    <p:spTree>
+      <p:nvGrpSpPr>
+        <p:cNvPr id="1" name=""/>
+        <p:cNvGrpSpPr/>
+        <p:nvPr/>
+      </p:nvGrpSpPr>
+      <p:grpSpPr>
+        <a:xfrm>
+          <a:off x="0" y="0"/>
+          <a:ext cx="0" cy="0"/>
+          <a:chOff x="0" y="0"/>
+          <a:chExt cx="0" cy="0"/>
+        </a:xfrm>
+      </p:grpSpPr>
+      <p:sp>
+        <p:nvSpPr>
+          <p:cNvPr id="2" name="Titre 1">
+            <a:extLst>
+              <a:ext uri="{FF2B5EF4-FFF2-40B4-BE49-F238E27FC236}">
+                <a16:creationId xmlns:a16="http://schemas.microsoft.com/office/drawing/2014/main" id="{1DE24D75-C6DE-4394-A51C-5EF310010BA5}"/>
+              </a:ext>
+            </a:extLst>
+          </p:cNvPr>
+          <p:cNvSpPr>
+            <a:spLocks noGrp="1"/>
+          </p:cNvSpPr>
+          <p:nvPr>
+            <p:ph type="title"/>
+          </p:nvPr>
+        </p:nvSpPr>
+        <p:spPr>
+          <a:xfrm>
+            <a:off x="0" y="-316992"/>
+            <a:ext cx="929640" cy="1325563"/>
+          </a:xfrm>
+        </p:spPr>
+        <p:txBody>
+          <a:bodyPr/>
+          <a:lstStyle/>
+          <a:p>
+            <a:r>
+              <a:rPr lang="fr-CH" dirty="0">
+                <a:solidFill>
+                  <a:schemeClr val="accent1"/>
+                </a:solidFill>
+              </a:rPr>
+              <a:t>12.</a:t>
+            </a:r>
+            <a:endParaRPr lang="en-GB" dirty="0">
+              <a:solidFill>
+                <a:schemeClr val="accent1"/>
+              </a:solidFill>
+            </a:endParaRPr>
+          </a:p>
+        </p:txBody>
+      </p:sp>
+      <p:sp>
+        <p:nvSpPr>
+          <p:cNvPr id="4" name="ZoneTexte 3">
+            <a:extLst>
+              <a:ext uri="{FF2B5EF4-FFF2-40B4-BE49-F238E27FC236}">
+                <a16:creationId xmlns:a16="http://schemas.microsoft.com/office/drawing/2014/main" id="{B4A469F4-C262-4F6E-8D5D-858330AC98E0}"/>
+              </a:ext>
+            </a:extLst>
+          </p:cNvPr>
+          <p:cNvSpPr txBox="1"/>
+          <p:nvPr/>
+        </p:nvSpPr>
+        <p:spPr>
+          <a:xfrm>
+            <a:off x="746760" y="161123"/>
+            <a:ext cx="10515600" cy="369332"/>
+          </a:xfrm>
+          <a:prstGeom prst="rect">
+            <a:avLst/>
+          </a:prstGeom>
+          <a:noFill/>
+        </p:spPr>
+        <p:txBody>
+          <a:bodyPr wrap="square" rtlCol="0">
+            <a:spAutoFit/>
+          </a:bodyPr>
+          <a:lstStyle/>
+          <a:p>
+            <a:r>
+              <a:rPr lang="fr-FR" sz="1800" dirty="0">
+                <a:solidFill>
+                  <a:schemeClr val="accent1"/>
+                </a:solidFill>
+                <a:effectLst/>
+                <a:latin typeface="Arial" panose="020B0604020202020204" pitchFamily="34" charset="0"/>
+              </a:rPr>
+              <a:t>Comment peut-on entrainer un neurone artificiel? Quels sont ses paramètres? </a:t>
+            </a:r>
+            <a:endParaRPr lang="en-GB" dirty="0">
+              <a:solidFill>
+                <a:schemeClr val="accent1"/>
+              </a:solidFill>
+            </a:endParaRPr>
+          </a:p>
+        </p:txBody>
+      </p:sp>
+      <p:sp>
+        <p:nvSpPr>
+          <p:cNvPr id="5" name="Espace réservé du contenu 6">
+            <a:extLst>
+              <a:ext uri="{FF2B5EF4-FFF2-40B4-BE49-F238E27FC236}">
+                <a16:creationId xmlns:a16="http://schemas.microsoft.com/office/drawing/2014/main" id="{BD503B3F-8597-4735-8931-5AE9AAB04FB5}"/>
+              </a:ext>
+            </a:extLst>
+          </p:cNvPr>
+          <p:cNvSpPr>
+            <a:spLocks noGrp="1"/>
+          </p:cNvSpPr>
+          <p:nvPr>
+            <p:ph idx="1"/>
+          </p:nvPr>
+        </p:nvSpPr>
+        <p:spPr>
+          <a:xfrm>
+            <a:off x="929640" y="1038005"/>
+            <a:ext cx="10673934" cy="5658872"/>
+          </a:xfrm>
+        </p:spPr>
+        <p:txBody>
+          <a:bodyPr>
+            <a:normAutofit/>
+          </a:bodyPr>
+          <a:lstStyle/>
+          <a:p>
+            <a:r>
+              <a:rPr lang="fr-CH" dirty="0"/>
+              <a:t>Chez l’entrainement du perceptron, ce qu’on fait c’est de recalculer nos poids W selon l’erreur de chaque donnée d’entrainement, mais cette erreur n’est pas globale</a:t>
+            </a:r>
+          </a:p>
+          <a:p>
+            <a:endParaRPr lang="fr-CH" dirty="0"/>
+          </a:p>
+          <a:p>
+            <a:endParaRPr lang="fr-CH" dirty="0"/>
+          </a:p>
+          <a:p>
+            <a:pPr marL="0" indent="0">
+              <a:buNone/>
+            </a:pPr>
+            <a:endParaRPr lang="fr-CH" dirty="0"/>
+          </a:p>
+          <a:p>
+            <a:r>
+              <a:rPr lang="fr-CH" dirty="0"/>
+              <a:t>À chaque itération de l’entrainement d’un neurone on regarde la fonction d’erreur globale pour un poids donné</a:t>
+            </a:r>
+          </a:p>
+          <a:p>
+            <a:r>
+              <a:rPr lang="fr-CH" dirty="0"/>
+              <a:t>On va essayer de faire évoluer les poids de façon à minimiser l’erreur</a:t>
+            </a:r>
+          </a:p>
+          <a:p>
+            <a:r>
+              <a:rPr lang="fr-CH" dirty="0"/>
+              <a:t>Qu’on va calculer à l’aide de la descente du gradient</a:t>
+            </a:r>
+          </a:p>
+        </p:txBody>
+      </p:sp>
+      <p:pic>
+        <p:nvPicPr>
+          <p:cNvPr id="6" name="Image 5">
+            <a:extLst>
+              <a:ext uri="{FF2B5EF4-FFF2-40B4-BE49-F238E27FC236}">
+                <a16:creationId xmlns:a16="http://schemas.microsoft.com/office/drawing/2014/main" id="{DE30582C-0C33-4BD4-978F-430E370C2EC1}"/>
+              </a:ext>
+            </a:extLst>
+          </p:cNvPr>
+          <p:cNvPicPr>
+            <a:picLocks noChangeAspect="1"/>
+          </p:cNvPicPr>
+          <p:nvPr/>
+        </p:nvPicPr>
+        <p:blipFill>
+          <a:blip r:embed="rId3"/>
+          <a:stretch>
+            <a:fillRect/>
+          </a:stretch>
+        </p:blipFill>
+        <p:spPr>
+          <a:xfrm>
+            <a:off x="2861419" y="2524125"/>
+            <a:ext cx="6810375" cy="904875"/>
+          </a:xfrm>
+          <a:prstGeom prst="rect">
+            <a:avLst/>
+          </a:prstGeom>
+        </p:spPr>
+      </p:pic>
+    </p:spTree>
+    <p:extLst>
+      <p:ext uri="{BB962C8B-B14F-4D97-AF65-F5344CB8AC3E}">
+        <p14:creationId xmlns:p14="http://schemas.microsoft.com/office/powerpoint/2010/main" val="409526604"/>
+      </p:ext>
+    </p:extLst>
+  </p:cSld>
+  <p:clrMapOvr>
+    <a:masterClrMapping/>
+  </p:clrMapOvr>
+</p:sld>
+</file>
+
+<file path=ppt/slides/slide64.xml><?xml version="1.0" encoding="utf-8"?>
+<p:sld xmlns:a="http://schemas.openxmlformats.org/drawingml/2006/main" xmlns:r="http://schemas.openxmlformats.org/officeDocument/2006/relationships" xmlns:p="http://schemas.openxmlformats.org/presentationml/2006/main">
+  <p:cSld>
+    <p:spTree>
+      <p:nvGrpSpPr>
+        <p:cNvPr id="1" name=""/>
+        <p:cNvGrpSpPr/>
+        <p:nvPr/>
+      </p:nvGrpSpPr>
+      <p:grpSpPr>
+        <a:xfrm>
+          <a:off x="0" y="0"/>
+          <a:ext cx="0" cy="0"/>
+          <a:chOff x="0" y="0"/>
+          <a:chExt cx="0" cy="0"/>
+        </a:xfrm>
+      </p:grpSpPr>
+      <p:sp>
+        <p:nvSpPr>
+          <p:cNvPr id="2" name="Titre 1">
+            <a:extLst>
+              <a:ext uri="{FF2B5EF4-FFF2-40B4-BE49-F238E27FC236}">
+                <a16:creationId xmlns:a16="http://schemas.microsoft.com/office/drawing/2014/main" id="{1DE24D75-C6DE-4394-A51C-5EF310010BA5}"/>
+              </a:ext>
+            </a:extLst>
+          </p:cNvPr>
+          <p:cNvSpPr>
+            <a:spLocks noGrp="1"/>
+          </p:cNvSpPr>
+          <p:nvPr>
+            <p:ph type="title"/>
+          </p:nvPr>
+        </p:nvSpPr>
+        <p:spPr>
+          <a:xfrm>
+            <a:off x="0" y="-316992"/>
+            <a:ext cx="929640" cy="1325563"/>
+          </a:xfrm>
+        </p:spPr>
+        <p:txBody>
+          <a:bodyPr/>
+          <a:lstStyle/>
+          <a:p>
+            <a:r>
+              <a:rPr lang="fr-CH" dirty="0">
+                <a:solidFill>
+                  <a:schemeClr val="accent1"/>
+                </a:solidFill>
+              </a:rPr>
+              <a:t>12.</a:t>
+            </a:r>
+            <a:endParaRPr lang="en-GB" dirty="0">
+              <a:solidFill>
+                <a:schemeClr val="accent1"/>
+              </a:solidFill>
+            </a:endParaRPr>
+          </a:p>
+        </p:txBody>
+      </p:sp>
+      <p:sp>
+        <p:nvSpPr>
+          <p:cNvPr id="4" name="ZoneTexte 3">
+            <a:extLst>
+              <a:ext uri="{FF2B5EF4-FFF2-40B4-BE49-F238E27FC236}">
+                <a16:creationId xmlns:a16="http://schemas.microsoft.com/office/drawing/2014/main" id="{B4A469F4-C262-4F6E-8D5D-858330AC98E0}"/>
+              </a:ext>
+            </a:extLst>
+          </p:cNvPr>
+          <p:cNvSpPr txBox="1"/>
+          <p:nvPr/>
+        </p:nvSpPr>
+        <p:spPr>
+          <a:xfrm>
+            <a:off x="746760" y="161123"/>
+            <a:ext cx="10515600" cy="369332"/>
+          </a:xfrm>
+          <a:prstGeom prst="rect">
+            <a:avLst/>
+          </a:prstGeom>
+          <a:noFill/>
+        </p:spPr>
+        <p:txBody>
+          <a:bodyPr wrap="square" rtlCol="0">
+            <a:spAutoFit/>
+          </a:bodyPr>
+          <a:lstStyle/>
+          <a:p>
+            <a:r>
+              <a:rPr lang="fr-FR" sz="1800" dirty="0">
+                <a:solidFill>
+                  <a:schemeClr val="accent1"/>
+                </a:solidFill>
+                <a:effectLst/>
+                <a:latin typeface="Arial" panose="020B0604020202020204" pitchFamily="34" charset="0"/>
+              </a:rPr>
+              <a:t>Quel est le principe de l’algorithme de descente en gradient?</a:t>
+            </a:r>
+            <a:endParaRPr lang="en-GB" dirty="0">
+              <a:solidFill>
+                <a:schemeClr val="accent1"/>
+              </a:solidFill>
+            </a:endParaRPr>
+          </a:p>
+        </p:txBody>
+      </p:sp>
+      <p:sp>
+        <p:nvSpPr>
+          <p:cNvPr id="5" name="Espace réservé du contenu 6">
+            <a:extLst>
+              <a:ext uri="{FF2B5EF4-FFF2-40B4-BE49-F238E27FC236}">
+                <a16:creationId xmlns:a16="http://schemas.microsoft.com/office/drawing/2014/main" id="{BD503B3F-8597-4735-8931-5AE9AAB04FB5}"/>
+              </a:ext>
+            </a:extLst>
+          </p:cNvPr>
+          <p:cNvSpPr>
+            <a:spLocks noGrp="1"/>
+          </p:cNvSpPr>
+          <p:nvPr>
+            <p:ph idx="1"/>
+          </p:nvPr>
+        </p:nvSpPr>
+        <p:spPr>
+          <a:xfrm>
+            <a:off x="929640" y="1008569"/>
+            <a:ext cx="10673934" cy="5165653"/>
+          </a:xfrm>
+        </p:spPr>
+        <p:txBody>
+          <a:bodyPr>
+            <a:normAutofit/>
+          </a:bodyPr>
+          <a:lstStyle/>
+          <a:p>
+            <a:r>
+              <a:rPr lang="fr-CH" dirty="0"/>
+              <a:t>Le but est de trouver le minimum d’une fonction</a:t>
+            </a:r>
+          </a:p>
+          <a:p>
+            <a:r>
+              <a:rPr lang="fr-CH" dirty="0"/>
+              <a:t>On va partir d’un point z de la fonction</a:t>
+            </a:r>
+          </a:p>
+          <a:p>
+            <a:r>
+              <a:rPr lang="fr-CH" dirty="0"/>
+              <a:t>Et on va dire que f(z + h), h = taille du pas</a:t>
+            </a:r>
+          </a:p>
+          <a:p>
+            <a:pPr marL="0" indent="0">
+              <a:buNone/>
+            </a:pPr>
+            <a:r>
+              <a:rPr lang="fr-CH" dirty="0"/>
+              <a:t>vaut f(z) + </a:t>
+            </a:r>
+          </a:p>
+          <a:p>
+            <a:pPr marL="0" indent="0">
+              <a:buNone/>
+            </a:pPr>
+            <a:endParaRPr lang="fr-CH" dirty="0"/>
+          </a:p>
+          <a:p>
+            <a:pPr marL="0" indent="0">
+              <a:buNone/>
+            </a:pPr>
+            <a:endParaRPr lang="fr-CH" dirty="0"/>
+          </a:p>
+          <a:p>
+            <a:pPr marL="0" indent="0">
+              <a:buNone/>
+            </a:pPr>
+            <a:endParaRPr lang="fr-CH" dirty="0"/>
+          </a:p>
+          <a:p>
+            <a:r>
+              <a:rPr lang="fr-CH" dirty="0"/>
+              <a:t>Ce que fait la dérivé, c’est quelle pose une droite tangente le long de la fonction (en z), et que si on fait un petit pas h le long de cette tangente, alors on sera au point f(z + h)</a:t>
+            </a:r>
+          </a:p>
+          <a:p>
+            <a:pPr marL="0" indent="0">
+              <a:buNone/>
+            </a:pPr>
+            <a:endParaRPr lang="fr-CH" dirty="0"/>
+          </a:p>
+          <a:p>
+            <a:pPr marL="0" indent="0">
+              <a:buNone/>
+            </a:pPr>
+            <a:endParaRPr lang="fr-CH" dirty="0"/>
+          </a:p>
+          <a:p>
+            <a:pPr marL="0" indent="0">
+              <a:buNone/>
+            </a:pPr>
+            <a:endParaRPr lang="fr-CH" dirty="0"/>
+          </a:p>
+        </p:txBody>
+      </p:sp>
+      <p:pic>
+        <p:nvPicPr>
+          <p:cNvPr id="6" name="Image 5">
+            <a:extLst>
+              <a:ext uri="{FF2B5EF4-FFF2-40B4-BE49-F238E27FC236}">
+                <a16:creationId xmlns:a16="http://schemas.microsoft.com/office/drawing/2014/main" id="{63F0E2E7-C0E3-4755-BB76-D28F94CC39AA}"/>
+              </a:ext>
+            </a:extLst>
+          </p:cNvPr>
+          <p:cNvPicPr>
+            <a:picLocks noChangeAspect="1"/>
+          </p:cNvPicPr>
+          <p:nvPr/>
+        </p:nvPicPr>
+        <p:blipFill>
+          <a:blip r:embed="rId3"/>
+          <a:stretch>
+            <a:fillRect/>
+          </a:stretch>
+        </p:blipFill>
+        <p:spPr>
+          <a:xfrm>
+            <a:off x="8411492" y="345789"/>
+            <a:ext cx="3269951" cy="2826289"/>
+          </a:xfrm>
+          <a:prstGeom prst="rect">
+            <a:avLst/>
+          </a:prstGeom>
+        </p:spPr>
+      </p:pic>
+      <p:pic>
+        <p:nvPicPr>
+          <p:cNvPr id="10" name="Image 9">
+            <a:extLst>
+              <a:ext uri="{FF2B5EF4-FFF2-40B4-BE49-F238E27FC236}">
+                <a16:creationId xmlns:a16="http://schemas.microsoft.com/office/drawing/2014/main" id="{CA841C69-E3DE-4B12-8F70-D8F6C32F2CC3}"/>
+              </a:ext>
+            </a:extLst>
+          </p:cNvPr>
+          <p:cNvPicPr>
+            <a:picLocks noChangeAspect="1"/>
+          </p:cNvPicPr>
+          <p:nvPr/>
+        </p:nvPicPr>
+        <p:blipFill>
+          <a:blip r:embed="rId4"/>
+          <a:stretch>
+            <a:fillRect/>
+          </a:stretch>
+        </p:blipFill>
+        <p:spPr>
+          <a:xfrm>
+            <a:off x="3916481" y="3058790"/>
+            <a:ext cx="4359037" cy="1001119"/>
+          </a:xfrm>
+          <a:prstGeom prst="rect">
+            <a:avLst/>
+          </a:prstGeom>
+        </p:spPr>
+      </p:pic>
+      <p:pic>
+        <p:nvPicPr>
+          <p:cNvPr id="13" name="Image 12">
+            <a:extLst>
+              <a:ext uri="{FF2B5EF4-FFF2-40B4-BE49-F238E27FC236}">
+                <a16:creationId xmlns:a16="http://schemas.microsoft.com/office/drawing/2014/main" id="{28D98960-16CF-4EB8-A2E0-B6FC8417E9FD}"/>
+              </a:ext>
+            </a:extLst>
+          </p:cNvPr>
+          <p:cNvPicPr>
+            <a:picLocks noChangeAspect="1"/>
+          </p:cNvPicPr>
+          <p:nvPr/>
+        </p:nvPicPr>
+        <p:blipFill>
+          <a:blip r:embed="rId5"/>
+          <a:stretch>
+            <a:fillRect/>
+          </a:stretch>
+        </p:blipFill>
+        <p:spPr>
+          <a:xfrm>
+            <a:off x="2544704" y="2447926"/>
+            <a:ext cx="693894" cy="610864"/>
+          </a:xfrm>
+          <a:prstGeom prst="rect">
+            <a:avLst/>
+          </a:prstGeom>
+        </p:spPr>
+      </p:pic>
+    </p:spTree>
+    <p:extLst>
+      <p:ext uri="{BB962C8B-B14F-4D97-AF65-F5344CB8AC3E}">
+        <p14:creationId xmlns:p14="http://schemas.microsoft.com/office/powerpoint/2010/main" val="1261566535"/>
+      </p:ext>
+    </p:extLst>
+  </p:cSld>
+  <p:clrMapOvr>
+    <a:masterClrMapping/>
+  </p:clrMapOvr>
+</p:sld>
+</file>
+
+<file path=ppt/slides/slide65.xml><?xml version="1.0" encoding="utf-8"?>
+<p:sld xmlns:a="http://schemas.openxmlformats.org/drawingml/2006/main" xmlns:r="http://schemas.openxmlformats.org/officeDocument/2006/relationships" xmlns:p="http://schemas.openxmlformats.org/presentationml/2006/main">
+  <p:cSld>
+    <p:spTree>
+      <p:nvGrpSpPr>
+        <p:cNvPr id="1" name=""/>
+        <p:cNvGrpSpPr/>
+        <p:nvPr/>
+      </p:nvGrpSpPr>
+      <p:grpSpPr>
+        <a:xfrm>
+          <a:off x="0" y="0"/>
+          <a:ext cx="0" cy="0"/>
+          <a:chOff x="0" y="0"/>
+          <a:chExt cx="0" cy="0"/>
+        </a:xfrm>
+      </p:grpSpPr>
+      <p:sp>
+        <p:nvSpPr>
+          <p:cNvPr id="2" name="Titre 1">
+            <a:extLst>
+              <a:ext uri="{FF2B5EF4-FFF2-40B4-BE49-F238E27FC236}">
+                <a16:creationId xmlns:a16="http://schemas.microsoft.com/office/drawing/2014/main" id="{21766C66-1FE8-40A6-86E7-67715FC56E02}"/>
+              </a:ext>
+            </a:extLst>
+          </p:cNvPr>
+          <p:cNvSpPr>
+            <a:spLocks noGrp="1"/>
+          </p:cNvSpPr>
+          <p:nvPr>
+            <p:ph type="title"/>
+          </p:nvPr>
+        </p:nvSpPr>
+        <p:spPr/>
+        <p:txBody>
+          <a:bodyPr>
+            <a:normAutofit/>
+          </a:bodyPr>
+          <a:lstStyle/>
+          <a:p>
+            <a:r>
+              <a:rPr lang="fr-FR" sz="1400" dirty="0">
+                <a:solidFill>
+                  <a:schemeClr val="accent1"/>
+                </a:solidFill>
+                <a:effectLst/>
+                <a:latin typeface="Arial" panose="020B0604020202020204" pitchFamily="34" charset="0"/>
+              </a:rPr>
+              <a:t>13.</a:t>
+            </a:r>
+            <a:r>
+              <a:rPr lang="fr-FR" sz="1400" dirty="0">
+                <a:effectLst/>
+                <a:latin typeface="Arial" panose="020B0604020202020204" pitchFamily="34" charset="0"/>
+              </a:rPr>
+              <a:t>Réseaux de neurones: Rappelez le principe d’un neurone artificiel. </a:t>
+            </a:r>
+            <a:r>
+              <a:rPr lang="fr-FR" sz="1400" dirty="0">
+                <a:solidFill>
+                  <a:srgbClr val="FF0000"/>
+                </a:solidFill>
+                <a:effectLst/>
+                <a:latin typeface="Arial" panose="020B0604020202020204" pitchFamily="34" charset="0"/>
+              </a:rPr>
+              <a:t>Comment combine-t-on les neurones en réseaux? Comment entraine-t-on un réseau de neurones? </a:t>
+            </a:r>
+            <a:r>
+              <a:rPr lang="fr-FR" sz="1400" dirty="0">
+                <a:effectLst/>
+                <a:latin typeface="Arial" panose="020B0604020202020204" pitchFamily="34" charset="0"/>
+              </a:rPr>
+              <a:t>Qu’est-ce que la fonction logistique? Comment est-elle utilisée dans un neurone artificiel? Quelles sont ses propriétés? </a:t>
+            </a:r>
+            <a:r>
+              <a:rPr lang="fr-FR" sz="1400" dirty="0">
+                <a:solidFill>
+                  <a:srgbClr val="FF0000"/>
+                </a:solidFill>
+                <a:effectLst/>
+                <a:latin typeface="Arial" panose="020B0604020202020204" pitchFamily="34" charset="0"/>
+              </a:rPr>
+              <a:t>Vous pourrez parler des principes des graphes computationnels et de la différentiation automatique.</a:t>
+            </a:r>
+            <a:endParaRPr lang="en-GB" sz="1400" dirty="0">
+              <a:solidFill>
+                <a:srgbClr val="FF0000"/>
+              </a:solidFill>
+            </a:endParaRPr>
+          </a:p>
+        </p:txBody>
+      </p:sp>
+      <p:sp>
+        <p:nvSpPr>
+          <p:cNvPr id="7" name="Espace réservé du contenu 6">
+            <a:extLst>
+              <a:ext uri="{FF2B5EF4-FFF2-40B4-BE49-F238E27FC236}">
+                <a16:creationId xmlns:a16="http://schemas.microsoft.com/office/drawing/2014/main" id="{B7FFD351-99CC-43D6-8AD8-97F1E8E38EF0}"/>
+              </a:ext>
+            </a:extLst>
+          </p:cNvPr>
+          <p:cNvSpPr>
+            <a:spLocks noGrp="1"/>
+          </p:cNvSpPr>
+          <p:nvPr>
+            <p:ph idx="1"/>
+          </p:nvPr>
+        </p:nvSpPr>
+        <p:spPr>
+          <a:xfrm>
+            <a:off x="838200" y="4021742"/>
+            <a:ext cx="10673934" cy="2290046"/>
+          </a:xfrm>
+        </p:spPr>
+        <p:txBody>
+          <a:bodyPr>
+            <a:normAutofit/>
+          </a:bodyPr>
+          <a:lstStyle/>
+          <a:p>
+            <a:r>
+              <a:rPr lang="en-GB" dirty="0"/>
+              <a:t>On </a:t>
+            </a:r>
+            <a:r>
+              <a:rPr lang="en-GB" dirty="0" err="1"/>
+              <a:t>l’entraine</a:t>
+            </a:r>
+            <a:r>
+              <a:rPr lang="en-GB" dirty="0"/>
+              <a:t> </a:t>
+            </a:r>
+            <a:r>
+              <a:rPr lang="fr-CH" dirty="0"/>
+              <a:t>en regardant la fonction d’erreur globale pour un poids donné, qu’on essaye d’optimiser à chaque itération</a:t>
+            </a:r>
+          </a:p>
+          <a:p>
+            <a:r>
+              <a:rPr lang="fr-CH" dirty="0"/>
+              <a:t>On va utiliser la régression logistique pour savoir si le neurone s’active ou pas</a:t>
+            </a:r>
+            <a:endParaRPr lang="en-GB" dirty="0"/>
+          </a:p>
+        </p:txBody>
+      </p:sp>
+      <p:pic>
+        <p:nvPicPr>
+          <p:cNvPr id="8" name="Image 7">
+            <a:extLst>
+              <a:ext uri="{FF2B5EF4-FFF2-40B4-BE49-F238E27FC236}">
+                <a16:creationId xmlns:a16="http://schemas.microsoft.com/office/drawing/2014/main" id="{9E16C389-3F4C-4C44-B951-ECBA341769F0}"/>
+              </a:ext>
+            </a:extLst>
+          </p:cNvPr>
+          <p:cNvPicPr>
+            <a:picLocks noChangeAspect="1"/>
+          </p:cNvPicPr>
+          <p:nvPr/>
+        </p:nvPicPr>
+        <p:blipFill>
+          <a:blip r:embed="rId3"/>
+          <a:stretch>
+            <a:fillRect/>
+          </a:stretch>
+        </p:blipFill>
+        <p:spPr>
+          <a:xfrm>
+            <a:off x="3552405" y="1690688"/>
+            <a:ext cx="5087190" cy="1923376"/>
+          </a:xfrm>
+          <a:prstGeom prst="rect">
+            <a:avLst/>
+          </a:prstGeom>
+        </p:spPr>
+      </p:pic>
+    </p:spTree>
+    <p:extLst>
+      <p:ext uri="{BB962C8B-B14F-4D97-AF65-F5344CB8AC3E}">
+        <p14:creationId xmlns:p14="http://schemas.microsoft.com/office/powerpoint/2010/main" val="2009642305"/>
+      </p:ext>
+    </p:extLst>
+  </p:cSld>
+  <p:clrMapOvr>
+    <a:masterClrMapping/>
+  </p:clrMapOvr>
+</p:sld>
+</file>
+
+<file path=ppt/slides/slide66.xml><?xml version="1.0" encoding="utf-8"?>
+<p:sld xmlns:a="http://schemas.openxmlformats.org/drawingml/2006/main" xmlns:r="http://schemas.openxmlformats.org/officeDocument/2006/relationships" xmlns:p="http://schemas.openxmlformats.org/presentationml/2006/main">
+  <p:cSld>
+    <p:spTree>
+      <p:nvGrpSpPr>
+        <p:cNvPr id="1" name=""/>
+        <p:cNvGrpSpPr/>
+        <p:nvPr/>
+      </p:nvGrpSpPr>
+      <p:grpSpPr>
+        <a:xfrm>
+          <a:off x="0" y="0"/>
+          <a:ext cx="0" cy="0"/>
+          <a:chOff x="0" y="0"/>
+          <a:chExt cx="0" cy="0"/>
+        </a:xfrm>
+      </p:grpSpPr>
+      <p:sp>
+        <p:nvSpPr>
+          <p:cNvPr id="2" name="Titre 1">
+            <a:extLst>
+              <a:ext uri="{FF2B5EF4-FFF2-40B4-BE49-F238E27FC236}">
+                <a16:creationId xmlns:a16="http://schemas.microsoft.com/office/drawing/2014/main" id="{1DE24D75-C6DE-4394-A51C-5EF310010BA5}"/>
+              </a:ext>
+            </a:extLst>
+          </p:cNvPr>
+          <p:cNvSpPr>
+            <a:spLocks noGrp="1"/>
+          </p:cNvSpPr>
+          <p:nvPr>
+            <p:ph type="title"/>
+          </p:nvPr>
+        </p:nvSpPr>
+        <p:spPr>
+          <a:xfrm>
+            <a:off x="0" y="-316992"/>
+            <a:ext cx="929640" cy="1325563"/>
+          </a:xfrm>
+        </p:spPr>
+        <p:txBody>
+          <a:bodyPr/>
+          <a:lstStyle/>
+          <a:p>
+            <a:r>
+              <a:rPr lang="fr-CH" dirty="0">
+                <a:solidFill>
+                  <a:schemeClr val="accent1"/>
+                </a:solidFill>
+              </a:rPr>
+              <a:t>12.</a:t>
+            </a:r>
+            <a:endParaRPr lang="en-GB" dirty="0">
+              <a:solidFill>
+                <a:schemeClr val="accent1"/>
+              </a:solidFill>
+            </a:endParaRPr>
+          </a:p>
+        </p:txBody>
+      </p:sp>
+      <p:sp>
+        <p:nvSpPr>
+          <p:cNvPr id="4" name="ZoneTexte 3">
+            <a:extLst>
+              <a:ext uri="{FF2B5EF4-FFF2-40B4-BE49-F238E27FC236}">
+                <a16:creationId xmlns:a16="http://schemas.microsoft.com/office/drawing/2014/main" id="{B4A469F4-C262-4F6E-8D5D-858330AC98E0}"/>
+              </a:ext>
+            </a:extLst>
+          </p:cNvPr>
+          <p:cNvSpPr txBox="1"/>
+          <p:nvPr/>
+        </p:nvSpPr>
+        <p:spPr>
+          <a:xfrm>
+            <a:off x="746760" y="161123"/>
+            <a:ext cx="10515600" cy="369332"/>
+          </a:xfrm>
+          <a:prstGeom prst="rect">
+            <a:avLst/>
+          </a:prstGeom>
+          <a:noFill/>
+        </p:spPr>
+        <p:txBody>
+          <a:bodyPr wrap="square" rtlCol="0">
+            <a:spAutoFit/>
+          </a:bodyPr>
+          <a:lstStyle/>
+          <a:p>
+            <a:r>
+              <a:rPr lang="fr-FR" sz="1800" dirty="0">
+                <a:solidFill>
+                  <a:schemeClr val="accent1"/>
+                </a:solidFill>
+                <a:effectLst/>
+                <a:latin typeface="Arial" panose="020B0604020202020204" pitchFamily="34" charset="0"/>
+              </a:rPr>
+              <a:t>Qu’est-ce que la fonction logistique? Quelles sont ses propriétés?</a:t>
+            </a:r>
+            <a:endParaRPr lang="en-GB" dirty="0">
+              <a:solidFill>
+                <a:schemeClr val="accent1"/>
+              </a:solidFill>
+            </a:endParaRPr>
+          </a:p>
+        </p:txBody>
+      </p:sp>
+      <p:sp>
+        <p:nvSpPr>
+          <p:cNvPr id="18" name="Espace réservé du contenu 6">
+            <a:extLst>
+              <a:ext uri="{FF2B5EF4-FFF2-40B4-BE49-F238E27FC236}">
+                <a16:creationId xmlns:a16="http://schemas.microsoft.com/office/drawing/2014/main" id="{9A4B1FAA-FAB0-4C75-B9CF-5E535095925F}"/>
+              </a:ext>
+            </a:extLst>
+          </p:cNvPr>
+          <p:cNvSpPr txBox="1">
+            <a:spLocks/>
+          </p:cNvSpPr>
+          <p:nvPr/>
+        </p:nvSpPr>
+        <p:spPr>
+          <a:xfrm>
+            <a:off x="929640" y="898883"/>
+            <a:ext cx="10515600" cy="5275340"/>
+          </a:xfrm>
+          <a:prstGeom prst="rect">
+            <a:avLst/>
+          </a:prstGeom>
+        </p:spPr>
+        <p:txBody>
+          <a:bodyPr vert="horz" lIns="91440" tIns="45720" rIns="91440" bIns="45720" rtlCol="0">
+            <a:normAutofit/>
+          </a:bodyPr>
+          <a:lstStyle>
+            <a:lvl1pPr marL="228600" indent="-228600" algn="l" defTabSz="914400" rtl="0" eaLnBrk="1" latinLnBrk="0" hangingPunct="1">
+              <a:lnSpc>
+                <a:spcPct val="90000"/>
+              </a:lnSpc>
+              <a:spcBef>
+                <a:spcPts val="1000"/>
+              </a:spcBef>
+              <a:buFont typeface="Arial" panose="020B0604020202020204" pitchFamily="34" charset="0"/>
+              <a:buChar char="•"/>
+              <a:defRPr sz="2800" kern="1200">
+                <a:solidFill>
+                  <a:schemeClr val="tx1"/>
+                </a:solidFill>
+                <a:latin typeface="+mn-lt"/>
+                <a:ea typeface="+mn-ea"/>
+                <a:cs typeface="+mn-cs"/>
+              </a:defRPr>
+            </a:lvl1pPr>
+            <a:lvl2pPr marL="685800" indent="-228600" algn="l" defTabSz="914400" rtl="0" eaLnBrk="1" latinLnBrk="0" hangingPunct="1">
+              <a:lnSpc>
+                <a:spcPct val="90000"/>
+              </a:lnSpc>
+              <a:spcBef>
+                <a:spcPts val="500"/>
+              </a:spcBef>
+              <a:buFont typeface="Arial" panose="020B0604020202020204" pitchFamily="34" charset="0"/>
+              <a:buChar char="•"/>
+              <a:defRPr sz="2400" kern="1200">
+                <a:solidFill>
+                  <a:schemeClr val="tx1"/>
+                </a:solidFill>
+                <a:latin typeface="+mn-lt"/>
+                <a:ea typeface="+mn-ea"/>
+                <a:cs typeface="+mn-cs"/>
+              </a:defRPr>
+            </a:lvl2pPr>
+            <a:lvl3pPr marL="1143000" indent="-228600" algn="l" defTabSz="914400" rtl="0" eaLnBrk="1" latinLnBrk="0" hangingPunct="1">
+              <a:lnSpc>
+                <a:spcPct val="90000"/>
+              </a:lnSpc>
+              <a:spcBef>
+                <a:spcPts val="500"/>
+              </a:spcBef>
+              <a:buFont typeface="Arial" panose="020B0604020202020204" pitchFamily="34" charset="0"/>
+              <a:buChar char="•"/>
+              <a:defRPr sz="2000" kern="1200">
+                <a:solidFill>
+                  <a:schemeClr val="tx1"/>
+                </a:solidFill>
+                <a:latin typeface="+mn-lt"/>
+                <a:ea typeface="+mn-ea"/>
+                <a:cs typeface="+mn-cs"/>
+              </a:defRPr>
+            </a:lvl3pPr>
+            <a:lvl4pPr marL="1600200" indent="-228600" algn="l" defTabSz="914400" rtl="0" eaLnBrk="1" latinLnBrk="0" hangingPunct="1">
+              <a:lnSpc>
+                <a:spcPct val="90000"/>
+              </a:lnSpc>
+              <a:spcBef>
+                <a:spcPts val="500"/>
+              </a:spcBef>
+              <a:buFont typeface="Arial" panose="020B0604020202020204" pitchFamily="34" charset="0"/>
+              <a:buChar char="•"/>
+              <a:defRPr sz="1800" kern="1200">
+                <a:solidFill>
+                  <a:schemeClr val="tx1"/>
+                </a:solidFill>
+                <a:latin typeface="+mn-lt"/>
+                <a:ea typeface="+mn-ea"/>
+                <a:cs typeface="+mn-cs"/>
+              </a:defRPr>
+            </a:lvl4pPr>
+            <a:lvl5pPr marL="2057400" indent="-228600" algn="l" defTabSz="914400" rtl="0" eaLnBrk="1" latinLnBrk="0" hangingPunct="1">
+              <a:lnSpc>
+                <a:spcPct val="90000"/>
+              </a:lnSpc>
+              <a:spcBef>
+                <a:spcPts val="500"/>
+              </a:spcBef>
+              <a:buFont typeface="Arial" panose="020B0604020202020204" pitchFamily="34" charset="0"/>
+              <a:buChar char="•"/>
+              <a:defRPr sz="1800" kern="1200">
+                <a:solidFill>
+                  <a:schemeClr val="tx1"/>
+                </a:solidFill>
+                <a:latin typeface="+mn-lt"/>
+                <a:ea typeface="+mn-ea"/>
+                <a:cs typeface="+mn-cs"/>
+              </a:defRPr>
+            </a:lvl5pPr>
+            <a:lvl6pPr marL="2514600" indent="-228600" algn="l" defTabSz="914400" rtl="0" eaLnBrk="1" latinLnBrk="0" hangingPunct="1">
+              <a:lnSpc>
+                <a:spcPct val="90000"/>
+              </a:lnSpc>
+              <a:spcBef>
+                <a:spcPts val="500"/>
+              </a:spcBef>
+              <a:buFont typeface="Arial" panose="020B0604020202020204" pitchFamily="34" charset="0"/>
+              <a:buChar char="•"/>
+              <a:defRPr sz="1800" kern="1200">
+                <a:solidFill>
+                  <a:schemeClr val="tx1"/>
+                </a:solidFill>
+                <a:latin typeface="+mn-lt"/>
+                <a:ea typeface="+mn-ea"/>
+                <a:cs typeface="+mn-cs"/>
+              </a:defRPr>
+            </a:lvl6pPr>
+            <a:lvl7pPr marL="2971800" indent="-228600" algn="l" defTabSz="914400" rtl="0" eaLnBrk="1" latinLnBrk="0" hangingPunct="1">
+              <a:lnSpc>
+                <a:spcPct val="90000"/>
+              </a:lnSpc>
+              <a:spcBef>
+                <a:spcPts val="500"/>
+              </a:spcBef>
+              <a:buFont typeface="Arial" panose="020B0604020202020204" pitchFamily="34" charset="0"/>
+              <a:buChar char="•"/>
+              <a:defRPr sz="1800" kern="1200">
+                <a:solidFill>
+                  <a:schemeClr val="tx1"/>
+                </a:solidFill>
+                <a:latin typeface="+mn-lt"/>
+                <a:ea typeface="+mn-ea"/>
+                <a:cs typeface="+mn-cs"/>
+              </a:defRPr>
+            </a:lvl7pPr>
+            <a:lvl8pPr marL="3429000" indent="-228600" algn="l" defTabSz="914400" rtl="0" eaLnBrk="1" latinLnBrk="0" hangingPunct="1">
+              <a:lnSpc>
+                <a:spcPct val="90000"/>
+              </a:lnSpc>
+              <a:spcBef>
+                <a:spcPts val="500"/>
+              </a:spcBef>
+              <a:buFont typeface="Arial" panose="020B0604020202020204" pitchFamily="34" charset="0"/>
+              <a:buChar char="•"/>
+              <a:defRPr sz="1800" kern="1200">
+                <a:solidFill>
+                  <a:schemeClr val="tx1"/>
+                </a:solidFill>
+                <a:latin typeface="+mn-lt"/>
+                <a:ea typeface="+mn-ea"/>
+                <a:cs typeface="+mn-cs"/>
+              </a:defRPr>
+            </a:lvl8pPr>
+            <a:lvl9pPr marL="3886200" indent="-228600" algn="l" defTabSz="914400" rtl="0" eaLnBrk="1" latinLnBrk="0" hangingPunct="1">
+              <a:lnSpc>
+                <a:spcPct val="90000"/>
+              </a:lnSpc>
+              <a:spcBef>
+                <a:spcPts val="500"/>
+              </a:spcBef>
+              <a:buFont typeface="Arial" panose="020B0604020202020204" pitchFamily="34" charset="0"/>
+              <a:buChar char="•"/>
+              <a:defRPr sz="1800" kern="1200">
+                <a:solidFill>
+                  <a:schemeClr val="tx1"/>
+                </a:solidFill>
+                <a:latin typeface="+mn-lt"/>
+                <a:ea typeface="+mn-ea"/>
+                <a:cs typeface="+mn-cs"/>
+              </a:defRPr>
+            </a:lvl9pPr>
+          </a:lstStyle>
+          <a:p>
+            <a:r>
+              <a:rPr lang="fr-CH" dirty="0"/>
+              <a:t>Pour calculer la fonction qu’on a vu avant, on va utiliser la fonction logistique.</a:t>
+            </a:r>
+          </a:p>
+          <a:p>
+            <a:endParaRPr lang="fr-CH" dirty="0"/>
+          </a:p>
+          <a:p>
+            <a:endParaRPr lang="fr-CH" dirty="0"/>
+          </a:p>
+          <a:p>
+            <a:endParaRPr lang="fr-CH" dirty="0"/>
+          </a:p>
+          <a:p>
+            <a:pPr marL="0" indent="0">
+              <a:buNone/>
+            </a:pPr>
+            <a:endParaRPr lang="fr-CH" dirty="0"/>
+          </a:p>
+          <a:p>
+            <a:endParaRPr lang="fr-CH" dirty="0"/>
+          </a:p>
+          <a:p>
+            <a:r>
+              <a:rPr lang="fr-CH" dirty="0"/>
+              <a:t>Depuis ces hypothèses on définit le rapport odds ratio qui représente la probabilité de Y=vrai par rapport à Y=faux sachant X</a:t>
+            </a:r>
+          </a:p>
+          <a:p>
+            <a:pPr marL="0" indent="0">
+              <a:buNone/>
+            </a:pPr>
+            <a:endParaRPr lang="fr-CH" dirty="0"/>
+          </a:p>
+        </p:txBody>
+      </p:sp>
+      <p:pic>
+        <p:nvPicPr>
+          <p:cNvPr id="9" name="Image 8">
+            <a:extLst>
+              <a:ext uri="{FF2B5EF4-FFF2-40B4-BE49-F238E27FC236}">
+                <a16:creationId xmlns:a16="http://schemas.microsoft.com/office/drawing/2014/main" id="{D8D06A8A-C483-44D4-83EA-3CBE9AB0E84E}"/>
+              </a:ext>
+            </a:extLst>
+          </p:cNvPr>
+          <p:cNvPicPr>
+            <a:picLocks noChangeAspect="1"/>
+          </p:cNvPicPr>
+          <p:nvPr/>
+        </p:nvPicPr>
+        <p:blipFill>
+          <a:blip r:embed="rId3"/>
+          <a:stretch>
+            <a:fillRect/>
+          </a:stretch>
+        </p:blipFill>
+        <p:spPr>
+          <a:xfrm>
+            <a:off x="4024312" y="1707308"/>
+            <a:ext cx="4143375" cy="676275"/>
+          </a:xfrm>
+          <a:prstGeom prst="rect">
+            <a:avLst/>
+          </a:prstGeom>
+        </p:spPr>
+      </p:pic>
+      <p:pic>
+        <p:nvPicPr>
+          <p:cNvPr id="11" name="Image 10">
+            <a:extLst>
+              <a:ext uri="{FF2B5EF4-FFF2-40B4-BE49-F238E27FC236}">
+                <a16:creationId xmlns:a16="http://schemas.microsoft.com/office/drawing/2014/main" id="{82ECB228-B024-4EED-88BF-756C6F5F41EE}"/>
+              </a:ext>
+            </a:extLst>
+          </p:cNvPr>
+          <p:cNvPicPr>
+            <a:picLocks noChangeAspect="1"/>
+          </p:cNvPicPr>
+          <p:nvPr/>
+        </p:nvPicPr>
+        <p:blipFill>
+          <a:blip r:embed="rId4"/>
+          <a:stretch>
+            <a:fillRect/>
+          </a:stretch>
+        </p:blipFill>
+        <p:spPr>
+          <a:xfrm>
+            <a:off x="9734929" y="1298772"/>
+            <a:ext cx="1998523" cy="1493348"/>
+          </a:xfrm>
+          <a:prstGeom prst="rect">
+            <a:avLst/>
+          </a:prstGeom>
+        </p:spPr>
+      </p:pic>
+      <p:pic>
+        <p:nvPicPr>
+          <p:cNvPr id="15" name="Image 14">
+            <a:extLst>
+              <a:ext uri="{FF2B5EF4-FFF2-40B4-BE49-F238E27FC236}">
+                <a16:creationId xmlns:a16="http://schemas.microsoft.com/office/drawing/2014/main" id="{CF95AEE2-EFB7-49F5-A17F-30EB5A30C12B}"/>
+              </a:ext>
+            </a:extLst>
+          </p:cNvPr>
+          <p:cNvPicPr>
+            <a:picLocks noChangeAspect="1"/>
+          </p:cNvPicPr>
+          <p:nvPr/>
+        </p:nvPicPr>
+        <p:blipFill>
+          <a:blip r:embed="rId5"/>
+          <a:stretch>
+            <a:fillRect/>
+          </a:stretch>
+        </p:blipFill>
+        <p:spPr>
+          <a:xfrm>
+            <a:off x="929640" y="3362289"/>
+            <a:ext cx="5903325" cy="916613"/>
+          </a:xfrm>
+          <a:prstGeom prst="rect">
+            <a:avLst/>
+          </a:prstGeom>
+        </p:spPr>
+      </p:pic>
+      <p:pic>
+        <p:nvPicPr>
+          <p:cNvPr id="17" name="Image 16">
+            <a:extLst>
+              <a:ext uri="{FF2B5EF4-FFF2-40B4-BE49-F238E27FC236}">
+                <a16:creationId xmlns:a16="http://schemas.microsoft.com/office/drawing/2014/main" id="{1ECD7D14-8F65-4305-972C-75DB3E89029D}"/>
+              </a:ext>
+            </a:extLst>
+          </p:cNvPr>
+          <p:cNvPicPr>
+            <a:picLocks noChangeAspect="1"/>
+          </p:cNvPicPr>
+          <p:nvPr/>
+        </p:nvPicPr>
+        <p:blipFill>
+          <a:blip r:embed="rId6"/>
+          <a:stretch>
+            <a:fillRect/>
+          </a:stretch>
+        </p:blipFill>
+        <p:spPr>
+          <a:xfrm>
+            <a:off x="4292642" y="5507228"/>
+            <a:ext cx="3606713" cy="734047"/>
+          </a:xfrm>
+          <a:prstGeom prst="rect">
+            <a:avLst/>
+          </a:prstGeom>
+        </p:spPr>
+      </p:pic>
+      <p:pic>
+        <p:nvPicPr>
+          <p:cNvPr id="20" name="Image 19">
+            <a:extLst>
+              <a:ext uri="{FF2B5EF4-FFF2-40B4-BE49-F238E27FC236}">
+                <a16:creationId xmlns:a16="http://schemas.microsoft.com/office/drawing/2014/main" id="{95175A0A-9E85-4972-B2D2-C17C9253F9A7}"/>
+              </a:ext>
+            </a:extLst>
+          </p:cNvPr>
+          <p:cNvPicPr>
+            <a:picLocks noChangeAspect="1"/>
+          </p:cNvPicPr>
+          <p:nvPr/>
+        </p:nvPicPr>
+        <p:blipFill>
+          <a:blip r:embed="rId7"/>
+          <a:stretch>
+            <a:fillRect/>
+          </a:stretch>
+        </p:blipFill>
+        <p:spPr>
+          <a:xfrm>
+            <a:off x="4500471" y="2452146"/>
+            <a:ext cx="3191058" cy="734046"/>
+          </a:xfrm>
+          <a:prstGeom prst="rect">
+            <a:avLst/>
+          </a:prstGeom>
+        </p:spPr>
+      </p:pic>
+    </p:spTree>
+    <p:extLst>
+      <p:ext uri="{BB962C8B-B14F-4D97-AF65-F5344CB8AC3E}">
+        <p14:creationId xmlns:p14="http://schemas.microsoft.com/office/powerpoint/2010/main" val="3655876269"/>
+      </p:ext>
+    </p:extLst>
+  </p:cSld>
+  <p:clrMapOvr>
+    <a:masterClrMapping/>
+  </p:clrMapOvr>
+</p:sld>
+</file>
+
+<file path=ppt/slides/slide67.xml><?xml version="1.0" encoding="utf-8"?>
+<p:sld xmlns:a="http://schemas.openxmlformats.org/drawingml/2006/main" xmlns:r="http://schemas.openxmlformats.org/officeDocument/2006/relationships" xmlns:p="http://schemas.openxmlformats.org/presentationml/2006/main">
+  <p:cSld>
+    <p:spTree>
+      <p:nvGrpSpPr>
+        <p:cNvPr id="1" name=""/>
+        <p:cNvGrpSpPr/>
+        <p:nvPr/>
+      </p:nvGrpSpPr>
+      <p:grpSpPr>
+        <a:xfrm>
+          <a:off x="0" y="0"/>
+          <a:ext cx="0" cy="0"/>
+          <a:chOff x="0" y="0"/>
+          <a:chExt cx="0" cy="0"/>
+        </a:xfrm>
+      </p:grpSpPr>
+      <p:sp>
+        <p:nvSpPr>
+          <p:cNvPr id="2" name="Titre 1">
+            <a:extLst>
+              <a:ext uri="{FF2B5EF4-FFF2-40B4-BE49-F238E27FC236}">
                 <a16:creationId xmlns:a16="http://schemas.microsoft.com/office/drawing/2014/main" id="{21766C66-1FE8-40A6-86E7-67715FC56E02}"/>
               </a:ext>
             </a:extLst>
@@ -30096,9 +33040,23 @@
                 <a:effectLst/>
                 <a:latin typeface="Arial" panose="020B0604020202020204" pitchFamily="34" charset="0"/>
               </a:rPr>
-              <a:t>Biais et équité: En quoi le protocole de gestion des données dans l’apprentissage supervisé (dont on rappellera les objectifs et principes) vise à éviter les biais dans l’apprentissage? Serait-il correct de tester un algorithme avec les données avec lesquels il a appris? Qu’est-ce que des attributs protégés et comment interviennent-ils dans un algorithme d’apprentissage supervisé? Comment peut-on espérer traduire l’équité dans un modelé probabiliste? L’équité dans l’apprentissage n’est-elle qu’un problème de qualité des données ou du choix de ses attributs ? Qu’est-ce que l’effet d’aggravation et ou le retrouve-ton? Citez des exemple set des contre-exemples.</a:t>
-            </a:r>
-            <a:endParaRPr lang="en-GB" sz="1400" dirty="0"/>
+              <a:t>Biais et équité: </a:t>
+            </a:r>
+            <a:r>
+              <a:rPr lang="fr-FR" sz="1400" dirty="0">
+                <a:solidFill>
+                  <a:srgbClr val="FF0000"/>
+                </a:solidFill>
+                <a:effectLst/>
+                <a:latin typeface="Arial" panose="020B0604020202020204" pitchFamily="34" charset="0"/>
+              </a:rPr>
+              <a:t>En quoi le protocole de gestion des données dans l’apprentissage supervisé (dont on rappellera les objectifs et principes) vise à éviter les biais dans l’apprentissage? Serait-il correct de tester un algorithme avec les données avec lesquels il a appris? Qu’est-ce que des attributs protégés et comment interviennent-ils dans un algorithme d’apprentissage supervisé? Comment peut-on espérer traduire l’équité dans un modelé probabiliste? L’équité dans l’apprentissage n’est-elle qu’un problème de qualité des données ou du choix de ses attributs ? Qu’est-ce que l’effet d’aggravation et ou le retrouve-ton? Citez des exemple set des contre-exemples.</a:t>
+            </a:r>
+            <a:endParaRPr lang="en-GB" sz="1400" dirty="0">
+              <a:solidFill>
+                <a:srgbClr val="FF0000"/>
+              </a:solidFill>
+            </a:endParaRPr>
           </a:p>
         </p:txBody>
       </p:sp>

--- a/intelligenceArtificielle/Intelligence_artificielle_exam.pptx
+++ b/intelligenceArtificielle/Intelligence_artificielle_exam.pptx
@@ -5,7 +5,7 @@
     <p:sldMasterId id="2147483708" r:id="rId1"/>
   </p:sldMasterIdLst>
   <p:notesMasterIdLst>
-    <p:notesMasterId r:id="rId69"/>
+    <p:notesMasterId r:id="rId72"/>
   </p:notesMasterIdLst>
   <p:sldIdLst>
     <p:sldId id="259" r:id="rId2"/>
@@ -74,7 +74,10 @@
     <p:sldId id="325" r:id="rId65"/>
     <p:sldId id="269" r:id="rId66"/>
     <p:sldId id="327" r:id="rId67"/>
-    <p:sldId id="270" r:id="rId68"/>
+    <p:sldId id="328" r:id="rId68"/>
+    <p:sldId id="329" r:id="rId69"/>
+    <p:sldId id="330" r:id="rId70"/>
+    <p:sldId id="270" r:id="rId71"/>
   </p:sldIdLst>
   <p:sldSz cx="12192000" cy="6858000"/>
   <p:notesSz cx="6858000" cy="9144000"/>
@@ -6896,6 +6899,41 @@
               <a:t>Le neurone fait l’agrégation du tout, et ensuite prend la décision</a:t>
             </a:r>
           </a:p>
+          <a:p>
+            <a:pPr marL="0" indent="0">
+              <a:buNone/>
+            </a:pPr>
+            <a:endParaRPr lang="fr-CH" dirty="0"/>
+          </a:p>
+          <a:p>
+            <a:pPr marL="0" marR="0" lvl="0" indent="0" algn="l" defTabSz="914400" rtl="0" eaLnBrk="1" fontAlgn="auto" latinLnBrk="0" hangingPunct="1">
+              <a:lnSpc>
+                <a:spcPct val="100000"/>
+              </a:lnSpc>
+              <a:spcBef>
+                <a:spcPts val="0"/>
+              </a:spcBef>
+              <a:spcAft>
+                <a:spcPts val="0"/>
+              </a:spcAft>
+              <a:buClrTx/>
+              <a:buSzTx/>
+              <a:buFontTx/>
+              <a:buNone/>
+              <a:tabLst/>
+              <a:defRPr/>
+            </a:pPr>
+            <a:r>
+              <a:rPr lang="fr-CH" dirty="0"/>
+              <a:t>Avec ce neurone on pourra faire de la classification linéaire, pour faire de la classification non-linéaire, ca sera avec les réseaux de neurones</a:t>
+            </a:r>
+          </a:p>
+          <a:p>
+            <a:pPr marL="0" indent="0">
+              <a:buNone/>
+            </a:pPr>
+            <a:endParaRPr lang="fr-CH" dirty="0"/>
+          </a:p>
         </p:txBody>
       </p:sp>
       <p:sp>
@@ -7091,6 +7129,12 @@
               <a:t>Modifier les poids va faire évoluer l’erreur</a:t>
             </a:r>
           </a:p>
+          <a:p>
+            <a:pPr marL="0" indent="0">
+              <a:buNone/>
+            </a:pPr>
+            <a:endParaRPr lang="fr-CH" dirty="0"/>
+          </a:p>
         </p:txBody>
       </p:sp>
       <p:sp>
@@ -7178,6 +7222,21 @@
             </a:pPr>
             <a:r>
               <a:rPr lang="fr-CH" dirty="0"/>
+              <a:t>On minimise la loss function justement</a:t>
+            </a:r>
+          </a:p>
+          <a:p>
+            <a:pPr marL="0" indent="0">
+              <a:buNone/>
+            </a:pPr>
+            <a:endParaRPr lang="fr-CH" dirty="0"/>
+          </a:p>
+          <a:p>
+            <a:pPr marL="0" indent="0">
+              <a:buNone/>
+            </a:pPr>
+            <a:r>
+              <a:rPr lang="fr-CH" dirty="0"/>
               <a:t>La dérivée nous donne la ponte de la fonction</a:t>
             </a:r>
           </a:p>
@@ -7574,6 +7633,21 @@
               <a:t>En effet, avec odds ration, plutôt que dire que c’est vrai quand ca dépasse un certain seuil, on dit que c’est vrai, quand c’est plus vrai que faux</a:t>
             </a:r>
           </a:p>
+          <a:p>
+            <a:pPr marL="0" indent="0">
+              <a:buNone/>
+            </a:pPr>
+            <a:endParaRPr lang="fr-CH" dirty="0"/>
+          </a:p>
+          <a:p>
+            <a:pPr marL="0" indent="0">
+              <a:buNone/>
+            </a:pPr>
+            <a:r>
+              <a:rPr lang="fr-CH" dirty="0"/>
+              <a:t>De plus la dérivé de cette fonction c est elle-même fois (1 – elle-même ) -&gt; ce qui nous arrange</a:t>
+            </a:r>
+          </a:p>
         </p:txBody>
       </p:sp>
       <p:sp>
@@ -7603,6 +7677,305 @@
     <p:extLst>
       <p:ext uri="{BB962C8B-B14F-4D97-AF65-F5344CB8AC3E}">
         <p14:creationId xmlns:p14="http://schemas.microsoft.com/office/powerpoint/2010/main" val="1105765218"/>
+      </p:ext>
+    </p:extLst>
+  </p:cSld>
+  <p:clrMapOvr>
+    <a:masterClrMapping/>
+  </p:clrMapOvr>
+</p:notes>
+</file>
+
+<file path=ppt/notesSlides/notesSlide62.xml><?xml version="1.0" encoding="utf-8"?>
+<p:notes xmlns:a="http://schemas.openxmlformats.org/drawingml/2006/main" xmlns:r="http://schemas.openxmlformats.org/officeDocument/2006/relationships" xmlns:p="http://schemas.openxmlformats.org/presentationml/2006/main">
+  <p:cSld>
+    <p:spTree>
+      <p:nvGrpSpPr>
+        <p:cNvPr id="1" name=""/>
+        <p:cNvGrpSpPr/>
+        <p:nvPr/>
+      </p:nvGrpSpPr>
+      <p:grpSpPr>
+        <a:xfrm>
+          <a:off x="0" y="0"/>
+          <a:ext cx="0" cy="0"/>
+          <a:chOff x="0" y="0"/>
+          <a:chExt cx="0" cy="0"/>
+        </a:xfrm>
+      </p:grpSpPr>
+      <p:sp>
+        <p:nvSpPr>
+          <p:cNvPr id="2" name="Espace réservé de l'image des diapositives 1"/>
+          <p:cNvSpPr>
+            <a:spLocks noGrp="1" noRot="1" noChangeAspect="1"/>
+          </p:cNvSpPr>
+          <p:nvPr>
+            <p:ph type="sldImg"/>
+          </p:nvPr>
+        </p:nvSpPr>
+        <p:spPr/>
+      </p:sp>
+      <p:sp>
+        <p:nvSpPr>
+          <p:cNvPr id="3" name="Espace réservé des notes 2"/>
+          <p:cNvSpPr>
+            <a:spLocks noGrp="1"/>
+          </p:cNvSpPr>
+          <p:nvPr>
+            <p:ph type="body" idx="1"/>
+          </p:nvPr>
+        </p:nvSpPr>
+        <p:spPr/>
+        <p:txBody>
+          <a:bodyPr/>
+          <a:lstStyle/>
+          <a:p>
+            <a:pPr marL="0" indent="0">
+              <a:buNone/>
+            </a:pPr>
+            <a:r>
+              <a:rPr lang="fr-CH" dirty="0"/>
+              <a:t>L’intérêt c’est de faire une classification non </a:t>
+            </a:r>
+            <a:r>
+              <a:rPr lang="fr-CH" dirty="0" err="1"/>
+              <a:t>linéeaire</a:t>
+            </a:r>
+            <a:endParaRPr lang="fr-CH" dirty="0"/>
+          </a:p>
+          <a:p>
+            <a:pPr marL="0" indent="0">
+              <a:buNone/>
+            </a:pPr>
+            <a:endParaRPr lang="fr-CH" dirty="0"/>
+          </a:p>
+          <a:p>
+            <a:pPr marL="0" indent="0">
+              <a:buNone/>
+            </a:pPr>
+            <a:r>
+              <a:rPr lang="fr-CH" dirty="0"/>
+              <a:t>Ses couches caches sont capables de déplier mon espace de données de façon a faire que la classification finale est plus simple</a:t>
+            </a:r>
+          </a:p>
+          <a:p>
+            <a:pPr marL="0" indent="0">
+              <a:buNone/>
+            </a:pPr>
+            <a:endParaRPr lang="fr-CH" dirty="0"/>
+          </a:p>
+          <a:p>
+            <a:pPr marL="0" indent="0">
+              <a:buNone/>
+            </a:pPr>
+            <a:r>
+              <a:rPr lang="fr-CH" dirty="0"/>
+              <a:t>On parle souvent de «extraction de caractéristiques»</a:t>
+            </a:r>
+          </a:p>
+        </p:txBody>
+      </p:sp>
+      <p:sp>
+        <p:nvSpPr>
+          <p:cNvPr id="4" name="Espace réservé du numéro de diapositive 3"/>
+          <p:cNvSpPr>
+            <a:spLocks noGrp="1"/>
+          </p:cNvSpPr>
+          <p:nvPr>
+            <p:ph type="sldNum" sz="quarter" idx="5"/>
+          </p:nvPr>
+        </p:nvSpPr>
+        <p:spPr/>
+        <p:txBody>
+          <a:bodyPr/>
+          <a:lstStyle/>
+          <a:p>
+            <a:fld id="{FD6302D7-B1E1-4874-8725-B1250A89F460}" type="slidenum">
+              <a:rPr lang="fr-CH" smtClean="0"/>
+              <a:t>67</a:t>
+            </a:fld>
+            <a:endParaRPr lang="fr-CH"/>
+          </a:p>
+        </p:txBody>
+      </p:sp>
+    </p:spTree>
+    <p:extLst>
+      <p:ext uri="{BB962C8B-B14F-4D97-AF65-F5344CB8AC3E}">
+        <p14:creationId xmlns:p14="http://schemas.microsoft.com/office/powerpoint/2010/main" val="2049079482"/>
+      </p:ext>
+    </p:extLst>
+  </p:cSld>
+  <p:clrMapOvr>
+    <a:masterClrMapping/>
+  </p:clrMapOvr>
+</p:notes>
+</file>
+
+<file path=ppt/notesSlides/notesSlide63.xml><?xml version="1.0" encoding="utf-8"?>
+<p:notes xmlns:a="http://schemas.openxmlformats.org/drawingml/2006/main" xmlns:r="http://schemas.openxmlformats.org/officeDocument/2006/relationships" xmlns:p="http://schemas.openxmlformats.org/presentationml/2006/main">
+  <p:cSld>
+    <p:spTree>
+      <p:nvGrpSpPr>
+        <p:cNvPr id="1" name=""/>
+        <p:cNvGrpSpPr/>
+        <p:nvPr/>
+      </p:nvGrpSpPr>
+      <p:grpSpPr>
+        <a:xfrm>
+          <a:off x="0" y="0"/>
+          <a:ext cx="0" cy="0"/>
+          <a:chOff x="0" y="0"/>
+          <a:chExt cx="0" cy="0"/>
+        </a:xfrm>
+      </p:grpSpPr>
+      <p:sp>
+        <p:nvSpPr>
+          <p:cNvPr id="2" name="Espace réservé de l'image des diapositives 1"/>
+          <p:cNvSpPr>
+            <a:spLocks noGrp="1" noRot="1" noChangeAspect="1"/>
+          </p:cNvSpPr>
+          <p:nvPr>
+            <p:ph type="sldImg"/>
+          </p:nvPr>
+        </p:nvSpPr>
+        <p:spPr/>
+      </p:sp>
+      <p:sp>
+        <p:nvSpPr>
+          <p:cNvPr id="3" name="Espace réservé des notes 2"/>
+          <p:cNvSpPr>
+            <a:spLocks noGrp="1"/>
+          </p:cNvSpPr>
+          <p:nvPr>
+            <p:ph type="body" idx="1"/>
+          </p:nvPr>
+        </p:nvSpPr>
+        <p:spPr/>
+        <p:txBody>
+          <a:bodyPr/>
+          <a:lstStyle/>
+          <a:p>
+            <a:pPr marL="0" indent="0">
+              <a:buNone/>
+            </a:pPr>
+            <a:endParaRPr lang="fr-CH" dirty="0"/>
+          </a:p>
+        </p:txBody>
+      </p:sp>
+      <p:sp>
+        <p:nvSpPr>
+          <p:cNvPr id="4" name="Espace réservé du numéro de diapositive 3"/>
+          <p:cNvSpPr>
+            <a:spLocks noGrp="1"/>
+          </p:cNvSpPr>
+          <p:nvPr>
+            <p:ph type="sldNum" sz="quarter" idx="5"/>
+          </p:nvPr>
+        </p:nvSpPr>
+        <p:spPr/>
+        <p:txBody>
+          <a:bodyPr/>
+          <a:lstStyle/>
+          <a:p>
+            <a:fld id="{FD6302D7-B1E1-4874-8725-B1250A89F460}" type="slidenum">
+              <a:rPr lang="fr-CH" smtClean="0"/>
+              <a:t>68</a:t>
+            </a:fld>
+            <a:endParaRPr lang="fr-CH"/>
+          </a:p>
+        </p:txBody>
+      </p:sp>
+    </p:spTree>
+    <p:extLst>
+      <p:ext uri="{BB962C8B-B14F-4D97-AF65-F5344CB8AC3E}">
+        <p14:creationId xmlns:p14="http://schemas.microsoft.com/office/powerpoint/2010/main" val="1031945005"/>
+      </p:ext>
+    </p:extLst>
+  </p:cSld>
+  <p:clrMapOvr>
+    <a:masterClrMapping/>
+  </p:clrMapOvr>
+</p:notes>
+</file>
+
+<file path=ppt/notesSlides/notesSlide64.xml><?xml version="1.0" encoding="utf-8"?>
+<p:notes xmlns:a="http://schemas.openxmlformats.org/drawingml/2006/main" xmlns:r="http://schemas.openxmlformats.org/officeDocument/2006/relationships" xmlns:p="http://schemas.openxmlformats.org/presentationml/2006/main">
+  <p:cSld>
+    <p:spTree>
+      <p:nvGrpSpPr>
+        <p:cNvPr id="1" name=""/>
+        <p:cNvGrpSpPr/>
+        <p:nvPr/>
+      </p:nvGrpSpPr>
+      <p:grpSpPr>
+        <a:xfrm>
+          <a:off x="0" y="0"/>
+          <a:ext cx="0" cy="0"/>
+          <a:chOff x="0" y="0"/>
+          <a:chExt cx="0" cy="0"/>
+        </a:xfrm>
+      </p:grpSpPr>
+      <p:sp>
+        <p:nvSpPr>
+          <p:cNvPr id="2" name="Espace réservé de l'image des diapositives 1"/>
+          <p:cNvSpPr>
+            <a:spLocks noGrp="1" noRot="1" noChangeAspect="1"/>
+          </p:cNvSpPr>
+          <p:nvPr>
+            <p:ph type="sldImg"/>
+          </p:nvPr>
+        </p:nvSpPr>
+        <p:spPr/>
+      </p:sp>
+      <p:sp>
+        <p:nvSpPr>
+          <p:cNvPr id="3" name="Espace réservé des notes 2"/>
+          <p:cNvSpPr>
+            <a:spLocks noGrp="1"/>
+          </p:cNvSpPr>
+          <p:nvPr>
+            <p:ph type="body" idx="1"/>
+          </p:nvPr>
+        </p:nvSpPr>
+        <p:spPr/>
+        <p:txBody>
+          <a:bodyPr/>
+          <a:lstStyle/>
+          <a:p>
+            <a:pPr marL="0" indent="0">
+              <a:buNone/>
+            </a:pPr>
+            <a:endParaRPr lang="fr-CH" dirty="0"/>
+          </a:p>
+        </p:txBody>
+      </p:sp>
+      <p:sp>
+        <p:nvSpPr>
+          <p:cNvPr id="4" name="Espace réservé du numéro de diapositive 3"/>
+          <p:cNvSpPr>
+            <a:spLocks noGrp="1"/>
+          </p:cNvSpPr>
+          <p:nvPr>
+            <p:ph type="sldNum" sz="quarter" idx="5"/>
+          </p:nvPr>
+        </p:nvSpPr>
+        <p:spPr/>
+        <p:txBody>
+          <a:bodyPr/>
+          <a:lstStyle/>
+          <a:p>
+            <a:fld id="{FD6302D7-B1E1-4874-8725-B1250A89F460}" type="slidenum">
+              <a:rPr lang="fr-CH" smtClean="0"/>
+              <a:t>69</a:t>
+            </a:fld>
+            <a:endParaRPr lang="fr-CH"/>
+          </a:p>
+        </p:txBody>
+      </p:sp>
+    </p:spTree>
+    <p:extLst>
+      <p:ext uri="{BB962C8B-B14F-4D97-AF65-F5344CB8AC3E}">
+        <p14:creationId xmlns:p14="http://schemas.microsoft.com/office/powerpoint/2010/main" val="3599878342"/>
       </p:ext>
     </p:extLst>
   </p:cSld>
@@ -12616,15 +12989,7 @@
             </a:pPr>
             <a:r>
               <a:rPr lang="fr-CH" dirty="0"/>
-              <a:t>A* est algorithme d’exploration qui utilise une </a:t>
-            </a:r>
-            <a:r>
-              <a:rPr lang="fr-CH" dirty="0" err="1"/>
-              <a:t>function</a:t>
-            </a:r>
-            <a:r>
-              <a:rPr lang="fr-CH" dirty="0"/>
-              <a:t> d’évaluation.</a:t>
+              <a:t>A* est algorithme d’exploration qui utilise une function d’évaluation.</a:t>
             </a:r>
           </a:p>
           <a:p>
@@ -12663,15 +13028,7 @@
             </a:pPr>
             <a:r>
               <a:rPr lang="fr-CH" dirty="0"/>
-              <a:t>On peut lui associer des variants en </a:t>
-            </a:r>
-            <a:r>
-              <a:rPr lang="fr-CH" dirty="0" err="1"/>
-              <a:t>function</a:t>
-            </a:r>
-            <a:r>
-              <a:rPr lang="fr-CH" dirty="0"/>
-              <a:t> des contraintes (temps et mémoire)</a:t>
+              <a:t>On peut lui associer des variants en function des contraintes (temps et mémoire)</a:t>
             </a:r>
           </a:p>
           <a:p>
@@ -32354,24 +32711,7 @@
                 <a:effectLst/>
                 <a:latin typeface="Arial" panose="020B0604020202020204" pitchFamily="34" charset="0"/>
               </a:rPr>
-              <a:t>Réseaux de neurones: Rappelez le principe d’un neurone artificiel. </a:t>
-            </a:r>
-            <a:r>
-              <a:rPr lang="fr-FR" sz="1400" dirty="0">
-                <a:solidFill>
-                  <a:srgbClr val="FF0000"/>
-                </a:solidFill>
-                <a:effectLst/>
-                <a:latin typeface="Arial" panose="020B0604020202020204" pitchFamily="34" charset="0"/>
-              </a:rPr>
-              <a:t>Comment combine-t-on les neurones en réseaux? Comment entraine-t-on un réseau de neurones? </a:t>
-            </a:r>
-            <a:r>
-              <a:rPr lang="fr-FR" sz="1400" dirty="0">
-                <a:effectLst/>
-                <a:latin typeface="Arial" panose="020B0604020202020204" pitchFamily="34" charset="0"/>
-              </a:rPr>
-              <a:t>Qu’est-ce que la fonction logistique? Comment est-elle utilisée dans un neurone artificiel? Quelles sont ses propriétés? </a:t>
+              <a:t>Réseaux de neurones: Rappelez le principe d’un neurone artificiel. Comment combine-t-on les neurones en réseaux? Comment entraine-t-on un réseau de neurones? Qu’est-ce que la fonction logistique? Comment est-elle utilisée dans un neurone artificiel? Quelles sont ses propriétés? </a:t>
             </a:r>
             <a:r>
               <a:rPr lang="fr-FR" sz="1400" dirty="0">
@@ -32475,6 +32815,69 @@
           </a:prstGeom>
         </p:spPr>
       </p:pic>
+      <p:sp>
+        <p:nvSpPr>
+          <p:cNvPr id="5" name="Titre 1">
+            <a:extLst>
+              <a:ext uri="{FF2B5EF4-FFF2-40B4-BE49-F238E27FC236}">
+                <a16:creationId xmlns:a16="http://schemas.microsoft.com/office/drawing/2014/main" id="{8DD11B92-0155-4256-85D3-D6A621B6F090}"/>
+              </a:ext>
+            </a:extLst>
+          </p:cNvPr>
+          <p:cNvSpPr txBox="1">
+            <a:spLocks/>
+          </p:cNvSpPr>
+          <p:nvPr/>
+        </p:nvSpPr>
+        <p:spPr>
+          <a:xfrm>
+            <a:off x="0" y="-316992"/>
+            <a:ext cx="929640" cy="1325563"/>
+          </a:xfrm>
+          <a:prstGeom prst="rect">
+            <a:avLst/>
+          </a:prstGeom>
+        </p:spPr>
+        <p:txBody>
+          <a:bodyPr vert="horz" lIns="91440" tIns="45720" rIns="91440" bIns="45720" rtlCol="0" anchor="ctr">
+            <a:normAutofit/>
+          </a:bodyPr>
+          <a:lstStyle>
+            <a:lvl1pPr algn="l" defTabSz="914400" rtl="0" eaLnBrk="1" latinLnBrk="0" hangingPunct="1">
+              <a:lnSpc>
+                <a:spcPct val="90000"/>
+              </a:lnSpc>
+              <a:spcBef>
+                <a:spcPct val="0"/>
+              </a:spcBef>
+              <a:buNone/>
+              <a:defRPr sz="4400" kern="1200">
+                <a:solidFill>
+                  <a:schemeClr val="tx1"/>
+                </a:solidFill>
+                <a:latin typeface="+mj-lt"/>
+                <a:ea typeface="+mj-ea"/>
+                <a:cs typeface="+mj-cs"/>
+              </a:defRPr>
+            </a:lvl1pPr>
+          </a:lstStyle>
+          <a:p>
+            <a:r>
+              <a:rPr lang="fr-CH">
+                <a:solidFill>
+                  <a:schemeClr val="accent1"/>
+                </a:solidFill>
+              </a:rPr>
+              <a:t>13.</a:t>
+            </a:r>
+            <a:endParaRPr lang="en-GB" dirty="0">
+              <a:solidFill>
+                <a:schemeClr val="accent1"/>
+              </a:solidFill>
+            </a:endParaRPr>
+          </a:p>
+        </p:txBody>
+      </p:sp>
     </p:spTree>
     <p:extLst>
       <p:ext uri="{BB962C8B-B14F-4D97-AF65-F5344CB8AC3E}">
@@ -32537,7 +32940,7 @@
                   <a:schemeClr val="accent1"/>
                 </a:solidFill>
               </a:rPr>
-              <a:t>12.</a:t>
+              <a:t>13.</a:t>
             </a:r>
             <a:endParaRPr lang="en-GB" dirty="0">
               <a:solidFill>
@@ -33007,7 +33410,7 @@
           <p:cNvPr id="2" name="Titre 1">
             <a:extLst>
               <a:ext uri="{FF2B5EF4-FFF2-40B4-BE49-F238E27FC236}">
-                <a16:creationId xmlns:a16="http://schemas.microsoft.com/office/drawing/2014/main" id="{21766C66-1FE8-40A6-86E7-67715FC56E02}"/>
+                <a16:creationId xmlns:a16="http://schemas.microsoft.com/office/drawing/2014/main" id="{1DE24D75-C6DE-4394-A51C-5EF310010BA5}"/>
               </a:ext>
             </a:extLst>
           </p:cNvPr>
@@ -33018,43 +33421,441 @@
             <p:ph type="title"/>
           </p:nvPr>
         </p:nvSpPr>
-        <p:spPr/>
-        <p:txBody>
-          <a:bodyPr>
-            <a:normAutofit/>
+        <p:spPr>
+          <a:xfrm>
+            <a:off x="0" y="-316992"/>
+            <a:ext cx="929640" cy="1325563"/>
+          </a:xfrm>
+        </p:spPr>
+        <p:txBody>
+          <a:bodyPr/>
+          <a:lstStyle/>
+          <a:p>
+            <a:r>
+              <a:rPr lang="fr-CH" dirty="0">
+                <a:solidFill>
+                  <a:schemeClr val="accent1"/>
+                </a:solidFill>
+              </a:rPr>
+              <a:t>13.</a:t>
+            </a:r>
+            <a:endParaRPr lang="en-GB" dirty="0">
+              <a:solidFill>
+                <a:schemeClr val="accent1"/>
+              </a:solidFill>
+            </a:endParaRPr>
+          </a:p>
+        </p:txBody>
+      </p:sp>
+      <p:sp>
+        <p:nvSpPr>
+          <p:cNvPr id="4" name="ZoneTexte 3">
+            <a:extLst>
+              <a:ext uri="{FF2B5EF4-FFF2-40B4-BE49-F238E27FC236}">
+                <a16:creationId xmlns:a16="http://schemas.microsoft.com/office/drawing/2014/main" id="{B4A469F4-C262-4F6E-8D5D-858330AC98E0}"/>
+              </a:ext>
+            </a:extLst>
+          </p:cNvPr>
+          <p:cNvSpPr txBox="1"/>
+          <p:nvPr/>
+        </p:nvSpPr>
+        <p:spPr>
+          <a:xfrm>
+            <a:off x="746760" y="161123"/>
+            <a:ext cx="10515600" cy="369332"/>
+          </a:xfrm>
+          <a:prstGeom prst="rect">
+            <a:avLst/>
+          </a:prstGeom>
+          <a:noFill/>
+        </p:spPr>
+        <p:txBody>
+          <a:bodyPr wrap="square" rtlCol="0">
+            <a:spAutoFit/>
           </a:bodyPr>
           <a:lstStyle/>
           <a:p>
             <a:r>
-              <a:rPr lang="fr-FR" sz="1400" dirty="0">
+              <a:rPr lang="fr-FR" sz="1800" dirty="0">
                 <a:solidFill>
-                  <a:srgbClr val="FF0000"/>
+                  <a:schemeClr val="accent1"/>
                 </a:solidFill>
                 <a:effectLst/>
                 <a:latin typeface="Arial" panose="020B0604020202020204" pitchFamily="34" charset="0"/>
               </a:rPr>
-              <a:t>14.</a:t>
-            </a:r>
-            <a:r>
-              <a:rPr lang="fr-FR" sz="1400" dirty="0">
-                <a:effectLst/>
-                <a:latin typeface="Arial" panose="020B0604020202020204" pitchFamily="34" charset="0"/>
+              <a:t>Comment combine-t-on les neurones en réseaux?</a:t>
+            </a:r>
+            <a:endParaRPr lang="en-GB" dirty="0">
+              <a:solidFill>
+                <a:schemeClr val="accent1"/>
+              </a:solidFill>
+            </a:endParaRPr>
+          </a:p>
+        </p:txBody>
+      </p:sp>
+      <p:sp>
+        <p:nvSpPr>
+          <p:cNvPr id="18" name="Espace réservé du contenu 6">
+            <a:extLst>
+              <a:ext uri="{FF2B5EF4-FFF2-40B4-BE49-F238E27FC236}">
+                <a16:creationId xmlns:a16="http://schemas.microsoft.com/office/drawing/2014/main" id="{9A4B1FAA-FAB0-4C75-B9CF-5E535095925F}"/>
+              </a:ext>
+            </a:extLst>
+          </p:cNvPr>
+          <p:cNvSpPr txBox="1">
+            <a:spLocks/>
+          </p:cNvSpPr>
+          <p:nvPr/>
+        </p:nvSpPr>
+        <p:spPr>
+          <a:xfrm>
+            <a:off x="929640" y="898883"/>
+            <a:ext cx="10515600" cy="5275340"/>
+          </a:xfrm>
+          <a:prstGeom prst="rect">
+            <a:avLst/>
+          </a:prstGeom>
+        </p:spPr>
+        <p:txBody>
+          <a:bodyPr vert="horz" lIns="91440" tIns="45720" rIns="91440" bIns="45720" rtlCol="0">
+            <a:normAutofit/>
+          </a:bodyPr>
+          <a:lstStyle>
+            <a:lvl1pPr marL="228600" indent="-228600" algn="l" defTabSz="914400" rtl="0" eaLnBrk="1" latinLnBrk="0" hangingPunct="1">
+              <a:lnSpc>
+                <a:spcPct val="90000"/>
+              </a:lnSpc>
+              <a:spcBef>
+                <a:spcPts val="1000"/>
+              </a:spcBef>
+              <a:buFont typeface="Arial" panose="020B0604020202020204" pitchFamily="34" charset="0"/>
+              <a:buChar char="•"/>
+              <a:defRPr sz="2800" kern="1200">
+                <a:solidFill>
+                  <a:schemeClr val="tx1"/>
+                </a:solidFill>
+                <a:latin typeface="+mn-lt"/>
+                <a:ea typeface="+mn-ea"/>
+                <a:cs typeface="+mn-cs"/>
+              </a:defRPr>
+            </a:lvl1pPr>
+            <a:lvl2pPr marL="685800" indent="-228600" algn="l" defTabSz="914400" rtl="0" eaLnBrk="1" latinLnBrk="0" hangingPunct="1">
+              <a:lnSpc>
+                <a:spcPct val="90000"/>
+              </a:lnSpc>
+              <a:spcBef>
+                <a:spcPts val="500"/>
+              </a:spcBef>
+              <a:buFont typeface="Arial" panose="020B0604020202020204" pitchFamily="34" charset="0"/>
+              <a:buChar char="•"/>
+              <a:defRPr sz="2400" kern="1200">
+                <a:solidFill>
+                  <a:schemeClr val="tx1"/>
+                </a:solidFill>
+                <a:latin typeface="+mn-lt"/>
+                <a:ea typeface="+mn-ea"/>
+                <a:cs typeface="+mn-cs"/>
+              </a:defRPr>
+            </a:lvl2pPr>
+            <a:lvl3pPr marL="1143000" indent="-228600" algn="l" defTabSz="914400" rtl="0" eaLnBrk="1" latinLnBrk="0" hangingPunct="1">
+              <a:lnSpc>
+                <a:spcPct val="90000"/>
+              </a:lnSpc>
+              <a:spcBef>
+                <a:spcPts val="500"/>
+              </a:spcBef>
+              <a:buFont typeface="Arial" panose="020B0604020202020204" pitchFamily="34" charset="0"/>
+              <a:buChar char="•"/>
+              <a:defRPr sz="2000" kern="1200">
+                <a:solidFill>
+                  <a:schemeClr val="tx1"/>
+                </a:solidFill>
+                <a:latin typeface="+mn-lt"/>
+                <a:ea typeface="+mn-ea"/>
+                <a:cs typeface="+mn-cs"/>
+              </a:defRPr>
+            </a:lvl3pPr>
+            <a:lvl4pPr marL="1600200" indent="-228600" algn="l" defTabSz="914400" rtl="0" eaLnBrk="1" latinLnBrk="0" hangingPunct="1">
+              <a:lnSpc>
+                <a:spcPct val="90000"/>
+              </a:lnSpc>
+              <a:spcBef>
+                <a:spcPts val="500"/>
+              </a:spcBef>
+              <a:buFont typeface="Arial" panose="020B0604020202020204" pitchFamily="34" charset="0"/>
+              <a:buChar char="•"/>
+              <a:defRPr sz="1800" kern="1200">
+                <a:solidFill>
+                  <a:schemeClr val="tx1"/>
+                </a:solidFill>
+                <a:latin typeface="+mn-lt"/>
+                <a:ea typeface="+mn-ea"/>
+                <a:cs typeface="+mn-cs"/>
+              </a:defRPr>
+            </a:lvl4pPr>
+            <a:lvl5pPr marL="2057400" indent="-228600" algn="l" defTabSz="914400" rtl="0" eaLnBrk="1" latinLnBrk="0" hangingPunct="1">
+              <a:lnSpc>
+                <a:spcPct val="90000"/>
+              </a:lnSpc>
+              <a:spcBef>
+                <a:spcPts val="500"/>
+              </a:spcBef>
+              <a:buFont typeface="Arial" panose="020B0604020202020204" pitchFamily="34" charset="0"/>
+              <a:buChar char="•"/>
+              <a:defRPr sz="1800" kern="1200">
+                <a:solidFill>
+                  <a:schemeClr val="tx1"/>
+                </a:solidFill>
+                <a:latin typeface="+mn-lt"/>
+                <a:ea typeface="+mn-ea"/>
+                <a:cs typeface="+mn-cs"/>
+              </a:defRPr>
+            </a:lvl5pPr>
+            <a:lvl6pPr marL="2514600" indent="-228600" algn="l" defTabSz="914400" rtl="0" eaLnBrk="1" latinLnBrk="0" hangingPunct="1">
+              <a:lnSpc>
+                <a:spcPct val="90000"/>
+              </a:lnSpc>
+              <a:spcBef>
+                <a:spcPts val="500"/>
+              </a:spcBef>
+              <a:buFont typeface="Arial" panose="020B0604020202020204" pitchFamily="34" charset="0"/>
+              <a:buChar char="•"/>
+              <a:defRPr sz="1800" kern="1200">
+                <a:solidFill>
+                  <a:schemeClr val="tx1"/>
+                </a:solidFill>
+                <a:latin typeface="+mn-lt"/>
+                <a:ea typeface="+mn-ea"/>
+                <a:cs typeface="+mn-cs"/>
+              </a:defRPr>
+            </a:lvl6pPr>
+            <a:lvl7pPr marL="2971800" indent="-228600" algn="l" defTabSz="914400" rtl="0" eaLnBrk="1" latinLnBrk="0" hangingPunct="1">
+              <a:lnSpc>
+                <a:spcPct val="90000"/>
+              </a:lnSpc>
+              <a:spcBef>
+                <a:spcPts val="500"/>
+              </a:spcBef>
+              <a:buFont typeface="Arial" panose="020B0604020202020204" pitchFamily="34" charset="0"/>
+              <a:buChar char="•"/>
+              <a:defRPr sz="1800" kern="1200">
+                <a:solidFill>
+                  <a:schemeClr val="tx1"/>
+                </a:solidFill>
+                <a:latin typeface="+mn-lt"/>
+                <a:ea typeface="+mn-ea"/>
+                <a:cs typeface="+mn-cs"/>
+              </a:defRPr>
+            </a:lvl7pPr>
+            <a:lvl8pPr marL="3429000" indent="-228600" algn="l" defTabSz="914400" rtl="0" eaLnBrk="1" latinLnBrk="0" hangingPunct="1">
+              <a:lnSpc>
+                <a:spcPct val="90000"/>
+              </a:lnSpc>
+              <a:spcBef>
+                <a:spcPts val="500"/>
+              </a:spcBef>
+              <a:buFont typeface="Arial" panose="020B0604020202020204" pitchFamily="34" charset="0"/>
+              <a:buChar char="•"/>
+              <a:defRPr sz="1800" kern="1200">
+                <a:solidFill>
+                  <a:schemeClr val="tx1"/>
+                </a:solidFill>
+                <a:latin typeface="+mn-lt"/>
+                <a:ea typeface="+mn-ea"/>
+                <a:cs typeface="+mn-cs"/>
+              </a:defRPr>
+            </a:lvl8pPr>
+            <a:lvl9pPr marL="3886200" indent="-228600" algn="l" defTabSz="914400" rtl="0" eaLnBrk="1" latinLnBrk="0" hangingPunct="1">
+              <a:lnSpc>
+                <a:spcPct val="90000"/>
+              </a:lnSpc>
+              <a:spcBef>
+                <a:spcPts val="500"/>
+              </a:spcBef>
+              <a:buFont typeface="Arial" panose="020B0604020202020204" pitchFamily="34" charset="0"/>
+              <a:buChar char="•"/>
+              <a:defRPr sz="1800" kern="1200">
+                <a:solidFill>
+                  <a:schemeClr val="tx1"/>
+                </a:solidFill>
+                <a:latin typeface="+mn-lt"/>
+                <a:ea typeface="+mn-ea"/>
+                <a:cs typeface="+mn-cs"/>
+              </a:defRPr>
+            </a:lvl9pPr>
+          </a:lstStyle>
+          <a:p>
+            <a:r>
+              <a:rPr lang="fr-CH" dirty="0"/>
+              <a:t>Pour combiner des neurones, on va faire en sorte que le output d’un neurone soit le input d’un autre</a:t>
+            </a:r>
+          </a:p>
+          <a:p>
+            <a:endParaRPr lang="fr-CH" dirty="0"/>
+          </a:p>
+          <a:p>
+            <a:endParaRPr lang="fr-CH" dirty="0"/>
+          </a:p>
+          <a:p>
+            <a:endParaRPr lang="fr-CH" dirty="0"/>
+          </a:p>
+          <a:p>
+            <a:endParaRPr lang="fr-CH" dirty="0"/>
+          </a:p>
+          <a:p>
+            <a:endParaRPr lang="fr-CH" dirty="0"/>
+          </a:p>
+          <a:p>
+            <a:r>
+              <a:rPr lang="fr-CH" dirty="0"/>
+              <a:t>On a la couche d’entrée, celle qui reçoit X comme input, la couche de sortie, celle qui fait la classification finale, toutes les autres c’est des couches cachées</a:t>
+            </a:r>
+          </a:p>
+        </p:txBody>
+      </p:sp>
+      <p:pic>
+        <p:nvPicPr>
+          <p:cNvPr id="7" name="Image 6">
+            <a:extLst>
+              <a:ext uri="{FF2B5EF4-FFF2-40B4-BE49-F238E27FC236}">
+                <a16:creationId xmlns:a16="http://schemas.microsoft.com/office/drawing/2014/main" id="{A3BA5E25-615F-46D5-97D0-715639884914}"/>
+              </a:ext>
+            </a:extLst>
+          </p:cNvPr>
+          <p:cNvPicPr>
+            <a:picLocks noChangeAspect="1"/>
+          </p:cNvPicPr>
+          <p:nvPr/>
+        </p:nvPicPr>
+        <p:blipFill>
+          <a:blip r:embed="rId3"/>
+          <a:stretch>
+            <a:fillRect/>
+          </a:stretch>
+        </p:blipFill>
+        <p:spPr>
+          <a:xfrm>
+            <a:off x="3049116" y="1799382"/>
+            <a:ext cx="6093767" cy="2038095"/>
+          </a:xfrm>
+          <a:prstGeom prst="rect">
+            <a:avLst/>
+          </a:prstGeom>
+        </p:spPr>
+      </p:pic>
+    </p:spTree>
+    <p:extLst>
+      <p:ext uri="{BB962C8B-B14F-4D97-AF65-F5344CB8AC3E}">
+        <p14:creationId xmlns:p14="http://schemas.microsoft.com/office/powerpoint/2010/main" val="1142413555"/>
+      </p:ext>
+    </p:extLst>
+  </p:cSld>
+  <p:clrMapOvr>
+    <a:masterClrMapping/>
+  </p:clrMapOvr>
+</p:sld>
+</file>
+
+<file path=ppt/slides/slide68.xml><?xml version="1.0" encoding="utf-8"?>
+<p:sld xmlns:a="http://schemas.openxmlformats.org/drawingml/2006/main" xmlns:r="http://schemas.openxmlformats.org/officeDocument/2006/relationships" xmlns:p="http://schemas.openxmlformats.org/presentationml/2006/main">
+  <p:cSld>
+    <p:spTree>
+      <p:nvGrpSpPr>
+        <p:cNvPr id="1" name=""/>
+        <p:cNvGrpSpPr/>
+        <p:nvPr/>
+      </p:nvGrpSpPr>
+      <p:grpSpPr>
+        <a:xfrm>
+          <a:off x="0" y="0"/>
+          <a:ext cx="0" cy="0"/>
+          <a:chOff x="0" y="0"/>
+          <a:chExt cx="0" cy="0"/>
+        </a:xfrm>
+      </p:grpSpPr>
+      <p:sp>
+        <p:nvSpPr>
+          <p:cNvPr id="2" name="Titre 1">
+            <a:extLst>
+              <a:ext uri="{FF2B5EF4-FFF2-40B4-BE49-F238E27FC236}">
+                <a16:creationId xmlns:a16="http://schemas.microsoft.com/office/drawing/2014/main" id="{1DE24D75-C6DE-4394-A51C-5EF310010BA5}"/>
+              </a:ext>
+            </a:extLst>
+          </p:cNvPr>
+          <p:cNvSpPr>
+            <a:spLocks noGrp="1"/>
+          </p:cNvSpPr>
+          <p:nvPr>
+            <p:ph type="title"/>
+          </p:nvPr>
+        </p:nvSpPr>
+        <p:spPr>
+          <a:xfrm>
+            <a:off x="0" y="-316992"/>
+            <a:ext cx="929640" cy="1325563"/>
+          </a:xfrm>
+        </p:spPr>
+        <p:txBody>
+          <a:bodyPr/>
+          <a:lstStyle/>
+          <a:p>
+            <a:r>
+              <a:rPr lang="fr-CH" dirty="0">
+                <a:solidFill>
+                  <a:schemeClr val="accent1"/>
+                </a:solidFill>
               </a:rPr>
-              <a:t>Biais et équité: </a:t>
-            </a:r>
-            <a:r>
-              <a:rPr lang="fr-FR" sz="1400" dirty="0">
+              <a:t>13.</a:t>
+            </a:r>
+            <a:endParaRPr lang="en-GB" dirty="0">
+              <a:solidFill>
+                <a:schemeClr val="accent1"/>
+              </a:solidFill>
+            </a:endParaRPr>
+          </a:p>
+        </p:txBody>
+      </p:sp>
+      <p:sp>
+        <p:nvSpPr>
+          <p:cNvPr id="4" name="ZoneTexte 3">
+            <a:extLst>
+              <a:ext uri="{FF2B5EF4-FFF2-40B4-BE49-F238E27FC236}">
+                <a16:creationId xmlns:a16="http://schemas.microsoft.com/office/drawing/2014/main" id="{B4A469F4-C262-4F6E-8D5D-858330AC98E0}"/>
+              </a:ext>
+            </a:extLst>
+          </p:cNvPr>
+          <p:cNvSpPr txBox="1"/>
+          <p:nvPr/>
+        </p:nvSpPr>
+        <p:spPr>
+          <a:xfrm>
+            <a:off x="746760" y="161123"/>
+            <a:ext cx="10515600" cy="369332"/>
+          </a:xfrm>
+          <a:prstGeom prst="rect">
+            <a:avLst/>
+          </a:prstGeom>
+          <a:noFill/>
+        </p:spPr>
+        <p:txBody>
+          <a:bodyPr wrap="square" rtlCol="0">
+            <a:spAutoFit/>
+          </a:bodyPr>
+          <a:lstStyle/>
+          <a:p>
+            <a:r>
+              <a:rPr lang="fr-FR" sz="1800" dirty="0">
                 <a:solidFill>
-                  <a:srgbClr val="FF0000"/>
+                  <a:schemeClr val="accent1"/>
                 </a:solidFill>
                 <a:effectLst/>
                 <a:latin typeface="Arial" panose="020B0604020202020204" pitchFamily="34" charset="0"/>
               </a:rPr>
-              <a:t>En quoi le protocole de gestion des données dans l’apprentissage supervisé (dont on rappellera les objectifs et principes) vise à éviter les biais dans l’apprentissage? Serait-il correct de tester un algorithme avec les données avec lesquels il a appris? Qu’est-ce que des attributs protégés et comment interviennent-ils dans un algorithme d’apprentissage supervisé? Comment peut-on espérer traduire l’équité dans un modelé probabiliste? L’équité dans l’apprentissage n’est-elle qu’un problème de qualité des données ou du choix de ses attributs ? Qu’est-ce que l’effet d’aggravation et ou le retrouve-ton? Citez des exemple set des contre-exemples.</a:t>
-            </a:r>
-            <a:endParaRPr lang="en-GB" sz="1400" dirty="0">
+              <a:t>Comment entraine-t-on un réseau de neurones?</a:t>
+            </a:r>
+            <a:endParaRPr lang="en-GB" dirty="0">
               <a:solidFill>
-                <a:srgbClr val="FF0000"/>
+                <a:schemeClr val="accent1"/>
               </a:solidFill>
             </a:endParaRPr>
           </a:p>
@@ -33062,33 +33863,973 @@
       </p:sp>
       <p:sp>
         <p:nvSpPr>
-          <p:cNvPr id="3" name="Espace réservé du contenu 2">
+          <p:cNvPr id="18" name="Espace réservé du contenu 6">
             <a:extLst>
               <a:ext uri="{FF2B5EF4-FFF2-40B4-BE49-F238E27FC236}">
-                <a16:creationId xmlns:a16="http://schemas.microsoft.com/office/drawing/2014/main" id="{55ECBF04-F52F-4B3F-9304-4E4A2E668DA9}"/>
+                <a16:creationId xmlns:a16="http://schemas.microsoft.com/office/drawing/2014/main" id="{9A4B1FAA-FAB0-4C75-B9CF-5E535095925F}"/>
               </a:ext>
             </a:extLst>
           </p:cNvPr>
-          <p:cNvSpPr>
-            <a:spLocks noGrp="1"/>
-          </p:cNvSpPr>
-          <p:nvPr>
-            <p:ph idx="1"/>
-          </p:nvPr>
-        </p:nvSpPr>
-        <p:spPr/>
-        <p:txBody>
-          <a:bodyPr/>
-          <a:lstStyle/>
-          <a:p>
-            <a:endParaRPr lang="en-GB" dirty="0"/>
-          </a:p>
-        </p:txBody>
-      </p:sp>
+          <p:cNvSpPr txBox="1">
+            <a:spLocks/>
+          </p:cNvSpPr>
+          <p:nvPr/>
+        </p:nvSpPr>
+        <p:spPr>
+          <a:xfrm>
+            <a:off x="929640" y="898883"/>
+            <a:ext cx="10515600" cy="5275340"/>
+          </a:xfrm>
+          <a:prstGeom prst="rect">
+            <a:avLst/>
+          </a:prstGeom>
+        </p:spPr>
+        <p:txBody>
+          <a:bodyPr vert="horz" lIns="91440" tIns="45720" rIns="91440" bIns="45720" rtlCol="0">
+            <a:normAutofit/>
+          </a:bodyPr>
+          <a:lstStyle>
+            <a:lvl1pPr marL="228600" indent="-228600" algn="l" defTabSz="914400" rtl="0" eaLnBrk="1" latinLnBrk="0" hangingPunct="1">
+              <a:lnSpc>
+                <a:spcPct val="90000"/>
+              </a:lnSpc>
+              <a:spcBef>
+                <a:spcPts val="1000"/>
+              </a:spcBef>
+              <a:buFont typeface="Arial" panose="020B0604020202020204" pitchFamily="34" charset="0"/>
+              <a:buChar char="•"/>
+              <a:defRPr sz="2800" kern="1200">
+                <a:solidFill>
+                  <a:schemeClr val="tx1"/>
+                </a:solidFill>
+                <a:latin typeface="+mn-lt"/>
+                <a:ea typeface="+mn-ea"/>
+                <a:cs typeface="+mn-cs"/>
+              </a:defRPr>
+            </a:lvl1pPr>
+            <a:lvl2pPr marL="685800" indent="-228600" algn="l" defTabSz="914400" rtl="0" eaLnBrk="1" latinLnBrk="0" hangingPunct="1">
+              <a:lnSpc>
+                <a:spcPct val="90000"/>
+              </a:lnSpc>
+              <a:spcBef>
+                <a:spcPts val="500"/>
+              </a:spcBef>
+              <a:buFont typeface="Arial" panose="020B0604020202020204" pitchFamily="34" charset="0"/>
+              <a:buChar char="•"/>
+              <a:defRPr sz="2400" kern="1200">
+                <a:solidFill>
+                  <a:schemeClr val="tx1"/>
+                </a:solidFill>
+                <a:latin typeface="+mn-lt"/>
+                <a:ea typeface="+mn-ea"/>
+                <a:cs typeface="+mn-cs"/>
+              </a:defRPr>
+            </a:lvl2pPr>
+            <a:lvl3pPr marL="1143000" indent="-228600" algn="l" defTabSz="914400" rtl="0" eaLnBrk="1" latinLnBrk="0" hangingPunct="1">
+              <a:lnSpc>
+                <a:spcPct val="90000"/>
+              </a:lnSpc>
+              <a:spcBef>
+                <a:spcPts val="500"/>
+              </a:spcBef>
+              <a:buFont typeface="Arial" panose="020B0604020202020204" pitchFamily="34" charset="0"/>
+              <a:buChar char="•"/>
+              <a:defRPr sz="2000" kern="1200">
+                <a:solidFill>
+                  <a:schemeClr val="tx1"/>
+                </a:solidFill>
+                <a:latin typeface="+mn-lt"/>
+                <a:ea typeface="+mn-ea"/>
+                <a:cs typeface="+mn-cs"/>
+              </a:defRPr>
+            </a:lvl3pPr>
+            <a:lvl4pPr marL="1600200" indent="-228600" algn="l" defTabSz="914400" rtl="0" eaLnBrk="1" latinLnBrk="0" hangingPunct="1">
+              <a:lnSpc>
+                <a:spcPct val="90000"/>
+              </a:lnSpc>
+              <a:spcBef>
+                <a:spcPts val="500"/>
+              </a:spcBef>
+              <a:buFont typeface="Arial" panose="020B0604020202020204" pitchFamily="34" charset="0"/>
+              <a:buChar char="•"/>
+              <a:defRPr sz="1800" kern="1200">
+                <a:solidFill>
+                  <a:schemeClr val="tx1"/>
+                </a:solidFill>
+                <a:latin typeface="+mn-lt"/>
+                <a:ea typeface="+mn-ea"/>
+                <a:cs typeface="+mn-cs"/>
+              </a:defRPr>
+            </a:lvl4pPr>
+            <a:lvl5pPr marL="2057400" indent="-228600" algn="l" defTabSz="914400" rtl="0" eaLnBrk="1" latinLnBrk="0" hangingPunct="1">
+              <a:lnSpc>
+                <a:spcPct val="90000"/>
+              </a:lnSpc>
+              <a:spcBef>
+                <a:spcPts val="500"/>
+              </a:spcBef>
+              <a:buFont typeface="Arial" panose="020B0604020202020204" pitchFamily="34" charset="0"/>
+              <a:buChar char="•"/>
+              <a:defRPr sz="1800" kern="1200">
+                <a:solidFill>
+                  <a:schemeClr val="tx1"/>
+                </a:solidFill>
+                <a:latin typeface="+mn-lt"/>
+                <a:ea typeface="+mn-ea"/>
+                <a:cs typeface="+mn-cs"/>
+              </a:defRPr>
+            </a:lvl5pPr>
+            <a:lvl6pPr marL="2514600" indent="-228600" algn="l" defTabSz="914400" rtl="0" eaLnBrk="1" latinLnBrk="0" hangingPunct="1">
+              <a:lnSpc>
+                <a:spcPct val="90000"/>
+              </a:lnSpc>
+              <a:spcBef>
+                <a:spcPts val="500"/>
+              </a:spcBef>
+              <a:buFont typeface="Arial" panose="020B0604020202020204" pitchFamily="34" charset="0"/>
+              <a:buChar char="•"/>
+              <a:defRPr sz="1800" kern="1200">
+                <a:solidFill>
+                  <a:schemeClr val="tx1"/>
+                </a:solidFill>
+                <a:latin typeface="+mn-lt"/>
+                <a:ea typeface="+mn-ea"/>
+                <a:cs typeface="+mn-cs"/>
+              </a:defRPr>
+            </a:lvl6pPr>
+            <a:lvl7pPr marL="2971800" indent="-228600" algn="l" defTabSz="914400" rtl="0" eaLnBrk="1" latinLnBrk="0" hangingPunct="1">
+              <a:lnSpc>
+                <a:spcPct val="90000"/>
+              </a:lnSpc>
+              <a:spcBef>
+                <a:spcPts val="500"/>
+              </a:spcBef>
+              <a:buFont typeface="Arial" panose="020B0604020202020204" pitchFamily="34" charset="0"/>
+              <a:buChar char="•"/>
+              <a:defRPr sz="1800" kern="1200">
+                <a:solidFill>
+                  <a:schemeClr val="tx1"/>
+                </a:solidFill>
+                <a:latin typeface="+mn-lt"/>
+                <a:ea typeface="+mn-ea"/>
+                <a:cs typeface="+mn-cs"/>
+              </a:defRPr>
+            </a:lvl7pPr>
+            <a:lvl8pPr marL="3429000" indent="-228600" algn="l" defTabSz="914400" rtl="0" eaLnBrk="1" latinLnBrk="0" hangingPunct="1">
+              <a:lnSpc>
+                <a:spcPct val="90000"/>
+              </a:lnSpc>
+              <a:spcBef>
+                <a:spcPts val="500"/>
+              </a:spcBef>
+              <a:buFont typeface="Arial" panose="020B0604020202020204" pitchFamily="34" charset="0"/>
+              <a:buChar char="•"/>
+              <a:defRPr sz="1800" kern="1200">
+                <a:solidFill>
+                  <a:schemeClr val="tx1"/>
+                </a:solidFill>
+                <a:latin typeface="+mn-lt"/>
+                <a:ea typeface="+mn-ea"/>
+                <a:cs typeface="+mn-cs"/>
+              </a:defRPr>
+            </a:lvl8pPr>
+            <a:lvl9pPr marL="3886200" indent="-228600" algn="l" defTabSz="914400" rtl="0" eaLnBrk="1" latinLnBrk="0" hangingPunct="1">
+              <a:lnSpc>
+                <a:spcPct val="90000"/>
+              </a:lnSpc>
+              <a:spcBef>
+                <a:spcPts val="500"/>
+              </a:spcBef>
+              <a:buFont typeface="Arial" panose="020B0604020202020204" pitchFamily="34" charset="0"/>
+              <a:buChar char="•"/>
+              <a:defRPr sz="1800" kern="1200">
+                <a:solidFill>
+                  <a:schemeClr val="tx1"/>
+                </a:solidFill>
+                <a:latin typeface="+mn-lt"/>
+                <a:ea typeface="+mn-ea"/>
+                <a:cs typeface="+mn-cs"/>
+              </a:defRPr>
+            </a:lvl9pPr>
+          </a:lstStyle>
+          <a:p>
+            <a:pPr marL="0" indent="0">
+              <a:buNone/>
+            </a:pPr>
+            <a:endParaRPr lang="fr-CH" dirty="0"/>
+          </a:p>
+        </p:txBody>
+      </p:sp>
+      <p:sp>
+        <p:nvSpPr>
+          <p:cNvPr id="6" name="Espace réservé du contenu 6">
+            <a:extLst>
+              <a:ext uri="{FF2B5EF4-FFF2-40B4-BE49-F238E27FC236}">
+                <a16:creationId xmlns:a16="http://schemas.microsoft.com/office/drawing/2014/main" id="{474EEF2D-2FFE-4BF1-9C78-CE73586D7D2A}"/>
+              </a:ext>
+            </a:extLst>
+          </p:cNvPr>
+          <p:cNvSpPr txBox="1">
+            <a:spLocks/>
+          </p:cNvSpPr>
+          <p:nvPr/>
+        </p:nvSpPr>
+        <p:spPr>
+          <a:xfrm>
+            <a:off x="1082040" y="1051283"/>
+            <a:ext cx="10515600" cy="5275340"/>
+          </a:xfrm>
+          <a:prstGeom prst="rect">
+            <a:avLst/>
+          </a:prstGeom>
+        </p:spPr>
+        <p:txBody>
+          <a:bodyPr vert="horz" lIns="91440" tIns="45720" rIns="91440" bIns="45720" rtlCol="0">
+            <a:normAutofit/>
+          </a:bodyPr>
+          <a:lstStyle>
+            <a:lvl1pPr marL="228600" indent="-228600" algn="l" defTabSz="914400" rtl="0" eaLnBrk="1" latinLnBrk="0" hangingPunct="1">
+              <a:lnSpc>
+                <a:spcPct val="90000"/>
+              </a:lnSpc>
+              <a:spcBef>
+                <a:spcPts val="1000"/>
+              </a:spcBef>
+              <a:buFont typeface="Arial" panose="020B0604020202020204" pitchFamily="34" charset="0"/>
+              <a:buChar char="•"/>
+              <a:defRPr sz="2800" kern="1200">
+                <a:solidFill>
+                  <a:schemeClr val="tx1"/>
+                </a:solidFill>
+                <a:latin typeface="+mn-lt"/>
+                <a:ea typeface="+mn-ea"/>
+                <a:cs typeface="+mn-cs"/>
+              </a:defRPr>
+            </a:lvl1pPr>
+            <a:lvl2pPr marL="685800" indent="-228600" algn="l" defTabSz="914400" rtl="0" eaLnBrk="1" latinLnBrk="0" hangingPunct="1">
+              <a:lnSpc>
+                <a:spcPct val="90000"/>
+              </a:lnSpc>
+              <a:spcBef>
+                <a:spcPts val="500"/>
+              </a:spcBef>
+              <a:buFont typeface="Arial" panose="020B0604020202020204" pitchFamily="34" charset="0"/>
+              <a:buChar char="•"/>
+              <a:defRPr sz="2400" kern="1200">
+                <a:solidFill>
+                  <a:schemeClr val="tx1"/>
+                </a:solidFill>
+                <a:latin typeface="+mn-lt"/>
+                <a:ea typeface="+mn-ea"/>
+                <a:cs typeface="+mn-cs"/>
+              </a:defRPr>
+            </a:lvl2pPr>
+            <a:lvl3pPr marL="1143000" indent="-228600" algn="l" defTabSz="914400" rtl="0" eaLnBrk="1" latinLnBrk="0" hangingPunct="1">
+              <a:lnSpc>
+                <a:spcPct val="90000"/>
+              </a:lnSpc>
+              <a:spcBef>
+                <a:spcPts val="500"/>
+              </a:spcBef>
+              <a:buFont typeface="Arial" panose="020B0604020202020204" pitchFamily="34" charset="0"/>
+              <a:buChar char="•"/>
+              <a:defRPr sz="2000" kern="1200">
+                <a:solidFill>
+                  <a:schemeClr val="tx1"/>
+                </a:solidFill>
+                <a:latin typeface="+mn-lt"/>
+                <a:ea typeface="+mn-ea"/>
+                <a:cs typeface="+mn-cs"/>
+              </a:defRPr>
+            </a:lvl3pPr>
+            <a:lvl4pPr marL="1600200" indent="-228600" algn="l" defTabSz="914400" rtl="0" eaLnBrk="1" latinLnBrk="0" hangingPunct="1">
+              <a:lnSpc>
+                <a:spcPct val="90000"/>
+              </a:lnSpc>
+              <a:spcBef>
+                <a:spcPts val="500"/>
+              </a:spcBef>
+              <a:buFont typeface="Arial" panose="020B0604020202020204" pitchFamily="34" charset="0"/>
+              <a:buChar char="•"/>
+              <a:defRPr sz="1800" kern="1200">
+                <a:solidFill>
+                  <a:schemeClr val="tx1"/>
+                </a:solidFill>
+                <a:latin typeface="+mn-lt"/>
+                <a:ea typeface="+mn-ea"/>
+                <a:cs typeface="+mn-cs"/>
+              </a:defRPr>
+            </a:lvl4pPr>
+            <a:lvl5pPr marL="2057400" indent="-228600" algn="l" defTabSz="914400" rtl="0" eaLnBrk="1" latinLnBrk="0" hangingPunct="1">
+              <a:lnSpc>
+                <a:spcPct val="90000"/>
+              </a:lnSpc>
+              <a:spcBef>
+                <a:spcPts val="500"/>
+              </a:spcBef>
+              <a:buFont typeface="Arial" panose="020B0604020202020204" pitchFamily="34" charset="0"/>
+              <a:buChar char="•"/>
+              <a:defRPr sz="1800" kern="1200">
+                <a:solidFill>
+                  <a:schemeClr val="tx1"/>
+                </a:solidFill>
+                <a:latin typeface="+mn-lt"/>
+                <a:ea typeface="+mn-ea"/>
+                <a:cs typeface="+mn-cs"/>
+              </a:defRPr>
+            </a:lvl5pPr>
+            <a:lvl6pPr marL="2514600" indent="-228600" algn="l" defTabSz="914400" rtl="0" eaLnBrk="1" latinLnBrk="0" hangingPunct="1">
+              <a:lnSpc>
+                <a:spcPct val="90000"/>
+              </a:lnSpc>
+              <a:spcBef>
+                <a:spcPts val="500"/>
+              </a:spcBef>
+              <a:buFont typeface="Arial" panose="020B0604020202020204" pitchFamily="34" charset="0"/>
+              <a:buChar char="•"/>
+              <a:defRPr sz="1800" kern="1200">
+                <a:solidFill>
+                  <a:schemeClr val="tx1"/>
+                </a:solidFill>
+                <a:latin typeface="+mn-lt"/>
+                <a:ea typeface="+mn-ea"/>
+                <a:cs typeface="+mn-cs"/>
+              </a:defRPr>
+            </a:lvl6pPr>
+            <a:lvl7pPr marL="2971800" indent="-228600" algn="l" defTabSz="914400" rtl="0" eaLnBrk="1" latinLnBrk="0" hangingPunct="1">
+              <a:lnSpc>
+                <a:spcPct val="90000"/>
+              </a:lnSpc>
+              <a:spcBef>
+                <a:spcPts val="500"/>
+              </a:spcBef>
+              <a:buFont typeface="Arial" panose="020B0604020202020204" pitchFamily="34" charset="0"/>
+              <a:buChar char="•"/>
+              <a:defRPr sz="1800" kern="1200">
+                <a:solidFill>
+                  <a:schemeClr val="tx1"/>
+                </a:solidFill>
+                <a:latin typeface="+mn-lt"/>
+                <a:ea typeface="+mn-ea"/>
+                <a:cs typeface="+mn-cs"/>
+              </a:defRPr>
+            </a:lvl7pPr>
+            <a:lvl8pPr marL="3429000" indent="-228600" algn="l" defTabSz="914400" rtl="0" eaLnBrk="1" latinLnBrk="0" hangingPunct="1">
+              <a:lnSpc>
+                <a:spcPct val="90000"/>
+              </a:lnSpc>
+              <a:spcBef>
+                <a:spcPts val="500"/>
+              </a:spcBef>
+              <a:buFont typeface="Arial" panose="020B0604020202020204" pitchFamily="34" charset="0"/>
+              <a:buChar char="•"/>
+              <a:defRPr sz="1800" kern="1200">
+                <a:solidFill>
+                  <a:schemeClr val="tx1"/>
+                </a:solidFill>
+                <a:latin typeface="+mn-lt"/>
+                <a:ea typeface="+mn-ea"/>
+                <a:cs typeface="+mn-cs"/>
+              </a:defRPr>
+            </a:lvl8pPr>
+            <a:lvl9pPr marL="3886200" indent="-228600" algn="l" defTabSz="914400" rtl="0" eaLnBrk="1" latinLnBrk="0" hangingPunct="1">
+              <a:lnSpc>
+                <a:spcPct val="90000"/>
+              </a:lnSpc>
+              <a:spcBef>
+                <a:spcPts val="500"/>
+              </a:spcBef>
+              <a:buFont typeface="Arial" panose="020B0604020202020204" pitchFamily="34" charset="0"/>
+              <a:buChar char="•"/>
+              <a:defRPr sz="1800" kern="1200">
+                <a:solidFill>
+                  <a:schemeClr val="tx1"/>
+                </a:solidFill>
+                <a:latin typeface="+mn-lt"/>
+                <a:ea typeface="+mn-ea"/>
+                <a:cs typeface="+mn-cs"/>
+              </a:defRPr>
+            </a:lvl9pPr>
+          </a:lstStyle>
+          <a:p>
+            <a:endParaRPr lang="fr-CH" dirty="0"/>
+          </a:p>
+          <a:p>
+            <a:endParaRPr lang="fr-CH" dirty="0"/>
+          </a:p>
+          <a:p>
+            <a:endParaRPr lang="fr-CH" dirty="0"/>
+          </a:p>
+          <a:p>
+            <a:endParaRPr lang="fr-CH" dirty="0"/>
+          </a:p>
+          <a:p>
+            <a:endParaRPr lang="fr-CH" dirty="0"/>
+          </a:p>
+          <a:p>
+            <a:pPr marL="0" indent="0">
+              <a:buNone/>
+            </a:pPr>
+            <a:endParaRPr lang="fr-CH" dirty="0"/>
+          </a:p>
+          <a:p>
+            <a:r>
+              <a:rPr lang="fr-CH" dirty="0"/>
+              <a:t>Pour calculer l’équivalent de la loss function qu’on avait chez le neurone, on devra «traverser» tout le réseau de neurone, pour voir la prédiction de xi faite par le réseau, et ensuite la comparer à yi attendue, pour changer les poids selon l’erreur</a:t>
+            </a:r>
+          </a:p>
+        </p:txBody>
+      </p:sp>
+      <p:pic>
+        <p:nvPicPr>
+          <p:cNvPr id="5" name="Image 4">
+            <a:extLst>
+              <a:ext uri="{FF2B5EF4-FFF2-40B4-BE49-F238E27FC236}">
+                <a16:creationId xmlns:a16="http://schemas.microsoft.com/office/drawing/2014/main" id="{9793B197-D51C-42DA-8CAD-6BD983C5F203}"/>
+              </a:ext>
+            </a:extLst>
+          </p:cNvPr>
+          <p:cNvPicPr>
+            <a:picLocks noChangeAspect="1"/>
+          </p:cNvPicPr>
+          <p:nvPr/>
+        </p:nvPicPr>
+        <p:blipFill>
+          <a:blip r:embed="rId3"/>
+          <a:stretch>
+            <a:fillRect/>
+          </a:stretch>
+        </p:blipFill>
+        <p:spPr>
+          <a:xfrm>
+            <a:off x="2497545" y="814361"/>
+            <a:ext cx="7196910" cy="3114773"/>
+          </a:xfrm>
+          <a:prstGeom prst="rect">
+            <a:avLst/>
+          </a:prstGeom>
+        </p:spPr>
+      </p:pic>
     </p:spTree>
     <p:extLst>
       <p:ext uri="{BB962C8B-B14F-4D97-AF65-F5344CB8AC3E}">
-        <p14:creationId xmlns:p14="http://schemas.microsoft.com/office/powerpoint/2010/main" val="2447558994"/>
+        <p14:creationId xmlns:p14="http://schemas.microsoft.com/office/powerpoint/2010/main" val="343824004"/>
+      </p:ext>
+    </p:extLst>
+  </p:cSld>
+  <p:clrMapOvr>
+    <a:masterClrMapping/>
+  </p:clrMapOvr>
+</p:sld>
+</file>
+
+<file path=ppt/slides/slide69.xml><?xml version="1.0" encoding="utf-8"?>
+<p:sld xmlns:a="http://schemas.openxmlformats.org/drawingml/2006/main" xmlns:r="http://schemas.openxmlformats.org/officeDocument/2006/relationships" xmlns:p="http://schemas.openxmlformats.org/presentationml/2006/main">
+  <p:cSld>
+    <p:spTree>
+      <p:nvGrpSpPr>
+        <p:cNvPr id="1" name=""/>
+        <p:cNvGrpSpPr/>
+        <p:nvPr/>
+      </p:nvGrpSpPr>
+      <p:grpSpPr>
+        <a:xfrm>
+          <a:off x="0" y="0"/>
+          <a:ext cx="0" cy="0"/>
+          <a:chOff x="0" y="0"/>
+          <a:chExt cx="0" cy="0"/>
+        </a:xfrm>
+      </p:grpSpPr>
+      <p:sp>
+        <p:nvSpPr>
+          <p:cNvPr id="2" name="Titre 1">
+            <a:extLst>
+              <a:ext uri="{FF2B5EF4-FFF2-40B4-BE49-F238E27FC236}">
+                <a16:creationId xmlns:a16="http://schemas.microsoft.com/office/drawing/2014/main" id="{1DE24D75-C6DE-4394-A51C-5EF310010BA5}"/>
+              </a:ext>
+            </a:extLst>
+          </p:cNvPr>
+          <p:cNvSpPr>
+            <a:spLocks noGrp="1"/>
+          </p:cNvSpPr>
+          <p:nvPr>
+            <p:ph type="title"/>
+          </p:nvPr>
+        </p:nvSpPr>
+        <p:spPr>
+          <a:xfrm>
+            <a:off x="0" y="-316992"/>
+            <a:ext cx="929640" cy="1325563"/>
+          </a:xfrm>
+        </p:spPr>
+        <p:txBody>
+          <a:bodyPr/>
+          <a:lstStyle/>
+          <a:p>
+            <a:r>
+              <a:rPr lang="fr-CH" dirty="0">
+                <a:solidFill>
+                  <a:schemeClr val="accent1"/>
+                </a:solidFill>
+              </a:rPr>
+              <a:t>13.</a:t>
+            </a:r>
+            <a:endParaRPr lang="en-GB" dirty="0">
+              <a:solidFill>
+                <a:schemeClr val="accent1"/>
+              </a:solidFill>
+            </a:endParaRPr>
+          </a:p>
+        </p:txBody>
+      </p:sp>
+      <p:sp>
+        <p:nvSpPr>
+          <p:cNvPr id="4" name="ZoneTexte 3">
+            <a:extLst>
+              <a:ext uri="{FF2B5EF4-FFF2-40B4-BE49-F238E27FC236}">
+                <a16:creationId xmlns:a16="http://schemas.microsoft.com/office/drawing/2014/main" id="{B4A469F4-C262-4F6E-8D5D-858330AC98E0}"/>
+              </a:ext>
+            </a:extLst>
+          </p:cNvPr>
+          <p:cNvSpPr txBox="1"/>
+          <p:nvPr/>
+        </p:nvSpPr>
+        <p:spPr>
+          <a:xfrm>
+            <a:off x="746760" y="161123"/>
+            <a:ext cx="10515600" cy="369332"/>
+          </a:xfrm>
+          <a:prstGeom prst="rect">
+            <a:avLst/>
+          </a:prstGeom>
+          <a:noFill/>
+        </p:spPr>
+        <p:txBody>
+          <a:bodyPr wrap="square" rtlCol="0">
+            <a:spAutoFit/>
+          </a:bodyPr>
+          <a:lstStyle/>
+          <a:p>
+            <a:r>
+              <a:rPr lang="fr-FR" sz="1800" dirty="0">
+                <a:solidFill>
+                  <a:schemeClr val="accent1"/>
+                </a:solidFill>
+                <a:effectLst/>
+                <a:latin typeface="Arial" panose="020B0604020202020204" pitchFamily="34" charset="0"/>
+              </a:rPr>
+              <a:t>Vous pourrez parler des principes des graphes computationnels et de la différentiation automatique.</a:t>
+            </a:r>
+            <a:endParaRPr lang="en-GB" dirty="0">
+              <a:solidFill>
+                <a:schemeClr val="accent1"/>
+              </a:solidFill>
+            </a:endParaRPr>
+          </a:p>
+        </p:txBody>
+      </p:sp>
+      <p:sp>
+        <p:nvSpPr>
+          <p:cNvPr id="18" name="Espace réservé du contenu 6">
+            <a:extLst>
+              <a:ext uri="{FF2B5EF4-FFF2-40B4-BE49-F238E27FC236}">
+                <a16:creationId xmlns:a16="http://schemas.microsoft.com/office/drawing/2014/main" id="{9A4B1FAA-FAB0-4C75-B9CF-5E535095925F}"/>
+              </a:ext>
+            </a:extLst>
+          </p:cNvPr>
+          <p:cNvSpPr txBox="1">
+            <a:spLocks/>
+          </p:cNvSpPr>
+          <p:nvPr/>
+        </p:nvSpPr>
+        <p:spPr>
+          <a:xfrm>
+            <a:off x="929640" y="898883"/>
+            <a:ext cx="10515600" cy="5275340"/>
+          </a:xfrm>
+          <a:prstGeom prst="rect">
+            <a:avLst/>
+          </a:prstGeom>
+        </p:spPr>
+        <p:txBody>
+          <a:bodyPr vert="horz" lIns="91440" tIns="45720" rIns="91440" bIns="45720" rtlCol="0">
+            <a:normAutofit/>
+          </a:bodyPr>
+          <a:lstStyle>
+            <a:lvl1pPr marL="228600" indent="-228600" algn="l" defTabSz="914400" rtl="0" eaLnBrk="1" latinLnBrk="0" hangingPunct="1">
+              <a:lnSpc>
+                <a:spcPct val="90000"/>
+              </a:lnSpc>
+              <a:spcBef>
+                <a:spcPts val="1000"/>
+              </a:spcBef>
+              <a:buFont typeface="Arial" panose="020B0604020202020204" pitchFamily="34" charset="0"/>
+              <a:buChar char="•"/>
+              <a:defRPr sz="2800" kern="1200">
+                <a:solidFill>
+                  <a:schemeClr val="tx1"/>
+                </a:solidFill>
+                <a:latin typeface="+mn-lt"/>
+                <a:ea typeface="+mn-ea"/>
+                <a:cs typeface="+mn-cs"/>
+              </a:defRPr>
+            </a:lvl1pPr>
+            <a:lvl2pPr marL="685800" indent="-228600" algn="l" defTabSz="914400" rtl="0" eaLnBrk="1" latinLnBrk="0" hangingPunct="1">
+              <a:lnSpc>
+                <a:spcPct val="90000"/>
+              </a:lnSpc>
+              <a:spcBef>
+                <a:spcPts val="500"/>
+              </a:spcBef>
+              <a:buFont typeface="Arial" panose="020B0604020202020204" pitchFamily="34" charset="0"/>
+              <a:buChar char="•"/>
+              <a:defRPr sz="2400" kern="1200">
+                <a:solidFill>
+                  <a:schemeClr val="tx1"/>
+                </a:solidFill>
+                <a:latin typeface="+mn-lt"/>
+                <a:ea typeface="+mn-ea"/>
+                <a:cs typeface="+mn-cs"/>
+              </a:defRPr>
+            </a:lvl2pPr>
+            <a:lvl3pPr marL="1143000" indent="-228600" algn="l" defTabSz="914400" rtl="0" eaLnBrk="1" latinLnBrk="0" hangingPunct="1">
+              <a:lnSpc>
+                <a:spcPct val="90000"/>
+              </a:lnSpc>
+              <a:spcBef>
+                <a:spcPts val="500"/>
+              </a:spcBef>
+              <a:buFont typeface="Arial" panose="020B0604020202020204" pitchFamily="34" charset="0"/>
+              <a:buChar char="•"/>
+              <a:defRPr sz="2000" kern="1200">
+                <a:solidFill>
+                  <a:schemeClr val="tx1"/>
+                </a:solidFill>
+                <a:latin typeface="+mn-lt"/>
+                <a:ea typeface="+mn-ea"/>
+                <a:cs typeface="+mn-cs"/>
+              </a:defRPr>
+            </a:lvl3pPr>
+            <a:lvl4pPr marL="1600200" indent="-228600" algn="l" defTabSz="914400" rtl="0" eaLnBrk="1" latinLnBrk="0" hangingPunct="1">
+              <a:lnSpc>
+                <a:spcPct val="90000"/>
+              </a:lnSpc>
+              <a:spcBef>
+                <a:spcPts val="500"/>
+              </a:spcBef>
+              <a:buFont typeface="Arial" panose="020B0604020202020204" pitchFamily="34" charset="0"/>
+              <a:buChar char="•"/>
+              <a:defRPr sz="1800" kern="1200">
+                <a:solidFill>
+                  <a:schemeClr val="tx1"/>
+                </a:solidFill>
+                <a:latin typeface="+mn-lt"/>
+                <a:ea typeface="+mn-ea"/>
+                <a:cs typeface="+mn-cs"/>
+              </a:defRPr>
+            </a:lvl4pPr>
+            <a:lvl5pPr marL="2057400" indent="-228600" algn="l" defTabSz="914400" rtl="0" eaLnBrk="1" latinLnBrk="0" hangingPunct="1">
+              <a:lnSpc>
+                <a:spcPct val="90000"/>
+              </a:lnSpc>
+              <a:spcBef>
+                <a:spcPts val="500"/>
+              </a:spcBef>
+              <a:buFont typeface="Arial" panose="020B0604020202020204" pitchFamily="34" charset="0"/>
+              <a:buChar char="•"/>
+              <a:defRPr sz="1800" kern="1200">
+                <a:solidFill>
+                  <a:schemeClr val="tx1"/>
+                </a:solidFill>
+                <a:latin typeface="+mn-lt"/>
+                <a:ea typeface="+mn-ea"/>
+                <a:cs typeface="+mn-cs"/>
+              </a:defRPr>
+            </a:lvl5pPr>
+            <a:lvl6pPr marL="2514600" indent="-228600" algn="l" defTabSz="914400" rtl="0" eaLnBrk="1" latinLnBrk="0" hangingPunct="1">
+              <a:lnSpc>
+                <a:spcPct val="90000"/>
+              </a:lnSpc>
+              <a:spcBef>
+                <a:spcPts val="500"/>
+              </a:spcBef>
+              <a:buFont typeface="Arial" panose="020B0604020202020204" pitchFamily="34" charset="0"/>
+              <a:buChar char="•"/>
+              <a:defRPr sz="1800" kern="1200">
+                <a:solidFill>
+                  <a:schemeClr val="tx1"/>
+                </a:solidFill>
+                <a:latin typeface="+mn-lt"/>
+                <a:ea typeface="+mn-ea"/>
+                <a:cs typeface="+mn-cs"/>
+              </a:defRPr>
+            </a:lvl6pPr>
+            <a:lvl7pPr marL="2971800" indent="-228600" algn="l" defTabSz="914400" rtl="0" eaLnBrk="1" latinLnBrk="0" hangingPunct="1">
+              <a:lnSpc>
+                <a:spcPct val="90000"/>
+              </a:lnSpc>
+              <a:spcBef>
+                <a:spcPts val="500"/>
+              </a:spcBef>
+              <a:buFont typeface="Arial" panose="020B0604020202020204" pitchFamily="34" charset="0"/>
+              <a:buChar char="•"/>
+              <a:defRPr sz="1800" kern="1200">
+                <a:solidFill>
+                  <a:schemeClr val="tx1"/>
+                </a:solidFill>
+                <a:latin typeface="+mn-lt"/>
+                <a:ea typeface="+mn-ea"/>
+                <a:cs typeface="+mn-cs"/>
+              </a:defRPr>
+            </a:lvl7pPr>
+            <a:lvl8pPr marL="3429000" indent="-228600" algn="l" defTabSz="914400" rtl="0" eaLnBrk="1" latinLnBrk="0" hangingPunct="1">
+              <a:lnSpc>
+                <a:spcPct val="90000"/>
+              </a:lnSpc>
+              <a:spcBef>
+                <a:spcPts val="500"/>
+              </a:spcBef>
+              <a:buFont typeface="Arial" panose="020B0604020202020204" pitchFamily="34" charset="0"/>
+              <a:buChar char="•"/>
+              <a:defRPr sz="1800" kern="1200">
+                <a:solidFill>
+                  <a:schemeClr val="tx1"/>
+                </a:solidFill>
+                <a:latin typeface="+mn-lt"/>
+                <a:ea typeface="+mn-ea"/>
+                <a:cs typeface="+mn-cs"/>
+              </a:defRPr>
+            </a:lvl8pPr>
+            <a:lvl9pPr marL="3886200" indent="-228600" algn="l" defTabSz="914400" rtl="0" eaLnBrk="1" latinLnBrk="0" hangingPunct="1">
+              <a:lnSpc>
+                <a:spcPct val="90000"/>
+              </a:lnSpc>
+              <a:spcBef>
+                <a:spcPts val="500"/>
+              </a:spcBef>
+              <a:buFont typeface="Arial" panose="020B0604020202020204" pitchFamily="34" charset="0"/>
+              <a:buChar char="•"/>
+              <a:defRPr sz="1800" kern="1200">
+                <a:solidFill>
+                  <a:schemeClr val="tx1"/>
+                </a:solidFill>
+                <a:latin typeface="+mn-lt"/>
+                <a:ea typeface="+mn-ea"/>
+                <a:cs typeface="+mn-cs"/>
+              </a:defRPr>
+            </a:lvl9pPr>
+          </a:lstStyle>
+          <a:p>
+            <a:pPr marL="0" indent="0">
+              <a:buNone/>
+            </a:pPr>
+            <a:endParaRPr lang="fr-CH" dirty="0"/>
+          </a:p>
+        </p:txBody>
+      </p:sp>
+      <p:sp>
+        <p:nvSpPr>
+          <p:cNvPr id="6" name="Espace réservé du contenu 6">
+            <a:extLst>
+              <a:ext uri="{FF2B5EF4-FFF2-40B4-BE49-F238E27FC236}">
+                <a16:creationId xmlns:a16="http://schemas.microsoft.com/office/drawing/2014/main" id="{474EEF2D-2FFE-4BF1-9C78-CE73586D7D2A}"/>
+              </a:ext>
+            </a:extLst>
+          </p:cNvPr>
+          <p:cNvSpPr txBox="1">
+            <a:spLocks/>
+          </p:cNvSpPr>
+          <p:nvPr/>
+        </p:nvSpPr>
+        <p:spPr>
+          <a:xfrm>
+            <a:off x="1082040" y="1051283"/>
+            <a:ext cx="10515600" cy="5275340"/>
+          </a:xfrm>
+          <a:prstGeom prst="rect">
+            <a:avLst/>
+          </a:prstGeom>
+        </p:spPr>
+        <p:txBody>
+          <a:bodyPr vert="horz" lIns="91440" tIns="45720" rIns="91440" bIns="45720" rtlCol="0">
+            <a:normAutofit/>
+          </a:bodyPr>
+          <a:lstStyle>
+            <a:lvl1pPr marL="228600" indent="-228600" algn="l" defTabSz="914400" rtl="0" eaLnBrk="1" latinLnBrk="0" hangingPunct="1">
+              <a:lnSpc>
+                <a:spcPct val="90000"/>
+              </a:lnSpc>
+              <a:spcBef>
+                <a:spcPts val="1000"/>
+              </a:spcBef>
+              <a:buFont typeface="Arial" panose="020B0604020202020204" pitchFamily="34" charset="0"/>
+              <a:buChar char="•"/>
+              <a:defRPr sz="2800" kern="1200">
+                <a:solidFill>
+                  <a:schemeClr val="tx1"/>
+                </a:solidFill>
+                <a:latin typeface="+mn-lt"/>
+                <a:ea typeface="+mn-ea"/>
+                <a:cs typeface="+mn-cs"/>
+              </a:defRPr>
+            </a:lvl1pPr>
+            <a:lvl2pPr marL="685800" indent="-228600" algn="l" defTabSz="914400" rtl="0" eaLnBrk="1" latinLnBrk="0" hangingPunct="1">
+              <a:lnSpc>
+                <a:spcPct val="90000"/>
+              </a:lnSpc>
+              <a:spcBef>
+                <a:spcPts val="500"/>
+              </a:spcBef>
+              <a:buFont typeface="Arial" panose="020B0604020202020204" pitchFamily="34" charset="0"/>
+              <a:buChar char="•"/>
+              <a:defRPr sz="2400" kern="1200">
+                <a:solidFill>
+                  <a:schemeClr val="tx1"/>
+                </a:solidFill>
+                <a:latin typeface="+mn-lt"/>
+                <a:ea typeface="+mn-ea"/>
+                <a:cs typeface="+mn-cs"/>
+              </a:defRPr>
+            </a:lvl2pPr>
+            <a:lvl3pPr marL="1143000" indent="-228600" algn="l" defTabSz="914400" rtl="0" eaLnBrk="1" latinLnBrk="0" hangingPunct="1">
+              <a:lnSpc>
+                <a:spcPct val="90000"/>
+              </a:lnSpc>
+              <a:spcBef>
+                <a:spcPts val="500"/>
+              </a:spcBef>
+              <a:buFont typeface="Arial" panose="020B0604020202020204" pitchFamily="34" charset="0"/>
+              <a:buChar char="•"/>
+              <a:defRPr sz="2000" kern="1200">
+                <a:solidFill>
+                  <a:schemeClr val="tx1"/>
+                </a:solidFill>
+                <a:latin typeface="+mn-lt"/>
+                <a:ea typeface="+mn-ea"/>
+                <a:cs typeface="+mn-cs"/>
+              </a:defRPr>
+            </a:lvl3pPr>
+            <a:lvl4pPr marL="1600200" indent="-228600" algn="l" defTabSz="914400" rtl="0" eaLnBrk="1" latinLnBrk="0" hangingPunct="1">
+              <a:lnSpc>
+                <a:spcPct val="90000"/>
+              </a:lnSpc>
+              <a:spcBef>
+                <a:spcPts val="500"/>
+              </a:spcBef>
+              <a:buFont typeface="Arial" panose="020B0604020202020204" pitchFamily="34" charset="0"/>
+              <a:buChar char="•"/>
+              <a:defRPr sz="1800" kern="1200">
+                <a:solidFill>
+                  <a:schemeClr val="tx1"/>
+                </a:solidFill>
+                <a:latin typeface="+mn-lt"/>
+                <a:ea typeface="+mn-ea"/>
+                <a:cs typeface="+mn-cs"/>
+              </a:defRPr>
+            </a:lvl4pPr>
+            <a:lvl5pPr marL="2057400" indent="-228600" algn="l" defTabSz="914400" rtl="0" eaLnBrk="1" latinLnBrk="0" hangingPunct="1">
+              <a:lnSpc>
+                <a:spcPct val="90000"/>
+              </a:lnSpc>
+              <a:spcBef>
+                <a:spcPts val="500"/>
+              </a:spcBef>
+              <a:buFont typeface="Arial" panose="020B0604020202020204" pitchFamily="34" charset="0"/>
+              <a:buChar char="•"/>
+              <a:defRPr sz="1800" kern="1200">
+                <a:solidFill>
+                  <a:schemeClr val="tx1"/>
+                </a:solidFill>
+                <a:latin typeface="+mn-lt"/>
+                <a:ea typeface="+mn-ea"/>
+                <a:cs typeface="+mn-cs"/>
+              </a:defRPr>
+            </a:lvl5pPr>
+            <a:lvl6pPr marL="2514600" indent="-228600" algn="l" defTabSz="914400" rtl="0" eaLnBrk="1" latinLnBrk="0" hangingPunct="1">
+              <a:lnSpc>
+                <a:spcPct val="90000"/>
+              </a:lnSpc>
+              <a:spcBef>
+                <a:spcPts val="500"/>
+              </a:spcBef>
+              <a:buFont typeface="Arial" panose="020B0604020202020204" pitchFamily="34" charset="0"/>
+              <a:buChar char="•"/>
+              <a:defRPr sz="1800" kern="1200">
+                <a:solidFill>
+                  <a:schemeClr val="tx1"/>
+                </a:solidFill>
+                <a:latin typeface="+mn-lt"/>
+                <a:ea typeface="+mn-ea"/>
+                <a:cs typeface="+mn-cs"/>
+              </a:defRPr>
+            </a:lvl6pPr>
+            <a:lvl7pPr marL="2971800" indent="-228600" algn="l" defTabSz="914400" rtl="0" eaLnBrk="1" latinLnBrk="0" hangingPunct="1">
+              <a:lnSpc>
+                <a:spcPct val="90000"/>
+              </a:lnSpc>
+              <a:spcBef>
+                <a:spcPts val="500"/>
+              </a:spcBef>
+              <a:buFont typeface="Arial" panose="020B0604020202020204" pitchFamily="34" charset="0"/>
+              <a:buChar char="•"/>
+              <a:defRPr sz="1800" kern="1200">
+                <a:solidFill>
+                  <a:schemeClr val="tx1"/>
+                </a:solidFill>
+                <a:latin typeface="+mn-lt"/>
+                <a:ea typeface="+mn-ea"/>
+                <a:cs typeface="+mn-cs"/>
+              </a:defRPr>
+            </a:lvl7pPr>
+            <a:lvl8pPr marL="3429000" indent="-228600" algn="l" defTabSz="914400" rtl="0" eaLnBrk="1" latinLnBrk="0" hangingPunct="1">
+              <a:lnSpc>
+                <a:spcPct val="90000"/>
+              </a:lnSpc>
+              <a:spcBef>
+                <a:spcPts val="500"/>
+              </a:spcBef>
+              <a:buFont typeface="Arial" panose="020B0604020202020204" pitchFamily="34" charset="0"/>
+              <a:buChar char="•"/>
+              <a:defRPr sz="1800" kern="1200">
+                <a:solidFill>
+                  <a:schemeClr val="tx1"/>
+                </a:solidFill>
+                <a:latin typeface="+mn-lt"/>
+                <a:ea typeface="+mn-ea"/>
+                <a:cs typeface="+mn-cs"/>
+              </a:defRPr>
+            </a:lvl8pPr>
+            <a:lvl9pPr marL="3886200" indent="-228600" algn="l" defTabSz="914400" rtl="0" eaLnBrk="1" latinLnBrk="0" hangingPunct="1">
+              <a:lnSpc>
+                <a:spcPct val="90000"/>
+              </a:lnSpc>
+              <a:spcBef>
+                <a:spcPts val="500"/>
+              </a:spcBef>
+              <a:buFont typeface="Arial" panose="020B0604020202020204" pitchFamily="34" charset="0"/>
+              <a:buChar char="•"/>
+              <a:defRPr sz="1800" kern="1200">
+                <a:solidFill>
+                  <a:schemeClr val="tx1"/>
+                </a:solidFill>
+                <a:latin typeface="+mn-lt"/>
+                <a:ea typeface="+mn-ea"/>
+                <a:cs typeface="+mn-cs"/>
+              </a:defRPr>
+            </a:lvl9pPr>
+          </a:lstStyle>
+          <a:p>
+            <a:r>
+              <a:rPr lang="fr-CH" dirty="0"/>
+              <a:t>Pour calculer l’équivalent de la loss function qu’on avait chez le neurone, on devra «traverser» tout le réseau de neurone, pour voir la prédiction de xi faite par le réseau, et ensuite la comparer à yi attendue, pour changer les poids selon l’erreur</a:t>
+            </a:r>
+          </a:p>
+        </p:txBody>
+      </p:sp>
+    </p:spTree>
+    <p:extLst>
+      <p:ext uri="{BB962C8B-B14F-4D97-AF65-F5344CB8AC3E}">
+        <p14:creationId xmlns:p14="http://schemas.microsoft.com/office/powerpoint/2010/main" val="2835223501"/>
       </p:ext>
     </p:extLst>
   </p:cSld>
@@ -33575,6 +35316,119 @@
     <p:extLst>
       <p:ext uri="{BB962C8B-B14F-4D97-AF65-F5344CB8AC3E}">
         <p14:creationId xmlns:p14="http://schemas.microsoft.com/office/powerpoint/2010/main" val="621144514"/>
+      </p:ext>
+    </p:extLst>
+  </p:cSld>
+  <p:clrMapOvr>
+    <a:masterClrMapping/>
+  </p:clrMapOvr>
+</p:sld>
+</file>
+
+<file path=ppt/slides/slide70.xml><?xml version="1.0" encoding="utf-8"?>
+<p:sld xmlns:a="http://schemas.openxmlformats.org/drawingml/2006/main" xmlns:r="http://schemas.openxmlformats.org/officeDocument/2006/relationships" xmlns:p="http://schemas.openxmlformats.org/presentationml/2006/main">
+  <p:cSld>
+    <p:spTree>
+      <p:nvGrpSpPr>
+        <p:cNvPr id="1" name=""/>
+        <p:cNvGrpSpPr/>
+        <p:nvPr/>
+      </p:nvGrpSpPr>
+      <p:grpSpPr>
+        <a:xfrm>
+          <a:off x="0" y="0"/>
+          <a:ext cx="0" cy="0"/>
+          <a:chOff x="0" y="0"/>
+          <a:chExt cx="0" cy="0"/>
+        </a:xfrm>
+      </p:grpSpPr>
+      <p:sp>
+        <p:nvSpPr>
+          <p:cNvPr id="2" name="Titre 1">
+            <a:extLst>
+              <a:ext uri="{FF2B5EF4-FFF2-40B4-BE49-F238E27FC236}">
+                <a16:creationId xmlns:a16="http://schemas.microsoft.com/office/drawing/2014/main" id="{21766C66-1FE8-40A6-86E7-67715FC56E02}"/>
+              </a:ext>
+            </a:extLst>
+          </p:cNvPr>
+          <p:cNvSpPr>
+            <a:spLocks noGrp="1"/>
+          </p:cNvSpPr>
+          <p:nvPr>
+            <p:ph type="title"/>
+          </p:nvPr>
+        </p:nvSpPr>
+        <p:spPr/>
+        <p:txBody>
+          <a:bodyPr>
+            <a:normAutofit/>
+          </a:bodyPr>
+          <a:lstStyle/>
+          <a:p>
+            <a:r>
+              <a:rPr lang="fr-FR" sz="1400" dirty="0">
+                <a:solidFill>
+                  <a:schemeClr val="accent1"/>
+                </a:solidFill>
+                <a:effectLst/>
+                <a:latin typeface="Arial" panose="020B0604020202020204" pitchFamily="34" charset="0"/>
+              </a:rPr>
+              <a:t>14.</a:t>
+            </a:r>
+            <a:r>
+              <a:rPr lang="fr-FR" sz="1400" dirty="0">
+                <a:effectLst/>
+                <a:latin typeface="Arial" panose="020B0604020202020204" pitchFamily="34" charset="0"/>
+              </a:rPr>
+              <a:t>Biais et équité: </a:t>
+            </a:r>
+            <a:r>
+              <a:rPr lang="fr-FR" sz="1400" dirty="0">
+                <a:solidFill>
+                  <a:srgbClr val="FF0000"/>
+                </a:solidFill>
+                <a:effectLst/>
+                <a:latin typeface="Arial" panose="020B0604020202020204" pitchFamily="34" charset="0"/>
+              </a:rPr>
+              <a:t>En quoi le protocole de gestion des données dans l’apprentissage supervisé (dont on rappellera les objectifs et principes) vise à éviter les biais dans l’apprentissage? Serait-il correct de tester un algorithme avec les données avec lesquels il a appris? Qu’est-ce que des attributs protégés et comment interviennent-ils dans un algorithme d’apprentissage supervisé? Comment peut-on espérer traduire l’équité dans un modelé probabiliste? L’équité dans l’apprentissage n’est-elle qu’un problème de qualité des données ou du choix de ses attributs ? Qu’est-ce que l’effet d’aggravation et ou le retrouve-ton? Citez des exemple set des contre-exemples.</a:t>
+            </a:r>
+            <a:endParaRPr lang="en-GB" sz="1400" dirty="0">
+              <a:solidFill>
+                <a:srgbClr val="FF0000"/>
+              </a:solidFill>
+            </a:endParaRPr>
+          </a:p>
+        </p:txBody>
+      </p:sp>
+      <p:sp>
+        <p:nvSpPr>
+          <p:cNvPr id="3" name="Espace réservé du contenu 2">
+            <a:extLst>
+              <a:ext uri="{FF2B5EF4-FFF2-40B4-BE49-F238E27FC236}">
+                <a16:creationId xmlns:a16="http://schemas.microsoft.com/office/drawing/2014/main" id="{55ECBF04-F52F-4B3F-9304-4E4A2E668DA9}"/>
+              </a:ext>
+            </a:extLst>
+          </p:cNvPr>
+          <p:cNvSpPr>
+            <a:spLocks noGrp="1"/>
+          </p:cNvSpPr>
+          <p:nvPr>
+            <p:ph idx="1"/>
+          </p:nvPr>
+        </p:nvSpPr>
+        <p:spPr/>
+        <p:txBody>
+          <a:bodyPr/>
+          <a:lstStyle/>
+          <a:p>
+            <a:endParaRPr lang="en-GB" dirty="0"/>
+          </a:p>
+        </p:txBody>
+      </p:sp>
+    </p:spTree>
+    <p:extLst>
+      <p:ext uri="{BB962C8B-B14F-4D97-AF65-F5344CB8AC3E}">
+        <p14:creationId xmlns:p14="http://schemas.microsoft.com/office/powerpoint/2010/main" val="2447558994"/>
       </p:ext>
     </p:extLst>
   </p:cSld>

--- a/intelligenceArtificielle/Intelligence_artificielle_exam.pptx
+++ b/intelligenceArtificielle/Intelligence_artificielle_exam.pptx
@@ -288,7 +288,7 @@
           <a:p>
             <a:fld id="{64CBD762-7D85-4C9B-9A27-1200EC1C67A3}" type="datetimeFigureOut">
               <a:rPr lang="fr-CH" smtClean="0"/>
-              <a:t>11.02.2021</a:t>
+              <a:t>12.02.2021</a:t>
             </a:fld>
             <a:endParaRPr lang="fr-CH"/>
           </a:p>
@@ -5485,7 +5485,19 @@
           <a:bodyPr/>
           <a:lstStyle/>
           <a:p>
+            <a:r>
+              <a:rPr lang="fr-CH" dirty="0"/>
+              <a:t>Cart indépendant de id3, alors que les 2 précédents c’est ce qu’on rajoute à id3</a:t>
+            </a:r>
+          </a:p>
+          <a:p>
             <a:endParaRPr lang="fr-CH" dirty="0"/>
+          </a:p>
+          <a:p>
+            <a:r>
+              <a:rPr lang="fr-CH" dirty="0"/>
+              <a:t>Gini c’est proche d’entropie</a:t>
+            </a:r>
           </a:p>
         </p:txBody>
       </p:sp>
@@ -9831,7 +9843,7 @@
           <a:p>
             <a:fld id="{6BA0C651-36BE-4F25-996B-0ED3B7563B8A}" type="datetime1">
               <a:rPr lang="en-GB" smtClean="0"/>
-              <a:t>11/02/2021</a:t>
+              <a:t>12/02/2021</a:t>
             </a:fld>
             <a:endParaRPr lang="en-GB"/>
           </a:p>
@@ -10031,7 +10043,7 @@
           <a:p>
             <a:fld id="{647B15B3-B407-46F5-A9EB-EBB6750A290F}" type="datetime1">
               <a:rPr lang="en-GB" smtClean="0"/>
-              <a:t>11/02/2021</a:t>
+              <a:t>12/02/2021</a:t>
             </a:fld>
             <a:endParaRPr lang="en-GB"/>
           </a:p>
@@ -10241,7 +10253,7 @@
           <a:p>
             <a:fld id="{EEECF5BA-2110-4E94-8C87-EB7F77F2A9A5}" type="datetime1">
               <a:rPr lang="en-GB" smtClean="0"/>
-              <a:t>11/02/2021</a:t>
+              <a:t>12/02/2021</a:t>
             </a:fld>
             <a:endParaRPr lang="en-GB"/>
           </a:p>
@@ -10441,7 +10453,7 @@
           <a:p>
             <a:fld id="{F0E54A93-BBE0-47C0-A9F5-9B6A200F5AC2}" type="datetime1">
               <a:rPr lang="en-GB" smtClean="0"/>
-              <a:t>11/02/2021</a:t>
+              <a:t>12/02/2021</a:t>
             </a:fld>
             <a:endParaRPr lang="en-GB"/>
           </a:p>
@@ -10717,7 +10729,7 @@
           <a:p>
             <a:fld id="{14D9E712-72FF-4AAB-9538-3D443F1BA524}" type="datetime1">
               <a:rPr lang="en-GB" smtClean="0"/>
-              <a:t>11/02/2021</a:t>
+              <a:t>12/02/2021</a:t>
             </a:fld>
             <a:endParaRPr lang="en-GB"/>
           </a:p>
@@ -10985,7 +10997,7 @@
           <a:p>
             <a:fld id="{BB671048-8EC1-4F64-97C7-17868E32E201}" type="datetime1">
               <a:rPr lang="en-GB" smtClean="0"/>
-              <a:t>11/02/2021</a:t>
+              <a:t>12/02/2021</a:t>
             </a:fld>
             <a:endParaRPr lang="en-GB"/>
           </a:p>
@@ -11400,7 +11412,7 @@
           <a:p>
             <a:fld id="{1CE61416-2112-4FBF-BE4E-9A47191459D7}" type="datetime1">
               <a:rPr lang="en-GB" smtClean="0"/>
-              <a:t>11/02/2021</a:t>
+              <a:t>12/02/2021</a:t>
             </a:fld>
             <a:endParaRPr lang="en-GB"/>
           </a:p>
@@ -11542,7 +11554,7 @@
           <a:p>
             <a:fld id="{E58C5296-2C67-4D41-A1D3-363DA344F6EB}" type="datetime1">
               <a:rPr lang="en-GB" smtClean="0"/>
-              <a:t>11/02/2021</a:t>
+              <a:t>12/02/2021</a:t>
             </a:fld>
             <a:endParaRPr lang="en-GB"/>
           </a:p>
@@ -11655,7 +11667,7 @@
           <a:p>
             <a:fld id="{11957EAF-6665-45F1-A9B7-604492BAFF08}" type="datetime1">
               <a:rPr lang="en-GB" smtClean="0"/>
-              <a:t>11/02/2021</a:t>
+              <a:t>12/02/2021</a:t>
             </a:fld>
             <a:endParaRPr lang="en-GB"/>
           </a:p>
@@ -11968,7 +11980,7 @@
           <a:p>
             <a:fld id="{DB799E9B-D4F1-4384-ABAE-DF912D7FDC74}" type="datetime1">
               <a:rPr lang="en-GB" smtClean="0"/>
-              <a:t>11/02/2021</a:t>
+              <a:t>12/02/2021</a:t>
             </a:fld>
             <a:endParaRPr lang="en-GB"/>
           </a:p>
@@ -12257,7 +12269,7 @@
           <a:p>
             <a:fld id="{213A4847-F66E-4084-97B2-0DB90D0E6611}" type="datetime1">
               <a:rPr lang="en-GB" smtClean="0"/>
-              <a:t>11/02/2021</a:t>
+              <a:t>12/02/2021</a:t>
             </a:fld>
             <a:endParaRPr lang="en-GB"/>
           </a:p>
@@ -12500,7 +12512,7 @@
           <a:p>
             <a:fld id="{5B71E91C-22AD-459B-9CC3-F7149AC73BC7}" type="datetime1">
               <a:rPr lang="en-GB" smtClean="0"/>
-              <a:t>11/02/2021</a:t>
+              <a:t>12/02/2021</a:t>
             </a:fld>
             <a:endParaRPr lang="en-GB"/>
           </a:p>
@@ -19745,23 +19757,9 @@
                 <a:effectLst/>
                 <a:latin typeface="Arial" panose="020B0604020202020204" pitchFamily="34" charset="0"/>
               </a:rPr>
-              <a:t>Planification:Qu’est-ceque la planification? Quel est la spécificité de l’approche proposée par rapport aux autres méthodes de recherche? Comment se caractérise un état, une action? Décrivez le chainage et la planification non-linéaire. </a:t>
-            </a:r>
-            <a:r>
-              <a:rPr lang="fr-FR" sz="1400" dirty="0">
-                <a:solidFill>
-                  <a:srgbClr val="FF0000"/>
-                </a:solidFill>
-                <a:effectLst/>
-                <a:latin typeface="Arial" panose="020B0604020202020204" pitchFamily="34" charset="0"/>
-              </a:rPr>
-              <a:t>Développez un exemple.</a:t>
-            </a:r>
-            <a:endParaRPr lang="en-GB" sz="1400" dirty="0">
-              <a:solidFill>
-                <a:srgbClr val="FF0000"/>
-              </a:solidFill>
-            </a:endParaRPr>
+              <a:t>Planification:Qu’est-ceque la planification? Quel est la spécificité de l’approche proposée par rapport aux autres méthodes de recherche? Comment se caractérise un état, une action? Décrivez le chainage et la planification non-linéaire. Développez un exemple.</a:t>
+            </a:r>
+            <a:endParaRPr lang="en-GB" sz="1400" dirty="0"/>
           </a:p>
         </p:txBody>
       </p:sp>
@@ -27716,23 +27714,9 @@
                 <a:effectLst/>
                 <a:latin typeface="Arial" panose="020B0604020202020204" pitchFamily="34" charset="0"/>
               </a:rPr>
-              <a:t>Arbres de Décision: Quel est le principe des arbres de décision? On pourra rappeler le principe de l’apprentissage supervisé. Comment est mesuré le gain d’information? Pourquoi peut-on utiliser l’entropie? Comment fonctionne l’algorithme ID3? Qu’est-ce que le sur-apprentissage? Comment le mesurer/détecter ? Comment l’éviter ou le contrer? </a:t>
-            </a:r>
-            <a:r>
-              <a:rPr lang="fr-FR" sz="1400" dirty="0">
-                <a:solidFill>
-                  <a:srgbClr val="FF0000"/>
-                </a:solidFill>
-                <a:effectLst/>
-                <a:latin typeface="Arial" panose="020B0604020202020204" pitchFamily="34" charset="0"/>
-              </a:rPr>
-              <a:t>On pourra mentionner l’évaluation des méthodes d’apprentissage.</a:t>
-            </a:r>
-            <a:endParaRPr lang="en-GB" sz="1400" dirty="0">
-              <a:solidFill>
-                <a:srgbClr val="FF0000"/>
-              </a:solidFill>
-            </a:endParaRPr>
+              <a:t>Arbres de Décision: Quel est le principe des arbres de décision? On pourra rappeler le principe de l’apprentissage supervisé. Comment est mesuré le gain d’information? Pourquoi peut-on utiliser l’entropie? Comment fonctionne l’algorithme ID3? Qu’est-ce que le sur-apprentissage? Comment le mesurer/détecter ? Comment l’éviter ou le contrer? On pourra mentionner l’évaluation des méthodes d’apprentissage.</a:t>
+            </a:r>
+            <a:endParaRPr lang="en-GB" sz="1400" dirty="0"/>
           </a:p>
         </p:txBody>
       </p:sp>
@@ -29199,8 +29183,8 @@
         </p:nvSpPr>
         <p:spPr>
           <a:xfrm>
-            <a:off x="759033" y="985090"/>
-            <a:ext cx="10673934" cy="4887819"/>
+            <a:off x="759033" y="1713374"/>
+            <a:ext cx="10673934" cy="3732567"/>
           </a:xfrm>
         </p:spPr>
         <p:txBody>
@@ -29211,7 +29195,40 @@
           <a:p>
             <a:r>
               <a:rPr lang="fr-CH" dirty="0"/>
-              <a:t>Le</a:t>
+              <a:t>C4.5:</a:t>
+            </a:r>
+          </a:p>
+          <a:p>
+            <a:pPr lvl="1"/>
+            <a:r>
+              <a:rPr lang="fr-CH" dirty="0"/>
+              <a:t>Permet de gérer des valeurs continues: on crée un seuil adaptatif est crée pour diviser les données</a:t>
+            </a:r>
+          </a:p>
+          <a:p>
+            <a:r>
+              <a:rPr lang="fr-CH" dirty="0"/>
+              <a:t>C5.0:</a:t>
+            </a:r>
+          </a:p>
+          <a:p>
+            <a:pPr lvl="1"/>
+            <a:r>
+              <a:rPr lang="fr-CH" dirty="0"/>
+              <a:t>Optimisation de la consommation de mémoire, et la rapidité</a:t>
+            </a:r>
+          </a:p>
+          <a:p>
+            <a:r>
+              <a:rPr lang="fr-CH" dirty="0"/>
+              <a:t>CART:</a:t>
+            </a:r>
+          </a:p>
+          <a:p>
+            <a:pPr lvl="1"/>
+            <a:r>
+              <a:rPr lang="fr-CH" dirty="0"/>
+              <a:t>Proposé indépendamment de ID3, minimise un index d’impureté Gini, plutôt que l’entropie</a:t>
             </a:r>
           </a:p>
         </p:txBody>
@@ -29275,8 +29292,8 @@
           <a:chExt cx="0" cy="0"/>
         </a:xfrm>
       </p:grpSpPr>
-      <mc:AlternateContent xmlns:mc="http://schemas.openxmlformats.org/markup-compatibility/2006">
-        <mc:Choice xmlns:a14="http://schemas.microsoft.com/office/drawing/2010/main" Requires="a14">
+      <mc:AlternateContent xmlns:mc="http://schemas.openxmlformats.org/markup-compatibility/2006" xmlns:a14="http://schemas.microsoft.com/office/drawing/2010/main">
+        <mc:Choice Requires="a14">
           <p:sp>
             <p:nvSpPr>
               <p:cNvPr id="2" name="Titre 1">
@@ -29340,7 +29357,7 @@
             </p:txBody>
           </p:sp>
         </mc:Choice>
-        <mc:Fallback>
+        <mc:Fallback xmlns="">
           <p:sp>
             <p:nvSpPr>
               <p:cNvPr id="2" name="Titre 1">
@@ -30266,8 +30283,8 @@
           </a:p>
         </p:txBody>
       </p:sp>
-      <mc:AlternateContent xmlns:mc="http://schemas.openxmlformats.org/markup-compatibility/2006">
-        <mc:Choice xmlns:a14="http://schemas.microsoft.com/office/drawing/2010/main" Requires="a14">
+      <mc:AlternateContent xmlns:mc="http://schemas.openxmlformats.org/markup-compatibility/2006" xmlns:a14="http://schemas.microsoft.com/office/drawing/2010/main">
+        <mc:Choice Requires="a14">
           <p:sp>
             <p:nvSpPr>
               <p:cNvPr id="8" name="ZoneTexte 7">
@@ -30339,7 +30356,7 @@
             </p:txBody>
           </p:sp>
         </mc:Choice>
-        <mc:Fallback>
+        <mc:Fallback xmlns="">
           <p:sp>
             <p:nvSpPr>
               <p:cNvPr id="8" name="ZoneTexte 7">
@@ -30384,8 +30401,8 @@
           </p:sp>
         </mc:Fallback>
       </mc:AlternateContent>
-      <mc:AlternateContent xmlns:mc="http://schemas.openxmlformats.org/markup-compatibility/2006">
-        <mc:Choice xmlns:a14="http://schemas.microsoft.com/office/drawing/2010/main" Requires="a14">
+      <mc:AlternateContent xmlns:mc="http://schemas.openxmlformats.org/markup-compatibility/2006" xmlns:a14="http://schemas.microsoft.com/office/drawing/2010/main">
+        <mc:Choice Requires="a14">
           <p:sp>
             <p:nvSpPr>
               <p:cNvPr id="10" name="Espace réservé du contenu 6">
@@ -30671,7 +30688,7 @@
             </p:txBody>
           </p:sp>
         </mc:Choice>
-        <mc:Fallback>
+        <mc:Fallback xmlns="">
           <p:sp>
             <p:nvSpPr>
               <p:cNvPr id="10" name="Espace réservé du contenu 6">
@@ -36537,15 +36554,7 @@
           <a:p>
             <a:r>
               <a:rPr lang="fr-CH" dirty="0"/>
-              <a:t>Avec un nombre de données de input important, un éventuel bruit dans une donnée pourra être «</a:t>
-            </a:r>
-            <a:r>
-              <a:rPr lang="fr-CH" dirty="0" err="1"/>
-              <a:t>éléminé</a:t>
-            </a:r>
-            <a:r>
-              <a:rPr lang="fr-CH" dirty="0"/>
-              <a:t>» </a:t>
+              <a:t>Avec un nombre de données de input important, un éventuel bruit dans une donnée pourra être «éliminé» </a:t>
             </a:r>
           </a:p>
         </p:txBody>
@@ -38888,23 +38897,9 @@
                 <a:effectLst/>
                 <a:latin typeface="Arial" panose="020B0604020202020204" pitchFamily="34" charset="0"/>
               </a:rPr>
-              <a:t>Réseaux de neurones: Rappelez le principe d’un neurone artificiel. Comment combine-t-on les neurones en réseaux? Comment entraine-t-on un réseau de neurones? Qu’est-ce que la fonction logistique? Comment est-elle utilisée dans un neurone artificiel? Quelles sont ses propriétés? </a:t>
-            </a:r>
-            <a:r>
-              <a:rPr lang="fr-FR" sz="1400" dirty="0">
-                <a:solidFill>
-                  <a:srgbClr val="FF0000"/>
-                </a:solidFill>
-                <a:effectLst/>
-                <a:latin typeface="Arial" panose="020B0604020202020204" pitchFamily="34" charset="0"/>
-              </a:rPr>
-              <a:t>Vous pourrez parler des principes des graphes computationnels et de la différentiation automatique.</a:t>
-            </a:r>
-            <a:endParaRPr lang="en-GB" sz="1400" dirty="0">
-              <a:solidFill>
-                <a:srgbClr val="FF0000"/>
-              </a:solidFill>
-            </a:endParaRPr>
+              <a:t>Réseaux de neurones: Rappelez le principe d’un neurone artificiel. Comment combine-t-on les neurones en réseaux? Comment entraine-t-on un réseau de neurones? Qu’est-ce que la fonction logistique? Comment est-elle utilisée dans un neurone artificiel? Quelles sont ses propriétés? Vous pourrez parler des principes des graphes computationnels et de la différentiation automatique.</a:t>
+            </a:r>
+            <a:endParaRPr lang="en-GB" sz="1400" dirty="0"/>
           </a:p>
         </p:txBody>
       </p:sp>
@@ -40944,8 +40939,8 @@
         </p:nvSpPr>
         <p:spPr>
           <a:xfrm>
-            <a:off x="1082040" y="1051283"/>
-            <a:ext cx="10515600" cy="5275340"/>
+            <a:off x="929640" y="1051283"/>
+            <a:ext cx="10668000" cy="5275340"/>
           </a:xfrm>
           <a:prstGeom prst="rect">
             <a:avLst/>
@@ -41122,7 +41117,7 @@
           <a:p>
             <a:r>
               <a:rPr lang="fr-CH" dirty="0"/>
-              <a:t>Pour</a:t>
+              <a:t>C’est avec cette algorithme qu’on va implémenter la «backpropagation» </a:t>
             </a:r>
           </a:p>
         </p:txBody>
@@ -41156,6 +41151,96 @@
           </a:p>
         </p:txBody>
       </p:sp>
+      <p:pic>
+        <p:nvPicPr>
+          <p:cNvPr id="7" name="Image 6">
+            <a:extLst>
+              <a:ext uri="{FF2B5EF4-FFF2-40B4-BE49-F238E27FC236}">
+                <a16:creationId xmlns:a16="http://schemas.microsoft.com/office/drawing/2014/main" id="{439697A6-C602-45AD-9581-035B7213DCBF}"/>
+              </a:ext>
+            </a:extLst>
+          </p:cNvPr>
+          <p:cNvPicPr>
+            <a:picLocks noChangeAspect="1"/>
+          </p:cNvPicPr>
+          <p:nvPr/>
+        </p:nvPicPr>
+        <p:blipFill>
+          <a:blip r:embed="rId3"/>
+          <a:stretch>
+            <a:fillRect/>
+          </a:stretch>
+        </p:blipFill>
+        <p:spPr>
+          <a:xfrm>
+            <a:off x="3161478" y="1839198"/>
+            <a:ext cx="5869044" cy="3179603"/>
+          </a:xfrm>
+          <a:prstGeom prst="rect">
+            <a:avLst/>
+          </a:prstGeom>
+        </p:spPr>
+      </p:pic>
+      <p:pic>
+        <p:nvPicPr>
+          <p:cNvPr id="9" name="Image 8">
+            <a:extLst>
+              <a:ext uri="{FF2B5EF4-FFF2-40B4-BE49-F238E27FC236}">
+                <a16:creationId xmlns:a16="http://schemas.microsoft.com/office/drawing/2014/main" id="{B557652A-F52C-43F1-9AC9-AC9E4CEC2B8C}"/>
+              </a:ext>
+            </a:extLst>
+          </p:cNvPr>
+          <p:cNvPicPr>
+            <a:picLocks noChangeAspect="1"/>
+          </p:cNvPicPr>
+          <p:nvPr/>
+        </p:nvPicPr>
+        <p:blipFill>
+          <a:blip r:embed="rId4"/>
+          <a:stretch>
+            <a:fillRect/>
+          </a:stretch>
+        </p:blipFill>
+        <p:spPr>
+          <a:xfrm>
+            <a:off x="2811603" y="5387229"/>
+            <a:ext cx="6568794" cy="691130"/>
+          </a:xfrm>
+          <a:prstGeom prst="rect">
+            <a:avLst/>
+          </a:prstGeom>
+        </p:spPr>
+      </p:pic>
+      <p:pic>
+        <p:nvPicPr>
+          <p:cNvPr id="11" name="Image 10">
+            <a:extLst>
+              <a:ext uri="{FF2B5EF4-FFF2-40B4-BE49-F238E27FC236}">
+                <a16:creationId xmlns:a16="http://schemas.microsoft.com/office/drawing/2014/main" id="{F82F90A5-7676-45E2-B8A3-8820DA115E74}"/>
+              </a:ext>
+            </a:extLst>
+          </p:cNvPr>
+          <p:cNvPicPr>
+            <a:picLocks noChangeAspect="1"/>
+          </p:cNvPicPr>
+          <p:nvPr/>
+        </p:nvPicPr>
+        <p:blipFill>
+          <a:blip r:embed="rId5"/>
+          <a:stretch>
+            <a:fillRect/>
+          </a:stretch>
+        </p:blipFill>
+        <p:spPr>
+          <a:xfrm>
+            <a:off x="9110791" y="4969234"/>
+            <a:ext cx="2953930" cy="531189"/>
+          </a:xfrm>
+          <a:prstGeom prst="rect">
+            <a:avLst/>
+          </a:prstGeom>
+        </p:spPr>
+      </p:pic>
     </p:spTree>
     <p:extLst>
       <p:ext uri="{BB962C8B-B14F-4D97-AF65-F5344CB8AC3E}">
